--- a/Taller Nicolas Hoyos  y Mariana Gomez.pptx
+++ b/Taller Nicolas Hoyos  y Mariana Gomez.pptx
@@ -6,6 +6,7 @@
   </p:sldMasterIdLst>
   <p:sldIdLst>
     <p:sldId id="256" r:id="rId2"/>
+    <p:sldId id="257" r:id="rId3"/>
   </p:sldIdLst>
   <p:sldSz cx="12192000" cy="6858000"/>
   <p:notesSz cx="6858000" cy="9144000"/>
@@ -104,6 +105,11 @@
       </a:defRPr>
     </a:lvl9pPr>
   </p:defaultTextStyle>
+  <p:extLst>
+    <p:ext uri="{EFAFB233-063F-42B5-8137-9DF3F51BA10A}">
+      <p15:sldGuideLst xmlns:p15="http://schemas.microsoft.com/office/powerpoint/2012/main"/>
+    </p:ext>
+  </p:extLst>
 </p:presentation>
 </file>
 
@@ -3364,8 +3370,16 @@
           <a:lstStyle/>
           <a:p>
             <a:r>
+              <a:rPr lang="es-CO" dirty="0"/>
+              <a:t>T</a:t>
+            </a:r>
+            <a:r>
+              <a:rPr lang="es-ES" dirty="0" err="1"/>
+              <a:t>aller</a:t>
+            </a:r>
+            <a:r>
               <a:rPr lang="es-ES" dirty="0"/>
-              <a:t>:p</a:t>
+              <a:t> 2 - Scripting</a:t>
             </a:r>
             <a:endParaRPr lang="es-CO" dirty="0"/>
           </a:p>
@@ -3392,7 +3406,21 @@
           <a:bodyPr/>
           <a:lstStyle/>
           <a:p>
+            <a:r>
+              <a:rPr lang="es-CO" dirty="0"/>
+              <a:t>Mariana </a:t>
+            </a:r>
+            <a:r>
+              <a:rPr lang="es-CO" dirty="0" err="1"/>
+              <a:t>Gomez</a:t>
+            </a:r>
             <a:endParaRPr lang="es-CO" dirty="0"/>
+          </a:p>
+          <a:p>
+            <a:r>
+              <a:rPr lang="es-CO" dirty="0"/>
+              <a:t>Nicolas Hoyos</a:t>
+            </a:r>
           </a:p>
         </p:txBody>
       </p:sp>
@@ -3400,6 +3428,119 @@
     <p:extLst>
       <p:ext uri="{BB962C8B-B14F-4D97-AF65-F5344CB8AC3E}">
         <p14:creationId xmlns:p14="http://schemas.microsoft.com/office/powerpoint/2010/main" val="2780714462"/>
+      </p:ext>
+    </p:extLst>
+  </p:cSld>
+  <p:clrMapOvr>
+    <a:masterClrMapping/>
+  </p:clrMapOvr>
+</p:sld>
+</file>
+
+<file path=ppt/slides/slide2.xml><?xml version="1.0" encoding="utf-8"?>
+<p:sld xmlns:a="http://schemas.openxmlformats.org/drawingml/2006/main" xmlns:r="http://schemas.openxmlformats.org/officeDocument/2006/relationships" xmlns:p="http://schemas.openxmlformats.org/presentationml/2006/main">
+  <p:cSld>
+    <p:spTree>
+      <p:nvGrpSpPr>
+        <p:cNvPr id="1" name=""/>
+        <p:cNvGrpSpPr/>
+        <p:nvPr/>
+      </p:nvGrpSpPr>
+      <p:grpSpPr>
+        <a:xfrm>
+          <a:off x="0" y="0"/>
+          <a:ext cx="0" cy="0"/>
+          <a:chOff x="0" y="0"/>
+          <a:chExt cx="0" cy="0"/>
+        </a:xfrm>
+      </p:grpSpPr>
+      <p:sp>
+        <p:nvSpPr>
+          <p:cNvPr id="2" name="Título 1">
+            <a:extLst>
+              <a:ext uri="{FF2B5EF4-FFF2-40B4-BE49-F238E27FC236}">
+                <a16:creationId xmlns:a16="http://schemas.microsoft.com/office/drawing/2014/main" id="{2ACBD37B-9421-944A-BC2F-5F0DE4CE19B2}"/>
+              </a:ext>
+            </a:extLst>
+          </p:cNvPr>
+          <p:cNvSpPr>
+            <a:spLocks noGrp="1"/>
+          </p:cNvSpPr>
+          <p:nvPr>
+            <p:ph type="title"/>
+          </p:nvPr>
+        </p:nvSpPr>
+        <p:spPr/>
+        <p:txBody>
+          <a:bodyPr/>
+          <a:lstStyle/>
+          <a:p>
+            <a:r>
+              <a:rPr lang="es-CO" dirty="0"/>
+              <a:t>¿Qué es un </a:t>
+            </a:r>
+            <a:r>
+              <a:rPr lang="es-CO" dirty="0" err="1"/>
+              <a:t>singleton</a:t>
+            </a:r>
+            <a:r>
+              <a:rPr lang="es-CO" dirty="0"/>
+              <a:t>?</a:t>
+            </a:r>
+            <a:endParaRPr lang="es-ES" dirty="0"/>
+          </a:p>
+        </p:txBody>
+      </p:sp>
+      <p:sp>
+        <p:nvSpPr>
+          <p:cNvPr id="3" name="Marcador de contenido 2">
+            <a:extLst>
+              <a:ext uri="{FF2B5EF4-FFF2-40B4-BE49-F238E27FC236}">
+                <a16:creationId xmlns:a16="http://schemas.microsoft.com/office/drawing/2014/main" id="{E660050E-060B-A6F4-3173-65DB8A7E656F}"/>
+              </a:ext>
+            </a:extLst>
+          </p:cNvPr>
+          <p:cNvSpPr>
+            <a:spLocks noGrp="1"/>
+          </p:cNvSpPr>
+          <p:nvPr>
+            <p:ph idx="1"/>
+          </p:nvPr>
+        </p:nvSpPr>
+        <p:spPr/>
+        <p:txBody>
+          <a:bodyPr/>
+          <a:lstStyle/>
+          <a:p>
+            <a:r>
+              <a:rPr lang="es-MX" dirty="0"/>
+              <a:t>Un </a:t>
+            </a:r>
+            <a:r>
+              <a:rPr lang="es-MX" dirty="0" err="1"/>
+              <a:t>singleton</a:t>
+            </a:r>
+            <a:r>
+              <a:rPr lang="es-MX" dirty="0"/>
+              <a:t> es un patrón de diseño en programación que garantiza que una clase tenga una única instancia y proporciona un punto de acceso global a esa instancia.</a:t>
+            </a:r>
+          </a:p>
+          <a:p>
+            <a:endParaRPr lang="es-MX" dirty="0"/>
+          </a:p>
+          <a:p>
+            <a:r>
+              <a:rPr lang="es-MX" dirty="0"/>
+              <a:t>Es como tener una única copia de algo importante en tu programa, como un personaje principal en un videojuego.</a:t>
+            </a:r>
+            <a:endParaRPr lang="es-ES" dirty="0"/>
+          </a:p>
+        </p:txBody>
+      </p:sp>
+    </p:spTree>
+    <p:extLst>
+      <p:ext uri="{BB962C8B-B14F-4D97-AF65-F5344CB8AC3E}">
+        <p14:creationId xmlns:p14="http://schemas.microsoft.com/office/powerpoint/2010/main" val="906066510"/>
       </p:ext>
     </p:extLst>
   </p:cSld>

--- a/Taller Nicolas Hoyos  y Mariana Gomez.pptx
+++ b/Taller Nicolas Hoyos  y Mariana Gomez.pptx
@@ -7,6 +7,7 @@
   <p:sldIdLst>
     <p:sldId id="256" r:id="rId2"/>
     <p:sldId id="257" r:id="rId3"/>
+    <p:sldId id="258" r:id="rId4"/>
   </p:sldIdLst>
   <p:sldSz cx="12192000" cy="6858000"/>
   <p:notesSz cx="6858000" cy="9144000"/>
@@ -3541,6 +3542,161 @@
     <p:extLst>
       <p:ext uri="{BB962C8B-B14F-4D97-AF65-F5344CB8AC3E}">
         <p14:creationId xmlns:p14="http://schemas.microsoft.com/office/powerpoint/2010/main" val="906066510"/>
+      </p:ext>
+    </p:extLst>
+  </p:cSld>
+  <p:clrMapOvr>
+    <a:masterClrMapping/>
+  </p:clrMapOvr>
+</p:sld>
+</file>
+
+<file path=ppt/slides/slide3.xml><?xml version="1.0" encoding="utf-8"?>
+<p:sld xmlns:a="http://schemas.openxmlformats.org/drawingml/2006/main" xmlns:r="http://schemas.openxmlformats.org/officeDocument/2006/relationships" xmlns:p="http://schemas.openxmlformats.org/presentationml/2006/main">
+  <p:cSld>
+    <p:spTree>
+      <p:nvGrpSpPr>
+        <p:cNvPr id="1" name=""/>
+        <p:cNvGrpSpPr/>
+        <p:nvPr/>
+      </p:nvGrpSpPr>
+      <p:grpSpPr>
+        <a:xfrm>
+          <a:off x="0" y="0"/>
+          <a:ext cx="0" cy="0"/>
+          <a:chOff x="0" y="0"/>
+          <a:chExt cx="0" cy="0"/>
+        </a:xfrm>
+      </p:grpSpPr>
+      <p:sp>
+        <p:nvSpPr>
+          <p:cNvPr id="2" name="Título 1">
+            <a:extLst>
+              <a:ext uri="{FF2B5EF4-FFF2-40B4-BE49-F238E27FC236}">
+                <a16:creationId xmlns:a16="http://schemas.microsoft.com/office/drawing/2014/main" id="{50E76838-37FD-0706-836D-95D53AB000DC}"/>
+              </a:ext>
+            </a:extLst>
+          </p:cNvPr>
+          <p:cNvSpPr>
+            <a:spLocks noGrp="1"/>
+          </p:cNvSpPr>
+          <p:nvPr>
+            <p:ph type="title"/>
+          </p:nvPr>
+        </p:nvSpPr>
+        <p:spPr/>
+        <p:txBody>
+          <a:bodyPr/>
+          <a:lstStyle/>
+          <a:p>
+            <a:r>
+              <a:rPr lang="es-CO" dirty="0"/>
+              <a:t>Pros y contras</a:t>
+            </a:r>
+            <a:endParaRPr lang="es-ES" dirty="0"/>
+          </a:p>
+        </p:txBody>
+      </p:sp>
+      <p:sp>
+        <p:nvSpPr>
+          <p:cNvPr id="3" name="Marcador de contenido 2">
+            <a:extLst>
+              <a:ext uri="{FF2B5EF4-FFF2-40B4-BE49-F238E27FC236}">
+                <a16:creationId xmlns:a16="http://schemas.microsoft.com/office/drawing/2014/main" id="{4E2A4AA7-C574-B03D-0294-ED0EEAA80ACC}"/>
+              </a:ext>
+            </a:extLst>
+          </p:cNvPr>
+          <p:cNvSpPr>
+            <a:spLocks noGrp="1"/>
+          </p:cNvSpPr>
+          <p:nvPr>
+            <p:ph idx="1"/>
+          </p:nvPr>
+        </p:nvSpPr>
+        <p:spPr/>
+        <p:txBody>
+          <a:bodyPr>
+            <a:normAutofit fontScale="85000" lnSpcReduction="20000"/>
+          </a:bodyPr>
+          <a:lstStyle/>
+          <a:p>
+            <a:pPr marL="0" indent="0">
+              <a:buNone/>
+            </a:pPr>
+            <a:r>
+              <a:rPr lang="es-MX" dirty="0"/>
+              <a:t>Pros:</a:t>
+            </a:r>
+          </a:p>
+          <a:p>
+            <a:endParaRPr lang="es-MX" dirty="0"/>
+          </a:p>
+          <a:p>
+            <a:r>
+              <a:rPr lang="es-MX" dirty="0"/>
+              <a:t>Control sobre la instancia única.</a:t>
+            </a:r>
+          </a:p>
+          <a:p>
+            <a:r>
+              <a:rPr lang="es-MX" dirty="0"/>
+              <a:t>Acceso global y fácil a la instancia.</a:t>
+            </a:r>
+          </a:p>
+          <a:p>
+            <a:r>
+              <a:rPr lang="es-MX" dirty="0"/>
+              <a:t>Eficiencia al crear la instancia solo cuando sea necesaria.</a:t>
+            </a:r>
+          </a:p>
+          <a:p>
+            <a:endParaRPr lang="es-MX" dirty="0"/>
+          </a:p>
+          <a:p>
+            <a:pPr marL="0" indent="0">
+              <a:buNone/>
+            </a:pPr>
+            <a:r>
+              <a:rPr lang="es-MX" dirty="0"/>
+              <a:t>Contras:</a:t>
+            </a:r>
+          </a:p>
+          <a:p>
+            <a:endParaRPr lang="es-MX" dirty="0"/>
+          </a:p>
+          <a:p>
+            <a:r>
+              <a:rPr lang="es-MX" dirty="0"/>
+              <a:t>Puede introducir acoplamiento fuerte en el código.</a:t>
+            </a:r>
+          </a:p>
+          <a:p>
+            <a:r>
+              <a:rPr lang="es-MX" dirty="0"/>
+              <a:t>Dificulta las pruebas unitarias debido al acceso global.</a:t>
+            </a:r>
+          </a:p>
+          <a:p>
+            <a:r>
+              <a:rPr lang="es-MX" dirty="0"/>
+              <a:t>Puede causar problemas de concurrencia en aplicaciones </a:t>
+            </a:r>
+            <a:r>
+              <a:rPr lang="es-MX" dirty="0" err="1"/>
+              <a:t>multi-hilo</a:t>
+            </a:r>
+            <a:r>
+              <a:rPr lang="es-MX" dirty="0"/>
+              <a:t>.</a:t>
+            </a:r>
+            <a:endParaRPr lang="es-ES" dirty="0"/>
+          </a:p>
+        </p:txBody>
+      </p:sp>
+    </p:spTree>
+    <p:extLst>
+      <p:ext uri="{BB962C8B-B14F-4D97-AF65-F5344CB8AC3E}">
+        <p14:creationId xmlns:p14="http://schemas.microsoft.com/office/powerpoint/2010/main" val="258026721"/>
       </p:ext>
     </p:extLst>
   </p:cSld>

--- a/Taller Nicolas Hoyos  y Mariana Gomez.pptx
+++ b/Taller Nicolas Hoyos  y Mariana Gomez.pptx
@@ -8,6 +8,7 @@
     <p:sldId id="256" r:id="rId2"/>
     <p:sldId id="257" r:id="rId3"/>
     <p:sldId id="258" r:id="rId4"/>
+    <p:sldId id="259" r:id="rId5"/>
   </p:sldIdLst>
   <p:sldSz cx="12192000" cy="6858000"/>
   <p:notesSz cx="6858000" cy="9144000"/>
@@ -263,7 +264,7 @@
           <a:p>
             <a:fld id="{9CD7C0FA-D301-4C61-8805-33DE22883747}" type="datetimeFigureOut">
               <a:rPr lang="es-CO" smtClean="0"/>
-              <a:t>11/04/2024</a:t>
+              <a:t>12/04/2024</a:t>
             </a:fld>
             <a:endParaRPr lang="es-CO"/>
           </a:p>
@@ -463,7 +464,7 @@
           <a:p>
             <a:fld id="{9CD7C0FA-D301-4C61-8805-33DE22883747}" type="datetimeFigureOut">
               <a:rPr lang="es-CO" smtClean="0"/>
-              <a:t>11/04/2024</a:t>
+              <a:t>12/04/2024</a:t>
             </a:fld>
             <a:endParaRPr lang="es-CO"/>
           </a:p>
@@ -673,7 +674,7 @@
           <a:p>
             <a:fld id="{9CD7C0FA-D301-4C61-8805-33DE22883747}" type="datetimeFigureOut">
               <a:rPr lang="es-CO" smtClean="0"/>
-              <a:t>11/04/2024</a:t>
+              <a:t>12/04/2024</a:t>
             </a:fld>
             <a:endParaRPr lang="es-CO"/>
           </a:p>
@@ -873,7 +874,7 @@
           <a:p>
             <a:fld id="{9CD7C0FA-D301-4C61-8805-33DE22883747}" type="datetimeFigureOut">
               <a:rPr lang="es-CO" smtClean="0"/>
-              <a:t>11/04/2024</a:t>
+              <a:t>12/04/2024</a:t>
             </a:fld>
             <a:endParaRPr lang="es-CO"/>
           </a:p>
@@ -1149,7 +1150,7 @@
           <a:p>
             <a:fld id="{9CD7C0FA-D301-4C61-8805-33DE22883747}" type="datetimeFigureOut">
               <a:rPr lang="es-CO" smtClean="0"/>
-              <a:t>11/04/2024</a:t>
+              <a:t>12/04/2024</a:t>
             </a:fld>
             <a:endParaRPr lang="es-CO"/>
           </a:p>
@@ -1417,7 +1418,7 @@
           <a:p>
             <a:fld id="{9CD7C0FA-D301-4C61-8805-33DE22883747}" type="datetimeFigureOut">
               <a:rPr lang="es-CO" smtClean="0"/>
-              <a:t>11/04/2024</a:t>
+              <a:t>12/04/2024</a:t>
             </a:fld>
             <a:endParaRPr lang="es-CO"/>
           </a:p>
@@ -1832,7 +1833,7 @@
           <a:p>
             <a:fld id="{9CD7C0FA-D301-4C61-8805-33DE22883747}" type="datetimeFigureOut">
               <a:rPr lang="es-CO" smtClean="0"/>
-              <a:t>11/04/2024</a:t>
+              <a:t>12/04/2024</a:t>
             </a:fld>
             <a:endParaRPr lang="es-CO"/>
           </a:p>
@@ -1974,7 +1975,7 @@
           <a:p>
             <a:fld id="{9CD7C0FA-D301-4C61-8805-33DE22883747}" type="datetimeFigureOut">
               <a:rPr lang="es-CO" smtClean="0"/>
-              <a:t>11/04/2024</a:t>
+              <a:t>12/04/2024</a:t>
             </a:fld>
             <a:endParaRPr lang="es-CO"/>
           </a:p>
@@ -2087,7 +2088,7 @@
           <a:p>
             <a:fld id="{9CD7C0FA-D301-4C61-8805-33DE22883747}" type="datetimeFigureOut">
               <a:rPr lang="es-CO" smtClean="0"/>
-              <a:t>11/04/2024</a:t>
+              <a:t>12/04/2024</a:t>
             </a:fld>
             <a:endParaRPr lang="es-CO"/>
           </a:p>
@@ -2400,7 +2401,7 @@
           <a:p>
             <a:fld id="{9CD7C0FA-D301-4C61-8805-33DE22883747}" type="datetimeFigureOut">
               <a:rPr lang="es-CO" smtClean="0"/>
-              <a:t>11/04/2024</a:t>
+              <a:t>12/04/2024</a:t>
             </a:fld>
             <a:endParaRPr lang="es-CO"/>
           </a:p>
@@ -2689,7 +2690,7 @@
           <a:p>
             <a:fld id="{9CD7C0FA-D301-4C61-8805-33DE22883747}" type="datetimeFigureOut">
               <a:rPr lang="es-CO" smtClean="0"/>
-              <a:t>11/04/2024</a:t>
+              <a:t>12/04/2024</a:t>
             </a:fld>
             <a:endParaRPr lang="es-CO"/>
           </a:p>
@@ -2932,7 +2933,7 @@
           <a:p>
             <a:fld id="{9CD7C0FA-D301-4C61-8805-33DE22883747}" type="datetimeFigureOut">
               <a:rPr lang="es-CO" smtClean="0"/>
-              <a:t>11/04/2024</a:t>
+              <a:t>12/04/2024</a:t>
             </a:fld>
             <a:endParaRPr lang="es-CO"/>
           </a:p>
@@ -3697,6 +3698,119 @@
     <p:extLst>
       <p:ext uri="{BB962C8B-B14F-4D97-AF65-F5344CB8AC3E}">
         <p14:creationId xmlns:p14="http://schemas.microsoft.com/office/powerpoint/2010/main" val="258026721"/>
+      </p:ext>
+    </p:extLst>
+  </p:cSld>
+  <p:clrMapOvr>
+    <a:masterClrMapping/>
+  </p:clrMapOvr>
+</p:sld>
+</file>
+
+<file path=ppt/slides/slide4.xml><?xml version="1.0" encoding="utf-8"?>
+<p:sld xmlns:a="http://schemas.openxmlformats.org/drawingml/2006/main" xmlns:r="http://schemas.openxmlformats.org/officeDocument/2006/relationships" xmlns:p="http://schemas.openxmlformats.org/presentationml/2006/main">
+  <p:cSld>
+    <p:spTree>
+      <p:nvGrpSpPr>
+        <p:cNvPr id="1" name=""/>
+        <p:cNvGrpSpPr/>
+        <p:nvPr/>
+      </p:nvGrpSpPr>
+      <p:grpSpPr>
+        <a:xfrm>
+          <a:off x="0" y="0"/>
+          <a:ext cx="0" cy="0"/>
+          <a:chOff x="0" y="0"/>
+          <a:chExt cx="0" cy="0"/>
+        </a:xfrm>
+      </p:grpSpPr>
+      <p:sp>
+        <p:nvSpPr>
+          <p:cNvPr id="2" name="Título 1">
+            <a:extLst>
+              <a:ext uri="{FF2B5EF4-FFF2-40B4-BE49-F238E27FC236}">
+                <a16:creationId xmlns:a16="http://schemas.microsoft.com/office/drawing/2014/main" id="{9F4E8EB3-1FD5-9A22-447F-EBDA8135DEDB}"/>
+              </a:ext>
+            </a:extLst>
+          </p:cNvPr>
+          <p:cNvSpPr>
+            <a:spLocks noGrp="1"/>
+          </p:cNvSpPr>
+          <p:nvPr>
+            <p:ph type="title"/>
+          </p:nvPr>
+        </p:nvSpPr>
+        <p:spPr/>
+        <p:txBody>
+          <a:bodyPr/>
+          <a:lstStyle/>
+          <a:p>
+            <a:r>
+              <a:rPr lang="es-CO" dirty="0"/>
+              <a:t>Implementación en C# y Unity</a:t>
+            </a:r>
+            <a:endParaRPr lang="es-ES" dirty="0"/>
+          </a:p>
+        </p:txBody>
+      </p:sp>
+      <p:sp>
+        <p:nvSpPr>
+          <p:cNvPr id="3" name="Marcador de contenido 2">
+            <a:extLst>
+              <a:ext uri="{FF2B5EF4-FFF2-40B4-BE49-F238E27FC236}">
+                <a16:creationId xmlns:a16="http://schemas.microsoft.com/office/drawing/2014/main" id="{A67115E6-AA6E-EACE-5908-9C85F34F9C07}"/>
+              </a:ext>
+            </a:extLst>
+          </p:cNvPr>
+          <p:cNvSpPr>
+            <a:spLocks noGrp="1"/>
+          </p:cNvSpPr>
+          <p:nvPr>
+            <p:ph idx="1"/>
+          </p:nvPr>
+        </p:nvSpPr>
+        <p:spPr/>
+        <p:txBody>
+          <a:bodyPr/>
+          <a:lstStyle/>
+          <a:p>
+            <a:r>
+              <a:rPr lang="es-MX" dirty="0"/>
+              <a:t>En C#, implementar un </a:t>
+            </a:r>
+            <a:r>
+              <a:rPr lang="es-MX" dirty="0" err="1"/>
+              <a:t>singleton</a:t>
+            </a:r>
+            <a:r>
+              <a:rPr lang="es-MX" dirty="0"/>
+              <a:t> significa crear una clase que solo pueda tener una instancia, y luego permitir que otras partes del código accedan a esa instancia única cuando la necesiten.</a:t>
+            </a:r>
+          </a:p>
+          <a:p>
+            <a:endParaRPr lang="es-MX" dirty="0"/>
+          </a:p>
+          <a:p>
+            <a:r>
+              <a:rPr lang="es-MX" dirty="0"/>
+              <a:t>En Unity, que usa C# para programar juegos, puedes usar </a:t>
+            </a:r>
+            <a:r>
+              <a:rPr lang="es-MX" dirty="0" err="1"/>
+              <a:t>singletons</a:t>
+            </a:r>
+            <a:r>
+              <a:rPr lang="es-MX" dirty="0"/>
+              <a:t> para controlar aspectos clave del juego, como la gestión del progreso o la interfaz del usuario.</a:t>
+            </a:r>
+            <a:endParaRPr lang="es-ES" dirty="0"/>
+          </a:p>
+        </p:txBody>
+      </p:sp>
+    </p:spTree>
+    <p:extLst>
+      <p:ext uri="{BB962C8B-B14F-4D97-AF65-F5344CB8AC3E}">
+        <p14:creationId xmlns:p14="http://schemas.microsoft.com/office/powerpoint/2010/main" val="2102172699"/>
       </p:ext>
     </p:extLst>
   </p:cSld>

--- a/Taller Nicolas Hoyos  y Mariana Gomez.pptx
+++ b/Taller Nicolas Hoyos  y Mariana Gomez.pptx
@@ -9,6 +9,7 @@
     <p:sldId id="257" r:id="rId3"/>
     <p:sldId id="258" r:id="rId4"/>
     <p:sldId id="259" r:id="rId5"/>
+    <p:sldId id="260" r:id="rId6"/>
   </p:sldIdLst>
   <p:sldSz cx="12192000" cy="6858000"/>
   <p:notesSz cx="6858000" cy="9144000"/>
@@ -3811,6 +3812,377 @@
     <p:extLst>
       <p:ext uri="{BB962C8B-B14F-4D97-AF65-F5344CB8AC3E}">
         <p14:creationId xmlns:p14="http://schemas.microsoft.com/office/powerpoint/2010/main" val="2102172699"/>
+      </p:ext>
+    </p:extLst>
+  </p:cSld>
+  <p:clrMapOvr>
+    <a:masterClrMapping/>
+  </p:clrMapOvr>
+</p:sld>
+</file>
+
+<file path=ppt/slides/slide5.xml><?xml version="1.0" encoding="utf-8"?>
+<p:sld xmlns:a="http://schemas.openxmlformats.org/drawingml/2006/main" xmlns:r="http://schemas.openxmlformats.org/officeDocument/2006/relationships" xmlns:p="http://schemas.openxmlformats.org/presentationml/2006/main">
+  <p:cSld>
+    <p:spTree>
+      <p:nvGrpSpPr>
+        <p:cNvPr id="1" name=""/>
+        <p:cNvGrpSpPr/>
+        <p:nvPr/>
+      </p:nvGrpSpPr>
+      <p:grpSpPr>
+        <a:xfrm>
+          <a:off x="0" y="0"/>
+          <a:ext cx="0" cy="0"/>
+          <a:chOff x="0" y="0"/>
+          <a:chExt cx="0" cy="0"/>
+        </a:xfrm>
+      </p:grpSpPr>
+      <p:sp>
+        <p:nvSpPr>
+          <p:cNvPr id="2" name="Título 1">
+            <a:extLst>
+              <a:ext uri="{FF2B5EF4-FFF2-40B4-BE49-F238E27FC236}">
+                <a16:creationId xmlns:a16="http://schemas.microsoft.com/office/drawing/2014/main" id="{DBA034C8-5124-580F-76C7-19523DAF5B57}"/>
+              </a:ext>
+            </a:extLst>
+          </p:cNvPr>
+          <p:cNvSpPr>
+            <a:spLocks noGrp="1"/>
+          </p:cNvSpPr>
+          <p:nvPr>
+            <p:ph type="title"/>
+          </p:nvPr>
+        </p:nvSpPr>
+        <p:spPr/>
+        <p:txBody>
+          <a:bodyPr/>
+          <a:lstStyle/>
+          <a:p>
+            <a:r>
+              <a:rPr lang="es-CO" dirty="0"/>
+              <a:t>Patrón de Diseño (</a:t>
+            </a:r>
+            <a:r>
+              <a:rPr lang="es-CO" dirty="0" err="1"/>
+              <a:t>Strategy</a:t>
+            </a:r>
+            <a:r>
+              <a:rPr lang="es-CO" dirty="0"/>
+              <a:t>):</a:t>
+            </a:r>
+            <a:endParaRPr lang="es-ES" dirty="0"/>
+          </a:p>
+        </p:txBody>
+      </p:sp>
+      <p:sp>
+        <p:nvSpPr>
+          <p:cNvPr id="3" name="Marcador de contenido 2">
+            <a:extLst>
+              <a:ext uri="{FF2B5EF4-FFF2-40B4-BE49-F238E27FC236}">
+                <a16:creationId xmlns:a16="http://schemas.microsoft.com/office/drawing/2014/main" id="{D60EFCCB-B474-4218-DEF3-90C2D1385C8E}"/>
+              </a:ext>
+            </a:extLst>
+          </p:cNvPr>
+          <p:cNvSpPr>
+            <a:spLocks noGrp="1"/>
+          </p:cNvSpPr>
+          <p:nvPr>
+            <p:ph idx="1"/>
+          </p:nvPr>
+        </p:nvSpPr>
+        <p:spPr>
+          <a:xfrm>
+            <a:off x="838200" y="1825625"/>
+            <a:ext cx="10515600" cy="1222375"/>
+          </a:xfrm>
+        </p:spPr>
+        <p:txBody>
+          <a:bodyPr>
+            <a:normAutofit lnSpcReduction="10000"/>
+          </a:bodyPr>
+          <a:lstStyle/>
+          <a:p>
+            <a:r>
+              <a:rPr lang="es-MX" dirty="0"/>
+              <a:t>El patrón de diseño </a:t>
+            </a:r>
+            <a:r>
+              <a:rPr lang="es-MX" dirty="0" err="1"/>
+              <a:t>Strategy</a:t>
+            </a:r>
+            <a:r>
+              <a:rPr lang="es-MX" dirty="0"/>
+              <a:t> es un patrón de comportamiento que permite definir una familia de algoritmos, encapsular cada uno de ellos y hacerlos intercambiables.</a:t>
+            </a:r>
+            <a:endParaRPr lang="es-ES" dirty="0"/>
+          </a:p>
+        </p:txBody>
+      </p:sp>
+      <p:sp>
+        <p:nvSpPr>
+          <p:cNvPr id="4" name="Título 1">
+            <a:extLst>
+              <a:ext uri="{FF2B5EF4-FFF2-40B4-BE49-F238E27FC236}">
+                <a16:creationId xmlns:a16="http://schemas.microsoft.com/office/drawing/2014/main" id="{1589F89B-8383-7548-32AB-F2B740EF8EEF}"/>
+              </a:ext>
+            </a:extLst>
+          </p:cNvPr>
+          <p:cNvSpPr txBox="1">
+            <a:spLocks/>
+          </p:cNvSpPr>
+          <p:nvPr/>
+        </p:nvSpPr>
+        <p:spPr>
+          <a:xfrm>
+            <a:off x="838200" y="3048000"/>
+            <a:ext cx="10515600" cy="1325563"/>
+          </a:xfrm>
+          <a:prstGeom prst="rect">
+            <a:avLst/>
+          </a:prstGeom>
+        </p:spPr>
+        <p:txBody>
+          <a:bodyPr vert="horz" lIns="91440" tIns="45720" rIns="91440" bIns="45720" rtlCol="0" anchor="ctr">
+            <a:normAutofit/>
+          </a:bodyPr>
+          <a:lstStyle>
+            <a:lvl1pPr algn="l" defTabSz="914400" rtl="0" eaLnBrk="1" latinLnBrk="0" hangingPunct="1">
+              <a:lnSpc>
+                <a:spcPct val="90000"/>
+              </a:lnSpc>
+              <a:spcBef>
+                <a:spcPct val="0"/>
+              </a:spcBef>
+              <a:buNone/>
+              <a:defRPr sz="4400" kern="1200">
+                <a:solidFill>
+                  <a:schemeClr val="tx1"/>
+                </a:solidFill>
+                <a:latin typeface="+mj-lt"/>
+                <a:ea typeface="+mj-ea"/>
+                <a:cs typeface="+mj-cs"/>
+              </a:defRPr>
+            </a:lvl1pPr>
+          </a:lstStyle>
+          <a:p>
+            <a:r>
+              <a:rPr lang="es-CO" dirty="0"/>
+              <a:t>Principio de Responsabilidad Única (SRP):</a:t>
+            </a:r>
+            <a:endParaRPr lang="es-ES" dirty="0"/>
+          </a:p>
+        </p:txBody>
+      </p:sp>
+      <p:sp>
+        <p:nvSpPr>
+          <p:cNvPr id="5" name="Marcador de contenido 2">
+            <a:extLst>
+              <a:ext uri="{FF2B5EF4-FFF2-40B4-BE49-F238E27FC236}">
+                <a16:creationId xmlns:a16="http://schemas.microsoft.com/office/drawing/2014/main" id="{244C968B-D255-486E-741E-16D86927B054}"/>
+              </a:ext>
+            </a:extLst>
+          </p:cNvPr>
+          <p:cNvSpPr txBox="1">
+            <a:spLocks/>
+          </p:cNvSpPr>
+          <p:nvPr/>
+        </p:nvSpPr>
+        <p:spPr>
+          <a:xfrm>
+            <a:off x="838200" y="4508500"/>
+            <a:ext cx="10515600" cy="1222375"/>
+          </a:xfrm>
+          <a:prstGeom prst="rect">
+            <a:avLst/>
+          </a:prstGeom>
+        </p:spPr>
+        <p:txBody>
+          <a:bodyPr vert="horz" lIns="91440" tIns="45720" rIns="91440" bIns="45720" rtlCol="0">
+            <a:normAutofit/>
+          </a:bodyPr>
+          <a:lstStyle>
+            <a:lvl1pPr marL="228600" indent="-228600" algn="l" defTabSz="914400" rtl="0" eaLnBrk="1" latinLnBrk="0" hangingPunct="1">
+              <a:lnSpc>
+                <a:spcPct val="90000"/>
+              </a:lnSpc>
+              <a:spcBef>
+                <a:spcPts val="1000"/>
+              </a:spcBef>
+              <a:buFont typeface="Arial" panose="020B0604020202020204" pitchFamily="34" charset="0"/>
+              <a:buChar char="•"/>
+              <a:defRPr sz="2800" kern="1200">
+                <a:solidFill>
+                  <a:schemeClr val="tx1"/>
+                </a:solidFill>
+                <a:latin typeface="+mn-lt"/>
+                <a:ea typeface="+mn-ea"/>
+                <a:cs typeface="+mn-cs"/>
+              </a:defRPr>
+            </a:lvl1pPr>
+            <a:lvl2pPr marL="685800" indent="-228600" algn="l" defTabSz="914400" rtl="0" eaLnBrk="1" latinLnBrk="0" hangingPunct="1">
+              <a:lnSpc>
+                <a:spcPct val="90000"/>
+              </a:lnSpc>
+              <a:spcBef>
+                <a:spcPts val="500"/>
+              </a:spcBef>
+              <a:buFont typeface="Arial" panose="020B0604020202020204" pitchFamily="34" charset="0"/>
+              <a:buChar char="•"/>
+              <a:defRPr sz="2400" kern="1200">
+                <a:solidFill>
+                  <a:schemeClr val="tx1"/>
+                </a:solidFill>
+                <a:latin typeface="+mn-lt"/>
+                <a:ea typeface="+mn-ea"/>
+                <a:cs typeface="+mn-cs"/>
+              </a:defRPr>
+            </a:lvl2pPr>
+            <a:lvl3pPr marL="1143000" indent="-228600" algn="l" defTabSz="914400" rtl="0" eaLnBrk="1" latinLnBrk="0" hangingPunct="1">
+              <a:lnSpc>
+                <a:spcPct val="90000"/>
+              </a:lnSpc>
+              <a:spcBef>
+                <a:spcPts val="500"/>
+              </a:spcBef>
+              <a:buFont typeface="Arial" panose="020B0604020202020204" pitchFamily="34" charset="0"/>
+              <a:buChar char="•"/>
+              <a:defRPr sz="2000" kern="1200">
+                <a:solidFill>
+                  <a:schemeClr val="tx1"/>
+                </a:solidFill>
+                <a:latin typeface="+mn-lt"/>
+                <a:ea typeface="+mn-ea"/>
+                <a:cs typeface="+mn-cs"/>
+              </a:defRPr>
+            </a:lvl3pPr>
+            <a:lvl4pPr marL="1600200" indent="-228600" algn="l" defTabSz="914400" rtl="0" eaLnBrk="1" latinLnBrk="0" hangingPunct="1">
+              <a:lnSpc>
+                <a:spcPct val="90000"/>
+              </a:lnSpc>
+              <a:spcBef>
+                <a:spcPts val="500"/>
+              </a:spcBef>
+              <a:buFont typeface="Arial" panose="020B0604020202020204" pitchFamily="34" charset="0"/>
+              <a:buChar char="•"/>
+              <a:defRPr sz="1800" kern="1200">
+                <a:solidFill>
+                  <a:schemeClr val="tx1"/>
+                </a:solidFill>
+                <a:latin typeface="+mn-lt"/>
+                <a:ea typeface="+mn-ea"/>
+                <a:cs typeface="+mn-cs"/>
+              </a:defRPr>
+            </a:lvl4pPr>
+            <a:lvl5pPr marL="2057400" indent="-228600" algn="l" defTabSz="914400" rtl="0" eaLnBrk="1" latinLnBrk="0" hangingPunct="1">
+              <a:lnSpc>
+                <a:spcPct val="90000"/>
+              </a:lnSpc>
+              <a:spcBef>
+                <a:spcPts val="500"/>
+              </a:spcBef>
+              <a:buFont typeface="Arial" panose="020B0604020202020204" pitchFamily="34" charset="0"/>
+              <a:buChar char="•"/>
+              <a:defRPr sz="1800" kern="1200">
+                <a:solidFill>
+                  <a:schemeClr val="tx1"/>
+                </a:solidFill>
+                <a:latin typeface="+mn-lt"/>
+                <a:ea typeface="+mn-ea"/>
+                <a:cs typeface="+mn-cs"/>
+              </a:defRPr>
+            </a:lvl5pPr>
+            <a:lvl6pPr marL="2514600" indent="-228600" algn="l" defTabSz="914400" rtl="0" eaLnBrk="1" latinLnBrk="0" hangingPunct="1">
+              <a:lnSpc>
+                <a:spcPct val="90000"/>
+              </a:lnSpc>
+              <a:spcBef>
+                <a:spcPts val="500"/>
+              </a:spcBef>
+              <a:buFont typeface="Arial" panose="020B0604020202020204" pitchFamily="34" charset="0"/>
+              <a:buChar char="•"/>
+              <a:defRPr sz="1800" kern="1200">
+                <a:solidFill>
+                  <a:schemeClr val="tx1"/>
+                </a:solidFill>
+                <a:latin typeface="+mn-lt"/>
+                <a:ea typeface="+mn-ea"/>
+                <a:cs typeface="+mn-cs"/>
+              </a:defRPr>
+            </a:lvl6pPr>
+            <a:lvl7pPr marL="2971800" indent="-228600" algn="l" defTabSz="914400" rtl="0" eaLnBrk="1" latinLnBrk="0" hangingPunct="1">
+              <a:lnSpc>
+                <a:spcPct val="90000"/>
+              </a:lnSpc>
+              <a:spcBef>
+                <a:spcPts val="500"/>
+              </a:spcBef>
+              <a:buFont typeface="Arial" panose="020B0604020202020204" pitchFamily="34" charset="0"/>
+              <a:buChar char="•"/>
+              <a:defRPr sz="1800" kern="1200">
+                <a:solidFill>
+                  <a:schemeClr val="tx1"/>
+                </a:solidFill>
+                <a:latin typeface="+mn-lt"/>
+                <a:ea typeface="+mn-ea"/>
+                <a:cs typeface="+mn-cs"/>
+              </a:defRPr>
+            </a:lvl7pPr>
+            <a:lvl8pPr marL="3429000" indent="-228600" algn="l" defTabSz="914400" rtl="0" eaLnBrk="1" latinLnBrk="0" hangingPunct="1">
+              <a:lnSpc>
+                <a:spcPct val="90000"/>
+              </a:lnSpc>
+              <a:spcBef>
+                <a:spcPts val="500"/>
+              </a:spcBef>
+              <a:buFont typeface="Arial" panose="020B0604020202020204" pitchFamily="34" charset="0"/>
+              <a:buChar char="•"/>
+              <a:defRPr sz="1800" kern="1200">
+                <a:solidFill>
+                  <a:schemeClr val="tx1"/>
+                </a:solidFill>
+                <a:latin typeface="+mn-lt"/>
+                <a:ea typeface="+mn-ea"/>
+                <a:cs typeface="+mn-cs"/>
+              </a:defRPr>
+            </a:lvl8pPr>
+            <a:lvl9pPr marL="3886200" indent="-228600" algn="l" defTabSz="914400" rtl="0" eaLnBrk="1" latinLnBrk="0" hangingPunct="1">
+              <a:lnSpc>
+                <a:spcPct val="90000"/>
+              </a:lnSpc>
+              <a:spcBef>
+                <a:spcPts val="500"/>
+              </a:spcBef>
+              <a:buFont typeface="Arial" panose="020B0604020202020204" pitchFamily="34" charset="0"/>
+              <a:buChar char="•"/>
+              <a:defRPr sz="1800" kern="1200">
+                <a:solidFill>
+                  <a:schemeClr val="tx1"/>
+                </a:solidFill>
+                <a:latin typeface="+mn-lt"/>
+                <a:ea typeface="+mn-ea"/>
+                <a:cs typeface="+mn-cs"/>
+              </a:defRPr>
+            </a:lvl9pPr>
+          </a:lstStyle>
+          <a:p>
+            <a:r>
+              <a:rPr lang="es-MX" dirty="0"/>
+              <a:t>El principio de responsabilidad única establece que una clase debe tener solo una razón para cambia.</a:t>
+            </a:r>
+          </a:p>
+          <a:p>
+            <a:pPr marL="0" indent="0">
+              <a:buNone/>
+            </a:pPr>
+            <a:endParaRPr lang="es-ES" dirty="0"/>
+          </a:p>
+        </p:txBody>
+      </p:sp>
+    </p:spTree>
+    <p:extLst>
+      <p:ext uri="{BB962C8B-B14F-4D97-AF65-F5344CB8AC3E}">
+        <p14:creationId xmlns:p14="http://schemas.microsoft.com/office/powerpoint/2010/main" val="1289437389"/>
       </p:ext>
     </p:extLst>
   </p:cSld>

--- a/Taller Nicolas Hoyos  y Mariana Gomez.pptx
+++ b/Taller Nicolas Hoyos  y Mariana Gomez.pptx
@@ -10,6 +10,7 @@
     <p:sldId id="258" r:id="rId4"/>
     <p:sldId id="259" r:id="rId5"/>
     <p:sldId id="260" r:id="rId6"/>
+    <p:sldId id="261" r:id="rId7"/>
   </p:sldIdLst>
   <p:sldSz cx="12192000" cy="6858000"/>
   <p:notesSz cx="6858000" cy="9144000"/>
@@ -4183,6 +4184,112 @@
     <p:extLst>
       <p:ext uri="{BB962C8B-B14F-4D97-AF65-F5344CB8AC3E}">
         <p14:creationId xmlns:p14="http://schemas.microsoft.com/office/powerpoint/2010/main" val="1289437389"/>
+      </p:ext>
+    </p:extLst>
+  </p:cSld>
+  <p:clrMapOvr>
+    <a:masterClrMapping/>
+  </p:clrMapOvr>
+</p:sld>
+</file>
+
+<file path=ppt/slides/slide6.xml><?xml version="1.0" encoding="utf-8"?>
+<p:sld xmlns:a="http://schemas.openxmlformats.org/drawingml/2006/main" xmlns:r="http://schemas.openxmlformats.org/officeDocument/2006/relationships" xmlns:p="http://schemas.openxmlformats.org/presentationml/2006/main">
+  <p:cSld>
+    <p:spTree>
+      <p:nvGrpSpPr>
+        <p:cNvPr id="1" name=""/>
+        <p:cNvGrpSpPr/>
+        <p:nvPr/>
+      </p:nvGrpSpPr>
+      <p:grpSpPr>
+        <a:xfrm>
+          <a:off x="0" y="0"/>
+          <a:ext cx="0" cy="0"/>
+          <a:chOff x="0" y="0"/>
+          <a:chExt cx="0" cy="0"/>
+        </a:xfrm>
+      </p:grpSpPr>
+      <p:sp>
+        <p:nvSpPr>
+          <p:cNvPr id="2" name="Título 1">
+            <a:extLst>
+              <a:ext uri="{FF2B5EF4-FFF2-40B4-BE49-F238E27FC236}">
+                <a16:creationId xmlns:a16="http://schemas.microsoft.com/office/drawing/2014/main" id="{9B2594E6-7212-20CD-338A-1C52F7F868FE}"/>
+              </a:ext>
+            </a:extLst>
+          </p:cNvPr>
+          <p:cNvSpPr>
+            <a:spLocks noGrp="1"/>
+          </p:cNvSpPr>
+          <p:nvPr>
+            <p:ph type="title"/>
+          </p:nvPr>
+        </p:nvSpPr>
+        <p:spPr/>
+        <p:txBody>
+          <a:bodyPr/>
+          <a:lstStyle/>
+          <a:p>
+            <a:r>
+              <a:rPr lang="es-CO" dirty="0"/>
+              <a:t>Diagrama de Clases</a:t>
+            </a:r>
+            <a:endParaRPr lang="es-ES" dirty="0"/>
+          </a:p>
+        </p:txBody>
+      </p:sp>
+      <p:pic>
+        <p:nvPicPr>
+          <p:cNvPr id="2050" name="Picture 2">
+            <a:extLst>
+              <a:ext uri="{FF2B5EF4-FFF2-40B4-BE49-F238E27FC236}">
+                <a16:creationId xmlns:a16="http://schemas.microsoft.com/office/drawing/2014/main" id="{19035E85-61AD-9780-43F3-011B1010337A}"/>
+              </a:ext>
+            </a:extLst>
+          </p:cNvPr>
+          <p:cNvPicPr>
+            <a:picLocks noChangeAspect="1" noChangeArrowheads="1"/>
+          </p:cNvPicPr>
+          <p:nvPr/>
+        </p:nvPicPr>
+        <p:blipFill>
+          <a:blip r:embed="rId2">
+            <a:extLst>
+              <a:ext uri="{28A0092B-C50C-407E-A947-70E740481C1C}">
+                <a14:useLocalDpi xmlns:a14="http://schemas.microsoft.com/office/drawing/2010/main" val="0"/>
+              </a:ext>
+            </a:extLst>
+          </a:blip>
+          <a:srcRect/>
+          <a:stretch>
+            <a:fillRect/>
+          </a:stretch>
+        </p:blipFill>
+        <p:spPr bwMode="auto">
+          <a:xfrm>
+            <a:off x="2043112" y="1533525"/>
+            <a:ext cx="8105775" cy="3790950"/>
+          </a:xfrm>
+          <a:prstGeom prst="rect">
+            <a:avLst/>
+          </a:prstGeom>
+          <a:noFill/>
+          <a:extLst>
+            <a:ext uri="{909E8E84-426E-40DD-AFC4-6F175D3DCCD1}">
+              <a14:hiddenFill xmlns:a14="http://schemas.microsoft.com/office/drawing/2010/main">
+                <a:solidFill>
+                  <a:srgbClr val="FFFFFF"/>
+                </a:solidFill>
+              </a14:hiddenFill>
+            </a:ext>
+          </a:extLst>
+        </p:spPr>
+      </p:pic>
+    </p:spTree>
+    <p:extLst>
+      <p:ext uri="{BB962C8B-B14F-4D97-AF65-F5344CB8AC3E}">
+        <p14:creationId xmlns:p14="http://schemas.microsoft.com/office/powerpoint/2010/main" val="1003276068"/>
       </p:ext>
     </p:extLst>
   </p:cSld>

--- a/Taller Nicolas Hoyos  y Mariana Gomez.pptx
+++ b/Taller Nicolas Hoyos  y Mariana Gomez.pptx
@@ -11,6 +11,7 @@
     <p:sldId id="259" r:id="rId5"/>
     <p:sldId id="260" r:id="rId6"/>
     <p:sldId id="261" r:id="rId7"/>
+    <p:sldId id="262" r:id="rId8"/>
   </p:sldIdLst>
   <p:sldSz cx="12192000" cy="6858000"/>
   <p:notesSz cx="6858000" cy="9144000"/>
@@ -4290,6 +4291,142 @@
     <p:extLst>
       <p:ext uri="{BB962C8B-B14F-4D97-AF65-F5344CB8AC3E}">
         <p14:creationId xmlns:p14="http://schemas.microsoft.com/office/powerpoint/2010/main" val="1003276068"/>
+      </p:ext>
+    </p:extLst>
+  </p:cSld>
+  <p:clrMapOvr>
+    <a:masterClrMapping/>
+  </p:clrMapOvr>
+</p:sld>
+</file>
+
+<file path=ppt/slides/slide7.xml><?xml version="1.0" encoding="utf-8"?>
+<p:sld xmlns:a="http://schemas.openxmlformats.org/drawingml/2006/main" xmlns:r="http://schemas.openxmlformats.org/officeDocument/2006/relationships" xmlns:p="http://schemas.openxmlformats.org/presentationml/2006/main">
+  <p:cSld>
+    <p:spTree>
+      <p:nvGrpSpPr>
+        <p:cNvPr id="1" name=""/>
+        <p:cNvGrpSpPr/>
+        <p:nvPr/>
+      </p:nvGrpSpPr>
+      <p:grpSpPr>
+        <a:xfrm>
+          <a:off x="0" y="0"/>
+          <a:ext cx="0" cy="0"/>
+          <a:chOff x="0" y="0"/>
+          <a:chExt cx="0" cy="0"/>
+        </a:xfrm>
+      </p:grpSpPr>
+      <p:sp>
+        <p:nvSpPr>
+          <p:cNvPr id="2" name="Título 1">
+            <a:extLst>
+              <a:ext uri="{FF2B5EF4-FFF2-40B4-BE49-F238E27FC236}">
+                <a16:creationId xmlns:a16="http://schemas.microsoft.com/office/drawing/2014/main" id="{0D118997-6248-35B3-DAA3-754C90DB2ACD}"/>
+              </a:ext>
+            </a:extLst>
+          </p:cNvPr>
+          <p:cNvSpPr>
+            <a:spLocks noGrp="1"/>
+          </p:cNvSpPr>
+          <p:nvPr>
+            <p:ph type="title"/>
+          </p:nvPr>
+        </p:nvSpPr>
+        <p:spPr/>
+        <p:txBody>
+          <a:bodyPr/>
+          <a:lstStyle/>
+          <a:p>
+            <a:r>
+              <a:rPr lang="es-CO" dirty="0"/>
+              <a:t>Ciclo de vida de un script en Unity</a:t>
+            </a:r>
+            <a:endParaRPr lang="es-ES" dirty="0"/>
+          </a:p>
+        </p:txBody>
+      </p:sp>
+      <p:sp>
+        <p:nvSpPr>
+          <p:cNvPr id="3" name="Marcador de contenido 2">
+            <a:extLst>
+              <a:ext uri="{FF2B5EF4-FFF2-40B4-BE49-F238E27FC236}">
+                <a16:creationId xmlns:a16="http://schemas.microsoft.com/office/drawing/2014/main" id="{DDC0EE1E-5641-3317-A4CB-A6D2965389BC}"/>
+              </a:ext>
+            </a:extLst>
+          </p:cNvPr>
+          <p:cNvSpPr>
+            <a:spLocks noGrp="1"/>
+          </p:cNvSpPr>
+          <p:nvPr>
+            <p:ph idx="1"/>
+          </p:nvPr>
+        </p:nvSpPr>
+        <p:spPr/>
+        <p:txBody>
+          <a:bodyPr/>
+          <a:lstStyle/>
+          <a:p>
+            <a:pPr marL="514350" indent="-514350">
+              <a:buFont typeface="+mj-lt"/>
+              <a:buAutoNum type="arabicPeriod"/>
+            </a:pPr>
+            <a:r>
+              <a:rPr lang="es-ES" dirty="0"/>
+              <a:t>Inicialización</a:t>
+            </a:r>
+          </a:p>
+          <a:p>
+            <a:pPr marL="514350" indent="-514350">
+              <a:buFont typeface="+mj-lt"/>
+              <a:buAutoNum type="arabicPeriod"/>
+            </a:pPr>
+            <a:r>
+              <a:rPr lang="es-ES" dirty="0"/>
+              <a:t>Activación</a:t>
+            </a:r>
+          </a:p>
+          <a:p>
+            <a:pPr marL="514350" indent="-514350">
+              <a:buFont typeface="+mj-lt"/>
+              <a:buAutoNum type="arabicPeriod"/>
+            </a:pPr>
+            <a:r>
+              <a:rPr lang="es-ES" dirty="0"/>
+              <a:t>Actualización por </a:t>
+            </a:r>
+            <a:r>
+              <a:rPr lang="es-ES" dirty="0" err="1"/>
+              <a:t>Frame</a:t>
+            </a:r>
+            <a:endParaRPr lang="es-ES" dirty="0"/>
+          </a:p>
+          <a:p>
+            <a:pPr marL="514350" indent="-514350">
+              <a:buFont typeface="+mj-lt"/>
+              <a:buAutoNum type="arabicPeriod"/>
+            </a:pPr>
+            <a:r>
+              <a:rPr lang="es-ES" dirty="0"/>
+              <a:t>Desactivación</a:t>
+            </a:r>
+          </a:p>
+          <a:p>
+            <a:pPr marL="514350" indent="-514350">
+              <a:buFont typeface="+mj-lt"/>
+              <a:buAutoNum type="arabicPeriod"/>
+            </a:pPr>
+            <a:r>
+              <a:rPr lang="es-ES" dirty="0"/>
+              <a:t>Finalización</a:t>
+            </a:r>
+          </a:p>
+        </p:txBody>
+      </p:sp>
+    </p:spTree>
+    <p:extLst>
+      <p:ext uri="{BB962C8B-B14F-4D97-AF65-F5344CB8AC3E}">
+        <p14:creationId xmlns:p14="http://schemas.microsoft.com/office/powerpoint/2010/main" val="3977671655"/>
       </p:ext>
     </p:extLst>
   </p:cSld>

--- a/Taller Nicolas Hoyos  y Mariana Gomez.pptx
+++ b/Taller Nicolas Hoyos  y Mariana Gomez.pptx
@@ -116,6 +116,5055 @@
     </p:ext>
   </p:extLst>
 </p:presentation>
+</file>
+
+<file path=ppt/diagrams/colors1.xml><?xml version="1.0" encoding="utf-8"?>
+<dgm:colorsDef xmlns:dgm="http://schemas.openxmlformats.org/drawingml/2006/diagram" xmlns:a="http://schemas.openxmlformats.org/drawingml/2006/main" uniqueId="urn:microsoft.com/office/officeart/2018/5/colors/Iconchunking_neutralbg_colorful1">
+  <dgm:title val=""/>
+  <dgm:desc val=""/>
+  <dgm:catLst>
+    <dgm:cat type="colorful" pri="10100"/>
+  </dgm:catLst>
+  <dgm:styleLbl name="node0">
+    <dgm:fillClrLst meth="repeat">
+      <a:schemeClr val="accent1"/>
+    </dgm:fillClrLst>
+    <dgm:linClrLst meth="repeat">
+      <a:schemeClr val="lt1"/>
+    </dgm:linClrLst>
+    <dgm:effectClrLst/>
+    <dgm:txLinClrLst/>
+    <dgm:txFillClrLst/>
+    <dgm:txEffectClrLst/>
+  </dgm:styleLbl>
+  <dgm:styleLbl name="node1">
+    <dgm:fillClrLst meth="repeat">
+      <a:schemeClr val="accent2"/>
+      <a:schemeClr val="accent3"/>
+      <a:schemeClr val="accent4"/>
+      <a:schemeClr val="accent5"/>
+      <a:schemeClr val="accent6"/>
+    </dgm:fillClrLst>
+    <dgm:linClrLst meth="repeat">
+      <a:schemeClr val="lt1">
+        <a:alpha val="0"/>
+      </a:schemeClr>
+    </dgm:linClrLst>
+    <dgm:effectClrLst/>
+    <dgm:txLinClrLst/>
+    <dgm:txFillClrLst/>
+    <dgm:txEffectClrLst/>
+  </dgm:styleLbl>
+  <dgm:styleLbl name="alignNode1">
+    <dgm:fillClrLst meth="repeat">
+      <a:schemeClr val="accent2"/>
+      <a:schemeClr val="accent3"/>
+      <a:schemeClr val="accent4"/>
+      <a:schemeClr val="accent5"/>
+      <a:schemeClr val="accent6"/>
+    </dgm:fillClrLst>
+    <dgm:linClrLst meth="repeat">
+      <a:schemeClr val="accent2"/>
+      <a:schemeClr val="accent3"/>
+      <a:schemeClr val="accent4"/>
+      <a:schemeClr val="accent5"/>
+      <a:schemeClr val="accent6"/>
+    </dgm:linClrLst>
+    <dgm:effectClrLst/>
+    <dgm:txLinClrLst/>
+    <dgm:txFillClrLst/>
+    <dgm:txEffectClrLst/>
+  </dgm:styleLbl>
+  <dgm:styleLbl name="lnNode1">
+    <dgm:fillClrLst meth="repeat">
+      <a:schemeClr val="accent2"/>
+      <a:schemeClr val="accent3"/>
+      <a:schemeClr val="accent4"/>
+      <a:schemeClr val="accent5"/>
+      <a:schemeClr val="accent6"/>
+    </dgm:fillClrLst>
+    <dgm:linClrLst meth="repeat">
+      <a:schemeClr val="lt1"/>
+    </dgm:linClrLst>
+    <dgm:effectClrLst/>
+    <dgm:txLinClrLst/>
+    <dgm:txFillClrLst/>
+    <dgm:txEffectClrLst/>
+  </dgm:styleLbl>
+  <dgm:styleLbl name="vennNode1">
+    <dgm:fillClrLst meth="repeat">
+      <a:schemeClr val="accent2">
+        <a:alpha val="50000"/>
+      </a:schemeClr>
+      <a:schemeClr val="accent3">
+        <a:alpha val="50000"/>
+      </a:schemeClr>
+      <a:schemeClr val="accent4">
+        <a:alpha val="50000"/>
+      </a:schemeClr>
+      <a:schemeClr val="accent5">
+        <a:alpha val="50000"/>
+      </a:schemeClr>
+      <a:schemeClr val="accent6">
+        <a:alpha val="50000"/>
+      </a:schemeClr>
+    </dgm:fillClrLst>
+    <dgm:linClrLst meth="repeat">
+      <a:schemeClr val="lt1"/>
+    </dgm:linClrLst>
+    <dgm:effectClrLst/>
+    <dgm:txLinClrLst/>
+    <dgm:txFillClrLst/>
+    <dgm:txEffectClrLst/>
+  </dgm:styleLbl>
+  <dgm:styleLbl name="node2">
+    <dgm:fillClrLst>
+      <a:schemeClr val="accent2"/>
+    </dgm:fillClrLst>
+    <dgm:linClrLst meth="repeat">
+      <a:schemeClr val="lt1"/>
+    </dgm:linClrLst>
+    <dgm:effectClrLst/>
+    <dgm:txLinClrLst/>
+    <dgm:txFillClrLst/>
+    <dgm:txEffectClrLst/>
+  </dgm:styleLbl>
+  <dgm:styleLbl name="node3">
+    <dgm:fillClrLst>
+      <a:schemeClr val="accent3"/>
+    </dgm:fillClrLst>
+    <dgm:linClrLst meth="repeat">
+      <a:schemeClr val="lt1"/>
+    </dgm:linClrLst>
+    <dgm:effectClrLst/>
+    <dgm:txLinClrLst/>
+    <dgm:txFillClrLst/>
+    <dgm:txEffectClrLst/>
+  </dgm:styleLbl>
+  <dgm:styleLbl name="node4">
+    <dgm:fillClrLst>
+      <a:schemeClr val="accent4"/>
+    </dgm:fillClrLst>
+    <dgm:linClrLst meth="repeat">
+      <a:schemeClr val="lt1"/>
+    </dgm:linClrLst>
+    <dgm:effectClrLst/>
+    <dgm:txLinClrLst/>
+    <dgm:txFillClrLst/>
+    <dgm:txEffectClrLst/>
+  </dgm:styleLbl>
+  <dgm:styleLbl name="fgImgPlace1">
+    <dgm:fillClrLst meth="repeat">
+      <a:schemeClr val="accent2">
+        <a:tint val="50000"/>
+      </a:schemeClr>
+      <a:schemeClr val="accent3">
+        <a:tint val="50000"/>
+      </a:schemeClr>
+      <a:schemeClr val="accent4">
+        <a:tint val="50000"/>
+      </a:schemeClr>
+      <a:schemeClr val="accent5">
+        <a:tint val="50000"/>
+      </a:schemeClr>
+      <a:schemeClr val="accent6">
+        <a:tint val="50000"/>
+      </a:schemeClr>
+    </dgm:fillClrLst>
+    <dgm:linClrLst meth="repeat">
+      <a:schemeClr val="lt1"/>
+    </dgm:linClrLst>
+    <dgm:effectClrLst/>
+    <dgm:txLinClrLst/>
+    <dgm:txFillClrLst meth="repeat">
+      <a:schemeClr val="lt1"/>
+    </dgm:txFillClrLst>
+    <dgm:txEffectClrLst/>
+  </dgm:styleLbl>
+  <dgm:styleLbl name="alignImgPlace1">
+    <dgm:fillClrLst>
+      <a:schemeClr val="accent1">
+        <a:tint val="50000"/>
+      </a:schemeClr>
+      <a:schemeClr val="accent2">
+        <a:tint val="20000"/>
+      </a:schemeClr>
+    </dgm:fillClrLst>
+    <dgm:linClrLst meth="repeat">
+      <a:schemeClr val="lt1"/>
+    </dgm:linClrLst>
+    <dgm:effectClrLst/>
+    <dgm:txLinClrLst/>
+    <dgm:txFillClrLst meth="repeat">
+      <a:schemeClr val="lt1"/>
+    </dgm:txFillClrLst>
+    <dgm:txEffectClrLst/>
+  </dgm:styleLbl>
+  <dgm:styleLbl name="bgImgPlace1">
+    <dgm:fillClrLst>
+      <a:schemeClr val="accent1">
+        <a:tint val="50000"/>
+      </a:schemeClr>
+      <a:schemeClr val="accent2">
+        <a:tint val="20000"/>
+      </a:schemeClr>
+    </dgm:fillClrLst>
+    <dgm:linClrLst meth="repeat">
+      <a:schemeClr val="lt1"/>
+    </dgm:linClrLst>
+    <dgm:effectClrLst/>
+    <dgm:txLinClrLst/>
+    <dgm:txFillClrLst meth="repeat">
+      <a:schemeClr val="lt1"/>
+    </dgm:txFillClrLst>
+    <dgm:txEffectClrLst/>
+  </dgm:styleLbl>
+  <dgm:styleLbl name="sibTrans2D1">
+    <dgm:fillClrLst meth="repeat">
+      <a:schemeClr val="accent2"/>
+      <a:schemeClr val="accent3"/>
+      <a:schemeClr val="accent4"/>
+      <a:schemeClr val="accent5"/>
+      <a:schemeClr val="accent6"/>
+    </dgm:fillClrLst>
+    <dgm:linClrLst meth="cycle">
+      <a:schemeClr val="lt1"/>
+    </dgm:linClrLst>
+    <dgm:effectClrLst/>
+    <dgm:txLinClrLst/>
+    <dgm:txFillClrLst/>
+    <dgm:txEffectClrLst/>
+  </dgm:styleLbl>
+  <dgm:styleLbl name="fgSibTrans2D1">
+    <dgm:fillClrLst meth="repeat">
+      <a:schemeClr val="accent2"/>
+      <a:schemeClr val="accent3"/>
+      <a:schemeClr val="accent4"/>
+      <a:schemeClr val="accent5"/>
+      <a:schemeClr val="accent6"/>
+    </dgm:fillClrLst>
+    <dgm:linClrLst meth="cycle">
+      <a:schemeClr val="lt1"/>
+    </dgm:linClrLst>
+    <dgm:effectClrLst/>
+    <dgm:txLinClrLst/>
+    <dgm:txFillClrLst meth="repeat">
+      <a:schemeClr val="lt1"/>
+    </dgm:txFillClrLst>
+    <dgm:txEffectClrLst/>
+  </dgm:styleLbl>
+  <dgm:styleLbl name="bgSibTrans2D1">
+    <dgm:fillClrLst meth="repeat">
+      <a:schemeClr val="accent2"/>
+      <a:schemeClr val="accent3"/>
+      <a:schemeClr val="accent4"/>
+      <a:schemeClr val="accent5"/>
+      <a:schemeClr val="accent6"/>
+    </dgm:fillClrLst>
+    <dgm:linClrLst meth="cycle">
+      <a:schemeClr val="lt1"/>
+    </dgm:linClrLst>
+    <dgm:effectClrLst/>
+    <dgm:txLinClrLst/>
+    <dgm:txFillClrLst meth="repeat">
+      <a:schemeClr val="lt1"/>
+    </dgm:txFillClrLst>
+    <dgm:txEffectClrLst/>
+  </dgm:styleLbl>
+  <dgm:styleLbl name="sibTrans1D1">
+    <dgm:fillClrLst meth="repeat">
+      <a:schemeClr val="accent2"/>
+      <a:schemeClr val="accent3"/>
+      <a:schemeClr val="accent4"/>
+      <a:schemeClr val="accent5"/>
+      <a:schemeClr val="accent6"/>
+    </dgm:fillClrLst>
+    <dgm:linClrLst meth="repeat">
+      <a:schemeClr val="accent2"/>
+      <a:schemeClr val="accent3"/>
+      <a:schemeClr val="accent4"/>
+      <a:schemeClr val="accent5"/>
+      <a:schemeClr val="accent6"/>
+    </dgm:linClrLst>
+    <dgm:effectClrLst/>
+    <dgm:txLinClrLst/>
+    <dgm:txFillClrLst meth="repeat">
+      <a:schemeClr val="tx1"/>
+    </dgm:txFillClrLst>
+    <dgm:txEffectClrLst/>
+  </dgm:styleLbl>
+  <dgm:styleLbl name="callout">
+    <dgm:fillClrLst meth="repeat">
+      <a:schemeClr val="accent2"/>
+    </dgm:fillClrLst>
+    <dgm:linClrLst meth="repeat">
+      <a:schemeClr val="accent2">
+        <a:tint val="50000"/>
+      </a:schemeClr>
+    </dgm:linClrLst>
+    <dgm:effectClrLst/>
+    <dgm:txLinClrLst/>
+    <dgm:txFillClrLst meth="repeat">
+      <a:schemeClr val="tx1"/>
+    </dgm:txFillClrLst>
+    <dgm:txEffectClrLst/>
+  </dgm:styleLbl>
+  <dgm:styleLbl name="asst0">
+    <dgm:fillClrLst meth="repeat">
+      <a:schemeClr val="accent1"/>
+    </dgm:fillClrLst>
+    <dgm:linClrLst meth="repeat">
+      <a:schemeClr val="lt1"/>
+    </dgm:linClrLst>
+    <dgm:effectClrLst/>
+    <dgm:txLinClrLst/>
+    <dgm:txFillClrLst/>
+    <dgm:txEffectClrLst/>
+  </dgm:styleLbl>
+  <dgm:styleLbl name="asst1">
+    <dgm:fillClrLst meth="repeat">
+      <a:schemeClr val="accent2"/>
+    </dgm:fillClrLst>
+    <dgm:linClrLst meth="repeat">
+      <a:schemeClr val="lt1"/>
+    </dgm:linClrLst>
+    <dgm:effectClrLst/>
+    <dgm:txLinClrLst/>
+    <dgm:txFillClrLst/>
+    <dgm:txEffectClrLst/>
+  </dgm:styleLbl>
+  <dgm:styleLbl name="asst2">
+    <dgm:fillClrLst>
+      <a:schemeClr val="accent3"/>
+    </dgm:fillClrLst>
+    <dgm:linClrLst meth="repeat">
+      <a:schemeClr val="lt1"/>
+    </dgm:linClrLst>
+    <dgm:effectClrLst/>
+    <dgm:txLinClrLst/>
+    <dgm:txFillClrLst/>
+    <dgm:txEffectClrLst/>
+  </dgm:styleLbl>
+  <dgm:styleLbl name="asst3">
+    <dgm:fillClrLst>
+      <a:schemeClr val="accent4"/>
+    </dgm:fillClrLst>
+    <dgm:linClrLst meth="repeat">
+      <a:schemeClr val="lt1"/>
+    </dgm:linClrLst>
+    <dgm:effectClrLst/>
+    <dgm:txLinClrLst/>
+    <dgm:txFillClrLst/>
+    <dgm:txEffectClrLst/>
+  </dgm:styleLbl>
+  <dgm:styleLbl name="asst4">
+    <dgm:fillClrLst>
+      <a:schemeClr val="accent5"/>
+    </dgm:fillClrLst>
+    <dgm:linClrLst meth="repeat">
+      <a:schemeClr val="lt1"/>
+    </dgm:linClrLst>
+    <dgm:effectClrLst/>
+    <dgm:txLinClrLst/>
+    <dgm:txFillClrLst/>
+    <dgm:txEffectClrLst/>
+  </dgm:styleLbl>
+  <dgm:styleLbl name="parChTrans2D1">
+    <dgm:fillClrLst meth="repeat">
+      <a:schemeClr val="accent2"/>
+    </dgm:fillClrLst>
+    <dgm:linClrLst meth="repeat">
+      <a:schemeClr val="lt1"/>
+    </dgm:linClrLst>
+    <dgm:effectClrLst/>
+    <dgm:txLinClrLst/>
+    <dgm:txFillClrLst meth="repeat">
+      <a:schemeClr val="lt1"/>
+    </dgm:txFillClrLst>
+    <dgm:txEffectClrLst/>
+  </dgm:styleLbl>
+  <dgm:styleLbl name="parChTrans2D2">
+    <dgm:fillClrLst meth="repeat">
+      <a:schemeClr val="accent3"/>
+    </dgm:fillClrLst>
+    <dgm:linClrLst meth="repeat">
+      <a:schemeClr val="lt1"/>
+    </dgm:linClrLst>
+    <dgm:effectClrLst/>
+    <dgm:txLinClrLst/>
+    <dgm:txFillClrLst/>
+    <dgm:txEffectClrLst/>
+  </dgm:styleLbl>
+  <dgm:styleLbl name="parChTrans2D3">
+    <dgm:fillClrLst meth="repeat">
+      <a:schemeClr val="accent4"/>
+    </dgm:fillClrLst>
+    <dgm:linClrLst meth="repeat">
+      <a:schemeClr val="lt1"/>
+    </dgm:linClrLst>
+    <dgm:effectClrLst/>
+    <dgm:txLinClrLst/>
+    <dgm:txFillClrLst/>
+    <dgm:txEffectClrLst/>
+  </dgm:styleLbl>
+  <dgm:styleLbl name="parChTrans2D4">
+    <dgm:fillClrLst meth="repeat">
+      <a:schemeClr val="accent5"/>
+    </dgm:fillClrLst>
+    <dgm:linClrLst meth="repeat">
+      <a:schemeClr val="lt1"/>
+    </dgm:linClrLst>
+    <dgm:effectClrLst/>
+    <dgm:txLinClrLst/>
+    <dgm:txFillClrLst meth="repeat">
+      <a:schemeClr val="lt1"/>
+    </dgm:txFillClrLst>
+    <dgm:txEffectClrLst/>
+  </dgm:styleLbl>
+  <dgm:styleLbl name="parChTrans1D1">
+    <dgm:fillClrLst meth="repeat">
+      <a:schemeClr val="accent2"/>
+    </dgm:fillClrLst>
+    <dgm:linClrLst meth="repeat">
+      <a:schemeClr val="accent1"/>
+    </dgm:linClrLst>
+    <dgm:effectClrLst/>
+    <dgm:txLinClrLst/>
+    <dgm:txFillClrLst meth="repeat">
+      <a:schemeClr val="tx1"/>
+    </dgm:txFillClrLst>
+    <dgm:txEffectClrLst/>
+  </dgm:styleLbl>
+  <dgm:styleLbl name="parChTrans1D2">
+    <dgm:fillClrLst meth="repeat">
+      <a:schemeClr val="accent3">
+        <a:tint val="90000"/>
+      </a:schemeClr>
+    </dgm:fillClrLst>
+    <dgm:linClrLst meth="repeat">
+      <a:schemeClr val="accent2"/>
+    </dgm:linClrLst>
+    <dgm:effectClrLst/>
+    <dgm:txLinClrLst/>
+    <dgm:txFillClrLst meth="repeat">
+      <a:schemeClr val="tx1"/>
+    </dgm:txFillClrLst>
+    <dgm:txEffectClrLst/>
+  </dgm:styleLbl>
+  <dgm:styleLbl name="parChTrans1D3">
+    <dgm:fillClrLst meth="repeat">
+      <a:schemeClr val="accent4">
+        <a:tint val="70000"/>
+      </a:schemeClr>
+    </dgm:fillClrLst>
+    <dgm:linClrLst meth="repeat">
+      <a:schemeClr val="accent3"/>
+    </dgm:linClrLst>
+    <dgm:effectClrLst/>
+    <dgm:txLinClrLst/>
+    <dgm:txFillClrLst meth="repeat">
+      <a:schemeClr val="tx1"/>
+    </dgm:txFillClrLst>
+    <dgm:txEffectClrLst/>
+  </dgm:styleLbl>
+  <dgm:styleLbl name="parChTrans1D4">
+    <dgm:fillClrLst meth="repeat">
+      <a:schemeClr val="accent5">
+        <a:tint val="50000"/>
+      </a:schemeClr>
+    </dgm:fillClrLst>
+    <dgm:linClrLst meth="repeat">
+      <a:schemeClr val="accent4"/>
+    </dgm:linClrLst>
+    <dgm:effectClrLst/>
+    <dgm:txLinClrLst/>
+    <dgm:txFillClrLst meth="repeat">
+      <a:schemeClr val="tx1"/>
+    </dgm:txFillClrLst>
+    <dgm:txEffectClrLst/>
+  </dgm:styleLbl>
+  <dgm:styleLbl name="fgAcc1">
+    <dgm:fillClrLst meth="repeat">
+      <a:schemeClr val="lt1">
+        <a:alpha val="90000"/>
+      </a:schemeClr>
+    </dgm:fillClrLst>
+    <dgm:linClrLst meth="repeat">
+      <a:schemeClr val="accent2"/>
+      <a:schemeClr val="accent3"/>
+      <a:schemeClr val="accent4"/>
+      <a:schemeClr val="accent5"/>
+      <a:schemeClr val="accent6"/>
+    </dgm:linClrLst>
+    <dgm:effectClrLst/>
+    <dgm:txLinClrLst/>
+    <dgm:txFillClrLst meth="repeat">
+      <a:schemeClr val="dk1"/>
+    </dgm:txFillClrLst>
+    <dgm:txEffectClrLst/>
+  </dgm:styleLbl>
+  <dgm:styleLbl name="conFgAcc1">
+    <dgm:fillClrLst meth="repeat">
+      <a:schemeClr val="lt1">
+        <a:alpha val="90000"/>
+      </a:schemeClr>
+    </dgm:fillClrLst>
+    <dgm:linClrLst meth="repeat">
+      <a:schemeClr val="accent2"/>
+      <a:schemeClr val="accent3"/>
+      <a:schemeClr val="accent4"/>
+      <a:schemeClr val="accent5"/>
+      <a:schemeClr val="accent6"/>
+    </dgm:linClrLst>
+    <dgm:effectClrLst/>
+    <dgm:txLinClrLst/>
+    <dgm:txFillClrLst meth="repeat">
+      <a:schemeClr val="dk1"/>
+    </dgm:txFillClrLst>
+    <dgm:txEffectClrLst/>
+  </dgm:styleLbl>
+  <dgm:styleLbl name="alignAcc1">
+    <dgm:fillClrLst meth="repeat">
+      <a:schemeClr val="lt1">
+        <a:alpha val="90000"/>
+      </a:schemeClr>
+    </dgm:fillClrLst>
+    <dgm:linClrLst meth="repeat">
+      <a:schemeClr val="accent2"/>
+      <a:schemeClr val="accent3"/>
+      <a:schemeClr val="accent4"/>
+      <a:schemeClr val="accent5"/>
+      <a:schemeClr val="accent6"/>
+    </dgm:linClrLst>
+    <dgm:effectClrLst/>
+    <dgm:txLinClrLst/>
+    <dgm:txFillClrLst meth="repeat">
+      <a:schemeClr val="dk1"/>
+    </dgm:txFillClrLst>
+    <dgm:txEffectClrLst/>
+  </dgm:styleLbl>
+  <dgm:styleLbl name="trAlignAcc1">
+    <dgm:fillClrLst meth="repeat">
+      <a:schemeClr val="lt1">
+        <a:alpha val="40000"/>
+      </a:schemeClr>
+    </dgm:fillClrLst>
+    <dgm:linClrLst meth="repeat">
+      <a:schemeClr val="accent1"/>
+    </dgm:linClrLst>
+    <dgm:effectClrLst/>
+    <dgm:txLinClrLst/>
+    <dgm:txFillClrLst meth="repeat">
+      <a:schemeClr val="dk1"/>
+    </dgm:txFillClrLst>
+    <dgm:txEffectClrLst/>
+  </dgm:styleLbl>
+  <dgm:styleLbl name="bgAcc1">
+    <dgm:fillClrLst meth="repeat">
+      <a:schemeClr val="lt1">
+        <a:alpha val="90000"/>
+      </a:schemeClr>
+    </dgm:fillClrLst>
+    <dgm:linClrLst meth="repeat">
+      <a:schemeClr val="accent2"/>
+      <a:schemeClr val="accent3"/>
+      <a:schemeClr val="accent4"/>
+      <a:schemeClr val="accent5"/>
+      <a:schemeClr val="accent6"/>
+    </dgm:linClrLst>
+    <dgm:effectClrLst/>
+    <dgm:txLinClrLst/>
+    <dgm:txFillClrLst meth="repeat">
+      <a:schemeClr val="dk1"/>
+    </dgm:txFillClrLst>
+    <dgm:txEffectClrLst/>
+  </dgm:styleLbl>
+  <dgm:styleLbl name="solidFgAcc1">
+    <dgm:fillClrLst meth="repeat">
+      <a:schemeClr val="lt1"/>
+    </dgm:fillClrLst>
+    <dgm:linClrLst meth="repeat">
+      <a:schemeClr val="accent2"/>
+      <a:schemeClr val="accent3"/>
+      <a:schemeClr val="accent4"/>
+      <a:schemeClr val="accent5"/>
+      <a:schemeClr val="accent6"/>
+    </dgm:linClrLst>
+    <dgm:effectClrLst/>
+    <dgm:txLinClrLst/>
+    <dgm:txFillClrLst meth="repeat">
+      <a:schemeClr val="dk1"/>
+    </dgm:txFillClrLst>
+    <dgm:txEffectClrLst/>
+  </dgm:styleLbl>
+  <dgm:styleLbl name="solidAlignAcc1">
+    <dgm:fillClrLst meth="repeat">
+      <a:schemeClr val="lt1"/>
+    </dgm:fillClrLst>
+    <dgm:linClrLst meth="repeat">
+      <a:schemeClr val="accent2"/>
+      <a:schemeClr val="accent3"/>
+      <a:schemeClr val="accent4"/>
+      <a:schemeClr val="accent5"/>
+      <a:schemeClr val="accent6"/>
+    </dgm:linClrLst>
+    <dgm:effectClrLst/>
+    <dgm:txLinClrLst/>
+    <dgm:txFillClrLst meth="repeat">
+      <a:schemeClr val="dk1"/>
+    </dgm:txFillClrLst>
+    <dgm:txEffectClrLst/>
+  </dgm:styleLbl>
+  <dgm:styleLbl name="solidBgAcc1">
+    <dgm:fillClrLst meth="repeat">
+      <a:schemeClr val="lt1"/>
+    </dgm:fillClrLst>
+    <dgm:linClrLst meth="repeat">
+      <a:schemeClr val="accent2"/>
+      <a:schemeClr val="accent3"/>
+      <a:schemeClr val="accent4"/>
+      <a:schemeClr val="accent5"/>
+      <a:schemeClr val="accent6"/>
+    </dgm:linClrLst>
+    <dgm:effectClrLst/>
+    <dgm:txLinClrLst/>
+    <dgm:txFillClrLst meth="repeat">
+      <a:schemeClr val="dk1"/>
+    </dgm:txFillClrLst>
+    <dgm:txEffectClrLst/>
+  </dgm:styleLbl>
+  <dgm:styleLbl name="fgAccFollowNode1">
+    <dgm:fillClrLst meth="repeat">
+      <a:schemeClr val="accent2">
+        <a:tint val="40000"/>
+        <a:alpha val="90000"/>
+      </a:schemeClr>
+      <a:schemeClr val="accent3">
+        <a:tint val="40000"/>
+        <a:alpha val="90000"/>
+      </a:schemeClr>
+      <a:schemeClr val="accent4">
+        <a:tint val="40000"/>
+        <a:alpha val="90000"/>
+      </a:schemeClr>
+      <a:schemeClr val="accent5">
+        <a:tint val="40000"/>
+        <a:alpha val="90000"/>
+      </a:schemeClr>
+      <a:schemeClr val="accent6">
+        <a:tint val="40000"/>
+        <a:alpha val="90000"/>
+      </a:schemeClr>
+    </dgm:fillClrLst>
+    <dgm:linClrLst meth="repeat">
+      <a:schemeClr val="accent2">
+        <a:tint val="40000"/>
+        <a:alpha val="90000"/>
+      </a:schemeClr>
+      <a:schemeClr val="accent3">
+        <a:tint val="40000"/>
+        <a:alpha val="90000"/>
+      </a:schemeClr>
+      <a:schemeClr val="accent4">
+        <a:tint val="40000"/>
+        <a:alpha val="90000"/>
+      </a:schemeClr>
+      <a:schemeClr val="accent5">
+        <a:tint val="40000"/>
+        <a:alpha val="90000"/>
+      </a:schemeClr>
+      <a:schemeClr val="accent6">
+        <a:tint val="40000"/>
+        <a:alpha val="90000"/>
+      </a:schemeClr>
+    </dgm:linClrLst>
+    <dgm:effectClrLst/>
+    <dgm:txLinClrLst/>
+    <dgm:txFillClrLst meth="repeat">
+      <a:schemeClr val="dk1"/>
+    </dgm:txFillClrLst>
+    <dgm:txEffectClrLst/>
+  </dgm:styleLbl>
+  <dgm:styleLbl name="alignAccFollowNode1">
+    <dgm:fillClrLst meth="repeat">
+      <a:schemeClr val="accent2">
+        <a:tint val="40000"/>
+        <a:alpha val="90000"/>
+      </a:schemeClr>
+      <a:schemeClr val="accent3">
+        <a:tint val="40000"/>
+        <a:alpha val="90000"/>
+      </a:schemeClr>
+      <a:schemeClr val="accent4">
+        <a:tint val="40000"/>
+        <a:alpha val="90000"/>
+      </a:schemeClr>
+      <a:schemeClr val="accent5">
+        <a:tint val="40000"/>
+        <a:alpha val="90000"/>
+      </a:schemeClr>
+      <a:schemeClr val="accent6">
+        <a:tint val="40000"/>
+        <a:alpha val="90000"/>
+      </a:schemeClr>
+    </dgm:fillClrLst>
+    <dgm:linClrLst meth="repeat">
+      <a:schemeClr val="accent2">
+        <a:tint val="40000"/>
+        <a:alpha val="90000"/>
+      </a:schemeClr>
+      <a:schemeClr val="accent3">
+        <a:tint val="40000"/>
+        <a:alpha val="90000"/>
+      </a:schemeClr>
+      <a:schemeClr val="accent4">
+        <a:tint val="40000"/>
+        <a:alpha val="90000"/>
+      </a:schemeClr>
+      <a:schemeClr val="accent5">
+        <a:tint val="40000"/>
+        <a:alpha val="90000"/>
+      </a:schemeClr>
+      <a:schemeClr val="accent6">
+        <a:tint val="40000"/>
+        <a:alpha val="90000"/>
+      </a:schemeClr>
+    </dgm:linClrLst>
+    <dgm:effectClrLst/>
+    <dgm:txLinClrLst/>
+    <dgm:txFillClrLst meth="repeat">
+      <a:schemeClr val="dk1"/>
+    </dgm:txFillClrLst>
+    <dgm:txEffectClrLst/>
+  </dgm:styleLbl>
+  <dgm:styleLbl name="bgAccFollowNode1">
+    <dgm:fillClrLst meth="repeat">
+      <a:schemeClr val="accent2">
+        <a:tint val="40000"/>
+        <a:alpha val="90000"/>
+      </a:schemeClr>
+      <a:schemeClr val="accent3">
+        <a:tint val="40000"/>
+        <a:alpha val="90000"/>
+      </a:schemeClr>
+      <a:schemeClr val="accent4">
+        <a:tint val="40000"/>
+        <a:alpha val="90000"/>
+      </a:schemeClr>
+      <a:schemeClr val="accent5">
+        <a:tint val="40000"/>
+        <a:alpha val="90000"/>
+      </a:schemeClr>
+      <a:schemeClr val="accent6">
+        <a:tint val="40000"/>
+        <a:alpha val="90000"/>
+      </a:schemeClr>
+    </dgm:fillClrLst>
+    <dgm:linClrLst meth="repeat">
+      <a:schemeClr val="accent2">
+        <a:tint val="40000"/>
+        <a:alpha val="90000"/>
+      </a:schemeClr>
+      <a:schemeClr val="accent3">
+        <a:tint val="40000"/>
+        <a:alpha val="90000"/>
+      </a:schemeClr>
+      <a:schemeClr val="accent4">
+        <a:tint val="40000"/>
+        <a:alpha val="90000"/>
+      </a:schemeClr>
+      <a:schemeClr val="accent5">
+        <a:tint val="40000"/>
+        <a:alpha val="90000"/>
+      </a:schemeClr>
+      <a:schemeClr val="accent6">
+        <a:tint val="40000"/>
+        <a:alpha val="90000"/>
+      </a:schemeClr>
+    </dgm:linClrLst>
+    <dgm:effectClrLst/>
+    <dgm:txLinClrLst/>
+    <dgm:txFillClrLst meth="repeat">
+      <a:schemeClr val="dk1"/>
+    </dgm:txFillClrLst>
+    <dgm:txEffectClrLst/>
+  </dgm:styleLbl>
+  <dgm:styleLbl name="fgAcc0">
+    <dgm:fillClrLst meth="repeat">
+      <a:schemeClr val="lt1">
+        <a:alpha val="90000"/>
+      </a:schemeClr>
+    </dgm:fillClrLst>
+    <dgm:linClrLst>
+      <a:schemeClr val="accent1"/>
+    </dgm:linClrLst>
+    <dgm:effectClrLst/>
+    <dgm:txLinClrLst/>
+    <dgm:txFillClrLst meth="repeat">
+      <a:schemeClr val="dk1"/>
+    </dgm:txFillClrLst>
+    <dgm:txEffectClrLst/>
+  </dgm:styleLbl>
+  <dgm:styleLbl name="fgAcc2">
+    <dgm:fillClrLst meth="repeat">
+      <a:schemeClr val="lt1">
+        <a:alpha val="90000"/>
+      </a:schemeClr>
+    </dgm:fillClrLst>
+    <dgm:linClrLst>
+      <a:schemeClr val="accent2"/>
+    </dgm:linClrLst>
+    <dgm:effectClrLst/>
+    <dgm:txLinClrLst/>
+    <dgm:txFillClrLst meth="repeat">
+      <a:schemeClr val="dk1"/>
+    </dgm:txFillClrLst>
+    <dgm:txEffectClrLst/>
+  </dgm:styleLbl>
+  <dgm:styleLbl name="fgAcc3">
+    <dgm:fillClrLst meth="repeat">
+      <a:schemeClr val="lt1">
+        <a:alpha val="90000"/>
+      </a:schemeClr>
+    </dgm:fillClrLst>
+    <dgm:linClrLst>
+      <a:schemeClr val="accent3"/>
+    </dgm:linClrLst>
+    <dgm:effectClrLst/>
+    <dgm:txLinClrLst/>
+    <dgm:txFillClrLst meth="repeat">
+      <a:schemeClr val="dk1"/>
+    </dgm:txFillClrLst>
+    <dgm:txEffectClrLst/>
+  </dgm:styleLbl>
+  <dgm:styleLbl name="fgAcc4">
+    <dgm:fillClrLst meth="repeat">
+      <a:schemeClr val="lt1">
+        <a:alpha val="90000"/>
+      </a:schemeClr>
+    </dgm:fillClrLst>
+    <dgm:linClrLst>
+      <a:schemeClr val="accent4"/>
+    </dgm:linClrLst>
+    <dgm:effectClrLst/>
+    <dgm:txLinClrLst/>
+    <dgm:txFillClrLst meth="repeat">
+      <a:schemeClr val="dk1"/>
+    </dgm:txFillClrLst>
+    <dgm:txEffectClrLst/>
+  </dgm:styleLbl>
+  <dgm:styleLbl name="bgShp">
+    <dgm:fillClrLst meth="repeat">
+      <a:schemeClr val="bg1">
+        <a:lumMod val="95000"/>
+      </a:schemeClr>
+    </dgm:fillClrLst>
+    <dgm:linClrLst meth="repeat">
+      <a:schemeClr val="dk1"/>
+    </dgm:linClrLst>
+    <dgm:effectClrLst/>
+    <dgm:txLinClrLst/>
+    <dgm:txFillClrLst meth="repeat">
+      <a:schemeClr val="dk1"/>
+    </dgm:txFillClrLst>
+    <dgm:txEffectClrLst/>
+  </dgm:styleLbl>
+  <dgm:styleLbl name="dkBgShp">
+    <dgm:fillClrLst meth="repeat">
+      <a:schemeClr val="accent2">
+        <a:shade val="90000"/>
+      </a:schemeClr>
+    </dgm:fillClrLst>
+    <dgm:linClrLst meth="repeat">
+      <a:schemeClr val="dk1"/>
+    </dgm:linClrLst>
+    <dgm:effectClrLst/>
+    <dgm:txLinClrLst/>
+    <dgm:txFillClrLst meth="repeat">
+      <a:schemeClr val="lt1"/>
+    </dgm:txFillClrLst>
+    <dgm:txEffectClrLst/>
+  </dgm:styleLbl>
+  <dgm:styleLbl name="trBgShp">
+    <dgm:fillClrLst meth="repeat">
+      <a:schemeClr val="accent1">
+        <a:tint val="50000"/>
+        <a:alpha val="40000"/>
+      </a:schemeClr>
+    </dgm:fillClrLst>
+    <dgm:linClrLst meth="repeat">
+      <a:schemeClr val="accent2"/>
+    </dgm:linClrLst>
+    <dgm:effectClrLst/>
+    <dgm:txLinClrLst/>
+    <dgm:txFillClrLst meth="repeat">
+      <a:schemeClr val="lt1"/>
+    </dgm:txFillClrLst>
+    <dgm:txEffectClrLst/>
+  </dgm:styleLbl>
+  <dgm:styleLbl name="fgShp">
+    <dgm:fillClrLst meth="repeat">
+      <a:schemeClr val="accent2">
+        <a:tint val="40000"/>
+      </a:schemeClr>
+    </dgm:fillClrLst>
+    <dgm:linClrLst meth="repeat">
+      <a:schemeClr val="lt1"/>
+    </dgm:linClrLst>
+    <dgm:effectClrLst/>
+    <dgm:txLinClrLst/>
+    <dgm:txFillClrLst meth="repeat">
+      <a:schemeClr val="dk1"/>
+    </dgm:txFillClrLst>
+    <dgm:txEffectClrLst/>
+  </dgm:styleLbl>
+  <dgm:styleLbl name="revTx">
+    <dgm:fillClrLst meth="repeat">
+      <a:schemeClr val="lt1">
+        <a:alpha val="0"/>
+      </a:schemeClr>
+    </dgm:fillClrLst>
+    <dgm:linClrLst meth="repeat">
+      <a:schemeClr val="dk1">
+        <a:alpha val="0"/>
+      </a:schemeClr>
+    </dgm:linClrLst>
+    <dgm:effectClrLst/>
+    <dgm:txLinClrLst/>
+    <dgm:txFillClrLst meth="repeat">
+      <a:schemeClr val="tx1"/>
+    </dgm:txFillClrLst>
+    <dgm:txEffectClrLst/>
+  </dgm:styleLbl>
+</dgm:colorsDef>
+</file>
+
+<file path=ppt/diagrams/colors2.xml><?xml version="1.0" encoding="utf-8"?>
+<dgm:colorsDef xmlns:dgm="http://schemas.openxmlformats.org/drawingml/2006/diagram" xmlns:a="http://schemas.openxmlformats.org/drawingml/2006/main" uniqueId="urn:microsoft.com/office/officeart/2005/8/colors/colorful5">
+  <dgm:title val=""/>
+  <dgm:desc val=""/>
+  <dgm:catLst>
+    <dgm:cat type="colorful" pri="10500"/>
+  </dgm:catLst>
+  <dgm:styleLbl name="node0">
+    <dgm:fillClrLst meth="repeat">
+      <a:schemeClr val="accent4"/>
+    </dgm:fillClrLst>
+    <dgm:linClrLst meth="repeat">
+      <a:schemeClr val="lt1"/>
+    </dgm:linClrLst>
+    <dgm:effectClrLst/>
+    <dgm:txLinClrLst/>
+    <dgm:txFillClrLst/>
+    <dgm:txEffectClrLst/>
+  </dgm:styleLbl>
+  <dgm:styleLbl name="node1">
+    <dgm:fillClrLst>
+      <a:schemeClr val="accent5"/>
+      <a:schemeClr val="accent6"/>
+    </dgm:fillClrLst>
+    <dgm:linClrLst meth="repeat">
+      <a:schemeClr val="lt1"/>
+    </dgm:linClrLst>
+    <dgm:effectClrLst/>
+    <dgm:txLinClrLst/>
+    <dgm:txFillClrLst/>
+    <dgm:txEffectClrLst/>
+  </dgm:styleLbl>
+  <dgm:styleLbl name="alignNode1">
+    <dgm:fillClrLst>
+      <a:schemeClr val="accent5"/>
+      <a:schemeClr val="accent6"/>
+    </dgm:fillClrLst>
+    <dgm:linClrLst>
+      <a:schemeClr val="accent5"/>
+      <a:schemeClr val="accent6"/>
+    </dgm:linClrLst>
+    <dgm:effectClrLst/>
+    <dgm:txLinClrLst/>
+    <dgm:txFillClrLst/>
+    <dgm:txEffectClrLst/>
+  </dgm:styleLbl>
+  <dgm:styleLbl name="lnNode1">
+    <dgm:fillClrLst>
+      <a:schemeClr val="accent5"/>
+      <a:schemeClr val="accent6"/>
+    </dgm:fillClrLst>
+    <dgm:linClrLst meth="repeat">
+      <a:schemeClr val="lt1"/>
+    </dgm:linClrLst>
+    <dgm:effectClrLst/>
+    <dgm:txLinClrLst/>
+    <dgm:txFillClrLst/>
+    <dgm:txEffectClrLst/>
+  </dgm:styleLbl>
+  <dgm:styleLbl name="vennNode1">
+    <dgm:fillClrLst>
+      <a:schemeClr val="accent5">
+        <a:alpha val="50000"/>
+      </a:schemeClr>
+      <a:schemeClr val="accent6">
+        <a:alpha val="50000"/>
+      </a:schemeClr>
+    </dgm:fillClrLst>
+    <dgm:linClrLst meth="repeat">
+      <a:schemeClr val="lt1"/>
+    </dgm:linClrLst>
+    <dgm:effectClrLst/>
+    <dgm:txLinClrLst/>
+    <dgm:txFillClrLst/>
+    <dgm:txEffectClrLst/>
+  </dgm:styleLbl>
+  <dgm:styleLbl name="node2">
+    <dgm:fillClrLst>
+      <a:schemeClr val="accent6"/>
+    </dgm:fillClrLst>
+    <dgm:linClrLst meth="repeat">
+      <a:schemeClr val="lt1"/>
+    </dgm:linClrLst>
+    <dgm:effectClrLst/>
+    <dgm:txLinClrLst/>
+    <dgm:txFillClrLst/>
+    <dgm:txEffectClrLst/>
+  </dgm:styleLbl>
+  <dgm:styleLbl name="node3">
+    <dgm:fillClrLst>
+      <a:schemeClr val="accent1"/>
+    </dgm:fillClrLst>
+    <dgm:linClrLst meth="repeat">
+      <a:schemeClr val="lt1"/>
+    </dgm:linClrLst>
+    <dgm:effectClrLst/>
+    <dgm:txLinClrLst/>
+    <dgm:txFillClrLst/>
+    <dgm:txEffectClrLst/>
+  </dgm:styleLbl>
+  <dgm:styleLbl name="node4">
+    <dgm:fillClrLst>
+      <a:schemeClr val="accent2"/>
+    </dgm:fillClrLst>
+    <dgm:linClrLst meth="repeat">
+      <a:schemeClr val="lt1"/>
+    </dgm:linClrLst>
+    <dgm:effectClrLst/>
+    <dgm:txLinClrLst/>
+    <dgm:txFillClrLst/>
+    <dgm:txEffectClrLst/>
+  </dgm:styleLbl>
+  <dgm:styleLbl name="fgImgPlace1">
+    <dgm:fillClrLst>
+      <a:schemeClr val="accent5">
+        <a:tint val="50000"/>
+      </a:schemeClr>
+      <a:schemeClr val="accent6">
+        <a:tint val="50000"/>
+      </a:schemeClr>
+    </dgm:fillClrLst>
+    <dgm:linClrLst meth="repeat">
+      <a:schemeClr val="lt1"/>
+    </dgm:linClrLst>
+    <dgm:effectClrLst/>
+    <dgm:txLinClrLst/>
+    <dgm:txFillClrLst meth="repeat">
+      <a:schemeClr val="lt1"/>
+    </dgm:txFillClrLst>
+    <dgm:txEffectClrLst/>
+  </dgm:styleLbl>
+  <dgm:styleLbl name="alignImgPlace1">
+    <dgm:fillClrLst>
+      <a:schemeClr val="accent5">
+        <a:tint val="50000"/>
+      </a:schemeClr>
+      <a:schemeClr val="accent6">
+        <a:tint val="20000"/>
+      </a:schemeClr>
+    </dgm:fillClrLst>
+    <dgm:linClrLst meth="repeat">
+      <a:schemeClr val="lt1"/>
+    </dgm:linClrLst>
+    <dgm:effectClrLst/>
+    <dgm:txLinClrLst/>
+    <dgm:txFillClrLst meth="repeat">
+      <a:schemeClr val="lt1"/>
+    </dgm:txFillClrLst>
+    <dgm:txEffectClrLst/>
+  </dgm:styleLbl>
+  <dgm:styleLbl name="bgImgPlace1">
+    <dgm:fillClrLst>
+      <a:schemeClr val="accent5">
+        <a:tint val="50000"/>
+      </a:schemeClr>
+      <a:schemeClr val="accent6">
+        <a:tint val="20000"/>
+      </a:schemeClr>
+    </dgm:fillClrLst>
+    <dgm:linClrLst meth="repeat">
+      <a:schemeClr val="lt1"/>
+    </dgm:linClrLst>
+    <dgm:effectClrLst/>
+    <dgm:txLinClrLst/>
+    <dgm:txFillClrLst meth="repeat">
+      <a:schemeClr val="lt1"/>
+    </dgm:txFillClrLst>
+    <dgm:txEffectClrLst/>
+  </dgm:styleLbl>
+  <dgm:styleLbl name="sibTrans2D1">
+    <dgm:fillClrLst>
+      <a:schemeClr val="accent5"/>
+      <a:schemeClr val="accent6"/>
+    </dgm:fillClrLst>
+    <dgm:linClrLst meth="repeat">
+      <a:schemeClr val="lt1"/>
+    </dgm:linClrLst>
+    <dgm:effectClrLst/>
+    <dgm:txLinClrLst/>
+    <dgm:txFillClrLst/>
+    <dgm:txEffectClrLst/>
+  </dgm:styleLbl>
+  <dgm:styleLbl name="fgSibTrans2D1">
+    <dgm:fillClrLst>
+      <a:schemeClr val="accent5"/>
+      <a:schemeClr val="accent6"/>
+    </dgm:fillClrLst>
+    <dgm:linClrLst meth="repeat">
+      <a:schemeClr val="lt1"/>
+    </dgm:linClrLst>
+    <dgm:effectClrLst/>
+    <dgm:txLinClrLst/>
+    <dgm:txFillClrLst meth="repeat">
+      <a:schemeClr val="lt1"/>
+    </dgm:txFillClrLst>
+    <dgm:txEffectClrLst/>
+  </dgm:styleLbl>
+  <dgm:styleLbl name="bgSibTrans2D1">
+    <dgm:fillClrLst>
+      <a:schemeClr val="accent5"/>
+      <a:schemeClr val="accent6"/>
+    </dgm:fillClrLst>
+    <dgm:linClrLst meth="repeat">
+      <a:schemeClr val="lt1"/>
+    </dgm:linClrLst>
+    <dgm:effectClrLst/>
+    <dgm:txLinClrLst/>
+    <dgm:txFillClrLst meth="repeat">
+      <a:schemeClr val="lt1"/>
+    </dgm:txFillClrLst>
+    <dgm:txEffectClrLst/>
+  </dgm:styleLbl>
+  <dgm:styleLbl name="sibTrans1D1">
+    <dgm:fillClrLst/>
+    <dgm:linClrLst>
+      <a:schemeClr val="accent5"/>
+      <a:schemeClr val="accent6"/>
+    </dgm:linClrLst>
+    <dgm:effectClrLst/>
+    <dgm:txLinClrLst/>
+    <dgm:txFillClrLst meth="repeat">
+      <a:schemeClr val="tx1"/>
+    </dgm:txFillClrLst>
+    <dgm:txEffectClrLst/>
+  </dgm:styleLbl>
+  <dgm:styleLbl name="callout">
+    <dgm:fillClrLst meth="repeat">
+      <a:schemeClr val="accent5"/>
+    </dgm:fillClrLst>
+    <dgm:linClrLst meth="repeat">
+      <a:schemeClr val="accent5">
+        <a:tint val="50000"/>
+      </a:schemeClr>
+    </dgm:linClrLst>
+    <dgm:effectClrLst/>
+    <dgm:txLinClrLst/>
+    <dgm:txFillClrLst meth="repeat">
+      <a:schemeClr val="tx1"/>
+    </dgm:txFillClrLst>
+    <dgm:txEffectClrLst/>
+  </dgm:styleLbl>
+  <dgm:styleLbl name="asst0">
+    <dgm:fillClrLst meth="repeat">
+      <a:schemeClr val="accent5"/>
+    </dgm:fillClrLst>
+    <dgm:linClrLst meth="repeat">
+      <a:schemeClr val="lt1">
+        <a:shade val="80000"/>
+      </a:schemeClr>
+    </dgm:linClrLst>
+    <dgm:effectClrLst/>
+    <dgm:txLinClrLst/>
+    <dgm:txFillClrLst/>
+    <dgm:txEffectClrLst/>
+  </dgm:styleLbl>
+  <dgm:styleLbl name="asst1">
+    <dgm:fillClrLst meth="repeat">
+      <a:schemeClr val="accent6"/>
+    </dgm:fillClrLst>
+    <dgm:linClrLst meth="repeat">
+      <a:schemeClr val="lt1">
+        <a:shade val="80000"/>
+      </a:schemeClr>
+    </dgm:linClrLst>
+    <dgm:effectClrLst/>
+    <dgm:txLinClrLst/>
+    <dgm:txFillClrLst/>
+    <dgm:txEffectClrLst/>
+  </dgm:styleLbl>
+  <dgm:styleLbl name="asst2">
+    <dgm:fillClrLst>
+      <a:schemeClr val="accent1"/>
+    </dgm:fillClrLst>
+    <dgm:linClrLst meth="repeat">
+      <a:schemeClr val="lt1"/>
+    </dgm:linClrLst>
+    <dgm:effectClrLst/>
+    <dgm:txLinClrLst/>
+    <dgm:txFillClrLst/>
+    <dgm:txEffectClrLst/>
+  </dgm:styleLbl>
+  <dgm:styleLbl name="asst3">
+    <dgm:fillClrLst>
+      <a:schemeClr val="accent2"/>
+    </dgm:fillClrLst>
+    <dgm:linClrLst meth="repeat">
+      <a:schemeClr val="lt1"/>
+    </dgm:linClrLst>
+    <dgm:effectClrLst/>
+    <dgm:txLinClrLst/>
+    <dgm:txFillClrLst/>
+    <dgm:txEffectClrLst/>
+  </dgm:styleLbl>
+  <dgm:styleLbl name="asst4">
+    <dgm:fillClrLst>
+      <a:schemeClr val="accent3"/>
+    </dgm:fillClrLst>
+    <dgm:linClrLst meth="repeat">
+      <a:schemeClr val="lt1"/>
+    </dgm:linClrLst>
+    <dgm:effectClrLst/>
+    <dgm:txLinClrLst/>
+    <dgm:txFillClrLst/>
+    <dgm:txEffectClrLst/>
+  </dgm:styleLbl>
+  <dgm:styleLbl name="parChTrans2D1">
+    <dgm:fillClrLst meth="repeat">
+      <a:schemeClr val="accent5"/>
+    </dgm:fillClrLst>
+    <dgm:linClrLst meth="repeat">
+      <a:schemeClr val="lt1"/>
+    </dgm:linClrLst>
+    <dgm:effectClrLst/>
+    <dgm:txLinClrLst/>
+    <dgm:txFillClrLst meth="repeat">
+      <a:schemeClr val="lt1"/>
+    </dgm:txFillClrLst>
+    <dgm:txEffectClrLst/>
+  </dgm:styleLbl>
+  <dgm:styleLbl name="parChTrans2D2">
+    <dgm:fillClrLst meth="repeat">
+      <a:schemeClr val="accent6"/>
+    </dgm:fillClrLst>
+    <dgm:linClrLst meth="repeat">
+      <a:schemeClr val="lt1"/>
+    </dgm:linClrLst>
+    <dgm:effectClrLst/>
+    <dgm:txLinClrLst/>
+    <dgm:txFillClrLst/>
+    <dgm:txEffectClrLst/>
+  </dgm:styleLbl>
+  <dgm:styleLbl name="parChTrans2D3">
+    <dgm:fillClrLst meth="repeat">
+      <a:schemeClr val="accent6"/>
+    </dgm:fillClrLst>
+    <dgm:linClrLst meth="repeat">
+      <a:schemeClr val="lt1"/>
+    </dgm:linClrLst>
+    <dgm:effectClrLst/>
+    <dgm:txLinClrLst/>
+    <dgm:txFillClrLst/>
+    <dgm:txEffectClrLst/>
+  </dgm:styleLbl>
+  <dgm:styleLbl name="parChTrans2D4">
+    <dgm:fillClrLst meth="repeat">
+      <a:schemeClr val="accent1"/>
+    </dgm:fillClrLst>
+    <dgm:linClrLst meth="repeat">
+      <a:schemeClr val="lt1"/>
+    </dgm:linClrLst>
+    <dgm:effectClrLst/>
+    <dgm:txLinClrLst/>
+    <dgm:txFillClrLst meth="repeat">
+      <a:schemeClr val="lt1"/>
+    </dgm:txFillClrLst>
+    <dgm:txEffectClrLst/>
+  </dgm:styleLbl>
+  <dgm:styleLbl name="parChTrans1D1">
+    <dgm:fillClrLst meth="repeat">
+      <a:schemeClr val="accent5"/>
+    </dgm:fillClrLst>
+    <dgm:linClrLst meth="repeat">
+      <a:schemeClr val="accent5"/>
+    </dgm:linClrLst>
+    <dgm:effectClrLst/>
+    <dgm:txLinClrLst/>
+    <dgm:txFillClrLst meth="repeat">
+      <a:schemeClr val="tx1"/>
+    </dgm:txFillClrLst>
+    <dgm:txEffectClrLst/>
+  </dgm:styleLbl>
+  <dgm:styleLbl name="parChTrans1D2">
+    <dgm:fillClrLst meth="repeat">
+      <a:schemeClr val="accent6">
+        <a:tint val="90000"/>
+      </a:schemeClr>
+    </dgm:fillClrLst>
+    <dgm:linClrLst meth="repeat">
+      <a:schemeClr val="accent6"/>
+    </dgm:linClrLst>
+    <dgm:effectClrLst/>
+    <dgm:txLinClrLst/>
+    <dgm:txFillClrLst meth="repeat">
+      <a:schemeClr val="tx1"/>
+    </dgm:txFillClrLst>
+    <dgm:txEffectClrLst/>
+  </dgm:styleLbl>
+  <dgm:styleLbl name="parChTrans1D3">
+    <dgm:fillClrLst meth="repeat">
+      <a:schemeClr val="accent6">
+        <a:tint val="70000"/>
+      </a:schemeClr>
+    </dgm:fillClrLst>
+    <dgm:linClrLst meth="repeat">
+      <a:schemeClr val="accent1"/>
+    </dgm:linClrLst>
+    <dgm:effectClrLst/>
+    <dgm:txLinClrLst/>
+    <dgm:txFillClrLst meth="repeat">
+      <a:schemeClr val="tx1"/>
+    </dgm:txFillClrLst>
+    <dgm:txEffectClrLst/>
+  </dgm:styleLbl>
+  <dgm:styleLbl name="parChTrans1D4">
+    <dgm:fillClrLst meth="repeat">
+      <a:schemeClr val="accent6">
+        <a:tint val="50000"/>
+      </a:schemeClr>
+    </dgm:fillClrLst>
+    <dgm:linClrLst meth="repeat">
+      <a:schemeClr val="accent2"/>
+    </dgm:linClrLst>
+    <dgm:effectClrLst/>
+    <dgm:txLinClrLst/>
+    <dgm:txFillClrLst meth="repeat">
+      <a:schemeClr val="tx1"/>
+    </dgm:txFillClrLst>
+    <dgm:txEffectClrLst/>
+  </dgm:styleLbl>
+  <dgm:styleLbl name="fgAcc1">
+    <dgm:fillClrLst meth="repeat">
+      <a:schemeClr val="lt1">
+        <a:alpha val="90000"/>
+      </a:schemeClr>
+    </dgm:fillClrLst>
+    <dgm:linClrLst>
+      <a:schemeClr val="accent5"/>
+      <a:schemeClr val="accent6"/>
+    </dgm:linClrLst>
+    <dgm:effectClrLst/>
+    <dgm:txLinClrLst/>
+    <dgm:txFillClrLst meth="repeat">
+      <a:schemeClr val="dk1"/>
+    </dgm:txFillClrLst>
+    <dgm:txEffectClrLst/>
+  </dgm:styleLbl>
+  <dgm:styleLbl name="conFgAcc1">
+    <dgm:fillClrLst meth="repeat">
+      <a:schemeClr val="lt1">
+        <a:alpha val="90000"/>
+      </a:schemeClr>
+    </dgm:fillClrLst>
+    <dgm:linClrLst>
+      <a:schemeClr val="accent5"/>
+      <a:schemeClr val="accent6"/>
+    </dgm:linClrLst>
+    <dgm:effectClrLst/>
+    <dgm:txLinClrLst/>
+    <dgm:txFillClrLst meth="repeat">
+      <a:schemeClr val="dk1"/>
+    </dgm:txFillClrLst>
+    <dgm:txEffectClrLst/>
+  </dgm:styleLbl>
+  <dgm:styleLbl name="alignAcc1">
+    <dgm:fillClrLst meth="repeat">
+      <a:schemeClr val="lt1">
+        <a:alpha val="90000"/>
+      </a:schemeClr>
+    </dgm:fillClrLst>
+    <dgm:linClrLst>
+      <a:schemeClr val="accent5"/>
+      <a:schemeClr val="accent6"/>
+    </dgm:linClrLst>
+    <dgm:effectClrLst/>
+    <dgm:txLinClrLst/>
+    <dgm:txFillClrLst meth="repeat">
+      <a:schemeClr val="dk1"/>
+    </dgm:txFillClrLst>
+    <dgm:txEffectClrLst/>
+  </dgm:styleLbl>
+  <dgm:styleLbl name="trAlignAcc1">
+    <dgm:fillClrLst meth="repeat">
+      <a:schemeClr val="lt1">
+        <a:alpha val="40000"/>
+      </a:schemeClr>
+    </dgm:fillClrLst>
+    <dgm:linClrLst meth="repeat">
+      <a:schemeClr val="accent5"/>
+    </dgm:linClrLst>
+    <dgm:effectClrLst/>
+    <dgm:txLinClrLst/>
+    <dgm:txFillClrLst meth="repeat">
+      <a:schemeClr val="dk1"/>
+    </dgm:txFillClrLst>
+    <dgm:txEffectClrLst/>
+  </dgm:styleLbl>
+  <dgm:styleLbl name="bgAcc1">
+    <dgm:fillClrLst meth="repeat">
+      <a:schemeClr val="lt1">
+        <a:alpha val="90000"/>
+      </a:schemeClr>
+    </dgm:fillClrLst>
+    <dgm:linClrLst>
+      <a:schemeClr val="accent5"/>
+      <a:schemeClr val="accent6"/>
+    </dgm:linClrLst>
+    <dgm:effectClrLst/>
+    <dgm:txLinClrLst/>
+    <dgm:txFillClrLst meth="repeat">
+      <a:schemeClr val="dk1"/>
+    </dgm:txFillClrLst>
+    <dgm:txEffectClrLst/>
+  </dgm:styleLbl>
+  <dgm:styleLbl name="solidFgAcc1">
+    <dgm:fillClrLst meth="repeat">
+      <a:schemeClr val="lt1"/>
+    </dgm:fillClrLst>
+    <dgm:linClrLst>
+      <a:schemeClr val="accent5"/>
+      <a:schemeClr val="accent6"/>
+    </dgm:linClrLst>
+    <dgm:effectClrLst/>
+    <dgm:txLinClrLst/>
+    <dgm:txFillClrLst meth="repeat">
+      <a:schemeClr val="dk1"/>
+    </dgm:txFillClrLst>
+    <dgm:txEffectClrLst/>
+  </dgm:styleLbl>
+  <dgm:styleLbl name="solidAlignAcc1">
+    <dgm:fillClrLst meth="repeat">
+      <a:schemeClr val="lt1"/>
+    </dgm:fillClrLst>
+    <dgm:linClrLst>
+      <a:schemeClr val="accent5"/>
+      <a:schemeClr val="accent6"/>
+    </dgm:linClrLst>
+    <dgm:effectClrLst/>
+    <dgm:txLinClrLst/>
+    <dgm:txFillClrLst meth="repeat">
+      <a:schemeClr val="dk1"/>
+    </dgm:txFillClrLst>
+    <dgm:txEffectClrLst/>
+  </dgm:styleLbl>
+  <dgm:styleLbl name="solidBgAcc1">
+    <dgm:fillClrLst meth="repeat">
+      <a:schemeClr val="lt1"/>
+    </dgm:fillClrLst>
+    <dgm:linClrLst>
+      <a:schemeClr val="accent5"/>
+      <a:schemeClr val="accent6"/>
+    </dgm:linClrLst>
+    <dgm:effectClrLst/>
+    <dgm:txLinClrLst/>
+    <dgm:txFillClrLst meth="repeat">
+      <a:schemeClr val="dk1"/>
+    </dgm:txFillClrLst>
+    <dgm:txEffectClrLst/>
+  </dgm:styleLbl>
+  <dgm:styleLbl name="fgAccFollowNode1">
+    <dgm:fillClrLst>
+      <a:schemeClr val="accent5">
+        <a:tint val="40000"/>
+        <a:alpha val="90000"/>
+      </a:schemeClr>
+      <a:schemeClr val="accent6">
+        <a:tint val="40000"/>
+        <a:alpha val="90000"/>
+      </a:schemeClr>
+    </dgm:fillClrLst>
+    <dgm:linClrLst>
+      <a:schemeClr val="accent5">
+        <a:tint val="40000"/>
+        <a:alpha val="90000"/>
+      </a:schemeClr>
+      <a:schemeClr val="accent5">
+        <a:tint val="40000"/>
+        <a:alpha val="90000"/>
+      </a:schemeClr>
+    </dgm:linClrLst>
+    <dgm:effectClrLst/>
+    <dgm:txLinClrLst/>
+    <dgm:txFillClrLst meth="repeat">
+      <a:schemeClr val="dk1"/>
+    </dgm:txFillClrLst>
+    <dgm:txEffectClrLst/>
+  </dgm:styleLbl>
+  <dgm:styleLbl name="alignAccFollowNode1">
+    <dgm:fillClrLst>
+      <a:schemeClr val="accent5">
+        <a:tint val="40000"/>
+        <a:alpha val="90000"/>
+      </a:schemeClr>
+      <a:schemeClr val="accent6">
+        <a:tint val="40000"/>
+        <a:alpha val="90000"/>
+      </a:schemeClr>
+    </dgm:fillClrLst>
+    <dgm:linClrLst>
+      <a:schemeClr val="accent5">
+        <a:tint val="40000"/>
+        <a:alpha val="90000"/>
+      </a:schemeClr>
+      <a:schemeClr val="accent6">
+        <a:tint val="40000"/>
+        <a:alpha val="90000"/>
+      </a:schemeClr>
+    </dgm:linClrLst>
+    <dgm:effectClrLst/>
+    <dgm:txLinClrLst/>
+    <dgm:txFillClrLst meth="repeat">
+      <a:schemeClr val="dk1"/>
+    </dgm:txFillClrLst>
+    <dgm:txEffectClrLst/>
+  </dgm:styleLbl>
+  <dgm:styleLbl name="bgAccFollowNode1">
+    <dgm:fillClrLst>
+      <a:schemeClr val="accent5">
+        <a:tint val="40000"/>
+        <a:alpha val="90000"/>
+      </a:schemeClr>
+      <a:schemeClr val="accent6">
+        <a:tint val="40000"/>
+        <a:alpha val="90000"/>
+      </a:schemeClr>
+    </dgm:fillClrLst>
+    <dgm:linClrLst>
+      <a:schemeClr val="accent5">
+        <a:tint val="40000"/>
+        <a:alpha val="90000"/>
+      </a:schemeClr>
+      <a:schemeClr val="accent6">
+        <a:tint val="40000"/>
+        <a:alpha val="90000"/>
+      </a:schemeClr>
+    </dgm:linClrLst>
+    <dgm:effectClrLst/>
+    <dgm:txLinClrLst/>
+    <dgm:txFillClrLst meth="repeat">
+      <a:schemeClr val="dk1"/>
+    </dgm:txFillClrLst>
+    <dgm:txEffectClrLst/>
+  </dgm:styleLbl>
+  <dgm:styleLbl name="fgAcc0">
+    <dgm:fillClrLst meth="repeat">
+      <a:schemeClr val="lt1">
+        <a:alpha val="90000"/>
+      </a:schemeClr>
+    </dgm:fillClrLst>
+    <dgm:linClrLst>
+      <a:schemeClr val="accent4"/>
+    </dgm:linClrLst>
+    <dgm:effectClrLst/>
+    <dgm:txLinClrLst/>
+    <dgm:txFillClrLst meth="repeat">
+      <a:schemeClr val="dk1"/>
+    </dgm:txFillClrLst>
+    <dgm:txEffectClrLst/>
+  </dgm:styleLbl>
+  <dgm:styleLbl name="fgAcc2">
+    <dgm:fillClrLst meth="repeat">
+      <a:schemeClr val="lt1">
+        <a:alpha val="90000"/>
+      </a:schemeClr>
+    </dgm:fillClrLst>
+    <dgm:linClrLst>
+      <a:schemeClr val="accent6"/>
+    </dgm:linClrLst>
+    <dgm:effectClrLst/>
+    <dgm:txLinClrLst/>
+    <dgm:txFillClrLst meth="repeat">
+      <a:schemeClr val="dk1"/>
+    </dgm:txFillClrLst>
+    <dgm:txEffectClrLst/>
+  </dgm:styleLbl>
+  <dgm:styleLbl name="fgAcc3">
+    <dgm:fillClrLst meth="repeat">
+      <a:schemeClr val="lt1">
+        <a:alpha val="90000"/>
+      </a:schemeClr>
+    </dgm:fillClrLst>
+    <dgm:linClrLst>
+      <a:schemeClr val="accent1"/>
+    </dgm:linClrLst>
+    <dgm:effectClrLst/>
+    <dgm:txLinClrLst/>
+    <dgm:txFillClrLst meth="repeat">
+      <a:schemeClr val="dk1"/>
+    </dgm:txFillClrLst>
+    <dgm:txEffectClrLst/>
+  </dgm:styleLbl>
+  <dgm:styleLbl name="fgAcc4">
+    <dgm:fillClrLst meth="repeat">
+      <a:schemeClr val="lt1">
+        <a:alpha val="90000"/>
+      </a:schemeClr>
+    </dgm:fillClrLst>
+    <dgm:linClrLst>
+      <a:schemeClr val="accent2"/>
+    </dgm:linClrLst>
+    <dgm:effectClrLst/>
+    <dgm:txLinClrLst/>
+    <dgm:txFillClrLst meth="repeat">
+      <a:schemeClr val="dk1"/>
+    </dgm:txFillClrLst>
+    <dgm:txEffectClrLst/>
+  </dgm:styleLbl>
+  <dgm:styleLbl name="bgShp">
+    <dgm:fillClrLst meth="repeat">
+      <a:schemeClr val="accent5">
+        <a:tint val="40000"/>
+      </a:schemeClr>
+    </dgm:fillClrLst>
+    <dgm:linClrLst meth="repeat">
+      <a:schemeClr val="dk1"/>
+    </dgm:linClrLst>
+    <dgm:effectClrLst/>
+    <dgm:txLinClrLst/>
+    <dgm:txFillClrLst meth="repeat">
+      <a:schemeClr val="dk1"/>
+    </dgm:txFillClrLst>
+    <dgm:txEffectClrLst/>
+  </dgm:styleLbl>
+  <dgm:styleLbl name="dkBgShp">
+    <dgm:fillClrLst meth="repeat">
+      <a:schemeClr val="accent5">
+        <a:shade val="90000"/>
+      </a:schemeClr>
+    </dgm:fillClrLst>
+    <dgm:linClrLst meth="repeat">
+      <a:schemeClr val="dk1"/>
+    </dgm:linClrLst>
+    <dgm:effectClrLst/>
+    <dgm:txLinClrLst/>
+    <dgm:txFillClrLst meth="repeat">
+      <a:schemeClr val="lt1"/>
+    </dgm:txFillClrLst>
+    <dgm:txEffectClrLst/>
+  </dgm:styleLbl>
+  <dgm:styleLbl name="trBgShp">
+    <dgm:fillClrLst meth="repeat">
+      <a:schemeClr val="accent5">
+        <a:tint val="50000"/>
+        <a:alpha val="40000"/>
+      </a:schemeClr>
+    </dgm:fillClrLst>
+    <dgm:linClrLst meth="repeat">
+      <a:schemeClr val="accent5"/>
+    </dgm:linClrLst>
+    <dgm:effectClrLst/>
+    <dgm:txLinClrLst/>
+    <dgm:txFillClrLst meth="repeat">
+      <a:schemeClr val="lt1"/>
+    </dgm:txFillClrLst>
+    <dgm:txEffectClrLst/>
+  </dgm:styleLbl>
+  <dgm:styleLbl name="fgShp">
+    <dgm:fillClrLst meth="repeat">
+      <a:schemeClr val="accent5">
+        <a:tint val="40000"/>
+      </a:schemeClr>
+    </dgm:fillClrLst>
+    <dgm:linClrLst meth="repeat">
+      <a:schemeClr val="lt1"/>
+    </dgm:linClrLst>
+    <dgm:effectClrLst/>
+    <dgm:txLinClrLst/>
+    <dgm:txFillClrLst meth="repeat">
+      <a:schemeClr val="dk1"/>
+    </dgm:txFillClrLst>
+    <dgm:txEffectClrLst/>
+  </dgm:styleLbl>
+  <dgm:styleLbl name="revTx">
+    <dgm:fillClrLst meth="repeat">
+      <a:schemeClr val="lt1">
+        <a:alpha val="0"/>
+      </a:schemeClr>
+    </dgm:fillClrLst>
+    <dgm:linClrLst meth="repeat">
+      <a:schemeClr val="dk1">
+        <a:alpha val="0"/>
+      </a:schemeClr>
+    </dgm:linClrLst>
+    <dgm:effectClrLst/>
+    <dgm:txLinClrLst/>
+    <dgm:txFillClrLst meth="repeat">
+      <a:schemeClr val="tx1"/>
+    </dgm:txFillClrLst>
+    <dgm:txEffectClrLst/>
+  </dgm:styleLbl>
+</dgm:colorsDef>
+</file>
+
+<file path=ppt/diagrams/data1.xml><?xml version="1.0" encoding="utf-8"?>
+<dgm:dataModel xmlns:dgm="http://schemas.openxmlformats.org/drawingml/2006/diagram" xmlns:a="http://schemas.openxmlformats.org/drawingml/2006/main">
+  <dgm:ptLst>
+    <dgm:pt modelId="{AE6E717D-4A0F-44D9-96FF-4A76912FBE91}" type="doc">
+      <dgm:prSet loTypeId="urn:microsoft.com/office/officeart/2018/2/layout/IconLabelList" loCatId="icon" qsTypeId="urn:microsoft.com/office/officeart/2005/8/quickstyle/simple1" qsCatId="simple" csTypeId="urn:microsoft.com/office/officeart/2018/5/colors/Iconchunking_neutralbg_colorful1" csCatId="colorful" phldr="1"/>
+      <dgm:spPr/>
+      <dgm:t>
+        <a:bodyPr/>
+        <a:lstStyle/>
+        <a:p>
+          <a:endParaRPr lang="en-US"/>
+        </a:p>
+      </dgm:t>
+    </dgm:pt>
+    <dgm:pt modelId="{64FAD96E-634F-4D7C-9DFE-00DD96663E64}">
+      <dgm:prSet/>
+      <dgm:spPr/>
+      <dgm:t>
+        <a:bodyPr/>
+        <a:lstStyle/>
+        <a:p>
+          <a:r>
+            <a:rPr lang="es-MX"/>
+            <a:t>Un singleton es un patrón de diseño en programación que garantiza que una clase tenga una única instancia y proporciona un punto de acceso global a esa instancia.</a:t>
+          </a:r>
+          <a:endParaRPr lang="en-US"/>
+        </a:p>
+      </dgm:t>
+    </dgm:pt>
+    <dgm:pt modelId="{709D19CB-6E3D-48F9-84C2-DC88775E849F}" type="parTrans" cxnId="{AE138262-C23E-4143-A547-DBAB471AA38C}">
+      <dgm:prSet/>
+      <dgm:spPr/>
+      <dgm:t>
+        <a:bodyPr/>
+        <a:lstStyle/>
+        <a:p>
+          <a:endParaRPr lang="en-US"/>
+        </a:p>
+      </dgm:t>
+    </dgm:pt>
+    <dgm:pt modelId="{34148C54-6CD6-4ABE-9A1A-EE9BE0215F97}" type="sibTrans" cxnId="{AE138262-C23E-4143-A547-DBAB471AA38C}">
+      <dgm:prSet/>
+      <dgm:spPr/>
+      <dgm:t>
+        <a:bodyPr/>
+        <a:lstStyle/>
+        <a:p>
+          <a:endParaRPr lang="en-US"/>
+        </a:p>
+      </dgm:t>
+    </dgm:pt>
+    <dgm:pt modelId="{F1BB575F-9A56-4709-BD05-DBA68B3FBAFC}">
+      <dgm:prSet/>
+      <dgm:spPr/>
+      <dgm:t>
+        <a:bodyPr/>
+        <a:lstStyle/>
+        <a:p>
+          <a:r>
+            <a:rPr lang="es-MX"/>
+            <a:t>Es como tener una única copia de algo importante en tu programa, como un personaje principal en un videojuego.</a:t>
+          </a:r>
+          <a:endParaRPr lang="en-US"/>
+        </a:p>
+      </dgm:t>
+    </dgm:pt>
+    <dgm:pt modelId="{DAE26A66-11E0-453E-A939-718E35962683}" type="parTrans" cxnId="{87EF03D6-7B63-4D36-8A39-C487D6C7A210}">
+      <dgm:prSet/>
+      <dgm:spPr/>
+      <dgm:t>
+        <a:bodyPr/>
+        <a:lstStyle/>
+        <a:p>
+          <a:endParaRPr lang="en-US"/>
+        </a:p>
+      </dgm:t>
+    </dgm:pt>
+    <dgm:pt modelId="{90C5C76E-D720-44D0-AB5D-6B644C2612F7}" type="sibTrans" cxnId="{87EF03D6-7B63-4D36-8A39-C487D6C7A210}">
+      <dgm:prSet/>
+      <dgm:spPr/>
+      <dgm:t>
+        <a:bodyPr/>
+        <a:lstStyle/>
+        <a:p>
+          <a:endParaRPr lang="en-US"/>
+        </a:p>
+      </dgm:t>
+    </dgm:pt>
+    <dgm:pt modelId="{66E9B5C6-22B1-4894-AFB5-5193F43A19A7}" type="pres">
+      <dgm:prSet presAssocID="{AE6E717D-4A0F-44D9-96FF-4A76912FBE91}" presName="root" presStyleCnt="0">
+        <dgm:presLayoutVars>
+          <dgm:dir/>
+          <dgm:resizeHandles val="exact"/>
+        </dgm:presLayoutVars>
+      </dgm:prSet>
+      <dgm:spPr/>
+    </dgm:pt>
+    <dgm:pt modelId="{4001CFF7-8BD8-44E2-BAFA-9231B483534C}" type="pres">
+      <dgm:prSet presAssocID="{64FAD96E-634F-4D7C-9DFE-00DD96663E64}" presName="compNode" presStyleCnt="0"/>
+      <dgm:spPr/>
+    </dgm:pt>
+    <dgm:pt modelId="{EA5B6C21-EAB4-4898-99FB-95E78FD173B0}" type="pres">
+      <dgm:prSet presAssocID="{64FAD96E-634F-4D7C-9DFE-00DD96663E64}" presName="iconRect" presStyleLbl="node1" presStyleIdx="0" presStyleCnt="2"/>
+      <dgm:spPr>
+        <a:blipFill>
+          <a:blip xmlns:r="http://schemas.openxmlformats.org/officeDocument/2006/relationships" r:embed="rId1">
+            <a:extLst>
+              <a:ext uri="{28A0092B-C50C-407E-A947-70E740481C1C}">
+                <a14:useLocalDpi xmlns:a14="http://schemas.microsoft.com/office/drawing/2010/main" val="0"/>
+              </a:ext>
+              <a:ext uri="{96DAC541-7B7A-43D3-8B79-37D633B846F1}">
+                <asvg:svgBlip xmlns:asvg="http://schemas.microsoft.com/office/drawing/2016/SVG/main" r:embed="rId2"/>
+              </a:ext>
+            </a:extLst>
+          </a:blip>
+          <a:stretch>
+            <a:fillRect/>
+          </a:stretch>
+        </a:blipFill>
+        <a:ln>
+          <a:noFill/>
+        </a:ln>
+      </dgm:spPr>
+      <dgm:extLst>
+        <a:ext uri="{E40237B7-FDA0-4F09-8148-C483321AD2D9}">
+          <dgm14:cNvPr xmlns:dgm14="http://schemas.microsoft.com/office/drawing/2010/diagram" id="0" name="" descr="Diagrama de flujo"/>
+        </a:ext>
+      </dgm:extLst>
+    </dgm:pt>
+    <dgm:pt modelId="{28A5438A-4B63-4465-9793-D48EECF68952}" type="pres">
+      <dgm:prSet presAssocID="{64FAD96E-634F-4D7C-9DFE-00DD96663E64}" presName="spaceRect" presStyleCnt="0"/>
+      <dgm:spPr/>
+    </dgm:pt>
+    <dgm:pt modelId="{ACDBAAC2-0ACB-41E4-BD66-52971074084F}" type="pres">
+      <dgm:prSet presAssocID="{64FAD96E-634F-4D7C-9DFE-00DD96663E64}" presName="textRect" presStyleLbl="revTx" presStyleIdx="0" presStyleCnt="2">
+        <dgm:presLayoutVars>
+          <dgm:chMax val="1"/>
+          <dgm:chPref val="1"/>
+        </dgm:presLayoutVars>
+      </dgm:prSet>
+      <dgm:spPr/>
+    </dgm:pt>
+    <dgm:pt modelId="{D455E77E-C688-445B-A440-4B704E0FC0AA}" type="pres">
+      <dgm:prSet presAssocID="{34148C54-6CD6-4ABE-9A1A-EE9BE0215F97}" presName="sibTrans" presStyleCnt="0"/>
+      <dgm:spPr/>
+    </dgm:pt>
+    <dgm:pt modelId="{29D5E2B8-3C84-46F1-B68E-F6D35928FD34}" type="pres">
+      <dgm:prSet presAssocID="{F1BB575F-9A56-4709-BD05-DBA68B3FBAFC}" presName="compNode" presStyleCnt="0"/>
+      <dgm:spPr/>
+    </dgm:pt>
+    <dgm:pt modelId="{205EBAF0-4DCE-4870-889D-EEBE5CCEF842}" type="pres">
+      <dgm:prSet presAssocID="{F1BB575F-9A56-4709-BD05-DBA68B3FBAFC}" presName="iconRect" presStyleLbl="node1" presStyleIdx="1" presStyleCnt="2"/>
+      <dgm:spPr>
+        <a:blipFill>
+          <a:blip xmlns:r="http://schemas.openxmlformats.org/officeDocument/2006/relationships" r:embed="rId3">
+            <a:extLst>
+              <a:ext uri="{28A0092B-C50C-407E-A947-70E740481C1C}">
+                <a14:useLocalDpi xmlns:a14="http://schemas.microsoft.com/office/drawing/2010/main" val="0"/>
+              </a:ext>
+              <a:ext uri="{96DAC541-7B7A-43D3-8B79-37D633B846F1}">
+                <asvg:svgBlip xmlns:asvg="http://schemas.microsoft.com/office/drawing/2016/SVG/main" r:embed="rId4"/>
+              </a:ext>
+            </a:extLst>
+          </a:blip>
+          <a:stretch>
+            <a:fillRect/>
+          </a:stretch>
+        </a:blipFill>
+        <a:ln>
+          <a:noFill/>
+        </a:ln>
+      </dgm:spPr>
+      <dgm:extLst>
+        <a:ext uri="{E40237B7-FDA0-4F09-8148-C483321AD2D9}">
+          <dgm14:cNvPr xmlns:dgm14="http://schemas.microsoft.com/office/drawing/2010/diagram" id="0" name="" descr="Aula de clases"/>
+        </a:ext>
+      </dgm:extLst>
+    </dgm:pt>
+    <dgm:pt modelId="{36EC6BDE-0A44-4426-B4E6-3376A27357A8}" type="pres">
+      <dgm:prSet presAssocID="{F1BB575F-9A56-4709-BD05-DBA68B3FBAFC}" presName="spaceRect" presStyleCnt="0"/>
+      <dgm:spPr/>
+    </dgm:pt>
+    <dgm:pt modelId="{FF0E5D32-1D8F-46CC-9BCD-ADDF3A39179D}" type="pres">
+      <dgm:prSet presAssocID="{F1BB575F-9A56-4709-BD05-DBA68B3FBAFC}" presName="textRect" presStyleLbl="revTx" presStyleIdx="1" presStyleCnt="2">
+        <dgm:presLayoutVars>
+          <dgm:chMax val="1"/>
+          <dgm:chPref val="1"/>
+        </dgm:presLayoutVars>
+      </dgm:prSet>
+      <dgm:spPr/>
+    </dgm:pt>
+  </dgm:ptLst>
+  <dgm:cxnLst>
+    <dgm:cxn modelId="{15F47F2D-D34A-42BF-B0EE-4E6B092431EC}" type="presOf" srcId="{F1BB575F-9A56-4709-BD05-DBA68B3FBAFC}" destId="{FF0E5D32-1D8F-46CC-9BCD-ADDF3A39179D}" srcOrd="0" destOrd="0" presId="urn:microsoft.com/office/officeart/2018/2/layout/IconLabelList"/>
+    <dgm:cxn modelId="{26629535-B6B3-4B70-AB71-8FE3631A89E7}" type="presOf" srcId="{AE6E717D-4A0F-44D9-96FF-4A76912FBE91}" destId="{66E9B5C6-22B1-4894-AFB5-5193F43A19A7}" srcOrd="0" destOrd="0" presId="urn:microsoft.com/office/officeart/2018/2/layout/IconLabelList"/>
+    <dgm:cxn modelId="{AE138262-C23E-4143-A547-DBAB471AA38C}" srcId="{AE6E717D-4A0F-44D9-96FF-4A76912FBE91}" destId="{64FAD96E-634F-4D7C-9DFE-00DD96663E64}" srcOrd="0" destOrd="0" parTransId="{709D19CB-6E3D-48F9-84C2-DC88775E849F}" sibTransId="{34148C54-6CD6-4ABE-9A1A-EE9BE0215F97}"/>
+    <dgm:cxn modelId="{3C61F6CC-425B-4DB5-BEB3-BFF1723DA60E}" type="presOf" srcId="{64FAD96E-634F-4D7C-9DFE-00DD96663E64}" destId="{ACDBAAC2-0ACB-41E4-BD66-52971074084F}" srcOrd="0" destOrd="0" presId="urn:microsoft.com/office/officeart/2018/2/layout/IconLabelList"/>
+    <dgm:cxn modelId="{87EF03D6-7B63-4D36-8A39-C487D6C7A210}" srcId="{AE6E717D-4A0F-44D9-96FF-4A76912FBE91}" destId="{F1BB575F-9A56-4709-BD05-DBA68B3FBAFC}" srcOrd="1" destOrd="0" parTransId="{DAE26A66-11E0-453E-A939-718E35962683}" sibTransId="{90C5C76E-D720-44D0-AB5D-6B644C2612F7}"/>
+    <dgm:cxn modelId="{47287C1E-2071-4294-9483-26E1AF8013DF}" type="presParOf" srcId="{66E9B5C6-22B1-4894-AFB5-5193F43A19A7}" destId="{4001CFF7-8BD8-44E2-BAFA-9231B483534C}" srcOrd="0" destOrd="0" presId="urn:microsoft.com/office/officeart/2018/2/layout/IconLabelList"/>
+    <dgm:cxn modelId="{2C92F06F-AD11-4571-963B-E6B712CA4EAB}" type="presParOf" srcId="{4001CFF7-8BD8-44E2-BAFA-9231B483534C}" destId="{EA5B6C21-EAB4-4898-99FB-95E78FD173B0}" srcOrd="0" destOrd="0" presId="urn:microsoft.com/office/officeart/2018/2/layout/IconLabelList"/>
+    <dgm:cxn modelId="{16547C03-2EF5-44BE-B35B-67AAEE612172}" type="presParOf" srcId="{4001CFF7-8BD8-44E2-BAFA-9231B483534C}" destId="{28A5438A-4B63-4465-9793-D48EECF68952}" srcOrd="1" destOrd="0" presId="urn:microsoft.com/office/officeart/2018/2/layout/IconLabelList"/>
+    <dgm:cxn modelId="{184A26EA-81E8-4456-BE7B-A16B6BFC3E96}" type="presParOf" srcId="{4001CFF7-8BD8-44E2-BAFA-9231B483534C}" destId="{ACDBAAC2-0ACB-41E4-BD66-52971074084F}" srcOrd="2" destOrd="0" presId="urn:microsoft.com/office/officeart/2018/2/layout/IconLabelList"/>
+    <dgm:cxn modelId="{B1FF5359-92F5-494B-A3D5-02F1B1F8A338}" type="presParOf" srcId="{66E9B5C6-22B1-4894-AFB5-5193F43A19A7}" destId="{D455E77E-C688-445B-A440-4B704E0FC0AA}" srcOrd="1" destOrd="0" presId="urn:microsoft.com/office/officeart/2018/2/layout/IconLabelList"/>
+    <dgm:cxn modelId="{B16EE10C-6ECB-40D0-AD8D-83C3F9A82750}" type="presParOf" srcId="{66E9B5C6-22B1-4894-AFB5-5193F43A19A7}" destId="{29D5E2B8-3C84-46F1-B68E-F6D35928FD34}" srcOrd="2" destOrd="0" presId="urn:microsoft.com/office/officeart/2018/2/layout/IconLabelList"/>
+    <dgm:cxn modelId="{695EB5F2-98CC-486C-ABE6-51F7CDD2F2D3}" type="presParOf" srcId="{29D5E2B8-3C84-46F1-B68E-F6D35928FD34}" destId="{205EBAF0-4DCE-4870-889D-EEBE5CCEF842}" srcOrd="0" destOrd="0" presId="urn:microsoft.com/office/officeart/2018/2/layout/IconLabelList"/>
+    <dgm:cxn modelId="{D8B3EA00-CABB-40DB-BE02-BE7647F6A1D6}" type="presParOf" srcId="{29D5E2B8-3C84-46F1-B68E-F6D35928FD34}" destId="{36EC6BDE-0A44-4426-B4E6-3376A27357A8}" srcOrd="1" destOrd="0" presId="urn:microsoft.com/office/officeart/2018/2/layout/IconLabelList"/>
+    <dgm:cxn modelId="{92B0BFE2-C70E-4F36-9252-87A2422F59A9}" type="presParOf" srcId="{29D5E2B8-3C84-46F1-B68E-F6D35928FD34}" destId="{FF0E5D32-1D8F-46CC-9BCD-ADDF3A39179D}" srcOrd="2" destOrd="0" presId="urn:microsoft.com/office/officeart/2018/2/layout/IconLabelList"/>
+  </dgm:cxnLst>
+  <dgm:bg/>
+  <dgm:whole/>
+  <dgm:extLst>
+    <a:ext uri="http://schemas.microsoft.com/office/drawing/2008/diagram">
+      <dsp:dataModelExt xmlns:dsp="http://schemas.microsoft.com/office/drawing/2008/diagram" relId="rId6" minVer="http://schemas.openxmlformats.org/drawingml/2006/diagram"/>
+    </a:ext>
+  </dgm:extLst>
+</dgm:dataModel>
+</file>
+
+<file path=ppt/diagrams/data2.xml><?xml version="1.0" encoding="utf-8"?>
+<dgm:dataModel xmlns:dgm="http://schemas.openxmlformats.org/drawingml/2006/diagram" xmlns:a="http://schemas.openxmlformats.org/drawingml/2006/main">
+  <dgm:ptLst>
+    <dgm:pt modelId="{27C6A9EC-18C5-4197-8F2A-C6ED7446FB69}" type="doc">
+      <dgm:prSet loTypeId="urn:microsoft.com/office/officeart/2005/8/layout/hierarchy3" loCatId="hierarchy" qsTypeId="urn:microsoft.com/office/officeart/2005/8/quickstyle/simple1" qsCatId="simple" csTypeId="urn:microsoft.com/office/officeart/2005/8/colors/colorful5" csCatId="colorful"/>
+      <dgm:spPr/>
+      <dgm:t>
+        <a:bodyPr/>
+        <a:lstStyle/>
+        <a:p>
+          <a:endParaRPr lang="en-US"/>
+        </a:p>
+      </dgm:t>
+    </dgm:pt>
+    <dgm:pt modelId="{9AAC39CB-BCF2-4FE7-8CF3-071032A20C34}">
+      <dgm:prSet/>
+      <dgm:spPr/>
+      <dgm:t>
+        <a:bodyPr/>
+        <a:lstStyle/>
+        <a:p>
+          <a:r>
+            <a:rPr lang="es-MX"/>
+            <a:t>En C#, implementar un singleton significa crear una clase que solo pueda tener una instancia, y luego permitir que otras partes del código accedan a esa instancia única cuando la necesiten.</a:t>
+          </a:r>
+          <a:endParaRPr lang="en-US"/>
+        </a:p>
+      </dgm:t>
+    </dgm:pt>
+    <dgm:pt modelId="{7C79F1BC-CBBB-4367-AAFF-EAF2407C384D}" type="parTrans" cxnId="{DB6D5CE6-B620-47E6-8BD0-4E874911B67B}">
+      <dgm:prSet/>
+      <dgm:spPr/>
+      <dgm:t>
+        <a:bodyPr/>
+        <a:lstStyle/>
+        <a:p>
+          <a:endParaRPr lang="en-US"/>
+        </a:p>
+      </dgm:t>
+    </dgm:pt>
+    <dgm:pt modelId="{4039FE39-2BCD-42F9-B51B-4C77EE4C7D54}" type="sibTrans" cxnId="{DB6D5CE6-B620-47E6-8BD0-4E874911B67B}">
+      <dgm:prSet/>
+      <dgm:spPr/>
+      <dgm:t>
+        <a:bodyPr/>
+        <a:lstStyle/>
+        <a:p>
+          <a:endParaRPr lang="en-US"/>
+        </a:p>
+      </dgm:t>
+    </dgm:pt>
+    <dgm:pt modelId="{BB3EFD09-4A08-4CF5-B70D-C9FBB4E7EAC2}">
+      <dgm:prSet/>
+      <dgm:spPr/>
+      <dgm:t>
+        <a:bodyPr/>
+        <a:lstStyle/>
+        <a:p>
+          <a:r>
+            <a:rPr lang="es-MX"/>
+            <a:t>En Unity, que usa C# para programar juegos, puedes usar singletons para controlar aspectos clave del juego, como la gestión del progreso o la interfaz del usuario.</a:t>
+          </a:r>
+          <a:endParaRPr lang="en-US"/>
+        </a:p>
+      </dgm:t>
+    </dgm:pt>
+    <dgm:pt modelId="{C2ED22F5-BB42-4EF5-8440-2C2C82BC7AE8}" type="parTrans" cxnId="{579F1D4C-C47A-4D4A-9EE8-8FC24D223ABE}">
+      <dgm:prSet/>
+      <dgm:spPr/>
+      <dgm:t>
+        <a:bodyPr/>
+        <a:lstStyle/>
+        <a:p>
+          <a:endParaRPr lang="en-US"/>
+        </a:p>
+      </dgm:t>
+    </dgm:pt>
+    <dgm:pt modelId="{902C0F93-7F19-4FD0-9814-8D688098A757}" type="sibTrans" cxnId="{579F1D4C-C47A-4D4A-9EE8-8FC24D223ABE}">
+      <dgm:prSet/>
+      <dgm:spPr/>
+      <dgm:t>
+        <a:bodyPr/>
+        <a:lstStyle/>
+        <a:p>
+          <a:endParaRPr lang="en-US"/>
+        </a:p>
+      </dgm:t>
+    </dgm:pt>
+    <dgm:pt modelId="{A84B701C-B7AC-4B8B-8553-D2DAAA41FB81}" type="pres">
+      <dgm:prSet presAssocID="{27C6A9EC-18C5-4197-8F2A-C6ED7446FB69}" presName="diagram" presStyleCnt="0">
+        <dgm:presLayoutVars>
+          <dgm:chPref val="1"/>
+          <dgm:dir/>
+          <dgm:animOne val="branch"/>
+          <dgm:animLvl val="lvl"/>
+          <dgm:resizeHandles/>
+        </dgm:presLayoutVars>
+      </dgm:prSet>
+      <dgm:spPr/>
+    </dgm:pt>
+    <dgm:pt modelId="{DB27766D-64AA-4FD4-9535-0F46B00DF9FF}" type="pres">
+      <dgm:prSet presAssocID="{9AAC39CB-BCF2-4FE7-8CF3-071032A20C34}" presName="root" presStyleCnt="0"/>
+      <dgm:spPr/>
+    </dgm:pt>
+    <dgm:pt modelId="{C951E557-31B0-4B0B-9EC6-5F617EE75899}" type="pres">
+      <dgm:prSet presAssocID="{9AAC39CB-BCF2-4FE7-8CF3-071032A20C34}" presName="rootComposite" presStyleCnt="0"/>
+      <dgm:spPr/>
+    </dgm:pt>
+    <dgm:pt modelId="{1BE56F84-B1D4-4154-9EE3-B4543B3A776B}" type="pres">
+      <dgm:prSet presAssocID="{9AAC39CB-BCF2-4FE7-8CF3-071032A20C34}" presName="rootText" presStyleLbl="node1" presStyleIdx="0" presStyleCnt="2"/>
+      <dgm:spPr/>
+    </dgm:pt>
+    <dgm:pt modelId="{13BB6C4D-7046-4E22-8D94-59A383257879}" type="pres">
+      <dgm:prSet presAssocID="{9AAC39CB-BCF2-4FE7-8CF3-071032A20C34}" presName="rootConnector" presStyleLbl="node1" presStyleIdx="0" presStyleCnt="2"/>
+      <dgm:spPr/>
+    </dgm:pt>
+    <dgm:pt modelId="{D6680D05-A82C-4442-B6F2-2B2667516183}" type="pres">
+      <dgm:prSet presAssocID="{9AAC39CB-BCF2-4FE7-8CF3-071032A20C34}" presName="childShape" presStyleCnt="0"/>
+      <dgm:spPr/>
+    </dgm:pt>
+    <dgm:pt modelId="{4652200C-67E5-4ED1-A6CE-7E0D8C4D0F02}" type="pres">
+      <dgm:prSet presAssocID="{BB3EFD09-4A08-4CF5-B70D-C9FBB4E7EAC2}" presName="root" presStyleCnt="0"/>
+      <dgm:spPr/>
+    </dgm:pt>
+    <dgm:pt modelId="{1530BF33-9846-4B30-B601-1DB4AD03D0D6}" type="pres">
+      <dgm:prSet presAssocID="{BB3EFD09-4A08-4CF5-B70D-C9FBB4E7EAC2}" presName="rootComposite" presStyleCnt="0"/>
+      <dgm:spPr/>
+    </dgm:pt>
+    <dgm:pt modelId="{C5F1C009-30A1-4BB8-9B9B-865A6431F556}" type="pres">
+      <dgm:prSet presAssocID="{BB3EFD09-4A08-4CF5-B70D-C9FBB4E7EAC2}" presName="rootText" presStyleLbl="node1" presStyleIdx="1" presStyleCnt="2"/>
+      <dgm:spPr/>
+    </dgm:pt>
+    <dgm:pt modelId="{DCB69FA2-CE15-4959-9839-2719B4110801}" type="pres">
+      <dgm:prSet presAssocID="{BB3EFD09-4A08-4CF5-B70D-C9FBB4E7EAC2}" presName="rootConnector" presStyleLbl="node1" presStyleIdx="1" presStyleCnt="2"/>
+      <dgm:spPr/>
+    </dgm:pt>
+    <dgm:pt modelId="{684EA70C-C42B-4000-A60D-E2544C579B4A}" type="pres">
+      <dgm:prSet presAssocID="{BB3EFD09-4A08-4CF5-B70D-C9FBB4E7EAC2}" presName="childShape" presStyleCnt="0"/>
+      <dgm:spPr/>
+    </dgm:pt>
+  </dgm:ptLst>
+  <dgm:cxnLst>
+    <dgm:cxn modelId="{8D924916-F6BA-4F12-833B-600C31551537}" type="presOf" srcId="{9AAC39CB-BCF2-4FE7-8CF3-071032A20C34}" destId="{13BB6C4D-7046-4E22-8D94-59A383257879}" srcOrd="1" destOrd="0" presId="urn:microsoft.com/office/officeart/2005/8/layout/hierarchy3"/>
+    <dgm:cxn modelId="{EAB07943-A357-4028-823E-7DD4A0AEB10C}" type="presOf" srcId="{27C6A9EC-18C5-4197-8F2A-C6ED7446FB69}" destId="{A84B701C-B7AC-4B8B-8553-D2DAAA41FB81}" srcOrd="0" destOrd="0" presId="urn:microsoft.com/office/officeart/2005/8/layout/hierarchy3"/>
+    <dgm:cxn modelId="{6E49524A-A842-483D-A394-7D4C077FBAC6}" type="presOf" srcId="{BB3EFD09-4A08-4CF5-B70D-C9FBB4E7EAC2}" destId="{C5F1C009-30A1-4BB8-9B9B-865A6431F556}" srcOrd="0" destOrd="0" presId="urn:microsoft.com/office/officeart/2005/8/layout/hierarchy3"/>
+    <dgm:cxn modelId="{579F1D4C-C47A-4D4A-9EE8-8FC24D223ABE}" srcId="{27C6A9EC-18C5-4197-8F2A-C6ED7446FB69}" destId="{BB3EFD09-4A08-4CF5-B70D-C9FBB4E7EAC2}" srcOrd="1" destOrd="0" parTransId="{C2ED22F5-BB42-4EF5-8440-2C2C82BC7AE8}" sibTransId="{902C0F93-7F19-4FD0-9814-8D688098A757}"/>
+    <dgm:cxn modelId="{EBC8FD86-F198-4301-9282-6DE9FA046076}" type="presOf" srcId="{9AAC39CB-BCF2-4FE7-8CF3-071032A20C34}" destId="{1BE56F84-B1D4-4154-9EE3-B4543B3A776B}" srcOrd="0" destOrd="0" presId="urn:microsoft.com/office/officeart/2005/8/layout/hierarchy3"/>
+    <dgm:cxn modelId="{499E608B-2BA4-4738-AF4A-2DA4E7425BBD}" type="presOf" srcId="{BB3EFD09-4A08-4CF5-B70D-C9FBB4E7EAC2}" destId="{DCB69FA2-CE15-4959-9839-2719B4110801}" srcOrd="1" destOrd="0" presId="urn:microsoft.com/office/officeart/2005/8/layout/hierarchy3"/>
+    <dgm:cxn modelId="{DB6D5CE6-B620-47E6-8BD0-4E874911B67B}" srcId="{27C6A9EC-18C5-4197-8F2A-C6ED7446FB69}" destId="{9AAC39CB-BCF2-4FE7-8CF3-071032A20C34}" srcOrd="0" destOrd="0" parTransId="{7C79F1BC-CBBB-4367-AAFF-EAF2407C384D}" sibTransId="{4039FE39-2BCD-42F9-B51B-4C77EE4C7D54}"/>
+    <dgm:cxn modelId="{7F5FE134-774F-41C5-9C4E-BCEA9E778CCB}" type="presParOf" srcId="{A84B701C-B7AC-4B8B-8553-D2DAAA41FB81}" destId="{DB27766D-64AA-4FD4-9535-0F46B00DF9FF}" srcOrd="0" destOrd="0" presId="urn:microsoft.com/office/officeart/2005/8/layout/hierarchy3"/>
+    <dgm:cxn modelId="{38D047E5-4598-41F5-AE17-35103719AAB7}" type="presParOf" srcId="{DB27766D-64AA-4FD4-9535-0F46B00DF9FF}" destId="{C951E557-31B0-4B0B-9EC6-5F617EE75899}" srcOrd="0" destOrd="0" presId="urn:microsoft.com/office/officeart/2005/8/layout/hierarchy3"/>
+    <dgm:cxn modelId="{BEB12F45-2DB7-472A-B5F7-A5683996723D}" type="presParOf" srcId="{C951E557-31B0-4B0B-9EC6-5F617EE75899}" destId="{1BE56F84-B1D4-4154-9EE3-B4543B3A776B}" srcOrd="0" destOrd="0" presId="urn:microsoft.com/office/officeart/2005/8/layout/hierarchy3"/>
+    <dgm:cxn modelId="{4CD25268-834B-4F68-942E-BDFF1806C9F2}" type="presParOf" srcId="{C951E557-31B0-4B0B-9EC6-5F617EE75899}" destId="{13BB6C4D-7046-4E22-8D94-59A383257879}" srcOrd="1" destOrd="0" presId="urn:microsoft.com/office/officeart/2005/8/layout/hierarchy3"/>
+    <dgm:cxn modelId="{11C5B4C9-F84F-4228-B535-6F9B6EE36943}" type="presParOf" srcId="{DB27766D-64AA-4FD4-9535-0F46B00DF9FF}" destId="{D6680D05-A82C-4442-B6F2-2B2667516183}" srcOrd="1" destOrd="0" presId="urn:microsoft.com/office/officeart/2005/8/layout/hierarchy3"/>
+    <dgm:cxn modelId="{5225B08B-02BB-42B2-BEF8-A672A99DBFCA}" type="presParOf" srcId="{A84B701C-B7AC-4B8B-8553-D2DAAA41FB81}" destId="{4652200C-67E5-4ED1-A6CE-7E0D8C4D0F02}" srcOrd="1" destOrd="0" presId="urn:microsoft.com/office/officeart/2005/8/layout/hierarchy3"/>
+    <dgm:cxn modelId="{60A7115E-3DB2-40CC-B030-1C10D7ED2A8B}" type="presParOf" srcId="{4652200C-67E5-4ED1-A6CE-7E0D8C4D0F02}" destId="{1530BF33-9846-4B30-B601-1DB4AD03D0D6}" srcOrd="0" destOrd="0" presId="urn:microsoft.com/office/officeart/2005/8/layout/hierarchy3"/>
+    <dgm:cxn modelId="{5E7EDD9E-1361-4C0E-AE99-5D5D60C40A1B}" type="presParOf" srcId="{1530BF33-9846-4B30-B601-1DB4AD03D0D6}" destId="{C5F1C009-30A1-4BB8-9B9B-865A6431F556}" srcOrd="0" destOrd="0" presId="urn:microsoft.com/office/officeart/2005/8/layout/hierarchy3"/>
+    <dgm:cxn modelId="{ADA4F351-5F30-4980-AF2F-276A1388F4E5}" type="presParOf" srcId="{1530BF33-9846-4B30-B601-1DB4AD03D0D6}" destId="{DCB69FA2-CE15-4959-9839-2719B4110801}" srcOrd="1" destOrd="0" presId="urn:microsoft.com/office/officeart/2005/8/layout/hierarchy3"/>
+    <dgm:cxn modelId="{C85A7954-10B2-488F-99D1-BEB7EB829881}" type="presParOf" srcId="{4652200C-67E5-4ED1-A6CE-7E0D8C4D0F02}" destId="{684EA70C-C42B-4000-A60D-E2544C579B4A}" srcOrd="1" destOrd="0" presId="urn:microsoft.com/office/officeart/2005/8/layout/hierarchy3"/>
+  </dgm:cxnLst>
+  <dgm:bg/>
+  <dgm:whole/>
+  <dgm:extLst>
+    <a:ext uri="http://schemas.microsoft.com/office/drawing/2008/diagram">
+      <dsp:dataModelExt xmlns:dsp="http://schemas.microsoft.com/office/drawing/2008/diagram" relId="rId6" minVer="http://schemas.openxmlformats.org/drawingml/2006/diagram"/>
+    </a:ext>
+  </dgm:extLst>
+</dgm:dataModel>
+</file>
+
+<file path=ppt/diagrams/drawing1.xml><?xml version="1.0" encoding="utf-8"?>
+<dsp:drawing xmlns:dgm="http://schemas.openxmlformats.org/drawingml/2006/diagram" xmlns:dsp="http://schemas.microsoft.com/office/drawing/2008/diagram" xmlns:a="http://schemas.openxmlformats.org/drawingml/2006/main">
+  <dsp:spTree>
+    <dsp:nvGrpSpPr>
+      <dsp:cNvPr id="0" name=""/>
+      <dsp:cNvGrpSpPr/>
+    </dsp:nvGrpSpPr>
+    <dsp:grpSpPr/>
+    <dsp:sp modelId="{EA5B6C21-EAB4-4898-99FB-95E78FD173B0}">
+      <dsp:nvSpPr>
+        <dsp:cNvPr id="0" name=""/>
+        <dsp:cNvSpPr/>
+      </dsp:nvSpPr>
+      <dsp:spPr>
+        <a:xfrm>
+          <a:off x="1953914" y="529294"/>
+          <a:ext cx="1944000" cy="1944000"/>
+        </a:xfrm>
+        <a:prstGeom prst="rect">
+          <a:avLst/>
+        </a:prstGeom>
+        <a:blipFill>
+          <a:blip xmlns:r="http://schemas.openxmlformats.org/officeDocument/2006/relationships" r:embed="rId1">
+            <a:extLst>
+              <a:ext uri="{28A0092B-C50C-407E-A947-70E740481C1C}">
+                <a14:useLocalDpi xmlns:a14="http://schemas.microsoft.com/office/drawing/2010/main" val="0"/>
+              </a:ext>
+              <a:ext uri="{96DAC541-7B7A-43D3-8B79-37D633B846F1}">
+                <asvg:svgBlip xmlns:asvg="http://schemas.microsoft.com/office/drawing/2016/SVG/main" r:embed="rId2"/>
+              </a:ext>
+            </a:extLst>
+          </a:blip>
+          <a:stretch>
+            <a:fillRect/>
+          </a:stretch>
+        </a:blipFill>
+        <a:ln w="19050" cap="flat" cmpd="sng" algn="ctr">
+          <a:noFill/>
+          <a:prstDash val="solid"/>
+          <a:miter lim="800000"/>
+        </a:ln>
+        <a:effectLst/>
+      </dsp:spPr>
+      <dsp:style>
+        <a:lnRef idx="2">
+          <a:scrgbClr r="0" g="0" b="0"/>
+        </a:lnRef>
+        <a:fillRef idx="1">
+          <a:scrgbClr r="0" g="0" b="0"/>
+        </a:fillRef>
+        <a:effectRef idx="0">
+          <a:scrgbClr r="0" g="0" b="0"/>
+        </a:effectRef>
+        <a:fontRef idx="minor">
+          <a:schemeClr val="lt1"/>
+        </a:fontRef>
+      </dsp:style>
+    </dsp:sp>
+    <dsp:sp modelId="{ACDBAAC2-0ACB-41E4-BD66-52971074084F}">
+      <dsp:nvSpPr>
+        <dsp:cNvPr id="0" name=""/>
+        <dsp:cNvSpPr/>
+      </dsp:nvSpPr>
+      <dsp:spPr>
+        <a:xfrm>
+          <a:off x="765914" y="2943510"/>
+          <a:ext cx="4320000" cy="720000"/>
+        </a:xfrm>
+        <a:prstGeom prst="rect">
+          <a:avLst/>
+        </a:prstGeom>
+        <a:noFill/>
+        <a:ln>
+          <a:noFill/>
+        </a:ln>
+        <a:effectLst/>
+      </dsp:spPr>
+      <dsp:style>
+        <a:lnRef idx="0">
+          <a:scrgbClr r="0" g="0" b="0"/>
+        </a:lnRef>
+        <a:fillRef idx="0">
+          <a:scrgbClr r="0" g="0" b="0"/>
+        </a:fillRef>
+        <a:effectRef idx="0">
+          <a:scrgbClr r="0" g="0" b="0"/>
+        </a:effectRef>
+        <a:fontRef idx="minor"/>
+      </dsp:style>
+      <dsp:txBody>
+        <a:bodyPr spcFirstLastPara="0" vert="horz" wrap="square" lIns="0" tIns="0" rIns="0" bIns="0" numCol="1" spcCol="1270" anchor="t" anchorCtr="0">
+          <a:noAutofit/>
+        </a:bodyPr>
+        <a:lstStyle/>
+        <a:p>
+          <a:pPr marL="0" lvl="0" indent="0" algn="ctr" defTabSz="622300">
+            <a:lnSpc>
+              <a:spcPct val="90000"/>
+            </a:lnSpc>
+            <a:spcBef>
+              <a:spcPct val="0"/>
+            </a:spcBef>
+            <a:spcAft>
+              <a:spcPct val="35000"/>
+            </a:spcAft>
+            <a:buNone/>
+          </a:pPr>
+          <a:r>
+            <a:rPr lang="es-MX" sz="1400" kern="1200"/>
+            <a:t>Un singleton es un patrón de diseño en programación que garantiza que una clase tenga una única instancia y proporciona un punto de acceso global a esa instancia.</a:t>
+          </a:r>
+          <a:endParaRPr lang="en-US" sz="1400" kern="1200"/>
+        </a:p>
+      </dsp:txBody>
+      <dsp:txXfrm>
+        <a:off x="765914" y="2943510"/>
+        <a:ext cx="4320000" cy="720000"/>
+      </dsp:txXfrm>
+    </dsp:sp>
+    <dsp:sp modelId="{205EBAF0-4DCE-4870-889D-EEBE5CCEF842}">
+      <dsp:nvSpPr>
+        <dsp:cNvPr id="0" name=""/>
+        <dsp:cNvSpPr/>
+      </dsp:nvSpPr>
+      <dsp:spPr>
+        <a:xfrm>
+          <a:off x="7029914" y="529294"/>
+          <a:ext cx="1944000" cy="1944000"/>
+        </a:xfrm>
+        <a:prstGeom prst="rect">
+          <a:avLst/>
+        </a:prstGeom>
+        <a:blipFill>
+          <a:blip xmlns:r="http://schemas.openxmlformats.org/officeDocument/2006/relationships" r:embed="rId3">
+            <a:extLst>
+              <a:ext uri="{28A0092B-C50C-407E-A947-70E740481C1C}">
+                <a14:useLocalDpi xmlns:a14="http://schemas.microsoft.com/office/drawing/2010/main" val="0"/>
+              </a:ext>
+              <a:ext uri="{96DAC541-7B7A-43D3-8B79-37D633B846F1}">
+                <asvg:svgBlip xmlns:asvg="http://schemas.microsoft.com/office/drawing/2016/SVG/main" r:embed="rId4"/>
+              </a:ext>
+            </a:extLst>
+          </a:blip>
+          <a:stretch>
+            <a:fillRect/>
+          </a:stretch>
+        </a:blipFill>
+        <a:ln w="19050" cap="flat" cmpd="sng" algn="ctr">
+          <a:noFill/>
+          <a:prstDash val="solid"/>
+          <a:miter lim="800000"/>
+        </a:ln>
+        <a:effectLst/>
+      </dsp:spPr>
+      <dsp:style>
+        <a:lnRef idx="2">
+          <a:scrgbClr r="0" g="0" b="0"/>
+        </a:lnRef>
+        <a:fillRef idx="1">
+          <a:scrgbClr r="0" g="0" b="0"/>
+        </a:fillRef>
+        <a:effectRef idx="0">
+          <a:scrgbClr r="0" g="0" b="0"/>
+        </a:effectRef>
+        <a:fontRef idx="minor">
+          <a:schemeClr val="lt1"/>
+        </a:fontRef>
+      </dsp:style>
+    </dsp:sp>
+    <dsp:sp modelId="{FF0E5D32-1D8F-46CC-9BCD-ADDF3A39179D}">
+      <dsp:nvSpPr>
+        <dsp:cNvPr id="0" name=""/>
+        <dsp:cNvSpPr/>
+      </dsp:nvSpPr>
+      <dsp:spPr>
+        <a:xfrm>
+          <a:off x="5841914" y="2943510"/>
+          <a:ext cx="4320000" cy="720000"/>
+        </a:xfrm>
+        <a:prstGeom prst="rect">
+          <a:avLst/>
+        </a:prstGeom>
+        <a:noFill/>
+        <a:ln>
+          <a:noFill/>
+        </a:ln>
+        <a:effectLst/>
+      </dsp:spPr>
+      <dsp:style>
+        <a:lnRef idx="0">
+          <a:scrgbClr r="0" g="0" b="0"/>
+        </a:lnRef>
+        <a:fillRef idx="0">
+          <a:scrgbClr r="0" g="0" b="0"/>
+        </a:fillRef>
+        <a:effectRef idx="0">
+          <a:scrgbClr r="0" g="0" b="0"/>
+        </a:effectRef>
+        <a:fontRef idx="minor"/>
+      </dsp:style>
+      <dsp:txBody>
+        <a:bodyPr spcFirstLastPara="0" vert="horz" wrap="square" lIns="0" tIns="0" rIns="0" bIns="0" numCol="1" spcCol="1270" anchor="t" anchorCtr="0">
+          <a:noAutofit/>
+        </a:bodyPr>
+        <a:lstStyle/>
+        <a:p>
+          <a:pPr marL="0" lvl="0" indent="0" algn="ctr" defTabSz="622300">
+            <a:lnSpc>
+              <a:spcPct val="90000"/>
+            </a:lnSpc>
+            <a:spcBef>
+              <a:spcPct val="0"/>
+            </a:spcBef>
+            <a:spcAft>
+              <a:spcPct val="35000"/>
+            </a:spcAft>
+            <a:buNone/>
+          </a:pPr>
+          <a:r>
+            <a:rPr lang="es-MX" sz="1400" kern="1200"/>
+            <a:t>Es como tener una única copia de algo importante en tu programa, como un personaje principal en un videojuego.</a:t>
+          </a:r>
+          <a:endParaRPr lang="en-US" sz="1400" kern="1200"/>
+        </a:p>
+      </dsp:txBody>
+      <dsp:txXfrm>
+        <a:off x="5841914" y="2943510"/>
+        <a:ext cx="4320000" cy="720000"/>
+      </dsp:txXfrm>
+    </dsp:sp>
+  </dsp:spTree>
+</dsp:drawing>
+</file>
+
+<file path=ppt/diagrams/drawing2.xml><?xml version="1.0" encoding="utf-8"?>
+<dsp:drawing xmlns:dgm="http://schemas.openxmlformats.org/drawingml/2006/diagram" xmlns:dsp="http://schemas.microsoft.com/office/drawing/2008/diagram" xmlns:a="http://schemas.openxmlformats.org/drawingml/2006/main">
+  <dsp:spTree>
+    <dsp:nvGrpSpPr>
+      <dsp:cNvPr id="0" name=""/>
+      <dsp:cNvGrpSpPr/>
+    </dsp:nvGrpSpPr>
+    <dsp:grpSpPr/>
+    <dsp:sp modelId="{1BE56F84-B1D4-4154-9EE3-B4543B3A776B}">
+      <dsp:nvSpPr>
+        <dsp:cNvPr id="0" name=""/>
+        <dsp:cNvSpPr/>
+      </dsp:nvSpPr>
+      <dsp:spPr>
+        <a:xfrm>
+          <a:off x="1333" y="882495"/>
+          <a:ext cx="4855627" cy="2427813"/>
+        </a:xfrm>
+        <a:prstGeom prst="roundRect">
+          <a:avLst>
+            <a:gd name="adj" fmla="val 10000"/>
+          </a:avLst>
+        </a:prstGeom>
+        <a:solidFill>
+          <a:schemeClr val="accent5">
+            <a:hueOff val="0"/>
+            <a:satOff val="0"/>
+            <a:lumOff val="0"/>
+            <a:alphaOff val="0"/>
+          </a:schemeClr>
+        </a:solidFill>
+        <a:ln w="19050" cap="flat" cmpd="sng" algn="ctr">
+          <a:solidFill>
+            <a:schemeClr val="lt1">
+              <a:hueOff val="0"/>
+              <a:satOff val="0"/>
+              <a:lumOff val="0"/>
+              <a:alphaOff val="0"/>
+            </a:schemeClr>
+          </a:solidFill>
+          <a:prstDash val="solid"/>
+          <a:miter lim="800000"/>
+        </a:ln>
+        <a:effectLst/>
+      </dsp:spPr>
+      <dsp:style>
+        <a:lnRef idx="2">
+          <a:scrgbClr r="0" g="0" b="0"/>
+        </a:lnRef>
+        <a:fillRef idx="1">
+          <a:scrgbClr r="0" g="0" b="0"/>
+        </a:fillRef>
+        <a:effectRef idx="0">
+          <a:scrgbClr r="0" g="0" b="0"/>
+        </a:effectRef>
+        <a:fontRef idx="minor">
+          <a:schemeClr val="lt1"/>
+        </a:fontRef>
+      </dsp:style>
+      <dsp:txBody>
+        <a:bodyPr spcFirstLastPara="0" vert="horz" wrap="square" lIns="45720" tIns="30480" rIns="45720" bIns="30480" numCol="1" spcCol="1270" anchor="ctr" anchorCtr="0">
+          <a:noAutofit/>
+        </a:bodyPr>
+        <a:lstStyle/>
+        <a:p>
+          <a:pPr marL="0" lvl="0" indent="0" algn="ctr" defTabSz="1066800">
+            <a:lnSpc>
+              <a:spcPct val="90000"/>
+            </a:lnSpc>
+            <a:spcBef>
+              <a:spcPct val="0"/>
+            </a:spcBef>
+            <a:spcAft>
+              <a:spcPct val="35000"/>
+            </a:spcAft>
+            <a:buNone/>
+          </a:pPr>
+          <a:r>
+            <a:rPr lang="es-MX" sz="2400" kern="1200"/>
+            <a:t>En C#, implementar un singleton significa crear una clase que solo pueda tener una instancia, y luego permitir que otras partes del código accedan a esa instancia única cuando la necesiten.</a:t>
+          </a:r>
+          <a:endParaRPr lang="en-US" sz="2400" kern="1200"/>
+        </a:p>
+      </dsp:txBody>
+      <dsp:txXfrm>
+        <a:off x="72441" y="953603"/>
+        <a:ext cx="4713411" cy="2285597"/>
+      </dsp:txXfrm>
+    </dsp:sp>
+    <dsp:sp modelId="{C5F1C009-30A1-4BB8-9B9B-865A6431F556}">
+      <dsp:nvSpPr>
+        <dsp:cNvPr id="0" name=""/>
+        <dsp:cNvSpPr/>
+      </dsp:nvSpPr>
+      <dsp:spPr>
+        <a:xfrm>
+          <a:off x="6070867" y="882495"/>
+          <a:ext cx="4855627" cy="2427813"/>
+        </a:xfrm>
+        <a:prstGeom prst="roundRect">
+          <a:avLst>
+            <a:gd name="adj" fmla="val 10000"/>
+          </a:avLst>
+        </a:prstGeom>
+        <a:solidFill>
+          <a:schemeClr val="accent5">
+            <a:hueOff val="-12152150"/>
+            <a:satOff val="-826"/>
+            <a:lumOff val="1961"/>
+            <a:alphaOff val="0"/>
+          </a:schemeClr>
+        </a:solidFill>
+        <a:ln w="19050" cap="flat" cmpd="sng" algn="ctr">
+          <a:solidFill>
+            <a:schemeClr val="lt1">
+              <a:hueOff val="0"/>
+              <a:satOff val="0"/>
+              <a:lumOff val="0"/>
+              <a:alphaOff val="0"/>
+            </a:schemeClr>
+          </a:solidFill>
+          <a:prstDash val="solid"/>
+          <a:miter lim="800000"/>
+        </a:ln>
+        <a:effectLst/>
+      </dsp:spPr>
+      <dsp:style>
+        <a:lnRef idx="2">
+          <a:scrgbClr r="0" g="0" b="0"/>
+        </a:lnRef>
+        <a:fillRef idx="1">
+          <a:scrgbClr r="0" g="0" b="0"/>
+        </a:fillRef>
+        <a:effectRef idx="0">
+          <a:scrgbClr r="0" g="0" b="0"/>
+        </a:effectRef>
+        <a:fontRef idx="minor">
+          <a:schemeClr val="lt1"/>
+        </a:fontRef>
+      </dsp:style>
+      <dsp:txBody>
+        <a:bodyPr spcFirstLastPara="0" vert="horz" wrap="square" lIns="45720" tIns="30480" rIns="45720" bIns="30480" numCol="1" spcCol="1270" anchor="ctr" anchorCtr="0">
+          <a:noAutofit/>
+        </a:bodyPr>
+        <a:lstStyle/>
+        <a:p>
+          <a:pPr marL="0" lvl="0" indent="0" algn="ctr" defTabSz="1066800">
+            <a:lnSpc>
+              <a:spcPct val="90000"/>
+            </a:lnSpc>
+            <a:spcBef>
+              <a:spcPct val="0"/>
+            </a:spcBef>
+            <a:spcAft>
+              <a:spcPct val="35000"/>
+            </a:spcAft>
+            <a:buNone/>
+          </a:pPr>
+          <a:r>
+            <a:rPr lang="es-MX" sz="2400" kern="1200"/>
+            <a:t>En Unity, que usa C# para programar juegos, puedes usar singletons para controlar aspectos clave del juego, como la gestión del progreso o la interfaz del usuario.</a:t>
+          </a:r>
+          <a:endParaRPr lang="en-US" sz="2400" kern="1200"/>
+        </a:p>
+      </dsp:txBody>
+      <dsp:txXfrm>
+        <a:off x="6141975" y="953603"/>
+        <a:ext cx="4713411" cy="2285597"/>
+      </dsp:txXfrm>
+    </dsp:sp>
+  </dsp:spTree>
+</dsp:drawing>
+</file>
+
+<file path=ppt/diagrams/layout1.xml><?xml version="1.0" encoding="utf-8"?>
+<dgm:layoutDef xmlns:dgm="http://schemas.openxmlformats.org/drawingml/2006/diagram" xmlns:a="http://schemas.openxmlformats.org/drawingml/2006/main" uniqueId="urn:microsoft.com/office/officeart/2018/2/layout/IconLabelList">
+  <dgm:title val="Icon Label List"/>
+  <dgm:desc val="Use to show non-sequential or grouped chunks of information accompanied by a related visuals. Works best with icons or small pictures with short text captions."/>
+  <dgm:catLst>
+    <dgm:cat type="icon" pri="500"/>
+  </dgm:catLst>
+  <dgm:sampData useDef="1">
+    <dgm:dataModel>
+      <dgm:ptLst/>
+      <dgm:bg/>
+      <dgm:whole/>
+    </dgm:dataModel>
+  </dgm:sampData>
+  <dgm:styleData useDef="1">
+    <dgm:dataModel>
+      <dgm:ptLst/>
+      <dgm:bg/>
+      <dgm:whole/>
+    </dgm:dataModel>
+  </dgm:styleData>
+  <dgm:clrData useDef="1">
+    <dgm:dataModel>
+      <dgm:ptLst/>
+      <dgm:bg/>
+      <dgm:whole/>
+    </dgm:dataModel>
+  </dgm:clrData>
+  <dgm:layoutNode name="root">
+    <dgm:varLst>
+      <dgm:dir/>
+      <dgm:resizeHandles val="exact"/>
+    </dgm:varLst>
+    <dgm:choose name="Name0">
+      <dgm:if name="Name1" axis="self" func="var" arg="dir" op="equ" val="norm">
+        <dgm:alg type="snake">
+          <dgm:param type="grDir" val="tL"/>
+          <dgm:param type="flowDir" val="row"/>
+          <dgm:param type="contDir" val="sameDir"/>
+          <dgm:param type="off" val="ctr"/>
+          <dgm:param type="vertAlign" val="mid"/>
+          <dgm:param type="horzAlign" val="ctr"/>
+        </dgm:alg>
+      </dgm:if>
+      <dgm:else name="Name2">
+        <dgm:alg type="snake">
+          <dgm:param type="grDir" val="tR"/>
+          <dgm:param type="flowDir" val="row"/>
+          <dgm:param type="contDir" val="sameDir"/>
+          <dgm:param type="off" val="ctr"/>
+          <dgm:param type="vertAlign" val="mid"/>
+          <dgm:param type="horzAlign" val="ctr"/>
+        </dgm:alg>
+      </dgm:else>
+    </dgm:choose>
+    <dgm:shape xmlns:r="http://schemas.openxmlformats.org/officeDocument/2006/relationships" r:blip="">
+      <dgm:adjLst/>
+    </dgm:shape>
+    <dgm:presOf/>
+    <dgm:choose name="Name3">
+      <dgm:if name="Name4" axis="ch" ptType="node" func="cnt" op="lte" val="2">
+        <dgm:constrLst>
+          <dgm:constr type="h" for="ch" forName="compNode" refType="h" fact="0.4"/>
+          <dgm:constr type="w" for="ch" forName="compNode" val="120"/>
+          <dgm:constr type="w" for="ch" forName="sibTrans" refType="w" refFor="ch" refForName="compNode" fact="0.175"/>
+          <dgm:constr type="sp" refType="w" refFor="ch" refForName="compNode" op="equ" fact="0.25"/>
+          <dgm:constr type="primFontSz" for="des" ptType="node" op="equ" val="50"/>
+          <dgm:constr type="h" for="des" forName="compNode" op="equ"/>
+          <dgm:constr type="h" for="des" forName="textRect" op="equ"/>
+        </dgm:constrLst>
+      </dgm:if>
+      <dgm:if name="Name5" axis="ch" ptType="node" func="cnt" op="lte" val="4">
+        <dgm:constrLst>
+          <dgm:constr type="h" for="ch" forName="compNode" refType="h" fact="0.4"/>
+          <dgm:constr type="w" for="ch" forName="compNode" refType="w"/>
+          <dgm:constr type="w" for="ch" forName="sibTrans" refType="w" refFor="ch" refForName="compNode" fact="0.175"/>
+          <dgm:constr type="sp" refType="w" refFor="ch" refForName="compNode" op="equ" fact="0.25"/>
+          <dgm:constr type="primFontSz" for="des" ptType="node" op="equ" val="36"/>
+          <dgm:constr type="h" for="des" forName="compNode" op="equ"/>
+          <dgm:constr type="h" for="des" forName="textRect" op="equ"/>
+        </dgm:constrLst>
+      </dgm:if>
+      <dgm:else name="Name6">
+        <dgm:constrLst>
+          <dgm:constr type="h" for="ch" forName="compNode" refType="h" fact="0.4"/>
+          <dgm:constr type="w" for="ch" forName="compNode" refType="w"/>
+          <dgm:constr type="w" for="ch" forName="sibTrans" refType="w" refFor="ch" refForName="compNode" fact="0.175"/>
+          <dgm:constr type="sp" refType="w" refFor="ch" refForName="compNode" op="equ" fact="0.25"/>
+          <dgm:constr type="primFontSz" for="des" ptType="node" op="equ" val="24"/>
+          <dgm:constr type="h" for="des" forName="compNode" op="equ"/>
+          <dgm:constr type="h" for="des" forName="textRect" op="equ"/>
+        </dgm:constrLst>
+      </dgm:else>
+    </dgm:choose>
+    <dgm:ruleLst>
+      <dgm:rule type="w" for="ch" forName="compNode" val="50" fact="NaN" max="NaN"/>
+    </dgm:ruleLst>
+    <dgm:forEach name="Name7" axis="ch" ptType="node">
+      <dgm:layoutNode name="compNode">
+        <dgm:alg type="composite"/>
+        <dgm:shape xmlns:r="http://schemas.openxmlformats.org/officeDocument/2006/relationships" r:blip="">
+          <dgm:adjLst/>
+        </dgm:shape>
+        <dgm:presOf axis="self"/>
+        <dgm:constrLst>
+          <dgm:constr type="w" for="ch" forName="iconRect" refType="w" fact="0.45"/>
+          <dgm:constr type="h" for="ch" forName="iconRect" refType="w" refFor="ch" refForName="iconRect"/>
+          <dgm:constr type="ctrX" for="ch" forName="iconRect" refType="w" fact="0.5"/>
+          <dgm:constr type="t" for="ch" forName="iconRect"/>
+          <dgm:constr type="h" for="ch" forName="spaceRect" refType="h" fact="0.15"/>
+          <dgm:constr type="w" for="ch" forName="spaceRect" refType="w"/>
+          <dgm:constr type="l" for="ch" forName="spaceRect"/>
+          <dgm:constr type="t" for="ch" forName="spaceRect" refType="b" refFor="ch" refForName="iconRect"/>
+          <dgm:constr type="h" for="ch" forName="textRect" val="20"/>
+          <dgm:constr type="w" for="ch" forName="textRect" refType="w"/>
+          <dgm:constr type="l" for="ch" forName="textRect"/>
+          <dgm:constr type="t" for="ch" forName="textRect" refType="b" refFor="ch" refForName="spaceRect"/>
+        </dgm:constrLst>
+        <dgm:ruleLst>
+          <dgm:rule type="h" val="INF" fact="NaN" max="NaN"/>
+        </dgm:ruleLst>
+        <dgm:layoutNode name="iconRect" styleLbl="node1">
+          <dgm:alg type="sp"/>
+          <dgm:shape xmlns:r="http://schemas.openxmlformats.org/officeDocument/2006/relationships" type="rect" r:blip="" blipPhldr="1">
+            <dgm:adjLst/>
+          </dgm:shape>
+          <dgm:presOf/>
+          <dgm:constrLst/>
+          <dgm:ruleLst/>
+        </dgm:layoutNode>
+        <dgm:layoutNode name="spaceRect">
+          <dgm:alg type="sp"/>
+          <dgm:shape xmlns:r="http://schemas.openxmlformats.org/officeDocument/2006/relationships" r:blip="">
+            <dgm:adjLst/>
+          </dgm:shape>
+          <dgm:presOf/>
+          <dgm:constrLst/>
+          <dgm:ruleLst/>
+        </dgm:layoutNode>
+        <dgm:layoutNode name="textRect" styleLbl="revTx">
+          <dgm:varLst>
+            <dgm:chMax val="1"/>
+            <dgm:chPref val="1"/>
+          </dgm:varLst>
+          <dgm:alg type="tx">
+            <dgm:param type="txAnchorVert" val="t"/>
+          </dgm:alg>
+          <dgm:shape xmlns:r="http://schemas.openxmlformats.org/officeDocument/2006/relationships" type="rect" r:blip="">
+            <dgm:adjLst/>
+          </dgm:shape>
+          <dgm:presOf axis="self" ptType="node"/>
+          <dgm:constrLst>
+            <dgm:constr type="lMarg"/>
+            <dgm:constr type="rMarg"/>
+            <dgm:constr type="tMarg"/>
+            <dgm:constr type="bMarg"/>
+          </dgm:constrLst>
+          <dgm:ruleLst>
+            <dgm:rule type="primFontSz" val="11" fact="NaN" max="NaN"/>
+            <dgm:rule type="h" val="INF" fact="NaN" max="NaN"/>
+          </dgm:ruleLst>
+        </dgm:layoutNode>
+      </dgm:layoutNode>
+      <dgm:forEach name="Name8" axis="followSib" ptType="sibTrans" cnt="1">
+        <dgm:layoutNode name="sibTrans">
+          <dgm:alg type="sp"/>
+          <dgm:shape xmlns:r="http://schemas.openxmlformats.org/officeDocument/2006/relationships" r:blip="">
+            <dgm:adjLst/>
+          </dgm:shape>
+          <dgm:presOf axis="self"/>
+          <dgm:constrLst/>
+          <dgm:ruleLst/>
+        </dgm:layoutNode>
+      </dgm:forEach>
+    </dgm:forEach>
+  </dgm:layoutNode>
+  <dgm:extLst>
+    <a:ext uri="{68A01E43-0DF5-4B5B-8FA6-DAF915123BFB}">
+      <dgm1612:lstStyle xmlns:dgm1612="http://schemas.microsoft.com/office/drawing/2016/12/diagram">
+        <a:lvl1pPr>
+          <a:lnSpc>
+            <a:spcPct val="100000"/>
+          </a:lnSpc>
+        </a:lvl1pPr>
+      </dgm1612:lstStyle>
+    </a:ext>
+  </dgm:extLst>
+</dgm:layoutDef>
+</file>
+
+<file path=ppt/diagrams/layout2.xml><?xml version="1.0" encoding="utf-8"?>
+<dgm:layoutDef xmlns:dgm="http://schemas.openxmlformats.org/drawingml/2006/diagram" xmlns:a="http://schemas.openxmlformats.org/drawingml/2006/main" uniqueId="urn:microsoft.com/office/officeart/2005/8/layout/hierarchy3">
+  <dgm:title val=""/>
+  <dgm:desc val=""/>
+  <dgm:catLst>
+    <dgm:cat type="hierarchy" pri="7000"/>
+    <dgm:cat type="list" pri="23000"/>
+    <dgm:cat type="relationship" pri="15000"/>
+    <dgm:cat type="convert" pri="7000"/>
+  </dgm:catLst>
+  <dgm:sampData>
+    <dgm:dataModel>
+      <dgm:ptLst>
+        <dgm:pt modelId="0" type="doc"/>
+        <dgm:pt modelId="1">
+          <dgm:prSet phldr="1"/>
+        </dgm:pt>
+        <dgm:pt modelId="11">
+          <dgm:prSet phldr="1"/>
+        </dgm:pt>
+        <dgm:pt modelId="12">
+          <dgm:prSet phldr="1"/>
+        </dgm:pt>
+        <dgm:pt modelId="2">
+          <dgm:prSet phldr="1"/>
+        </dgm:pt>
+        <dgm:pt modelId="21">
+          <dgm:prSet phldr="1"/>
+        </dgm:pt>
+        <dgm:pt modelId="22">
+          <dgm:prSet phldr="1"/>
+        </dgm:pt>
+      </dgm:ptLst>
+      <dgm:cxnLst>
+        <dgm:cxn modelId="4" srcId="0" destId="1" srcOrd="0" destOrd="0"/>
+        <dgm:cxn modelId="5" srcId="1" destId="11" srcOrd="0" destOrd="0"/>
+        <dgm:cxn modelId="6" srcId="1" destId="12" srcOrd="1" destOrd="0"/>
+        <dgm:cxn modelId="7" srcId="0" destId="2" srcOrd="1" destOrd="0"/>
+        <dgm:cxn modelId="8" srcId="2" destId="21" srcOrd="0" destOrd="0"/>
+        <dgm:cxn modelId="9" srcId="2" destId="22" srcOrd="1" destOrd="0"/>
+      </dgm:cxnLst>
+      <dgm:bg/>
+      <dgm:whole/>
+    </dgm:dataModel>
+  </dgm:sampData>
+  <dgm:styleData>
+    <dgm:dataModel>
+      <dgm:ptLst>
+        <dgm:pt modelId="0" type="doc"/>
+        <dgm:pt modelId="1"/>
+        <dgm:pt modelId="11"/>
+        <dgm:pt modelId="2"/>
+        <dgm:pt modelId="21"/>
+      </dgm:ptLst>
+      <dgm:cxnLst>
+        <dgm:cxn modelId="4" srcId="0" destId="1" srcOrd="0" destOrd="0"/>
+        <dgm:cxn modelId="5" srcId="0" destId="2" srcOrd="1" destOrd="0"/>
+        <dgm:cxn modelId="13" srcId="1" destId="11" srcOrd="0" destOrd="0"/>
+        <dgm:cxn modelId="23" srcId="2" destId="21" srcOrd="0" destOrd="0"/>
+      </dgm:cxnLst>
+      <dgm:bg/>
+      <dgm:whole/>
+    </dgm:dataModel>
+  </dgm:styleData>
+  <dgm:clrData>
+    <dgm:dataModel>
+      <dgm:ptLst>
+        <dgm:pt modelId="0" type="doc"/>
+        <dgm:pt modelId="1"/>
+        <dgm:pt modelId="11"/>
+        <dgm:pt modelId="2"/>
+        <dgm:pt modelId="21"/>
+        <dgm:pt modelId="3"/>
+        <dgm:pt modelId="31"/>
+        <dgm:pt modelId="4"/>
+        <dgm:pt modelId="41"/>
+      </dgm:ptLst>
+      <dgm:cxnLst>
+        <dgm:cxn modelId="5" srcId="0" destId="1" srcOrd="0" destOrd="0"/>
+        <dgm:cxn modelId="6" srcId="0" destId="2" srcOrd="1" destOrd="0"/>
+        <dgm:cxn modelId="7" srcId="0" destId="3" srcOrd="2" destOrd="0"/>
+        <dgm:cxn modelId="8" srcId="0" destId="4" srcOrd="3" destOrd="0"/>
+        <dgm:cxn modelId="13" srcId="1" destId="11" srcOrd="0" destOrd="0"/>
+        <dgm:cxn modelId="23" srcId="2" destId="21" srcOrd="0" destOrd="0"/>
+        <dgm:cxn modelId="33" srcId="3" destId="31" srcOrd="0" destOrd="0"/>
+        <dgm:cxn modelId="43" srcId="4" destId="41" srcOrd="0" destOrd="0"/>
+      </dgm:cxnLst>
+      <dgm:bg/>
+      <dgm:whole/>
+    </dgm:dataModel>
+  </dgm:clrData>
+  <dgm:layoutNode name="diagram">
+    <dgm:varLst>
+      <dgm:chPref val="1"/>
+      <dgm:dir/>
+      <dgm:animOne val="branch"/>
+      <dgm:animLvl val="lvl"/>
+      <dgm:resizeHandles/>
+    </dgm:varLst>
+    <dgm:choose name="Name0">
+      <dgm:if name="Name1" func="var" arg="dir" op="equ" val="norm">
+        <dgm:alg type="hierChild">
+          <dgm:param type="linDir" val="fromL"/>
+        </dgm:alg>
+      </dgm:if>
+      <dgm:else name="Name2">
+        <dgm:alg type="hierChild">
+          <dgm:param type="linDir" val="fromR"/>
+        </dgm:alg>
+      </dgm:else>
+    </dgm:choose>
+    <dgm:shape xmlns:r="http://schemas.openxmlformats.org/officeDocument/2006/relationships" r:blip="">
+      <dgm:adjLst/>
+    </dgm:shape>
+    <dgm:presOf/>
+    <dgm:constrLst>
+      <dgm:constr type="primFontSz" for="des" forName="rootText" op="equ" val="65"/>
+      <dgm:constr type="primFontSz" for="des" forName="childText" op="equ" val="65"/>
+      <dgm:constr type="w" for="des" forName="rootComposite" refType="w"/>
+      <dgm:constr type="h" for="des" forName="rootComposite" refType="w" fact="0.5"/>
+      <dgm:constr type="w" for="des" forName="childText" refType="w" refFor="des" refForName="rootComposite" fact="0.8"/>
+      <dgm:constr type="h" for="des" forName="childText" refType="h" refFor="des" refForName="rootComposite"/>
+      <dgm:constr type="sibSp" refType="w" refFor="des" refForName="rootComposite" fact="0.25"/>
+      <dgm:constr type="sibSp" for="des" forName="childShape" refType="h" refFor="des" refForName="childText" fact="0.25"/>
+      <dgm:constr type="sp" for="des" forName="root" refType="h" refFor="des" refForName="childText" fact="0.25"/>
+    </dgm:constrLst>
+    <dgm:ruleLst/>
+    <dgm:forEach name="Name3" axis="ch">
+      <dgm:forEach name="Name4" axis="self" ptType="node" cnt="1">
+        <dgm:layoutNode name="root">
+          <dgm:choose name="Name5">
+            <dgm:if name="Name6" func="var" arg="dir" op="equ" val="norm">
+              <dgm:alg type="hierRoot">
+                <dgm:param type="hierAlign" val="tL"/>
+              </dgm:alg>
+            </dgm:if>
+            <dgm:else name="Name7">
+              <dgm:alg type="hierRoot">
+                <dgm:param type="hierAlign" val="tR"/>
+              </dgm:alg>
+            </dgm:else>
+          </dgm:choose>
+          <dgm:shape xmlns:r="http://schemas.openxmlformats.org/officeDocument/2006/relationships" r:blip="">
+            <dgm:adjLst/>
+          </dgm:shape>
+          <dgm:presOf/>
+          <dgm:constrLst>
+            <dgm:constr type="alignOff" val="0.2"/>
+          </dgm:constrLst>
+          <dgm:ruleLst/>
+          <dgm:layoutNode name="rootComposite">
+            <dgm:alg type="composite"/>
+            <dgm:shape xmlns:r="http://schemas.openxmlformats.org/officeDocument/2006/relationships" r:blip="">
+              <dgm:adjLst/>
+            </dgm:shape>
+            <dgm:presOf axis="self" ptType="node" cnt="1"/>
+            <dgm:choose name="Name8">
+              <dgm:if name="Name9" func="var" arg="dir" op="equ" val="norm">
+                <dgm:constrLst>
+                  <dgm:constr type="l" for="ch" forName="rootText"/>
+                  <dgm:constr type="t" for="ch" forName="rootText"/>
+                  <dgm:constr type="w" for="ch" forName="rootText" refType="w"/>
+                  <dgm:constr type="h" for="ch" forName="rootText" refType="h"/>
+                  <dgm:constr type="l" for="ch" forName="rootConnector"/>
+                  <dgm:constr type="t" for="ch" forName="rootConnector"/>
+                  <dgm:constr type="w" for="ch" forName="rootConnector" refType="w" refFor="ch" refForName="rootText" fact="0.2"/>
+                  <dgm:constr type="h" for="ch" forName="rootConnector" refType="h" refFor="ch" refForName="rootText"/>
+                </dgm:constrLst>
+              </dgm:if>
+              <dgm:else name="Name10">
+                <dgm:constrLst>
+                  <dgm:constr type="l" for="ch" forName="rootText"/>
+                  <dgm:constr type="t" for="ch" forName="rootText"/>
+                  <dgm:constr type="w" for="ch" forName="rootText" refType="w"/>
+                  <dgm:constr type="h" for="ch" forName="rootText" refType="h"/>
+                  <dgm:constr type="r" for="ch" forName="rootConnector" refType="w"/>
+                  <dgm:constr type="t" for="ch" forName="rootConnector"/>
+                  <dgm:constr type="w" for="ch" forName="rootConnector" refType="w" refFor="ch" refForName="rootText" fact="0.2"/>
+                  <dgm:constr type="h" for="ch" forName="rootConnector" refType="h" refFor="ch" refForName="rootText"/>
+                </dgm:constrLst>
+              </dgm:else>
+            </dgm:choose>
+            <dgm:ruleLst/>
+            <dgm:layoutNode name="rootText" styleLbl="node1">
+              <dgm:alg type="tx"/>
+              <dgm:shape xmlns:r="http://schemas.openxmlformats.org/officeDocument/2006/relationships" type="roundRect" r:blip="">
+                <dgm:adjLst>
+                  <dgm:adj idx="1" val="0.1"/>
+                </dgm:adjLst>
+              </dgm:shape>
+              <dgm:presOf axis="self" ptType="node" cnt="1"/>
+              <dgm:constrLst>
+                <dgm:constr type="tMarg" refType="primFontSz" fact="0.1"/>
+                <dgm:constr type="bMarg" refType="primFontSz" fact="0.1"/>
+                <dgm:constr type="lMarg" refType="primFontSz" fact="0.15"/>
+                <dgm:constr type="rMarg" refType="primFontSz" fact="0.15"/>
+              </dgm:constrLst>
+              <dgm:ruleLst>
+                <dgm:rule type="primFontSz" val="5" fact="NaN" max="NaN"/>
+              </dgm:ruleLst>
+            </dgm:layoutNode>
+            <dgm:layoutNode name="rootConnector" moveWith="rootText">
+              <dgm:alg type="sp"/>
+              <dgm:shape xmlns:r="http://schemas.openxmlformats.org/officeDocument/2006/relationships" type="roundRect" r:blip="" hideGeom="1">
+                <dgm:adjLst>
+                  <dgm:adj idx="1" val="0.1"/>
+                </dgm:adjLst>
+              </dgm:shape>
+              <dgm:presOf axis="self" ptType="node" cnt="1"/>
+              <dgm:constrLst/>
+              <dgm:ruleLst/>
+            </dgm:layoutNode>
+          </dgm:layoutNode>
+          <dgm:layoutNode name="childShape">
+            <dgm:alg type="hierChild">
+              <dgm:param type="chAlign" val="l"/>
+              <dgm:param type="linDir" val="fromT"/>
+            </dgm:alg>
+            <dgm:shape xmlns:r="http://schemas.openxmlformats.org/officeDocument/2006/relationships" r:blip="">
+              <dgm:adjLst/>
+            </dgm:shape>
+            <dgm:presOf/>
+            <dgm:constrLst/>
+            <dgm:ruleLst/>
+            <dgm:forEach name="Name11" axis="ch">
+              <dgm:forEach name="Name12" axis="self" ptType="parTrans" cnt="1">
+                <dgm:layoutNode name="Name13">
+                  <dgm:choose name="Name14">
+                    <dgm:if name="Name15" func="var" arg="dir" op="equ" val="norm">
+                      <dgm:alg type="conn">
+                        <dgm:param type="dim" val="1D"/>
+                        <dgm:param type="endSty" val="noArr"/>
+                        <dgm:param type="connRout" val="bend"/>
+                        <dgm:param type="srcNode" val="rootConnector"/>
+                        <dgm:param type="begPts" val="bCtr"/>
+                        <dgm:param type="endPts" val="midL"/>
+                      </dgm:alg>
+                    </dgm:if>
+                    <dgm:else name="Name16">
+                      <dgm:alg type="conn">
+                        <dgm:param type="dim" val="1D"/>
+                        <dgm:param type="endSty" val="noArr"/>
+                        <dgm:param type="connRout" val="bend"/>
+                        <dgm:param type="srcNode" val="rootConnector"/>
+                        <dgm:param type="begPts" val="bCtr"/>
+                        <dgm:param type="endPts" val="midR"/>
+                      </dgm:alg>
+                    </dgm:else>
+                  </dgm:choose>
+                  <dgm:shape xmlns:r="http://schemas.openxmlformats.org/officeDocument/2006/relationships" type="conn" r:blip="">
+                    <dgm:adjLst/>
+                  </dgm:shape>
+                  <dgm:presOf axis="self"/>
+                  <dgm:constrLst>
+                    <dgm:constr type="begPad"/>
+                    <dgm:constr type="endPad"/>
+                  </dgm:constrLst>
+                  <dgm:ruleLst/>
+                </dgm:layoutNode>
+              </dgm:forEach>
+              <dgm:forEach name="Name17" axis="self" ptType="node">
+                <dgm:layoutNode name="childText" styleLbl="bgAcc1">
+                  <dgm:varLst>
+                    <dgm:bulletEnabled val="1"/>
+                  </dgm:varLst>
+                  <dgm:alg type="tx"/>
+                  <dgm:shape xmlns:r="http://schemas.openxmlformats.org/officeDocument/2006/relationships" type="roundRect" r:blip="">
+                    <dgm:adjLst>
+                      <dgm:adj idx="1" val="0.1"/>
+                    </dgm:adjLst>
+                  </dgm:shape>
+                  <dgm:presOf axis="self desOrSelf" ptType="node node" st="1 1" cnt="1 0"/>
+                  <dgm:constrLst>
+                    <dgm:constr type="tMarg" refType="primFontSz" fact="0.1"/>
+                    <dgm:constr type="bMarg" refType="primFontSz" fact="0.1"/>
+                    <dgm:constr type="lMarg" refType="primFontSz" fact="0.15"/>
+                    <dgm:constr type="rMarg" refType="primFontSz" fact="0.15"/>
+                  </dgm:constrLst>
+                  <dgm:ruleLst>
+                    <dgm:rule type="primFontSz" val="5" fact="NaN" max="NaN"/>
+                  </dgm:ruleLst>
+                </dgm:layoutNode>
+              </dgm:forEach>
+            </dgm:forEach>
+          </dgm:layoutNode>
+        </dgm:layoutNode>
+      </dgm:forEach>
+    </dgm:forEach>
+  </dgm:layoutNode>
+</dgm:layoutDef>
+</file>
+
+<file path=ppt/diagrams/quickStyle1.xml><?xml version="1.0" encoding="utf-8"?>
+<dgm:styleDef xmlns:dgm="http://schemas.openxmlformats.org/drawingml/2006/diagram" xmlns:a="http://schemas.openxmlformats.org/drawingml/2006/main" uniqueId="urn:microsoft.com/office/officeart/2005/8/quickstyle/simple1">
+  <dgm:title val=""/>
+  <dgm:desc val=""/>
+  <dgm:catLst>
+    <dgm:cat type="simple" pri="10100"/>
+  </dgm:catLst>
+  <dgm:scene3d>
+    <a:camera prst="orthographicFront"/>
+    <a:lightRig rig="threePt" dir="t"/>
+  </dgm:scene3d>
+  <dgm:styleLbl name="node0">
+    <dgm:scene3d>
+      <a:camera prst="orthographicFront"/>
+      <a:lightRig rig="threePt" dir="t"/>
+    </dgm:scene3d>
+    <dgm:sp3d/>
+    <dgm:txPr/>
+    <dgm:style>
+      <a:lnRef idx="2">
+        <a:scrgbClr r="0" g="0" b="0"/>
+      </a:lnRef>
+      <a:fillRef idx="1">
+        <a:scrgbClr r="0" g="0" b="0"/>
+      </a:fillRef>
+      <a:effectRef idx="0">
+        <a:scrgbClr r="0" g="0" b="0"/>
+      </a:effectRef>
+      <a:fontRef idx="minor">
+        <a:schemeClr val="lt1"/>
+      </a:fontRef>
+    </dgm:style>
+  </dgm:styleLbl>
+  <dgm:styleLbl name="lnNode1">
+    <dgm:scene3d>
+      <a:camera prst="orthographicFront"/>
+      <a:lightRig rig="threePt" dir="t"/>
+    </dgm:scene3d>
+    <dgm:sp3d/>
+    <dgm:txPr/>
+    <dgm:style>
+      <a:lnRef idx="2">
+        <a:scrgbClr r="0" g="0" b="0"/>
+      </a:lnRef>
+      <a:fillRef idx="1">
+        <a:scrgbClr r="0" g="0" b="0"/>
+      </a:fillRef>
+      <a:effectRef idx="0">
+        <a:scrgbClr r="0" g="0" b="0"/>
+      </a:effectRef>
+      <a:fontRef idx="minor">
+        <a:schemeClr val="lt1"/>
+      </a:fontRef>
+    </dgm:style>
+  </dgm:styleLbl>
+  <dgm:styleLbl name="vennNode1">
+    <dgm:scene3d>
+      <a:camera prst="orthographicFront"/>
+      <a:lightRig rig="threePt" dir="t"/>
+    </dgm:scene3d>
+    <dgm:sp3d/>
+    <dgm:txPr/>
+    <dgm:style>
+      <a:lnRef idx="2">
+        <a:scrgbClr r="0" g="0" b="0"/>
+      </a:lnRef>
+      <a:fillRef idx="1">
+        <a:scrgbClr r="0" g="0" b="0"/>
+      </a:fillRef>
+      <a:effectRef idx="0">
+        <a:scrgbClr r="0" g="0" b="0"/>
+      </a:effectRef>
+      <a:fontRef idx="minor">
+        <a:schemeClr val="tx1"/>
+      </a:fontRef>
+    </dgm:style>
+  </dgm:styleLbl>
+  <dgm:styleLbl name="alignNode1">
+    <dgm:scene3d>
+      <a:camera prst="orthographicFront"/>
+      <a:lightRig rig="threePt" dir="t"/>
+    </dgm:scene3d>
+    <dgm:sp3d/>
+    <dgm:txPr/>
+    <dgm:style>
+      <a:lnRef idx="2">
+        <a:scrgbClr r="0" g="0" b="0"/>
+      </a:lnRef>
+      <a:fillRef idx="1">
+        <a:scrgbClr r="0" g="0" b="0"/>
+      </a:fillRef>
+      <a:effectRef idx="0">
+        <a:scrgbClr r="0" g="0" b="0"/>
+      </a:effectRef>
+      <a:fontRef idx="minor">
+        <a:schemeClr val="lt1"/>
+      </a:fontRef>
+    </dgm:style>
+  </dgm:styleLbl>
+  <dgm:styleLbl name="node1">
+    <dgm:scene3d>
+      <a:camera prst="orthographicFront"/>
+      <a:lightRig rig="threePt" dir="t"/>
+    </dgm:scene3d>
+    <dgm:sp3d/>
+    <dgm:txPr/>
+    <dgm:style>
+      <a:lnRef idx="2">
+        <a:scrgbClr r="0" g="0" b="0"/>
+      </a:lnRef>
+      <a:fillRef idx="1">
+        <a:scrgbClr r="0" g="0" b="0"/>
+      </a:fillRef>
+      <a:effectRef idx="0">
+        <a:scrgbClr r="0" g="0" b="0"/>
+      </a:effectRef>
+      <a:fontRef idx="minor">
+        <a:schemeClr val="lt1"/>
+      </a:fontRef>
+    </dgm:style>
+  </dgm:styleLbl>
+  <dgm:styleLbl name="node2">
+    <dgm:scene3d>
+      <a:camera prst="orthographicFront"/>
+      <a:lightRig rig="threePt" dir="t"/>
+    </dgm:scene3d>
+    <dgm:sp3d/>
+    <dgm:txPr/>
+    <dgm:style>
+      <a:lnRef idx="2">
+        <a:scrgbClr r="0" g="0" b="0"/>
+      </a:lnRef>
+      <a:fillRef idx="1">
+        <a:scrgbClr r="0" g="0" b="0"/>
+      </a:fillRef>
+      <a:effectRef idx="0">
+        <a:scrgbClr r="0" g="0" b="0"/>
+      </a:effectRef>
+      <a:fontRef idx="minor">
+        <a:schemeClr val="lt1"/>
+      </a:fontRef>
+    </dgm:style>
+  </dgm:styleLbl>
+  <dgm:styleLbl name="node3">
+    <dgm:scene3d>
+      <a:camera prst="orthographicFront"/>
+      <a:lightRig rig="threePt" dir="t"/>
+    </dgm:scene3d>
+    <dgm:sp3d/>
+    <dgm:txPr/>
+    <dgm:style>
+      <a:lnRef idx="2">
+        <a:scrgbClr r="0" g="0" b="0"/>
+      </a:lnRef>
+      <a:fillRef idx="1">
+        <a:scrgbClr r="0" g="0" b="0"/>
+      </a:fillRef>
+      <a:effectRef idx="0">
+        <a:scrgbClr r="0" g="0" b="0"/>
+      </a:effectRef>
+      <a:fontRef idx="minor">
+        <a:schemeClr val="lt1"/>
+      </a:fontRef>
+    </dgm:style>
+  </dgm:styleLbl>
+  <dgm:styleLbl name="node4">
+    <dgm:scene3d>
+      <a:camera prst="orthographicFront"/>
+      <a:lightRig rig="threePt" dir="t"/>
+    </dgm:scene3d>
+    <dgm:sp3d/>
+    <dgm:txPr/>
+    <dgm:style>
+      <a:lnRef idx="2">
+        <a:scrgbClr r="0" g="0" b="0"/>
+      </a:lnRef>
+      <a:fillRef idx="1">
+        <a:scrgbClr r="0" g="0" b="0"/>
+      </a:fillRef>
+      <a:effectRef idx="0">
+        <a:scrgbClr r="0" g="0" b="0"/>
+      </a:effectRef>
+      <a:fontRef idx="minor">
+        <a:schemeClr val="lt1"/>
+      </a:fontRef>
+    </dgm:style>
+  </dgm:styleLbl>
+  <dgm:styleLbl name="fgImgPlace1">
+    <dgm:scene3d>
+      <a:camera prst="orthographicFront"/>
+      <a:lightRig rig="threePt" dir="t"/>
+    </dgm:scene3d>
+    <dgm:sp3d/>
+    <dgm:txPr/>
+    <dgm:style>
+      <a:lnRef idx="2">
+        <a:scrgbClr r="0" g="0" b="0"/>
+      </a:lnRef>
+      <a:fillRef idx="1">
+        <a:scrgbClr r="0" g="0" b="0"/>
+      </a:fillRef>
+      <a:effectRef idx="0">
+        <a:scrgbClr r="0" g="0" b="0"/>
+      </a:effectRef>
+      <a:fontRef idx="minor"/>
+    </dgm:style>
+  </dgm:styleLbl>
+  <dgm:styleLbl name="alignImgPlace1">
+    <dgm:scene3d>
+      <a:camera prst="orthographicFront"/>
+      <a:lightRig rig="threePt" dir="t"/>
+    </dgm:scene3d>
+    <dgm:sp3d/>
+    <dgm:txPr/>
+    <dgm:style>
+      <a:lnRef idx="2">
+        <a:scrgbClr r="0" g="0" b="0"/>
+      </a:lnRef>
+      <a:fillRef idx="1">
+        <a:scrgbClr r="0" g="0" b="0"/>
+      </a:fillRef>
+      <a:effectRef idx="0">
+        <a:scrgbClr r="0" g="0" b="0"/>
+      </a:effectRef>
+      <a:fontRef idx="minor"/>
+    </dgm:style>
+  </dgm:styleLbl>
+  <dgm:styleLbl name="bgImgPlace1">
+    <dgm:scene3d>
+      <a:camera prst="orthographicFront"/>
+      <a:lightRig rig="threePt" dir="t"/>
+    </dgm:scene3d>
+    <dgm:sp3d/>
+    <dgm:txPr/>
+    <dgm:style>
+      <a:lnRef idx="2">
+        <a:scrgbClr r="0" g="0" b="0"/>
+      </a:lnRef>
+      <a:fillRef idx="1">
+        <a:scrgbClr r="0" g="0" b="0"/>
+      </a:fillRef>
+      <a:effectRef idx="0">
+        <a:scrgbClr r="0" g="0" b="0"/>
+      </a:effectRef>
+      <a:fontRef idx="minor"/>
+    </dgm:style>
+  </dgm:styleLbl>
+  <dgm:styleLbl name="sibTrans2D1">
+    <dgm:scene3d>
+      <a:camera prst="orthographicFront"/>
+      <a:lightRig rig="threePt" dir="t"/>
+    </dgm:scene3d>
+    <dgm:sp3d/>
+    <dgm:txPr/>
+    <dgm:style>
+      <a:lnRef idx="0">
+        <a:scrgbClr r="0" g="0" b="0"/>
+      </a:lnRef>
+      <a:fillRef idx="1">
+        <a:scrgbClr r="0" g="0" b="0"/>
+      </a:fillRef>
+      <a:effectRef idx="0">
+        <a:scrgbClr r="0" g="0" b="0"/>
+      </a:effectRef>
+      <a:fontRef idx="minor">
+        <a:schemeClr val="lt1"/>
+      </a:fontRef>
+    </dgm:style>
+  </dgm:styleLbl>
+  <dgm:styleLbl name="fgSibTrans2D1">
+    <dgm:scene3d>
+      <a:camera prst="orthographicFront"/>
+      <a:lightRig rig="threePt" dir="t"/>
+    </dgm:scene3d>
+    <dgm:sp3d/>
+    <dgm:txPr/>
+    <dgm:style>
+      <a:lnRef idx="0">
+        <a:scrgbClr r="0" g="0" b="0"/>
+      </a:lnRef>
+      <a:fillRef idx="1">
+        <a:scrgbClr r="0" g="0" b="0"/>
+      </a:fillRef>
+      <a:effectRef idx="0">
+        <a:scrgbClr r="0" g="0" b="0"/>
+      </a:effectRef>
+      <a:fontRef idx="minor">
+        <a:schemeClr val="lt1"/>
+      </a:fontRef>
+    </dgm:style>
+  </dgm:styleLbl>
+  <dgm:styleLbl name="bgSibTrans2D1">
+    <dgm:scene3d>
+      <a:camera prst="orthographicFront"/>
+      <a:lightRig rig="threePt" dir="t"/>
+    </dgm:scene3d>
+    <dgm:sp3d/>
+    <dgm:txPr/>
+    <dgm:style>
+      <a:lnRef idx="0">
+        <a:scrgbClr r="0" g="0" b="0"/>
+      </a:lnRef>
+      <a:fillRef idx="1">
+        <a:scrgbClr r="0" g="0" b="0"/>
+      </a:fillRef>
+      <a:effectRef idx="0">
+        <a:scrgbClr r="0" g="0" b="0"/>
+      </a:effectRef>
+      <a:fontRef idx="minor">
+        <a:schemeClr val="lt1"/>
+      </a:fontRef>
+    </dgm:style>
+  </dgm:styleLbl>
+  <dgm:styleLbl name="sibTrans1D1">
+    <dgm:scene3d>
+      <a:camera prst="orthographicFront"/>
+      <a:lightRig rig="threePt" dir="t"/>
+    </dgm:scene3d>
+    <dgm:sp3d/>
+    <dgm:txPr/>
+    <dgm:style>
+      <a:lnRef idx="1">
+        <a:scrgbClr r="0" g="0" b="0"/>
+      </a:lnRef>
+      <a:fillRef idx="0">
+        <a:scrgbClr r="0" g="0" b="0"/>
+      </a:fillRef>
+      <a:effectRef idx="0">
+        <a:scrgbClr r="0" g="0" b="0"/>
+      </a:effectRef>
+      <a:fontRef idx="minor"/>
+    </dgm:style>
+  </dgm:styleLbl>
+  <dgm:styleLbl name="callout">
+    <dgm:scene3d>
+      <a:camera prst="orthographicFront"/>
+      <a:lightRig rig="threePt" dir="t"/>
+    </dgm:scene3d>
+    <dgm:sp3d/>
+    <dgm:txPr/>
+    <dgm:style>
+      <a:lnRef idx="2">
+        <a:scrgbClr r="0" g="0" b="0"/>
+      </a:lnRef>
+      <a:fillRef idx="1">
+        <a:scrgbClr r="0" g="0" b="0"/>
+      </a:fillRef>
+      <a:effectRef idx="0">
+        <a:scrgbClr r="0" g="0" b="0"/>
+      </a:effectRef>
+      <a:fontRef idx="minor"/>
+    </dgm:style>
+  </dgm:styleLbl>
+  <dgm:styleLbl name="asst0">
+    <dgm:scene3d>
+      <a:camera prst="orthographicFront"/>
+      <a:lightRig rig="threePt" dir="t"/>
+    </dgm:scene3d>
+    <dgm:sp3d/>
+    <dgm:txPr/>
+    <dgm:style>
+      <a:lnRef idx="2">
+        <a:scrgbClr r="0" g="0" b="0"/>
+      </a:lnRef>
+      <a:fillRef idx="1">
+        <a:scrgbClr r="0" g="0" b="0"/>
+      </a:fillRef>
+      <a:effectRef idx="0">
+        <a:scrgbClr r="0" g="0" b="0"/>
+      </a:effectRef>
+      <a:fontRef idx="minor">
+        <a:schemeClr val="lt1"/>
+      </a:fontRef>
+    </dgm:style>
+  </dgm:styleLbl>
+  <dgm:styleLbl name="asst1">
+    <dgm:scene3d>
+      <a:camera prst="orthographicFront"/>
+      <a:lightRig rig="threePt" dir="t"/>
+    </dgm:scene3d>
+    <dgm:sp3d/>
+    <dgm:txPr/>
+    <dgm:style>
+      <a:lnRef idx="2">
+        <a:scrgbClr r="0" g="0" b="0"/>
+      </a:lnRef>
+      <a:fillRef idx="1">
+        <a:scrgbClr r="0" g="0" b="0"/>
+      </a:fillRef>
+      <a:effectRef idx="0">
+        <a:scrgbClr r="0" g="0" b="0"/>
+      </a:effectRef>
+      <a:fontRef idx="minor">
+        <a:schemeClr val="lt1"/>
+      </a:fontRef>
+    </dgm:style>
+  </dgm:styleLbl>
+  <dgm:styleLbl name="asst2">
+    <dgm:scene3d>
+      <a:camera prst="orthographicFront"/>
+      <a:lightRig rig="threePt" dir="t"/>
+    </dgm:scene3d>
+    <dgm:sp3d/>
+    <dgm:txPr/>
+    <dgm:style>
+      <a:lnRef idx="2">
+        <a:scrgbClr r="0" g="0" b="0"/>
+      </a:lnRef>
+      <a:fillRef idx="1">
+        <a:scrgbClr r="0" g="0" b="0"/>
+      </a:fillRef>
+      <a:effectRef idx="0">
+        <a:scrgbClr r="0" g="0" b="0"/>
+      </a:effectRef>
+      <a:fontRef idx="minor">
+        <a:schemeClr val="lt1"/>
+      </a:fontRef>
+    </dgm:style>
+  </dgm:styleLbl>
+  <dgm:styleLbl name="asst3">
+    <dgm:scene3d>
+      <a:camera prst="orthographicFront"/>
+      <a:lightRig rig="threePt" dir="t"/>
+    </dgm:scene3d>
+    <dgm:sp3d/>
+    <dgm:txPr/>
+    <dgm:style>
+      <a:lnRef idx="2">
+        <a:scrgbClr r="0" g="0" b="0"/>
+      </a:lnRef>
+      <a:fillRef idx="1">
+        <a:scrgbClr r="0" g="0" b="0"/>
+      </a:fillRef>
+      <a:effectRef idx="0">
+        <a:scrgbClr r="0" g="0" b="0"/>
+      </a:effectRef>
+      <a:fontRef idx="minor">
+        <a:schemeClr val="lt1"/>
+      </a:fontRef>
+    </dgm:style>
+  </dgm:styleLbl>
+  <dgm:styleLbl name="asst4">
+    <dgm:scene3d>
+      <a:camera prst="orthographicFront"/>
+      <a:lightRig rig="threePt" dir="t"/>
+    </dgm:scene3d>
+    <dgm:sp3d/>
+    <dgm:txPr/>
+    <dgm:style>
+      <a:lnRef idx="2">
+        <a:scrgbClr r="0" g="0" b="0"/>
+      </a:lnRef>
+      <a:fillRef idx="1">
+        <a:scrgbClr r="0" g="0" b="0"/>
+      </a:fillRef>
+      <a:effectRef idx="0">
+        <a:scrgbClr r="0" g="0" b="0"/>
+      </a:effectRef>
+      <a:fontRef idx="minor">
+        <a:schemeClr val="lt1"/>
+      </a:fontRef>
+    </dgm:style>
+  </dgm:styleLbl>
+  <dgm:styleLbl name="parChTrans2D1">
+    <dgm:scene3d>
+      <a:camera prst="orthographicFront"/>
+      <a:lightRig rig="threePt" dir="t"/>
+    </dgm:scene3d>
+    <dgm:sp3d/>
+    <dgm:txPr/>
+    <dgm:style>
+      <a:lnRef idx="2">
+        <a:scrgbClr r="0" g="0" b="0"/>
+      </a:lnRef>
+      <a:fillRef idx="1">
+        <a:scrgbClr r="0" g="0" b="0"/>
+      </a:fillRef>
+      <a:effectRef idx="0">
+        <a:scrgbClr r="0" g="0" b="0"/>
+      </a:effectRef>
+      <a:fontRef idx="minor">
+        <a:schemeClr val="lt1"/>
+      </a:fontRef>
+    </dgm:style>
+  </dgm:styleLbl>
+  <dgm:styleLbl name="parChTrans2D2">
+    <dgm:scene3d>
+      <a:camera prst="orthographicFront"/>
+      <a:lightRig rig="threePt" dir="t"/>
+    </dgm:scene3d>
+    <dgm:sp3d/>
+    <dgm:txPr/>
+    <dgm:style>
+      <a:lnRef idx="2">
+        <a:scrgbClr r="0" g="0" b="0"/>
+      </a:lnRef>
+      <a:fillRef idx="1">
+        <a:scrgbClr r="0" g="0" b="0"/>
+      </a:fillRef>
+      <a:effectRef idx="0">
+        <a:scrgbClr r="0" g="0" b="0"/>
+      </a:effectRef>
+      <a:fontRef idx="minor">
+        <a:schemeClr val="lt1"/>
+      </a:fontRef>
+    </dgm:style>
+  </dgm:styleLbl>
+  <dgm:styleLbl name="parChTrans2D3">
+    <dgm:scene3d>
+      <a:camera prst="orthographicFront"/>
+      <a:lightRig rig="threePt" dir="t"/>
+    </dgm:scene3d>
+    <dgm:sp3d/>
+    <dgm:txPr/>
+    <dgm:style>
+      <a:lnRef idx="2">
+        <a:scrgbClr r="0" g="0" b="0"/>
+      </a:lnRef>
+      <a:fillRef idx="1">
+        <a:scrgbClr r="0" g="0" b="0"/>
+      </a:fillRef>
+      <a:effectRef idx="0">
+        <a:scrgbClr r="0" g="0" b="0"/>
+      </a:effectRef>
+      <a:fontRef idx="minor">
+        <a:schemeClr val="lt1"/>
+      </a:fontRef>
+    </dgm:style>
+  </dgm:styleLbl>
+  <dgm:styleLbl name="parChTrans2D4">
+    <dgm:scene3d>
+      <a:camera prst="orthographicFront"/>
+      <a:lightRig rig="threePt" dir="t"/>
+    </dgm:scene3d>
+    <dgm:sp3d/>
+    <dgm:txPr/>
+    <dgm:style>
+      <a:lnRef idx="2">
+        <a:scrgbClr r="0" g="0" b="0"/>
+      </a:lnRef>
+      <a:fillRef idx="1">
+        <a:scrgbClr r="0" g="0" b="0"/>
+      </a:fillRef>
+      <a:effectRef idx="0">
+        <a:scrgbClr r="0" g="0" b="0"/>
+      </a:effectRef>
+      <a:fontRef idx="minor">
+        <a:schemeClr val="lt1"/>
+      </a:fontRef>
+    </dgm:style>
+  </dgm:styleLbl>
+  <dgm:styleLbl name="parChTrans1D1">
+    <dgm:scene3d>
+      <a:camera prst="orthographicFront"/>
+      <a:lightRig rig="threePt" dir="t"/>
+    </dgm:scene3d>
+    <dgm:sp3d/>
+    <dgm:txPr/>
+    <dgm:style>
+      <a:lnRef idx="2">
+        <a:scrgbClr r="0" g="0" b="0"/>
+      </a:lnRef>
+      <a:fillRef idx="0">
+        <a:scrgbClr r="0" g="0" b="0"/>
+      </a:fillRef>
+      <a:effectRef idx="0">
+        <a:scrgbClr r="0" g="0" b="0"/>
+      </a:effectRef>
+      <a:fontRef idx="minor"/>
+    </dgm:style>
+  </dgm:styleLbl>
+  <dgm:styleLbl name="parChTrans1D2">
+    <dgm:scene3d>
+      <a:camera prst="orthographicFront"/>
+      <a:lightRig rig="threePt" dir="t"/>
+    </dgm:scene3d>
+    <dgm:sp3d/>
+    <dgm:txPr/>
+    <dgm:style>
+      <a:lnRef idx="2">
+        <a:scrgbClr r="0" g="0" b="0"/>
+      </a:lnRef>
+      <a:fillRef idx="0">
+        <a:scrgbClr r="0" g="0" b="0"/>
+      </a:fillRef>
+      <a:effectRef idx="0">
+        <a:scrgbClr r="0" g="0" b="0"/>
+      </a:effectRef>
+      <a:fontRef idx="minor"/>
+    </dgm:style>
+  </dgm:styleLbl>
+  <dgm:styleLbl name="parChTrans1D3">
+    <dgm:scene3d>
+      <a:camera prst="orthographicFront"/>
+      <a:lightRig rig="threePt" dir="t"/>
+    </dgm:scene3d>
+    <dgm:sp3d/>
+    <dgm:txPr/>
+    <dgm:style>
+      <a:lnRef idx="2">
+        <a:scrgbClr r="0" g="0" b="0"/>
+      </a:lnRef>
+      <a:fillRef idx="0">
+        <a:scrgbClr r="0" g="0" b="0"/>
+      </a:fillRef>
+      <a:effectRef idx="0">
+        <a:scrgbClr r="0" g="0" b="0"/>
+      </a:effectRef>
+      <a:fontRef idx="minor"/>
+    </dgm:style>
+  </dgm:styleLbl>
+  <dgm:styleLbl name="parChTrans1D4">
+    <dgm:scene3d>
+      <a:camera prst="orthographicFront"/>
+      <a:lightRig rig="threePt" dir="t"/>
+    </dgm:scene3d>
+    <dgm:sp3d/>
+    <dgm:txPr/>
+    <dgm:style>
+      <a:lnRef idx="2">
+        <a:scrgbClr r="0" g="0" b="0"/>
+      </a:lnRef>
+      <a:fillRef idx="0">
+        <a:scrgbClr r="0" g="0" b="0"/>
+      </a:fillRef>
+      <a:effectRef idx="0">
+        <a:scrgbClr r="0" g="0" b="0"/>
+      </a:effectRef>
+      <a:fontRef idx="minor"/>
+    </dgm:style>
+  </dgm:styleLbl>
+  <dgm:styleLbl name="fgAcc1">
+    <dgm:scene3d>
+      <a:camera prst="orthographicFront"/>
+      <a:lightRig rig="threePt" dir="t"/>
+    </dgm:scene3d>
+    <dgm:sp3d/>
+    <dgm:txPr/>
+    <dgm:style>
+      <a:lnRef idx="2">
+        <a:scrgbClr r="0" g="0" b="0"/>
+      </a:lnRef>
+      <a:fillRef idx="1">
+        <a:scrgbClr r="0" g="0" b="0"/>
+      </a:fillRef>
+      <a:effectRef idx="0">
+        <a:scrgbClr r="0" g="0" b="0"/>
+      </a:effectRef>
+      <a:fontRef idx="minor"/>
+    </dgm:style>
+  </dgm:styleLbl>
+  <dgm:styleLbl name="conFgAcc1">
+    <dgm:scene3d>
+      <a:camera prst="orthographicFront"/>
+      <a:lightRig rig="threePt" dir="t"/>
+    </dgm:scene3d>
+    <dgm:sp3d/>
+    <dgm:txPr/>
+    <dgm:style>
+      <a:lnRef idx="2">
+        <a:scrgbClr r="0" g="0" b="0"/>
+      </a:lnRef>
+      <a:fillRef idx="1">
+        <a:scrgbClr r="0" g="0" b="0"/>
+      </a:fillRef>
+      <a:effectRef idx="0">
+        <a:scrgbClr r="0" g="0" b="0"/>
+      </a:effectRef>
+      <a:fontRef idx="minor"/>
+    </dgm:style>
+  </dgm:styleLbl>
+  <dgm:styleLbl name="alignAcc1">
+    <dgm:scene3d>
+      <a:camera prst="orthographicFront"/>
+      <a:lightRig rig="threePt" dir="t"/>
+    </dgm:scene3d>
+    <dgm:sp3d/>
+    <dgm:txPr/>
+    <dgm:style>
+      <a:lnRef idx="2">
+        <a:scrgbClr r="0" g="0" b="0"/>
+      </a:lnRef>
+      <a:fillRef idx="1">
+        <a:scrgbClr r="0" g="0" b="0"/>
+      </a:fillRef>
+      <a:effectRef idx="0">
+        <a:scrgbClr r="0" g="0" b="0"/>
+      </a:effectRef>
+      <a:fontRef idx="minor"/>
+    </dgm:style>
+  </dgm:styleLbl>
+  <dgm:styleLbl name="trAlignAcc1">
+    <dgm:scene3d>
+      <a:camera prst="orthographicFront"/>
+      <a:lightRig rig="threePt" dir="t"/>
+    </dgm:scene3d>
+    <dgm:sp3d/>
+    <dgm:txPr/>
+    <dgm:style>
+      <a:lnRef idx="1">
+        <a:scrgbClr r="0" g="0" b="0"/>
+      </a:lnRef>
+      <a:fillRef idx="1">
+        <a:scrgbClr r="0" g="0" b="0"/>
+      </a:fillRef>
+      <a:effectRef idx="0">
+        <a:scrgbClr r="0" g="0" b="0"/>
+      </a:effectRef>
+      <a:fontRef idx="minor"/>
+    </dgm:style>
+  </dgm:styleLbl>
+  <dgm:styleLbl name="bgAcc1">
+    <dgm:scene3d>
+      <a:camera prst="orthographicFront"/>
+      <a:lightRig rig="threePt" dir="t"/>
+    </dgm:scene3d>
+    <dgm:sp3d/>
+    <dgm:txPr/>
+    <dgm:style>
+      <a:lnRef idx="2">
+        <a:scrgbClr r="0" g="0" b="0"/>
+      </a:lnRef>
+      <a:fillRef idx="1">
+        <a:scrgbClr r="0" g="0" b="0"/>
+      </a:fillRef>
+      <a:effectRef idx="0">
+        <a:scrgbClr r="0" g="0" b="0"/>
+      </a:effectRef>
+      <a:fontRef idx="minor"/>
+    </dgm:style>
+  </dgm:styleLbl>
+  <dgm:styleLbl name="solidFgAcc1">
+    <dgm:scene3d>
+      <a:camera prst="orthographicFront"/>
+      <a:lightRig rig="threePt" dir="t"/>
+    </dgm:scene3d>
+    <dgm:sp3d/>
+    <dgm:txPr/>
+    <dgm:style>
+      <a:lnRef idx="2">
+        <a:scrgbClr r="0" g="0" b="0"/>
+      </a:lnRef>
+      <a:fillRef idx="1">
+        <a:scrgbClr r="0" g="0" b="0"/>
+      </a:fillRef>
+      <a:effectRef idx="0">
+        <a:scrgbClr r="0" g="0" b="0"/>
+      </a:effectRef>
+      <a:fontRef idx="minor"/>
+    </dgm:style>
+  </dgm:styleLbl>
+  <dgm:styleLbl name="solidAlignAcc1">
+    <dgm:scene3d>
+      <a:camera prst="orthographicFront"/>
+      <a:lightRig rig="threePt" dir="t"/>
+    </dgm:scene3d>
+    <dgm:sp3d/>
+    <dgm:txPr/>
+    <dgm:style>
+      <a:lnRef idx="2">
+        <a:scrgbClr r="0" g="0" b="0"/>
+      </a:lnRef>
+      <a:fillRef idx="1">
+        <a:scrgbClr r="0" g="0" b="0"/>
+      </a:fillRef>
+      <a:effectRef idx="0">
+        <a:scrgbClr r="0" g="0" b="0"/>
+      </a:effectRef>
+      <a:fontRef idx="minor"/>
+    </dgm:style>
+  </dgm:styleLbl>
+  <dgm:styleLbl name="solidBgAcc1">
+    <dgm:scene3d>
+      <a:camera prst="orthographicFront"/>
+      <a:lightRig rig="threePt" dir="t"/>
+    </dgm:scene3d>
+    <dgm:sp3d/>
+    <dgm:txPr/>
+    <dgm:style>
+      <a:lnRef idx="2">
+        <a:scrgbClr r="0" g="0" b="0"/>
+      </a:lnRef>
+      <a:fillRef idx="1">
+        <a:scrgbClr r="0" g="0" b="0"/>
+      </a:fillRef>
+      <a:effectRef idx="0">
+        <a:scrgbClr r="0" g="0" b="0"/>
+      </a:effectRef>
+      <a:fontRef idx="minor"/>
+    </dgm:style>
+  </dgm:styleLbl>
+  <dgm:styleLbl name="fgAccFollowNode1">
+    <dgm:scene3d>
+      <a:camera prst="orthographicFront"/>
+      <a:lightRig rig="threePt" dir="t"/>
+    </dgm:scene3d>
+    <dgm:sp3d/>
+    <dgm:txPr/>
+    <dgm:style>
+      <a:lnRef idx="2">
+        <a:scrgbClr r="0" g="0" b="0"/>
+      </a:lnRef>
+      <a:fillRef idx="1">
+        <a:scrgbClr r="0" g="0" b="0"/>
+      </a:fillRef>
+      <a:effectRef idx="0">
+        <a:scrgbClr r="0" g="0" b="0"/>
+      </a:effectRef>
+      <a:fontRef idx="minor"/>
+    </dgm:style>
+  </dgm:styleLbl>
+  <dgm:styleLbl name="alignAccFollowNode1">
+    <dgm:scene3d>
+      <a:camera prst="orthographicFront"/>
+      <a:lightRig rig="threePt" dir="t"/>
+    </dgm:scene3d>
+    <dgm:sp3d/>
+    <dgm:txPr/>
+    <dgm:style>
+      <a:lnRef idx="2">
+        <a:scrgbClr r="0" g="0" b="0"/>
+      </a:lnRef>
+      <a:fillRef idx="1">
+        <a:scrgbClr r="0" g="0" b="0"/>
+      </a:fillRef>
+      <a:effectRef idx="0">
+        <a:scrgbClr r="0" g="0" b="0"/>
+      </a:effectRef>
+      <a:fontRef idx="minor"/>
+    </dgm:style>
+  </dgm:styleLbl>
+  <dgm:styleLbl name="bgAccFollowNode1">
+    <dgm:scene3d>
+      <a:camera prst="orthographicFront"/>
+      <a:lightRig rig="threePt" dir="t"/>
+    </dgm:scene3d>
+    <dgm:sp3d/>
+    <dgm:txPr/>
+    <dgm:style>
+      <a:lnRef idx="2">
+        <a:scrgbClr r="0" g="0" b="0"/>
+      </a:lnRef>
+      <a:fillRef idx="1">
+        <a:scrgbClr r="0" g="0" b="0"/>
+      </a:fillRef>
+      <a:effectRef idx="0">
+        <a:scrgbClr r="0" g="0" b="0"/>
+      </a:effectRef>
+      <a:fontRef idx="minor"/>
+    </dgm:style>
+  </dgm:styleLbl>
+  <dgm:styleLbl name="fgAcc0">
+    <dgm:scene3d>
+      <a:camera prst="orthographicFront"/>
+      <a:lightRig rig="threePt" dir="t"/>
+    </dgm:scene3d>
+    <dgm:sp3d/>
+    <dgm:txPr/>
+    <dgm:style>
+      <a:lnRef idx="2">
+        <a:scrgbClr r="0" g="0" b="0"/>
+      </a:lnRef>
+      <a:fillRef idx="1">
+        <a:scrgbClr r="0" g="0" b="0"/>
+      </a:fillRef>
+      <a:effectRef idx="0">
+        <a:scrgbClr r="0" g="0" b="0"/>
+      </a:effectRef>
+      <a:fontRef idx="minor"/>
+    </dgm:style>
+  </dgm:styleLbl>
+  <dgm:styleLbl name="fgAcc2">
+    <dgm:scene3d>
+      <a:camera prst="orthographicFront"/>
+      <a:lightRig rig="threePt" dir="t"/>
+    </dgm:scene3d>
+    <dgm:sp3d/>
+    <dgm:txPr/>
+    <dgm:style>
+      <a:lnRef idx="2">
+        <a:scrgbClr r="0" g="0" b="0"/>
+      </a:lnRef>
+      <a:fillRef idx="1">
+        <a:scrgbClr r="0" g="0" b="0"/>
+      </a:fillRef>
+      <a:effectRef idx="0">
+        <a:scrgbClr r="0" g="0" b="0"/>
+      </a:effectRef>
+      <a:fontRef idx="minor"/>
+    </dgm:style>
+  </dgm:styleLbl>
+  <dgm:styleLbl name="fgAcc3">
+    <dgm:scene3d>
+      <a:camera prst="orthographicFront"/>
+      <a:lightRig rig="threePt" dir="t"/>
+    </dgm:scene3d>
+    <dgm:sp3d/>
+    <dgm:txPr/>
+    <dgm:style>
+      <a:lnRef idx="2">
+        <a:scrgbClr r="0" g="0" b="0"/>
+      </a:lnRef>
+      <a:fillRef idx="1">
+        <a:scrgbClr r="0" g="0" b="0"/>
+      </a:fillRef>
+      <a:effectRef idx="0">
+        <a:scrgbClr r="0" g="0" b="0"/>
+      </a:effectRef>
+      <a:fontRef idx="minor"/>
+    </dgm:style>
+  </dgm:styleLbl>
+  <dgm:styleLbl name="fgAcc4">
+    <dgm:scene3d>
+      <a:camera prst="orthographicFront"/>
+      <a:lightRig rig="threePt" dir="t"/>
+    </dgm:scene3d>
+    <dgm:sp3d/>
+    <dgm:txPr/>
+    <dgm:style>
+      <a:lnRef idx="2">
+        <a:scrgbClr r="0" g="0" b="0"/>
+      </a:lnRef>
+      <a:fillRef idx="1">
+        <a:scrgbClr r="0" g="0" b="0"/>
+      </a:fillRef>
+      <a:effectRef idx="0">
+        <a:scrgbClr r="0" g="0" b="0"/>
+      </a:effectRef>
+      <a:fontRef idx="minor"/>
+    </dgm:style>
+  </dgm:styleLbl>
+  <dgm:styleLbl name="bgShp">
+    <dgm:scene3d>
+      <a:camera prst="orthographicFront"/>
+      <a:lightRig rig="threePt" dir="t"/>
+    </dgm:scene3d>
+    <dgm:sp3d/>
+    <dgm:txPr/>
+    <dgm:style>
+      <a:lnRef idx="0">
+        <a:scrgbClr r="0" g="0" b="0"/>
+      </a:lnRef>
+      <a:fillRef idx="1">
+        <a:scrgbClr r="0" g="0" b="0"/>
+      </a:fillRef>
+      <a:effectRef idx="0">
+        <a:scrgbClr r="0" g="0" b="0"/>
+      </a:effectRef>
+      <a:fontRef idx="minor"/>
+    </dgm:style>
+  </dgm:styleLbl>
+  <dgm:styleLbl name="dkBgShp">
+    <dgm:scene3d>
+      <a:camera prst="orthographicFront"/>
+      <a:lightRig rig="threePt" dir="t"/>
+    </dgm:scene3d>
+    <dgm:sp3d/>
+    <dgm:txPr/>
+    <dgm:style>
+      <a:lnRef idx="0">
+        <a:scrgbClr r="0" g="0" b="0"/>
+      </a:lnRef>
+      <a:fillRef idx="1">
+        <a:scrgbClr r="0" g="0" b="0"/>
+      </a:fillRef>
+      <a:effectRef idx="0">
+        <a:scrgbClr r="0" g="0" b="0"/>
+      </a:effectRef>
+      <a:fontRef idx="minor"/>
+    </dgm:style>
+  </dgm:styleLbl>
+  <dgm:styleLbl name="trBgShp">
+    <dgm:scene3d>
+      <a:camera prst="orthographicFront"/>
+      <a:lightRig rig="threePt" dir="t"/>
+    </dgm:scene3d>
+    <dgm:sp3d/>
+    <dgm:txPr/>
+    <dgm:style>
+      <a:lnRef idx="0">
+        <a:scrgbClr r="0" g="0" b="0"/>
+      </a:lnRef>
+      <a:fillRef idx="1">
+        <a:scrgbClr r="0" g="0" b="0"/>
+      </a:fillRef>
+      <a:effectRef idx="0">
+        <a:scrgbClr r="0" g="0" b="0"/>
+      </a:effectRef>
+      <a:fontRef idx="minor"/>
+    </dgm:style>
+  </dgm:styleLbl>
+  <dgm:styleLbl name="fgShp">
+    <dgm:scene3d>
+      <a:camera prst="orthographicFront"/>
+      <a:lightRig rig="threePt" dir="t"/>
+    </dgm:scene3d>
+    <dgm:sp3d/>
+    <dgm:txPr/>
+    <dgm:style>
+      <a:lnRef idx="2">
+        <a:scrgbClr r="0" g="0" b="0"/>
+      </a:lnRef>
+      <a:fillRef idx="1">
+        <a:scrgbClr r="0" g="0" b="0"/>
+      </a:fillRef>
+      <a:effectRef idx="0">
+        <a:scrgbClr r="0" g="0" b="0"/>
+      </a:effectRef>
+      <a:fontRef idx="minor"/>
+    </dgm:style>
+  </dgm:styleLbl>
+  <dgm:styleLbl name="revTx">
+    <dgm:scene3d>
+      <a:camera prst="orthographicFront"/>
+      <a:lightRig rig="threePt" dir="t"/>
+    </dgm:scene3d>
+    <dgm:sp3d/>
+    <dgm:txPr/>
+    <dgm:style>
+      <a:lnRef idx="0">
+        <a:scrgbClr r="0" g="0" b="0"/>
+      </a:lnRef>
+      <a:fillRef idx="0">
+        <a:scrgbClr r="0" g="0" b="0"/>
+      </a:fillRef>
+      <a:effectRef idx="0">
+        <a:scrgbClr r="0" g="0" b="0"/>
+      </a:effectRef>
+      <a:fontRef idx="minor"/>
+    </dgm:style>
+  </dgm:styleLbl>
+</dgm:styleDef>
+</file>
+
+<file path=ppt/diagrams/quickStyle2.xml><?xml version="1.0" encoding="utf-8"?>
+<dgm:styleDef xmlns:dgm="http://schemas.openxmlformats.org/drawingml/2006/diagram" xmlns:a="http://schemas.openxmlformats.org/drawingml/2006/main" uniqueId="urn:microsoft.com/office/officeart/2005/8/quickstyle/simple1">
+  <dgm:title val=""/>
+  <dgm:desc val=""/>
+  <dgm:catLst>
+    <dgm:cat type="simple" pri="10100"/>
+  </dgm:catLst>
+  <dgm:scene3d>
+    <a:camera prst="orthographicFront"/>
+    <a:lightRig rig="threePt" dir="t"/>
+  </dgm:scene3d>
+  <dgm:styleLbl name="node0">
+    <dgm:scene3d>
+      <a:camera prst="orthographicFront"/>
+      <a:lightRig rig="threePt" dir="t"/>
+    </dgm:scene3d>
+    <dgm:sp3d/>
+    <dgm:txPr/>
+    <dgm:style>
+      <a:lnRef idx="2">
+        <a:scrgbClr r="0" g="0" b="0"/>
+      </a:lnRef>
+      <a:fillRef idx="1">
+        <a:scrgbClr r="0" g="0" b="0"/>
+      </a:fillRef>
+      <a:effectRef idx="0">
+        <a:scrgbClr r="0" g="0" b="0"/>
+      </a:effectRef>
+      <a:fontRef idx="minor">
+        <a:schemeClr val="lt1"/>
+      </a:fontRef>
+    </dgm:style>
+  </dgm:styleLbl>
+  <dgm:styleLbl name="lnNode1">
+    <dgm:scene3d>
+      <a:camera prst="orthographicFront"/>
+      <a:lightRig rig="threePt" dir="t"/>
+    </dgm:scene3d>
+    <dgm:sp3d/>
+    <dgm:txPr/>
+    <dgm:style>
+      <a:lnRef idx="2">
+        <a:scrgbClr r="0" g="0" b="0"/>
+      </a:lnRef>
+      <a:fillRef idx="1">
+        <a:scrgbClr r="0" g="0" b="0"/>
+      </a:fillRef>
+      <a:effectRef idx="0">
+        <a:scrgbClr r="0" g="0" b="0"/>
+      </a:effectRef>
+      <a:fontRef idx="minor">
+        <a:schemeClr val="lt1"/>
+      </a:fontRef>
+    </dgm:style>
+  </dgm:styleLbl>
+  <dgm:styleLbl name="vennNode1">
+    <dgm:scene3d>
+      <a:camera prst="orthographicFront"/>
+      <a:lightRig rig="threePt" dir="t"/>
+    </dgm:scene3d>
+    <dgm:sp3d/>
+    <dgm:txPr/>
+    <dgm:style>
+      <a:lnRef idx="2">
+        <a:scrgbClr r="0" g="0" b="0"/>
+      </a:lnRef>
+      <a:fillRef idx="1">
+        <a:scrgbClr r="0" g="0" b="0"/>
+      </a:fillRef>
+      <a:effectRef idx="0">
+        <a:scrgbClr r="0" g="0" b="0"/>
+      </a:effectRef>
+      <a:fontRef idx="minor">
+        <a:schemeClr val="tx1"/>
+      </a:fontRef>
+    </dgm:style>
+  </dgm:styleLbl>
+  <dgm:styleLbl name="alignNode1">
+    <dgm:scene3d>
+      <a:camera prst="orthographicFront"/>
+      <a:lightRig rig="threePt" dir="t"/>
+    </dgm:scene3d>
+    <dgm:sp3d/>
+    <dgm:txPr/>
+    <dgm:style>
+      <a:lnRef idx="2">
+        <a:scrgbClr r="0" g="0" b="0"/>
+      </a:lnRef>
+      <a:fillRef idx="1">
+        <a:scrgbClr r="0" g="0" b="0"/>
+      </a:fillRef>
+      <a:effectRef idx="0">
+        <a:scrgbClr r="0" g="0" b="0"/>
+      </a:effectRef>
+      <a:fontRef idx="minor">
+        <a:schemeClr val="lt1"/>
+      </a:fontRef>
+    </dgm:style>
+  </dgm:styleLbl>
+  <dgm:styleLbl name="node1">
+    <dgm:scene3d>
+      <a:camera prst="orthographicFront"/>
+      <a:lightRig rig="threePt" dir="t"/>
+    </dgm:scene3d>
+    <dgm:sp3d/>
+    <dgm:txPr/>
+    <dgm:style>
+      <a:lnRef idx="2">
+        <a:scrgbClr r="0" g="0" b="0"/>
+      </a:lnRef>
+      <a:fillRef idx="1">
+        <a:scrgbClr r="0" g="0" b="0"/>
+      </a:fillRef>
+      <a:effectRef idx="0">
+        <a:scrgbClr r="0" g="0" b="0"/>
+      </a:effectRef>
+      <a:fontRef idx="minor">
+        <a:schemeClr val="lt1"/>
+      </a:fontRef>
+    </dgm:style>
+  </dgm:styleLbl>
+  <dgm:styleLbl name="node2">
+    <dgm:scene3d>
+      <a:camera prst="orthographicFront"/>
+      <a:lightRig rig="threePt" dir="t"/>
+    </dgm:scene3d>
+    <dgm:sp3d/>
+    <dgm:txPr/>
+    <dgm:style>
+      <a:lnRef idx="2">
+        <a:scrgbClr r="0" g="0" b="0"/>
+      </a:lnRef>
+      <a:fillRef idx="1">
+        <a:scrgbClr r="0" g="0" b="0"/>
+      </a:fillRef>
+      <a:effectRef idx="0">
+        <a:scrgbClr r="0" g="0" b="0"/>
+      </a:effectRef>
+      <a:fontRef idx="minor">
+        <a:schemeClr val="lt1"/>
+      </a:fontRef>
+    </dgm:style>
+  </dgm:styleLbl>
+  <dgm:styleLbl name="node3">
+    <dgm:scene3d>
+      <a:camera prst="orthographicFront"/>
+      <a:lightRig rig="threePt" dir="t"/>
+    </dgm:scene3d>
+    <dgm:sp3d/>
+    <dgm:txPr/>
+    <dgm:style>
+      <a:lnRef idx="2">
+        <a:scrgbClr r="0" g="0" b="0"/>
+      </a:lnRef>
+      <a:fillRef idx="1">
+        <a:scrgbClr r="0" g="0" b="0"/>
+      </a:fillRef>
+      <a:effectRef idx="0">
+        <a:scrgbClr r="0" g="0" b="0"/>
+      </a:effectRef>
+      <a:fontRef idx="minor">
+        <a:schemeClr val="lt1"/>
+      </a:fontRef>
+    </dgm:style>
+  </dgm:styleLbl>
+  <dgm:styleLbl name="node4">
+    <dgm:scene3d>
+      <a:camera prst="orthographicFront"/>
+      <a:lightRig rig="threePt" dir="t"/>
+    </dgm:scene3d>
+    <dgm:sp3d/>
+    <dgm:txPr/>
+    <dgm:style>
+      <a:lnRef idx="2">
+        <a:scrgbClr r="0" g="0" b="0"/>
+      </a:lnRef>
+      <a:fillRef idx="1">
+        <a:scrgbClr r="0" g="0" b="0"/>
+      </a:fillRef>
+      <a:effectRef idx="0">
+        <a:scrgbClr r="0" g="0" b="0"/>
+      </a:effectRef>
+      <a:fontRef idx="minor">
+        <a:schemeClr val="lt1"/>
+      </a:fontRef>
+    </dgm:style>
+  </dgm:styleLbl>
+  <dgm:styleLbl name="fgImgPlace1">
+    <dgm:scene3d>
+      <a:camera prst="orthographicFront"/>
+      <a:lightRig rig="threePt" dir="t"/>
+    </dgm:scene3d>
+    <dgm:sp3d/>
+    <dgm:txPr/>
+    <dgm:style>
+      <a:lnRef idx="2">
+        <a:scrgbClr r="0" g="0" b="0"/>
+      </a:lnRef>
+      <a:fillRef idx="1">
+        <a:scrgbClr r="0" g="0" b="0"/>
+      </a:fillRef>
+      <a:effectRef idx="0">
+        <a:scrgbClr r="0" g="0" b="0"/>
+      </a:effectRef>
+      <a:fontRef idx="minor"/>
+    </dgm:style>
+  </dgm:styleLbl>
+  <dgm:styleLbl name="alignImgPlace1">
+    <dgm:scene3d>
+      <a:camera prst="orthographicFront"/>
+      <a:lightRig rig="threePt" dir="t"/>
+    </dgm:scene3d>
+    <dgm:sp3d/>
+    <dgm:txPr/>
+    <dgm:style>
+      <a:lnRef idx="2">
+        <a:scrgbClr r="0" g="0" b="0"/>
+      </a:lnRef>
+      <a:fillRef idx="1">
+        <a:scrgbClr r="0" g="0" b="0"/>
+      </a:fillRef>
+      <a:effectRef idx="0">
+        <a:scrgbClr r="0" g="0" b="0"/>
+      </a:effectRef>
+      <a:fontRef idx="minor"/>
+    </dgm:style>
+  </dgm:styleLbl>
+  <dgm:styleLbl name="bgImgPlace1">
+    <dgm:scene3d>
+      <a:camera prst="orthographicFront"/>
+      <a:lightRig rig="threePt" dir="t"/>
+    </dgm:scene3d>
+    <dgm:sp3d/>
+    <dgm:txPr/>
+    <dgm:style>
+      <a:lnRef idx="2">
+        <a:scrgbClr r="0" g="0" b="0"/>
+      </a:lnRef>
+      <a:fillRef idx="1">
+        <a:scrgbClr r="0" g="0" b="0"/>
+      </a:fillRef>
+      <a:effectRef idx="0">
+        <a:scrgbClr r="0" g="0" b="0"/>
+      </a:effectRef>
+      <a:fontRef idx="minor"/>
+    </dgm:style>
+  </dgm:styleLbl>
+  <dgm:styleLbl name="sibTrans2D1">
+    <dgm:scene3d>
+      <a:camera prst="orthographicFront"/>
+      <a:lightRig rig="threePt" dir="t"/>
+    </dgm:scene3d>
+    <dgm:sp3d/>
+    <dgm:txPr/>
+    <dgm:style>
+      <a:lnRef idx="0">
+        <a:scrgbClr r="0" g="0" b="0"/>
+      </a:lnRef>
+      <a:fillRef idx="1">
+        <a:scrgbClr r="0" g="0" b="0"/>
+      </a:fillRef>
+      <a:effectRef idx="0">
+        <a:scrgbClr r="0" g="0" b="0"/>
+      </a:effectRef>
+      <a:fontRef idx="minor">
+        <a:schemeClr val="lt1"/>
+      </a:fontRef>
+    </dgm:style>
+  </dgm:styleLbl>
+  <dgm:styleLbl name="fgSibTrans2D1">
+    <dgm:scene3d>
+      <a:camera prst="orthographicFront"/>
+      <a:lightRig rig="threePt" dir="t"/>
+    </dgm:scene3d>
+    <dgm:sp3d/>
+    <dgm:txPr/>
+    <dgm:style>
+      <a:lnRef idx="0">
+        <a:scrgbClr r="0" g="0" b="0"/>
+      </a:lnRef>
+      <a:fillRef idx="1">
+        <a:scrgbClr r="0" g="0" b="0"/>
+      </a:fillRef>
+      <a:effectRef idx="0">
+        <a:scrgbClr r="0" g="0" b="0"/>
+      </a:effectRef>
+      <a:fontRef idx="minor">
+        <a:schemeClr val="lt1"/>
+      </a:fontRef>
+    </dgm:style>
+  </dgm:styleLbl>
+  <dgm:styleLbl name="bgSibTrans2D1">
+    <dgm:scene3d>
+      <a:camera prst="orthographicFront"/>
+      <a:lightRig rig="threePt" dir="t"/>
+    </dgm:scene3d>
+    <dgm:sp3d/>
+    <dgm:txPr/>
+    <dgm:style>
+      <a:lnRef idx="0">
+        <a:scrgbClr r="0" g="0" b="0"/>
+      </a:lnRef>
+      <a:fillRef idx="1">
+        <a:scrgbClr r="0" g="0" b="0"/>
+      </a:fillRef>
+      <a:effectRef idx="0">
+        <a:scrgbClr r="0" g="0" b="0"/>
+      </a:effectRef>
+      <a:fontRef idx="minor">
+        <a:schemeClr val="lt1"/>
+      </a:fontRef>
+    </dgm:style>
+  </dgm:styleLbl>
+  <dgm:styleLbl name="sibTrans1D1">
+    <dgm:scene3d>
+      <a:camera prst="orthographicFront"/>
+      <a:lightRig rig="threePt" dir="t"/>
+    </dgm:scene3d>
+    <dgm:sp3d/>
+    <dgm:txPr/>
+    <dgm:style>
+      <a:lnRef idx="1">
+        <a:scrgbClr r="0" g="0" b="0"/>
+      </a:lnRef>
+      <a:fillRef idx="0">
+        <a:scrgbClr r="0" g="0" b="0"/>
+      </a:fillRef>
+      <a:effectRef idx="0">
+        <a:scrgbClr r="0" g="0" b="0"/>
+      </a:effectRef>
+      <a:fontRef idx="minor"/>
+    </dgm:style>
+  </dgm:styleLbl>
+  <dgm:styleLbl name="callout">
+    <dgm:scene3d>
+      <a:camera prst="orthographicFront"/>
+      <a:lightRig rig="threePt" dir="t"/>
+    </dgm:scene3d>
+    <dgm:sp3d/>
+    <dgm:txPr/>
+    <dgm:style>
+      <a:lnRef idx="2">
+        <a:scrgbClr r="0" g="0" b="0"/>
+      </a:lnRef>
+      <a:fillRef idx="1">
+        <a:scrgbClr r="0" g="0" b="0"/>
+      </a:fillRef>
+      <a:effectRef idx="0">
+        <a:scrgbClr r="0" g="0" b="0"/>
+      </a:effectRef>
+      <a:fontRef idx="minor"/>
+    </dgm:style>
+  </dgm:styleLbl>
+  <dgm:styleLbl name="asst0">
+    <dgm:scene3d>
+      <a:camera prst="orthographicFront"/>
+      <a:lightRig rig="threePt" dir="t"/>
+    </dgm:scene3d>
+    <dgm:sp3d/>
+    <dgm:txPr/>
+    <dgm:style>
+      <a:lnRef idx="2">
+        <a:scrgbClr r="0" g="0" b="0"/>
+      </a:lnRef>
+      <a:fillRef idx="1">
+        <a:scrgbClr r="0" g="0" b="0"/>
+      </a:fillRef>
+      <a:effectRef idx="0">
+        <a:scrgbClr r="0" g="0" b="0"/>
+      </a:effectRef>
+      <a:fontRef idx="minor">
+        <a:schemeClr val="lt1"/>
+      </a:fontRef>
+    </dgm:style>
+  </dgm:styleLbl>
+  <dgm:styleLbl name="asst1">
+    <dgm:scene3d>
+      <a:camera prst="orthographicFront"/>
+      <a:lightRig rig="threePt" dir="t"/>
+    </dgm:scene3d>
+    <dgm:sp3d/>
+    <dgm:txPr/>
+    <dgm:style>
+      <a:lnRef idx="2">
+        <a:scrgbClr r="0" g="0" b="0"/>
+      </a:lnRef>
+      <a:fillRef idx="1">
+        <a:scrgbClr r="0" g="0" b="0"/>
+      </a:fillRef>
+      <a:effectRef idx="0">
+        <a:scrgbClr r="0" g="0" b="0"/>
+      </a:effectRef>
+      <a:fontRef idx="minor">
+        <a:schemeClr val="lt1"/>
+      </a:fontRef>
+    </dgm:style>
+  </dgm:styleLbl>
+  <dgm:styleLbl name="asst2">
+    <dgm:scene3d>
+      <a:camera prst="orthographicFront"/>
+      <a:lightRig rig="threePt" dir="t"/>
+    </dgm:scene3d>
+    <dgm:sp3d/>
+    <dgm:txPr/>
+    <dgm:style>
+      <a:lnRef idx="2">
+        <a:scrgbClr r="0" g="0" b="0"/>
+      </a:lnRef>
+      <a:fillRef idx="1">
+        <a:scrgbClr r="0" g="0" b="0"/>
+      </a:fillRef>
+      <a:effectRef idx="0">
+        <a:scrgbClr r="0" g="0" b="0"/>
+      </a:effectRef>
+      <a:fontRef idx="minor">
+        <a:schemeClr val="lt1"/>
+      </a:fontRef>
+    </dgm:style>
+  </dgm:styleLbl>
+  <dgm:styleLbl name="asst3">
+    <dgm:scene3d>
+      <a:camera prst="orthographicFront"/>
+      <a:lightRig rig="threePt" dir="t"/>
+    </dgm:scene3d>
+    <dgm:sp3d/>
+    <dgm:txPr/>
+    <dgm:style>
+      <a:lnRef idx="2">
+        <a:scrgbClr r="0" g="0" b="0"/>
+      </a:lnRef>
+      <a:fillRef idx="1">
+        <a:scrgbClr r="0" g="0" b="0"/>
+      </a:fillRef>
+      <a:effectRef idx="0">
+        <a:scrgbClr r="0" g="0" b="0"/>
+      </a:effectRef>
+      <a:fontRef idx="minor">
+        <a:schemeClr val="lt1"/>
+      </a:fontRef>
+    </dgm:style>
+  </dgm:styleLbl>
+  <dgm:styleLbl name="asst4">
+    <dgm:scene3d>
+      <a:camera prst="orthographicFront"/>
+      <a:lightRig rig="threePt" dir="t"/>
+    </dgm:scene3d>
+    <dgm:sp3d/>
+    <dgm:txPr/>
+    <dgm:style>
+      <a:lnRef idx="2">
+        <a:scrgbClr r="0" g="0" b="0"/>
+      </a:lnRef>
+      <a:fillRef idx="1">
+        <a:scrgbClr r="0" g="0" b="0"/>
+      </a:fillRef>
+      <a:effectRef idx="0">
+        <a:scrgbClr r="0" g="0" b="0"/>
+      </a:effectRef>
+      <a:fontRef idx="minor">
+        <a:schemeClr val="lt1"/>
+      </a:fontRef>
+    </dgm:style>
+  </dgm:styleLbl>
+  <dgm:styleLbl name="parChTrans2D1">
+    <dgm:scene3d>
+      <a:camera prst="orthographicFront"/>
+      <a:lightRig rig="threePt" dir="t"/>
+    </dgm:scene3d>
+    <dgm:sp3d/>
+    <dgm:txPr/>
+    <dgm:style>
+      <a:lnRef idx="2">
+        <a:scrgbClr r="0" g="0" b="0"/>
+      </a:lnRef>
+      <a:fillRef idx="1">
+        <a:scrgbClr r="0" g="0" b="0"/>
+      </a:fillRef>
+      <a:effectRef idx="0">
+        <a:scrgbClr r="0" g="0" b="0"/>
+      </a:effectRef>
+      <a:fontRef idx="minor">
+        <a:schemeClr val="lt1"/>
+      </a:fontRef>
+    </dgm:style>
+  </dgm:styleLbl>
+  <dgm:styleLbl name="parChTrans2D2">
+    <dgm:scene3d>
+      <a:camera prst="orthographicFront"/>
+      <a:lightRig rig="threePt" dir="t"/>
+    </dgm:scene3d>
+    <dgm:sp3d/>
+    <dgm:txPr/>
+    <dgm:style>
+      <a:lnRef idx="2">
+        <a:scrgbClr r="0" g="0" b="0"/>
+      </a:lnRef>
+      <a:fillRef idx="1">
+        <a:scrgbClr r="0" g="0" b="0"/>
+      </a:fillRef>
+      <a:effectRef idx="0">
+        <a:scrgbClr r="0" g="0" b="0"/>
+      </a:effectRef>
+      <a:fontRef idx="minor">
+        <a:schemeClr val="lt1"/>
+      </a:fontRef>
+    </dgm:style>
+  </dgm:styleLbl>
+  <dgm:styleLbl name="parChTrans2D3">
+    <dgm:scene3d>
+      <a:camera prst="orthographicFront"/>
+      <a:lightRig rig="threePt" dir="t"/>
+    </dgm:scene3d>
+    <dgm:sp3d/>
+    <dgm:txPr/>
+    <dgm:style>
+      <a:lnRef idx="2">
+        <a:scrgbClr r="0" g="0" b="0"/>
+      </a:lnRef>
+      <a:fillRef idx="1">
+        <a:scrgbClr r="0" g="0" b="0"/>
+      </a:fillRef>
+      <a:effectRef idx="0">
+        <a:scrgbClr r="0" g="0" b="0"/>
+      </a:effectRef>
+      <a:fontRef idx="minor">
+        <a:schemeClr val="lt1"/>
+      </a:fontRef>
+    </dgm:style>
+  </dgm:styleLbl>
+  <dgm:styleLbl name="parChTrans2D4">
+    <dgm:scene3d>
+      <a:camera prst="orthographicFront"/>
+      <a:lightRig rig="threePt" dir="t"/>
+    </dgm:scene3d>
+    <dgm:sp3d/>
+    <dgm:txPr/>
+    <dgm:style>
+      <a:lnRef idx="2">
+        <a:scrgbClr r="0" g="0" b="0"/>
+      </a:lnRef>
+      <a:fillRef idx="1">
+        <a:scrgbClr r="0" g="0" b="0"/>
+      </a:fillRef>
+      <a:effectRef idx="0">
+        <a:scrgbClr r="0" g="0" b="0"/>
+      </a:effectRef>
+      <a:fontRef idx="minor">
+        <a:schemeClr val="lt1"/>
+      </a:fontRef>
+    </dgm:style>
+  </dgm:styleLbl>
+  <dgm:styleLbl name="parChTrans1D1">
+    <dgm:scene3d>
+      <a:camera prst="orthographicFront"/>
+      <a:lightRig rig="threePt" dir="t"/>
+    </dgm:scene3d>
+    <dgm:sp3d/>
+    <dgm:txPr/>
+    <dgm:style>
+      <a:lnRef idx="2">
+        <a:scrgbClr r="0" g="0" b="0"/>
+      </a:lnRef>
+      <a:fillRef idx="0">
+        <a:scrgbClr r="0" g="0" b="0"/>
+      </a:fillRef>
+      <a:effectRef idx="0">
+        <a:scrgbClr r="0" g="0" b="0"/>
+      </a:effectRef>
+      <a:fontRef idx="minor"/>
+    </dgm:style>
+  </dgm:styleLbl>
+  <dgm:styleLbl name="parChTrans1D2">
+    <dgm:scene3d>
+      <a:camera prst="orthographicFront"/>
+      <a:lightRig rig="threePt" dir="t"/>
+    </dgm:scene3d>
+    <dgm:sp3d/>
+    <dgm:txPr/>
+    <dgm:style>
+      <a:lnRef idx="2">
+        <a:scrgbClr r="0" g="0" b="0"/>
+      </a:lnRef>
+      <a:fillRef idx="0">
+        <a:scrgbClr r="0" g="0" b="0"/>
+      </a:fillRef>
+      <a:effectRef idx="0">
+        <a:scrgbClr r="0" g="0" b="0"/>
+      </a:effectRef>
+      <a:fontRef idx="minor"/>
+    </dgm:style>
+  </dgm:styleLbl>
+  <dgm:styleLbl name="parChTrans1D3">
+    <dgm:scene3d>
+      <a:camera prst="orthographicFront"/>
+      <a:lightRig rig="threePt" dir="t"/>
+    </dgm:scene3d>
+    <dgm:sp3d/>
+    <dgm:txPr/>
+    <dgm:style>
+      <a:lnRef idx="2">
+        <a:scrgbClr r="0" g="0" b="0"/>
+      </a:lnRef>
+      <a:fillRef idx="0">
+        <a:scrgbClr r="0" g="0" b="0"/>
+      </a:fillRef>
+      <a:effectRef idx="0">
+        <a:scrgbClr r="0" g="0" b="0"/>
+      </a:effectRef>
+      <a:fontRef idx="minor"/>
+    </dgm:style>
+  </dgm:styleLbl>
+  <dgm:styleLbl name="parChTrans1D4">
+    <dgm:scene3d>
+      <a:camera prst="orthographicFront"/>
+      <a:lightRig rig="threePt" dir="t"/>
+    </dgm:scene3d>
+    <dgm:sp3d/>
+    <dgm:txPr/>
+    <dgm:style>
+      <a:lnRef idx="2">
+        <a:scrgbClr r="0" g="0" b="0"/>
+      </a:lnRef>
+      <a:fillRef idx="0">
+        <a:scrgbClr r="0" g="0" b="0"/>
+      </a:fillRef>
+      <a:effectRef idx="0">
+        <a:scrgbClr r="0" g="0" b="0"/>
+      </a:effectRef>
+      <a:fontRef idx="minor"/>
+    </dgm:style>
+  </dgm:styleLbl>
+  <dgm:styleLbl name="fgAcc1">
+    <dgm:scene3d>
+      <a:camera prst="orthographicFront"/>
+      <a:lightRig rig="threePt" dir="t"/>
+    </dgm:scene3d>
+    <dgm:sp3d/>
+    <dgm:txPr/>
+    <dgm:style>
+      <a:lnRef idx="2">
+        <a:scrgbClr r="0" g="0" b="0"/>
+      </a:lnRef>
+      <a:fillRef idx="1">
+        <a:scrgbClr r="0" g="0" b="0"/>
+      </a:fillRef>
+      <a:effectRef idx="0">
+        <a:scrgbClr r="0" g="0" b="0"/>
+      </a:effectRef>
+      <a:fontRef idx="minor"/>
+    </dgm:style>
+  </dgm:styleLbl>
+  <dgm:styleLbl name="conFgAcc1">
+    <dgm:scene3d>
+      <a:camera prst="orthographicFront"/>
+      <a:lightRig rig="threePt" dir="t"/>
+    </dgm:scene3d>
+    <dgm:sp3d/>
+    <dgm:txPr/>
+    <dgm:style>
+      <a:lnRef idx="2">
+        <a:scrgbClr r="0" g="0" b="0"/>
+      </a:lnRef>
+      <a:fillRef idx="1">
+        <a:scrgbClr r="0" g="0" b="0"/>
+      </a:fillRef>
+      <a:effectRef idx="0">
+        <a:scrgbClr r="0" g="0" b="0"/>
+      </a:effectRef>
+      <a:fontRef idx="minor"/>
+    </dgm:style>
+  </dgm:styleLbl>
+  <dgm:styleLbl name="alignAcc1">
+    <dgm:scene3d>
+      <a:camera prst="orthographicFront"/>
+      <a:lightRig rig="threePt" dir="t"/>
+    </dgm:scene3d>
+    <dgm:sp3d/>
+    <dgm:txPr/>
+    <dgm:style>
+      <a:lnRef idx="2">
+        <a:scrgbClr r="0" g="0" b="0"/>
+      </a:lnRef>
+      <a:fillRef idx="1">
+        <a:scrgbClr r="0" g="0" b="0"/>
+      </a:fillRef>
+      <a:effectRef idx="0">
+        <a:scrgbClr r="0" g="0" b="0"/>
+      </a:effectRef>
+      <a:fontRef idx="minor"/>
+    </dgm:style>
+  </dgm:styleLbl>
+  <dgm:styleLbl name="trAlignAcc1">
+    <dgm:scene3d>
+      <a:camera prst="orthographicFront"/>
+      <a:lightRig rig="threePt" dir="t"/>
+    </dgm:scene3d>
+    <dgm:sp3d/>
+    <dgm:txPr/>
+    <dgm:style>
+      <a:lnRef idx="1">
+        <a:scrgbClr r="0" g="0" b="0"/>
+      </a:lnRef>
+      <a:fillRef idx="1">
+        <a:scrgbClr r="0" g="0" b="0"/>
+      </a:fillRef>
+      <a:effectRef idx="0">
+        <a:scrgbClr r="0" g="0" b="0"/>
+      </a:effectRef>
+      <a:fontRef idx="minor"/>
+    </dgm:style>
+  </dgm:styleLbl>
+  <dgm:styleLbl name="bgAcc1">
+    <dgm:scene3d>
+      <a:camera prst="orthographicFront"/>
+      <a:lightRig rig="threePt" dir="t"/>
+    </dgm:scene3d>
+    <dgm:sp3d/>
+    <dgm:txPr/>
+    <dgm:style>
+      <a:lnRef idx="2">
+        <a:scrgbClr r="0" g="0" b="0"/>
+      </a:lnRef>
+      <a:fillRef idx="1">
+        <a:scrgbClr r="0" g="0" b="0"/>
+      </a:fillRef>
+      <a:effectRef idx="0">
+        <a:scrgbClr r="0" g="0" b="0"/>
+      </a:effectRef>
+      <a:fontRef idx="minor"/>
+    </dgm:style>
+  </dgm:styleLbl>
+  <dgm:styleLbl name="solidFgAcc1">
+    <dgm:scene3d>
+      <a:camera prst="orthographicFront"/>
+      <a:lightRig rig="threePt" dir="t"/>
+    </dgm:scene3d>
+    <dgm:sp3d/>
+    <dgm:txPr/>
+    <dgm:style>
+      <a:lnRef idx="2">
+        <a:scrgbClr r="0" g="0" b="0"/>
+      </a:lnRef>
+      <a:fillRef idx="1">
+        <a:scrgbClr r="0" g="0" b="0"/>
+      </a:fillRef>
+      <a:effectRef idx="0">
+        <a:scrgbClr r="0" g="0" b="0"/>
+      </a:effectRef>
+      <a:fontRef idx="minor"/>
+    </dgm:style>
+  </dgm:styleLbl>
+  <dgm:styleLbl name="solidAlignAcc1">
+    <dgm:scene3d>
+      <a:camera prst="orthographicFront"/>
+      <a:lightRig rig="threePt" dir="t"/>
+    </dgm:scene3d>
+    <dgm:sp3d/>
+    <dgm:txPr/>
+    <dgm:style>
+      <a:lnRef idx="2">
+        <a:scrgbClr r="0" g="0" b="0"/>
+      </a:lnRef>
+      <a:fillRef idx="1">
+        <a:scrgbClr r="0" g="0" b="0"/>
+      </a:fillRef>
+      <a:effectRef idx="0">
+        <a:scrgbClr r="0" g="0" b="0"/>
+      </a:effectRef>
+      <a:fontRef idx="minor"/>
+    </dgm:style>
+  </dgm:styleLbl>
+  <dgm:styleLbl name="solidBgAcc1">
+    <dgm:scene3d>
+      <a:camera prst="orthographicFront"/>
+      <a:lightRig rig="threePt" dir="t"/>
+    </dgm:scene3d>
+    <dgm:sp3d/>
+    <dgm:txPr/>
+    <dgm:style>
+      <a:lnRef idx="2">
+        <a:scrgbClr r="0" g="0" b="0"/>
+      </a:lnRef>
+      <a:fillRef idx="1">
+        <a:scrgbClr r="0" g="0" b="0"/>
+      </a:fillRef>
+      <a:effectRef idx="0">
+        <a:scrgbClr r="0" g="0" b="0"/>
+      </a:effectRef>
+      <a:fontRef idx="minor"/>
+    </dgm:style>
+  </dgm:styleLbl>
+  <dgm:styleLbl name="fgAccFollowNode1">
+    <dgm:scene3d>
+      <a:camera prst="orthographicFront"/>
+      <a:lightRig rig="threePt" dir="t"/>
+    </dgm:scene3d>
+    <dgm:sp3d/>
+    <dgm:txPr/>
+    <dgm:style>
+      <a:lnRef idx="2">
+        <a:scrgbClr r="0" g="0" b="0"/>
+      </a:lnRef>
+      <a:fillRef idx="1">
+        <a:scrgbClr r="0" g="0" b="0"/>
+      </a:fillRef>
+      <a:effectRef idx="0">
+        <a:scrgbClr r="0" g="0" b="0"/>
+      </a:effectRef>
+      <a:fontRef idx="minor"/>
+    </dgm:style>
+  </dgm:styleLbl>
+  <dgm:styleLbl name="alignAccFollowNode1">
+    <dgm:scene3d>
+      <a:camera prst="orthographicFront"/>
+      <a:lightRig rig="threePt" dir="t"/>
+    </dgm:scene3d>
+    <dgm:sp3d/>
+    <dgm:txPr/>
+    <dgm:style>
+      <a:lnRef idx="2">
+        <a:scrgbClr r="0" g="0" b="0"/>
+      </a:lnRef>
+      <a:fillRef idx="1">
+        <a:scrgbClr r="0" g="0" b="0"/>
+      </a:fillRef>
+      <a:effectRef idx="0">
+        <a:scrgbClr r="0" g="0" b="0"/>
+      </a:effectRef>
+      <a:fontRef idx="minor"/>
+    </dgm:style>
+  </dgm:styleLbl>
+  <dgm:styleLbl name="bgAccFollowNode1">
+    <dgm:scene3d>
+      <a:camera prst="orthographicFront"/>
+      <a:lightRig rig="threePt" dir="t"/>
+    </dgm:scene3d>
+    <dgm:sp3d/>
+    <dgm:txPr/>
+    <dgm:style>
+      <a:lnRef idx="2">
+        <a:scrgbClr r="0" g="0" b="0"/>
+      </a:lnRef>
+      <a:fillRef idx="1">
+        <a:scrgbClr r="0" g="0" b="0"/>
+      </a:fillRef>
+      <a:effectRef idx="0">
+        <a:scrgbClr r="0" g="0" b="0"/>
+      </a:effectRef>
+      <a:fontRef idx="minor"/>
+    </dgm:style>
+  </dgm:styleLbl>
+  <dgm:styleLbl name="fgAcc0">
+    <dgm:scene3d>
+      <a:camera prst="orthographicFront"/>
+      <a:lightRig rig="threePt" dir="t"/>
+    </dgm:scene3d>
+    <dgm:sp3d/>
+    <dgm:txPr/>
+    <dgm:style>
+      <a:lnRef idx="2">
+        <a:scrgbClr r="0" g="0" b="0"/>
+      </a:lnRef>
+      <a:fillRef idx="1">
+        <a:scrgbClr r="0" g="0" b="0"/>
+      </a:fillRef>
+      <a:effectRef idx="0">
+        <a:scrgbClr r="0" g="0" b="0"/>
+      </a:effectRef>
+      <a:fontRef idx="minor"/>
+    </dgm:style>
+  </dgm:styleLbl>
+  <dgm:styleLbl name="fgAcc2">
+    <dgm:scene3d>
+      <a:camera prst="orthographicFront"/>
+      <a:lightRig rig="threePt" dir="t"/>
+    </dgm:scene3d>
+    <dgm:sp3d/>
+    <dgm:txPr/>
+    <dgm:style>
+      <a:lnRef idx="2">
+        <a:scrgbClr r="0" g="0" b="0"/>
+      </a:lnRef>
+      <a:fillRef idx="1">
+        <a:scrgbClr r="0" g="0" b="0"/>
+      </a:fillRef>
+      <a:effectRef idx="0">
+        <a:scrgbClr r="0" g="0" b="0"/>
+      </a:effectRef>
+      <a:fontRef idx="minor"/>
+    </dgm:style>
+  </dgm:styleLbl>
+  <dgm:styleLbl name="fgAcc3">
+    <dgm:scene3d>
+      <a:camera prst="orthographicFront"/>
+      <a:lightRig rig="threePt" dir="t"/>
+    </dgm:scene3d>
+    <dgm:sp3d/>
+    <dgm:txPr/>
+    <dgm:style>
+      <a:lnRef idx="2">
+        <a:scrgbClr r="0" g="0" b="0"/>
+      </a:lnRef>
+      <a:fillRef idx="1">
+        <a:scrgbClr r="0" g="0" b="0"/>
+      </a:fillRef>
+      <a:effectRef idx="0">
+        <a:scrgbClr r="0" g="0" b="0"/>
+      </a:effectRef>
+      <a:fontRef idx="minor"/>
+    </dgm:style>
+  </dgm:styleLbl>
+  <dgm:styleLbl name="fgAcc4">
+    <dgm:scene3d>
+      <a:camera prst="orthographicFront"/>
+      <a:lightRig rig="threePt" dir="t"/>
+    </dgm:scene3d>
+    <dgm:sp3d/>
+    <dgm:txPr/>
+    <dgm:style>
+      <a:lnRef idx="2">
+        <a:scrgbClr r="0" g="0" b="0"/>
+      </a:lnRef>
+      <a:fillRef idx="1">
+        <a:scrgbClr r="0" g="0" b="0"/>
+      </a:fillRef>
+      <a:effectRef idx="0">
+        <a:scrgbClr r="0" g="0" b="0"/>
+      </a:effectRef>
+      <a:fontRef idx="minor"/>
+    </dgm:style>
+  </dgm:styleLbl>
+  <dgm:styleLbl name="bgShp">
+    <dgm:scene3d>
+      <a:camera prst="orthographicFront"/>
+      <a:lightRig rig="threePt" dir="t"/>
+    </dgm:scene3d>
+    <dgm:sp3d/>
+    <dgm:txPr/>
+    <dgm:style>
+      <a:lnRef idx="0">
+        <a:scrgbClr r="0" g="0" b="0"/>
+      </a:lnRef>
+      <a:fillRef idx="1">
+        <a:scrgbClr r="0" g="0" b="0"/>
+      </a:fillRef>
+      <a:effectRef idx="0">
+        <a:scrgbClr r="0" g="0" b="0"/>
+      </a:effectRef>
+      <a:fontRef idx="minor"/>
+    </dgm:style>
+  </dgm:styleLbl>
+  <dgm:styleLbl name="dkBgShp">
+    <dgm:scene3d>
+      <a:camera prst="orthographicFront"/>
+      <a:lightRig rig="threePt" dir="t"/>
+    </dgm:scene3d>
+    <dgm:sp3d/>
+    <dgm:txPr/>
+    <dgm:style>
+      <a:lnRef idx="0">
+        <a:scrgbClr r="0" g="0" b="0"/>
+      </a:lnRef>
+      <a:fillRef idx="1">
+        <a:scrgbClr r="0" g="0" b="0"/>
+      </a:fillRef>
+      <a:effectRef idx="0">
+        <a:scrgbClr r="0" g="0" b="0"/>
+      </a:effectRef>
+      <a:fontRef idx="minor"/>
+    </dgm:style>
+  </dgm:styleLbl>
+  <dgm:styleLbl name="trBgShp">
+    <dgm:scene3d>
+      <a:camera prst="orthographicFront"/>
+      <a:lightRig rig="threePt" dir="t"/>
+    </dgm:scene3d>
+    <dgm:sp3d/>
+    <dgm:txPr/>
+    <dgm:style>
+      <a:lnRef idx="0">
+        <a:scrgbClr r="0" g="0" b="0"/>
+      </a:lnRef>
+      <a:fillRef idx="1">
+        <a:scrgbClr r="0" g="0" b="0"/>
+      </a:fillRef>
+      <a:effectRef idx="0">
+        <a:scrgbClr r="0" g="0" b="0"/>
+      </a:effectRef>
+      <a:fontRef idx="minor"/>
+    </dgm:style>
+  </dgm:styleLbl>
+  <dgm:styleLbl name="fgShp">
+    <dgm:scene3d>
+      <a:camera prst="orthographicFront"/>
+      <a:lightRig rig="threePt" dir="t"/>
+    </dgm:scene3d>
+    <dgm:sp3d/>
+    <dgm:txPr/>
+    <dgm:style>
+      <a:lnRef idx="2">
+        <a:scrgbClr r="0" g="0" b="0"/>
+      </a:lnRef>
+      <a:fillRef idx="1">
+        <a:scrgbClr r="0" g="0" b="0"/>
+      </a:fillRef>
+      <a:effectRef idx="0">
+        <a:scrgbClr r="0" g="0" b="0"/>
+      </a:effectRef>
+      <a:fontRef idx="minor"/>
+    </dgm:style>
+  </dgm:styleLbl>
+  <dgm:styleLbl name="revTx">
+    <dgm:scene3d>
+      <a:camera prst="orthographicFront"/>
+      <a:lightRig rig="threePt" dir="t"/>
+    </dgm:scene3d>
+    <dgm:sp3d/>
+    <dgm:txPr/>
+    <dgm:style>
+      <a:lnRef idx="0">
+        <a:scrgbClr r="0" g="0" b="0"/>
+      </a:lnRef>
+      <a:fillRef idx="0">
+        <a:scrgbClr r="0" g="0" b="0"/>
+      </a:fillRef>
+      <a:effectRef idx="0">
+        <a:scrgbClr r="0" g="0" b="0"/>
+      </a:effectRef>
+      <a:fontRef idx="minor"/>
+    </dgm:style>
+  </dgm:styleLbl>
+</dgm:styleDef>
 </file>
 
 <file path=ppt/slideLayouts/slideLayout1.xml><?xml version="1.0" encoding="utf-8"?>
@@ -3339,6 +8388,14 @@
 <file path=ppt/slides/slide1.xml><?xml version="1.0" encoding="utf-8"?>
 <p:sld xmlns:a="http://schemas.openxmlformats.org/drawingml/2006/main" xmlns:r="http://schemas.openxmlformats.org/officeDocument/2006/relationships" xmlns:p="http://schemas.openxmlformats.org/presentationml/2006/main">
   <p:cSld>
+    <p:bg>
+      <p:bgPr>
+        <a:solidFill>
+          <a:schemeClr val="bg1"/>
+        </a:solidFill>
+        <a:effectLst/>
+      </p:bgPr>
+    </p:bg>
     <p:spTree>
       <p:nvGrpSpPr>
         <p:cNvPr id="1" name=""/>
@@ -3353,6 +8410,536 @@
           <a:chExt cx="0" cy="0"/>
         </a:xfrm>
       </p:grpSpPr>
+      <p:sp useBgFill="1">
+        <p:nvSpPr>
+          <p:cNvPr id="8" name="Rectangle 7">
+            <a:extLst>
+              <a:ext uri="{FF2B5EF4-FFF2-40B4-BE49-F238E27FC236}">
+                <a16:creationId xmlns:a16="http://schemas.microsoft.com/office/drawing/2014/main" id="{577D6B2E-37A3-429E-A37C-F30ED6487282}"/>
+              </a:ext>
+              <a:ext uri="{C183D7F6-B498-43B3-948B-1728B52AA6E4}">
+                <adec:decorative xmlns:adec="http://schemas.microsoft.com/office/drawing/2017/decorative" val="1"/>
+              </a:ext>
+            </a:extLst>
+          </p:cNvPr>
+          <p:cNvSpPr>
+            <a:spLocks noGrp="1" noRot="1" noChangeAspect="1" noMove="1" noResize="1" noEditPoints="1" noAdjustHandles="1" noChangeArrowheads="1" noChangeShapeType="1" noTextEdit="1"/>
+          </p:cNvSpPr>
+          <p:nvPr>
+            <p:extLst>
+              <p:ext uri="{386F3935-93C4-4BCD-93E2-E3B085C9AB24}">
+                <p16:designElem xmlns:p16="http://schemas.microsoft.com/office/powerpoint/2015/main" val="1"/>
+              </p:ext>
+            </p:extLst>
+          </p:nvPr>
+        </p:nvSpPr>
+        <p:spPr>
+          <a:xfrm>
+            <a:off x="0" y="0"/>
+            <a:ext cx="12192000" cy="6858000"/>
+          </a:xfrm>
+          <a:prstGeom prst="rect">
+            <a:avLst/>
+          </a:prstGeom>
+          <a:ln w="12700" cap="flat" cmpd="sng" algn="ctr">
+            <a:noFill/>
+            <a:prstDash val="solid"/>
+            <a:miter lim="800000"/>
+          </a:ln>
+          <a:effectLst/>
+          <a:extLst>
+            <a:ext uri="{91240B29-F687-4F45-9708-019B960494DF}">
+              <a14:hiddenLine xmlns:a14="http://schemas.microsoft.com/office/drawing/2010/main" w="12700" cap="flat" cmpd="sng" algn="ctr">
+                <a:solidFill>
+                  <a:schemeClr val="accent1">
+                    <a:shade val="50000"/>
+                  </a:schemeClr>
+                </a:solidFill>
+                <a:prstDash val="solid"/>
+                <a:miter lim="800000"/>
+              </a14:hiddenLine>
+            </a:ext>
+          </a:extLst>
+        </p:spPr>
+        <p:style>
+          <a:lnRef idx="2">
+            <a:schemeClr val="accent1">
+              <a:shade val="50000"/>
+            </a:schemeClr>
+          </a:lnRef>
+          <a:fillRef idx="1">
+            <a:schemeClr val="accent1"/>
+          </a:fillRef>
+          <a:effectRef idx="0">
+            <a:schemeClr val="accent1"/>
+          </a:effectRef>
+          <a:fontRef idx="minor">
+            <a:schemeClr val="lt1"/>
+          </a:fontRef>
+        </p:style>
+        <p:txBody>
+          <a:bodyPr rtlCol="0" anchor="ctr"/>
+          <a:lstStyle/>
+          <a:p>
+            <a:pPr algn="ctr"/>
+            <a:endParaRPr lang="en-US"/>
+          </a:p>
+        </p:txBody>
+      </p:sp>
+      <p:sp>
+        <p:nvSpPr>
+          <p:cNvPr id="10" name="Rectangle 9">
+            <a:extLst>
+              <a:ext uri="{FF2B5EF4-FFF2-40B4-BE49-F238E27FC236}">
+                <a16:creationId xmlns:a16="http://schemas.microsoft.com/office/drawing/2014/main" id="{5CEAD642-85CF-4750-8432-7C80C901F001}"/>
+              </a:ext>
+              <a:ext uri="{C183D7F6-B498-43B3-948B-1728B52AA6E4}">
+                <adec:decorative xmlns:adec="http://schemas.microsoft.com/office/drawing/2017/decorative" val="1"/>
+              </a:ext>
+            </a:extLst>
+          </p:cNvPr>
+          <p:cNvSpPr>
+            <a:spLocks noGrp="1" noRot="1" noChangeAspect="1" noMove="1" noResize="1" noEditPoints="1" noAdjustHandles="1" noChangeArrowheads="1" noChangeShapeType="1" noTextEdit="1"/>
+          </p:cNvSpPr>
+          <p:nvPr>
+            <p:extLst>
+              <p:ext uri="{386F3935-93C4-4BCD-93E2-E3B085C9AB24}">
+                <p16:designElem xmlns:p16="http://schemas.microsoft.com/office/powerpoint/2015/main" val="1"/>
+              </p:ext>
+            </p:extLst>
+          </p:nvPr>
+        </p:nvSpPr>
+        <p:spPr>
+          <a:xfrm rot="10800000">
+            <a:off x="-11723" y="-1"/>
+            <a:ext cx="12225953" cy="6868071"/>
+          </a:xfrm>
+          <a:prstGeom prst="rect">
+            <a:avLst/>
+          </a:prstGeom>
+          <a:gradFill>
+            <a:gsLst>
+              <a:gs pos="0">
+                <a:srgbClr val="000000"/>
+              </a:gs>
+              <a:gs pos="100000">
+                <a:schemeClr val="accent1">
+                  <a:lumMod val="75000"/>
+                </a:schemeClr>
+              </a:gs>
+            </a:gsLst>
+            <a:lin ang="4200000" scaled="0"/>
+          </a:gradFill>
+          <a:ln>
+            <a:noFill/>
+          </a:ln>
+        </p:spPr>
+        <p:style>
+          <a:lnRef idx="2">
+            <a:schemeClr val="accent1">
+              <a:shade val="50000"/>
+            </a:schemeClr>
+          </a:lnRef>
+          <a:fillRef idx="1">
+            <a:schemeClr val="accent1"/>
+          </a:fillRef>
+          <a:effectRef idx="0">
+            <a:schemeClr val="accent1"/>
+          </a:effectRef>
+          <a:fontRef idx="minor">
+            <a:schemeClr val="lt1"/>
+          </a:fontRef>
+        </p:style>
+        <p:txBody>
+          <a:bodyPr rtlCol="0" anchor="ctr"/>
+          <a:lstStyle/>
+          <a:p>
+            <a:pPr algn="ctr"/>
+            <a:endParaRPr lang="en-US"/>
+          </a:p>
+        </p:txBody>
+      </p:sp>
+      <p:sp>
+        <p:nvSpPr>
+          <p:cNvPr id="12" name="Rectangle 11">
+            <a:extLst>
+              <a:ext uri="{FF2B5EF4-FFF2-40B4-BE49-F238E27FC236}">
+                <a16:creationId xmlns:a16="http://schemas.microsoft.com/office/drawing/2014/main" id="{FA33EEAE-15D5-4119-8C1E-89D943F911EF}"/>
+              </a:ext>
+              <a:ext uri="{C183D7F6-B498-43B3-948B-1728B52AA6E4}">
+                <adec:decorative xmlns:adec="http://schemas.microsoft.com/office/drawing/2017/decorative" val="1"/>
+              </a:ext>
+            </a:extLst>
+          </p:cNvPr>
+          <p:cNvSpPr>
+            <a:spLocks noGrp="1" noRot="1" noChangeAspect="1" noMove="1" noResize="1" noEditPoints="1" noAdjustHandles="1" noChangeArrowheads="1" noChangeShapeType="1" noTextEdit="1"/>
+          </p:cNvSpPr>
+          <p:nvPr>
+            <p:extLst>
+              <p:ext uri="{386F3935-93C4-4BCD-93E2-E3B085C9AB24}">
+                <p16:designElem xmlns:p16="http://schemas.microsoft.com/office/powerpoint/2015/main" val="1"/>
+              </p:ext>
+            </p:extLst>
+          </p:nvPr>
+        </p:nvSpPr>
+        <p:spPr>
+          <a:xfrm rot="10800000" flipH="1">
+            <a:off x="441959" y="-3"/>
+            <a:ext cx="11772269" cy="6868074"/>
+          </a:xfrm>
+          <a:prstGeom prst="rect">
+            <a:avLst/>
+          </a:prstGeom>
+          <a:gradFill>
+            <a:gsLst>
+              <a:gs pos="21000">
+                <a:schemeClr val="accent1">
+                  <a:lumMod val="50000"/>
+                  <a:alpha val="83000"/>
+                </a:schemeClr>
+              </a:gs>
+              <a:gs pos="100000">
+                <a:schemeClr val="accent1">
+                  <a:alpha val="0"/>
+                </a:schemeClr>
+              </a:gs>
+            </a:gsLst>
+            <a:lin ang="8400000" scaled="0"/>
+          </a:gradFill>
+          <a:ln>
+            <a:noFill/>
+          </a:ln>
+        </p:spPr>
+        <p:style>
+          <a:lnRef idx="2">
+            <a:schemeClr val="accent1">
+              <a:shade val="50000"/>
+            </a:schemeClr>
+          </a:lnRef>
+          <a:fillRef idx="1">
+            <a:schemeClr val="accent1"/>
+          </a:fillRef>
+          <a:effectRef idx="0">
+            <a:schemeClr val="accent1"/>
+          </a:effectRef>
+          <a:fontRef idx="minor">
+            <a:schemeClr val="lt1"/>
+          </a:fontRef>
+        </p:style>
+        <p:txBody>
+          <a:bodyPr rtlCol="0" anchor="ctr"/>
+          <a:lstStyle/>
+          <a:p>
+            <a:pPr algn="ctr"/>
+            <a:endParaRPr lang="en-US"/>
+          </a:p>
+        </p:txBody>
+      </p:sp>
+      <p:sp>
+        <p:nvSpPr>
+          <p:cNvPr id="14" name="Rectangle 13">
+            <a:extLst>
+              <a:ext uri="{FF2B5EF4-FFF2-40B4-BE49-F238E27FC236}">
+                <a16:creationId xmlns:a16="http://schemas.microsoft.com/office/drawing/2014/main" id="{730D8B3B-9B80-4025-B934-26DC7D7CD231}"/>
+              </a:ext>
+              <a:ext uri="{C183D7F6-B498-43B3-948B-1728B52AA6E4}">
+                <adec:decorative xmlns:adec="http://schemas.microsoft.com/office/drawing/2017/decorative" val="1"/>
+              </a:ext>
+            </a:extLst>
+          </p:cNvPr>
+          <p:cNvSpPr>
+            <a:spLocks noGrp="1" noRot="1" noChangeAspect="1" noMove="1" noResize="1" noEditPoints="1" noAdjustHandles="1" noChangeArrowheads="1" noChangeShapeType="1" noTextEdit="1"/>
+          </p:cNvSpPr>
+          <p:nvPr>
+            <p:extLst>
+              <p:ext uri="{386F3935-93C4-4BCD-93E2-E3B085C9AB24}">
+                <p16:designElem xmlns:p16="http://schemas.microsoft.com/office/powerpoint/2015/main" val="1"/>
+              </p:ext>
+            </p:extLst>
+          </p:nvPr>
+        </p:nvSpPr>
+        <p:spPr>
+          <a:xfrm rot="10800000">
+            <a:off x="-15200" y="0"/>
+            <a:ext cx="3623374" cy="6868072"/>
+          </a:xfrm>
+          <a:prstGeom prst="rect">
+            <a:avLst/>
+          </a:prstGeom>
+          <a:gradFill>
+            <a:gsLst>
+              <a:gs pos="0">
+                <a:schemeClr val="accent1">
+                  <a:lumMod val="75000"/>
+                  <a:alpha val="0"/>
+                </a:schemeClr>
+              </a:gs>
+              <a:gs pos="99000">
+                <a:srgbClr val="000000">
+                  <a:alpha val="41000"/>
+                </a:srgbClr>
+              </a:gs>
+            </a:gsLst>
+            <a:lin ang="13200000" scaled="0"/>
+          </a:gradFill>
+          <a:ln>
+            <a:noFill/>
+          </a:ln>
+        </p:spPr>
+        <p:style>
+          <a:lnRef idx="2">
+            <a:schemeClr val="accent1">
+              <a:shade val="50000"/>
+            </a:schemeClr>
+          </a:lnRef>
+          <a:fillRef idx="1">
+            <a:schemeClr val="accent1"/>
+          </a:fillRef>
+          <a:effectRef idx="0">
+            <a:schemeClr val="accent1"/>
+          </a:effectRef>
+          <a:fontRef idx="minor">
+            <a:schemeClr val="lt1"/>
+          </a:fontRef>
+        </p:style>
+        <p:txBody>
+          <a:bodyPr rtlCol="0" anchor="ctr"/>
+          <a:lstStyle/>
+          <a:p>
+            <a:pPr algn="ctr"/>
+            <a:endParaRPr lang="en-US"/>
+          </a:p>
+        </p:txBody>
+      </p:sp>
+      <p:sp>
+        <p:nvSpPr>
+          <p:cNvPr id="16" name="Rectangle 15">
+            <a:extLst>
+              <a:ext uri="{FF2B5EF4-FFF2-40B4-BE49-F238E27FC236}">
+                <a16:creationId xmlns:a16="http://schemas.microsoft.com/office/drawing/2014/main" id="{1064D5D5-227B-4F66-9AEA-46F570E793BD}"/>
+              </a:ext>
+              <a:ext uri="{C183D7F6-B498-43B3-948B-1728B52AA6E4}">
+                <adec:decorative xmlns:adec="http://schemas.microsoft.com/office/drawing/2017/decorative" val="1"/>
+              </a:ext>
+            </a:extLst>
+          </p:cNvPr>
+          <p:cNvSpPr>
+            <a:spLocks noGrp="1" noRot="1" noChangeAspect="1" noMove="1" noResize="1" noEditPoints="1" noAdjustHandles="1" noChangeArrowheads="1" noChangeShapeType="1" noTextEdit="1"/>
+          </p:cNvSpPr>
+          <p:nvPr>
+            <p:extLst>
+              <p:ext uri="{386F3935-93C4-4BCD-93E2-E3B085C9AB24}">
+                <p16:designElem xmlns:p16="http://schemas.microsoft.com/office/powerpoint/2015/main" val="1"/>
+              </p:ext>
+            </p:extLst>
+          </p:nvPr>
+        </p:nvSpPr>
+        <p:spPr>
+          <a:xfrm flipH="1">
+            <a:off x="-15875" y="-3"/>
+            <a:ext cx="12233581" cy="6868076"/>
+          </a:xfrm>
+          <a:prstGeom prst="rect">
+            <a:avLst/>
+          </a:prstGeom>
+          <a:gradFill>
+            <a:gsLst>
+              <a:gs pos="3000">
+                <a:schemeClr val="accent1">
+                  <a:lumMod val="75000"/>
+                  <a:alpha val="0"/>
+                </a:schemeClr>
+              </a:gs>
+              <a:gs pos="100000">
+                <a:srgbClr val="000000">
+                  <a:alpha val="73000"/>
+                </a:srgbClr>
+              </a:gs>
+            </a:gsLst>
+            <a:lin ang="17400000" scaled="0"/>
+          </a:gradFill>
+          <a:ln>
+            <a:noFill/>
+          </a:ln>
+        </p:spPr>
+        <p:style>
+          <a:lnRef idx="2">
+            <a:schemeClr val="accent1">
+              <a:shade val="50000"/>
+            </a:schemeClr>
+          </a:lnRef>
+          <a:fillRef idx="1">
+            <a:schemeClr val="accent1"/>
+          </a:fillRef>
+          <a:effectRef idx="0">
+            <a:schemeClr val="accent1"/>
+          </a:effectRef>
+          <a:fontRef idx="minor">
+            <a:schemeClr val="lt1"/>
+          </a:fontRef>
+        </p:style>
+        <p:txBody>
+          <a:bodyPr rtlCol="0" anchor="ctr"/>
+          <a:lstStyle/>
+          <a:p>
+            <a:pPr algn="ctr"/>
+            <a:endParaRPr lang="en-US"/>
+          </a:p>
+        </p:txBody>
+      </p:sp>
+      <p:sp>
+        <p:nvSpPr>
+          <p:cNvPr id="18" name="Rectangle 17">
+            <a:extLst>
+              <a:ext uri="{FF2B5EF4-FFF2-40B4-BE49-F238E27FC236}">
+                <a16:creationId xmlns:a16="http://schemas.microsoft.com/office/drawing/2014/main" id="{646B67A4-D328-4747-A82B-65E84FA46368}"/>
+              </a:ext>
+              <a:ext uri="{C183D7F6-B498-43B3-948B-1728B52AA6E4}">
+                <adec:decorative xmlns:adec="http://schemas.microsoft.com/office/drawing/2017/decorative" val="1"/>
+              </a:ext>
+            </a:extLst>
+          </p:cNvPr>
+          <p:cNvSpPr>
+            <a:spLocks noGrp="1" noRot="1" noChangeAspect="1" noMove="1" noResize="1" noEditPoints="1" noAdjustHandles="1" noChangeArrowheads="1" noChangeShapeType="1" noTextEdit="1"/>
+          </p:cNvSpPr>
+          <p:nvPr>
+            <p:extLst>
+              <p:ext uri="{386F3935-93C4-4BCD-93E2-E3B085C9AB24}">
+                <p16:designElem xmlns:p16="http://schemas.microsoft.com/office/powerpoint/2015/main" val="1"/>
+              </p:ext>
+            </p:extLst>
+          </p:nvPr>
+        </p:nvSpPr>
+        <p:spPr>
+          <a:xfrm rot="5400000" flipH="1">
+            <a:off x="4484334" y="-861824"/>
+            <a:ext cx="6861931" cy="8597859"/>
+          </a:xfrm>
+          <a:prstGeom prst="rect">
+            <a:avLst/>
+          </a:prstGeom>
+          <a:gradFill>
+            <a:gsLst>
+              <a:gs pos="3000">
+                <a:schemeClr val="accent1">
+                  <a:lumMod val="75000"/>
+                  <a:alpha val="0"/>
+                </a:schemeClr>
+              </a:gs>
+              <a:gs pos="100000">
+                <a:srgbClr val="000000">
+                  <a:alpha val="27000"/>
+                </a:srgbClr>
+              </a:gs>
+            </a:gsLst>
+            <a:lin ang="13800000" scaled="0"/>
+          </a:gradFill>
+          <a:ln>
+            <a:noFill/>
+          </a:ln>
+        </p:spPr>
+        <p:style>
+          <a:lnRef idx="2">
+            <a:schemeClr val="accent1">
+              <a:shade val="50000"/>
+            </a:schemeClr>
+          </a:lnRef>
+          <a:fillRef idx="1">
+            <a:schemeClr val="accent1"/>
+          </a:fillRef>
+          <a:effectRef idx="0">
+            <a:schemeClr val="accent1"/>
+          </a:effectRef>
+          <a:fontRef idx="minor">
+            <a:schemeClr val="lt1"/>
+          </a:fontRef>
+        </p:style>
+        <p:txBody>
+          <a:bodyPr rtlCol="0" anchor="ctr"/>
+          <a:lstStyle/>
+          <a:p>
+            <a:pPr algn="ctr"/>
+            <a:endParaRPr lang="en-US"/>
+          </a:p>
+        </p:txBody>
+      </p:sp>
+      <p:sp>
+        <p:nvSpPr>
+          <p:cNvPr id="20" name="Oval 19">
+            <a:extLst>
+              <a:ext uri="{FF2B5EF4-FFF2-40B4-BE49-F238E27FC236}">
+                <a16:creationId xmlns:a16="http://schemas.microsoft.com/office/drawing/2014/main" id="{B5A1B09C-1565-46F8-B70F-621C5EB48A09}"/>
+              </a:ext>
+              <a:ext uri="{C183D7F6-B498-43B3-948B-1728B52AA6E4}">
+                <adec:decorative xmlns:adec="http://schemas.microsoft.com/office/drawing/2017/decorative" val="1"/>
+              </a:ext>
+            </a:extLst>
+          </p:cNvPr>
+          <p:cNvSpPr>
+            <a:spLocks noGrp="1" noRot="1" noChangeAspect="1" noMove="1" noResize="1" noEditPoints="1" noAdjustHandles="1" noChangeArrowheads="1" noChangeShapeType="1" noTextEdit="1"/>
+          </p:cNvSpPr>
+          <p:nvPr>
+            <p:extLst>
+              <p:ext uri="{386F3935-93C4-4BCD-93E2-E3B085C9AB24}">
+                <p16:designElem xmlns:p16="http://schemas.microsoft.com/office/powerpoint/2015/main" val="1"/>
+              </p:ext>
+            </p:extLst>
+          </p:nvPr>
+        </p:nvSpPr>
+        <p:spPr>
+          <a:xfrm rot="5993193">
+            <a:off x="1186972" y="1089049"/>
+            <a:ext cx="4967533" cy="4988390"/>
+          </a:xfrm>
+          <a:prstGeom prst="ellipse">
+            <a:avLst/>
+          </a:prstGeom>
+          <a:gradFill>
+            <a:gsLst>
+              <a:gs pos="0">
+                <a:schemeClr val="accent1">
+                  <a:alpha val="26000"/>
+                </a:schemeClr>
+              </a:gs>
+              <a:gs pos="85000">
+                <a:schemeClr val="accent1">
+                  <a:lumMod val="60000"/>
+                  <a:lumOff val="40000"/>
+                  <a:alpha val="0"/>
+                </a:schemeClr>
+              </a:gs>
+            </a:gsLst>
+            <a:lin ang="14400000" scaled="0"/>
+          </a:gradFill>
+          <a:ln>
+            <a:noFill/>
+          </a:ln>
+        </p:spPr>
+        <p:style>
+          <a:lnRef idx="2">
+            <a:schemeClr val="accent1">
+              <a:shade val="50000"/>
+            </a:schemeClr>
+          </a:lnRef>
+          <a:fillRef idx="1">
+            <a:schemeClr val="accent1"/>
+          </a:fillRef>
+          <a:effectRef idx="0">
+            <a:schemeClr val="accent1"/>
+          </a:effectRef>
+          <a:fontRef idx="minor">
+            <a:schemeClr val="lt1"/>
+          </a:fontRef>
+        </p:style>
+        <p:txBody>
+          <a:bodyPr rtlCol="0" anchor="ctr"/>
+          <a:lstStyle/>
+          <a:p>
+            <a:pPr algn="ctr"/>
+            <a:endParaRPr lang="en-US" dirty="0"/>
+          </a:p>
+        </p:txBody>
+      </p:sp>
       <p:sp>
         <p:nvSpPr>
           <p:cNvPr id="2" name="Título 1">
@@ -3369,24 +8956,124 @@
             <p:ph type="ctrTitle"/>
           </p:nvPr>
         </p:nvSpPr>
-        <p:spPr/>
+        <p:spPr>
+          <a:xfrm>
+            <a:off x="4162567" y="818984"/>
+            <a:ext cx="6714699" cy="3178689"/>
+          </a:xfrm>
+        </p:spPr>
         <p:txBody>
-          <a:bodyPr/>
+          <a:bodyPr>
+            <a:normAutofit/>
+          </a:bodyPr>
           <a:lstStyle/>
           <a:p>
+            <a:pPr algn="l"/>
             <a:r>
-              <a:rPr lang="es-CO" dirty="0"/>
+              <a:rPr lang="es-CO" sz="4800" dirty="0">
+                <a:solidFill>
+                  <a:srgbClr val="FFFFFF"/>
+                </a:solidFill>
+              </a:rPr>
               <a:t>T</a:t>
             </a:r>
             <a:r>
-              <a:rPr lang="es-ES" dirty="0" err="1"/>
+              <a:rPr lang="es-ES" sz="4800" dirty="0" err="1">
+                <a:solidFill>
+                  <a:srgbClr val="FFFFFF"/>
+                </a:solidFill>
+              </a:rPr>
               <a:t>aller</a:t>
             </a:r>
             <a:r>
-              <a:rPr lang="es-ES" dirty="0"/>
+              <a:rPr lang="es-ES" sz="4800" dirty="0">
+                <a:solidFill>
+                  <a:srgbClr val="FFFFFF"/>
+                </a:solidFill>
+              </a:rPr>
               <a:t> 2 - Scripting</a:t>
             </a:r>
-            <a:endParaRPr lang="es-CO" dirty="0"/>
+            <a:endParaRPr lang="es-CO" sz="4800" dirty="0">
+              <a:solidFill>
+                <a:srgbClr val="FFFFFF"/>
+              </a:solidFill>
+            </a:endParaRPr>
+          </a:p>
+        </p:txBody>
+      </p:sp>
+      <p:sp>
+        <p:nvSpPr>
+          <p:cNvPr id="22" name="Rectangle 21">
+            <a:extLst>
+              <a:ext uri="{FF2B5EF4-FFF2-40B4-BE49-F238E27FC236}">
+                <a16:creationId xmlns:a16="http://schemas.microsoft.com/office/drawing/2014/main" id="{8C516CC8-80AC-446C-A56E-9F54B7210402}"/>
+              </a:ext>
+              <a:ext uri="{C183D7F6-B498-43B3-948B-1728B52AA6E4}">
+                <adec:decorative xmlns:adec="http://schemas.microsoft.com/office/drawing/2017/decorative" val="1"/>
+              </a:ext>
+            </a:extLst>
+          </p:cNvPr>
+          <p:cNvSpPr>
+            <a:spLocks noGrp="1" noRot="1" noChangeAspect="1" noMove="1" noResize="1" noEditPoints="1" noAdjustHandles="1" noChangeArrowheads="1" noChangeShapeType="1" noTextEdit="1"/>
+          </p:cNvSpPr>
+          <p:nvPr>
+            <p:extLst>
+              <p:ext uri="{386F3935-93C4-4BCD-93E2-E3B085C9AB24}">
+                <p16:designElem xmlns:p16="http://schemas.microsoft.com/office/powerpoint/2015/main" val="1"/>
+              </p:ext>
+            </p:extLst>
+          </p:nvPr>
+        </p:nvSpPr>
+        <p:spPr>
+          <a:xfrm flipH="1">
+            <a:off x="-3" y="4490110"/>
+            <a:ext cx="12217710" cy="2377962"/>
+          </a:xfrm>
+          <a:prstGeom prst="rect">
+            <a:avLst/>
+          </a:prstGeom>
+          <a:gradFill>
+            <a:gsLst>
+              <a:gs pos="0">
+                <a:schemeClr val="accent1">
+                  <a:lumMod val="75000"/>
+                  <a:alpha val="50000"/>
+                </a:schemeClr>
+              </a:gs>
+              <a:gs pos="99000">
+                <a:srgbClr val="000000">
+                  <a:alpha val="34000"/>
+                </a:srgbClr>
+              </a:gs>
+            </a:gsLst>
+            <a:lin ang="13200000" scaled="0"/>
+          </a:gradFill>
+          <a:ln>
+            <a:noFill/>
+          </a:ln>
+        </p:spPr>
+        <p:style>
+          <a:lnRef idx="2">
+            <a:schemeClr val="accent1">
+              <a:shade val="50000"/>
+            </a:schemeClr>
+          </a:lnRef>
+          <a:fillRef idx="1">
+            <a:schemeClr val="accent1"/>
+          </a:fillRef>
+          <a:effectRef idx="0">
+            <a:schemeClr val="accent1"/>
+          </a:effectRef>
+          <a:fontRef idx="minor">
+            <a:schemeClr val="lt1"/>
+          </a:fontRef>
+        </p:style>
+        <p:txBody>
+          <a:bodyPr rtlCol="0" anchor="ctr"/>
+          <a:lstStyle/>
+          <a:p>
+            <a:pPr algn="ctr"/>
+            <a:endParaRPr lang="en-US"/>
           </a:p>
         </p:txBody>
       </p:sp>
@@ -3406,24 +9093,36 @@
             <p:ph type="subTitle" idx="1"/>
           </p:nvPr>
         </p:nvSpPr>
-        <p:spPr/>
+        <p:spPr>
+          <a:xfrm>
+            <a:off x="4285397" y="4960961"/>
+            <a:ext cx="7055893" cy="1078054"/>
+          </a:xfrm>
+        </p:spPr>
         <p:txBody>
-          <a:bodyPr/>
+          <a:bodyPr>
+            <a:normAutofit/>
+          </a:bodyPr>
           <a:lstStyle/>
           <a:p>
+            <a:pPr algn="l"/>
             <a:r>
-              <a:rPr lang="es-CO" dirty="0"/>
-              <a:t>Mariana </a:t>
+              <a:rPr lang="es-CO">
+                <a:solidFill>
+                  <a:srgbClr val="FFFFFF"/>
+                </a:solidFill>
+              </a:rPr>
+              <a:t>Mariana Gomez</a:t>
             </a:r>
+          </a:p>
+          <a:p>
+            <a:pPr algn="l"/>
             <a:r>
-              <a:rPr lang="es-CO" dirty="0" err="1"/>
-              <a:t>Gomez</a:t>
-            </a:r>
-            <a:endParaRPr lang="es-CO" dirty="0"/>
-          </a:p>
-          <a:p>
-            <a:r>
-              <a:rPr lang="es-CO" dirty="0"/>
+              <a:rPr lang="es-CO">
+                <a:solidFill>
+                  <a:srgbClr val="FFFFFF"/>
+                </a:solidFill>
+              </a:rPr>
               <a:t>Nicolas Hoyos</a:t>
             </a:r>
           </a:p>
@@ -3445,6 +9144,14 @@
 <file path=ppt/slides/slide2.xml><?xml version="1.0" encoding="utf-8"?>
 <p:sld xmlns:a="http://schemas.openxmlformats.org/drawingml/2006/main" xmlns:r="http://schemas.openxmlformats.org/officeDocument/2006/relationships" xmlns:p="http://schemas.openxmlformats.org/presentationml/2006/main">
   <p:cSld>
+    <p:bg>
+      <p:bgPr>
+        <a:solidFill>
+          <a:schemeClr val="bg1"/>
+        </a:solidFill>
+        <a:effectLst/>
+      </p:bgPr>
+    </p:bg>
     <p:spTree>
       <p:nvGrpSpPr>
         <p:cNvPr id="1" name=""/>
@@ -3459,6 +9166,308 @@
           <a:chExt cx="0" cy="0"/>
         </a:xfrm>
       </p:grpSpPr>
+      <p:sp useBgFill="1">
+        <p:nvSpPr>
+          <p:cNvPr id="9" name="Rectangle 8">
+            <a:extLst>
+              <a:ext uri="{FF2B5EF4-FFF2-40B4-BE49-F238E27FC236}">
+                <a16:creationId xmlns:a16="http://schemas.microsoft.com/office/drawing/2014/main" id="{BACC6370-2D7E-4714-9D71-7542949D7D5D}"/>
+              </a:ext>
+              <a:ext uri="{C183D7F6-B498-43B3-948B-1728B52AA6E4}">
+                <adec:decorative xmlns:adec="http://schemas.microsoft.com/office/drawing/2017/decorative" val="1"/>
+              </a:ext>
+            </a:extLst>
+          </p:cNvPr>
+          <p:cNvSpPr>
+            <a:spLocks noGrp="1" noRot="1" noChangeAspect="1" noMove="1" noResize="1" noEditPoints="1" noAdjustHandles="1" noChangeArrowheads="1" noChangeShapeType="1" noTextEdit="1"/>
+          </p:cNvSpPr>
+          <p:nvPr>
+            <p:extLst>
+              <p:ext uri="{386F3935-93C4-4BCD-93E2-E3B085C9AB24}">
+                <p16:designElem xmlns:p16="http://schemas.microsoft.com/office/powerpoint/2015/main" val="1"/>
+              </p:ext>
+            </p:extLst>
+          </p:nvPr>
+        </p:nvSpPr>
+        <p:spPr>
+          <a:xfrm>
+            <a:off x="0" y="0"/>
+            <a:ext cx="12192000" cy="6858000"/>
+          </a:xfrm>
+          <a:prstGeom prst="rect">
+            <a:avLst/>
+          </a:prstGeom>
+          <a:ln w="12700" cap="flat" cmpd="sng" algn="ctr">
+            <a:noFill/>
+            <a:prstDash val="solid"/>
+            <a:miter lim="800000"/>
+          </a:ln>
+          <a:effectLst/>
+          <a:extLst>
+            <a:ext uri="{91240B29-F687-4F45-9708-019B960494DF}">
+              <a14:hiddenLine xmlns:a14="http://schemas.microsoft.com/office/drawing/2010/main" w="12700" cap="flat" cmpd="sng" algn="ctr">
+                <a:solidFill>
+                  <a:schemeClr val="accent1">
+                    <a:shade val="50000"/>
+                  </a:schemeClr>
+                </a:solidFill>
+                <a:prstDash val="solid"/>
+                <a:miter lim="800000"/>
+              </a14:hiddenLine>
+            </a:ext>
+          </a:extLst>
+        </p:spPr>
+        <p:style>
+          <a:lnRef idx="2">
+            <a:schemeClr val="accent1">
+              <a:shade val="50000"/>
+            </a:schemeClr>
+          </a:lnRef>
+          <a:fillRef idx="1">
+            <a:schemeClr val="accent1"/>
+          </a:fillRef>
+          <a:effectRef idx="0">
+            <a:schemeClr val="accent1"/>
+          </a:effectRef>
+          <a:fontRef idx="minor">
+            <a:schemeClr val="lt1"/>
+          </a:fontRef>
+        </p:style>
+        <p:txBody>
+          <a:bodyPr rtlCol="0" anchor="ctr"/>
+          <a:lstStyle/>
+          <a:p>
+            <a:pPr algn="ctr"/>
+            <a:endParaRPr lang="en-US"/>
+          </a:p>
+        </p:txBody>
+      </p:sp>
+      <p:sp>
+        <p:nvSpPr>
+          <p:cNvPr id="11" name="Rectangle 10">
+            <a:extLst>
+              <a:ext uri="{FF2B5EF4-FFF2-40B4-BE49-F238E27FC236}">
+                <a16:creationId xmlns:a16="http://schemas.microsoft.com/office/drawing/2014/main" id="{F68B3F68-107C-434F-AA38-110D5EA91B85}"/>
+              </a:ext>
+              <a:ext uri="{C183D7F6-B498-43B3-948B-1728B52AA6E4}">
+                <adec:decorative xmlns:adec="http://schemas.microsoft.com/office/drawing/2017/decorative" val="1"/>
+              </a:ext>
+            </a:extLst>
+          </p:cNvPr>
+          <p:cNvSpPr>
+            <a:spLocks noGrp="1" noRot="1" noChangeAspect="1" noMove="1" noResize="1" noEditPoints="1" noAdjustHandles="1" noChangeArrowheads="1" noChangeShapeType="1" noTextEdit="1"/>
+          </p:cNvSpPr>
+          <p:nvPr>
+            <p:extLst>
+              <p:ext uri="{386F3935-93C4-4BCD-93E2-E3B085C9AB24}">
+                <p16:designElem xmlns:p16="http://schemas.microsoft.com/office/powerpoint/2015/main" val="1"/>
+              </p:ext>
+            </p:extLst>
+          </p:nvPr>
+        </p:nvSpPr>
+        <p:spPr>
+          <a:xfrm flipH="1">
+            <a:off x="2" y="0"/>
+            <a:ext cx="12191998" cy="1575955"/>
+          </a:xfrm>
+          <a:prstGeom prst="rect">
+            <a:avLst/>
+          </a:prstGeom>
+          <a:gradFill>
+            <a:gsLst>
+              <a:gs pos="0">
+                <a:srgbClr val="000000">
+                  <a:alpha val="96000"/>
+                </a:srgbClr>
+              </a:gs>
+              <a:gs pos="100000">
+                <a:schemeClr val="accent1">
+                  <a:lumMod val="75000"/>
+                </a:schemeClr>
+              </a:gs>
+            </a:gsLst>
+            <a:lin ang="8400000" scaled="0"/>
+          </a:gradFill>
+          <a:ln>
+            <a:noFill/>
+          </a:ln>
+        </p:spPr>
+        <p:style>
+          <a:lnRef idx="2">
+            <a:schemeClr val="accent1">
+              <a:shade val="50000"/>
+            </a:schemeClr>
+          </a:lnRef>
+          <a:fillRef idx="1">
+            <a:schemeClr val="accent1"/>
+          </a:fillRef>
+          <a:effectRef idx="0">
+            <a:schemeClr val="accent1"/>
+          </a:effectRef>
+          <a:fontRef idx="minor">
+            <a:schemeClr val="lt1"/>
+          </a:fontRef>
+        </p:style>
+        <p:txBody>
+          <a:bodyPr rtlCol="0" anchor="ctr"/>
+          <a:lstStyle/>
+          <a:p>
+            <a:pPr algn="ctr"/>
+            <a:endParaRPr lang="en-US"/>
+          </a:p>
+        </p:txBody>
+      </p:sp>
+      <p:sp>
+        <p:nvSpPr>
+          <p:cNvPr id="13" name="Rectangle 12">
+            <a:extLst>
+              <a:ext uri="{FF2B5EF4-FFF2-40B4-BE49-F238E27FC236}">
+                <a16:creationId xmlns:a16="http://schemas.microsoft.com/office/drawing/2014/main" id="{AAD0DBB9-1A4B-4391-81D4-CB19F9AB918A}"/>
+              </a:ext>
+              <a:ext uri="{C183D7F6-B498-43B3-948B-1728B52AA6E4}">
+                <adec:decorative xmlns:adec="http://schemas.microsoft.com/office/drawing/2017/decorative" val="1"/>
+              </a:ext>
+            </a:extLst>
+          </p:cNvPr>
+          <p:cNvSpPr>
+            <a:spLocks noGrp="1" noRot="1" noChangeAspect="1" noMove="1" noResize="1" noEditPoints="1" noAdjustHandles="1" noChangeArrowheads="1" noChangeShapeType="1" noTextEdit="1"/>
+          </p:cNvSpPr>
+          <p:nvPr>
+            <p:extLst>
+              <p:ext uri="{386F3935-93C4-4BCD-93E2-E3B085C9AB24}">
+                <p16:designElem xmlns:p16="http://schemas.microsoft.com/office/powerpoint/2015/main" val="1"/>
+              </p:ext>
+            </p:extLst>
+          </p:nvPr>
+        </p:nvSpPr>
+        <p:spPr>
+          <a:xfrm rot="10800000" flipH="1">
+            <a:off x="8128857" y="0"/>
+            <a:ext cx="4063143" cy="1576412"/>
+          </a:xfrm>
+          <a:prstGeom prst="rect">
+            <a:avLst/>
+          </a:prstGeom>
+          <a:gradFill>
+            <a:gsLst>
+              <a:gs pos="19000">
+                <a:schemeClr val="accent1">
+                  <a:lumMod val="50000"/>
+                  <a:alpha val="68000"/>
+                </a:schemeClr>
+              </a:gs>
+              <a:gs pos="100000">
+                <a:schemeClr val="accent1">
+                  <a:alpha val="79000"/>
+                </a:schemeClr>
+              </a:gs>
+            </a:gsLst>
+            <a:lin ang="19200000" scaled="0"/>
+          </a:gradFill>
+          <a:ln>
+            <a:noFill/>
+          </a:ln>
+        </p:spPr>
+        <p:style>
+          <a:lnRef idx="2">
+            <a:schemeClr val="accent1">
+              <a:shade val="50000"/>
+            </a:schemeClr>
+          </a:lnRef>
+          <a:fillRef idx="1">
+            <a:schemeClr val="accent1"/>
+          </a:fillRef>
+          <a:effectRef idx="0">
+            <a:schemeClr val="accent1"/>
+          </a:effectRef>
+          <a:fontRef idx="minor">
+            <a:schemeClr val="lt1"/>
+          </a:fontRef>
+        </p:style>
+        <p:txBody>
+          <a:bodyPr rtlCol="0" anchor="ctr"/>
+          <a:lstStyle/>
+          <a:p>
+            <a:pPr algn="ctr"/>
+            <a:endParaRPr lang="en-US"/>
+          </a:p>
+        </p:txBody>
+      </p:sp>
+      <p:sp>
+        <p:nvSpPr>
+          <p:cNvPr id="15" name="Rectangle 14">
+            <a:extLst>
+              <a:ext uri="{FF2B5EF4-FFF2-40B4-BE49-F238E27FC236}">
+                <a16:creationId xmlns:a16="http://schemas.microsoft.com/office/drawing/2014/main" id="{063BBA22-50EA-4C4D-BE05-F1CE4E63AA56}"/>
+              </a:ext>
+              <a:ext uri="{C183D7F6-B498-43B3-948B-1728B52AA6E4}">
+                <adec:decorative xmlns:adec="http://schemas.microsoft.com/office/drawing/2017/decorative" val="1"/>
+              </a:ext>
+            </a:extLst>
+          </p:cNvPr>
+          <p:cNvSpPr>
+            <a:spLocks noGrp="1" noRot="1" noChangeAspect="1" noMove="1" noResize="1" noEditPoints="1" noAdjustHandles="1" noChangeArrowheads="1" noChangeShapeType="1" noTextEdit="1"/>
+          </p:cNvSpPr>
+          <p:nvPr>
+            <p:extLst>
+              <p:ext uri="{386F3935-93C4-4BCD-93E2-E3B085C9AB24}">
+                <p16:designElem xmlns:p16="http://schemas.microsoft.com/office/powerpoint/2015/main" val="1"/>
+              </p:ext>
+            </p:extLst>
+          </p:nvPr>
+        </p:nvSpPr>
+        <p:spPr>
+          <a:xfrm rot="5400000">
+            <a:off x="5307777" y="-5307778"/>
+            <a:ext cx="1576446" cy="12192002"/>
+          </a:xfrm>
+          <a:prstGeom prst="rect">
+            <a:avLst/>
+          </a:prstGeom>
+          <a:gradFill>
+            <a:gsLst>
+              <a:gs pos="23000">
+                <a:schemeClr val="accent1">
+                  <a:alpha val="0"/>
+                </a:schemeClr>
+              </a:gs>
+              <a:gs pos="99000">
+                <a:srgbClr val="000000">
+                  <a:alpha val="74000"/>
+                </a:srgbClr>
+              </a:gs>
+            </a:gsLst>
+            <a:lin ang="20400000" scaled="0"/>
+          </a:gradFill>
+          <a:ln>
+            <a:noFill/>
+          </a:ln>
+        </p:spPr>
+        <p:style>
+          <a:lnRef idx="2">
+            <a:schemeClr val="accent1">
+              <a:shade val="50000"/>
+            </a:schemeClr>
+          </a:lnRef>
+          <a:fillRef idx="1">
+            <a:schemeClr val="accent1"/>
+          </a:fillRef>
+          <a:effectRef idx="0">
+            <a:schemeClr val="accent1"/>
+          </a:effectRef>
+          <a:fontRef idx="minor">
+            <a:schemeClr val="lt1"/>
+          </a:fontRef>
+        </p:style>
+        <p:txBody>
+          <a:bodyPr rtlCol="0" anchor="ctr"/>
+          <a:lstStyle/>
+          <a:p>
+            <a:pPr algn="ctr"/>
+            <a:endParaRPr lang="en-US" dirty="0"/>
+          </a:p>
+        </p:txBody>
+      </p:sp>
       <p:sp>
         <p:nvSpPr>
           <p:cNvPr id="2" name="Título 1">
@@ -3475,73 +9484,65 @@
             <p:ph type="title"/>
           </p:nvPr>
         </p:nvSpPr>
-        <p:spPr/>
+        <p:spPr>
+          <a:xfrm>
+            <a:off x="1371597" y="348865"/>
+            <a:ext cx="10044023" cy="877729"/>
+          </a:xfrm>
+        </p:spPr>
         <p:txBody>
-          <a:bodyPr/>
+          <a:bodyPr anchor="ctr">
+            <a:normAutofit/>
+          </a:bodyPr>
           <a:lstStyle/>
           <a:p>
             <a:r>
-              <a:rPr lang="es-CO" dirty="0"/>
-              <a:t>¿Qué es un </a:t>
+              <a:rPr lang="es-CO" sz="4000">
+                <a:solidFill>
+                  <a:srgbClr val="FFFFFF"/>
+                </a:solidFill>
+              </a:rPr>
+              <a:t>¿Qué es un singleton?</a:t>
             </a:r>
-            <a:r>
-              <a:rPr lang="es-CO" dirty="0" err="1"/>
-              <a:t>singleton</a:t>
-            </a:r>
-            <a:r>
-              <a:rPr lang="es-CO" dirty="0"/>
-              <a:t>?</a:t>
-            </a:r>
-            <a:endParaRPr lang="es-ES" dirty="0"/>
+            <a:endParaRPr lang="es-ES" sz="4000">
+              <a:solidFill>
+                <a:srgbClr val="FFFFFF"/>
+              </a:solidFill>
+            </a:endParaRPr>
           </a:p>
         </p:txBody>
       </p:sp>
-      <p:sp>
-        <p:nvSpPr>
-          <p:cNvPr id="3" name="Marcador de contenido 2">
+      <p:graphicFrame>
+        <p:nvGraphicFramePr>
+          <p:cNvPr id="5" name="Marcador de contenido 2">
             <a:extLst>
               <a:ext uri="{FF2B5EF4-FFF2-40B4-BE49-F238E27FC236}">
-                <a16:creationId xmlns:a16="http://schemas.microsoft.com/office/drawing/2014/main" id="{E660050E-060B-A6F4-3173-65DB8A7E656F}"/>
+                <a16:creationId xmlns:a16="http://schemas.microsoft.com/office/drawing/2014/main" id="{591E0968-941C-7960-DC49-FA397F19DC74}"/>
               </a:ext>
             </a:extLst>
           </p:cNvPr>
-          <p:cNvSpPr>
-            <a:spLocks noGrp="1"/>
-          </p:cNvSpPr>
+          <p:cNvGraphicFramePr>
+            <a:graphicFrameLocks noGrp="1"/>
+          </p:cNvGraphicFramePr>
           <p:nvPr>
             <p:ph idx="1"/>
+            <p:extLst>
+              <p:ext uri="{D42A27DB-BD31-4B8C-83A1-F6EECF244321}">
+                <p14:modId xmlns:p14="http://schemas.microsoft.com/office/powerpoint/2010/main" val="2131170611"/>
+              </p:ext>
+            </p:extLst>
           </p:nvPr>
-        </p:nvSpPr>
-        <p:spPr/>
-        <p:txBody>
-          <a:bodyPr/>
-          <a:lstStyle/>
-          <a:p>
-            <a:r>
-              <a:rPr lang="es-MX" dirty="0"/>
-              <a:t>Un </a:t>
-            </a:r>
-            <a:r>
-              <a:rPr lang="es-MX" dirty="0" err="1"/>
-              <a:t>singleton</a:t>
-            </a:r>
-            <a:r>
-              <a:rPr lang="es-MX" dirty="0"/>
-              <a:t> es un patrón de diseño en programación que garantiza que una clase tenga una única instancia y proporciona un punto de acceso global a esa instancia.</a:t>
-            </a:r>
-          </a:p>
-          <a:p>
-            <a:endParaRPr lang="es-MX" dirty="0"/>
-          </a:p>
-          <a:p>
-            <a:r>
-              <a:rPr lang="es-MX" dirty="0"/>
-              <a:t>Es como tener una única copia de algo importante en tu programa, como un personaje principal en un videojuego.</a:t>
-            </a:r>
-            <a:endParaRPr lang="es-ES" dirty="0"/>
-          </a:p>
-        </p:txBody>
-      </p:sp>
+        </p:nvGraphicFramePr>
+        <p:xfrm>
+          <a:off x="644056" y="2112579"/>
+          <a:ext cx="10927829" cy="4192805"/>
+        </p:xfrm>
+        <a:graphic>
+          <a:graphicData uri="http://schemas.openxmlformats.org/drawingml/2006/diagram">
+            <dgm:relIds xmlns:dgm="http://schemas.openxmlformats.org/drawingml/2006/diagram" xmlns:r="http://schemas.openxmlformats.org/officeDocument/2006/relationships" r:dm="rId2" r:lo="rId3" r:qs="rId4" r:cs="rId5"/>
+          </a:graphicData>
+        </a:graphic>
+      </p:graphicFrame>
     </p:spTree>
     <p:extLst>
       <p:ext uri="{BB962C8B-B14F-4D97-AF65-F5344CB8AC3E}">
@@ -3558,6 +9559,14 @@
 <file path=ppt/slides/slide3.xml><?xml version="1.0" encoding="utf-8"?>
 <p:sld xmlns:a="http://schemas.openxmlformats.org/drawingml/2006/main" xmlns:r="http://schemas.openxmlformats.org/officeDocument/2006/relationships" xmlns:p="http://schemas.openxmlformats.org/presentationml/2006/main">
   <p:cSld>
+    <p:bg>
+      <p:bgPr>
+        <a:solidFill>
+          <a:schemeClr val="bg1"/>
+        </a:solidFill>
+        <a:effectLst/>
+      </p:bgPr>
+    </p:bg>
     <p:spTree>
       <p:nvGrpSpPr>
         <p:cNvPr id="1" name=""/>
@@ -3572,6 +9581,382 @@
           <a:chExt cx="0" cy="0"/>
         </a:xfrm>
       </p:grpSpPr>
+      <p:sp useBgFill="1">
+        <p:nvSpPr>
+          <p:cNvPr id="20" name="Rectangle 7">
+            <a:extLst>
+              <a:ext uri="{FF2B5EF4-FFF2-40B4-BE49-F238E27FC236}">
+                <a16:creationId xmlns:a16="http://schemas.microsoft.com/office/drawing/2014/main" id="{1B15ED52-F352-441B-82BF-E0EA34836D08}"/>
+              </a:ext>
+              <a:ext uri="{C183D7F6-B498-43B3-948B-1728B52AA6E4}">
+                <adec:decorative xmlns:adec="http://schemas.microsoft.com/office/drawing/2017/decorative" val="1"/>
+              </a:ext>
+            </a:extLst>
+          </p:cNvPr>
+          <p:cNvSpPr>
+            <a:spLocks noGrp="1" noRot="1" noChangeAspect="1" noMove="1" noResize="1" noEditPoints="1" noAdjustHandles="1" noChangeArrowheads="1" noChangeShapeType="1" noTextEdit="1"/>
+          </p:cNvSpPr>
+          <p:nvPr>
+            <p:extLst>
+              <p:ext uri="{386F3935-93C4-4BCD-93E2-E3B085C9AB24}">
+                <p16:designElem xmlns:p16="http://schemas.microsoft.com/office/powerpoint/2015/main" val="1"/>
+              </p:ext>
+            </p:extLst>
+          </p:nvPr>
+        </p:nvSpPr>
+        <p:spPr>
+          <a:xfrm>
+            <a:off x="0" y="0"/>
+            <a:ext cx="12192000" cy="6858000"/>
+          </a:xfrm>
+          <a:prstGeom prst="rect">
+            <a:avLst/>
+          </a:prstGeom>
+          <a:ln w="12700" cap="flat" cmpd="sng" algn="ctr">
+            <a:noFill/>
+            <a:prstDash val="solid"/>
+            <a:miter lim="800000"/>
+          </a:ln>
+          <a:effectLst/>
+          <a:extLst>
+            <a:ext uri="{91240B29-F687-4F45-9708-019B960494DF}">
+              <a14:hiddenLine xmlns:a14="http://schemas.microsoft.com/office/drawing/2010/main" w="12700" cap="flat" cmpd="sng" algn="ctr">
+                <a:solidFill>
+                  <a:schemeClr val="accent1">
+                    <a:shade val="50000"/>
+                  </a:schemeClr>
+                </a:solidFill>
+                <a:prstDash val="solid"/>
+                <a:miter lim="800000"/>
+              </a14:hiddenLine>
+            </a:ext>
+          </a:extLst>
+        </p:spPr>
+        <p:style>
+          <a:lnRef idx="2">
+            <a:schemeClr val="accent1">
+              <a:shade val="50000"/>
+            </a:schemeClr>
+          </a:lnRef>
+          <a:fillRef idx="1">
+            <a:schemeClr val="accent1"/>
+          </a:fillRef>
+          <a:effectRef idx="0">
+            <a:schemeClr val="accent1"/>
+          </a:effectRef>
+          <a:fontRef idx="minor">
+            <a:schemeClr val="lt1"/>
+          </a:fontRef>
+        </p:style>
+        <p:txBody>
+          <a:bodyPr rtlCol="0" anchor="ctr"/>
+          <a:lstStyle/>
+          <a:p>
+            <a:pPr algn="ctr"/>
+            <a:endParaRPr lang="en-US"/>
+          </a:p>
+        </p:txBody>
+      </p:sp>
+      <p:sp>
+        <p:nvSpPr>
+          <p:cNvPr id="21" name="Rectangle 9">
+            <a:extLst>
+              <a:ext uri="{FF2B5EF4-FFF2-40B4-BE49-F238E27FC236}">
+                <a16:creationId xmlns:a16="http://schemas.microsoft.com/office/drawing/2014/main" id="{3B2E3793-BFE6-45A2-9B7B-E18844431C99}"/>
+              </a:ext>
+              <a:ext uri="{C183D7F6-B498-43B3-948B-1728B52AA6E4}">
+                <adec:decorative xmlns:adec="http://schemas.microsoft.com/office/drawing/2017/decorative" val="1"/>
+              </a:ext>
+            </a:extLst>
+          </p:cNvPr>
+          <p:cNvSpPr>
+            <a:spLocks noGrp="1" noRot="1" noChangeAspect="1" noMove="1" noResize="1" noEditPoints="1" noAdjustHandles="1" noChangeArrowheads="1" noChangeShapeType="1" noTextEdit="1"/>
+          </p:cNvSpPr>
+          <p:nvPr>
+            <p:extLst>
+              <p:ext uri="{386F3935-93C4-4BCD-93E2-E3B085C9AB24}">
+                <p16:designElem xmlns:p16="http://schemas.microsoft.com/office/powerpoint/2015/main" val="1"/>
+              </p:ext>
+            </p:extLst>
+          </p:nvPr>
+        </p:nvSpPr>
+        <p:spPr>
+          <a:xfrm flipH="1">
+            <a:off x="-1" y="-1"/>
+            <a:ext cx="12191998" cy="1590742"/>
+          </a:xfrm>
+          <a:prstGeom prst="rect">
+            <a:avLst/>
+          </a:prstGeom>
+          <a:gradFill>
+            <a:gsLst>
+              <a:gs pos="0">
+                <a:srgbClr val="000000"/>
+              </a:gs>
+              <a:gs pos="100000">
+                <a:schemeClr val="accent1">
+                  <a:lumMod val="75000"/>
+                </a:schemeClr>
+              </a:gs>
+            </a:gsLst>
+            <a:lin ang="8400000" scaled="0"/>
+          </a:gradFill>
+          <a:ln>
+            <a:noFill/>
+          </a:ln>
+        </p:spPr>
+        <p:style>
+          <a:lnRef idx="2">
+            <a:schemeClr val="accent1">
+              <a:shade val="50000"/>
+            </a:schemeClr>
+          </a:lnRef>
+          <a:fillRef idx="1">
+            <a:schemeClr val="accent1"/>
+          </a:fillRef>
+          <a:effectRef idx="0">
+            <a:schemeClr val="accent1"/>
+          </a:effectRef>
+          <a:fontRef idx="minor">
+            <a:schemeClr val="lt1"/>
+          </a:fontRef>
+        </p:style>
+        <p:txBody>
+          <a:bodyPr rtlCol="0" anchor="ctr"/>
+          <a:lstStyle/>
+          <a:p>
+            <a:pPr algn="ctr"/>
+            <a:endParaRPr lang="en-US"/>
+          </a:p>
+        </p:txBody>
+      </p:sp>
+      <p:sp>
+        <p:nvSpPr>
+          <p:cNvPr id="22" name="Rectangle 11">
+            <a:extLst>
+              <a:ext uri="{FF2B5EF4-FFF2-40B4-BE49-F238E27FC236}">
+                <a16:creationId xmlns:a16="http://schemas.microsoft.com/office/drawing/2014/main" id="{BC4C4868-CB8F-4AF9-9CDB-8108F2C19B67}"/>
+              </a:ext>
+              <a:ext uri="{C183D7F6-B498-43B3-948B-1728B52AA6E4}">
+                <adec:decorative xmlns:adec="http://schemas.microsoft.com/office/drawing/2017/decorative" val="1"/>
+              </a:ext>
+            </a:extLst>
+          </p:cNvPr>
+          <p:cNvSpPr>
+            <a:spLocks noGrp="1" noRot="1" noChangeAspect="1" noMove="1" noResize="1" noEditPoints="1" noAdjustHandles="1" noChangeArrowheads="1" noChangeShapeType="1" noTextEdit="1"/>
+          </p:cNvSpPr>
+          <p:nvPr>
+            <p:extLst>
+              <p:ext uri="{386F3935-93C4-4BCD-93E2-E3B085C9AB24}">
+                <p16:designElem xmlns:p16="http://schemas.microsoft.com/office/powerpoint/2015/main" val="1"/>
+              </p:ext>
+            </p:extLst>
+          </p:nvPr>
+        </p:nvSpPr>
+        <p:spPr>
+          <a:xfrm rot="10800000" flipH="1">
+            <a:off x="-3" y="0"/>
+            <a:ext cx="8115306" cy="1590742"/>
+          </a:xfrm>
+          <a:prstGeom prst="rect">
+            <a:avLst/>
+          </a:prstGeom>
+          <a:gradFill>
+            <a:gsLst>
+              <a:gs pos="20000">
+                <a:schemeClr val="accent1">
+                  <a:alpha val="0"/>
+                </a:schemeClr>
+              </a:gs>
+              <a:gs pos="100000">
+                <a:schemeClr val="accent1">
+                  <a:lumMod val="50000"/>
+                  <a:alpha val="55000"/>
+                </a:schemeClr>
+              </a:gs>
+            </a:gsLst>
+            <a:lin ang="13800000" scaled="0"/>
+          </a:gradFill>
+          <a:ln>
+            <a:noFill/>
+          </a:ln>
+        </p:spPr>
+        <p:style>
+          <a:lnRef idx="2">
+            <a:schemeClr val="accent1">
+              <a:shade val="50000"/>
+            </a:schemeClr>
+          </a:lnRef>
+          <a:fillRef idx="1">
+            <a:schemeClr val="accent1"/>
+          </a:fillRef>
+          <a:effectRef idx="0">
+            <a:schemeClr val="accent1"/>
+          </a:effectRef>
+          <a:fontRef idx="minor">
+            <a:schemeClr val="lt1"/>
+          </a:fontRef>
+        </p:style>
+        <p:txBody>
+          <a:bodyPr rtlCol="0" anchor="ctr"/>
+          <a:lstStyle/>
+          <a:p>
+            <a:pPr algn="ctr"/>
+            <a:endParaRPr lang="en-US"/>
+          </a:p>
+        </p:txBody>
+      </p:sp>
+      <p:sp>
+        <p:nvSpPr>
+          <p:cNvPr id="23" name="Rectangle 13">
+            <a:extLst>
+              <a:ext uri="{FF2B5EF4-FFF2-40B4-BE49-F238E27FC236}">
+                <a16:creationId xmlns:a16="http://schemas.microsoft.com/office/drawing/2014/main" id="{375E0459-6403-40CD-989D-56A4407CA12E}"/>
+              </a:ext>
+              <a:ext uri="{C183D7F6-B498-43B3-948B-1728B52AA6E4}">
+                <adec:decorative xmlns:adec="http://schemas.microsoft.com/office/drawing/2017/decorative" val="1"/>
+              </a:ext>
+            </a:extLst>
+          </p:cNvPr>
+          <p:cNvSpPr>
+            <a:spLocks noGrp="1" noRot="1" noChangeAspect="1" noMove="1" noResize="1" noEditPoints="1" noAdjustHandles="1" noChangeArrowheads="1" noChangeShapeType="1" noTextEdit="1"/>
+          </p:cNvSpPr>
+          <p:nvPr>
+            <p:extLst>
+              <p:ext uri="{386F3935-93C4-4BCD-93E2-E3B085C9AB24}">
+                <p16:designElem xmlns:p16="http://schemas.microsoft.com/office/powerpoint/2015/main" val="1"/>
+              </p:ext>
+            </p:extLst>
+          </p:nvPr>
+        </p:nvSpPr>
+        <p:spPr>
+          <a:xfrm flipH="1">
+            <a:off x="8115299" y="-1"/>
+            <a:ext cx="4076698" cy="1590742"/>
+          </a:xfrm>
+          <a:prstGeom prst="rect">
+            <a:avLst/>
+          </a:prstGeom>
+          <a:gradFill>
+            <a:gsLst>
+              <a:gs pos="0">
+                <a:schemeClr val="accent1">
+                  <a:alpha val="66000"/>
+                </a:schemeClr>
+              </a:gs>
+              <a:gs pos="100000">
+                <a:srgbClr val="000000">
+                  <a:alpha val="30000"/>
+                </a:srgbClr>
+              </a:gs>
+            </a:gsLst>
+            <a:lin ang="13200000" scaled="0"/>
+          </a:gradFill>
+          <a:ln>
+            <a:noFill/>
+          </a:ln>
+        </p:spPr>
+        <p:style>
+          <a:lnRef idx="2">
+            <a:schemeClr val="accent1">
+              <a:shade val="50000"/>
+            </a:schemeClr>
+          </a:lnRef>
+          <a:fillRef idx="1">
+            <a:schemeClr val="accent1"/>
+          </a:fillRef>
+          <a:effectRef idx="0">
+            <a:schemeClr val="accent1"/>
+          </a:effectRef>
+          <a:fontRef idx="minor">
+            <a:schemeClr val="lt1"/>
+          </a:fontRef>
+        </p:style>
+        <p:txBody>
+          <a:bodyPr rtlCol="0" anchor="ctr"/>
+          <a:lstStyle/>
+          <a:p>
+            <a:pPr algn="ctr"/>
+            <a:endParaRPr lang="en-US"/>
+          </a:p>
+        </p:txBody>
+      </p:sp>
+      <p:sp>
+        <p:nvSpPr>
+          <p:cNvPr id="24" name="Rectangle 15">
+            <a:extLst>
+              <a:ext uri="{FF2B5EF4-FFF2-40B4-BE49-F238E27FC236}">
+                <a16:creationId xmlns:a16="http://schemas.microsoft.com/office/drawing/2014/main" id="{53E5B1A8-3AC9-4BD1-9BBC-78CA94F2D1BA}"/>
+              </a:ext>
+              <a:ext uri="{C183D7F6-B498-43B3-948B-1728B52AA6E4}">
+                <adec:decorative xmlns:adec="http://schemas.microsoft.com/office/drawing/2017/decorative" val="1"/>
+              </a:ext>
+            </a:extLst>
+          </p:cNvPr>
+          <p:cNvSpPr>
+            <a:spLocks noGrp="1" noRot="1" noChangeAspect="1" noMove="1" noResize="1" noEditPoints="1" noAdjustHandles="1" noChangeArrowheads="1" noChangeShapeType="1" noTextEdit="1"/>
+          </p:cNvSpPr>
+          <p:nvPr>
+            <p:extLst>
+              <p:ext uri="{386F3935-93C4-4BCD-93E2-E3B085C9AB24}">
+                <p16:designElem xmlns:p16="http://schemas.microsoft.com/office/powerpoint/2015/main" val="1"/>
+              </p:ext>
+            </p:extLst>
+          </p:nvPr>
+        </p:nvSpPr>
+        <p:spPr>
+          <a:xfrm>
+            <a:off x="459350" y="-1"/>
+            <a:ext cx="11732646" cy="1597433"/>
+          </a:xfrm>
+          <a:prstGeom prst="rect">
+            <a:avLst/>
+          </a:prstGeom>
+          <a:gradFill>
+            <a:gsLst>
+              <a:gs pos="50000">
+                <a:srgbClr val="000000">
+                  <a:alpha val="0"/>
+                </a:srgbClr>
+              </a:gs>
+              <a:gs pos="99000">
+                <a:schemeClr val="accent1">
+                  <a:lumMod val="50000"/>
+                  <a:alpha val="52000"/>
+                </a:schemeClr>
+              </a:gs>
+            </a:gsLst>
+            <a:lin ang="16800000" scaled="0"/>
+          </a:gradFill>
+          <a:ln>
+            <a:noFill/>
+          </a:ln>
+        </p:spPr>
+        <p:style>
+          <a:lnRef idx="2">
+            <a:schemeClr val="accent1">
+              <a:shade val="50000"/>
+            </a:schemeClr>
+          </a:lnRef>
+          <a:fillRef idx="1">
+            <a:schemeClr val="accent1"/>
+          </a:fillRef>
+          <a:effectRef idx="0">
+            <a:schemeClr val="accent1"/>
+          </a:effectRef>
+          <a:fontRef idx="minor">
+            <a:schemeClr val="lt1"/>
+          </a:fontRef>
+        </p:style>
+        <p:txBody>
+          <a:bodyPr rtlCol="0" anchor="ctr"/>
+          <a:lstStyle/>
+          <a:p>
+            <a:pPr algn="ctr"/>
+            <a:endParaRPr lang="en-US"/>
+          </a:p>
+        </p:txBody>
+      </p:sp>
       <p:sp>
         <p:nvSpPr>
           <p:cNvPr id="2" name="Título 1">
@@ -3588,16 +9973,31 @@
             <p:ph type="title"/>
           </p:nvPr>
         </p:nvSpPr>
-        <p:spPr/>
+        <p:spPr>
+          <a:xfrm>
+            <a:off x="1371599" y="294538"/>
+            <a:ext cx="9895951" cy="1033669"/>
+          </a:xfrm>
+        </p:spPr>
         <p:txBody>
-          <a:bodyPr/>
+          <a:bodyPr>
+            <a:normAutofit/>
+          </a:bodyPr>
           <a:lstStyle/>
           <a:p>
             <a:r>
-              <a:rPr lang="es-CO" dirty="0"/>
+              <a:rPr lang="es-CO" sz="4000">
+                <a:solidFill>
+                  <a:srgbClr val="FFFFFF"/>
+                </a:solidFill>
+              </a:rPr>
               <a:t>Pros y contras</a:t>
             </a:r>
-            <a:endParaRPr lang="es-ES" dirty="0"/>
+            <a:endParaRPr lang="es-ES" sz="4000">
+              <a:solidFill>
+                <a:srgbClr val="FFFFFF"/>
+              </a:solidFill>
+            </a:endParaRPr>
           </a:p>
         </p:txBody>
       </p:sp>
@@ -3617,10 +10017,15 @@
             <p:ph idx="1"/>
           </p:nvPr>
         </p:nvSpPr>
-        <p:spPr/>
+        <p:spPr>
+          <a:xfrm>
+            <a:off x="1371599" y="2318197"/>
+            <a:ext cx="9724031" cy="3683358"/>
+          </a:xfrm>
+        </p:spPr>
         <p:txBody>
-          <a:bodyPr>
-            <a:normAutofit fontScale="85000" lnSpcReduction="20000"/>
+          <a:bodyPr anchor="ctr">
+            <a:normAutofit/>
           </a:bodyPr>
           <a:lstStyle/>
           <a:p>
@@ -3628,72 +10033,64 @@
               <a:buNone/>
             </a:pPr>
             <a:r>
-              <a:rPr lang="es-MX" dirty="0"/>
+              <a:rPr lang="es-MX" sz="1400"/>
               <a:t>Pros:</a:t>
             </a:r>
           </a:p>
           <a:p>
-            <a:endParaRPr lang="es-MX" dirty="0"/>
+            <a:endParaRPr lang="es-MX" sz="1400"/>
           </a:p>
           <a:p>
             <a:r>
-              <a:rPr lang="es-MX" dirty="0"/>
+              <a:rPr lang="es-MX" sz="1400"/>
               <a:t>Control sobre la instancia única.</a:t>
             </a:r>
           </a:p>
           <a:p>
             <a:r>
-              <a:rPr lang="es-MX" dirty="0"/>
+              <a:rPr lang="es-MX" sz="1400"/>
               <a:t>Acceso global y fácil a la instancia.</a:t>
             </a:r>
           </a:p>
           <a:p>
             <a:r>
-              <a:rPr lang="es-MX" dirty="0"/>
+              <a:rPr lang="es-MX" sz="1400"/>
               <a:t>Eficiencia al crear la instancia solo cuando sea necesaria.</a:t>
             </a:r>
           </a:p>
           <a:p>
-            <a:endParaRPr lang="es-MX" dirty="0"/>
+            <a:endParaRPr lang="es-MX" sz="1400"/>
           </a:p>
           <a:p>
             <a:pPr marL="0" indent="0">
               <a:buNone/>
             </a:pPr>
             <a:r>
-              <a:rPr lang="es-MX" dirty="0"/>
+              <a:rPr lang="es-MX" sz="1400"/>
               <a:t>Contras:</a:t>
             </a:r>
           </a:p>
           <a:p>
-            <a:endParaRPr lang="es-MX" dirty="0"/>
+            <a:endParaRPr lang="es-MX" sz="1400"/>
           </a:p>
           <a:p>
             <a:r>
-              <a:rPr lang="es-MX" dirty="0"/>
+              <a:rPr lang="es-MX" sz="1400"/>
               <a:t>Puede introducir acoplamiento fuerte en el código.</a:t>
             </a:r>
           </a:p>
           <a:p>
             <a:r>
-              <a:rPr lang="es-MX" dirty="0"/>
+              <a:rPr lang="es-MX" sz="1400"/>
               <a:t>Dificulta las pruebas unitarias debido al acceso global.</a:t>
             </a:r>
           </a:p>
           <a:p>
             <a:r>
-              <a:rPr lang="es-MX" dirty="0"/>
-              <a:t>Puede causar problemas de concurrencia en aplicaciones </a:t>
+              <a:rPr lang="es-MX" sz="1400"/>
+              <a:t>Puede causar problemas de concurrencia en aplicaciones multi-hilo.</a:t>
             </a:r>
-            <a:r>
-              <a:rPr lang="es-MX" dirty="0" err="1"/>
-              <a:t>multi-hilo</a:t>
-            </a:r>
-            <a:r>
-              <a:rPr lang="es-MX" dirty="0"/>
-              <a:t>.</a:t>
-            </a:r>
-            <a:endParaRPr lang="es-ES" dirty="0"/>
+            <a:endParaRPr lang="es-ES" sz="1400"/>
           </a:p>
         </p:txBody>
       </p:sp>
@@ -3713,6 +10110,14 @@
 <file path=ppt/slides/slide4.xml><?xml version="1.0" encoding="utf-8"?>
 <p:sld xmlns:a="http://schemas.openxmlformats.org/drawingml/2006/main" xmlns:r="http://schemas.openxmlformats.org/officeDocument/2006/relationships" xmlns:p="http://schemas.openxmlformats.org/presentationml/2006/main">
   <p:cSld>
+    <p:bg>
+      <p:bgPr>
+        <a:solidFill>
+          <a:schemeClr val="bg1"/>
+        </a:solidFill>
+        <a:effectLst/>
+      </p:bgPr>
+    </p:bg>
     <p:spTree>
       <p:nvGrpSpPr>
         <p:cNvPr id="1" name=""/>
@@ -3727,6 +10132,308 @@
           <a:chExt cx="0" cy="0"/>
         </a:xfrm>
       </p:grpSpPr>
+      <p:sp useBgFill="1">
+        <p:nvSpPr>
+          <p:cNvPr id="9" name="Rectangle 8">
+            <a:extLst>
+              <a:ext uri="{FF2B5EF4-FFF2-40B4-BE49-F238E27FC236}">
+                <a16:creationId xmlns:a16="http://schemas.microsoft.com/office/drawing/2014/main" id="{BACC6370-2D7E-4714-9D71-7542949D7D5D}"/>
+              </a:ext>
+              <a:ext uri="{C183D7F6-B498-43B3-948B-1728B52AA6E4}">
+                <adec:decorative xmlns:adec="http://schemas.microsoft.com/office/drawing/2017/decorative" val="1"/>
+              </a:ext>
+            </a:extLst>
+          </p:cNvPr>
+          <p:cNvSpPr>
+            <a:spLocks noGrp="1" noRot="1" noChangeAspect="1" noMove="1" noResize="1" noEditPoints="1" noAdjustHandles="1" noChangeArrowheads="1" noChangeShapeType="1" noTextEdit="1"/>
+          </p:cNvSpPr>
+          <p:nvPr>
+            <p:extLst>
+              <p:ext uri="{386F3935-93C4-4BCD-93E2-E3B085C9AB24}">
+                <p16:designElem xmlns:p16="http://schemas.microsoft.com/office/powerpoint/2015/main" val="1"/>
+              </p:ext>
+            </p:extLst>
+          </p:nvPr>
+        </p:nvSpPr>
+        <p:spPr>
+          <a:xfrm>
+            <a:off x="0" y="0"/>
+            <a:ext cx="12192000" cy="6858000"/>
+          </a:xfrm>
+          <a:prstGeom prst="rect">
+            <a:avLst/>
+          </a:prstGeom>
+          <a:ln w="12700" cap="flat" cmpd="sng" algn="ctr">
+            <a:noFill/>
+            <a:prstDash val="solid"/>
+            <a:miter lim="800000"/>
+          </a:ln>
+          <a:effectLst/>
+          <a:extLst>
+            <a:ext uri="{91240B29-F687-4F45-9708-019B960494DF}">
+              <a14:hiddenLine xmlns:a14="http://schemas.microsoft.com/office/drawing/2010/main" w="12700" cap="flat" cmpd="sng" algn="ctr">
+                <a:solidFill>
+                  <a:schemeClr val="accent1">
+                    <a:shade val="50000"/>
+                  </a:schemeClr>
+                </a:solidFill>
+                <a:prstDash val="solid"/>
+                <a:miter lim="800000"/>
+              </a14:hiddenLine>
+            </a:ext>
+          </a:extLst>
+        </p:spPr>
+        <p:style>
+          <a:lnRef idx="2">
+            <a:schemeClr val="accent1">
+              <a:shade val="50000"/>
+            </a:schemeClr>
+          </a:lnRef>
+          <a:fillRef idx="1">
+            <a:schemeClr val="accent1"/>
+          </a:fillRef>
+          <a:effectRef idx="0">
+            <a:schemeClr val="accent1"/>
+          </a:effectRef>
+          <a:fontRef idx="minor">
+            <a:schemeClr val="lt1"/>
+          </a:fontRef>
+        </p:style>
+        <p:txBody>
+          <a:bodyPr rtlCol="0" anchor="ctr"/>
+          <a:lstStyle/>
+          <a:p>
+            <a:pPr algn="ctr"/>
+            <a:endParaRPr lang="en-US"/>
+          </a:p>
+        </p:txBody>
+      </p:sp>
+      <p:sp>
+        <p:nvSpPr>
+          <p:cNvPr id="11" name="Rectangle 10">
+            <a:extLst>
+              <a:ext uri="{FF2B5EF4-FFF2-40B4-BE49-F238E27FC236}">
+                <a16:creationId xmlns:a16="http://schemas.microsoft.com/office/drawing/2014/main" id="{F68B3F68-107C-434F-AA38-110D5EA91B85}"/>
+              </a:ext>
+              <a:ext uri="{C183D7F6-B498-43B3-948B-1728B52AA6E4}">
+                <adec:decorative xmlns:adec="http://schemas.microsoft.com/office/drawing/2017/decorative" val="1"/>
+              </a:ext>
+            </a:extLst>
+          </p:cNvPr>
+          <p:cNvSpPr>
+            <a:spLocks noGrp="1" noRot="1" noChangeAspect="1" noMove="1" noResize="1" noEditPoints="1" noAdjustHandles="1" noChangeArrowheads="1" noChangeShapeType="1" noTextEdit="1"/>
+          </p:cNvSpPr>
+          <p:nvPr>
+            <p:extLst>
+              <p:ext uri="{386F3935-93C4-4BCD-93E2-E3B085C9AB24}">
+                <p16:designElem xmlns:p16="http://schemas.microsoft.com/office/powerpoint/2015/main" val="1"/>
+              </p:ext>
+            </p:extLst>
+          </p:nvPr>
+        </p:nvSpPr>
+        <p:spPr>
+          <a:xfrm flipH="1">
+            <a:off x="2" y="0"/>
+            <a:ext cx="12191998" cy="1575955"/>
+          </a:xfrm>
+          <a:prstGeom prst="rect">
+            <a:avLst/>
+          </a:prstGeom>
+          <a:gradFill>
+            <a:gsLst>
+              <a:gs pos="0">
+                <a:srgbClr val="000000">
+                  <a:alpha val="96000"/>
+                </a:srgbClr>
+              </a:gs>
+              <a:gs pos="100000">
+                <a:schemeClr val="accent1">
+                  <a:lumMod val="75000"/>
+                </a:schemeClr>
+              </a:gs>
+            </a:gsLst>
+            <a:lin ang="8400000" scaled="0"/>
+          </a:gradFill>
+          <a:ln>
+            <a:noFill/>
+          </a:ln>
+        </p:spPr>
+        <p:style>
+          <a:lnRef idx="2">
+            <a:schemeClr val="accent1">
+              <a:shade val="50000"/>
+            </a:schemeClr>
+          </a:lnRef>
+          <a:fillRef idx="1">
+            <a:schemeClr val="accent1"/>
+          </a:fillRef>
+          <a:effectRef idx="0">
+            <a:schemeClr val="accent1"/>
+          </a:effectRef>
+          <a:fontRef idx="minor">
+            <a:schemeClr val="lt1"/>
+          </a:fontRef>
+        </p:style>
+        <p:txBody>
+          <a:bodyPr rtlCol="0" anchor="ctr"/>
+          <a:lstStyle/>
+          <a:p>
+            <a:pPr algn="ctr"/>
+            <a:endParaRPr lang="en-US"/>
+          </a:p>
+        </p:txBody>
+      </p:sp>
+      <p:sp>
+        <p:nvSpPr>
+          <p:cNvPr id="13" name="Rectangle 12">
+            <a:extLst>
+              <a:ext uri="{FF2B5EF4-FFF2-40B4-BE49-F238E27FC236}">
+                <a16:creationId xmlns:a16="http://schemas.microsoft.com/office/drawing/2014/main" id="{AAD0DBB9-1A4B-4391-81D4-CB19F9AB918A}"/>
+              </a:ext>
+              <a:ext uri="{C183D7F6-B498-43B3-948B-1728B52AA6E4}">
+                <adec:decorative xmlns:adec="http://schemas.microsoft.com/office/drawing/2017/decorative" val="1"/>
+              </a:ext>
+            </a:extLst>
+          </p:cNvPr>
+          <p:cNvSpPr>
+            <a:spLocks noGrp="1" noRot="1" noChangeAspect="1" noMove="1" noResize="1" noEditPoints="1" noAdjustHandles="1" noChangeArrowheads="1" noChangeShapeType="1" noTextEdit="1"/>
+          </p:cNvSpPr>
+          <p:nvPr>
+            <p:extLst>
+              <p:ext uri="{386F3935-93C4-4BCD-93E2-E3B085C9AB24}">
+                <p16:designElem xmlns:p16="http://schemas.microsoft.com/office/powerpoint/2015/main" val="1"/>
+              </p:ext>
+            </p:extLst>
+          </p:nvPr>
+        </p:nvSpPr>
+        <p:spPr>
+          <a:xfrm rot="10800000" flipH="1">
+            <a:off x="8128857" y="0"/>
+            <a:ext cx="4063143" cy="1576412"/>
+          </a:xfrm>
+          <a:prstGeom prst="rect">
+            <a:avLst/>
+          </a:prstGeom>
+          <a:gradFill>
+            <a:gsLst>
+              <a:gs pos="19000">
+                <a:schemeClr val="accent1">
+                  <a:lumMod val="50000"/>
+                  <a:alpha val="68000"/>
+                </a:schemeClr>
+              </a:gs>
+              <a:gs pos="100000">
+                <a:schemeClr val="accent1">
+                  <a:alpha val="79000"/>
+                </a:schemeClr>
+              </a:gs>
+            </a:gsLst>
+            <a:lin ang="19200000" scaled="0"/>
+          </a:gradFill>
+          <a:ln>
+            <a:noFill/>
+          </a:ln>
+        </p:spPr>
+        <p:style>
+          <a:lnRef idx="2">
+            <a:schemeClr val="accent1">
+              <a:shade val="50000"/>
+            </a:schemeClr>
+          </a:lnRef>
+          <a:fillRef idx="1">
+            <a:schemeClr val="accent1"/>
+          </a:fillRef>
+          <a:effectRef idx="0">
+            <a:schemeClr val="accent1"/>
+          </a:effectRef>
+          <a:fontRef idx="minor">
+            <a:schemeClr val="lt1"/>
+          </a:fontRef>
+        </p:style>
+        <p:txBody>
+          <a:bodyPr rtlCol="0" anchor="ctr"/>
+          <a:lstStyle/>
+          <a:p>
+            <a:pPr algn="ctr"/>
+            <a:endParaRPr lang="en-US"/>
+          </a:p>
+        </p:txBody>
+      </p:sp>
+      <p:sp>
+        <p:nvSpPr>
+          <p:cNvPr id="15" name="Rectangle 14">
+            <a:extLst>
+              <a:ext uri="{FF2B5EF4-FFF2-40B4-BE49-F238E27FC236}">
+                <a16:creationId xmlns:a16="http://schemas.microsoft.com/office/drawing/2014/main" id="{063BBA22-50EA-4C4D-BE05-F1CE4E63AA56}"/>
+              </a:ext>
+              <a:ext uri="{C183D7F6-B498-43B3-948B-1728B52AA6E4}">
+                <adec:decorative xmlns:adec="http://schemas.microsoft.com/office/drawing/2017/decorative" val="1"/>
+              </a:ext>
+            </a:extLst>
+          </p:cNvPr>
+          <p:cNvSpPr>
+            <a:spLocks noGrp="1" noRot="1" noChangeAspect="1" noMove="1" noResize="1" noEditPoints="1" noAdjustHandles="1" noChangeArrowheads="1" noChangeShapeType="1" noTextEdit="1"/>
+          </p:cNvSpPr>
+          <p:nvPr>
+            <p:extLst>
+              <p:ext uri="{386F3935-93C4-4BCD-93E2-E3B085C9AB24}">
+                <p16:designElem xmlns:p16="http://schemas.microsoft.com/office/powerpoint/2015/main" val="1"/>
+              </p:ext>
+            </p:extLst>
+          </p:nvPr>
+        </p:nvSpPr>
+        <p:spPr>
+          <a:xfrm rot="5400000">
+            <a:off x="5307777" y="-5307778"/>
+            <a:ext cx="1576446" cy="12192002"/>
+          </a:xfrm>
+          <a:prstGeom prst="rect">
+            <a:avLst/>
+          </a:prstGeom>
+          <a:gradFill>
+            <a:gsLst>
+              <a:gs pos="23000">
+                <a:schemeClr val="accent1">
+                  <a:alpha val="0"/>
+                </a:schemeClr>
+              </a:gs>
+              <a:gs pos="99000">
+                <a:srgbClr val="000000">
+                  <a:alpha val="74000"/>
+                </a:srgbClr>
+              </a:gs>
+            </a:gsLst>
+            <a:lin ang="20400000" scaled="0"/>
+          </a:gradFill>
+          <a:ln>
+            <a:noFill/>
+          </a:ln>
+        </p:spPr>
+        <p:style>
+          <a:lnRef idx="2">
+            <a:schemeClr val="accent1">
+              <a:shade val="50000"/>
+            </a:schemeClr>
+          </a:lnRef>
+          <a:fillRef idx="1">
+            <a:schemeClr val="accent1"/>
+          </a:fillRef>
+          <a:effectRef idx="0">
+            <a:schemeClr val="accent1"/>
+          </a:effectRef>
+          <a:fontRef idx="minor">
+            <a:schemeClr val="lt1"/>
+          </a:fontRef>
+        </p:style>
+        <p:txBody>
+          <a:bodyPr rtlCol="0" anchor="ctr"/>
+          <a:lstStyle/>
+          <a:p>
+            <a:pPr algn="ctr"/>
+            <a:endParaRPr lang="en-US" dirty="0"/>
+          </a:p>
+        </p:txBody>
+      </p:sp>
       <p:sp>
         <p:nvSpPr>
           <p:cNvPr id="2" name="Título 1">
@@ -3743,73 +10450,65 @@
             <p:ph type="title"/>
           </p:nvPr>
         </p:nvSpPr>
-        <p:spPr/>
+        <p:spPr>
+          <a:xfrm>
+            <a:off x="1371597" y="348865"/>
+            <a:ext cx="10044023" cy="877729"/>
+          </a:xfrm>
+        </p:spPr>
         <p:txBody>
-          <a:bodyPr/>
+          <a:bodyPr anchor="ctr">
+            <a:normAutofit/>
+          </a:bodyPr>
           <a:lstStyle/>
           <a:p>
             <a:r>
-              <a:rPr lang="es-CO" dirty="0"/>
+              <a:rPr lang="es-CO" sz="4000">
+                <a:solidFill>
+                  <a:srgbClr val="FFFFFF"/>
+                </a:solidFill>
+              </a:rPr>
               <a:t>Implementación en C# y Unity</a:t>
             </a:r>
-            <a:endParaRPr lang="es-ES" dirty="0"/>
+            <a:endParaRPr lang="es-ES" sz="4000">
+              <a:solidFill>
+                <a:srgbClr val="FFFFFF"/>
+              </a:solidFill>
+            </a:endParaRPr>
           </a:p>
         </p:txBody>
       </p:sp>
-      <p:sp>
-        <p:nvSpPr>
-          <p:cNvPr id="3" name="Marcador de contenido 2">
+      <p:graphicFrame>
+        <p:nvGraphicFramePr>
+          <p:cNvPr id="5" name="Marcador de contenido 2">
             <a:extLst>
               <a:ext uri="{FF2B5EF4-FFF2-40B4-BE49-F238E27FC236}">
-                <a16:creationId xmlns:a16="http://schemas.microsoft.com/office/drawing/2014/main" id="{A67115E6-AA6E-EACE-5908-9C85F34F9C07}"/>
+                <a16:creationId xmlns:a16="http://schemas.microsoft.com/office/drawing/2014/main" id="{3118C68A-9CA1-AD14-EF42-18298A5258E3}"/>
               </a:ext>
             </a:extLst>
           </p:cNvPr>
-          <p:cNvSpPr>
-            <a:spLocks noGrp="1"/>
-          </p:cNvSpPr>
+          <p:cNvGraphicFramePr>
+            <a:graphicFrameLocks noGrp="1"/>
+          </p:cNvGraphicFramePr>
           <p:nvPr>
             <p:ph idx="1"/>
+            <p:extLst>
+              <p:ext uri="{D42A27DB-BD31-4B8C-83A1-F6EECF244321}">
+                <p14:modId xmlns:p14="http://schemas.microsoft.com/office/powerpoint/2010/main" val="2127384361"/>
+              </p:ext>
+            </p:extLst>
           </p:nvPr>
-        </p:nvSpPr>
-        <p:spPr/>
-        <p:txBody>
-          <a:bodyPr/>
-          <a:lstStyle/>
-          <a:p>
-            <a:r>
-              <a:rPr lang="es-MX" dirty="0"/>
-              <a:t>En C#, implementar un </a:t>
-            </a:r>
-            <a:r>
-              <a:rPr lang="es-MX" dirty="0" err="1"/>
-              <a:t>singleton</a:t>
-            </a:r>
-            <a:r>
-              <a:rPr lang="es-MX" dirty="0"/>
-              <a:t> significa crear una clase que solo pueda tener una instancia, y luego permitir que otras partes del código accedan a esa instancia única cuando la necesiten.</a:t>
-            </a:r>
-          </a:p>
-          <a:p>
-            <a:endParaRPr lang="es-MX" dirty="0"/>
-          </a:p>
-          <a:p>
-            <a:r>
-              <a:rPr lang="es-MX" dirty="0"/>
-              <a:t>En Unity, que usa C# para programar juegos, puedes usar </a:t>
-            </a:r>
-            <a:r>
-              <a:rPr lang="es-MX" dirty="0" err="1"/>
-              <a:t>singletons</a:t>
-            </a:r>
-            <a:r>
-              <a:rPr lang="es-MX" dirty="0"/>
-              <a:t> para controlar aspectos clave del juego, como la gestión del progreso o la interfaz del usuario.</a:t>
-            </a:r>
-            <a:endParaRPr lang="es-ES" dirty="0"/>
-          </a:p>
-        </p:txBody>
-      </p:sp>
+        </p:nvGraphicFramePr>
+        <p:xfrm>
+          <a:off x="644056" y="2112579"/>
+          <a:ext cx="10927829" cy="4192805"/>
+        </p:xfrm>
+        <a:graphic>
+          <a:graphicData uri="http://schemas.openxmlformats.org/drawingml/2006/diagram">
+            <dgm:relIds xmlns:dgm="http://schemas.openxmlformats.org/drawingml/2006/diagram" xmlns:r="http://schemas.openxmlformats.org/officeDocument/2006/relationships" r:dm="rId2" r:lo="rId3" r:qs="rId4" r:cs="rId5"/>
+          </a:graphicData>
+        </a:graphic>
+      </p:graphicFrame>
     </p:spTree>
     <p:extLst>
       <p:ext uri="{BB962C8B-B14F-4D97-AF65-F5344CB8AC3E}">
@@ -4197,6 +10896,14 @@
 <file path=ppt/slides/slide6.xml><?xml version="1.0" encoding="utf-8"?>
 <p:sld xmlns:a="http://schemas.openxmlformats.org/drawingml/2006/main" xmlns:r="http://schemas.openxmlformats.org/officeDocument/2006/relationships" xmlns:p="http://schemas.openxmlformats.org/presentationml/2006/main">
   <p:cSld>
+    <p:bg>
+      <p:bgPr>
+        <a:solidFill>
+          <a:schemeClr val="bg1"/>
+        </a:solidFill>
+        <a:effectLst/>
+      </p:bgPr>
+    </p:bg>
     <p:spTree>
       <p:nvGrpSpPr>
         <p:cNvPr id="1" name=""/>
@@ -4211,6 +10918,309 @@
           <a:chExt cx="0" cy="0"/>
         </a:xfrm>
       </p:grpSpPr>
+      <p:sp useBgFill="1">
+        <p:nvSpPr>
+          <p:cNvPr id="2055" name="Rectangle 2054">
+            <a:extLst>
+              <a:ext uri="{FF2B5EF4-FFF2-40B4-BE49-F238E27FC236}">
+                <a16:creationId xmlns:a16="http://schemas.microsoft.com/office/drawing/2014/main" id="{A8384FB5-9ADC-4DDC-881B-597D56F5B15D}"/>
+              </a:ext>
+              <a:ext uri="{C183D7F6-B498-43B3-948B-1728B52AA6E4}">
+                <adec:decorative xmlns:adec="http://schemas.microsoft.com/office/drawing/2017/decorative" val="1"/>
+              </a:ext>
+            </a:extLst>
+          </p:cNvPr>
+          <p:cNvSpPr>
+            <a:spLocks noGrp="1" noRot="1" noChangeAspect="1" noMove="1" noResize="1" noEditPoints="1" noAdjustHandles="1" noChangeArrowheads="1" noChangeShapeType="1" noTextEdit="1"/>
+          </p:cNvSpPr>
+          <p:nvPr>
+            <p:extLst>
+              <p:ext uri="{386F3935-93C4-4BCD-93E2-E3B085C9AB24}">
+                <p16:designElem xmlns:p16="http://schemas.microsoft.com/office/powerpoint/2015/main" val="1"/>
+              </p:ext>
+            </p:extLst>
+          </p:nvPr>
+        </p:nvSpPr>
+        <p:spPr>
+          <a:xfrm>
+            <a:off x="0" y="0"/>
+            <a:ext cx="12192000" cy="6858000"/>
+          </a:xfrm>
+          <a:prstGeom prst="rect">
+            <a:avLst/>
+          </a:prstGeom>
+          <a:ln w="12700" cap="flat" cmpd="sng" algn="ctr">
+            <a:noFill/>
+            <a:prstDash val="solid"/>
+            <a:miter lim="800000"/>
+          </a:ln>
+          <a:effectLst/>
+          <a:extLst>
+            <a:ext uri="{91240B29-F687-4F45-9708-019B960494DF}">
+              <a14:hiddenLine xmlns:a14="http://schemas.microsoft.com/office/drawing/2010/main" w="12700" cap="flat" cmpd="sng" algn="ctr">
+                <a:solidFill>
+                  <a:schemeClr val="accent1">
+                    <a:shade val="50000"/>
+                  </a:schemeClr>
+                </a:solidFill>
+                <a:prstDash val="solid"/>
+                <a:miter lim="800000"/>
+              </a14:hiddenLine>
+            </a:ext>
+          </a:extLst>
+        </p:spPr>
+        <p:style>
+          <a:lnRef idx="2">
+            <a:schemeClr val="accent1">
+              <a:shade val="50000"/>
+            </a:schemeClr>
+          </a:lnRef>
+          <a:fillRef idx="1">
+            <a:schemeClr val="accent1"/>
+          </a:fillRef>
+          <a:effectRef idx="0">
+            <a:schemeClr val="accent1"/>
+          </a:effectRef>
+          <a:fontRef idx="minor">
+            <a:schemeClr val="lt1"/>
+          </a:fontRef>
+        </p:style>
+        <p:txBody>
+          <a:bodyPr rtlCol="0" anchor="ctr"/>
+          <a:lstStyle/>
+          <a:p>
+            <a:pPr algn="ctr"/>
+            <a:endParaRPr lang="en-US"/>
+          </a:p>
+        </p:txBody>
+      </p:sp>
+      <p:sp>
+        <p:nvSpPr>
+          <p:cNvPr id="2057" name="Rectangle 2056">
+            <a:extLst>
+              <a:ext uri="{FF2B5EF4-FFF2-40B4-BE49-F238E27FC236}">
+                <a16:creationId xmlns:a16="http://schemas.microsoft.com/office/drawing/2014/main" id="{1199E1B1-A8C0-4FE8-A5A8-1CB41D69F857}"/>
+              </a:ext>
+              <a:ext uri="{C183D7F6-B498-43B3-948B-1728B52AA6E4}">
+                <adec:decorative xmlns:adec="http://schemas.microsoft.com/office/drawing/2017/decorative" val="1"/>
+              </a:ext>
+            </a:extLst>
+          </p:cNvPr>
+          <p:cNvSpPr>
+            <a:spLocks noGrp="1" noRot="1" noChangeAspect="1" noMove="1" noResize="1" noEditPoints="1" noAdjustHandles="1" noChangeArrowheads="1" noChangeShapeType="1" noTextEdit="1"/>
+          </p:cNvSpPr>
+          <p:nvPr>
+            <p:extLst>
+              <p:ext uri="{386F3935-93C4-4BCD-93E2-E3B085C9AB24}">
+                <p16:designElem xmlns:p16="http://schemas.microsoft.com/office/powerpoint/2015/main" val="1"/>
+              </p:ext>
+            </p:extLst>
+          </p:nvPr>
+        </p:nvSpPr>
+        <p:spPr>
+          <a:xfrm rot="10800000" flipH="1">
+            <a:off x="2" y="0"/>
+            <a:ext cx="12191998" cy="1575955"/>
+          </a:xfrm>
+          <a:prstGeom prst="rect">
+            <a:avLst/>
+          </a:prstGeom>
+          <a:gradFill>
+            <a:gsLst>
+              <a:gs pos="0">
+                <a:srgbClr val="000000">
+                  <a:alpha val="96000"/>
+                </a:srgbClr>
+              </a:gs>
+              <a:gs pos="100000">
+                <a:schemeClr val="accent1">
+                  <a:lumMod val="75000"/>
+                </a:schemeClr>
+              </a:gs>
+            </a:gsLst>
+            <a:lin ang="6000000" scaled="0"/>
+          </a:gradFill>
+          <a:ln>
+            <a:noFill/>
+          </a:ln>
+        </p:spPr>
+        <p:style>
+          <a:lnRef idx="2">
+            <a:schemeClr val="accent1">
+              <a:shade val="50000"/>
+            </a:schemeClr>
+          </a:lnRef>
+          <a:fillRef idx="1">
+            <a:schemeClr val="accent1"/>
+          </a:fillRef>
+          <a:effectRef idx="0">
+            <a:schemeClr val="accent1"/>
+          </a:effectRef>
+          <a:fontRef idx="minor">
+            <a:schemeClr val="lt1"/>
+          </a:fontRef>
+        </p:style>
+        <p:txBody>
+          <a:bodyPr rtlCol="0" anchor="ctr"/>
+          <a:lstStyle/>
+          <a:p>
+            <a:pPr algn="ctr"/>
+            <a:endParaRPr lang="en-US"/>
+          </a:p>
+        </p:txBody>
+      </p:sp>
+      <p:sp>
+        <p:nvSpPr>
+          <p:cNvPr id="2059" name="Rectangle 2058">
+            <a:extLst>
+              <a:ext uri="{FF2B5EF4-FFF2-40B4-BE49-F238E27FC236}">
+                <a16:creationId xmlns:a16="http://schemas.microsoft.com/office/drawing/2014/main" id="{84A8DE83-DE75-4B41-9DB4-A7EC0B0DEC0B}"/>
+              </a:ext>
+              <a:ext uri="{C183D7F6-B498-43B3-948B-1728B52AA6E4}">
+                <adec:decorative xmlns:adec="http://schemas.microsoft.com/office/drawing/2017/decorative" val="1"/>
+              </a:ext>
+            </a:extLst>
+          </p:cNvPr>
+          <p:cNvSpPr>
+            <a:spLocks noGrp="1" noRot="1" noChangeAspect="1" noMove="1" noResize="1" noEditPoints="1" noAdjustHandles="1" noChangeArrowheads="1" noChangeShapeType="1" noTextEdit="1"/>
+          </p:cNvSpPr>
+          <p:nvPr>
+            <p:extLst>
+              <p:ext uri="{386F3935-93C4-4BCD-93E2-E3B085C9AB24}">
+                <p16:designElem xmlns:p16="http://schemas.microsoft.com/office/powerpoint/2015/main" val="1"/>
+              </p:ext>
+            </p:extLst>
+          </p:nvPr>
+        </p:nvSpPr>
+        <p:spPr>
+          <a:xfrm>
+            <a:off x="0" y="0"/>
+            <a:ext cx="8128856" cy="1575461"/>
+          </a:xfrm>
+          <a:prstGeom prst="rect">
+            <a:avLst/>
+          </a:prstGeom>
+          <a:gradFill>
+            <a:gsLst>
+              <a:gs pos="0">
+                <a:schemeClr val="accent1">
+                  <a:alpha val="41000"/>
+                </a:schemeClr>
+              </a:gs>
+              <a:gs pos="74000">
+                <a:schemeClr val="accent1">
+                  <a:lumMod val="60000"/>
+                  <a:lumOff val="40000"/>
+                  <a:alpha val="0"/>
+                </a:schemeClr>
+              </a:gs>
+            </a:gsLst>
+            <a:lin ang="8400000" scaled="0"/>
+          </a:gradFill>
+          <a:ln>
+            <a:noFill/>
+          </a:ln>
+        </p:spPr>
+        <p:style>
+          <a:lnRef idx="2">
+            <a:schemeClr val="accent1">
+              <a:shade val="50000"/>
+            </a:schemeClr>
+          </a:lnRef>
+          <a:fillRef idx="1">
+            <a:schemeClr val="accent1"/>
+          </a:fillRef>
+          <a:effectRef idx="0">
+            <a:schemeClr val="accent1"/>
+          </a:effectRef>
+          <a:fontRef idx="minor">
+            <a:schemeClr val="lt1"/>
+          </a:fontRef>
+        </p:style>
+        <p:txBody>
+          <a:bodyPr rtlCol="0" anchor="ctr"/>
+          <a:lstStyle/>
+          <a:p>
+            <a:pPr algn="ctr"/>
+            <a:endParaRPr lang="en-US"/>
+          </a:p>
+        </p:txBody>
+      </p:sp>
+      <p:sp>
+        <p:nvSpPr>
+          <p:cNvPr id="2061" name="Rectangle 2060">
+            <a:extLst>
+              <a:ext uri="{FF2B5EF4-FFF2-40B4-BE49-F238E27FC236}">
+                <a16:creationId xmlns:a16="http://schemas.microsoft.com/office/drawing/2014/main" id="{A7009A0A-BEF5-4EAC-AF15-E4F9F002E239}"/>
+              </a:ext>
+              <a:ext uri="{C183D7F6-B498-43B3-948B-1728B52AA6E4}">
+                <adec:decorative xmlns:adec="http://schemas.microsoft.com/office/drawing/2017/decorative" val="1"/>
+              </a:ext>
+            </a:extLst>
+          </p:cNvPr>
+          <p:cNvSpPr>
+            <a:spLocks noGrp="1" noRot="1" noChangeAspect="1" noMove="1" noResize="1" noEditPoints="1" noAdjustHandles="1" noChangeArrowheads="1" noChangeShapeType="1" noTextEdit="1"/>
+          </p:cNvSpPr>
+          <p:nvPr>
+            <p:extLst>
+              <p:ext uri="{386F3935-93C4-4BCD-93E2-E3B085C9AB24}">
+                <p16:designElem xmlns:p16="http://schemas.microsoft.com/office/powerpoint/2015/main" val="1"/>
+              </p:ext>
+            </p:extLst>
+          </p:nvPr>
+        </p:nvSpPr>
+        <p:spPr>
+          <a:xfrm flipH="1">
+            <a:off x="-3" y="-1"/>
+            <a:ext cx="12192002" cy="1574311"/>
+          </a:xfrm>
+          <a:prstGeom prst="rect">
+            <a:avLst/>
+          </a:prstGeom>
+          <a:gradFill>
+            <a:gsLst>
+              <a:gs pos="0">
+                <a:srgbClr val="000000">
+                  <a:alpha val="63000"/>
+                </a:srgbClr>
+              </a:gs>
+              <a:gs pos="78000">
+                <a:schemeClr val="accent1">
+                  <a:alpha val="15000"/>
+                </a:schemeClr>
+              </a:gs>
+            </a:gsLst>
+            <a:lin ang="15600000" scaled="0"/>
+          </a:gradFill>
+          <a:ln>
+            <a:noFill/>
+          </a:ln>
+        </p:spPr>
+        <p:style>
+          <a:lnRef idx="2">
+            <a:schemeClr val="accent1">
+              <a:shade val="50000"/>
+            </a:schemeClr>
+          </a:lnRef>
+          <a:fillRef idx="1">
+            <a:schemeClr val="accent1"/>
+          </a:fillRef>
+          <a:effectRef idx="0">
+            <a:schemeClr val="accent1"/>
+          </a:effectRef>
+          <a:fontRef idx="minor">
+            <a:schemeClr val="lt1"/>
+          </a:fontRef>
+        </p:style>
+        <p:txBody>
+          <a:bodyPr rtlCol="0" anchor="ctr"/>
+          <a:lstStyle/>
+          <a:p>
+            <a:pPr algn="ctr"/>
+            <a:endParaRPr lang="en-US"/>
+          </a:p>
+        </p:txBody>
+      </p:sp>
       <p:sp>
         <p:nvSpPr>
           <p:cNvPr id="2" name="Título 1">
@@ -4227,16 +11237,29 @@
             <p:ph type="title"/>
           </p:nvPr>
         </p:nvSpPr>
-        <p:spPr/>
+        <p:spPr>
+          <a:xfrm>
+            <a:off x="699713" y="248038"/>
+            <a:ext cx="7063721" cy="1159200"/>
+          </a:xfrm>
+        </p:spPr>
         <p:txBody>
-          <a:bodyPr/>
+          <a:bodyPr vert="horz" lIns="91440" tIns="45720" rIns="91440" bIns="45720" rtlCol="0" anchor="ctr">
+            <a:normAutofit/>
+          </a:bodyPr>
           <a:lstStyle/>
           <a:p>
             <a:r>
-              <a:rPr lang="es-CO" dirty="0"/>
+              <a:rPr lang="en-US" sz="4000" kern="1200">
+                <a:solidFill>
+                  <a:srgbClr val="FFFFFF"/>
+                </a:solidFill>
+                <a:latin typeface="+mj-lt"/>
+                <a:ea typeface="+mj-ea"/>
+                <a:cs typeface="+mj-cs"/>
+              </a:rPr>
               <a:t>Diagrama de Clases</a:t>
             </a:r>
-            <a:endParaRPr lang="es-ES" dirty="0"/>
           </a:p>
         </p:txBody>
       </p:sp>
@@ -4262,15 +11285,14 @@
               </a:ext>
             </a:extLst>
           </a:blip>
-          <a:srcRect/>
           <a:stretch>
             <a:fillRect/>
           </a:stretch>
         </p:blipFill>
         <p:spPr bwMode="auto">
           <a:xfrm>
-            <a:off x="2043112" y="1533525"/>
-            <a:ext cx="8105775" cy="3790950"/>
+            <a:off x="1334330" y="1966293"/>
+            <a:ext cx="9523339" cy="4452160"/>
           </a:xfrm>
           <a:prstGeom prst="rect">
             <a:avLst/>
@@ -4303,6 +11325,14 @@
 <file path=ppt/slides/slide7.xml><?xml version="1.0" encoding="utf-8"?>
 <p:sld xmlns:a="http://schemas.openxmlformats.org/drawingml/2006/main" xmlns:r="http://schemas.openxmlformats.org/officeDocument/2006/relationships" xmlns:p="http://schemas.openxmlformats.org/presentationml/2006/main">
   <p:cSld>
+    <p:bg>
+      <p:bgPr>
+        <a:solidFill>
+          <a:schemeClr val="bg1"/>
+        </a:solidFill>
+        <a:effectLst/>
+      </p:bgPr>
+    </p:bg>
     <p:spTree>
       <p:nvGrpSpPr>
         <p:cNvPr id="1" name=""/>
@@ -4317,6 +11347,66 @@
           <a:chExt cx="0" cy="0"/>
         </a:xfrm>
       </p:grpSpPr>
+      <p:sp useBgFill="1">
+        <p:nvSpPr>
+          <p:cNvPr id="12" name="Rectangle 11">
+            <a:extLst>
+              <a:ext uri="{FF2B5EF4-FFF2-40B4-BE49-F238E27FC236}">
+                <a16:creationId xmlns:a16="http://schemas.microsoft.com/office/drawing/2014/main" id="{5D7F64A8-D625-4F61-A290-B499BB62ACFF}"/>
+              </a:ext>
+              <a:ext uri="{C183D7F6-B498-43B3-948B-1728B52AA6E4}">
+                <adec:decorative xmlns:adec="http://schemas.microsoft.com/office/drawing/2017/decorative" val="1"/>
+              </a:ext>
+            </a:extLst>
+          </p:cNvPr>
+          <p:cNvSpPr>
+            <a:spLocks noGrp="1" noRot="1" noChangeAspect="1" noMove="1" noResize="1" noEditPoints="1" noAdjustHandles="1" noChangeArrowheads="1" noChangeShapeType="1" noTextEdit="1"/>
+          </p:cNvSpPr>
+          <p:nvPr>
+            <p:extLst>
+              <p:ext uri="{386F3935-93C4-4BCD-93E2-E3B085C9AB24}">
+                <p16:designElem xmlns:p16="http://schemas.microsoft.com/office/powerpoint/2015/main" val="1"/>
+              </p:ext>
+            </p:extLst>
+          </p:nvPr>
+        </p:nvSpPr>
+        <p:spPr>
+          <a:xfrm>
+            <a:off x="0" y="0"/>
+            <a:ext cx="12188952" cy="6858000"/>
+          </a:xfrm>
+          <a:prstGeom prst="rect">
+            <a:avLst/>
+          </a:prstGeom>
+          <a:ln>
+            <a:noFill/>
+          </a:ln>
+        </p:spPr>
+        <p:style>
+          <a:lnRef idx="2">
+            <a:schemeClr val="accent1">
+              <a:shade val="50000"/>
+            </a:schemeClr>
+          </a:lnRef>
+          <a:fillRef idx="1">
+            <a:schemeClr val="accent1"/>
+          </a:fillRef>
+          <a:effectRef idx="0">
+            <a:schemeClr val="accent1"/>
+          </a:effectRef>
+          <a:fontRef idx="minor">
+            <a:schemeClr val="lt1"/>
+          </a:fontRef>
+        </p:style>
+        <p:txBody>
+          <a:bodyPr rtlCol="0" anchor="ctr"/>
+          <a:lstStyle/>
+          <a:p>
+            <a:pPr algn="ctr"/>
+            <a:endParaRPr lang="en-US"/>
+          </a:p>
+        </p:txBody>
+      </p:sp>
       <p:sp>
         <p:nvSpPr>
           <p:cNvPr id="2" name="Título 1">
@@ -4333,19 +11423,65 @@
             <p:ph type="title"/>
           </p:nvPr>
         </p:nvSpPr>
-        <p:spPr/>
+        <p:spPr>
+          <a:xfrm>
+            <a:off x="2187363" y="1671569"/>
+            <a:ext cx="5801917" cy="2228760"/>
+          </a:xfrm>
+        </p:spPr>
         <p:txBody>
-          <a:bodyPr/>
+          <a:bodyPr anchor="b">
+            <a:normAutofit/>
+          </a:bodyPr>
           <a:lstStyle/>
           <a:p>
             <a:r>
-              <a:rPr lang="es-CO" dirty="0"/>
+              <a:rPr lang="es-CO" sz="4000"/>
               <a:t>Ciclo de vida de un script en Unity</a:t>
             </a:r>
-            <a:endParaRPr lang="es-ES" dirty="0"/>
+            <a:endParaRPr lang="es-ES" sz="4000"/>
           </a:p>
         </p:txBody>
       </p:sp>
+      <p:pic>
+        <p:nvPicPr>
+          <p:cNvPr id="7" name="Graphic 6" descr="Marca de verificación">
+            <a:extLst>
+              <a:ext uri="{FF2B5EF4-FFF2-40B4-BE49-F238E27FC236}">
+                <a16:creationId xmlns:a16="http://schemas.microsoft.com/office/drawing/2014/main" id="{06364C06-7C9D-6630-2BB5-8EA50D92262F}"/>
+              </a:ext>
+            </a:extLst>
+          </p:cNvPr>
+          <p:cNvPicPr>
+            <a:picLocks noChangeAspect="1"/>
+          </p:cNvPicPr>
+          <p:nvPr/>
+        </p:nvPicPr>
+        <p:blipFill>
+          <a:blip r:embed="rId2">
+            <a:extLst>
+              <a:ext uri="{28A0092B-C50C-407E-A947-70E740481C1C}">
+                <a14:useLocalDpi xmlns:a14="http://schemas.microsoft.com/office/drawing/2010/main" val="0"/>
+              </a:ext>
+              <a:ext uri="{96DAC541-7B7A-43D3-8B79-37D633B846F1}">
+                <asvg:svgBlip xmlns:asvg="http://schemas.microsoft.com/office/drawing/2016/SVG/main" r:embed="rId3"/>
+              </a:ext>
+            </a:extLst>
+          </a:blip>
+          <a:stretch>
+            <a:fillRect/>
+          </a:stretch>
+        </p:blipFill>
+        <p:spPr>
+          <a:xfrm>
+            <a:off x="736948" y="2694018"/>
+            <a:ext cx="1198532" cy="1198532"/>
+          </a:xfrm>
+          <a:prstGeom prst="rect">
+            <a:avLst/>
+          </a:prstGeom>
+        </p:spPr>
+      </p:pic>
       <p:sp>
         <p:nvSpPr>
           <p:cNvPr id="3" name="Marcador de contenido 2">
@@ -4362,9 +11498,16 @@
             <p:ph idx="1"/>
           </p:nvPr>
         </p:nvSpPr>
-        <p:spPr/>
+        <p:spPr>
+          <a:xfrm>
+            <a:off x="2187364" y="4072044"/>
+            <a:ext cx="5801917" cy="2057045"/>
+          </a:xfrm>
+        </p:spPr>
         <p:txBody>
-          <a:bodyPr/>
+          <a:bodyPr>
+            <a:normAutofit/>
+          </a:bodyPr>
           <a:lstStyle/>
           <a:p>
             <a:pPr marL="514350" indent="-514350">
@@ -4372,7 +11515,7 @@
               <a:buAutoNum type="arabicPeriod"/>
             </a:pPr>
             <a:r>
-              <a:rPr lang="es-ES" dirty="0"/>
+              <a:rPr lang="es-ES" sz="2000"/>
               <a:t>Inicialización</a:t>
             </a:r>
           </a:p>
@@ -4382,7 +11525,7 @@
               <a:buAutoNum type="arabicPeriod"/>
             </a:pPr>
             <a:r>
-              <a:rPr lang="es-ES" dirty="0"/>
+              <a:rPr lang="es-ES" sz="2000"/>
               <a:t>Activación</a:t>
             </a:r>
           </a:p>
@@ -4392,14 +11535,9 @@
               <a:buAutoNum type="arabicPeriod"/>
             </a:pPr>
             <a:r>
-              <a:rPr lang="es-ES" dirty="0"/>
-              <a:t>Actualización por </a:t>
+              <a:rPr lang="es-ES" sz="2000"/>
+              <a:t>Actualización por Frame</a:t>
             </a:r>
-            <a:r>
-              <a:rPr lang="es-ES" dirty="0" err="1"/>
-              <a:t>Frame</a:t>
-            </a:r>
-            <a:endParaRPr lang="es-ES" dirty="0"/>
           </a:p>
           <a:p>
             <a:pPr marL="514350" indent="-514350">
@@ -4407,7 +11545,7 @@
               <a:buAutoNum type="arabicPeriod"/>
             </a:pPr>
             <a:r>
-              <a:rPr lang="es-ES" dirty="0"/>
+              <a:rPr lang="es-ES" sz="2000"/>
               <a:t>Desactivación</a:t>
             </a:r>
           </a:p>
@@ -4417,12 +11555,61 @@
               <a:buAutoNum type="arabicPeriod"/>
             </a:pPr>
             <a:r>
-              <a:rPr lang="es-ES" dirty="0"/>
+              <a:rPr lang="es-ES" sz="2000"/>
               <a:t>Finalización</a:t>
             </a:r>
           </a:p>
         </p:txBody>
       </p:sp>
+      <p:pic>
+        <p:nvPicPr>
+          <p:cNvPr id="9" name="Graphic 8" descr="Marca de verificación">
+            <a:extLst>
+              <a:ext uri="{FF2B5EF4-FFF2-40B4-BE49-F238E27FC236}">
+                <a16:creationId xmlns:a16="http://schemas.microsoft.com/office/drawing/2014/main" id="{9BAF4681-81F5-4DB8-B198-3D032F489A8C}"/>
+              </a:ext>
+              <a:ext uri="{C183D7F6-B498-43B3-948B-1728B52AA6E4}">
+                <adec:decorative xmlns:adec="http://schemas.microsoft.com/office/drawing/2017/decorative" val="1"/>
+              </a:ext>
+            </a:extLst>
+          </p:cNvPr>
+          <p:cNvPicPr>
+            <a:picLocks noGrp="1" noRot="1" noChangeAspect="1" noMove="1" noResize="1" noEditPoints="1" noAdjustHandles="1" noChangeArrowheads="1" noChangeShapeType="1" noCrop="1"/>
+          </p:cNvPicPr>
+          <p:nvPr>
+            <p:extLst>
+              <p:ext uri="{386F3935-93C4-4BCD-93E2-E3B085C9AB24}">
+                <p16:designElem xmlns:p16="http://schemas.microsoft.com/office/powerpoint/2015/main" val="1"/>
+              </p:ext>
+            </p:extLst>
+          </p:nvPr>
+        </p:nvPicPr>
+        <p:blipFill>
+          <a:blip r:embed="rId2">
+            <a:alphaModFix amt="15000"/>
+            <a:extLst>
+              <a:ext uri="{28A0092B-C50C-407E-A947-70E740481C1C}">
+                <a14:useLocalDpi xmlns:a14="http://schemas.microsoft.com/office/drawing/2010/main" val="0"/>
+              </a:ext>
+              <a:ext uri="{96DAC541-7B7A-43D3-8B79-37D633B846F1}">
+                <asvg:svgBlip xmlns:asvg="http://schemas.microsoft.com/office/drawing/2016/SVG/main" r:embed="rId3"/>
+              </a:ext>
+            </a:extLst>
+          </a:blip>
+          <a:stretch>
+            <a:fillRect/>
+          </a:stretch>
+        </p:blipFill>
+        <p:spPr>
+          <a:xfrm>
+            <a:off x="6641431" y="816337"/>
+            <a:ext cx="5225327" cy="5225327"/>
+          </a:xfrm>
+          <a:prstGeom prst="rect">
+            <a:avLst/>
+          </a:prstGeom>
+        </p:spPr>
+      </p:pic>
     </p:spTree>
     <p:extLst>
       <p:ext uri="{BB962C8B-B14F-4D97-AF65-F5344CB8AC3E}">

--- a/Taller Nicolas Hoyos  y Mariana Gomez.pptx
+++ b/Taller Nicolas Hoyos  y Mariana Gomez.pptx
@@ -9138,6 +9138,18 @@
   <p:clrMapOvr>
     <a:masterClrMapping/>
   </p:clrMapOvr>
+  <mc:AlternateContent xmlns:mc="http://schemas.openxmlformats.org/markup-compatibility/2006">
+    <mc:Choice xmlns:p14="http://schemas.microsoft.com/office/powerpoint/2010/main" Requires="p14">
+      <p:transition spd="slow" p14:dur="2000">
+        <p14:ferris dir="l"/>
+      </p:transition>
+    </mc:Choice>
+    <mc:Fallback>
+      <p:transition spd="slow">
+        <p:fade/>
+      </p:transition>
+    </mc:Fallback>
+  </mc:AlternateContent>
 </p:sld>
 </file>
 
@@ -9553,6 +9565,18 @@
   <p:clrMapOvr>
     <a:masterClrMapping/>
   </p:clrMapOvr>
+  <mc:AlternateContent xmlns:mc="http://schemas.openxmlformats.org/markup-compatibility/2006">
+    <mc:Choice xmlns:p15="http://schemas.microsoft.com/office/powerpoint/2012/main" Requires="p15">
+      <p:transition xmlns:p14="http://schemas.microsoft.com/office/powerpoint/2010/main" spd="slow" p14:dur="2000">
+        <p15:prstTrans prst="drape"/>
+      </p:transition>
+    </mc:Choice>
+    <mc:Fallback>
+      <p:transition spd="slow">
+        <p:fade/>
+      </p:transition>
+    </mc:Fallback>
+  </mc:AlternateContent>
 </p:sld>
 </file>
 
@@ -10104,6 +10128,18 @@
   <p:clrMapOvr>
     <a:masterClrMapping/>
   </p:clrMapOvr>
+  <mc:AlternateContent xmlns:mc="http://schemas.openxmlformats.org/markup-compatibility/2006">
+    <mc:Choice xmlns:p15="http://schemas.microsoft.com/office/powerpoint/2012/main" Requires="p15">
+      <p:transition xmlns:p14="http://schemas.microsoft.com/office/powerpoint/2010/main" spd="slow" p14:dur="2000">
+        <p15:prstTrans prst="crush"/>
+      </p:transition>
+    </mc:Choice>
+    <mc:Fallback>
+      <p:transition spd="slow">
+        <p:fade/>
+      </p:transition>
+    </mc:Fallback>
+  </mc:AlternateContent>
 </p:sld>
 </file>
 
@@ -10519,6 +10555,18 @@
   <p:clrMapOvr>
     <a:masterClrMapping/>
   </p:clrMapOvr>
+  <mc:AlternateContent xmlns:mc="http://schemas.openxmlformats.org/markup-compatibility/2006">
+    <mc:Choice xmlns:p15="http://schemas.microsoft.com/office/powerpoint/2012/main" Requires="p15">
+      <p:transition xmlns:p14="http://schemas.microsoft.com/office/powerpoint/2010/main" spd="slow" p14:dur="3250">
+        <p15:prstTrans prst="origami"/>
+      </p:transition>
+    </mc:Choice>
+    <mc:Fallback>
+      <p:transition spd="slow">
+        <p:fade/>
+      </p:transition>
+    </mc:Fallback>
+  </mc:AlternateContent>
 </p:sld>
 </file>
 

--- a/Taller Nicolas Hoyos  y Mariana Gomez.pptx
+++ b/Taller Nicolas Hoyos  y Mariana Gomez.pptx
@@ -9138,13 +9138,13 @@
   <p:clrMapOvr>
     <a:masterClrMapping/>
   </p:clrMapOvr>
-  <mc:AlternateContent xmlns:mc="http://schemas.openxmlformats.org/markup-compatibility/2006">
-    <mc:Choice xmlns:p14="http://schemas.microsoft.com/office/powerpoint/2010/main" Requires="p14">
+  <mc:AlternateContent xmlns:mc="http://schemas.openxmlformats.org/markup-compatibility/2006" xmlns:p14="http://schemas.microsoft.com/office/powerpoint/2010/main">
+    <mc:Choice Requires="p14">
       <p:transition spd="slow" p14:dur="2000">
         <p14:ferris dir="l"/>
       </p:transition>
     </mc:Choice>
-    <mc:Fallback>
+    <mc:Fallback xmlns="">
       <p:transition spd="slow">
         <p:fade/>
       </p:transition>
@@ -9565,13 +9565,13 @@
   <p:clrMapOvr>
     <a:masterClrMapping/>
   </p:clrMapOvr>
-  <mc:AlternateContent xmlns:mc="http://schemas.openxmlformats.org/markup-compatibility/2006">
-    <mc:Choice xmlns:p15="http://schemas.microsoft.com/office/powerpoint/2012/main" Requires="p15">
+  <mc:AlternateContent xmlns:mc="http://schemas.openxmlformats.org/markup-compatibility/2006" xmlns:p15="http://schemas.microsoft.com/office/powerpoint/2012/main">
+    <mc:Choice Requires="p15">
       <p:transition xmlns:p14="http://schemas.microsoft.com/office/powerpoint/2010/main" spd="slow" p14:dur="2000">
         <p15:prstTrans prst="drape"/>
       </p:transition>
     </mc:Choice>
-    <mc:Fallback>
+    <mc:Fallback xmlns="">
       <p:transition spd="slow">
         <p:fade/>
       </p:transition>
@@ -10128,13 +10128,13 @@
   <p:clrMapOvr>
     <a:masterClrMapping/>
   </p:clrMapOvr>
-  <mc:AlternateContent xmlns:mc="http://schemas.openxmlformats.org/markup-compatibility/2006">
-    <mc:Choice xmlns:p15="http://schemas.microsoft.com/office/powerpoint/2012/main" Requires="p15">
+  <mc:AlternateContent xmlns:mc="http://schemas.openxmlformats.org/markup-compatibility/2006" xmlns:p15="http://schemas.microsoft.com/office/powerpoint/2012/main">
+    <mc:Choice Requires="p15">
       <p:transition xmlns:p14="http://schemas.microsoft.com/office/powerpoint/2010/main" spd="slow" p14:dur="2000">
         <p15:prstTrans prst="crush"/>
       </p:transition>
     </mc:Choice>
-    <mc:Fallback>
+    <mc:Fallback xmlns="">
       <p:transition spd="slow">
         <p:fade/>
       </p:transition>
@@ -10555,13 +10555,13 @@
   <p:clrMapOvr>
     <a:masterClrMapping/>
   </p:clrMapOvr>
-  <mc:AlternateContent xmlns:mc="http://schemas.openxmlformats.org/markup-compatibility/2006">
-    <mc:Choice xmlns:p15="http://schemas.microsoft.com/office/powerpoint/2012/main" Requires="p15">
+  <mc:AlternateContent xmlns:mc="http://schemas.openxmlformats.org/markup-compatibility/2006" xmlns:p15="http://schemas.microsoft.com/office/powerpoint/2012/main">
+    <mc:Choice Requires="p15">
       <p:transition xmlns:p14="http://schemas.microsoft.com/office/powerpoint/2010/main" spd="slow" p14:dur="3250">
         <p15:prstTrans prst="origami"/>
       </p:transition>
     </mc:Choice>
-    <mc:Fallback>
+    <mc:Fallback xmlns="">
       <p:transition spd="slow">
         <p:fade/>
       </p:transition>
@@ -10938,6 +10938,18 @@
   <p:clrMapOvr>
     <a:masterClrMapping/>
   </p:clrMapOvr>
+  <mc:AlternateContent xmlns:mc="http://schemas.openxmlformats.org/markup-compatibility/2006">
+    <mc:Choice xmlns:p14="http://schemas.microsoft.com/office/powerpoint/2010/main" Requires="p14">
+      <p:transition spd="slow" p14:dur="2500">
+        <p:checker/>
+      </p:transition>
+    </mc:Choice>
+    <mc:Fallback>
+      <p:transition spd="slow">
+        <p:checker/>
+      </p:transition>
+    </mc:Fallback>
+  </mc:AlternateContent>
 </p:sld>
 </file>
 
@@ -11367,6 +11379,18 @@
   <p:clrMapOvr>
     <a:masterClrMapping/>
   </p:clrMapOvr>
+  <mc:AlternateContent xmlns:mc="http://schemas.openxmlformats.org/markup-compatibility/2006">
+    <mc:Choice xmlns:p15="http://schemas.microsoft.com/office/powerpoint/2012/main" Requires="p15">
+      <p:transition xmlns:p14="http://schemas.microsoft.com/office/powerpoint/2010/main" spd="slow" p14:dur="2000">
+        <p15:prstTrans prst="prestige"/>
+      </p:transition>
+    </mc:Choice>
+    <mc:Fallback>
+      <p:transition spd="slow">
+        <p:fade/>
+      </p:transition>
+    </mc:Fallback>
+  </mc:AlternateContent>
 </p:sld>
 </file>
 
@@ -11668,6 +11692,18 @@
   <p:clrMapOvr>
     <a:masterClrMapping/>
   </p:clrMapOvr>
+  <mc:AlternateContent xmlns:mc="http://schemas.openxmlformats.org/markup-compatibility/2006">
+    <mc:Choice xmlns:p15="http://schemas.microsoft.com/office/powerpoint/2012/main" Requires="p15">
+      <p:transition xmlns:p14="http://schemas.microsoft.com/office/powerpoint/2010/main" spd="slow" p14:dur="2000">
+        <p15:prstTrans prst="fallOver"/>
+      </p:transition>
+    </mc:Choice>
+    <mc:Fallback>
+      <p:transition spd="slow">
+        <p:fade/>
+      </p:transition>
+    </mc:Fallback>
+  </mc:AlternateContent>
 </p:sld>
 </file>
 

--- a/Taller Nicolas Hoyos  y Mariana Gomez.pptx
+++ b/Taller Nicolas Hoyos  y Mariana Gomez.pptx
@@ -12,6 +12,7 @@
     <p:sldId id="260" r:id="rId6"/>
     <p:sldId id="261" r:id="rId7"/>
     <p:sldId id="262" r:id="rId8"/>
+    <p:sldId id="263" r:id="rId9"/>
   </p:sldIdLst>
   <p:sldSz cx="12192000" cy="6858000"/>
   <p:notesSz cx="6858000" cy="9144000"/>
@@ -10938,13 +10939,13 @@
   <p:clrMapOvr>
     <a:masterClrMapping/>
   </p:clrMapOvr>
-  <mc:AlternateContent xmlns:mc="http://schemas.openxmlformats.org/markup-compatibility/2006">
-    <mc:Choice xmlns:p14="http://schemas.microsoft.com/office/powerpoint/2010/main" Requires="p14">
+  <mc:AlternateContent xmlns:mc="http://schemas.openxmlformats.org/markup-compatibility/2006" xmlns:p14="http://schemas.microsoft.com/office/powerpoint/2010/main">
+    <mc:Choice Requires="p14">
       <p:transition spd="slow" p14:dur="2500">
         <p:checker/>
       </p:transition>
     </mc:Choice>
-    <mc:Fallback>
+    <mc:Fallback xmlns="">
       <p:transition spd="slow">
         <p:checker/>
       </p:transition>
@@ -11379,13 +11380,13 @@
   <p:clrMapOvr>
     <a:masterClrMapping/>
   </p:clrMapOvr>
-  <mc:AlternateContent xmlns:mc="http://schemas.openxmlformats.org/markup-compatibility/2006">
-    <mc:Choice xmlns:p15="http://schemas.microsoft.com/office/powerpoint/2012/main" Requires="p15">
+  <mc:AlternateContent xmlns:mc="http://schemas.openxmlformats.org/markup-compatibility/2006" xmlns:p15="http://schemas.microsoft.com/office/powerpoint/2012/main">
+    <mc:Choice Requires="p15">
       <p:transition xmlns:p14="http://schemas.microsoft.com/office/powerpoint/2010/main" spd="slow" p14:dur="2000">
         <p15:prstTrans prst="prestige"/>
       </p:transition>
     </mc:Choice>
-    <mc:Fallback>
+    <mc:Fallback xmlns="">
       <p:transition spd="slow">
         <p:fade/>
       </p:transition>
@@ -11692,18 +11693,704 @@
   <p:clrMapOvr>
     <a:masterClrMapping/>
   </p:clrMapOvr>
-  <mc:AlternateContent xmlns:mc="http://schemas.openxmlformats.org/markup-compatibility/2006">
-    <mc:Choice xmlns:p15="http://schemas.microsoft.com/office/powerpoint/2012/main" Requires="p15">
+  <mc:AlternateContent xmlns:mc="http://schemas.openxmlformats.org/markup-compatibility/2006" xmlns:p15="http://schemas.microsoft.com/office/powerpoint/2012/main">
+    <mc:Choice Requires="p15">
       <p:transition xmlns:p14="http://schemas.microsoft.com/office/powerpoint/2010/main" spd="slow" p14:dur="2000">
         <p15:prstTrans prst="fallOver"/>
       </p:transition>
     </mc:Choice>
-    <mc:Fallback>
+    <mc:Fallback xmlns="">
       <p:transition spd="slow">
         <p:fade/>
       </p:transition>
     </mc:Fallback>
   </mc:AlternateContent>
+</p:sld>
+</file>
+
+<file path=ppt/slides/slide8.xml><?xml version="1.0" encoding="utf-8"?>
+<p:sld xmlns:a="http://schemas.openxmlformats.org/drawingml/2006/main" xmlns:r="http://schemas.openxmlformats.org/officeDocument/2006/relationships" xmlns:p="http://schemas.openxmlformats.org/presentationml/2006/main">
+  <p:cSld>
+    <p:bg>
+      <p:bgPr>
+        <a:solidFill>
+          <a:schemeClr val="bg1"/>
+        </a:solidFill>
+        <a:effectLst/>
+      </p:bgPr>
+    </p:bg>
+    <p:spTree>
+      <p:nvGrpSpPr>
+        <p:cNvPr id="1" name=""/>
+        <p:cNvGrpSpPr/>
+        <p:nvPr/>
+      </p:nvGrpSpPr>
+      <p:grpSpPr>
+        <a:xfrm>
+          <a:off x="0" y="0"/>
+          <a:ext cx="0" cy="0"/>
+          <a:chOff x="0" y="0"/>
+          <a:chExt cx="0" cy="0"/>
+        </a:xfrm>
+      </p:grpSpPr>
+      <p:sp useBgFill="1">
+        <p:nvSpPr>
+          <p:cNvPr id="7" name="Rectangle 6">
+            <a:extLst>
+              <a:ext uri="{FF2B5EF4-FFF2-40B4-BE49-F238E27FC236}">
+                <a16:creationId xmlns:a16="http://schemas.microsoft.com/office/drawing/2014/main" id="{577D6B2E-37A3-429E-A37C-F30ED6487282}"/>
+              </a:ext>
+              <a:ext uri="{C183D7F6-B498-43B3-948B-1728B52AA6E4}">
+                <adec:decorative xmlns:adec="http://schemas.microsoft.com/office/drawing/2017/decorative" val="1"/>
+              </a:ext>
+            </a:extLst>
+          </p:cNvPr>
+          <p:cNvSpPr>
+            <a:spLocks noGrp="1" noRot="1" noChangeAspect="1" noMove="1" noResize="1" noEditPoints="1" noAdjustHandles="1" noChangeArrowheads="1" noChangeShapeType="1" noTextEdit="1"/>
+          </p:cNvSpPr>
+          <p:nvPr>
+            <p:extLst>
+              <p:ext uri="{386F3935-93C4-4BCD-93E2-E3B085C9AB24}">
+                <p16:designElem xmlns:p16="http://schemas.microsoft.com/office/powerpoint/2015/main" val="1"/>
+              </p:ext>
+            </p:extLst>
+          </p:nvPr>
+        </p:nvSpPr>
+        <p:spPr>
+          <a:xfrm>
+            <a:off x="0" y="0"/>
+            <a:ext cx="12192000" cy="6858000"/>
+          </a:xfrm>
+          <a:prstGeom prst="rect">
+            <a:avLst/>
+          </a:prstGeom>
+          <a:ln w="12700" cap="flat" cmpd="sng" algn="ctr">
+            <a:noFill/>
+            <a:prstDash val="solid"/>
+            <a:miter lim="800000"/>
+          </a:ln>
+          <a:effectLst/>
+          <a:extLst>
+            <a:ext uri="{91240B29-F687-4F45-9708-019B960494DF}">
+              <a14:hiddenLine xmlns:a14="http://schemas.microsoft.com/office/drawing/2010/main" w="12700" cap="flat" cmpd="sng" algn="ctr">
+                <a:solidFill>
+                  <a:schemeClr val="accent1">
+                    <a:shade val="50000"/>
+                  </a:schemeClr>
+                </a:solidFill>
+                <a:prstDash val="solid"/>
+                <a:miter lim="800000"/>
+              </a14:hiddenLine>
+            </a:ext>
+          </a:extLst>
+        </p:spPr>
+        <p:style>
+          <a:lnRef idx="2">
+            <a:schemeClr val="accent1">
+              <a:shade val="50000"/>
+            </a:schemeClr>
+          </a:lnRef>
+          <a:fillRef idx="1">
+            <a:schemeClr val="accent1"/>
+          </a:fillRef>
+          <a:effectRef idx="0">
+            <a:schemeClr val="accent1"/>
+          </a:effectRef>
+          <a:fontRef idx="minor">
+            <a:schemeClr val="lt1"/>
+          </a:fontRef>
+        </p:style>
+        <p:txBody>
+          <a:bodyPr rtlCol="0" anchor="ctr"/>
+          <a:lstStyle/>
+          <a:p>
+            <a:pPr algn="ctr"/>
+            <a:endParaRPr lang="en-US"/>
+          </a:p>
+        </p:txBody>
+      </p:sp>
+      <p:sp>
+        <p:nvSpPr>
+          <p:cNvPr id="9" name="Rectangle 8">
+            <a:extLst>
+              <a:ext uri="{FF2B5EF4-FFF2-40B4-BE49-F238E27FC236}">
+                <a16:creationId xmlns:a16="http://schemas.microsoft.com/office/drawing/2014/main" id="{5CEAD642-85CF-4750-8432-7C80C901F001}"/>
+              </a:ext>
+              <a:ext uri="{C183D7F6-B498-43B3-948B-1728B52AA6E4}">
+                <adec:decorative xmlns:adec="http://schemas.microsoft.com/office/drawing/2017/decorative" val="1"/>
+              </a:ext>
+            </a:extLst>
+          </p:cNvPr>
+          <p:cNvSpPr>
+            <a:spLocks noGrp="1" noRot="1" noChangeAspect="1" noMove="1" noResize="1" noEditPoints="1" noAdjustHandles="1" noChangeArrowheads="1" noChangeShapeType="1" noTextEdit="1"/>
+          </p:cNvSpPr>
+          <p:nvPr>
+            <p:extLst>
+              <p:ext uri="{386F3935-93C4-4BCD-93E2-E3B085C9AB24}">
+                <p16:designElem xmlns:p16="http://schemas.microsoft.com/office/powerpoint/2015/main" val="1"/>
+              </p:ext>
+            </p:extLst>
+          </p:nvPr>
+        </p:nvSpPr>
+        <p:spPr>
+          <a:xfrm rot="10800000">
+            <a:off x="-11723" y="-1"/>
+            <a:ext cx="12225953" cy="6868071"/>
+          </a:xfrm>
+          <a:prstGeom prst="rect">
+            <a:avLst/>
+          </a:prstGeom>
+          <a:gradFill>
+            <a:gsLst>
+              <a:gs pos="0">
+                <a:srgbClr val="000000"/>
+              </a:gs>
+              <a:gs pos="100000">
+                <a:schemeClr val="accent1">
+                  <a:lumMod val="75000"/>
+                </a:schemeClr>
+              </a:gs>
+            </a:gsLst>
+            <a:lin ang="4200000" scaled="0"/>
+          </a:gradFill>
+          <a:ln>
+            <a:noFill/>
+          </a:ln>
+        </p:spPr>
+        <p:style>
+          <a:lnRef idx="2">
+            <a:schemeClr val="accent1">
+              <a:shade val="50000"/>
+            </a:schemeClr>
+          </a:lnRef>
+          <a:fillRef idx="1">
+            <a:schemeClr val="accent1"/>
+          </a:fillRef>
+          <a:effectRef idx="0">
+            <a:schemeClr val="accent1"/>
+          </a:effectRef>
+          <a:fontRef idx="minor">
+            <a:schemeClr val="lt1"/>
+          </a:fontRef>
+        </p:style>
+        <p:txBody>
+          <a:bodyPr rtlCol="0" anchor="ctr"/>
+          <a:lstStyle/>
+          <a:p>
+            <a:pPr algn="ctr"/>
+            <a:endParaRPr lang="en-US"/>
+          </a:p>
+        </p:txBody>
+      </p:sp>
+      <p:sp>
+        <p:nvSpPr>
+          <p:cNvPr id="11" name="Rectangle 10">
+            <a:extLst>
+              <a:ext uri="{FF2B5EF4-FFF2-40B4-BE49-F238E27FC236}">
+                <a16:creationId xmlns:a16="http://schemas.microsoft.com/office/drawing/2014/main" id="{FA33EEAE-15D5-4119-8C1E-89D943F911EF}"/>
+              </a:ext>
+              <a:ext uri="{C183D7F6-B498-43B3-948B-1728B52AA6E4}">
+                <adec:decorative xmlns:adec="http://schemas.microsoft.com/office/drawing/2017/decorative" val="1"/>
+              </a:ext>
+            </a:extLst>
+          </p:cNvPr>
+          <p:cNvSpPr>
+            <a:spLocks noGrp="1" noRot="1" noChangeAspect="1" noMove="1" noResize="1" noEditPoints="1" noAdjustHandles="1" noChangeArrowheads="1" noChangeShapeType="1" noTextEdit="1"/>
+          </p:cNvSpPr>
+          <p:nvPr>
+            <p:extLst>
+              <p:ext uri="{386F3935-93C4-4BCD-93E2-E3B085C9AB24}">
+                <p16:designElem xmlns:p16="http://schemas.microsoft.com/office/powerpoint/2015/main" val="1"/>
+              </p:ext>
+            </p:extLst>
+          </p:nvPr>
+        </p:nvSpPr>
+        <p:spPr>
+          <a:xfrm rot="10800000" flipH="1">
+            <a:off x="441959" y="-3"/>
+            <a:ext cx="11772269" cy="6868074"/>
+          </a:xfrm>
+          <a:prstGeom prst="rect">
+            <a:avLst/>
+          </a:prstGeom>
+          <a:gradFill>
+            <a:gsLst>
+              <a:gs pos="21000">
+                <a:schemeClr val="accent1">
+                  <a:lumMod val="50000"/>
+                  <a:alpha val="83000"/>
+                </a:schemeClr>
+              </a:gs>
+              <a:gs pos="100000">
+                <a:schemeClr val="accent1">
+                  <a:alpha val="0"/>
+                </a:schemeClr>
+              </a:gs>
+            </a:gsLst>
+            <a:lin ang="8400000" scaled="0"/>
+          </a:gradFill>
+          <a:ln>
+            <a:noFill/>
+          </a:ln>
+        </p:spPr>
+        <p:style>
+          <a:lnRef idx="2">
+            <a:schemeClr val="accent1">
+              <a:shade val="50000"/>
+            </a:schemeClr>
+          </a:lnRef>
+          <a:fillRef idx="1">
+            <a:schemeClr val="accent1"/>
+          </a:fillRef>
+          <a:effectRef idx="0">
+            <a:schemeClr val="accent1"/>
+          </a:effectRef>
+          <a:fontRef idx="minor">
+            <a:schemeClr val="lt1"/>
+          </a:fontRef>
+        </p:style>
+        <p:txBody>
+          <a:bodyPr rtlCol="0" anchor="ctr"/>
+          <a:lstStyle/>
+          <a:p>
+            <a:pPr algn="ctr"/>
+            <a:endParaRPr lang="en-US"/>
+          </a:p>
+        </p:txBody>
+      </p:sp>
+      <p:sp>
+        <p:nvSpPr>
+          <p:cNvPr id="13" name="Rectangle 12">
+            <a:extLst>
+              <a:ext uri="{FF2B5EF4-FFF2-40B4-BE49-F238E27FC236}">
+                <a16:creationId xmlns:a16="http://schemas.microsoft.com/office/drawing/2014/main" id="{730D8B3B-9B80-4025-B934-26DC7D7CD231}"/>
+              </a:ext>
+              <a:ext uri="{C183D7F6-B498-43B3-948B-1728B52AA6E4}">
+                <adec:decorative xmlns:adec="http://schemas.microsoft.com/office/drawing/2017/decorative" val="1"/>
+              </a:ext>
+            </a:extLst>
+          </p:cNvPr>
+          <p:cNvSpPr>
+            <a:spLocks noGrp="1" noRot="1" noChangeAspect="1" noMove="1" noResize="1" noEditPoints="1" noAdjustHandles="1" noChangeArrowheads="1" noChangeShapeType="1" noTextEdit="1"/>
+          </p:cNvSpPr>
+          <p:nvPr>
+            <p:extLst>
+              <p:ext uri="{386F3935-93C4-4BCD-93E2-E3B085C9AB24}">
+                <p16:designElem xmlns:p16="http://schemas.microsoft.com/office/powerpoint/2015/main" val="1"/>
+              </p:ext>
+            </p:extLst>
+          </p:nvPr>
+        </p:nvSpPr>
+        <p:spPr>
+          <a:xfrm rot="10800000">
+            <a:off x="-15200" y="0"/>
+            <a:ext cx="3623374" cy="6868072"/>
+          </a:xfrm>
+          <a:prstGeom prst="rect">
+            <a:avLst/>
+          </a:prstGeom>
+          <a:gradFill>
+            <a:gsLst>
+              <a:gs pos="0">
+                <a:schemeClr val="accent1">
+                  <a:lumMod val="75000"/>
+                  <a:alpha val="0"/>
+                </a:schemeClr>
+              </a:gs>
+              <a:gs pos="99000">
+                <a:srgbClr val="000000">
+                  <a:alpha val="41000"/>
+                </a:srgbClr>
+              </a:gs>
+            </a:gsLst>
+            <a:lin ang="13200000" scaled="0"/>
+          </a:gradFill>
+          <a:ln>
+            <a:noFill/>
+          </a:ln>
+        </p:spPr>
+        <p:style>
+          <a:lnRef idx="2">
+            <a:schemeClr val="accent1">
+              <a:shade val="50000"/>
+            </a:schemeClr>
+          </a:lnRef>
+          <a:fillRef idx="1">
+            <a:schemeClr val="accent1"/>
+          </a:fillRef>
+          <a:effectRef idx="0">
+            <a:schemeClr val="accent1"/>
+          </a:effectRef>
+          <a:fontRef idx="minor">
+            <a:schemeClr val="lt1"/>
+          </a:fontRef>
+        </p:style>
+        <p:txBody>
+          <a:bodyPr rtlCol="0" anchor="ctr"/>
+          <a:lstStyle/>
+          <a:p>
+            <a:pPr algn="ctr"/>
+            <a:endParaRPr lang="en-US"/>
+          </a:p>
+        </p:txBody>
+      </p:sp>
+      <p:sp>
+        <p:nvSpPr>
+          <p:cNvPr id="15" name="Rectangle 14">
+            <a:extLst>
+              <a:ext uri="{FF2B5EF4-FFF2-40B4-BE49-F238E27FC236}">
+                <a16:creationId xmlns:a16="http://schemas.microsoft.com/office/drawing/2014/main" id="{1064D5D5-227B-4F66-9AEA-46F570E793BD}"/>
+              </a:ext>
+              <a:ext uri="{C183D7F6-B498-43B3-948B-1728B52AA6E4}">
+                <adec:decorative xmlns:adec="http://schemas.microsoft.com/office/drawing/2017/decorative" val="1"/>
+              </a:ext>
+            </a:extLst>
+          </p:cNvPr>
+          <p:cNvSpPr>
+            <a:spLocks noGrp="1" noRot="1" noChangeAspect="1" noMove="1" noResize="1" noEditPoints="1" noAdjustHandles="1" noChangeArrowheads="1" noChangeShapeType="1" noTextEdit="1"/>
+          </p:cNvSpPr>
+          <p:nvPr>
+            <p:extLst>
+              <p:ext uri="{386F3935-93C4-4BCD-93E2-E3B085C9AB24}">
+                <p16:designElem xmlns:p16="http://schemas.microsoft.com/office/powerpoint/2015/main" val="1"/>
+              </p:ext>
+            </p:extLst>
+          </p:nvPr>
+        </p:nvSpPr>
+        <p:spPr>
+          <a:xfrm flipH="1">
+            <a:off x="-15875" y="-3"/>
+            <a:ext cx="12233581" cy="6868076"/>
+          </a:xfrm>
+          <a:prstGeom prst="rect">
+            <a:avLst/>
+          </a:prstGeom>
+          <a:gradFill>
+            <a:gsLst>
+              <a:gs pos="3000">
+                <a:schemeClr val="accent1">
+                  <a:lumMod val="75000"/>
+                  <a:alpha val="0"/>
+                </a:schemeClr>
+              </a:gs>
+              <a:gs pos="100000">
+                <a:srgbClr val="000000">
+                  <a:alpha val="73000"/>
+                </a:srgbClr>
+              </a:gs>
+            </a:gsLst>
+            <a:lin ang="17400000" scaled="0"/>
+          </a:gradFill>
+          <a:ln>
+            <a:noFill/>
+          </a:ln>
+        </p:spPr>
+        <p:style>
+          <a:lnRef idx="2">
+            <a:schemeClr val="accent1">
+              <a:shade val="50000"/>
+            </a:schemeClr>
+          </a:lnRef>
+          <a:fillRef idx="1">
+            <a:schemeClr val="accent1"/>
+          </a:fillRef>
+          <a:effectRef idx="0">
+            <a:schemeClr val="accent1"/>
+          </a:effectRef>
+          <a:fontRef idx="minor">
+            <a:schemeClr val="lt1"/>
+          </a:fontRef>
+        </p:style>
+        <p:txBody>
+          <a:bodyPr rtlCol="0" anchor="ctr"/>
+          <a:lstStyle/>
+          <a:p>
+            <a:pPr algn="ctr"/>
+            <a:endParaRPr lang="en-US"/>
+          </a:p>
+        </p:txBody>
+      </p:sp>
+      <p:sp>
+        <p:nvSpPr>
+          <p:cNvPr id="17" name="Rectangle 16">
+            <a:extLst>
+              <a:ext uri="{FF2B5EF4-FFF2-40B4-BE49-F238E27FC236}">
+                <a16:creationId xmlns:a16="http://schemas.microsoft.com/office/drawing/2014/main" id="{646B67A4-D328-4747-A82B-65E84FA46368}"/>
+              </a:ext>
+              <a:ext uri="{C183D7F6-B498-43B3-948B-1728B52AA6E4}">
+                <adec:decorative xmlns:adec="http://schemas.microsoft.com/office/drawing/2017/decorative" val="1"/>
+              </a:ext>
+            </a:extLst>
+          </p:cNvPr>
+          <p:cNvSpPr>
+            <a:spLocks noGrp="1" noRot="1" noChangeAspect="1" noMove="1" noResize="1" noEditPoints="1" noAdjustHandles="1" noChangeArrowheads="1" noChangeShapeType="1" noTextEdit="1"/>
+          </p:cNvSpPr>
+          <p:nvPr>
+            <p:extLst>
+              <p:ext uri="{386F3935-93C4-4BCD-93E2-E3B085C9AB24}">
+                <p16:designElem xmlns:p16="http://schemas.microsoft.com/office/powerpoint/2015/main" val="1"/>
+              </p:ext>
+            </p:extLst>
+          </p:nvPr>
+        </p:nvSpPr>
+        <p:spPr>
+          <a:xfrm rot="5400000" flipH="1">
+            <a:off x="4484334" y="-861824"/>
+            <a:ext cx="6861931" cy="8597859"/>
+          </a:xfrm>
+          <a:prstGeom prst="rect">
+            <a:avLst/>
+          </a:prstGeom>
+          <a:gradFill>
+            <a:gsLst>
+              <a:gs pos="3000">
+                <a:schemeClr val="accent1">
+                  <a:lumMod val="75000"/>
+                  <a:alpha val="0"/>
+                </a:schemeClr>
+              </a:gs>
+              <a:gs pos="100000">
+                <a:srgbClr val="000000">
+                  <a:alpha val="27000"/>
+                </a:srgbClr>
+              </a:gs>
+            </a:gsLst>
+            <a:lin ang="13800000" scaled="0"/>
+          </a:gradFill>
+          <a:ln>
+            <a:noFill/>
+          </a:ln>
+        </p:spPr>
+        <p:style>
+          <a:lnRef idx="2">
+            <a:schemeClr val="accent1">
+              <a:shade val="50000"/>
+            </a:schemeClr>
+          </a:lnRef>
+          <a:fillRef idx="1">
+            <a:schemeClr val="accent1"/>
+          </a:fillRef>
+          <a:effectRef idx="0">
+            <a:schemeClr val="accent1"/>
+          </a:effectRef>
+          <a:fontRef idx="minor">
+            <a:schemeClr val="lt1"/>
+          </a:fontRef>
+        </p:style>
+        <p:txBody>
+          <a:bodyPr rtlCol="0" anchor="ctr"/>
+          <a:lstStyle/>
+          <a:p>
+            <a:pPr algn="ctr"/>
+            <a:endParaRPr lang="en-US"/>
+          </a:p>
+        </p:txBody>
+      </p:sp>
+      <p:sp>
+        <p:nvSpPr>
+          <p:cNvPr id="19" name="Oval 18">
+            <a:extLst>
+              <a:ext uri="{FF2B5EF4-FFF2-40B4-BE49-F238E27FC236}">
+                <a16:creationId xmlns:a16="http://schemas.microsoft.com/office/drawing/2014/main" id="{B5A1B09C-1565-46F8-B70F-621C5EB48A09}"/>
+              </a:ext>
+              <a:ext uri="{C183D7F6-B498-43B3-948B-1728B52AA6E4}">
+                <adec:decorative xmlns:adec="http://schemas.microsoft.com/office/drawing/2017/decorative" val="1"/>
+              </a:ext>
+            </a:extLst>
+          </p:cNvPr>
+          <p:cNvSpPr>
+            <a:spLocks noGrp="1" noRot="1" noChangeAspect="1" noMove="1" noResize="1" noEditPoints="1" noAdjustHandles="1" noChangeArrowheads="1" noChangeShapeType="1" noTextEdit="1"/>
+          </p:cNvSpPr>
+          <p:nvPr>
+            <p:extLst>
+              <p:ext uri="{386F3935-93C4-4BCD-93E2-E3B085C9AB24}">
+                <p16:designElem xmlns:p16="http://schemas.microsoft.com/office/powerpoint/2015/main" val="1"/>
+              </p:ext>
+            </p:extLst>
+          </p:nvPr>
+        </p:nvSpPr>
+        <p:spPr>
+          <a:xfrm rot="5993193">
+            <a:off x="1186972" y="1089049"/>
+            <a:ext cx="4967533" cy="4988390"/>
+          </a:xfrm>
+          <a:prstGeom prst="ellipse">
+            <a:avLst/>
+          </a:prstGeom>
+          <a:gradFill>
+            <a:gsLst>
+              <a:gs pos="0">
+                <a:schemeClr val="accent1">
+                  <a:alpha val="26000"/>
+                </a:schemeClr>
+              </a:gs>
+              <a:gs pos="85000">
+                <a:schemeClr val="accent1">
+                  <a:lumMod val="60000"/>
+                  <a:lumOff val="40000"/>
+                  <a:alpha val="0"/>
+                </a:schemeClr>
+              </a:gs>
+            </a:gsLst>
+            <a:lin ang="14400000" scaled="0"/>
+          </a:gradFill>
+          <a:ln>
+            <a:noFill/>
+          </a:ln>
+        </p:spPr>
+        <p:style>
+          <a:lnRef idx="2">
+            <a:schemeClr val="accent1">
+              <a:shade val="50000"/>
+            </a:schemeClr>
+          </a:lnRef>
+          <a:fillRef idx="1">
+            <a:schemeClr val="accent1"/>
+          </a:fillRef>
+          <a:effectRef idx="0">
+            <a:schemeClr val="accent1"/>
+          </a:effectRef>
+          <a:fontRef idx="minor">
+            <a:schemeClr val="lt1"/>
+          </a:fontRef>
+        </p:style>
+        <p:txBody>
+          <a:bodyPr rtlCol="0" anchor="ctr"/>
+          <a:lstStyle/>
+          <a:p>
+            <a:pPr algn="ctr"/>
+            <a:endParaRPr lang="en-US" dirty="0"/>
+          </a:p>
+        </p:txBody>
+      </p:sp>
+      <p:sp>
+        <p:nvSpPr>
+          <p:cNvPr id="2" name="Título 1">
+            <a:extLst>
+              <a:ext uri="{FF2B5EF4-FFF2-40B4-BE49-F238E27FC236}">
+                <a16:creationId xmlns:a16="http://schemas.microsoft.com/office/drawing/2014/main" id="{CC2C06BC-6C89-C3F2-E3E5-D94859493BF0}"/>
+              </a:ext>
+            </a:extLst>
+          </p:cNvPr>
+          <p:cNvSpPr>
+            <a:spLocks noGrp="1"/>
+          </p:cNvSpPr>
+          <p:nvPr>
+            <p:ph type="title"/>
+          </p:nvPr>
+        </p:nvSpPr>
+        <p:spPr>
+          <a:xfrm>
+            <a:off x="4162567" y="818984"/>
+            <a:ext cx="6714699" cy="3178689"/>
+          </a:xfrm>
+        </p:spPr>
+        <p:txBody>
+          <a:bodyPr vert="horz" lIns="91440" tIns="45720" rIns="91440" bIns="45720" rtlCol="0" anchor="b">
+            <a:normAutofit/>
+          </a:bodyPr>
+          <a:lstStyle/>
+          <a:p>
+            <a:r>
+              <a:rPr lang="en-US" sz="4800" kern="1200">
+                <a:solidFill>
+                  <a:srgbClr val="FFFFFF"/>
+                </a:solidFill>
+                <a:latin typeface="+mj-lt"/>
+                <a:ea typeface="+mj-ea"/>
+                <a:cs typeface="+mj-cs"/>
+              </a:rPr>
+              <a:t>FIN</a:t>
+            </a:r>
+          </a:p>
+        </p:txBody>
+      </p:sp>
+      <p:sp>
+        <p:nvSpPr>
+          <p:cNvPr id="21" name="Rectangle 20">
+            <a:extLst>
+              <a:ext uri="{FF2B5EF4-FFF2-40B4-BE49-F238E27FC236}">
+                <a16:creationId xmlns:a16="http://schemas.microsoft.com/office/drawing/2014/main" id="{8C516CC8-80AC-446C-A56E-9F54B7210402}"/>
+              </a:ext>
+              <a:ext uri="{C183D7F6-B498-43B3-948B-1728B52AA6E4}">
+                <adec:decorative xmlns:adec="http://schemas.microsoft.com/office/drawing/2017/decorative" val="1"/>
+              </a:ext>
+            </a:extLst>
+          </p:cNvPr>
+          <p:cNvSpPr>
+            <a:spLocks noGrp="1" noRot="1" noChangeAspect="1" noMove="1" noResize="1" noEditPoints="1" noAdjustHandles="1" noChangeArrowheads="1" noChangeShapeType="1" noTextEdit="1"/>
+          </p:cNvSpPr>
+          <p:nvPr>
+            <p:extLst>
+              <p:ext uri="{386F3935-93C4-4BCD-93E2-E3B085C9AB24}">
+                <p16:designElem xmlns:p16="http://schemas.microsoft.com/office/powerpoint/2015/main" val="1"/>
+              </p:ext>
+            </p:extLst>
+          </p:nvPr>
+        </p:nvSpPr>
+        <p:spPr>
+          <a:xfrm flipH="1">
+            <a:off x="-3" y="4490110"/>
+            <a:ext cx="12217710" cy="2377962"/>
+          </a:xfrm>
+          <a:prstGeom prst="rect">
+            <a:avLst/>
+          </a:prstGeom>
+          <a:gradFill>
+            <a:gsLst>
+              <a:gs pos="0">
+                <a:schemeClr val="accent1">
+                  <a:lumMod val="75000"/>
+                  <a:alpha val="50000"/>
+                </a:schemeClr>
+              </a:gs>
+              <a:gs pos="99000">
+                <a:srgbClr val="000000">
+                  <a:alpha val="34000"/>
+                </a:srgbClr>
+              </a:gs>
+            </a:gsLst>
+            <a:lin ang="13200000" scaled="0"/>
+          </a:gradFill>
+          <a:ln>
+            <a:noFill/>
+          </a:ln>
+        </p:spPr>
+        <p:style>
+          <a:lnRef idx="2">
+            <a:schemeClr val="accent1">
+              <a:shade val="50000"/>
+            </a:schemeClr>
+          </a:lnRef>
+          <a:fillRef idx="1">
+            <a:schemeClr val="accent1"/>
+          </a:fillRef>
+          <a:effectRef idx="0">
+            <a:schemeClr val="accent1"/>
+          </a:effectRef>
+          <a:fontRef idx="minor">
+            <a:schemeClr val="lt1"/>
+          </a:fontRef>
+        </p:style>
+        <p:txBody>
+          <a:bodyPr rtlCol="0" anchor="ctr"/>
+          <a:lstStyle/>
+          <a:p>
+            <a:pPr algn="ctr"/>
+            <a:endParaRPr lang="en-US"/>
+          </a:p>
+        </p:txBody>
+      </p:sp>
+    </p:spTree>
+    <p:extLst>
+      <p:ext uri="{BB962C8B-B14F-4D97-AF65-F5344CB8AC3E}">
+        <p14:creationId xmlns:p14="http://schemas.microsoft.com/office/powerpoint/2010/main" val="2157452865"/>
+      </p:ext>
+    </p:extLst>
+  </p:cSld>
+  <p:clrMapOvr>
+    <a:masterClrMapping/>
+  </p:clrMapOvr>
 </p:sld>
 </file>
 

--- a/Taller Nicolas Hoyos  y Mariana Gomez.pptx
+++ b/Taller Nicolas Hoyos  y Mariana Gomez.pptx
@@ -12391,6 +12391,18 @@
   <p:clrMapOvr>
     <a:masterClrMapping/>
   </p:clrMapOvr>
+  <mc:AlternateContent xmlns:mc="http://schemas.openxmlformats.org/markup-compatibility/2006">
+    <mc:Choice xmlns:p15="http://schemas.microsoft.com/office/powerpoint/2012/main" Requires="p15">
+      <p:transition xmlns:p14="http://schemas.microsoft.com/office/powerpoint/2010/main" spd="slow" p14:dur="6000">
+        <p15:prstTrans prst="curtains"/>
+      </p:transition>
+    </mc:Choice>
+    <mc:Fallback>
+      <p:transition spd="slow">
+        <p:fade/>
+      </p:transition>
+    </mc:Fallback>
+  </mc:AlternateContent>
 </p:sld>
 </file>
 

--- a/Taller Nicolas Hoyos  y Mariana Gomez.pptx
+++ b/Taller Nicolas Hoyos  y Mariana Gomez.pptx
@@ -11683,6 +11683,53 @@
           </a:prstGeom>
         </p:spPr>
       </p:pic>
+      <p:pic>
+        <p:nvPicPr>
+          <p:cNvPr id="1026" name="Picture 2" descr="El Ciclo de Vida del Software | Proceso Básico en Metodologías">
+            <a:extLst>
+              <a:ext uri="{FF2B5EF4-FFF2-40B4-BE49-F238E27FC236}">
+                <a16:creationId xmlns:a16="http://schemas.microsoft.com/office/drawing/2014/main" id="{D3634FBF-33F4-941B-F591-4E3553F9D244}"/>
+              </a:ext>
+            </a:extLst>
+          </p:cNvPr>
+          <p:cNvPicPr>
+            <a:picLocks noChangeAspect="1" noChangeArrowheads="1"/>
+          </p:cNvPicPr>
+          <p:nvPr/>
+        </p:nvPicPr>
+        <p:blipFill>
+          <a:blip r:embed="rId4">
+            <a:extLst>
+              <a:ext uri="{28A0092B-C50C-407E-A947-70E740481C1C}">
+                <a14:useLocalDpi xmlns:a14="http://schemas.microsoft.com/office/drawing/2010/main" val="0"/>
+              </a:ext>
+            </a:extLst>
+          </a:blip>
+          <a:srcRect/>
+          <a:stretch>
+            <a:fillRect/>
+          </a:stretch>
+        </p:blipFill>
+        <p:spPr bwMode="auto">
+          <a:xfrm>
+            <a:off x="1578518" y="195064"/>
+            <a:ext cx="4983023" cy="2491512"/>
+          </a:xfrm>
+          <a:prstGeom prst="rect">
+            <a:avLst/>
+          </a:prstGeom>
+          <a:noFill/>
+          <a:extLst>
+            <a:ext uri="{909E8E84-426E-40DD-AFC4-6F175D3DCCD1}">
+              <a14:hiddenFill xmlns:a14="http://schemas.microsoft.com/office/drawing/2010/main">
+                <a:solidFill>
+                  <a:srgbClr val="FFFFFF"/>
+                </a:solidFill>
+              </a14:hiddenFill>
+            </a:ext>
+          </a:extLst>
+        </p:spPr>
+      </p:pic>
     </p:spTree>
     <p:extLst>
       <p:ext uri="{BB962C8B-B14F-4D97-AF65-F5344CB8AC3E}">
@@ -12391,13 +12438,13 @@
   <p:clrMapOvr>
     <a:masterClrMapping/>
   </p:clrMapOvr>
-  <mc:AlternateContent xmlns:mc="http://schemas.openxmlformats.org/markup-compatibility/2006">
-    <mc:Choice xmlns:p15="http://schemas.microsoft.com/office/powerpoint/2012/main" Requires="p15">
+  <mc:AlternateContent xmlns:mc="http://schemas.openxmlformats.org/markup-compatibility/2006" xmlns:p15="http://schemas.microsoft.com/office/powerpoint/2012/main">
+    <mc:Choice Requires="p15">
       <p:transition xmlns:p14="http://schemas.microsoft.com/office/powerpoint/2010/main" spd="slow" p14:dur="6000">
         <p15:prstTrans prst="curtains"/>
       </p:transition>
     </mc:Choice>
-    <mc:Fallback>
+    <mc:Fallback xmlns="">
       <p:transition spd="slow">
         <p:fade/>
       </p:transition>

--- a/Taller Nicolas Hoyos  y Mariana Gomez.pptx
+++ b/Taller Nicolas Hoyos  y Mariana Gomez.pptx
@@ -10119,6 +10119,53 @@
           </a:p>
         </p:txBody>
       </p:sp>
+      <p:pic>
+        <p:nvPicPr>
+          <p:cNvPr id="1026" name="Picture 2" descr="Pros y contras - Iconos gratis de social">
+            <a:extLst>
+              <a:ext uri="{FF2B5EF4-FFF2-40B4-BE49-F238E27FC236}">
+                <a16:creationId xmlns:a16="http://schemas.microsoft.com/office/drawing/2014/main" id="{4410FE5B-89A2-015D-3ECD-38675291EC94}"/>
+              </a:ext>
+            </a:extLst>
+          </p:cNvPr>
+          <p:cNvPicPr>
+            <a:picLocks noChangeAspect="1" noChangeArrowheads="1"/>
+          </p:cNvPicPr>
+          <p:nvPr/>
+        </p:nvPicPr>
+        <p:blipFill>
+          <a:blip r:embed="rId2">
+            <a:extLst>
+              <a:ext uri="{28A0092B-C50C-407E-A947-70E740481C1C}">
+                <a14:useLocalDpi xmlns:a14="http://schemas.microsoft.com/office/drawing/2010/main" val="0"/>
+              </a:ext>
+            </a:extLst>
+          </a:blip>
+          <a:srcRect/>
+          <a:stretch>
+            <a:fillRect/>
+          </a:stretch>
+        </p:blipFill>
+        <p:spPr bwMode="auto">
+          <a:xfrm>
+            <a:off x="8444945" y="2451173"/>
+            <a:ext cx="3417406" cy="3417406"/>
+          </a:xfrm>
+          <a:prstGeom prst="rect">
+            <a:avLst/>
+          </a:prstGeom>
+          <a:noFill/>
+          <a:extLst>
+            <a:ext uri="{909E8E84-426E-40DD-AFC4-6F175D3DCCD1}">
+              <a14:hiddenFill xmlns:a14="http://schemas.microsoft.com/office/drawing/2010/main">
+                <a:solidFill>
+                  <a:srgbClr val="FFFFFF"/>
+                </a:solidFill>
+              </a14:hiddenFill>
+            </a:ext>
+          </a:extLst>
+        </p:spPr>
+      </p:pic>
     </p:spTree>
     <p:extLst>
       <p:ext uri="{BB962C8B-B14F-4D97-AF65-F5344CB8AC3E}">

--- a/Taller Nicolas Hoyos  y Mariana Gomez.pptx
+++ b/Taller Nicolas Hoyos  y Mariana Gomez.pptx
@@ -18662,6 +18662,162 @@
           </a:graphicData>
         </a:graphic>
       </p:graphicFrame>
+      <p:sp>
+        <p:nvSpPr>
+          <p:cNvPr id="10" name="CuadroTexto 9">
+            <a:extLst>
+              <a:ext uri="{FF2B5EF4-FFF2-40B4-BE49-F238E27FC236}">
+                <a16:creationId xmlns:a16="http://schemas.microsoft.com/office/drawing/2014/main" id="{B7F8C6B3-97CE-4F33-90FA-C51CA1145736}"/>
+              </a:ext>
+            </a:extLst>
+          </p:cNvPr>
+          <p:cNvSpPr txBox="1"/>
+          <p:nvPr/>
+        </p:nvSpPr>
+        <p:spPr>
+          <a:xfrm>
+            <a:off x="968433" y="2112088"/>
+            <a:ext cx="6093228" cy="923330"/>
+          </a:xfrm>
+          <a:prstGeom prst="rect">
+            <a:avLst/>
+          </a:prstGeom>
+          <a:noFill/>
+        </p:spPr>
+        <p:txBody>
+          <a:bodyPr wrap="square">
+            <a:spAutoFit/>
+          </a:bodyPr>
+          <a:lstStyle/>
+          <a:p>
+            <a:r>
+              <a:rPr lang="es-ES" b="0" i="0" dirty="0">
+                <a:effectLst/>
+                <a:latin typeface="Söhne"/>
+              </a:rPr>
+              <a:t>el concepto de "delegado" se refiere a un tipo especial de objeto que permite pasar métodos como argumentos a otros métodos.</a:t>
+            </a:r>
+            <a:endParaRPr lang="es-CO" dirty="0"/>
+          </a:p>
+        </p:txBody>
+      </p:sp>
+      <p:sp>
+        <p:nvSpPr>
+          <p:cNvPr id="14" name="CuadroTexto 13">
+            <a:extLst>
+              <a:ext uri="{FF2B5EF4-FFF2-40B4-BE49-F238E27FC236}">
+                <a16:creationId xmlns:a16="http://schemas.microsoft.com/office/drawing/2014/main" id="{0AB0CE7E-8613-409C-B09A-B4DAB25F0BC3}"/>
+              </a:ext>
+            </a:extLst>
+          </p:cNvPr>
+          <p:cNvSpPr txBox="1"/>
+          <p:nvPr/>
+        </p:nvSpPr>
+        <p:spPr>
+          <a:xfrm>
+            <a:off x="620115" y="5057735"/>
+            <a:ext cx="6093228" cy="1200329"/>
+          </a:xfrm>
+          <a:prstGeom prst="rect">
+            <a:avLst/>
+          </a:prstGeom>
+          <a:noFill/>
+        </p:spPr>
+        <p:txBody>
+          <a:bodyPr wrap="square">
+            <a:spAutoFit/>
+          </a:bodyPr>
+          <a:lstStyle/>
+          <a:p>
+            <a:r>
+              <a:rPr lang="es-ES" b="0" i="0" dirty="0">
+                <a:effectLst/>
+                <a:latin typeface="Söhne"/>
+              </a:rPr>
+              <a:t>un delegado en scripting es un objeto que representa un método y que se puede pasar como argumento a otros métodos, lo que permite un manejo flexible de eventos y una mayor modularidad en el código.</a:t>
+            </a:r>
+            <a:endParaRPr lang="es-CO" dirty="0"/>
+          </a:p>
+        </p:txBody>
+      </p:sp>
+      <p:sp>
+        <p:nvSpPr>
+          <p:cNvPr id="16" name="CuadroTexto 15">
+            <a:extLst>
+              <a:ext uri="{FF2B5EF4-FFF2-40B4-BE49-F238E27FC236}">
+                <a16:creationId xmlns:a16="http://schemas.microsoft.com/office/drawing/2014/main" id="{743244F3-E1A6-4A8E-8287-00EFC96D5B72}"/>
+              </a:ext>
+            </a:extLst>
+          </p:cNvPr>
+          <p:cNvSpPr txBox="1"/>
+          <p:nvPr/>
+        </p:nvSpPr>
+        <p:spPr>
+          <a:xfrm>
+            <a:off x="6323766" y="5541210"/>
+            <a:ext cx="6093228" cy="646331"/>
+          </a:xfrm>
+          <a:prstGeom prst="rect">
+            <a:avLst/>
+          </a:prstGeom>
+          <a:noFill/>
+        </p:spPr>
+        <p:txBody>
+          <a:bodyPr wrap="square">
+            <a:spAutoFit/>
+          </a:bodyPr>
+          <a:lstStyle/>
+          <a:p>
+            <a:r>
+              <a:rPr lang="es-ES" b="0" i="0">
+                <a:effectLst/>
+                <a:latin typeface="Google Sans"/>
+              </a:rPr>
+              <a:t>los delegados encapsulan una instancia de objeto y un método. Los delegados permiten pasar los métodos como parámetros.</a:t>
+            </a:r>
+            <a:endParaRPr lang="es-CO" dirty="0"/>
+          </a:p>
+        </p:txBody>
+      </p:sp>
+      <p:sp>
+        <p:nvSpPr>
+          <p:cNvPr id="17" name="CuadroTexto 16">
+            <a:extLst>
+              <a:ext uri="{FF2B5EF4-FFF2-40B4-BE49-F238E27FC236}">
+                <a16:creationId xmlns:a16="http://schemas.microsoft.com/office/drawing/2014/main" id="{0AD5BE1E-3A19-41A9-8AED-A44C23E693FB}"/>
+              </a:ext>
+            </a:extLst>
+          </p:cNvPr>
+          <p:cNvSpPr txBox="1"/>
+          <p:nvPr/>
+        </p:nvSpPr>
+        <p:spPr>
+          <a:xfrm>
+            <a:off x="6323766" y="1987182"/>
+            <a:ext cx="6242858" cy="1200329"/>
+          </a:xfrm>
+          <a:prstGeom prst="rect">
+            <a:avLst/>
+          </a:prstGeom>
+          <a:noFill/>
+        </p:spPr>
+        <p:txBody>
+          <a:bodyPr wrap="square">
+            <a:spAutoFit/>
+          </a:bodyPr>
+          <a:lstStyle/>
+          <a:p>
+            <a:r>
+              <a:rPr lang="es-ES" b="0" i="0" dirty="0">
+                <a:effectLst/>
+                <a:latin typeface="Segoe UI" panose="020B0502040204020203" pitchFamily="34" charset="0"/>
+              </a:rPr>
+              <a:t>Los delegados se utilizan para pasar métodos como argumentos a otros métodos. Los controladores de eventos no son más que métodos que se invocan a través de delegados.</a:t>
+            </a:r>
+            <a:endParaRPr lang="es-CO" dirty="0"/>
+          </a:p>
+        </p:txBody>
+      </p:sp>
     </p:spTree>
     <p:extLst>
       <p:ext uri="{BB962C8B-B14F-4D97-AF65-F5344CB8AC3E}">
@@ -19107,13 +19263,13 @@
   <p:clrMapOvr>
     <a:masterClrMapping/>
   </p:clrMapOvr>
-  <mc:AlternateContent xmlns:mc="http://schemas.openxmlformats.org/markup-compatibility/2006">
-    <mc:Choice xmlns:p15="http://schemas.microsoft.com/office/powerpoint/2012/main" Requires="p15">
+  <mc:AlternateContent xmlns:mc="http://schemas.openxmlformats.org/markup-compatibility/2006" xmlns:p15="http://schemas.microsoft.com/office/powerpoint/2012/main">
+    <mc:Choice Requires="p15">
       <p:transition xmlns:p14="http://schemas.microsoft.com/office/powerpoint/2010/main" spd="slow" p14:dur="2000">
         <p15:prstTrans prst="drape"/>
       </p:transition>
     </mc:Choice>
-    <mc:Fallback>
+    <mc:Fallback xmlns="">
       <p:transition spd="slow">
         <p:fade/>
       </p:transition>
@@ -19566,13 +19722,13 @@
   <p:clrMapOvr>
     <a:masterClrMapping/>
   </p:clrMapOvr>
-  <mc:AlternateContent xmlns:mc="http://schemas.openxmlformats.org/markup-compatibility/2006">
-    <mc:Choice xmlns:p15="http://schemas.microsoft.com/office/powerpoint/2012/main" Requires="p15">
+  <mc:AlternateContent xmlns:mc="http://schemas.openxmlformats.org/markup-compatibility/2006" xmlns:p15="http://schemas.microsoft.com/office/powerpoint/2012/main">
+    <mc:Choice Requires="p15">
       <p:transition xmlns:p14="http://schemas.microsoft.com/office/powerpoint/2010/main" spd="slow" p14:dur="2000">
         <p15:prstTrans prst="drape"/>
       </p:transition>
     </mc:Choice>
-    <mc:Fallback>
+    <mc:Fallback xmlns="">
       <p:transition spd="slow">
         <p:fade/>
       </p:transition>
@@ -19988,13 +20144,13 @@
   <p:clrMapOvr>
     <a:masterClrMapping/>
   </p:clrMapOvr>
-  <mc:AlternateContent xmlns:mc="http://schemas.openxmlformats.org/markup-compatibility/2006">
-    <mc:Choice xmlns:p15="http://schemas.microsoft.com/office/powerpoint/2012/main" Requires="p15">
+  <mc:AlternateContent xmlns:mc="http://schemas.openxmlformats.org/markup-compatibility/2006" xmlns:p15="http://schemas.microsoft.com/office/powerpoint/2012/main">
+    <mc:Choice Requires="p15">
       <p:transition xmlns:p14="http://schemas.microsoft.com/office/powerpoint/2010/main" spd="slow" p14:dur="2000">
         <p15:prstTrans prst="drape"/>
       </p:transition>
     </mc:Choice>
-    <mc:Fallback>
+    <mc:Fallback xmlns="">
       <p:transition spd="slow">
         <p:fade/>
       </p:transition>

--- a/Taller Nicolas Hoyos  y Mariana Gomez.pptx
+++ b/Taller Nicolas Hoyos  y Mariana Gomez.pptx
@@ -5045,7 +5045,7 @@
       <dgm:spPr/>
     </dgm:pt>
     <dgm:pt modelId="{EA5B6C21-EAB4-4898-99FB-95E78FD173B0}" type="pres">
-      <dgm:prSet presAssocID="{64FAD96E-634F-4D7C-9DFE-00DD96663E64}" presName="iconRect" presStyleLbl="node1" presStyleIdx="0" presStyleCnt="2"/>
+      <dgm:prSet presAssocID="{64FAD96E-634F-4D7C-9DFE-00DD96663E64}" presName="iconRect" presStyleLbl="node1" presStyleIdx="0" presStyleCnt="2" custLinFactNeighborX="5987" custLinFactNeighborY="-18989"/>
       <dgm:spPr>
         <a:ln>
           <a:noFill/>
@@ -5955,7 +5955,7 @@
       </dsp:nvSpPr>
       <dsp:spPr>
         <a:xfrm>
-          <a:off x="1953914" y="529294"/>
+          <a:off x="2070301" y="160148"/>
           <a:ext cx="1944000" cy="1944000"/>
         </a:xfrm>
         <a:prstGeom prst="rect">
@@ -19253,6 +19253,50 @@
           </a:graphicData>
         </a:graphic>
       </p:graphicFrame>
+      <p:sp>
+        <p:nvSpPr>
+          <p:cNvPr id="12" name="CuadroTexto 11">
+            <a:extLst>
+              <a:ext uri="{FF2B5EF4-FFF2-40B4-BE49-F238E27FC236}">
+                <a16:creationId xmlns:a16="http://schemas.microsoft.com/office/drawing/2014/main" id="{D8A28478-149D-4A9D-B1F4-282E362615C1}"/>
+              </a:ext>
+            </a:extLst>
+          </p:cNvPr>
+          <p:cNvSpPr txBox="1"/>
+          <p:nvPr/>
+        </p:nvSpPr>
+        <p:spPr>
+          <a:xfrm>
+            <a:off x="436418" y="5196697"/>
+            <a:ext cx="6093228" cy="923330"/>
+          </a:xfrm>
+          <a:prstGeom prst="rect">
+            <a:avLst/>
+          </a:prstGeom>
+          <a:noFill/>
+        </p:spPr>
+        <p:txBody>
+          <a:bodyPr wrap="square">
+            <a:spAutoFit/>
+          </a:bodyPr>
+          <a:lstStyle/>
+          <a:p>
+            <a:r>
+              <a:rPr lang="es-ES" dirty="0"/>
+              <a:t>En C#, un "</a:t>
+            </a:r>
+            <a:r>
+              <a:rPr lang="es-ES" dirty="0" err="1"/>
+              <a:t>event</a:t>
+            </a:r>
+            <a:r>
+              <a:rPr lang="es-ES" dirty="0"/>
+              <a:t>" (evento) es una característica que permite a una clase proporcionar notificaciones a otras clases cuando ocurren ciertas acciones o cambios de estado importantes.</a:t>
+            </a:r>
+            <a:endParaRPr lang="es-CO" dirty="0"/>
+          </a:p>
+        </p:txBody>
+      </p:sp>
     </p:spTree>
     <p:extLst>
       <p:ext uri="{BB962C8B-B14F-4D97-AF65-F5344CB8AC3E}">
@@ -19697,7 +19741,7 @@
             <p:ph idx="1"/>
             <p:extLst>
               <p:ext uri="{D42A27DB-BD31-4B8C-83A1-F6EECF244321}">
-                <p14:modId xmlns:p14="http://schemas.microsoft.com/office/powerpoint/2010/main" val="1826017684"/>
+                <p14:modId xmlns:p14="http://schemas.microsoft.com/office/powerpoint/2010/main" val="2216645327"/>
               </p:ext>
             </p:extLst>
           </p:nvPr>
@@ -19712,6 +19756,58 @@
           </a:graphicData>
         </a:graphic>
       </p:graphicFrame>
+      <p:sp>
+        <p:nvSpPr>
+          <p:cNvPr id="12" name="CuadroTexto 11">
+            <a:extLst>
+              <a:ext uri="{FF2B5EF4-FFF2-40B4-BE49-F238E27FC236}">
+                <a16:creationId xmlns:a16="http://schemas.microsoft.com/office/drawing/2014/main" id="{FD33774F-5C36-44B5-A692-19451F023DCA}"/>
+              </a:ext>
+            </a:extLst>
+          </p:cNvPr>
+          <p:cNvSpPr txBox="1"/>
+          <p:nvPr/>
+        </p:nvSpPr>
+        <p:spPr>
+          <a:xfrm>
+            <a:off x="23941" y="5371053"/>
+            <a:ext cx="6093228" cy="646331"/>
+          </a:xfrm>
+          <a:prstGeom prst="rect">
+            <a:avLst/>
+          </a:prstGeom>
+          <a:noFill/>
+        </p:spPr>
+        <p:txBody>
+          <a:bodyPr wrap="square">
+            <a:spAutoFit/>
+          </a:bodyPr>
+          <a:lstStyle/>
+          <a:p>
+            <a:r>
+              <a:rPr lang="es-ES" dirty="0"/>
+              <a:t>En el </a:t>
+            </a:r>
+            <a:r>
+              <a:rPr lang="es-ES" dirty="0" err="1"/>
+              <a:t>Corgi</a:t>
+            </a:r>
+            <a:r>
+              <a:rPr lang="es-ES" dirty="0"/>
+              <a:t> </a:t>
+            </a:r>
+            <a:r>
+              <a:rPr lang="es-ES" dirty="0" err="1"/>
+              <a:t>Engine</a:t>
+            </a:r>
+            <a:r>
+              <a:rPr lang="es-ES" dirty="0"/>
+              <a:t> de Unity, los eventos se manejan a través del sistema de mensajes y eventos proporcionado por el motor. </a:t>
+            </a:r>
+            <a:endParaRPr lang="es-CO" dirty="0"/>
+          </a:p>
+        </p:txBody>
+      </p:sp>
     </p:spTree>
     <p:extLst>
       <p:ext uri="{BB962C8B-B14F-4D97-AF65-F5344CB8AC3E}">

--- a/Taller Nicolas Hoyos  y Mariana Gomez.pptx
+++ b/Taller Nicolas Hoyos  y Mariana Gomez.pptx
@@ -4685,7 +4685,7 @@
       <dgm:spPr/>
     </dgm:pt>
     <dgm:pt modelId="{EA5B6C21-EAB4-4898-99FB-95E78FD173B0}" type="pres">
-      <dgm:prSet presAssocID="{64FAD96E-634F-4D7C-9DFE-00DD96663E64}" presName="iconRect" presStyleLbl="node1" presStyleIdx="0" presStyleCnt="2" custLinFactNeighborX="980" custLinFactNeighborY="25968"/>
+      <dgm:prSet presAssocID="{64FAD96E-634F-4D7C-9DFE-00DD96663E64}" presName="iconRect" presStyleLbl="node1" presStyleIdx="0" presStyleCnt="2" custLinFactY="-100000" custLinFactNeighborX="95249" custLinFactNeighborY="-149676"/>
       <dgm:spPr>
         <a:ln>
           <a:noFill/>
@@ -5524,8 +5524,8 @@
       </dsp:nvSpPr>
       <dsp:spPr>
         <a:xfrm>
-          <a:off x="1972965" y="1034112"/>
-          <a:ext cx="1944000" cy="1944000"/>
+          <a:off x="1659206" y="0"/>
+          <a:ext cx="439013" cy="439013"/>
         </a:xfrm>
         <a:prstGeom prst="rect">
           <a:avLst/>
@@ -5567,8 +5567,8 @@
       </dsp:nvSpPr>
       <dsp:spPr>
         <a:xfrm>
-          <a:off x="0" y="2352959"/>
-          <a:ext cx="4320000" cy="720000"/>
+          <a:off x="211299" y="319662"/>
+          <a:ext cx="975585" cy="390234"/>
         </a:xfrm>
         <a:prstGeom prst="rect">
           <a:avLst/>
@@ -5597,7 +5597,7 @@
         </a:bodyPr>
         <a:lstStyle/>
         <a:p>
-          <a:pPr marL="0" lvl="0" indent="0" algn="ctr" defTabSz="2222500">
+          <a:pPr marL="0" lvl="0" indent="0" algn="ctr" defTabSz="1200150">
             <a:lnSpc>
               <a:spcPct val="90000"/>
             </a:lnSpc>
@@ -5609,12 +5609,12 @@
             </a:spcAft>
             <a:buNone/>
           </a:pPr>
-          <a:endParaRPr lang="en-US" sz="5000" kern="1200" dirty="0"/>
+          <a:endParaRPr lang="en-US" sz="2700" kern="1200" dirty="0"/>
         </a:p>
       </dsp:txBody>
       <dsp:txXfrm>
-        <a:off x="0" y="2352959"/>
-        <a:ext cx="4320000" cy="720000"/>
+        <a:off x="211299" y="319662"/>
+        <a:ext cx="975585" cy="390234"/>
       </dsp:txXfrm>
     </dsp:sp>
     <dsp:sp modelId="{205EBAF0-4DCE-4870-889D-EEBE5CCEF842}">
@@ -5624,8 +5624,8 @@
       </dsp:nvSpPr>
       <dsp:spPr>
         <a:xfrm>
-          <a:off x="7029914" y="976977"/>
-          <a:ext cx="1944000" cy="1944000"/>
+          <a:off x="2387363" y="155440"/>
+          <a:ext cx="439013" cy="439013"/>
         </a:xfrm>
         <a:prstGeom prst="rect">
           <a:avLst/>
@@ -5667,8 +5667,8 @@
       </dsp:nvSpPr>
       <dsp:spPr>
         <a:xfrm>
-          <a:off x="5841914" y="2943510"/>
-          <a:ext cx="4320000" cy="720000"/>
+          <a:off x="2119077" y="639736"/>
+          <a:ext cx="975585" cy="390234"/>
         </a:xfrm>
         <a:prstGeom prst="rect">
           <a:avLst/>
@@ -5697,7 +5697,7 @@
         </a:bodyPr>
         <a:lstStyle/>
         <a:p>
-          <a:pPr marL="0" lvl="0" indent="0" algn="ctr" defTabSz="2222500">
+          <a:pPr marL="0" lvl="0" indent="0" algn="ctr" defTabSz="1200150">
             <a:lnSpc>
               <a:spcPct val="90000"/>
             </a:lnSpc>
@@ -5709,12 +5709,12 @@
             </a:spcAft>
             <a:buNone/>
           </a:pPr>
-          <a:endParaRPr lang="en-US" sz="5000" kern="1200" dirty="0"/>
+          <a:endParaRPr lang="en-US" sz="2700" kern="1200" dirty="0"/>
         </a:p>
       </dsp:txBody>
       <dsp:txXfrm>
-        <a:off x="5841914" y="2943510"/>
-        <a:ext cx="4320000" cy="720000"/>
+        <a:off x="2119077" y="639736"/>
+        <a:ext cx="975585" cy="390234"/>
       </dsp:txXfrm>
     </dsp:sp>
   </dsp:spTree>
@@ -5736,8 +5736,8 @@
       </dsp:nvSpPr>
       <dsp:spPr>
         <a:xfrm>
-          <a:off x="1953914" y="529294"/>
-          <a:ext cx="1944000" cy="1944000"/>
+          <a:off x="482336" y="40223"/>
+          <a:ext cx="324711" cy="324711"/>
         </a:xfrm>
         <a:prstGeom prst="rect">
           <a:avLst/>
@@ -5786,8 +5786,8 @@
       </dsp:nvSpPr>
       <dsp:spPr>
         <a:xfrm>
-          <a:off x="765914" y="2943510"/>
-          <a:ext cx="4320000" cy="720000"/>
+          <a:off x="283901" y="473214"/>
+          <a:ext cx="721582" cy="288632"/>
         </a:xfrm>
         <a:prstGeom prst="rect">
           <a:avLst/>
@@ -5816,7 +5816,7 @@
         </a:bodyPr>
         <a:lstStyle/>
         <a:p>
-          <a:pPr marL="0" lvl="0" indent="0" algn="ctr" defTabSz="2222500">
+          <a:pPr marL="0" lvl="0" indent="0" algn="ctr" defTabSz="889000">
             <a:lnSpc>
               <a:spcPct val="90000"/>
             </a:lnSpc>
@@ -5828,12 +5828,12 @@
             </a:spcAft>
             <a:buNone/>
           </a:pPr>
-          <a:endParaRPr lang="en-US" sz="5000" kern="1200" dirty="0"/>
+          <a:endParaRPr lang="en-US" sz="2000" kern="1200" dirty="0"/>
         </a:p>
       </dsp:txBody>
       <dsp:txXfrm>
-        <a:off x="765914" y="2943510"/>
-        <a:ext cx="4320000" cy="720000"/>
+        <a:off x="283901" y="473214"/>
+        <a:ext cx="721582" cy="288632"/>
       </dsp:txXfrm>
     </dsp:sp>
     <dsp:sp modelId="{205EBAF0-4DCE-4870-889D-EEBE5CCEF842}">
@@ -5843,8 +5843,8 @@
       </dsp:nvSpPr>
       <dsp:spPr>
         <a:xfrm>
-          <a:off x="7029914" y="529294"/>
-          <a:ext cx="1944000" cy="1944000"/>
+          <a:off x="1330194" y="40223"/>
+          <a:ext cx="324711" cy="324711"/>
         </a:xfrm>
         <a:prstGeom prst="rect">
           <a:avLst/>
@@ -5886,8 +5886,8 @@
       </dsp:nvSpPr>
       <dsp:spPr>
         <a:xfrm>
-          <a:off x="5841914" y="2943510"/>
-          <a:ext cx="4320000" cy="720000"/>
+          <a:off x="1131759" y="473214"/>
+          <a:ext cx="721582" cy="288632"/>
         </a:xfrm>
         <a:prstGeom prst="rect">
           <a:avLst/>
@@ -5916,7 +5916,7 @@
         </a:bodyPr>
         <a:lstStyle/>
         <a:p>
-          <a:pPr marL="0" lvl="0" indent="0" algn="ctr" defTabSz="2222500">
+          <a:pPr marL="0" lvl="0" indent="0" algn="ctr" defTabSz="889000">
             <a:lnSpc>
               <a:spcPct val="90000"/>
             </a:lnSpc>
@@ -5928,12 +5928,12 @@
             </a:spcAft>
             <a:buNone/>
           </a:pPr>
-          <a:endParaRPr lang="en-US" sz="5000" kern="1200" dirty="0"/>
+          <a:endParaRPr lang="en-US" sz="2000" kern="1200" dirty="0"/>
         </a:p>
       </dsp:txBody>
       <dsp:txXfrm>
-        <a:off x="5841914" y="2943510"/>
-        <a:ext cx="4320000" cy="720000"/>
+        <a:off x="1131759" y="473214"/>
+        <a:ext cx="721582" cy="288632"/>
       </dsp:txXfrm>
     </dsp:sp>
   </dsp:spTree>
@@ -5955,8 +5955,8 @@
       </dsp:nvSpPr>
       <dsp:spPr>
         <a:xfrm>
-          <a:off x="2070301" y="160148"/>
-          <a:ext cx="1944000" cy="1944000"/>
+          <a:off x="155436" y="295520"/>
+          <a:ext cx="230581" cy="230581"/>
         </a:xfrm>
         <a:prstGeom prst="rect">
           <a:avLst/>
@@ -5998,8 +5998,8 @@
       </dsp:nvSpPr>
       <dsp:spPr>
         <a:xfrm>
-          <a:off x="765914" y="2943510"/>
-          <a:ext cx="4320000" cy="720000"/>
+          <a:off x="721" y="646793"/>
+          <a:ext cx="512402" cy="204960"/>
         </a:xfrm>
         <a:prstGeom prst="rect">
           <a:avLst/>
@@ -6028,7 +6028,7 @@
         </a:bodyPr>
         <a:lstStyle/>
         <a:p>
-          <a:pPr marL="0" lvl="0" indent="0" algn="ctr" defTabSz="2222500">
+          <a:pPr marL="0" lvl="0" indent="0" algn="ctr" defTabSz="622300">
             <a:lnSpc>
               <a:spcPct val="90000"/>
             </a:lnSpc>
@@ -6040,12 +6040,12 @@
             </a:spcAft>
             <a:buNone/>
           </a:pPr>
-          <a:endParaRPr lang="en-US" sz="5000" kern="1200" dirty="0"/>
+          <a:endParaRPr lang="en-US" sz="1400" kern="1200" dirty="0"/>
         </a:p>
       </dsp:txBody>
       <dsp:txXfrm>
-        <a:off x="765914" y="2943510"/>
-        <a:ext cx="4320000" cy="720000"/>
+        <a:off x="721" y="646793"/>
+        <a:ext cx="512402" cy="204960"/>
       </dsp:txXfrm>
     </dsp:sp>
     <dsp:sp modelId="{205EBAF0-4DCE-4870-889D-EEBE5CCEF842}">
@@ -6055,8 +6055,8 @@
       </dsp:nvSpPr>
       <dsp:spPr>
         <a:xfrm>
-          <a:off x="7029914" y="529294"/>
-          <a:ext cx="1944000" cy="1944000"/>
+          <a:off x="743704" y="339305"/>
+          <a:ext cx="230581" cy="230581"/>
         </a:xfrm>
         <a:prstGeom prst="rect">
           <a:avLst/>
@@ -6098,8 +6098,8 @@
       </dsp:nvSpPr>
       <dsp:spPr>
         <a:xfrm>
-          <a:off x="5841914" y="2943510"/>
-          <a:ext cx="4320000" cy="720000"/>
+          <a:off x="602794" y="646793"/>
+          <a:ext cx="512402" cy="204960"/>
         </a:xfrm>
         <a:prstGeom prst="rect">
           <a:avLst/>
@@ -6128,7 +6128,7 @@
         </a:bodyPr>
         <a:lstStyle/>
         <a:p>
-          <a:pPr marL="0" lvl="0" indent="0" algn="ctr" defTabSz="2222500">
+          <a:pPr marL="0" lvl="0" indent="0" algn="ctr" defTabSz="622300">
             <a:lnSpc>
               <a:spcPct val="90000"/>
             </a:lnSpc>
@@ -6140,12 +6140,12 @@
             </a:spcAft>
             <a:buNone/>
           </a:pPr>
-          <a:endParaRPr lang="en-US" sz="5000" kern="1200" dirty="0"/>
+          <a:endParaRPr lang="en-US" sz="1400" kern="1200" dirty="0"/>
         </a:p>
       </dsp:txBody>
       <dsp:txXfrm>
-        <a:off x="5841914" y="2943510"/>
-        <a:ext cx="4320000" cy="720000"/>
+        <a:off x="602794" y="646793"/>
+        <a:ext cx="512402" cy="204960"/>
       </dsp:txXfrm>
     </dsp:sp>
   </dsp:spTree>
@@ -18135,8 +18135,8 @@
         </p:nvSpPr>
         <p:spPr>
           <a:xfrm>
-            <a:off x="4162567" y="818984"/>
-            <a:ext cx="6714699" cy="3178689"/>
+            <a:off x="3748158" y="3583244"/>
+            <a:ext cx="4695683" cy="844898"/>
           </a:xfrm>
         </p:spPr>
         <p:txBody>
@@ -18146,7 +18146,7 @@
           <a:lstStyle/>
           <a:p>
             <a:r>
-              <a:rPr lang="en-US" sz="4800" kern="1200">
+              <a:rPr lang="en-US" sz="4800" kern="1200" dirty="0" err="1">
                 <a:solidFill>
                   <a:srgbClr val="FFFFFF"/>
                 </a:solidFill>
@@ -18154,7 +18154,18 @@
                 <a:ea typeface="+mj-ea"/>
                 <a:cs typeface="+mj-cs"/>
               </a:rPr>
-              <a:t>FIN</a:t>
+              <a:t>Muchas</a:t>
+            </a:r>
+            <a:r>
+              <a:rPr lang="en-US" sz="4800" kern="1200" dirty="0">
+                <a:solidFill>
+                  <a:srgbClr val="FFFFFF"/>
+                </a:solidFill>
+                <a:latin typeface="+mj-lt"/>
+                <a:ea typeface="+mj-ea"/>
+                <a:cs typeface="+mj-cs"/>
+              </a:rPr>
+              <a:t> gracias :)</a:t>
             </a:r>
           </a:p>
         </p:txBody>
@@ -18647,14 +18658,14 @@
             <p:ph idx="1"/>
             <p:extLst>
               <p:ext uri="{D42A27DB-BD31-4B8C-83A1-F6EECF244321}">
-                <p14:modId xmlns:p14="http://schemas.microsoft.com/office/powerpoint/2010/main" val="145295449"/>
+                <p14:modId xmlns:p14="http://schemas.microsoft.com/office/powerpoint/2010/main" val="356627214"/>
               </p:ext>
             </p:extLst>
           </p:nvPr>
         </p:nvGraphicFramePr>
         <p:xfrm>
-          <a:off x="644056" y="2112579"/>
-          <a:ext cx="10927829" cy="4192805"/>
+          <a:off x="-1241100" y="-1874220"/>
+          <a:ext cx="4067427" cy="1084311"/>
         </p:xfrm>
         <a:graphic>
           <a:graphicData uri="http://schemas.openxmlformats.org/drawingml/2006/diagram">
@@ -18662,45 +18673,6 @@
           </a:graphicData>
         </a:graphic>
       </p:graphicFrame>
-      <p:sp>
-        <p:nvSpPr>
-          <p:cNvPr id="10" name="CuadroTexto 9">
-            <a:extLst>
-              <a:ext uri="{FF2B5EF4-FFF2-40B4-BE49-F238E27FC236}">
-                <a16:creationId xmlns:a16="http://schemas.microsoft.com/office/drawing/2014/main" id="{B7F8C6B3-97CE-4F33-90FA-C51CA1145736}"/>
-              </a:ext>
-            </a:extLst>
-          </p:cNvPr>
-          <p:cNvSpPr txBox="1"/>
-          <p:nvPr/>
-        </p:nvSpPr>
-        <p:spPr>
-          <a:xfrm>
-            <a:off x="968433" y="2112088"/>
-            <a:ext cx="6093228" cy="923330"/>
-          </a:xfrm>
-          <a:prstGeom prst="rect">
-            <a:avLst/>
-          </a:prstGeom>
-          <a:noFill/>
-        </p:spPr>
-        <p:txBody>
-          <a:bodyPr wrap="square">
-            <a:spAutoFit/>
-          </a:bodyPr>
-          <a:lstStyle/>
-          <a:p>
-            <a:r>
-              <a:rPr lang="es-ES" b="0" i="0" dirty="0">
-                <a:effectLst/>
-                <a:latin typeface="Söhne"/>
-              </a:rPr>
-              <a:t>el concepto de "delegado" se refiere a un tipo especial de objeto que permite pasar métodos como argumentos a otros métodos.</a:t>
-            </a:r>
-            <a:endParaRPr lang="es-CO" dirty="0"/>
-          </a:p>
-        </p:txBody>
-      </p:sp>
       <p:sp>
         <p:nvSpPr>
           <p:cNvPr id="14" name="CuadroTexto 13">
@@ -18715,8 +18687,8 @@
         </p:nvSpPr>
         <p:spPr>
           <a:xfrm>
-            <a:off x="620115" y="5057735"/>
-            <a:ext cx="6093228" cy="1200329"/>
+            <a:off x="4957503" y="2691445"/>
+            <a:ext cx="6886749" cy="2677656"/>
           </a:xfrm>
           <a:prstGeom prst="rect">
             <a:avLst/>
@@ -18730,94 +18702,70 @@
           <a:lstStyle/>
           <a:p>
             <a:r>
-              <a:rPr lang="es-ES" b="0" i="0" dirty="0">
+              <a:rPr lang="es-ES" sz="2400" b="0" i="0" dirty="0">
                 <a:effectLst/>
                 <a:latin typeface="Söhne"/>
               </a:rPr>
-              <a:t>un delegado en scripting es un objeto que representa un método y que se puede pasar como argumento a otros métodos, lo que permite un manejo flexible de eventos y una mayor modularidad en el código.</a:t>
+              <a:t>Un delegado es un objeto que representa un método y que se puede pasar como argumento a otros métodos, lo que permite un manejo flexible de eventos y una mayor modularidad en el código, </a:t>
             </a:r>
-            <a:endParaRPr lang="es-CO" dirty="0"/>
+            <a:r>
+              <a:rPr lang="es-ES" sz="2400" b="0" i="0" dirty="0">
+                <a:effectLst/>
+                <a:latin typeface="Google Sans"/>
+              </a:rPr>
+              <a:t>los delegados encapsulan una instancia de objeto y un método. Los delegados permiten pasar los métodos como parámetros.</a:t>
+            </a:r>
+            <a:endParaRPr lang="es-CO" sz="2400" dirty="0"/>
           </a:p>
         </p:txBody>
       </p:sp>
-      <p:sp>
-        <p:nvSpPr>
-          <p:cNvPr id="16" name="CuadroTexto 15">
+      <p:pic>
+        <p:nvPicPr>
+          <p:cNvPr id="1026" name="Picture 2" descr="Imágenes de Delegado - Descarga gratuita en Freepik">
             <a:extLst>
               <a:ext uri="{FF2B5EF4-FFF2-40B4-BE49-F238E27FC236}">
-                <a16:creationId xmlns:a16="http://schemas.microsoft.com/office/drawing/2014/main" id="{743244F3-E1A6-4A8E-8287-00EFC96D5B72}"/>
+                <a16:creationId xmlns:a16="http://schemas.microsoft.com/office/drawing/2014/main" id="{B336D760-2BA1-462D-99C2-C89FC14D169D}"/>
               </a:ext>
             </a:extLst>
           </p:cNvPr>
-          <p:cNvSpPr txBox="1"/>
+          <p:cNvPicPr>
+            <a:picLocks noChangeAspect="1" noChangeArrowheads="1"/>
+          </p:cNvPicPr>
           <p:nvPr/>
-        </p:nvSpPr>
-        <p:spPr>
+        </p:nvPicPr>
+        <p:blipFill>
+          <a:blip r:embed="rId7">
+            <a:extLst>
+              <a:ext uri="{28A0092B-C50C-407E-A947-70E740481C1C}">
+                <a14:useLocalDpi xmlns:a14="http://schemas.microsoft.com/office/drawing/2010/main" val="0"/>
+              </a:ext>
+            </a:extLst>
+          </a:blip>
+          <a:srcRect/>
+          <a:stretch>
+            <a:fillRect/>
+          </a:stretch>
+        </p:blipFill>
+        <p:spPr bwMode="auto">
           <a:xfrm>
-            <a:off x="6323766" y="5541210"/>
-            <a:ext cx="6093228" cy="646331"/>
+            <a:off x="733422" y="2207129"/>
+            <a:ext cx="3448053" cy="3448053"/>
           </a:xfrm>
           <a:prstGeom prst="rect">
             <a:avLst/>
           </a:prstGeom>
           <a:noFill/>
+          <a:extLst>
+            <a:ext uri="{909E8E84-426E-40DD-AFC4-6F175D3DCCD1}">
+              <a14:hiddenFill xmlns:a14="http://schemas.microsoft.com/office/drawing/2010/main">
+                <a:solidFill>
+                  <a:srgbClr val="FFFFFF"/>
+                </a:solidFill>
+              </a14:hiddenFill>
+            </a:ext>
+          </a:extLst>
         </p:spPr>
-        <p:txBody>
-          <a:bodyPr wrap="square">
-            <a:spAutoFit/>
-          </a:bodyPr>
-          <a:lstStyle/>
-          <a:p>
-            <a:r>
-              <a:rPr lang="es-ES" b="0" i="0">
-                <a:effectLst/>
-                <a:latin typeface="Google Sans"/>
-              </a:rPr>
-              <a:t>los delegados encapsulan una instancia de objeto y un método. Los delegados permiten pasar los métodos como parámetros.</a:t>
-            </a:r>
-            <a:endParaRPr lang="es-CO" dirty="0"/>
-          </a:p>
-        </p:txBody>
-      </p:sp>
-      <p:sp>
-        <p:nvSpPr>
-          <p:cNvPr id="17" name="CuadroTexto 16">
-            <a:extLst>
-              <a:ext uri="{FF2B5EF4-FFF2-40B4-BE49-F238E27FC236}">
-                <a16:creationId xmlns:a16="http://schemas.microsoft.com/office/drawing/2014/main" id="{0AD5BE1E-3A19-41A9-8AED-A44C23E693FB}"/>
-              </a:ext>
-            </a:extLst>
-          </p:cNvPr>
-          <p:cNvSpPr txBox="1"/>
-          <p:nvPr/>
-        </p:nvSpPr>
-        <p:spPr>
-          <a:xfrm>
-            <a:off x="6323766" y="1987182"/>
-            <a:ext cx="6242858" cy="1200329"/>
-          </a:xfrm>
-          <a:prstGeom prst="rect">
-            <a:avLst/>
-          </a:prstGeom>
-          <a:noFill/>
-        </p:spPr>
-        <p:txBody>
-          <a:bodyPr wrap="square">
-            <a:spAutoFit/>
-          </a:bodyPr>
-          <a:lstStyle/>
-          <a:p>
-            <a:r>
-              <a:rPr lang="es-ES" b="0" i="0" dirty="0">
-                <a:effectLst/>
-                <a:latin typeface="Segoe UI" panose="020B0502040204020203" pitchFamily="34" charset="0"/>
-              </a:rPr>
-              <a:t>Los delegados se utilizan para pasar métodos como argumentos a otros métodos. Los controladores de eventos no son más que métodos que se invocan a través de delegados.</a:t>
-            </a:r>
-            <a:endParaRPr lang="es-CO" dirty="0"/>
-          </a:p>
-        </p:txBody>
-      </p:sp>
+      </p:pic>
     </p:spTree>
     <p:extLst>
       <p:ext uri="{BB962C8B-B14F-4D97-AF65-F5344CB8AC3E}">
@@ -19238,14 +19186,14 @@
             <p:ph idx="1"/>
             <p:extLst>
               <p:ext uri="{D42A27DB-BD31-4B8C-83A1-F6EECF244321}">
-                <p14:modId xmlns:p14="http://schemas.microsoft.com/office/powerpoint/2010/main" val="535825115"/>
+                <p14:modId xmlns:p14="http://schemas.microsoft.com/office/powerpoint/2010/main" val="20928757"/>
               </p:ext>
             </p:extLst>
           </p:nvPr>
         </p:nvGraphicFramePr>
         <p:xfrm>
-          <a:off x="644056" y="2112579"/>
-          <a:ext cx="10927829" cy="4192805"/>
+          <a:off x="12647808" y="2846200"/>
+          <a:ext cx="2137243" cy="802071"/>
         </p:xfrm>
         <a:graphic>
           <a:graphicData uri="http://schemas.openxmlformats.org/drawingml/2006/diagram">
@@ -19267,8 +19215,8 @@
         </p:nvSpPr>
         <p:spPr>
           <a:xfrm>
-            <a:off x="436418" y="5196697"/>
-            <a:ext cx="6093228" cy="923330"/>
+            <a:off x="6096000" y="2290003"/>
+            <a:ext cx="5709902" cy="3416320"/>
           </a:xfrm>
           <a:prstGeom prst="rect">
             <a:avLst/>
@@ -19282,21 +19230,73 @@
           <a:lstStyle/>
           <a:p>
             <a:r>
-              <a:rPr lang="es-ES" dirty="0"/>
-              <a:t>En C#, un "</a:t>
+              <a:rPr lang="es-ES" sz="2400" dirty="0"/>
+              <a:t>En C#, un evento es una característica que permite a una clase proporcionar notificaciones a otras clases cuando ocurren ciertas acciones o cambios de estado importantes, </a:t>
             </a:r>
             <a:r>
-              <a:rPr lang="es-ES" dirty="0" err="1"/>
-              <a:t>event</a:t>
+              <a:rPr lang="es-ES" sz="2400" dirty="0">
+                <a:latin typeface="Google Sans"/>
+              </a:rPr>
+              <a:t>l</a:t>
             </a:r>
             <a:r>
-              <a:rPr lang="es-ES" dirty="0"/>
-              <a:t>" (evento) es una característica que permite a una clase proporcionar notificaciones a otras clases cuando ocurren ciertas acciones o cambios de estado importantes.</a:t>
+              <a:rPr lang="es-ES" sz="2400" b="0" i="0" dirty="0">
+                <a:effectLst/>
+                <a:latin typeface="Google Sans"/>
+              </a:rPr>
+              <a:t>a acción podría deberse a la interacción del usuario, como hacer clic en un botón, o podría derivarse de cualquier otra lógica del programa, como el cambio del valor de una propiedad.</a:t>
             </a:r>
-            <a:endParaRPr lang="es-CO" dirty="0"/>
+            <a:endParaRPr lang="es-CO" sz="2400" dirty="0"/>
           </a:p>
         </p:txBody>
       </p:sp>
+      <p:pic>
+        <p:nvPicPr>
+          <p:cNvPr id="2050" name="Picture 2" descr="Programación orientada a eventos: características, ejemplos, ventajas,  aplicaciones">
+            <a:extLst>
+              <a:ext uri="{FF2B5EF4-FFF2-40B4-BE49-F238E27FC236}">
+                <a16:creationId xmlns:a16="http://schemas.microsoft.com/office/drawing/2014/main" id="{8E2C2CCB-0134-40A8-8702-A80BCDE511EA}"/>
+              </a:ext>
+            </a:extLst>
+          </p:cNvPr>
+          <p:cNvPicPr>
+            <a:picLocks noChangeAspect="1" noChangeArrowheads="1"/>
+          </p:cNvPicPr>
+          <p:nvPr/>
+        </p:nvPicPr>
+        <p:blipFill>
+          <a:blip r:embed="rId7">
+            <a:extLst>
+              <a:ext uri="{28A0092B-C50C-407E-A947-70E740481C1C}">
+                <a14:useLocalDpi xmlns:a14="http://schemas.microsoft.com/office/drawing/2010/main" val="0"/>
+              </a:ext>
+            </a:extLst>
+          </a:blip>
+          <a:srcRect/>
+          <a:stretch>
+            <a:fillRect/>
+          </a:stretch>
+        </p:blipFill>
+        <p:spPr bwMode="auto">
+          <a:xfrm>
+            <a:off x="226142" y="2121231"/>
+            <a:ext cx="5486400" cy="4191000"/>
+          </a:xfrm>
+          <a:prstGeom prst="rect">
+            <a:avLst/>
+          </a:prstGeom>
+          <a:noFill/>
+          <a:extLst>
+            <a:ext uri="{909E8E84-426E-40DD-AFC4-6F175D3DCCD1}">
+              <a14:hiddenFill xmlns:a14="http://schemas.microsoft.com/office/drawing/2010/main">
+                <a:solidFill>
+                  <a:srgbClr val="FFFFFF"/>
+                </a:solidFill>
+              </a14:hiddenFill>
+            </a:ext>
+          </a:extLst>
+        </p:spPr>
+      </p:pic>
     </p:spTree>
     <p:extLst>
       <p:ext uri="{BB962C8B-B14F-4D97-AF65-F5344CB8AC3E}">
@@ -19699,7 +19699,7 @@
                   <a:srgbClr val="FFFFFF"/>
                 </a:solidFill>
               </a:rPr>
-              <a:t>corgi</a:t>
+              <a:t>Corgi</a:t>
             </a:r>
             <a:r>
               <a:rPr lang="es-CO" sz="4000" dirty="0">
@@ -19715,7 +19715,7 @@
                   <a:srgbClr val="FFFFFF"/>
                 </a:solidFill>
               </a:rPr>
-              <a:t>engine</a:t>
+              <a:t>Engine</a:t>
             </a:r>
             <a:endParaRPr lang="es-ES" sz="4000" dirty="0">
               <a:solidFill>
@@ -19741,14 +19741,14 @@
             <p:ph idx="1"/>
             <p:extLst>
               <p:ext uri="{D42A27DB-BD31-4B8C-83A1-F6EECF244321}">
-                <p14:modId xmlns:p14="http://schemas.microsoft.com/office/powerpoint/2010/main" val="2216645327"/>
+                <p14:modId xmlns:p14="http://schemas.microsoft.com/office/powerpoint/2010/main" val="4133025351"/>
               </p:ext>
             </p:extLst>
           </p:nvPr>
         </p:nvGraphicFramePr>
         <p:xfrm>
-          <a:off x="644056" y="2112579"/>
-          <a:ext cx="10927829" cy="4192805"/>
+          <a:off x="-1450214" y="1778283"/>
+          <a:ext cx="1115918" cy="1191060"/>
         </p:xfrm>
         <a:graphic>
           <a:graphicData uri="http://schemas.openxmlformats.org/drawingml/2006/diagram">
@@ -19770,8 +19770,8 @@
         </p:nvSpPr>
         <p:spPr>
           <a:xfrm>
-            <a:off x="23941" y="5371053"/>
-            <a:ext cx="6093228" cy="646331"/>
+            <a:off x="604043" y="1924342"/>
+            <a:ext cx="6376859" cy="1384995"/>
           </a:xfrm>
           <a:prstGeom prst="rect">
             <a:avLst/>
@@ -19785,29 +19785,76 @@
           <a:lstStyle/>
           <a:p>
             <a:r>
-              <a:rPr lang="es-ES" dirty="0"/>
-              <a:t>En el </a:t>
+              <a:rPr lang="es-ES" sz="2800" dirty="0"/>
+              <a:t>En </a:t>
             </a:r>
             <a:r>
-              <a:rPr lang="es-ES" dirty="0" err="1"/>
+              <a:rPr lang="es-ES" sz="2800" dirty="0" err="1"/>
               <a:t>Corgi</a:t>
             </a:r>
             <a:r>
-              <a:rPr lang="es-ES" dirty="0"/>
+              <a:rPr lang="es-ES" sz="2800" dirty="0"/>
               <a:t> </a:t>
             </a:r>
             <a:r>
-              <a:rPr lang="es-ES" dirty="0" err="1"/>
+              <a:rPr lang="es-ES" sz="2800" dirty="0" err="1"/>
               <a:t>Engine</a:t>
             </a:r>
             <a:r>
-              <a:rPr lang="es-ES" dirty="0"/>
+              <a:rPr lang="es-ES" sz="2800" dirty="0"/>
               <a:t> de Unity, los eventos se manejan a través del sistema de mensajes y eventos proporcionado por el motor. </a:t>
             </a:r>
-            <a:endParaRPr lang="es-CO" dirty="0"/>
+            <a:endParaRPr lang="es-CO" sz="2800" dirty="0"/>
           </a:p>
         </p:txBody>
       </p:sp>
+      <p:pic>
+        <p:nvPicPr>
+          <p:cNvPr id="3074" name="Picture 2" descr="Corgi Engine Tech Demo - Aplicaciones en Google Play">
+            <a:extLst>
+              <a:ext uri="{FF2B5EF4-FFF2-40B4-BE49-F238E27FC236}">
+                <a16:creationId xmlns:a16="http://schemas.microsoft.com/office/drawing/2014/main" id="{E8BEB607-568F-4AF1-B6BF-83FDE3D5167E}"/>
+              </a:ext>
+            </a:extLst>
+          </p:cNvPr>
+          <p:cNvPicPr>
+            <a:picLocks noChangeAspect="1" noChangeArrowheads="1"/>
+          </p:cNvPicPr>
+          <p:nvPr/>
+        </p:nvPicPr>
+        <p:blipFill>
+          <a:blip r:embed="rId7">
+            <a:extLst>
+              <a:ext uri="{28A0092B-C50C-407E-A947-70E740481C1C}">
+                <a14:useLocalDpi xmlns:a14="http://schemas.microsoft.com/office/drawing/2010/main" val="0"/>
+              </a:ext>
+            </a:extLst>
+          </a:blip>
+          <a:srcRect/>
+          <a:stretch>
+            <a:fillRect/>
+          </a:stretch>
+        </p:blipFill>
+        <p:spPr bwMode="auto">
+          <a:xfrm>
+            <a:off x="427065" y="3740715"/>
+            <a:ext cx="2394794" cy="2394794"/>
+          </a:xfrm>
+          <a:prstGeom prst="rect">
+            <a:avLst/>
+          </a:prstGeom>
+          <a:noFill/>
+          <a:extLst>
+            <a:ext uri="{909E8E84-426E-40DD-AFC4-6F175D3DCCD1}">
+              <a14:hiddenFill xmlns:a14="http://schemas.microsoft.com/office/drawing/2010/main">
+                <a:solidFill>
+                  <a:srgbClr val="FFFFFF"/>
+                </a:solidFill>
+              </a14:hiddenFill>
+            </a:ext>
+          </a:extLst>
+        </p:spPr>
+      </p:pic>
     </p:spTree>
     <p:extLst>
       <p:ext uri="{BB962C8B-B14F-4D97-AF65-F5344CB8AC3E}">

--- a/Taller Nicolas Hoyos  y Mariana Gomez.pptx
+++ b/Taller Nicolas Hoyos  y Mariana Gomez.pptx
@@ -5,20 +5,22 @@
     <p:sldMasterId id="2147483648" r:id="rId1"/>
   </p:sldMasterIdLst>
   <p:notesMasterIdLst>
-    <p:notesMasterId r:id="rId13"/>
+    <p:notesMasterId r:id="rId15"/>
   </p:notesMasterIdLst>
   <p:sldIdLst>
     <p:sldId id="256" r:id="rId2"/>
     <p:sldId id="257" r:id="rId3"/>
-    <p:sldId id="264" r:id="rId4"/>
-    <p:sldId id="265" r:id="rId5"/>
-    <p:sldId id="266" r:id="rId6"/>
-    <p:sldId id="258" r:id="rId7"/>
-    <p:sldId id="259" r:id="rId8"/>
-    <p:sldId id="260" r:id="rId9"/>
-    <p:sldId id="261" r:id="rId10"/>
-    <p:sldId id="262" r:id="rId11"/>
-    <p:sldId id="263" r:id="rId12"/>
+    <p:sldId id="268" r:id="rId4"/>
+    <p:sldId id="264" r:id="rId5"/>
+    <p:sldId id="267" r:id="rId6"/>
+    <p:sldId id="265" r:id="rId7"/>
+    <p:sldId id="266" r:id="rId8"/>
+    <p:sldId id="258" r:id="rId9"/>
+    <p:sldId id="259" r:id="rId10"/>
+    <p:sldId id="260" r:id="rId11"/>
+    <p:sldId id="261" r:id="rId12"/>
+    <p:sldId id="262" r:id="rId13"/>
+    <p:sldId id="263" r:id="rId14"/>
   </p:sldIdLst>
   <p:sldSz cx="12192000" cy="6858000"/>
   <p:notesSz cx="6858000" cy="9144000"/>
@@ -3810,6 +3812,1848 @@
 </file>
 
 <file path=ppt/diagrams/colors5.xml><?xml version="1.0" encoding="utf-8"?>
+<dgm:colorsDef xmlns:dgm="http://schemas.openxmlformats.org/drawingml/2006/diagram" xmlns:a="http://schemas.openxmlformats.org/drawingml/2006/main" uniqueId="urn:microsoft.com/office/officeart/2018/5/colors/Iconchunking_neutralbg_colorful1">
+  <dgm:title val=""/>
+  <dgm:desc val=""/>
+  <dgm:catLst>
+    <dgm:cat type="colorful" pri="10100"/>
+  </dgm:catLst>
+  <dgm:styleLbl name="node0">
+    <dgm:fillClrLst meth="repeat">
+      <a:schemeClr val="accent1"/>
+    </dgm:fillClrLst>
+    <dgm:linClrLst meth="repeat">
+      <a:schemeClr val="lt1"/>
+    </dgm:linClrLst>
+    <dgm:effectClrLst/>
+    <dgm:txLinClrLst/>
+    <dgm:txFillClrLst/>
+    <dgm:txEffectClrLst/>
+  </dgm:styleLbl>
+  <dgm:styleLbl name="node1">
+    <dgm:fillClrLst meth="repeat">
+      <a:schemeClr val="accent2"/>
+      <a:schemeClr val="accent3"/>
+      <a:schemeClr val="accent4"/>
+      <a:schemeClr val="accent5"/>
+      <a:schemeClr val="accent6"/>
+    </dgm:fillClrLst>
+    <dgm:linClrLst meth="repeat">
+      <a:schemeClr val="lt1">
+        <a:alpha val="0"/>
+      </a:schemeClr>
+    </dgm:linClrLst>
+    <dgm:effectClrLst/>
+    <dgm:txLinClrLst/>
+    <dgm:txFillClrLst/>
+    <dgm:txEffectClrLst/>
+  </dgm:styleLbl>
+  <dgm:styleLbl name="alignNode1">
+    <dgm:fillClrLst meth="repeat">
+      <a:schemeClr val="accent2"/>
+      <a:schemeClr val="accent3"/>
+      <a:schemeClr val="accent4"/>
+      <a:schemeClr val="accent5"/>
+      <a:schemeClr val="accent6"/>
+    </dgm:fillClrLst>
+    <dgm:linClrLst meth="repeat">
+      <a:schemeClr val="accent2"/>
+      <a:schemeClr val="accent3"/>
+      <a:schemeClr val="accent4"/>
+      <a:schemeClr val="accent5"/>
+      <a:schemeClr val="accent6"/>
+    </dgm:linClrLst>
+    <dgm:effectClrLst/>
+    <dgm:txLinClrLst/>
+    <dgm:txFillClrLst/>
+    <dgm:txEffectClrLst/>
+  </dgm:styleLbl>
+  <dgm:styleLbl name="lnNode1">
+    <dgm:fillClrLst meth="repeat">
+      <a:schemeClr val="accent2"/>
+      <a:schemeClr val="accent3"/>
+      <a:schemeClr val="accent4"/>
+      <a:schemeClr val="accent5"/>
+      <a:schemeClr val="accent6"/>
+    </dgm:fillClrLst>
+    <dgm:linClrLst meth="repeat">
+      <a:schemeClr val="lt1"/>
+    </dgm:linClrLst>
+    <dgm:effectClrLst/>
+    <dgm:txLinClrLst/>
+    <dgm:txFillClrLst/>
+    <dgm:txEffectClrLst/>
+  </dgm:styleLbl>
+  <dgm:styleLbl name="vennNode1">
+    <dgm:fillClrLst meth="repeat">
+      <a:schemeClr val="accent2">
+        <a:alpha val="50000"/>
+      </a:schemeClr>
+      <a:schemeClr val="accent3">
+        <a:alpha val="50000"/>
+      </a:schemeClr>
+      <a:schemeClr val="accent4">
+        <a:alpha val="50000"/>
+      </a:schemeClr>
+      <a:schemeClr val="accent5">
+        <a:alpha val="50000"/>
+      </a:schemeClr>
+      <a:schemeClr val="accent6">
+        <a:alpha val="50000"/>
+      </a:schemeClr>
+    </dgm:fillClrLst>
+    <dgm:linClrLst meth="repeat">
+      <a:schemeClr val="lt1"/>
+    </dgm:linClrLst>
+    <dgm:effectClrLst/>
+    <dgm:txLinClrLst/>
+    <dgm:txFillClrLst/>
+    <dgm:txEffectClrLst/>
+  </dgm:styleLbl>
+  <dgm:styleLbl name="node2">
+    <dgm:fillClrLst>
+      <a:schemeClr val="accent2"/>
+    </dgm:fillClrLst>
+    <dgm:linClrLst meth="repeat">
+      <a:schemeClr val="lt1"/>
+    </dgm:linClrLst>
+    <dgm:effectClrLst/>
+    <dgm:txLinClrLst/>
+    <dgm:txFillClrLst/>
+    <dgm:txEffectClrLst/>
+  </dgm:styleLbl>
+  <dgm:styleLbl name="node3">
+    <dgm:fillClrLst>
+      <a:schemeClr val="accent3"/>
+    </dgm:fillClrLst>
+    <dgm:linClrLst meth="repeat">
+      <a:schemeClr val="lt1"/>
+    </dgm:linClrLst>
+    <dgm:effectClrLst/>
+    <dgm:txLinClrLst/>
+    <dgm:txFillClrLst/>
+    <dgm:txEffectClrLst/>
+  </dgm:styleLbl>
+  <dgm:styleLbl name="node4">
+    <dgm:fillClrLst>
+      <a:schemeClr val="accent4"/>
+    </dgm:fillClrLst>
+    <dgm:linClrLst meth="repeat">
+      <a:schemeClr val="lt1"/>
+    </dgm:linClrLst>
+    <dgm:effectClrLst/>
+    <dgm:txLinClrLst/>
+    <dgm:txFillClrLst/>
+    <dgm:txEffectClrLst/>
+  </dgm:styleLbl>
+  <dgm:styleLbl name="fgImgPlace1">
+    <dgm:fillClrLst meth="repeat">
+      <a:schemeClr val="accent2">
+        <a:tint val="50000"/>
+      </a:schemeClr>
+      <a:schemeClr val="accent3">
+        <a:tint val="50000"/>
+      </a:schemeClr>
+      <a:schemeClr val="accent4">
+        <a:tint val="50000"/>
+      </a:schemeClr>
+      <a:schemeClr val="accent5">
+        <a:tint val="50000"/>
+      </a:schemeClr>
+      <a:schemeClr val="accent6">
+        <a:tint val="50000"/>
+      </a:schemeClr>
+    </dgm:fillClrLst>
+    <dgm:linClrLst meth="repeat">
+      <a:schemeClr val="lt1"/>
+    </dgm:linClrLst>
+    <dgm:effectClrLst/>
+    <dgm:txLinClrLst/>
+    <dgm:txFillClrLst meth="repeat">
+      <a:schemeClr val="lt1"/>
+    </dgm:txFillClrLst>
+    <dgm:txEffectClrLst/>
+  </dgm:styleLbl>
+  <dgm:styleLbl name="alignImgPlace1">
+    <dgm:fillClrLst>
+      <a:schemeClr val="accent1">
+        <a:tint val="50000"/>
+      </a:schemeClr>
+      <a:schemeClr val="accent2">
+        <a:tint val="20000"/>
+      </a:schemeClr>
+    </dgm:fillClrLst>
+    <dgm:linClrLst meth="repeat">
+      <a:schemeClr val="lt1"/>
+    </dgm:linClrLst>
+    <dgm:effectClrLst/>
+    <dgm:txLinClrLst/>
+    <dgm:txFillClrLst meth="repeat">
+      <a:schemeClr val="lt1"/>
+    </dgm:txFillClrLst>
+    <dgm:txEffectClrLst/>
+  </dgm:styleLbl>
+  <dgm:styleLbl name="bgImgPlace1">
+    <dgm:fillClrLst>
+      <a:schemeClr val="accent1">
+        <a:tint val="50000"/>
+      </a:schemeClr>
+      <a:schemeClr val="accent2">
+        <a:tint val="20000"/>
+      </a:schemeClr>
+    </dgm:fillClrLst>
+    <dgm:linClrLst meth="repeat">
+      <a:schemeClr val="lt1"/>
+    </dgm:linClrLst>
+    <dgm:effectClrLst/>
+    <dgm:txLinClrLst/>
+    <dgm:txFillClrLst meth="repeat">
+      <a:schemeClr val="lt1"/>
+    </dgm:txFillClrLst>
+    <dgm:txEffectClrLst/>
+  </dgm:styleLbl>
+  <dgm:styleLbl name="sibTrans2D1">
+    <dgm:fillClrLst meth="repeat">
+      <a:schemeClr val="accent2"/>
+      <a:schemeClr val="accent3"/>
+      <a:schemeClr val="accent4"/>
+      <a:schemeClr val="accent5"/>
+      <a:schemeClr val="accent6"/>
+    </dgm:fillClrLst>
+    <dgm:linClrLst meth="cycle">
+      <a:schemeClr val="lt1"/>
+    </dgm:linClrLst>
+    <dgm:effectClrLst/>
+    <dgm:txLinClrLst/>
+    <dgm:txFillClrLst/>
+    <dgm:txEffectClrLst/>
+  </dgm:styleLbl>
+  <dgm:styleLbl name="fgSibTrans2D1">
+    <dgm:fillClrLst meth="repeat">
+      <a:schemeClr val="accent2"/>
+      <a:schemeClr val="accent3"/>
+      <a:schemeClr val="accent4"/>
+      <a:schemeClr val="accent5"/>
+      <a:schemeClr val="accent6"/>
+    </dgm:fillClrLst>
+    <dgm:linClrLst meth="cycle">
+      <a:schemeClr val="lt1"/>
+    </dgm:linClrLst>
+    <dgm:effectClrLst/>
+    <dgm:txLinClrLst/>
+    <dgm:txFillClrLst meth="repeat">
+      <a:schemeClr val="lt1"/>
+    </dgm:txFillClrLst>
+    <dgm:txEffectClrLst/>
+  </dgm:styleLbl>
+  <dgm:styleLbl name="bgSibTrans2D1">
+    <dgm:fillClrLst meth="repeat">
+      <a:schemeClr val="accent2"/>
+      <a:schemeClr val="accent3"/>
+      <a:schemeClr val="accent4"/>
+      <a:schemeClr val="accent5"/>
+      <a:schemeClr val="accent6"/>
+    </dgm:fillClrLst>
+    <dgm:linClrLst meth="cycle">
+      <a:schemeClr val="lt1"/>
+    </dgm:linClrLst>
+    <dgm:effectClrLst/>
+    <dgm:txLinClrLst/>
+    <dgm:txFillClrLst meth="repeat">
+      <a:schemeClr val="lt1"/>
+    </dgm:txFillClrLst>
+    <dgm:txEffectClrLst/>
+  </dgm:styleLbl>
+  <dgm:styleLbl name="sibTrans1D1">
+    <dgm:fillClrLst meth="repeat">
+      <a:schemeClr val="accent2"/>
+      <a:schemeClr val="accent3"/>
+      <a:schemeClr val="accent4"/>
+      <a:schemeClr val="accent5"/>
+      <a:schemeClr val="accent6"/>
+    </dgm:fillClrLst>
+    <dgm:linClrLst meth="repeat">
+      <a:schemeClr val="accent2"/>
+      <a:schemeClr val="accent3"/>
+      <a:schemeClr val="accent4"/>
+      <a:schemeClr val="accent5"/>
+      <a:schemeClr val="accent6"/>
+    </dgm:linClrLst>
+    <dgm:effectClrLst/>
+    <dgm:txLinClrLst/>
+    <dgm:txFillClrLst meth="repeat">
+      <a:schemeClr val="tx1"/>
+    </dgm:txFillClrLst>
+    <dgm:txEffectClrLst/>
+  </dgm:styleLbl>
+  <dgm:styleLbl name="callout">
+    <dgm:fillClrLst meth="repeat">
+      <a:schemeClr val="accent2"/>
+    </dgm:fillClrLst>
+    <dgm:linClrLst meth="repeat">
+      <a:schemeClr val="accent2">
+        <a:tint val="50000"/>
+      </a:schemeClr>
+    </dgm:linClrLst>
+    <dgm:effectClrLst/>
+    <dgm:txLinClrLst/>
+    <dgm:txFillClrLst meth="repeat">
+      <a:schemeClr val="tx1"/>
+    </dgm:txFillClrLst>
+    <dgm:txEffectClrLst/>
+  </dgm:styleLbl>
+  <dgm:styleLbl name="asst0">
+    <dgm:fillClrLst meth="repeat">
+      <a:schemeClr val="accent1"/>
+    </dgm:fillClrLst>
+    <dgm:linClrLst meth="repeat">
+      <a:schemeClr val="lt1"/>
+    </dgm:linClrLst>
+    <dgm:effectClrLst/>
+    <dgm:txLinClrLst/>
+    <dgm:txFillClrLst/>
+    <dgm:txEffectClrLst/>
+  </dgm:styleLbl>
+  <dgm:styleLbl name="asst1">
+    <dgm:fillClrLst meth="repeat">
+      <a:schemeClr val="accent2"/>
+    </dgm:fillClrLst>
+    <dgm:linClrLst meth="repeat">
+      <a:schemeClr val="lt1"/>
+    </dgm:linClrLst>
+    <dgm:effectClrLst/>
+    <dgm:txLinClrLst/>
+    <dgm:txFillClrLst/>
+    <dgm:txEffectClrLst/>
+  </dgm:styleLbl>
+  <dgm:styleLbl name="asst2">
+    <dgm:fillClrLst>
+      <a:schemeClr val="accent3"/>
+    </dgm:fillClrLst>
+    <dgm:linClrLst meth="repeat">
+      <a:schemeClr val="lt1"/>
+    </dgm:linClrLst>
+    <dgm:effectClrLst/>
+    <dgm:txLinClrLst/>
+    <dgm:txFillClrLst/>
+    <dgm:txEffectClrLst/>
+  </dgm:styleLbl>
+  <dgm:styleLbl name="asst3">
+    <dgm:fillClrLst>
+      <a:schemeClr val="accent4"/>
+    </dgm:fillClrLst>
+    <dgm:linClrLst meth="repeat">
+      <a:schemeClr val="lt1"/>
+    </dgm:linClrLst>
+    <dgm:effectClrLst/>
+    <dgm:txLinClrLst/>
+    <dgm:txFillClrLst/>
+    <dgm:txEffectClrLst/>
+  </dgm:styleLbl>
+  <dgm:styleLbl name="asst4">
+    <dgm:fillClrLst>
+      <a:schemeClr val="accent5"/>
+    </dgm:fillClrLst>
+    <dgm:linClrLst meth="repeat">
+      <a:schemeClr val="lt1"/>
+    </dgm:linClrLst>
+    <dgm:effectClrLst/>
+    <dgm:txLinClrLst/>
+    <dgm:txFillClrLst/>
+    <dgm:txEffectClrLst/>
+  </dgm:styleLbl>
+  <dgm:styleLbl name="parChTrans2D1">
+    <dgm:fillClrLst meth="repeat">
+      <a:schemeClr val="accent2"/>
+    </dgm:fillClrLst>
+    <dgm:linClrLst meth="repeat">
+      <a:schemeClr val="lt1"/>
+    </dgm:linClrLst>
+    <dgm:effectClrLst/>
+    <dgm:txLinClrLst/>
+    <dgm:txFillClrLst meth="repeat">
+      <a:schemeClr val="lt1"/>
+    </dgm:txFillClrLst>
+    <dgm:txEffectClrLst/>
+  </dgm:styleLbl>
+  <dgm:styleLbl name="parChTrans2D2">
+    <dgm:fillClrLst meth="repeat">
+      <a:schemeClr val="accent3"/>
+    </dgm:fillClrLst>
+    <dgm:linClrLst meth="repeat">
+      <a:schemeClr val="lt1"/>
+    </dgm:linClrLst>
+    <dgm:effectClrLst/>
+    <dgm:txLinClrLst/>
+    <dgm:txFillClrLst/>
+    <dgm:txEffectClrLst/>
+  </dgm:styleLbl>
+  <dgm:styleLbl name="parChTrans2D3">
+    <dgm:fillClrLst meth="repeat">
+      <a:schemeClr val="accent4"/>
+    </dgm:fillClrLst>
+    <dgm:linClrLst meth="repeat">
+      <a:schemeClr val="lt1"/>
+    </dgm:linClrLst>
+    <dgm:effectClrLst/>
+    <dgm:txLinClrLst/>
+    <dgm:txFillClrLst/>
+    <dgm:txEffectClrLst/>
+  </dgm:styleLbl>
+  <dgm:styleLbl name="parChTrans2D4">
+    <dgm:fillClrLst meth="repeat">
+      <a:schemeClr val="accent5"/>
+    </dgm:fillClrLst>
+    <dgm:linClrLst meth="repeat">
+      <a:schemeClr val="lt1"/>
+    </dgm:linClrLst>
+    <dgm:effectClrLst/>
+    <dgm:txLinClrLst/>
+    <dgm:txFillClrLst meth="repeat">
+      <a:schemeClr val="lt1"/>
+    </dgm:txFillClrLst>
+    <dgm:txEffectClrLst/>
+  </dgm:styleLbl>
+  <dgm:styleLbl name="parChTrans1D1">
+    <dgm:fillClrLst meth="repeat">
+      <a:schemeClr val="accent2"/>
+    </dgm:fillClrLst>
+    <dgm:linClrLst meth="repeat">
+      <a:schemeClr val="accent1"/>
+    </dgm:linClrLst>
+    <dgm:effectClrLst/>
+    <dgm:txLinClrLst/>
+    <dgm:txFillClrLst meth="repeat">
+      <a:schemeClr val="tx1"/>
+    </dgm:txFillClrLst>
+    <dgm:txEffectClrLst/>
+  </dgm:styleLbl>
+  <dgm:styleLbl name="parChTrans1D2">
+    <dgm:fillClrLst meth="repeat">
+      <a:schemeClr val="accent3">
+        <a:tint val="90000"/>
+      </a:schemeClr>
+    </dgm:fillClrLst>
+    <dgm:linClrLst meth="repeat">
+      <a:schemeClr val="accent2"/>
+    </dgm:linClrLst>
+    <dgm:effectClrLst/>
+    <dgm:txLinClrLst/>
+    <dgm:txFillClrLst meth="repeat">
+      <a:schemeClr val="tx1"/>
+    </dgm:txFillClrLst>
+    <dgm:txEffectClrLst/>
+  </dgm:styleLbl>
+  <dgm:styleLbl name="parChTrans1D3">
+    <dgm:fillClrLst meth="repeat">
+      <a:schemeClr val="accent4">
+        <a:tint val="70000"/>
+      </a:schemeClr>
+    </dgm:fillClrLst>
+    <dgm:linClrLst meth="repeat">
+      <a:schemeClr val="accent3"/>
+    </dgm:linClrLst>
+    <dgm:effectClrLst/>
+    <dgm:txLinClrLst/>
+    <dgm:txFillClrLst meth="repeat">
+      <a:schemeClr val="tx1"/>
+    </dgm:txFillClrLst>
+    <dgm:txEffectClrLst/>
+  </dgm:styleLbl>
+  <dgm:styleLbl name="parChTrans1D4">
+    <dgm:fillClrLst meth="repeat">
+      <a:schemeClr val="accent5">
+        <a:tint val="50000"/>
+      </a:schemeClr>
+    </dgm:fillClrLst>
+    <dgm:linClrLst meth="repeat">
+      <a:schemeClr val="accent4"/>
+    </dgm:linClrLst>
+    <dgm:effectClrLst/>
+    <dgm:txLinClrLst/>
+    <dgm:txFillClrLst meth="repeat">
+      <a:schemeClr val="tx1"/>
+    </dgm:txFillClrLst>
+    <dgm:txEffectClrLst/>
+  </dgm:styleLbl>
+  <dgm:styleLbl name="fgAcc1">
+    <dgm:fillClrLst meth="repeat">
+      <a:schemeClr val="lt1">
+        <a:alpha val="90000"/>
+      </a:schemeClr>
+    </dgm:fillClrLst>
+    <dgm:linClrLst meth="repeat">
+      <a:schemeClr val="accent2"/>
+      <a:schemeClr val="accent3"/>
+      <a:schemeClr val="accent4"/>
+      <a:schemeClr val="accent5"/>
+      <a:schemeClr val="accent6"/>
+    </dgm:linClrLst>
+    <dgm:effectClrLst/>
+    <dgm:txLinClrLst/>
+    <dgm:txFillClrLst meth="repeat">
+      <a:schemeClr val="dk1"/>
+    </dgm:txFillClrLst>
+    <dgm:txEffectClrLst/>
+  </dgm:styleLbl>
+  <dgm:styleLbl name="conFgAcc1">
+    <dgm:fillClrLst meth="repeat">
+      <a:schemeClr val="lt1">
+        <a:alpha val="90000"/>
+      </a:schemeClr>
+    </dgm:fillClrLst>
+    <dgm:linClrLst meth="repeat">
+      <a:schemeClr val="accent2"/>
+      <a:schemeClr val="accent3"/>
+      <a:schemeClr val="accent4"/>
+      <a:schemeClr val="accent5"/>
+      <a:schemeClr val="accent6"/>
+    </dgm:linClrLst>
+    <dgm:effectClrLst/>
+    <dgm:txLinClrLst/>
+    <dgm:txFillClrLst meth="repeat">
+      <a:schemeClr val="dk1"/>
+    </dgm:txFillClrLst>
+    <dgm:txEffectClrLst/>
+  </dgm:styleLbl>
+  <dgm:styleLbl name="alignAcc1">
+    <dgm:fillClrLst meth="repeat">
+      <a:schemeClr val="lt1">
+        <a:alpha val="90000"/>
+      </a:schemeClr>
+    </dgm:fillClrLst>
+    <dgm:linClrLst meth="repeat">
+      <a:schemeClr val="accent2"/>
+      <a:schemeClr val="accent3"/>
+      <a:schemeClr val="accent4"/>
+      <a:schemeClr val="accent5"/>
+      <a:schemeClr val="accent6"/>
+    </dgm:linClrLst>
+    <dgm:effectClrLst/>
+    <dgm:txLinClrLst/>
+    <dgm:txFillClrLst meth="repeat">
+      <a:schemeClr val="dk1"/>
+    </dgm:txFillClrLst>
+    <dgm:txEffectClrLst/>
+  </dgm:styleLbl>
+  <dgm:styleLbl name="trAlignAcc1">
+    <dgm:fillClrLst meth="repeat">
+      <a:schemeClr val="lt1">
+        <a:alpha val="40000"/>
+      </a:schemeClr>
+    </dgm:fillClrLst>
+    <dgm:linClrLst meth="repeat">
+      <a:schemeClr val="accent1"/>
+    </dgm:linClrLst>
+    <dgm:effectClrLst/>
+    <dgm:txLinClrLst/>
+    <dgm:txFillClrLst meth="repeat">
+      <a:schemeClr val="dk1"/>
+    </dgm:txFillClrLst>
+    <dgm:txEffectClrLst/>
+  </dgm:styleLbl>
+  <dgm:styleLbl name="bgAcc1">
+    <dgm:fillClrLst meth="repeat">
+      <a:schemeClr val="lt1">
+        <a:alpha val="90000"/>
+      </a:schemeClr>
+    </dgm:fillClrLst>
+    <dgm:linClrLst meth="repeat">
+      <a:schemeClr val="accent2"/>
+      <a:schemeClr val="accent3"/>
+      <a:schemeClr val="accent4"/>
+      <a:schemeClr val="accent5"/>
+      <a:schemeClr val="accent6"/>
+    </dgm:linClrLst>
+    <dgm:effectClrLst/>
+    <dgm:txLinClrLst/>
+    <dgm:txFillClrLst meth="repeat">
+      <a:schemeClr val="dk1"/>
+    </dgm:txFillClrLst>
+    <dgm:txEffectClrLst/>
+  </dgm:styleLbl>
+  <dgm:styleLbl name="solidFgAcc1">
+    <dgm:fillClrLst meth="repeat">
+      <a:schemeClr val="lt1"/>
+    </dgm:fillClrLst>
+    <dgm:linClrLst meth="repeat">
+      <a:schemeClr val="accent2"/>
+      <a:schemeClr val="accent3"/>
+      <a:schemeClr val="accent4"/>
+      <a:schemeClr val="accent5"/>
+      <a:schemeClr val="accent6"/>
+    </dgm:linClrLst>
+    <dgm:effectClrLst/>
+    <dgm:txLinClrLst/>
+    <dgm:txFillClrLst meth="repeat">
+      <a:schemeClr val="dk1"/>
+    </dgm:txFillClrLst>
+    <dgm:txEffectClrLst/>
+  </dgm:styleLbl>
+  <dgm:styleLbl name="solidAlignAcc1">
+    <dgm:fillClrLst meth="repeat">
+      <a:schemeClr val="lt1"/>
+    </dgm:fillClrLst>
+    <dgm:linClrLst meth="repeat">
+      <a:schemeClr val="accent2"/>
+      <a:schemeClr val="accent3"/>
+      <a:schemeClr val="accent4"/>
+      <a:schemeClr val="accent5"/>
+      <a:schemeClr val="accent6"/>
+    </dgm:linClrLst>
+    <dgm:effectClrLst/>
+    <dgm:txLinClrLst/>
+    <dgm:txFillClrLst meth="repeat">
+      <a:schemeClr val="dk1"/>
+    </dgm:txFillClrLst>
+    <dgm:txEffectClrLst/>
+  </dgm:styleLbl>
+  <dgm:styleLbl name="solidBgAcc1">
+    <dgm:fillClrLst meth="repeat">
+      <a:schemeClr val="lt1"/>
+    </dgm:fillClrLst>
+    <dgm:linClrLst meth="repeat">
+      <a:schemeClr val="accent2"/>
+      <a:schemeClr val="accent3"/>
+      <a:schemeClr val="accent4"/>
+      <a:schemeClr val="accent5"/>
+      <a:schemeClr val="accent6"/>
+    </dgm:linClrLst>
+    <dgm:effectClrLst/>
+    <dgm:txLinClrLst/>
+    <dgm:txFillClrLst meth="repeat">
+      <a:schemeClr val="dk1"/>
+    </dgm:txFillClrLst>
+    <dgm:txEffectClrLst/>
+  </dgm:styleLbl>
+  <dgm:styleLbl name="fgAccFollowNode1">
+    <dgm:fillClrLst meth="repeat">
+      <a:schemeClr val="accent2">
+        <a:tint val="40000"/>
+        <a:alpha val="90000"/>
+      </a:schemeClr>
+      <a:schemeClr val="accent3">
+        <a:tint val="40000"/>
+        <a:alpha val="90000"/>
+      </a:schemeClr>
+      <a:schemeClr val="accent4">
+        <a:tint val="40000"/>
+        <a:alpha val="90000"/>
+      </a:schemeClr>
+      <a:schemeClr val="accent5">
+        <a:tint val="40000"/>
+        <a:alpha val="90000"/>
+      </a:schemeClr>
+      <a:schemeClr val="accent6">
+        <a:tint val="40000"/>
+        <a:alpha val="90000"/>
+      </a:schemeClr>
+    </dgm:fillClrLst>
+    <dgm:linClrLst meth="repeat">
+      <a:schemeClr val="accent2">
+        <a:tint val="40000"/>
+        <a:alpha val="90000"/>
+      </a:schemeClr>
+      <a:schemeClr val="accent3">
+        <a:tint val="40000"/>
+        <a:alpha val="90000"/>
+      </a:schemeClr>
+      <a:schemeClr val="accent4">
+        <a:tint val="40000"/>
+        <a:alpha val="90000"/>
+      </a:schemeClr>
+      <a:schemeClr val="accent5">
+        <a:tint val="40000"/>
+        <a:alpha val="90000"/>
+      </a:schemeClr>
+      <a:schemeClr val="accent6">
+        <a:tint val="40000"/>
+        <a:alpha val="90000"/>
+      </a:schemeClr>
+    </dgm:linClrLst>
+    <dgm:effectClrLst/>
+    <dgm:txLinClrLst/>
+    <dgm:txFillClrLst meth="repeat">
+      <a:schemeClr val="dk1"/>
+    </dgm:txFillClrLst>
+    <dgm:txEffectClrLst/>
+  </dgm:styleLbl>
+  <dgm:styleLbl name="alignAccFollowNode1">
+    <dgm:fillClrLst meth="repeat">
+      <a:schemeClr val="accent2">
+        <a:tint val="40000"/>
+        <a:alpha val="90000"/>
+      </a:schemeClr>
+      <a:schemeClr val="accent3">
+        <a:tint val="40000"/>
+        <a:alpha val="90000"/>
+      </a:schemeClr>
+      <a:schemeClr val="accent4">
+        <a:tint val="40000"/>
+        <a:alpha val="90000"/>
+      </a:schemeClr>
+      <a:schemeClr val="accent5">
+        <a:tint val="40000"/>
+        <a:alpha val="90000"/>
+      </a:schemeClr>
+      <a:schemeClr val="accent6">
+        <a:tint val="40000"/>
+        <a:alpha val="90000"/>
+      </a:schemeClr>
+    </dgm:fillClrLst>
+    <dgm:linClrLst meth="repeat">
+      <a:schemeClr val="accent2">
+        <a:tint val="40000"/>
+        <a:alpha val="90000"/>
+      </a:schemeClr>
+      <a:schemeClr val="accent3">
+        <a:tint val="40000"/>
+        <a:alpha val="90000"/>
+      </a:schemeClr>
+      <a:schemeClr val="accent4">
+        <a:tint val="40000"/>
+        <a:alpha val="90000"/>
+      </a:schemeClr>
+      <a:schemeClr val="accent5">
+        <a:tint val="40000"/>
+        <a:alpha val="90000"/>
+      </a:schemeClr>
+      <a:schemeClr val="accent6">
+        <a:tint val="40000"/>
+        <a:alpha val="90000"/>
+      </a:schemeClr>
+    </dgm:linClrLst>
+    <dgm:effectClrLst/>
+    <dgm:txLinClrLst/>
+    <dgm:txFillClrLst meth="repeat">
+      <a:schemeClr val="dk1"/>
+    </dgm:txFillClrLst>
+    <dgm:txEffectClrLst/>
+  </dgm:styleLbl>
+  <dgm:styleLbl name="bgAccFollowNode1">
+    <dgm:fillClrLst meth="repeat">
+      <a:schemeClr val="accent2">
+        <a:tint val="40000"/>
+        <a:alpha val="90000"/>
+      </a:schemeClr>
+      <a:schemeClr val="accent3">
+        <a:tint val="40000"/>
+        <a:alpha val="90000"/>
+      </a:schemeClr>
+      <a:schemeClr val="accent4">
+        <a:tint val="40000"/>
+        <a:alpha val="90000"/>
+      </a:schemeClr>
+      <a:schemeClr val="accent5">
+        <a:tint val="40000"/>
+        <a:alpha val="90000"/>
+      </a:schemeClr>
+      <a:schemeClr val="accent6">
+        <a:tint val="40000"/>
+        <a:alpha val="90000"/>
+      </a:schemeClr>
+    </dgm:fillClrLst>
+    <dgm:linClrLst meth="repeat">
+      <a:schemeClr val="accent2">
+        <a:tint val="40000"/>
+        <a:alpha val="90000"/>
+      </a:schemeClr>
+      <a:schemeClr val="accent3">
+        <a:tint val="40000"/>
+        <a:alpha val="90000"/>
+      </a:schemeClr>
+      <a:schemeClr val="accent4">
+        <a:tint val="40000"/>
+        <a:alpha val="90000"/>
+      </a:schemeClr>
+      <a:schemeClr val="accent5">
+        <a:tint val="40000"/>
+        <a:alpha val="90000"/>
+      </a:schemeClr>
+      <a:schemeClr val="accent6">
+        <a:tint val="40000"/>
+        <a:alpha val="90000"/>
+      </a:schemeClr>
+    </dgm:linClrLst>
+    <dgm:effectClrLst/>
+    <dgm:txLinClrLst/>
+    <dgm:txFillClrLst meth="repeat">
+      <a:schemeClr val="dk1"/>
+    </dgm:txFillClrLst>
+    <dgm:txEffectClrLst/>
+  </dgm:styleLbl>
+  <dgm:styleLbl name="fgAcc0">
+    <dgm:fillClrLst meth="repeat">
+      <a:schemeClr val="lt1">
+        <a:alpha val="90000"/>
+      </a:schemeClr>
+    </dgm:fillClrLst>
+    <dgm:linClrLst>
+      <a:schemeClr val="accent1"/>
+    </dgm:linClrLst>
+    <dgm:effectClrLst/>
+    <dgm:txLinClrLst/>
+    <dgm:txFillClrLst meth="repeat">
+      <a:schemeClr val="dk1"/>
+    </dgm:txFillClrLst>
+    <dgm:txEffectClrLst/>
+  </dgm:styleLbl>
+  <dgm:styleLbl name="fgAcc2">
+    <dgm:fillClrLst meth="repeat">
+      <a:schemeClr val="lt1">
+        <a:alpha val="90000"/>
+      </a:schemeClr>
+    </dgm:fillClrLst>
+    <dgm:linClrLst>
+      <a:schemeClr val="accent2"/>
+    </dgm:linClrLst>
+    <dgm:effectClrLst/>
+    <dgm:txLinClrLst/>
+    <dgm:txFillClrLst meth="repeat">
+      <a:schemeClr val="dk1"/>
+    </dgm:txFillClrLst>
+    <dgm:txEffectClrLst/>
+  </dgm:styleLbl>
+  <dgm:styleLbl name="fgAcc3">
+    <dgm:fillClrLst meth="repeat">
+      <a:schemeClr val="lt1">
+        <a:alpha val="90000"/>
+      </a:schemeClr>
+    </dgm:fillClrLst>
+    <dgm:linClrLst>
+      <a:schemeClr val="accent3"/>
+    </dgm:linClrLst>
+    <dgm:effectClrLst/>
+    <dgm:txLinClrLst/>
+    <dgm:txFillClrLst meth="repeat">
+      <a:schemeClr val="dk1"/>
+    </dgm:txFillClrLst>
+    <dgm:txEffectClrLst/>
+  </dgm:styleLbl>
+  <dgm:styleLbl name="fgAcc4">
+    <dgm:fillClrLst meth="repeat">
+      <a:schemeClr val="lt1">
+        <a:alpha val="90000"/>
+      </a:schemeClr>
+    </dgm:fillClrLst>
+    <dgm:linClrLst>
+      <a:schemeClr val="accent4"/>
+    </dgm:linClrLst>
+    <dgm:effectClrLst/>
+    <dgm:txLinClrLst/>
+    <dgm:txFillClrLst meth="repeat">
+      <a:schemeClr val="dk1"/>
+    </dgm:txFillClrLst>
+    <dgm:txEffectClrLst/>
+  </dgm:styleLbl>
+  <dgm:styleLbl name="bgShp">
+    <dgm:fillClrLst meth="repeat">
+      <a:schemeClr val="bg1">
+        <a:lumMod val="95000"/>
+      </a:schemeClr>
+    </dgm:fillClrLst>
+    <dgm:linClrLst meth="repeat">
+      <a:schemeClr val="dk1"/>
+    </dgm:linClrLst>
+    <dgm:effectClrLst/>
+    <dgm:txLinClrLst/>
+    <dgm:txFillClrLst meth="repeat">
+      <a:schemeClr val="dk1"/>
+    </dgm:txFillClrLst>
+    <dgm:txEffectClrLst/>
+  </dgm:styleLbl>
+  <dgm:styleLbl name="dkBgShp">
+    <dgm:fillClrLst meth="repeat">
+      <a:schemeClr val="accent2">
+        <a:shade val="90000"/>
+      </a:schemeClr>
+    </dgm:fillClrLst>
+    <dgm:linClrLst meth="repeat">
+      <a:schemeClr val="dk1"/>
+    </dgm:linClrLst>
+    <dgm:effectClrLst/>
+    <dgm:txLinClrLst/>
+    <dgm:txFillClrLst meth="repeat">
+      <a:schemeClr val="lt1"/>
+    </dgm:txFillClrLst>
+    <dgm:txEffectClrLst/>
+  </dgm:styleLbl>
+  <dgm:styleLbl name="trBgShp">
+    <dgm:fillClrLst meth="repeat">
+      <a:schemeClr val="accent1">
+        <a:tint val="50000"/>
+        <a:alpha val="40000"/>
+      </a:schemeClr>
+    </dgm:fillClrLst>
+    <dgm:linClrLst meth="repeat">
+      <a:schemeClr val="accent2"/>
+    </dgm:linClrLst>
+    <dgm:effectClrLst/>
+    <dgm:txLinClrLst/>
+    <dgm:txFillClrLst meth="repeat">
+      <a:schemeClr val="lt1"/>
+    </dgm:txFillClrLst>
+    <dgm:txEffectClrLst/>
+  </dgm:styleLbl>
+  <dgm:styleLbl name="fgShp">
+    <dgm:fillClrLst meth="repeat">
+      <a:schemeClr val="accent2">
+        <a:tint val="40000"/>
+      </a:schemeClr>
+    </dgm:fillClrLst>
+    <dgm:linClrLst meth="repeat">
+      <a:schemeClr val="lt1"/>
+    </dgm:linClrLst>
+    <dgm:effectClrLst/>
+    <dgm:txLinClrLst/>
+    <dgm:txFillClrLst meth="repeat">
+      <a:schemeClr val="dk1"/>
+    </dgm:txFillClrLst>
+    <dgm:txEffectClrLst/>
+  </dgm:styleLbl>
+  <dgm:styleLbl name="revTx">
+    <dgm:fillClrLst meth="repeat">
+      <a:schemeClr val="lt1">
+        <a:alpha val="0"/>
+      </a:schemeClr>
+    </dgm:fillClrLst>
+    <dgm:linClrLst meth="repeat">
+      <a:schemeClr val="dk1">
+        <a:alpha val="0"/>
+      </a:schemeClr>
+    </dgm:linClrLst>
+    <dgm:effectClrLst/>
+    <dgm:txLinClrLst/>
+    <dgm:txFillClrLst meth="repeat">
+      <a:schemeClr val="tx1"/>
+    </dgm:txFillClrLst>
+    <dgm:txEffectClrLst/>
+  </dgm:styleLbl>
+</dgm:colorsDef>
+</file>
+
+<file path=ppt/diagrams/colors6.xml><?xml version="1.0" encoding="utf-8"?>
+<dgm:colorsDef xmlns:dgm="http://schemas.openxmlformats.org/drawingml/2006/diagram" xmlns:a="http://schemas.openxmlformats.org/drawingml/2006/main" uniqueId="urn:microsoft.com/office/officeart/2018/5/colors/Iconchunking_neutralbg_colorful1">
+  <dgm:title val=""/>
+  <dgm:desc val=""/>
+  <dgm:catLst>
+    <dgm:cat type="colorful" pri="10100"/>
+  </dgm:catLst>
+  <dgm:styleLbl name="node0">
+    <dgm:fillClrLst meth="repeat">
+      <a:schemeClr val="accent1"/>
+    </dgm:fillClrLst>
+    <dgm:linClrLst meth="repeat">
+      <a:schemeClr val="lt1"/>
+    </dgm:linClrLst>
+    <dgm:effectClrLst/>
+    <dgm:txLinClrLst/>
+    <dgm:txFillClrLst/>
+    <dgm:txEffectClrLst/>
+  </dgm:styleLbl>
+  <dgm:styleLbl name="node1">
+    <dgm:fillClrLst meth="repeat">
+      <a:schemeClr val="accent2"/>
+      <a:schemeClr val="accent3"/>
+      <a:schemeClr val="accent4"/>
+      <a:schemeClr val="accent5"/>
+      <a:schemeClr val="accent6"/>
+    </dgm:fillClrLst>
+    <dgm:linClrLst meth="repeat">
+      <a:schemeClr val="lt1">
+        <a:alpha val="0"/>
+      </a:schemeClr>
+    </dgm:linClrLst>
+    <dgm:effectClrLst/>
+    <dgm:txLinClrLst/>
+    <dgm:txFillClrLst/>
+    <dgm:txEffectClrLst/>
+  </dgm:styleLbl>
+  <dgm:styleLbl name="alignNode1">
+    <dgm:fillClrLst meth="repeat">
+      <a:schemeClr val="accent2"/>
+      <a:schemeClr val="accent3"/>
+      <a:schemeClr val="accent4"/>
+      <a:schemeClr val="accent5"/>
+      <a:schemeClr val="accent6"/>
+    </dgm:fillClrLst>
+    <dgm:linClrLst meth="repeat">
+      <a:schemeClr val="accent2"/>
+      <a:schemeClr val="accent3"/>
+      <a:schemeClr val="accent4"/>
+      <a:schemeClr val="accent5"/>
+      <a:schemeClr val="accent6"/>
+    </dgm:linClrLst>
+    <dgm:effectClrLst/>
+    <dgm:txLinClrLst/>
+    <dgm:txFillClrLst/>
+    <dgm:txEffectClrLst/>
+  </dgm:styleLbl>
+  <dgm:styleLbl name="lnNode1">
+    <dgm:fillClrLst meth="repeat">
+      <a:schemeClr val="accent2"/>
+      <a:schemeClr val="accent3"/>
+      <a:schemeClr val="accent4"/>
+      <a:schemeClr val="accent5"/>
+      <a:schemeClr val="accent6"/>
+    </dgm:fillClrLst>
+    <dgm:linClrLst meth="repeat">
+      <a:schemeClr val="lt1"/>
+    </dgm:linClrLst>
+    <dgm:effectClrLst/>
+    <dgm:txLinClrLst/>
+    <dgm:txFillClrLst/>
+    <dgm:txEffectClrLst/>
+  </dgm:styleLbl>
+  <dgm:styleLbl name="vennNode1">
+    <dgm:fillClrLst meth="repeat">
+      <a:schemeClr val="accent2">
+        <a:alpha val="50000"/>
+      </a:schemeClr>
+      <a:schemeClr val="accent3">
+        <a:alpha val="50000"/>
+      </a:schemeClr>
+      <a:schemeClr val="accent4">
+        <a:alpha val="50000"/>
+      </a:schemeClr>
+      <a:schemeClr val="accent5">
+        <a:alpha val="50000"/>
+      </a:schemeClr>
+      <a:schemeClr val="accent6">
+        <a:alpha val="50000"/>
+      </a:schemeClr>
+    </dgm:fillClrLst>
+    <dgm:linClrLst meth="repeat">
+      <a:schemeClr val="lt1"/>
+    </dgm:linClrLst>
+    <dgm:effectClrLst/>
+    <dgm:txLinClrLst/>
+    <dgm:txFillClrLst/>
+    <dgm:txEffectClrLst/>
+  </dgm:styleLbl>
+  <dgm:styleLbl name="node2">
+    <dgm:fillClrLst>
+      <a:schemeClr val="accent2"/>
+    </dgm:fillClrLst>
+    <dgm:linClrLst meth="repeat">
+      <a:schemeClr val="lt1"/>
+    </dgm:linClrLst>
+    <dgm:effectClrLst/>
+    <dgm:txLinClrLst/>
+    <dgm:txFillClrLst/>
+    <dgm:txEffectClrLst/>
+  </dgm:styleLbl>
+  <dgm:styleLbl name="node3">
+    <dgm:fillClrLst>
+      <a:schemeClr val="accent3"/>
+    </dgm:fillClrLst>
+    <dgm:linClrLst meth="repeat">
+      <a:schemeClr val="lt1"/>
+    </dgm:linClrLst>
+    <dgm:effectClrLst/>
+    <dgm:txLinClrLst/>
+    <dgm:txFillClrLst/>
+    <dgm:txEffectClrLst/>
+  </dgm:styleLbl>
+  <dgm:styleLbl name="node4">
+    <dgm:fillClrLst>
+      <a:schemeClr val="accent4"/>
+    </dgm:fillClrLst>
+    <dgm:linClrLst meth="repeat">
+      <a:schemeClr val="lt1"/>
+    </dgm:linClrLst>
+    <dgm:effectClrLst/>
+    <dgm:txLinClrLst/>
+    <dgm:txFillClrLst/>
+    <dgm:txEffectClrLst/>
+  </dgm:styleLbl>
+  <dgm:styleLbl name="fgImgPlace1">
+    <dgm:fillClrLst meth="repeat">
+      <a:schemeClr val="accent2">
+        <a:tint val="50000"/>
+      </a:schemeClr>
+      <a:schemeClr val="accent3">
+        <a:tint val="50000"/>
+      </a:schemeClr>
+      <a:schemeClr val="accent4">
+        <a:tint val="50000"/>
+      </a:schemeClr>
+      <a:schemeClr val="accent5">
+        <a:tint val="50000"/>
+      </a:schemeClr>
+      <a:schemeClr val="accent6">
+        <a:tint val="50000"/>
+      </a:schemeClr>
+    </dgm:fillClrLst>
+    <dgm:linClrLst meth="repeat">
+      <a:schemeClr val="lt1"/>
+    </dgm:linClrLst>
+    <dgm:effectClrLst/>
+    <dgm:txLinClrLst/>
+    <dgm:txFillClrLst meth="repeat">
+      <a:schemeClr val="lt1"/>
+    </dgm:txFillClrLst>
+    <dgm:txEffectClrLst/>
+  </dgm:styleLbl>
+  <dgm:styleLbl name="alignImgPlace1">
+    <dgm:fillClrLst>
+      <a:schemeClr val="accent1">
+        <a:tint val="50000"/>
+      </a:schemeClr>
+      <a:schemeClr val="accent2">
+        <a:tint val="20000"/>
+      </a:schemeClr>
+    </dgm:fillClrLst>
+    <dgm:linClrLst meth="repeat">
+      <a:schemeClr val="lt1"/>
+    </dgm:linClrLst>
+    <dgm:effectClrLst/>
+    <dgm:txLinClrLst/>
+    <dgm:txFillClrLst meth="repeat">
+      <a:schemeClr val="lt1"/>
+    </dgm:txFillClrLst>
+    <dgm:txEffectClrLst/>
+  </dgm:styleLbl>
+  <dgm:styleLbl name="bgImgPlace1">
+    <dgm:fillClrLst>
+      <a:schemeClr val="accent1">
+        <a:tint val="50000"/>
+      </a:schemeClr>
+      <a:schemeClr val="accent2">
+        <a:tint val="20000"/>
+      </a:schemeClr>
+    </dgm:fillClrLst>
+    <dgm:linClrLst meth="repeat">
+      <a:schemeClr val="lt1"/>
+    </dgm:linClrLst>
+    <dgm:effectClrLst/>
+    <dgm:txLinClrLst/>
+    <dgm:txFillClrLst meth="repeat">
+      <a:schemeClr val="lt1"/>
+    </dgm:txFillClrLst>
+    <dgm:txEffectClrLst/>
+  </dgm:styleLbl>
+  <dgm:styleLbl name="sibTrans2D1">
+    <dgm:fillClrLst meth="repeat">
+      <a:schemeClr val="accent2"/>
+      <a:schemeClr val="accent3"/>
+      <a:schemeClr val="accent4"/>
+      <a:schemeClr val="accent5"/>
+      <a:schemeClr val="accent6"/>
+    </dgm:fillClrLst>
+    <dgm:linClrLst meth="cycle">
+      <a:schemeClr val="lt1"/>
+    </dgm:linClrLst>
+    <dgm:effectClrLst/>
+    <dgm:txLinClrLst/>
+    <dgm:txFillClrLst/>
+    <dgm:txEffectClrLst/>
+  </dgm:styleLbl>
+  <dgm:styleLbl name="fgSibTrans2D1">
+    <dgm:fillClrLst meth="repeat">
+      <a:schemeClr val="accent2"/>
+      <a:schemeClr val="accent3"/>
+      <a:schemeClr val="accent4"/>
+      <a:schemeClr val="accent5"/>
+      <a:schemeClr val="accent6"/>
+    </dgm:fillClrLst>
+    <dgm:linClrLst meth="cycle">
+      <a:schemeClr val="lt1"/>
+    </dgm:linClrLst>
+    <dgm:effectClrLst/>
+    <dgm:txLinClrLst/>
+    <dgm:txFillClrLst meth="repeat">
+      <a:schemeClr val="lt1"/>
+    </dgm:txFillClrLst>
+    <dgm:txEffectClrLst/>
+  </dgm:styleLbl>
+  <dgm:styleLbl name="bgSibTrans2D1">
+    <dgm:fillClrLst meth="repeat">
+      <a:schemeClr val="accent2"/>
+      <a:schemeClr val="accent3"/>
+      <a:schemeClr val="accent4"/>
+      <a:schemeClr val="accent5"/>
+      <a:schemeClr val="accent6"/>
+    </dgm:fillClrLst>
+    <dgm:linClrLst meth="cycle">
+      <a:schemeClr val="lt1"/>
+    </dgm:linClrLst>
+    <dgm:effectClrLst/>
+    <dgm:txLinClrLst/>
+    <dgm:txFillClrLst meth="repeat">
+      <a:schemeClr val="lt1"/>
+    </dgm:txFillClrLst>
+    <dgm:txEffectClrLst/>
+  </dgm:styleLbl>
+  <dgm:styleLbl name="sibTrans1D1">
+    <dgm:fillClrLst meth="repeat">
+      <a:schemeClr val="accent2"/>
+      <a:schemeClr val="accent3"/>
+      <a:schemeClr val="accent4"/>
+      <a:schemeClr val="accent5"/>
+      <a:schemeClr val="accent6"/>
+    </dgm:fillClrLst>
+    <dgm:linClrLst meth="repeat">
+      <a:schemeClr val="accent2"/>
+      <a:schemeClr val="accent3"/>
+      <a:schemeClr val="accent4"/>
+      <a:schemeClr val="accent5"/>
+      <a:schemeClr val="accent6"/>
+    </dgm:linClrLst>
+    <dgm:effectClrLst/>
+    <dgm:txLinClrLst/>
+    <dgm:txFillClrLst meth="repeat">
+      <a:schemeClr val="tx1"/>
+    </dgm:txFillClrLst>
+    <dgm:txEffectClrLst/>
+  </dgm:styleLbl>
+  <dgm:styleLbl name="callout">
+    <dgm:fillClrLst meth="repeat">
+      <a:schemeClr val="accent2"/>
+    </dgm:fillClrLst>
+    <dgm:linClrLst meth="repeat">
+      <a:schemeClr val="accent2">
+        <a:tint val="50000"/>
+      </a:schemeClr>
+    </dgm:linClrLst>
+    <dgm:effectClrLst/>
+    <dgm:txLinClrLst/>
+    <dgm:txFillClrLst meth="repeat">
+      <a:schemeClr val="tx1"/>
+    </dgm:txFillClrLst>
+    <dgm:txEffectClrLst/>
+  </dgm:styleLbl>
+  <dgm:styleLbl name="asst0">
+    <dgm:fillClrLst meth="repeat">
+      <a:schemeClr val="accent1"/>
+    </dgm:fillClrLst>
+    <dgm:linClrLst meth="repeat">
+      <a:schemeClr val="lt1"/>
+    </dgm:linClrLst>
+    <dgm:effectClrLst/>
+    <dgm:txLinClrLst/>
+    <dgm:txFillClrLst/>
+    <dgm:txEffectClrLst/>
+  </dgm:styleLbl>
+  <dgm:styleLbl name="asst1">
+    <dgm:fillClrLst meth="repeat">
+      <a:schemeClr val="accent2"/>
+    </dgm:fillClrLst>
+    <dgm:linClrLst meth="repeat">
+      <a:schemeClr val="lt1"/>
+    </dgm:linClrLst>
+    <dgm:effectClrLst/>
+    <dgm:txLinClrLst/>
+    <dgm:txFillClrLst/>
+    <dgm:txEffectClrLst/>
+  </dgm:styleLbl>
+  <dgm:styleLbl name="asst2">
+    <dgm:fillClrLst>
+      <a:schemeClr val="accent3"/>
+    </dgm:fillClrLst>
+    <dgm:linClrLst meth="repeat">
+      <a:schemeClr val="lt1"/>
+    </dgm:linClrLst>
+    <dgm:effectClrLst/>
+    <dgm:txLinClrLst/>
+    <dgm:txFillClrLst/>
+    <dgm:txEffectClrLst/>
+  </dgm:styleLbl>
+  <dgm:styleLbl name="asst3">
+    <dgm:fillClrLst>
+      <a:schemeClr val="accent4"/>
+    </dgm:fillClrLst>
+    <dgm:linClrLst meth="repeat">
+      <a:schemeClr val="lt1"/>
+    </dgm:linClrLst>
+    <dgm:effectClrLst/>
+    <dgm:txLinClrLst/>
+    <dgm:txFillClrLst/>
+    <dgm:txEffectClrLst/>
+  </dgm:styleLbl>
+  <dgm:styleLbl name="asst4">
+    <dgm:fillClrLst>
+      <a:schemeClr val="accent5"/>
+    </dgm:fillClrLst>
+    <dgm:linClrLst meth="repeat">
+      <a:schemeClr val="lt1"/>
+    </dgm:linClrLst>
+    <dgm:effectClrLst/>
+    <dgm:txLinClrLst/>
+    <dgm:txFillClrLst/>
+    <dgm:txEffectClrLst/>
+  </dgm:styleLbl>
+  <dgm:styleLbl name="parChTrans2D1">
+    <dgm:fillClrLst meth="repeat">
+      <a:schemeClr val="accent2"/>
+    </dgm:fillClrLst>
+    <dgm:linClrLst meth="repeat">
+      <a:schemeClr val="lt1"/>
+    </dgm:linClrLst>
+    <dgm:effectClrLst/>
+    <dgm:txLinClrLst/>
+    <dgm:txFillClrLst meth="repeat">
+      <a:schemeClr val="lt1"/>
+    </dgm:txFillClrLst>
+    <dgm:txEffectClrLst/>
+  </dgm:styleLbl>
+  <dgm:styleLbl name="parChTrans2D2">
+    <dgm:fillClrLst meth="repeat">
+      <a:schemeClr val="accent3"/>
+    </dgm:fillClrLst>
+    <dgm:linClrLst meth="repeat">
+      <a:schemeClr val="lt1"/>
+    </dgm:linClrLst>
+    <dgm:effectClrLst/>
+    <dgm:txLinClrLst/>
+    <dgm:txFillClrLst/>
+    <dgm:txEffectClrLst/>
+  </dgm:styleLbl>
+  <dgm:styleLbl name="parChTrans2D3">
+    <dgm:fillClrLst meth="repeat">
+      <a:schemeClr val="accent4"/>
+    </dgm:fillClrLst>
+    <dgm:linClrLst meth="repeat">
+      <a:schemeClr val="lt1"/>
+    </dgm:linClrLst>
+    <dgm:effectClrLst/>
+    <dgm:txLinClrLst/>
+    <dgm:txFillClrLst/>
+    <dgm:txEffectClrLst/>
+  </dgm:styleLbl>
+  <dgm:styleLbl name="parChTrans2D4">
+    <dgm:fillClrLst meth="repeat">
+      <a:schemeClr val="accent5"/>
+    </dgm:fillClrLst>
+    <dgm:linClrLst meth="repeat">
+      <a:schemeClr val="lt1"/>
+    </dgm:linClrLst>
+    <dgm:effectClrLst/>
+    <dgm:txLinClrLst/>
+    <dgm:txFillClrLst meth="repeat">
+      <a:schemeClr val="lt1"/>
+    </dgm:txFillClrLst>
+    <dgm:txEffectClrLst/>
+  </dgm:styleLbl>
+  <dgm:styleLbl name="parChTrans1D1">
+    <dgm:fillClrLst meth="repeat">
+      <a:schemeClr val="accent2"/>
+    </dgm:fillClrLst>
+    <dgm:linClrLst meth="repeat">
+      <a:schemeClr val="accent1"/>
+    </dgm:linClrLst>
+    <dgm:effectClrLst/>
+    <dgm:txLinClrLst/>
+    <dgm:txFillClrLst meth="repeat">
+      <a:schemeClr val="tx1"/>
+    </dgm:txFillClrLst>
+    <dgm:txEffectClrLst/>
+  </dgm:styleLbl>
+  <dgm:styleLbl name="parChTrans1D2">
+    <dgm:fillClrLst meth="repeat">
+      <a:schemeClr val="accent3">
+        <a:tint val="90000"/>
+      </a:schemeClr>
+    </dgm:fillClrLst>
+    <dgm:linClrLst meth="repeat">
+      <a:schemeClr val="accent2"/>
+    </dgm:linClrLst>
+    <dgm:effectClrLst/>
+    <dgm:txLinClrLst/>
+    <dgm:txFillClrLst meth="repeat">
+      <a:schemeClr val="tx1"/>
+    </dgm:txFillClrLst>
+    <dgm:txEffectClrLst/>
+  </dgm:styleLbl>
+  <dgm:styleLbl name="parChTrans1D3">
+    <dgm:fillClrLst meth="repeat">
+      <a:schemeClr val="accent4">
+        <a:tint val="70000"/>
+      </a:schemeClr>
+    </dgm:fillClrLst>
+    <dgm:linClrLst meth="repeat">
+      <a:schemeClr val="accent3"/>
+    </dgm:linClrLst>
+    <dgm:effectClrLst/>
+    <dgm:txLinClrLst/>
+    <dgm:txFillClrLst meth="repeat">
+      <a:schemeClr val="tx1"/>
+    </dgm:txFillClrLst>
+    <dgm:txEffectClrLst/>
+  </dgm:styleLbl>
+  <dgm:styleLbl name="parChTrans1D4">
+    <dgm:fillClrLst meth="repeat">
+      <a:schemeClr val="accent5">
+        <a:tint val="50000"/>
+      </a:schemeClr>
+    </dgm:fillClrLst>
+    <dgm:linClrLst meth="repeat">
+      <a:schemeClr val="accent4"/>
+    </dgm:linClrLst>
+    <dgm:effectClrLst/>
+    <dgm:txLinClrLst/>
+    <dgm:txFillClrLst meth="repeat">
+      <a:schemeClr val="tx1"/>
+    </dgm:txFillClrLst>
+    <dgm:txEffectClrLst/>
+  </dgm:styleLbl>
+  <dgm:styleLbl name="fgAcc1">
+    <dgm:fillClrLst meth="repeat">
+      <a:schemeClr val="lt1">
+        <a:alpha val="90000"/>
+      </a:schemeClr>
+    </dgm:fillClrLst>
+    <dgm:linClrLst meth="repeat">
+      <a:schemeClr val="accent2"/>
+      <a:schemeClr val="accent3"/>
+      <a:schemeClr val="accent4"/>
+      <a:schemeClr val="accent5"/>
+      <a:schemeClr val="accent6"/>
+    </dgm:linClrLst>
+    <dgm:effectClrLst/>
+    <dgm:txLinClrLst/>
+    <dgm:txFillClrLst meth="repeat">
+      <a:schemeClr val="dk1"/>
+    </dgm:txFillClrLst>
+    <dgm:txEffectClrLst/>
+  </dgm:styleLbl>
+  <dgm:styleLbl name="conFgAcc1">
+    <dgm:fillClrLst meth="repeat">
+      <a:schemeClr val="lt1">
+        <a:alpha val="90000"/>
+      </a:schemeClr>
+    </dgm:fillClrLst>
+    <dgm:linClrLst meth="repeat">
+      <a:schemeClr val="accent2"/>
+      <a:schemeClr val="accent3"/>
+      <a:schemeClr val="accent4"/>
+      <a:schemeClr val="accent5"/>
+      <a:schemeClr val="accent6"/>
+    </dgm:linClrLst>
+    <dgm:effectClrLst/>
+    <dgm:txLinClrLst/>
+    <dgm:txFillClrLst meth="repeat">
+      <a:schemeClr val="dk1"/>
+    </dgm:txFillClrLst>
+    <dgm:txEffectClrLst/>
+  </dgm:styleLbl>
+  <dgm:styleLbl name="alignAcc1">
+    <dgm:fillClrLst meth="repeat">
+      <a:schemeClr val="lt1">
+        <a:alpha val="90000"/>
+      </a:schemeClr>
+    </dgm:fillClrLst>
+    <dgm:linClrLst meth="repeat">
+      <a:schemeClr val="accent2"/>
+      <a:schemeClr val="accent3"/>
+      <a:schemeClr val="accent4"/>
+      <a:schemeClr val="accent5"/>
+      <a:schemeClr val="accent6"/>
+    </dgm:linClrLst>
+    <dgm:effectClrLst/>
+    <dgm:txLinClrLst/>
+    <dgm:txFillClrLst meth="repeat">
+      <a:schemeClr val="dk1"/>
+    </dgm:txFillClrLst>
+    <dgm:txEffectClrLst/>
+  </dgm:styleLbl>
+  <dgm:styleLbl name="trAlignAcc1">
+    <dgm:fillClrLst meth="repeat">
+      <a:schemeClr val="lt1">
+        <a:alpha val="40000"/>
+      </a:schemeClr>
+    </dgm:fillClrLst>
+    <dgm:linClrLst meth="repeat">
+      <a:schemeClr val="accent1"/>
+    </dgm:linClrLst>
+    <dgm:effectClrLst/>
+    <dgm:txLinClrLst/>
+    <dgm:txFillClrLst meth="repeat">
+      <a:schemeClr val="dk1"/>
+    </dgm:txFillClrLst>
+    <dgm:txEffectClrLst/>
+  </dgm:styleLbl>
+  <dgm:styleLbl name="bgAcc1">
+    <dgm:fillClrLst meth="repeat">
+      <a:schemeClr val="lt1">
+        <a:alpha val="90000"/>
+      </a:schemeClr>
+    </dgm:fillClrLst>
+    <dgm:linClrLst meth="repeat">
+      <a:schemeClr val="accent2"/>
+      <a:schemeClr val="accent3"/>
+      <a:schemeClr val="accent4"/>
+      <a:schemeClr val="accent5"/>
+      <a:schemeClr val="accent6"/>
+    </dgm:linClrLst>
+    <dgm:effectClrLst/>
+    <dgm:txLinClrLst/>
+    <dgm:txFillClrLst meth="repeat">
+      <a:schemeClr val="dk1"/>
+    </dgm:txFillClrLst>
+    <dgm:txEffectClrLst/>
+  </dgm:styleLbl>
+  <dgm:styleLbl name="solidFgAcc1">
+    <dgm:fillClrLst meth="repeat">
+      <a:schemeClr val="lt1"/>
+    </dgm:fillClrLst>
+    <dgm:linClrLst meth="repeat">
+      <a:schemeClr val="accent2"/>
+      <a:schemeClr val="accent3"/>
+      <a:schemeClr val="accent4"/>
+      <a:schemeClr val="accent5"/>
+      <a:schemeClr val="accent6"/>
+    </dgm:linClrLst>
+    <dgm:effectClrLst/>
+    <dgm:txLinClrLst/>
+    <dgm:txFillClrLst meth="repeat">
+      <a:schemeClr val="dk1"/>
+    </dgm:txFillClrLst>
+    <dgm:txEffectClrLst/>
+  </dgm:styleLbl>
+  <dgm:styleLbl name="solidAlignAcc1">
+    <dgm:fillClrLst meth="repeat">
+      <a:schemeClr val="lt1"/>
+    </dgm:fillClrLst>
+    <dgm:linClrLst meth="repeat">
+      <a:schemeClr val="accent2"/>
+      <a:schemeClr val="accent3"/>
+      <a:schemeClr val="accent4"/>
+      <a:schemeClr val="accent5"/>
+      <a:schemeClr val="accent6"/>
+    </dgm:linClrLst>
+    <dgm:effectClrLst/>
+    <dgm:txLinClrLst/>
+    <dgm:txFillClrLst meth="repeat">
+      <a:schemeClr val="dk1"/>
+    </dgm:txFillClrLst>
+    <dgm:txEffectClrLst/>
+  </dgm:styleLbl>
+  <dgm:styleLbl name="solidBgAcc1">
+    <dgm:fillClrLst meth="repeat">
+      <a:schemeClr val="lt1"/>
+    </dgm:fillClrLst>
+    <dgm:linClrLst meth="repeat">
+      <a:schemeClr val="accent2"/>
+      <a:schemeClr val="accent3"/>
+      <a:schemeClr val="accent4"/>
+      <a:schemeClr val="accent5"/>
+      <a:schemeClr val="accent6"/>
+    </dgm:linClrLst>
+    <dgm:effectClrLst/>
+    <dgm:txLinClrLst/>
+    <dgm:txFillClrLst meth="repeat">
+      <a:schemeClr val="dk1"/>
+    </dgm:txFillClrLst>
+    <dgm:txEffectClrLst/>
+  </dgm:styleLbl>
+  <dgm:styleLbl name="fgAccFollowNode1">
+    <dgm:fillClrLst meth="repeat">
+      <a:schemeClr val="accent2">
+        <a:tint val="40000"/>
+        <a:alpha val="90000"/>
+      </a:schemeClr>
+      <a:schemeClr val="accent3">
+        <a:tint val="40000"/>
+        <a:alpha val="90000"/>
+      </a:schemeClr>
+      <a:schemeClr val="accent4">
+        <a:tint val="40000"/>
+        <a:alpha val="90000"/>
+      </a:schemeClr>
+      <a:schemeClr val="accent5">
+        <a:tint val="40000"/>
+        <a:alpha val="90000"/>
+      </a:schemeClr>
+      <a:schemeClr val="accent6">
+        <a:tint val="40000"/>
+        <a:alpha val="90000"/>
+      </a:schemeClr>
+    </dgm:fillClrLst>
+    <dgm:linClrLst meth="repeat">
+      <a:schemeClr val="accent2">
+        <a:tint val="40000"/>
+        <a:alpha val="90000"/>
+      </a:schemeClr>
+      <a:schemeClr val="accent3">
+        <a:tint val="40000"/>
+        <a:alpha val="90000"/>
+      </a:schemeClr>
+      <a:schemeClr val="accent4">
+        <a:tint val="40000"/>
+        <a:alpha val="90000"/>
+      </a:schemeClr>
+      <a:schemeClr val="accent5">
+        <a:tint val="40000"/>
+        <a:alpha val="90000"/>
+      </a:schemeClr>
+      <a:schemeClr val="accent6">
+        <a:tint val="40000"/>
+        <a:alpha val="90000"/>
+      </a:schemeClr>
+    </dgm:linClrLst>
+    <dgm:effectClrLst/>
+    <dgm:txLinClrLst/>
+    <dgm:txFillClrLst meth="repeat">
+      <a:schemeClr val="dk1"/>
+    </dgm:txFillClrLst>
+    <dgm:txEffectClrLst/>
+  </dgm:styleLbl>
+  <dgm:styleLbl name="alignAccFollowNode1">
+    <dgm:fillClrLst meth="repeat">
+      <a:schemeClr val="accent2">
+        <a:tint val="40000"/>
+        <a:alpha val="90000"/>
+      </a:schemeClr>
+      <a:schemeClr val="accent3">
+        <a:tint val="40000"/>
+        <a:alpha val="90000"/>
+      </a:schemeClr>
+      <a:schemeClr val="accent4">
+        <a:tint val="40000"/>
+        <a:alpha val="90000"/>
+      </a:schemeClr>
+      <a:schemeClr val="accent5">
+        <a:tint val="40000"/>
+        <a:alpha val="90000"/>
+      </a:schemeClr>
+      <a:schemeClr val="accent6">
+        <a:tint val="40000"/>
+        <a:alpha val="90000"/>
+      </a:schemeClr>
+    </dgm:fillClrLst>
+    <dgm:linClrLst meth="repeat">
+      <a:schemeClr val="accent2">
+        <a:tint val="40000"/>
+        <a:alpha val="90000"/>
+      </a:schemeClr>
+      <a:schemeClr val="accent3">
+        <a:tint val="40000"/>
+        <a:alpha val="90000"/>
+      </a:schemeClr>
+      <a:schemeClr val="accent4">
+        <a:tint val="40000"/>
+        <a:alpha val="90000"/>
+      </a:schemeClr>
+      <a:schemeClr val="accent5">
+        <a:tint val="40000"/>
+        <a:alpha val="90000"/>
+      </a:schemeClr>
+      <a:schemeClr val="accent6">
+        <a:tint val="40000"/>
+        <a:alpha val="90000"/>
+      </a:schemeClr>
+    </dgm:linClrLst>
+    <dgm:effectClrLst/>
+    <dgm:txLinClrLst/>
+    <dgm:txFillClrLst meth="repeat">
+      <a:schemeClr val="dk1"/>
+    </dgm:txFillClrLst>
+    <dgm:txEffectClrLst/>
+  </dgm:styleLbl>
+  <dgm:styleLbl name="bgAccFollowNode1">
+    <dgm:fillClrLst meth="repeat">
+      <a:schemeClr val="accent2">
+        <a:tint val="40000"/>
+        <a:alpha val="90000"/>
+      </a:schemeClr>
+      <a:schemeClr val="accent3">
+        <a:tint val="40000"/>
+        <a:alpha val="90000"/>
+      </a:schemeClr>
+      <a:schemeClr val="accent4">
+        <a:tint val="40000"/>
+        <a:alpha val="90000"/>
+      </a:schemeClr>
+      <a:schemeClr val="accent5">
+        <a:tint val="40000"/>
+        <a:alpha val="90000"/>
+      </a:schemeClr>
+      <a:schemeClr val="accent6">
+        <a:tint val="40000"/>
+        <a:alpha val="90000"/>
+      </a:schemeClr>
+    </dgm:fillClrLst>
+    <dgm:linClrLst meth="repeat">
+      <a:schemeClr val="accent2">
+        <a:tint val="40000"/>
+        <a:alpha val="90000"/>
+      </a:schemeClr>
+      <a:schemeClr val="accent3">
+        <a:tint val="40000"/>
+        <a:alpha val="90000"/>
+      </a:schemeClr>
+      <a:schemeClr val="accent4">
+        <a:tint val="40000"/>
+        <a:alpha val="90000"/>
+      </a:schemeClr>
+      <a:schemeClr val="accent5">
+        <a:tint val="40000"/>
+        <a:alpha val="90000"/>
+      </a:schemeClr>
+      <a:schemeClr val="accent6">
+        <a:tint val="40000"/>
+        <a:alpha val="90000"/>
+      </a:schemeClr>
+    </dgm:linClrLst>
+    <dgm:effectClrLst/>
+    <dgm:txLinClrLst/>
+    <dgm:txFillClrLst meth="repeat">
+      <a:schemeClr val="dk1"/>
+    </dgm:txFillClrLst>
+    <dgm:txEffectClrLst/>
+  </dgm:styleLbl>
+  <dgm:styleLbl name="fgAcc0">
+    <dgm:fillClrLst meth="repeat">
+      <a:schemeClr val="lt1">
+        <a:alpha val="90000"/>
+      </a:schemeClr>
+    </dgm:fillClrLst>
+    <dgm:linClrLst>
+      <a:schemeClr val="accent1"/>
+    </dgm:linClrLst>
+    <dgm:effectClrLst/>
+    <dgm:txLinClrLst/>
+    <dgm:txFillClrLst meth="repeat">
+      <a:schemeClr val="dk1"/>
+    </dgm:txFillClrLst>
+    <dgm:txEffectClrLst/>
+  </dgm:styleLbl>
+  <dgm:styleLbl name="fgAcc2">
+    <dgm:fillClrLst meth="repeat">
+      <a:schemeClr val="lt1">
+        <a:alpha val="90000"/>
+      </a:schemeClr>
+    </dgm:fillClrLst>
+    <dgm:linClrLst>
+      <a:schemeClr val="accent2"/>
+    </dgm:linClrLst>
+    <dgm:effectClrLst/>
+    <dgm:txLinClrLst/>
+    <dgm:txFillClrLst meth="repeat">
+      <a:schemeClr val="dk1"/>
+    </dgm:txFillClrLst>
+    <dgm:txEffectClrLst/>
+  </dgm:styleLbl>
+  <dgm:styleLbl name="fgAcc3">
+    <dgm:fillClrLst meth="repeat">
+      <a:schemeClr val="lt1">
+        <a:alpha val="90000"/>
+      </a:schemeClr>
+    </dgm:fillClrLst>
+    <dgm:linClrLst>
+      <a:schemeClr val="accent3"/>
+    </dgm:linClrLst>
+    <dgm:effectClrLst/>
+    <dgm:txLinClrLst/>
+    <dgm:txFillClrLst meth="repeat">
+      <a:schemeClr val="dk1"/>
+    </dgm:txFillClrLst>
+    <dgm:txEffectClrLst/>
+  </dgm:styleLbl>
+  <dgm:styleLbl name="fgAcc4">
+    <dgm:fillClrLst meth="repeat">
+      <a:schemeClr val="lt1">
+        <a:alpha val="90000"/>
+      </a:schemeClr>
+    </dgm:fillClrLst>
+    <dgm:linClrLst>
+      <a:schemeClr val="accent4"/>
+    </dgm:linClrLst>
+    <dgm:effectClrLst/>
+    <dgm:txLinClrLst/>
+    <dgm:txFillClrLst meth="repeat">
+      <a:schemeClr val="dk1"/>
+    </dgm:txFillClrLst>
+    <dgm:txEffectClrLst/>
+  </dgm:styleLbl>
+  <dgm:styleLbl name="bgShp">
+    <dgm:fillClrLst meth="repeat">
+      <a:schemeClr val="bg1">
+        <a:lumMod val="95000"/>
+      </a:schemeClr>
+    </dgm:fillClrLst>
+    <dgm:linClrLst meth="repeat">
+      <a:schemeClr val="dk1"/>
+    </dgm:linClrLst>
+    <dgm:effectClrLst/>
+    <dgm:txLinClrLst/>
+    <dgm:txFillClrLst meth="repeat">
+      <a:schemeClr val="dk1"/>
+    </dgm:txFillClrLst>
+    <dgm:txEffectClrLst/>
+  </dgm:styleLbl>
+  <dgm:styleLbl name="dkBgShp">
+    <dgm:fillClrLst meth="repeat">
+      <a:schemeClr val="accent2">
+        <a:shade val="90000"/>
+      </a:schemeClr>
+    </dgm:fillClrLst>
+    <dgm:linClrLst meth="repeat">
+      <a:schemeClr val="dk1"/>
+    </dgm:linClrLst>
+    <dgm:effectClrLst/>
+    <dgm:txLinClrLst/>
+    <dgm:txFillClrLst meth="repeat">
+      <a:schemeClr val="lt1"/>
+    </dgm:txFillClrLst>
+    <dgm:txEffectClrLst/>
+  </dgm:styleLbl>
+  <dgm:styleLbl name="trBgShp">
+    <dgm:fillClrLst meth="repeat">
+      <a:schemeClr val="accent1">
+        <a:tint val="50000"/>
+        <a:alpha val="40000"/>
+      </a:schemeClr>
+    </dgm:fillClrLst>
+    <dgm:linClrLst meth="repeat">
+      <a:schemeClr val="accent2"/>
+    </dgm:linClrLst>
+    <dgm:effectClrLst/>
+    <dgm:txLinClrLst/>
+    <dgm:txFillClrLst meth="repeat">
+      <a:schemeClr val="lt1"/>
+    </dgm:txFillClrLst>
+    <dgm:txEffectClrLst/>
+  </dgm:styleLbl>
+  <dgm:styleLbl name="fgShp">
+    <dgm:fillClrLst meth="repeat">
+      <a:schemeClr val="accent2">
+        <a:tint val="40000"/>
+      </a:schemeClr>
+    </dgm:fillClrLst>
+    <dgm:linClrLst meth="repeat">
+      <a:schemeClr val="lt1"/>
+    </dgm:linClrLst>
+    <dgm:effectClrLst/>
+    <dgm:txLinClrLst/>
+    <dgm:txFillClrLst meth="repeat">
+      <a:schemeClr val="dk1"/>
+    </dgm:txFillClrLst>
+    <dgm:txEffectClrLst/>
+  </dgm:styleLbl>
+  <dgm:styleLbl name="revTx">
+    <dgm:fillClrLst meth="repeat">
+      <a:schemeClr val="lt1">
+        <a:alpha val="0"/>
+      </a:schemeClr>
+    </dgm:fillClrLst>
+    <dgm:linClrLst meth="repeat">
+      <a:schemeClr val="dk1">
+        <a:alpha val="0"/>
+      </a:schemeClr>
+    </dgm:linClrLst>
+    <dgm:effectClrLst/>
+    <dgm:txLinClrLst/>
+    <dgm:txFillClrLst meth="repeat">
+      <a:schemeClr val="tx1"/>
+    </dgm:txFillClrLst>
+    <dgm:txEffectClrLst/>
+  </dgm:styleLbl>
+</dgm:colorsDef>
+</file>
+
+<file path=ppt/diagrams/colors7.xml><?xml version="1.0" encoding="utf-8"?>
 <dgm:colorsDef xmlns:dgm="http://schemas.openxmlformats.org/drawingml/2006/diagram" xmlns:a="http://schemas.openxmlformats.org/drawingml/2006/main" uniqueId="urn:microsoft.com/office/officeart/2005/8/colors/colorful5">
   <dgm:title val=""/>
   <dgm:desc val=""/>
@@ -4855,6 +6699,176 @@
       <dgm:spPr/>
     </dgm:pt>
     <dgm:pt modelId="{EA5B6C21-EAB4-4898-99FB-95E78FD173B0}" type="pres">
+      <dgm:prSet presAssocID="{64FAD96E-634F-4D7C-9DFE-00DD96663E64}" presName="iconRect" presStyleLbl="node1" presStyleIdx="0" presStyleCnt="2" custLinFactY="-100000" custLinFactNeighborX="95249" custLinFactNeighborY="-149676"/>
+      <dgm:spPr>
+        <a:ln>
+          <a:noFill/>
+        </a:ln>
+      </dgm:spPr>
+    </dgm:pt>
+    <dgm:pt modelId="{28A5438A-4B63-4465-9793-D48EECF68952}" type="pres">
+      <dgm:prSet presAssocID="{64FAD96E-634F-4D7C-9DFE-00DD96663E64}" presName="spaceRect" presStyleCnt="0"/>
+      <dgm:spPr/>
+    </dgm:pt>
+    <dgm:pt modelId="{ACDBAAC2-0ACB-41E4-BD66-52971074084F}" type="pres">
+      <dgm:prSet presAssocID="{64FAD96E-634F-4D7C-9DFE-00DD96663E64}" presName="textRect" presStyleLbl="revTx" presStyleIdx="0" presStyleCnt="2" custLinFactNeighborX="-78052" custLinFactNeighborY="-82021">
+        <dgm:presLayoutVars>
+          <dgm:chMax val="1"/>
+          <dgm:chPref val="1"/>
+        </dgm:presLayoutVars>
+      </dgm:prSet>
+      <dgm:spPr/>
+    </dgm:pt>
+    <dgm:pt modelId="{D455E77E-C688-445B-A440-4B704E0FC0AA}" type="pres">
+      <dgm:prSet presAssocID="{34148C54-6CD6-4ABE-9A1A-EE9BE0215F97}" presName="sibTrans" presStyleCnt="0"/>
+      <dgm:spPr/>
+    </dgm:pt>
+    <dgm:pt modelId="{29D5E2B8-3C84-46F1-B68E-F6D35928FD34}" type="pres">
+      <dgm:prSet presAssocID="{F1BB575F-9A56-4709-BD05-DBA68B3FBAFC}" presName="compNode" presStyleCnt="0"/>
+      <dgm:spPr/>
+    </dgm:pt>
+    <dgm:pt modelId="{205EBAF0-4DCE-4870-889D-EEBE5CCEF842}" type="pres">
+      <dgm:prSet presAssocID="{F1BB575F-9A56-4709-BD05-DBA68B3FBAFC}" presName="iconRect" presStyleLbl="node1" presStyleIdx="1" presStyleCnt="2" custLinFactNeighborY="23029"/>
+      <dgm:spPr>
+        <a:ln>
+          <a:noFill/>
+        </a:ln>
+      </dgm:spPr>
+    </dgm:pt>
+    <dgm:pt modelId="{36EC6BDE-0A44-4426-B4E6-3376A27357A8}" type="pres">
+      <dgm:prSet presAssocID="{F1BB575F-9A56-4709-BD05-DBA68B3FBAFC}" presName="spaceRect" presStyleCnt="0"/>
+      <dgm:spPr/>
+    </dgm:pt>
+    <dgm:pt modelId="{FF0E5D32-1D8F-46CC-9BCD-ADDF3A39179D}" type="pres">
+      <dgm:prSet presAssocID="{F1BB575F-9A56-4709-BD05-DBA68B3FBAFC}" presName="textRect" presStyleLbl="revTx" presStyleIdx="1" presStyleCnt="2">
+        <dgm:presLayoutVars>
+          <dgm:chMax val="1"/>
+          <dgm:chPref val="1"/>
+        </dgm:presLayoutVars>
+      </dgm:prSet>
+      <dgm:spPr/>
+    </dgm:pt>
+  </dgm:ptLst>
+  <dgm:cxnLst>
+    <dgm:cxn modelId="{15F47F2D-D34A-42BF-B0EE-4E6B092431EC}" type="presOf" srcId="{F1BB575F-9A56-4709-BD05-DBA68B3FBAFC}" destId="{FF0E5D32-1D8F-46CC-9BCD-ADDF3A39179D}" srcOrd="0" destOrd="0" presId="urn:microsoft.com/office/officeart/2018/2/layout/IconLabelList"/>
+    <dgm:cxn modelId="{26629535-B6B3-4B70-AB71-8FE3631A89E7}" type="presOf" srcId="{AE6E717D-4A0F-44D9-96FF-4A76912FBE91}" destId="{66E9B5C6-22B1-4894-AFB5-5193F43A19A7}" srcOrd="0" destOrd="0" presId="urn:microsoft.com/office/officeart/2018/2/layout/IconLabelList"/>
+    <dgm:cxn modelId="{AE138262-C23E-4143-A547-DBAB471AA38C}" srcId="{AE6E717D-4A0F-44D9-96FF-4A76912FBE91}" destId="{64FAD96E-634F-4D7C-9DFE-00DD96663E64}" srcOrd="0" destOrd="0" parTransId="{709D19CB-6E3D-48F9-84C2-DC88775E849F}" sibTransId="{34148C54-6CD6-4ABE-9A1A-EE9BE0215F97}"/>
+    <dgm:cxn modelId="{3C61F6CC-425B-4DB5-BEB3-BFF1723DA60E}" type="presOf" srcId="{64FAD96E-634F-4D7C-9DFE-00DD96663E64}" destId="{ACDBAAC2-0ACB-41E4-BD66-52971074084F}" srcOrd="0" destOrd="0" presId="urn:microsoft.com/office/officeart/2018/2/layout/IconLabelList"/>
+    <dgm:cxn modelId="{87EF03D6-7B63-4D36-8A39-C487D6C7A210}" srcId="{AE6E717D-4A0F-44D9-96FF-4A76912FBE91}" destId="{F1BB575F-9A56-4709-BD05-DBA68B3FBAFC}" srcOrd="1" destOrd="0" parTransId="{DAE26A66-11E0-453E-A939-718E35962683}" sibTransId="{90C5C76E-D720-44D0-AB5D-6B644C2612F7}"/>
+    <dgm:cxn modelId="{47287C1E-2071-4294-9483-26E1AF8013DF}" type="presParOf" srcId="{66E9B5C6-22B1-4894-AFB5-5193F43A19A7}" destId="{4001CFF7-8BD8-44E2-BAFA-9231B483534C}" srcOrd="0" destOrd="0" presId="urn:microsoft.com/office/officeart/2018/2/layout/IconLabelList"/>
+    <dgm:cxn modelId="{2C92F06F-AD11-4571-963B-E6B712CA4EAB}" type="presParOf" srcId="{4001CFF7-8BD8-44E2-BAFA-9231B483534C}" destId="{EA5B6C21-EAB4-4898-99FB-95E78FD173B0}" srcOrd="0" destOrd="0" presId="urn:microsoft.com/office/officeart/2018/2/layout/IconLabelList"/>
+    <dgm:cxn modelId="{16547C03-2EF5-44BE-B35B-67AAEE612172}" type="presParOf" srcId="{4001CFF7-8BD8-44E2-BAFA-9231B483534C}" destId="{28A5438A-4B63-4465-9793-D48EECF68952}" srcOrd="1" destOrd="0" presId="urn:microsoft.com/office/officeart/2018/2/layout/IconLabelList"/>
+    <dgm:cxn modelId="{184A26EA-81E8-4456-BE7B-A16B6BFC3E96}" type="presParOf" srcId="{4001CFF7-8BD8-44E2-BAFA-9231B483534C}" destId="{ACDBAAC2-0ACB-41E4-BD66-52971074084F}" srcOrd="2" destOrd="0" presId="urn:microsoft.com/office/officeart/2018/2/layout/IconLabelList"/>
+    <dgm:cxn modelId="{B1FF5359-92F5-494B-A3D5-02F1B1F8A338}" type="presParOf" srcId="{66E9B5C6-22B1-4894-AFB5-5193F43A19A7}" destId="{D455E77E-C688-445B-A440-4B704E0FC0AA}" srcOrd="1" destOrd="0" presId="urn:microsoft.com/office/officeart/2018/2/layout/IconLabelList"/>
+    <dgm:cxn modelId="{B16EE10C-6ECB-40D0-AD8D-83C3F9A82750}" type="presParOf" srcId="{66E9B5C6-22B1-4894-AFB5-5193F43A19A7}" destId="{29D5E2B8-3C84-46F1-B68E-F6D35928FD34}" srcOrd="2" destOrd="0" presId="urn:microsoft.com/office/officeart/2018/2/layout/IconLabelList"/>
+    <dgm:cxn modelId="{695EB5F2-98CC-486C-ABE6-51F7CDD2F2D3}" type="presParOf" srcId="{29D5E2B8-3C84-46F1-B68E-F6D35928FD34}" destId="{205EBAF0-4DCE-4870-889D-EEBE5CCEF842}" srcOrd="0" destOrd="0" presId="urn:microsoft.com/office/officeart/2018/2/layout/IconLabelList"/>
+    <dgm:cxn modelId="{D8B3EA00-CABB-40DB-BE02-BE7647F6A1D6}" type="presParOf" srcId="{29D5E2B8-3C84-46F1-B68E-F6D35928FD34}" destId="{36EC6BDE-0A44-4426-B4E6-3376A27357A8}" srcOrd="1" destOrd="0" presId="urn:microsoft.com/office/officeart/2018/2/layout/IconLabelList"/>
+    <dgm:cxn modelId="{92B0BFE2-C70E-4F36-9252-87A2422F59A9}" type="presParOf" srcId="{29D5E2B8-3C84-46F1-B68E-F6D35928FD34}" destId="{FF0E5D32-1D8F-46CC-9BCD-ADDF3A39179D}" srcOrd="2" destOrd="0" presId="urn:microsoft.com/office/officeart/2018/2/layout/IconLabelList"/>
+  </dgm:cxnLst>
+  <dgm:bg/>
+  <dgm:whole/>
+  <dgm:extLst>
+    <a:ext uri="http://schemas.microsoft.com/office/drawing/2008/diagram">
+      <dsp:dataModelExt xmlns:dsp="http://schemas.microsoft.com/office/drawing/2008/diagram" relId="rId6" minVer="http://schemas.openxmlformats.org/drawingml/2006/diagram"/>
+    </a:ext>
+  </dgm:extLst>
+</dgm:dataModel>
+</file>
+
+<file path=ppt/diagrams/data3.xml><?xml version="1.0" encoding="utf-8"?>
+<dgm:dataModel xmlns:dgm="http://schemas.openxmlformats.org/drawingml/2006/diagram" xmlns:a="http://schemas.openxmlformats.org/drawingml/2006/main">
+  <dgm:ptLst>
+    <dgm:pt modelId="{AE6E717D-4A0F-44D9-96FF-4A76912FBE91}" type="doc">
+      <dgm:prSet loTypeId="urn:microsoft.com/office/officeart/2018/2/layout/IconLabelList" loCatId="icon" qsTypeId="urn:microsoft.com/office/officeart/2005/8/quickstyle/simple1" qsCatId="simple" csTypeId="urn:microsoft.com/office/officeart/2018/5/colors/Iconchunking_neutralbg_colorful1" csCatId="colorful" phldr="1"/>
+      <dgm:spPr/>
+      <dgm:t>
+        <a:bodyPr/>
+        <a:lstStyle/>
+        <a:p>
+          <a:endParaRPr lang="en-US"/>
+        </a:p>
+      </dgm:t>
+    </dgm:pt>
+    <dgm:pt modelId="{64FAD96E-634F-4D7C-9DFE-00DD96663E64}">
+      <dgm:prSet/>
+      <dgm:spPr/>
+      <dgm:t>
+        <a:bodyPr/>
+        <a:lstStyle/>
+        <a:p>
+          <a:endParaRPr lang="en-US" dirty="0"/>
+        </a:p>
+      </dgm:t>
+    </dgm:pt>
+    <dgm:pt modelId="{709D19CB-6E3D-48F9-84C2-DC88775E849F}" type="parTrans" cxnId="{AE138262-C23E-4143-A547-DBAB471AA38C}">
+      <dgm:prSet/>
+      <dgm:spPr/>
+      <dgm:t>
+        <a:bodyPr/>
+        <a:lstStyle/>
+        <a:p>
+          <a:endParaRPr lang="en-US"/>
+        </a:p>
+      </dgm:t>
+    </dgm:pt>
+    <dgm:pt modelId="{34148C54-6CD6-4ABE-9A1A-EE9BE0215F97}" type="sibTrans" cxnId="{AE138262-C23E-4143-A547-DBAB471AA38C}">
+      <dgm:prSet/>
+      <dgm:spPr/>
+      <dgm:t>
+        <a:bodyPr/>
+        <a:lstStyle/>
+        <a:p>
+          <a:endParaRPr lang="en-US"/>
+        </a:p>
+      </dgm:t>
+    </dgm:pt>
+    <dgm:pt modelId="{F1BB575F-9A56-4709-BD05-DBA68B3FBAFC}">
+      <dgm:prSet/>
+      <dgm:spPr/>
+      <dgm:t>
+        <a:bodyPr/>
+        <a:lstStyle/>
+        <a:p>
+          <a:endParaRPr lang="en-US" dirty="0"/>
+        </a:p>
+      </dgm:t>
+    </dgm:pt>
+    <dgm:pt modelId="{DAE26A66-11E0-453E-A939-718E35962683}" type="parTrans" cxnId="{87EF03D6-7B63-4D36-8A39-C487D6C7A210}">
+      <dgm:prSet/>
+      <dgm:spPr/>
+      <dgm:t>
+        <a:bodyPr/>
+        <a:lstStyle/>
+        <a:p>
+          <a:endParaRPr lang="en-US"/>
+        </a:p>
+      </dgm:t>
+    </dgm:pt>
+    <dgm:pt modelId="{90C5C76E-D720-44D0-AB5D-6B644C2612F7}" type="sibTrans" cxnId="{87EF03D6-7B63-4D36-8A39-C487D6C7A210}">
+      <dgm:prSet/>
+      <dgm:spPr/>
+      <dgm:t>
+        <a:bodyPr/>
+        <a:lstStyle/>
+        <a:p>
+          <a:endParaRPr lang="en-US"/>
+        </a:p>
+      </dgm:t>
+    </dgm:pt>
+    <dgm:pt modelId="{66E9B5C6-22B1-4894-AFB5-5193F43A19A7}" type="pres">
+      <dgm:prSet presAssocID="{AE6E717D-4A0F-44D9-96FF-4A76912FBE91}" presName="root" presStyleCnt="0">
+        <dgm:presLayoutVars>
+          <dgm:dir/>
+          <dgm:resizeHandles val="exact"/>
+        </dgm:presLayoutVars>
+      </dgm:prSet>
+      <dgm:spPr/>
+    </dgm:pt>
+    <dgm:pt modelId="{4001CFF7-8BD8-44E2-BAFA-9231B483534C}" type="pres">
+      <dgm:prSet presAssocID="{64FAD96E-634F-4D7C-9DFE-00DD96663E64}" presName="compNode" presStyleCnt="0"/>
+      <dgm:spPr/>
+    </dgm:pt>
+    <dgm:pt modelId="{EA5B6C21-EAB4-4898-99FB-95E78FD173B0}" type="pres">
       <dgm:prSet presAssocID="{64FAD96E-634F-4D7C-9DFE-00DD96663E64}" presName="iconRect" presStyleLbl="node1" presStyleIdx="0" presStyleCnt="2"/>
       <dgm:spPr>
         <a:blipFill>
@@ -4951,7 +6965,197 @@
 </dgm:dataModel>
 </file>
 
-<file path=ppt/diagrams/data3.xml><?xml version="1.0" encoding="utf-8"?>
+<file path=ppt/diagrams/data4.xml><?xml version="1.0" encoding="utf-8"?>
+<dgm:dataModel xmlns:dgm="http://schemas.openxmlformats.org/drawingml/2006/diagram" xmlns:a="http://schemas.openxmlformats.org/drawingml/2006/main">
+  <dgm:ptLst>
+    <dgm:pt modelId="{AE6E717D-4A0F-44D9-96FF-4A76912FBE91}" type="doc">
+      <dgm:prSet loTypeId="urn:microsoft.com/office/officeart/2018/2/layout/IconLabelList" loCatId="icon" qsTypeId="urn:microsoft.com/office/officeart/2005/8/quickstyle/simple1" qsCatId="simple" csTypeId="urn:microsoft.com/office/officeart/2018/5/colors/Iconchunking_neutralbg_colorful1" csCatId="colorful" phldr="1"/>
+      <dgm:spPr/>
+      <dgm:t>
+        <a:bodyPr/>
+        <a:lstStyle/>
+        <a:p>
+          <a:endParaRPr lang="en-US"/>
+        </a:p>
+      </dgm:t>
+    </dgm:pt>
+    <dgm:pt modelId="{64FAD96E-634F-4D7C-9DFE-00DD96663E64}">
+      <dgm:prSet/>
+      <dgm:spPr/>
+      <dgm:t>
+        <a:bodyPr/>
+        <a:lstStyle/>
+        <a:p>
+          <a:endParaRPr lang="en-US" dirty="0"/>
+        </a:p>
+      </dgm:t>
+    </dgm:pt>
+    <dgm:pt modelId="{709D19CB-6E3D-48F9-84C2-DC88775E849F}" type="parTrans" cxnId="{AE138262-C23E-4143-A547-DBAB471AA38C}">
+      <dgm:prSet/>
+      <dgm:spPr/>
+      <dgm:t>
+        <a:bodyPr/>
+        <a:lstStyle/>
+        <a:p>
+          <a:endParaRPr lang="en-US"/>
+        </a:p>
+      </dgm:t>
+    </dgm:pt>
+    <dgm:pt modelId="{34148C54-6CD6-4ABE-9A1A-EE9BE0215F97}" type="sibTrans" cxnId="{AE138262-C23E-4143-A547-DBAB471AA38C}">
+      <dgm:prSet/>
+      <dgm:spPr/>
+      <dgm:t>
+        <a:bodyPr/>
+        <a:lstStyle/>
+        <a:p>
+          <a:endParaRPr lang="en-US"/>
+        </a:p>
+      </dgm:t>
+    </dgm:pt>
+    <dgm:pt modelId="{F1BB575F-9A56-4709-BD05-DBA68B3FBAFC}">
+      <dgm:prSet/>
+      <dgm:spPr/>
+      <dgm:t>
+        <a:bodyPr/>
+        <a:lstStyle/>
+        <a:p>
+          <a:endParaRPr lang="en-US" dirty="0"/>
+        </a:p>
+      </dgm:t>
+    </dgm:pt>
+    <dgm:pt modelId="{DAE26A66-11E0-453E-A939-718E35962683}" type="parTrans" cxnId="{87EF03D6-7B63-4D36-8A39-C487D6C7A210}">
+      <dgm:prSet/>
+      <dgm:spPr/>
+      <dgm:t>
+        <a:bodyPr/>
+        <a:lstStyle/>
+        <a:p>
+          <a:endParaRPr lang="en-US"/>
+        </a:p>
+      </dgm:t>
+    </dgm:pt>
+    <dgm:pt modelId="{90C5C76E-D720-44D0-AB5D-6B644C2612F7}" type="sibTrans" cxnId="{87EF03D6-7B63-4D36-8A39-C487D6C7A210}">
+      <dgm:prSet/>
+      <dgm:spPr/>
+      <dgm:t>
+        <a:bodyPr/>
+        <a:lstStyle/>
+        <a:p>
+          <a:endParaRPr lang="en-US"/>
+        </a:p>
+      </dgm:t>
+    </dgm:pt>
+    <dgm:pt modelId="{66E9B5C6-22B1-4894-AFB5-5193F43A19A7}" type="pres">
+      <dgm:prSet presAssocID="{AE6E717D-4A0F-44D9-96FF-4A76912FBE91}" presName="root" presStyleCnt="0">
+        <dgm:presLayoutVars>
+          <dgm:dir/>
+          <dgm:resizeHandles val="exact"/>
+        </dgm:presLayoutVars>
+      </dgm:prSet>
+      <dgm:spPr/>
+    </dgm:pt>
+    <dgm:pt modelId="{4001CFF7-8BD8-44E2-BAFA-9231B483534C}" type="pres">
+      <dgm:prSet presAssocID="{64FAD96E-634F-4D7C-9DFE-00DD96663E64}" presName="compNode" presStyleCnt="0"/>
+      <dgm:spPr/>
+    </dgm:pt>
+    <dgm:pt modelId="{EA5B6C21-EAB4-4898-99FB-95E78FD173B0}" type="pres">
+      <dgm:prSet presAssocID="{64FAD96E-634F-4D7C-9DFE-00DD96663E64}" presName="iconRect" presStyleLbl="node1" presStyleIdx="0" presStyleCnt="2"/>
+      <dgm:spPr>
+        <a:blipFill>
+          <a:blip xmlns:r="http://schemas.openxmlformats.org/officeDocument/2006/relationships" r:embed="rId1">
+            <a:extLst>
+              <a:ext uri="{28A0092B-C50C-407E-A947-70E740481C1C}">
+                <a14:useLocalDpi xmlns:a14="http://schemas.microsoft.com/office/drawing/2010/main" val="0"/>
+              </a:ext>
+              <a:ext uri="{96DAC541-7B7A-43D3-8B79-37D633B846F1}">
+                <asvg:svgBlip xmlns:asvg="http://schemas.microsoft.com/office/drawing/2016/SVG/main" r:embed="rId2"/>
+              </a:ext>
+            </a:extLst>
+          </a:blip>
+          <a:stretch>
+            <a:fillRect/>
+          </a:stretch>
+        </a:blipFill>
+        <a:ln>
+          <a:noFill/>
+        </a:ln>
+      </dgm:spPr>
+      <dgm:extLst>
+        <a:ext uri="{E40237B7-FDA0-4F09-8148-C483321AD2D9}">
+          <dgm14:cNvPr xmlns:dgm14="http://schemas.microsoft.com/office/drawing/2010/diagram" id="0" name="" descr="Diagrama de flujo"/>
+        </a:ext>
+      </dgm:extLst>
+    </dgm:pt>
+    <dgm:pt modelId="{28A5438A-4B63-4465-9793-D48EECF68952}" type="pres">
+      <dgm:prSet presAssocID="{64FAD96E-634F-4D7C-9DFE-00DD96663E64}" presName="spaceRect" presStyleCnt="0"/>
+      <dgm:spPr/>
+    </dgm:pt>
+    <dgm:pt modelId="{ACDBAAC2-0ACB-41E4-BD66-52971074084F}" type="pres">
+      <dgm:prSet presAssocID="{64FAD96E-634F-4D7C-9DFE-00DD96663E64}" presName="textRect" presStyleLbl="revTx" presStyleIdx="0" presStyleCnt="2">
+        <dgm:presLayoutVars>
+          <dgm:chMax val="1"/>
+          <dgm:chPref val="1"/>
+        </dgm:presLayoutVars>
+      </dgm:prSet>
+      <dgm:spPr/>
+    </dgm:pt>
+    <dgm:pt modelId="{D455E77E-C688-445B-A440-4B704E0FC0AA}" type="pres">
+      <dgm:prSet presAssocID="{34148C54-6CD6-4ABE-9A1A-EE9BE0215F97}" presName="sibTrans" presStyleCnt="0"/>
+      <dgm:spPr/>
+    </dgm:pt>
+    <dgm:pt modelId="{29D5E2B8-3C84-46F1-B68E-F6D35928FD34}" type="pres">
+      <dgm:prSet presAssocID="{F1BB575F-9A56-4709-BD05-DBA68B3FBAFC}" presName="compNode" presStyleCnt="0"/>
+      <dgm:spPr/>
+    </dgm:pt>
+    <dgm:pt modelId="{205EBAF0-4DCE-4870-889D-EEBE5CCEF842}" type="pres">
+      <dgm:prSet presAssocID="{F1BB575F-9A56-4709-BD05-DBA68B3FBAFC}" presName="iconRect" presStyleLbl="node1" presStyleIdx="1" presStyleCnt="2"/>
+      <dgm:spPr>
+        <a:ln>
+          <a:noFill/>
+        </a:ln>
+      </dgm:spPr>
+    </dgm:pt>
+    <dgm:pt modelId="{36EC6BDE-0A44-4426-B4E6-3376A27357A8}" type="pres">
+      <dgm:prSet presAssocID="{F1BB575F-9A56-4709-BD05-DBA68B3FBAFC}" presName="spaceRect" presStyleCnt="0"/>
+      <dgm:spPr/>
+    </dgm:pt>
+    <dgm:pt modelId="{FF0E5D32-1D8F-46CC-9BCD-ADDF3A39179D}" type="pres">
+      <dgm:prSet presAssocID="{F1BB575F-9A56-4709-BD05-DBA68B3FBAFC}" presName="textRect" presStyleLbl="revTx" presStyleIdx="1" presStyleCnt="2">
+        <dgm:presLayoutVars>
+          <dgm:chMax val="1"/>
+          <dgm:chPref val="1"/>
+        </dgm:presLayoutVars>
+      </dgm:prSet>
+      <dgm:spPr/>
+    </dgm:pt>
+  </dgm:ptLst>
+  <dgm:cxnLst>
+    <dgm:cxn modelId="{15F47F2D-D34A-42BF-B0EE-4E6B092431EC}" type="presOf" srcId="{F1BB575F-9A56-4709-BD05-DBA68B3FBAFC}" destId="{FF0E5D32-1D8F-46CC-9BCD-ADDF3A39179D}" srcOrd="0" destOrd="0" presId="urn:microsoft.com/office/officeart/2018/2/layout/IconLabelList"/>
+    <dgm:cxn modelId="{26629535-B6B3-4B70-AB71-8FE3631A89E7}" type="presOf" srcId="{AE6E717D-4A0F-44D9-96FF-4A76912FBE91}" destId="{66E9B5C6-22B1-4894-AFB5-5193F43A19A7}" srcOrd="0" destOrd="0" presId="urn:microsoft.com/office/officeart/2018/2/layout/IconLabelList"/>
+    <dgm:cxn modelId="{AE138262-C23E-4143-A547-DBAB471AA38C}" srcId="{AE6E717D-4A0F-44D9-96FF-4A76912FBE91}" destId="{64FAD96E-634F-4D7C-9DFE-00DD96663E64}" srcOrd="0" destOrd="0" parTransId="{709D19CB-6E3D-48F9-84C2-DC88775E849F}" sibTransId="{34148C54-6CD6-4ABE-9A1A-EE9BE0215F97}"/>
+    <dgm:cxn modelId="{3C61F6CC-425B-4DB5-BEB3-BFF1723DA60E}" type="presOf" srcId="{64FAD96E-634F-4D7C-9DFE-00DD96663E64}" destId="{ACDBAAC2-0ACB-41E4-BD66-52971074084F}" srcOrd="0" destOrd="0" presId="urn:microsoft.com/office/officeart/2018/2/layout/IconLabelList"/>
+    <dgm:cxn modelId="{87EF03D6-7B63-4D36-8A39-C487D6C7A210}" srcId="{AE6E717D-4A0F-44D9-96FF-4A76912FBE91}" destId="{F1BB575F-9A56-4709-BD05-DBA68B3FBAFC}" srcOrd="1" destOrd="0" parTransId="{DAE26A66-11E0-453E-A939-718E35962683}" sibTransId="{90C5C76E-D720-44D0-AB5D-6B644C2612F7}"/>
+    <dgm:cxn modelId="{47287C1E-2071-4294-9483-26E1AF8013DF}" type="presParOf" srcId="{66E9B5C6-22B1-4894-AFB5-5193F43A19A7}" destId="{4001CFF7-8BD8-44E2-BAFA-9231B483534C}" srcOrd="0" destOrd="0" presId="urn:microsoft.com/office/officeart/2018/2/layout/IconLabelList"/>
+    <dgm:cxn modelId="{2C92F06F-AD11-4571-963B-E6B712CA4EAB}" type="presParOf" srcId="{4001CFF7-8BD8-44E2-BAFA-9231B483534C}" destId="{EA5B6C21-EAB4-4898-99FB-95E78FD173B0}" srcOrd="0" destOrd="0" presId="urn:microsoft.com/office/officeart/2018/2/layout/IconLabelList"/>
+    <dgm:cxn modelId="{16547C03-2EF5-44BE-B35B-67AAEE612172}" type="presParOf" srcId="{4001CFF7-8BD8-44E2-BAFA-9231B483534C}" destId="{28A5438A-4B63-4465-9793-D48EECF68952}" srcOrd="1" destOrd="0" presId="urn:microsoft.com/office/officeart/2018/2/layout/IconLabelList"/>
+    <dgm:cxn modelId="{184A26EA-81E8-4456-BE7B-A16B6BFC3E96}" type="presParOf" srcId="{4001CFF7-8BD8-44E2-BAFA-9231B483534C}" destId="{ACDBAAC2-0ACB-41E4-BD66-52971074084F}" srcOrd="2" destOrd="0" presId="urn:microsoft.com/office/officeart/2018/2/layout/IconLabelList"/>
+    <dgm:cxn modelId="{B1FF5359-92F5-494B-A3D5-02F1B1F8A338}" type="presParOf" srcId="{66E9B5C6-22B1-4894-AFB5-5193F43A19A7}" destId="{D455E77E-C688-445B-A440-4B704E0FC0AA}" srcOrd="1" destOrd="0" presId="urn:microsoft.com/office/officeart/2018/2/layout/IconLabelList"/>
+    <dgm:cxn modelId="{B16EE10C-6ECB-40D0-AD8D-83C3F9A82750}" type="presParOf" srcId="{66E9B5C6-22B1-4894-AFB5-5193F43A19A7}" destId="{29D5E2B8-3C84-46F1-B68E-F6D35928FD34}" srcOrd="2" destOrd="0" presId="urn:microsoft.com/office/officeart/2018/2/layout/IconLabelList"/>
+    <dgm:cxn modelId="{695EB5F2-98CC-486C-ABE6-51F7CDD2F2D3}" type="presParOf" srcId="{29D5E2B8-3C84-46F1-B68E-F6D35928FD34}" destId="{205EBAF0-4DCE-4870-889D-EEBE5CCEF842}" srcOrd="0" destOrd="0" presId="urn:microsoft.com/office/officeart/2018/2/layout/IconLabelList"/>
+    <dgm:cxn modelId="{D8B3EA00-CABB-40DB-BE02-BE7647F6A1D6}" type="presParOf" srcId="{29D5E2B8-3C84-46F1-B68E-F6D35928FD34}" destId="{36EC6BDE-0A44-4426-B4E6-3376A27357A8}" srcOrd="1" destOrd="0" presId="urn:microsoft.com/office/officeart/2018/2/layout/IconLabelList"/>
+    <dgm:cxn modelId="{92B0BFE2-C70E-4F36-9252-87A2422F59A9}" type="presParOf" srcId="{29D5E2B8-3C84-46F1-B68E-F6D35928FD34}" destId="{FF0E5D32-1D8F-46CC-9BCD-ADDF3A39179D}" srcOrd="2" destOrd="0" presId="urn:microsoft.com/office/officeart/2018/2/layout/IconLabelList"/>
+  </dgm:cxnLst>
+  <dgm:bg/>
+  <dgm:whole/>
+  <dgm:extLst>
+    <a:ext uri="http://schemas.microsoft.com/office/drawing/2008/diagram">
+      <dsp:dataModelExt xmlns:dsp="http://schemas.microsoft.com/office/drawing/2008/diagram" relId="rId6" minVer="http://schemas.openxmlformats.org/drawingml/2006/diagram"/>
+    </a:ext>
+  </dgm:extLst>
+</dgm:dataModel>
+</file>
+
+<file path=ppt/diagrams/data5.xml><?xml version="1.0" encoding="utf-8"?>
 <dgm:dataModel xmlns:dgm="http://schemas.openxmlformats.org/drawingml/2006/diagram" xmlns:a="http://schemas.openxmlformats.org/drawingml/2006/main">
   <dgm:ptLst>
     <dgm:pt modelId="{AE6E717D-4A0F-44D9-96FF-4A76912FBE91}" type="doc">
@@ -5121,7 +7325,7 @@
 </dgm:dataModel>
 </file>
 
-<file path=ppt/diagrams/data4.xml><?xml version="1.0" encoding="utf-8"?>
+<file path=ppt/diagrams/data6.xml><?xml version="1.0" encoding="utf-8"?>
 <dgm:dataModel xmlns:dgm="http://schemas.openxmlformats.org/drawingml/2006/diagram" xmlns:a="http://schemas.openxmlformats.org/drawingml/2006/main">
   <dgm:ptLst>
     <dgm:pt modelId="{AE6E717D-4A0F-44D9-96FF-4A76912FBE91}" type="doc">
@@ -5339,7 +7543,7 @@
 </dgm:dataModel>
 </file>
 
-<file path=ppt/diagrams/data5.xml><?xml version="1.0" encoding="utf-8"?>
+<file path=ppt/diagrams/data7.xml><?xml version="1.0" encoding="utf-8"?>
 <dgm:dataModel xmlns:dgm="http://schemas.openxmlformats.org/drawingml/2006/diagram" xmlns:a="http://schemas.openxmlformats.org/drawingml/2006/main">
   <dgm:ptLst>
     <dgm:pt modelId="{27C6A9EC-18C5-4197-8F2A-C6ED7446FB69}" type="doc">
@@ -5736,6 +7940,218 @@
       </dsp:nvSpPr>
       <dsp:spPr>
         <a:xfrm>
+          <a:off x="1659206" y="0"/>
+          <a:ext cx="439013" cy="439013"/>
+        </a:xfrm>
+        <a:prstGeom prst="rect">
+          <a:avLst/>
+        </a:prstGeom>
+        <a:solidFill>
+          <a:schemeClr val="accent2">
+            <a:hueOff val="0"/>
+            <a:satOff val="0"/>
+            <a:lumOff val="0"/>
+            <a:alphaOff val="0"/>
+          </a:schemeClr>
+        </a:solidFill>
+        <a:ln w="19050" cap="flat" cmpd="sng" algn="ctr">
+          <a:noFill/>
+          <a:prstDash val="solid"/>
+          <a:miter lim="800000"/>
+        </a:ln>
+        <a:effectLst/>
+      </dsp:spPr>
+      <dsp:style>
+        <a:lnRef idx="2">
+          <a:scrgbClr r="0" g="0" b="0"/>
+        </a:lnRef>
+        <a:fillRef idx="1">
+          <a:scrgbClr r="0" g="0" b="0"/>
+        </a:fillRef>
+        <a:effectRef idx="0">
+          <a:scrgbClr r="0" g="0" b="0"/>
+        </a:effectRef>
+        <a:fontRef idx="minor">
+          <a:schemeClr val="lt1"/>
+        </a:fontRef>
+      </dsp:style>
+    </dsp:sp>
+    <dsp:sp modelId="{ACDBAAC2-0ACB-41E4-BD66-52971074084F}">
+      <dsp:nvSpPr>
+        <dsp:cNvPr id="0" name=""/>
+        <dsp:cNvSpPr/>
+      </dsp:nvSpPr>
+      <dsp:spPr>
+        <a:xfrm>
+          <a:off x="211299" y="319662"/>
+          <a:ext cx="975585" cy="390234"/>
+        </a:xfrm>
+        <a:prstGeom prst="rect">
+          <a:avLst/>
+        </a:prstGeom>
+        <a:noFill/>
+        <a:ln>
+          <a:noFill/>
+        </a:ln>
+        <a:effectLst/>
+      </dsp:spPr>
+      <dsp:style>
+        <a:lnRef idx="0">
+          <a:scrgbClr r="0" g="0" b="0"/>
+        </a:lnRef>
+        <a:fillRef idx="0">
+          <a:scrgbClr r="0" g="0" b="0"/>
+        </a:fillRef>
+        <a:effectRef idx="0">
+          <a:scrgbClr r="0" g="0" b="0"/>
+        </a:effectRef>
+        <a:fontRef idx="minor"/>
+      </dsp:style>
+      <dsp:txBody>
+        <a:bodyPr spcFirstLastPara="0" vert="horz" wrap="square" lIns="0" tIns="0" rIns="0" bIns="0" numCol="1" spcCol="1270" anchor="t" anchorCtr="0">
+          <a:noAutofit/>
+        </a:bodyPr>
+        <a:lstStyle/>
+        <a:p>
+          <a:pPr marL="0" lvl="0" indent="0" algn="ctr" defTabSz="1200150">
+            <a:lnSpc>
+              <a:spcPct val="90000"/>
+            </a:lnSpc>
+            <a:spcBef>
+              <a:spcPct val="0"/>
+            </a:spcBef>
+            <a:spcAft>
+              <a:spcPct val="35000"/>
+            </a:spcAft>
+            <a:buNone/>
+          </a:pPr>
+          <a:endParaRPr lang="en-US" sz="2700" kern="1200" dirty="0"/>
+        </a:p>
+      </dsp:txBody>
+      <dsp:txXfrm>
+        <a:off x="211299" y="319662"/>
+        <a:ext cx="975585" cy="390234"/>
+      </dsp:txXfrm>
+    </dsp:sp>
+    <dsp:sp modelId="{205EBAF0-4DCE-4870-889D-EEBE5CCEF842}">
+      <dsp:nvSpPr>
+        <dsp:cNvPr id="0" name=""/>
+        <dsp:cNvSpPr/>
+      </dsp:nvSpPr>
+      <dsp:spPr>
+        <a:xfrm>
+          <a:off x="2387363" y="155440"/>
+          <a:ext cx="439013" cy="439013"/>
+        </a:xfrm>
+        <a:prstGeom prst="rect">
+          <a:avLst/>
+        </a:prstGeom>
+        <a:solidFill>
+          <a:schemeClr val="accent3">
+            <a:hueOff val="0"/>
+            <a:satOff val="0"/>
+            <a:lumOff val="0"/>
+            <a:alphaOff val="0"/>
+          </a:schemeClr>
+        </a:solidFill>
+        <a:ln w="19050" cap="flat" cmpd="sng" algn="ctr">
+          <a:noFill/>
+          <a:prstDash val="solid"/>
+          <a:miter lim="800000"/>
+        </a:ln>
+        <a:effectLst/>
+      </dsp:spPr>
+      <dsp:style>
+        <a:lnRef idx="2">
+          <a:scrgbClr r="0" g="0" b="0"/>
+        </a:lnRef>
+        <a:fillRef idx="1">
+          <a:scrgbClr r="0" g="0" b="0"/>
+        </a:fillRef>
+        <a:effectRef idx="0">
+          <a:scrgbClr r="0" g="0" b="0"/>
+        </a:effectRef>
+        <a:fontRef idx="minor">
+          <a:schemeClr val="lt1"/>
+        </a:fontRef>
+      </dsp:style>
+    </dsp:sp>
+    <dsp:sp modelId="{FF0E5D32-1D8F-46CC-9BCD-ADDF3A39179D}">
+      <dsp:nvSpPr>
+        <dsp:cNvPr id="0" name=""/>
+        <dsp:cNvSpPr/>
+      </dsp:nvSpPr>
+      <dsp:spPr>
+        <a:xfrm>
+          <a:off x="2119077" y="639736"/>
+          <a:ext cx="975585" cy="390234"/>
+        </a:xfrm>
+        <a:prstGeom prst="rect">
+          <a:avLst/>
+        </a:prstGeom>
+        <a:noFill/>
+        <a:ln>
+          <a:noFill/>
+        </a:ln>
+        <a:effectLst/>
+      </dsp:spPr>
+      <dsp:style>
+        <a:lnRef idx="0">
+          <a:scrgbClr r="0" g="0" b="0"/>
+        </a:lnRef>
+        <a:fillRef idx="0">
+          <a:scrgbClr r="0" g="0" b="0"/>
+        </a:fillRef>
+        <a:effectRef idx="0">
+          <a:scrgbClr r="0" g="0" b="0"/>
+        </a:effectRef>
+        <a:fontRef idx="minor"/>
+      </dsp:style>
+      <dsp:txBody>
+        <a:bodyPr spcFirstLastPara="0" vert="horz" wrap="square" lIns="0" tIns="0" rIns="0" bIns="0" numCol="1" spcCol="1270" anchor="t" anchorCtr="0">
+          <a:noAutofit/>
+        </a:bodyPr>
+        <a:lstStyle/>
+        <a:p>
+          <a:pPr marL="0" lvl="0" indent="0" algn="ctr" defTabSz="1200150">
+            <a:lnSpc>
+              <a:spcPct val="90000"/>
+            </a:lnSpc>
+            <a:spcBef>
+              <a:spcPct val="0"/>
+            </a:spcBef>
+            <a:spcAft>
+              <a:spcPct val="35000"/>
+            </a:spcAft>
+            <a:buNone/>
+          </a:pPr>
+          <a:endParaRPr lang="en-US" sz="2700" kern="1200" dirty="0"/>
+        </a:p>
+      </dsp:txBody>
+      <dsp:txXfrm>
+        <a:off x="2119077" y="639736"/>
+        <a:ext cx="975585" cy="390234"/>
+      </dsp:txXfrm>
+    </dsp:sp>
+  </dsp:spTree>
+</dsp:drawing>
+</file>
+
+<file path=ppt/diagrams/drawing3.xml><?xml version="1.0" encoding="utf-8"?>
+<dsp:drawing xmlns:dgm="http://schemas.openxmlformats.org/drawingml/2006/diagram" xmlns:dsp="http://schemas.microsoft.com/office/drawing/2008/diagram" xmlns:a="http://schemas.openxmlformats.org/drawingml/2006/main">
+  <dsp:spTree>
+    <dsp:nvGrpSpPr>
+      <dsp:cNvPr id="0" name=""/>
+      <dsp:cNvGrpSpPr/>
+    </dsp:nvGrpSpPr>
+    <dsp:grpSpPr/>
+    <dsp:sp modelId="{EA5B6C21-EAB4-4898-99FB-95E78FD173B0}">
+      <dsp:nvSpPr>
+        <dsp:cNvPr id="0" name=""/>
+        <dsp:cNvSpPr/>
+      </dsp:nvSpPr>
+      <dsp:spPr>
+        <a:xfrm>
           <a:off x="482336" y="40223"/>
           <a:ext cx="324711" cy="324711"/>
         </a:xfrm>
@@ -5940,7 +8356,226 @@
 </dsp:drawing>
 </file>
 
-<file path=ppt/diagrams/drawing3.xml><?xml version="1.0" encoding="utf-8"?>
+<file path=ppt/diagrams/drawing4.xml><?xml version="1.0" encoding="utf-8"?>
+<dsp:drawing xmlns:dgm="http://schemas.openxmlformats.org/drawingml/2006/diagram" xmlns:dsp="http://schemas.microsoft.com/office/drawing/2008/diagram" xmlns:a="http://schemas.openxmlformats.org/drawingml/2006/main">
+  <dsp:spTree>
+    <dsp:nvGrpSpPr>
+      <dsp:cNvPr id="0" name=""/>
+      <dsp:cNvGrpSpPr/>
+    </dsp:nvGrpSpPr>
+    <dsp:grpSpPr/>
+    <dsp:sp modelId="{EA5B6C21-EAB4-4898-99FB-95E78FD173B0}">
+      <dsp:nvSpPr>
+        <dsp:cNvPr id="0" name=""/>
+        <dsp:cNvSpPr/>
+      </dsp:nvSpPr>
+      <dsp:spPr>
+        <a:xfrm>
+          <a:off x="482336" y="40223"/>
+          <a:ext cx="324711" cy="324711"/>
+        </a:xfrm>
+        <a:prstGeom prst="rect">
+          <a:avLst/>
+        </a:prstGeom>
+        <a:blipFill>
+          <a:blip xmlns:r="http://schemas.openxmlformats.org/officeDocument/2006/relationships" r:embed="rId1">
+            <a:extLst>
+              <a:ext uri="{28A0092B-C50C-407E-A947-70E740481C1C}">
+                <a14:useLocalDpi xmlns:a14="http://schemas.microsoft.com/office/drawing/2010/main" val="0"/>
+              </a:ext>
+              <a:ext uri="{96DAC541-7B7A-43D3-8B79-37D633B846F1}">
+                <asvg:svgBlip xmlns:asvg="http://schemas.microsoft.com/office/drawing/2016/SVG/main" r:embed="rId2"/>
+              </a:ext>
+            </a:extLst>
+          </a:blip>
+          <a:stretch>
+            <a:fillRect/>
+          </a:stretch>
+        </a:blipFill>
+        <a:ln w="19050" cap="flat" cmpd="sng" algn="ctr">
+          <a:noFill/>
+          <a:prstDash val="solid"/>
+          <a:miter lim="800000"/>
+        </a:ln>
+        <a:effectLst/>
+      </dsp:spPr>
+      <dsp:style>
+        <a:lnRef idx="2">
+          <a:scrgbClr r="0" g="0" b="0"/>
+        </a:lnRef>
+        <a:fillRef idx="1">
+          <a:scrgbClr r="0" g="0" b="0"/>
+        </a:fillRef>
+        <a:effectRef idx="0">
+          <a:scrgbClr r="0" g="0" b="0"/>
+        </a:effectRef>
+        <a:fontRef idx="minor">
+          <a:schemeClr val="lt1"/>
+        </a:fontRef>
+      </dsp:style>
+    </dsp:sp>
+    <dsp:sp modelId="{ACDBAAC2-0ACB-41E4-BD66-52971074084F}">
+      <dsp:nvSpPr>
+        <dsp:cNvPr id="0" name=""/>
+        <dsp:cNvSpPr/>
+      </dsp:nvSpPr>
+      <dsp:spPr>
+        <a:xfrm>
+          <a:off x="283901" y="473214"/>
+          <a:ext cx="721582" cy="288632"/>
+        </a:xfrm>
+        <a:prstGeom prst="rect">
+          <a:avLst/>
+        </a:prstGeom>
+        <a:noFill/>
+        <a:ln>
+          <a:noFill/>
+        </a:ln>
+        <a:effectLst/>
+      </dsp:spPr>
+      <dsp:style>
+        <a:lnRef idx="0">
+          <a:scrgbClr r="0" g="0" b="0"/>
+        </a:lnRef>
+        <a:fillRef idx="0">
+          <a:scrgbClr r="0" g="0" b="0"/>
+        </a:fillRef>
+        <a:effectRef idx="0">
+          <a:scrgbClr r="0" g="0" b="0"/>
+        </a:effectRef>
+        <a:fontRef idx="minor"/>
+      </dsp:style>
+      <dsp:txBody>
+        <a:bodyPr spcFirstLastPara="0" vert="horz" wrap="square" lIns="0" tIns="0" rIns="0" bIns="0" numCol="1" spcCol="1270" anchor="t" anchorCtr="0">
+          <a:noAutofit/>
+        </a:bodyPr>
+        <a:lstStyle/>
+        <a:p>
+          <a:pPr marL="0" lvl="0" indent="0" algn="ctr" defTabSz="889000">
+            <a:lnSpc>
+              <a:spcPct val="90000"/>
+            </a:lnSpc>
+            <a:spcBef>
+              <a:spcPct val="0"/>
+            </a:spcBef>
+            <a:spcAft>
+              <a:spcPct val="35000"/>
+            </a:spcAft>
+            <a:buNone/>
+          </a:pPr>
+          <a:endParaRPr lang="en-US" sz="2000" kern="1200" dirty="0"/>
+        </a:p>
+      </dsp:txBody>
+      <dsp:txXfrm>
+        <a:off x="283901" y="473214"/>
+        <a:ext cx="721582" cy="288632"/>
+      </dsp:txXfrm>
+    </dsp:sp>
+    <dsp:sp modelId="{205EBAF0-4DCE-4870-889D-EEBE5CCEF842}">
+      <dsp:nvSpPr>
+        <dsp:cNvPr id="0" name=""/>
+        <dsp:cNvSpPr/>
+      </dsp:nvSpPr>
+      <dsp:spPr>
+        <a:xfrm>
+          <a:off x="1330194" y="40223"/>
+          <a:ext cx="324711" cy="324711"/>
+        </a:xfrm>
+        <a:prstGeom prst="rect">
+          <a:avLst/>
+        </a:prstGeom>
+        <a:solidFill>
+          <a:schemeClr val="accent3">
+            <a:hueOff val="0"/>
+            <a:satOff val="0"/>
+            <a:lumOff val="0"/>
+            <a:alphaOff val="0"/>
+          </a:schemeClr>
+        </a:solidFill>
+        <a:ln w="19050" cap="flat" cmpd="sng" algn="ctr">
+          <a:noFill/>
+          <a:prstDash val="solid"/>
+          <a:miter lim="800000"/>
+        </a:ln>
+        <a:effectLst/>
+      </dsp:spPr>
+      <dsp:style>
+        <a:lnRef idx="2">
+          <a:scrgbClr r="0" g="0" b="0"/>
+        </a:lnRef>
+        <a:fillRef idx="1">
+          <a:scrgbClr r="0" g="0" b="0"/>
+        </a:fillRef>
+        <a:effectRef idx="0">
+          <a:scrgbClr r="0" g="0" b="0"/>
+        </a:effectRef>
+        <a:fontRef idx="minor">
+          <a:schemeClr val="lt1"/>
+        </a:fontRef>
+      </dsp:style>
+    </dsp:sp>
+    <dsp:sp modelId="{FF0E5D32-1D8F-46CC-9BCD-ADDF3A39179D}">
+      <dsp:nvSpPr>
+        <dsp:cNvPr id="0" name=""/>
+        <dsp:cNvSpPr/>
+      </dsp:nvSpPr>
+      <dsp:spPr>
+        <a:xfrm>
+          <a:off x="1131759" y="473214"/>
+          <a:ext cx="721582" cy="288632"/>
+        </a:xfrm>
+        <a:prstGeom prst="rect">
+          <a:avLst/>
+        </a:prstGeom>
+        <a:noFill/>
+        <a:ln>
+          <a:noFill/>
+        </a:ln>
+        <a:effectLst/>
+      </dsp:spPr>
+      <dsp:style>
+        <a:lnRef idx="0">
+          <a:scrgbClr r="0" g="0" b="0"/>
+        </a:lnRef>
+        <a:fillRef idx="0">
+          <a:scrgbClr r="0" g="0" b="0"/>
+        </a:fillRef>
+        <a:effectRef idx="0">
+          <a:scrgbClr r="0" g="0" b="0"/>
+        </a:effectRef>
+        <a:fontRef idx="minor"/>
+      </dsp:style>
+      <dsp:txBody>
+        <a:bodyPr spcFirstLastPara="0" vert="horz" wrap="square" lIns="0" tIns="0" rIns="0" bIns="0" numCol="1" spcCol="1270" anchor="t" anchorCtr="0">
+          <a:noAutofit/>
+        </a:bodyPr>
+        <a:lstStyle/>
+        <a:p>
+          <a:pPr marL="0" lvl="0" indent="0" algn="ctr" defTabSz="889000">
+            <a:lnSpc>
+              <a:spcPct val="90000"/>
+            </a:lnSpc>
+            <a:spcBef>
+              <a:spcPct val="0"/>
+            </a:spcBef>
+            <a:spcAft>
+              <a:spcPct val="35000"/>
+            </a:spcAft>
+            <a:buNone/>
+          </a:pPr>
+          <a:endParaRPr lang="en-US" sz="2000" kern="1200" dirty="0"/>
+        </a:p>
+      </dsp:txBody>
+      <dsp:txXfrm>
+        <a:off x="1131759" y="473214"/>
+        <a:ext cx="721582" cy="288632"/>
+      </dsp:txXfrm>
+    </dsp:sp>
+  </dsp:spTree>
+</dsp:drawing>
+</file>
+
+<file path=ppt/diagrams/drawing5.xml><?xml version="1.0" encoding="utf-8"?>
 <dsp:drawing xmlns:dgm="http://schemas.openxmlformats.org/drawingml/2006/diagram" xmlns:dsp="http://schemas.microsoft.com/office/drawing/2008/diagram" xmlns:a="http://schemas.openxmlformats.org/drawingml/2006/main">
   <dsp:spTree>
     <dsp:nvGrpSpPr>
@@ -6152,7 +8787,7 @@
 </dsp:drawing>
 </file>
 
-<file path=ppt/diagrams/drawing4.xml><?xml version="1.0" encoding="utf-8"?>
+<file path=ppt/diagrams/drawing6.xml><?xml version="1.0" encoding="utf-8"?>
 <dsp:drawing xmlns:dgm="http://schemas.openxmlformats.org/drawingml/2006/diagram" xmlns:dsp="http://schemas.microsoft.com/office/drawing/2008/diagram" xmlns:a="http://schemas.openxmlformats.org/drawingml/2006/main">
   <dsp:spTree>
     <dsp:nvGrpSpPr>
@@ -6386,7 +9021,7 @@
 </dsp:drawing>
 </file>
 
-<file path=ppt/diagrams/drawing5.xml><?xml version="1.0" encoding="utf-8"?>
+<file path=ppt/diagrams/drawing7.xml><?xml version="1.0" encoding="utf-8"?>
 <dsp:drawing xmlns:dgm="http://schemas.openxmlformats.org/drawingml/2006/diagram" xmlns:dsp="http://schemas.microsoft.com/office/drawing/2008/diagram" xmlns:a="http://schemas.openxmlformats.org/drawingml/2006/main">
   <dsp:spTree>
     <dsp:nvGrpSpPr>
@@ -7321,6 +9956,386 @@
 </file>
 
 <file path=ppt/diagrams/layout5.xml><?xml version="1.0" encoding="utf-8"?>
+<dgm:layoutDef xmlns:dgm="http://schemas.openxmlformats.org/drawingml/2006/diagram" xmlns:a="http://schemas.openxmlformats.org/drawingml/2006/main" uniqueId="urn:microsoft.com/office/officeart/2018/2/layout/IconLabelList">
+  <dgm:title val="Icon Label List"/>
+  <dgm:desc val="Use to show non-sequential or grouped chunks of information accompanied by a related visuals. Works best with icons or small pictures with short text captions."/>
+  <dgm:catLst>
+    <dgm:cat type="icon" pri="500"/>
+  </dgm:catLst>
+  <dgm:sampData useDef="1">
+    <dgm:dataModel>
+      <dgm:ptLst/>
+      <dgm:bg/>
+      <dgm:whole/>
+    </dgm:dataModel>
+  </dgm:sampData>
+  <dgm:styleData useDef="1">
+    <dgm:dataModel>
+      <dgm:ptLst/>
+      <dgm:bg/>
+      <dgm:whole/>
+    </dgm:dataModel>
+  </dgm:styleData>
+  <dgm:clrData useDef="1">
+    <dgm:dataModel>
+      <dgm:ptLst/>
+      <dgm:bg/>
+      <dgm:whole/>
+    </dgm:dataModel>
+  </dgm:clrData>
+  <dgm:layoutNode name="root">
+    <dgm:varLst>
+      <dgm:dir/>
+      <dgm:resizeHandles val="exact"/>
+    </dgm:varLst>
+    <dgm:choose name="Name0">
+      <dgm:if name="Name1" axis="self" func="var" arg="dir" op="equ" val="norm">
+        <dgm:alg type="snake">
+          <dgm:param type="grDir" val="tL"/>
+          <dgm:param type="flowDir" val="row"/>
+          <dgm:param type="contDir" val="sameDir"/>
+          <dgm:param type="off" val="ctr"/>
+          <dgm:param type="vertAlign" val="mid"/>
+          <dgm:param type="horzAlign" val="ctr"/>
+        </dgm:alg>
+      </dgm:if>
+      <dgm:else name="Name2">
+        <dgm:alg type="snake">
+          <dgm:param type="grDir" val="tR"/>
+          <dgm:param type="flowDir" val="row"/>
+          <dgm:param type="contDir" val="sameDir"/>
+          <dgm:param type="off" val="ctr"/>
+          <dgm:param type="vertAlign" val="mid"/>
+          <dgm:param type="horzAlign" val="ctr"/>
+        </dgm:alg>
+      </dgm:else>
+    </dgm:choose>
+    <dgm:shape xmlns:r="http://schemas.openxmlformats.org/officeDocument/2006/relationships" r:blip="">
+      <dgm:adjLst/>
+    </dgm:shape>
+    <dgm:presOf/>
+    <dgm:choose name="Name3">
+      <dgm:if name="Name4" axis="ch" ptType="node" func="cnt" op="lte" val="2">
+        <dgm:constrLst>
+          <dgm:constr type="h" for="ch" forName="compNode" refType="h" fact="0.4"/>
+          <dgm:constr type="w" for="ch" forName="compNode" val="120"/>
+          <dgm:constr type="w" for="ch" forName="sibTrans" refType="w" refFor="ch" refForName="compNode" fact="0.175"/>
+          <dgm:constr type="sp" refType="w" refFor="ch" refForName="compNode" op="equ" fact="0.25"/>
+          <dgm:constr type="primFontSz" for="des" ptType="node" op="equ" val="50"/>
+          <dgm:constr type="h" for="des" forName="compNode" op="equ"/>
+          <dgm:constr type="h" for="des" forName="textRect" op="equ"/>
+        </dgm:constrLst>
+      </dgm:if>
+      <dgm:if name="Name5" axis="ch" ptType="node" func="cnt" op="lte" val="4">
+        <dgm:constrLst>
+          <dgm:constr type="h" for="ch" forName="compNode" refType="h" fact="0.4"/>
+          <dgm:constr type="w" for="ch" forName="compNode" refType="w"/>
+          <dgm:constr type="w" for="ch" forName="sibTrans" refType="w" refFor="ch" refForName="compNode" fact="0.175"/>
+          <dgm:constr type="sp" refType="w" refFor="ch" refForName="compNode" op="equ" fact="0.25"/>
+          <dgm:constr type="primFontSz" for="des" ptType="node" op="equ" val="36"/>
+          <dgm:constr type="h" for="des" forName="compNode" op="equ"/>
+          <dgm:constr type="h" for="des" forName="textRect" op="equ"/>
+        </dgm:constrLst>
+      </dgm:if>
+      <dgm:else name="Name6">
+        <dgm:constrLst>
+          <dgm:constr type="h" for="ch" forName="compNode" refType="h" fact="0.4"/>
+          <dgm:constr type="w" for="ch" forName="compNode" refType="w"/>
+          <dgm:constr type="w" for="ch" forName="sibTrans" refType="w" refFor="ch" refForName="compNode" fact="0.175"/>
+          <dgm:constr type="sp" refType="w" refFor="ch" refForName="compNode" op="equ" fact="0.25"/>
+          <dgm:constr type="primFontSz" for="des" ptType="node" op="equ" val="24"/>
+          <dgm:constr type="h" for="des" forName="compNode" op="equ"/>
+          <dgm:constr type="h" for="des" forName="textRect" op="equ"/>
+        </dgm:constrLst>
+      </dgm:else>
+    </dgm:choose>
+    <dgm:ruleLst>
+      <dgm:rule type="w" for="ch" forName="compNode" val="50" fact="NaN" max="NaN"/>
+    </dgm:ruleLst>
+    <dgm:forEach name="Name7" axis="ch" ptType="node">
+      <dgm:layoutNode name="compNode">
+        <dgm:alg type="composite"/>
+        <dgm:shape xmlns:r="http://schemas.openxmlformats.org/officeDocument/2006/relationships" r:blip="">
+          <dgm:adjLst/>
+        </dgm:shape>
+        <dgm:presOf axis="self"/>
+        <dgm:constrLst>
+          <dgm:constr type="w" for="ch" forName="iconRect" refType="w" fact="0.45"/>
+          <dgm:constr type="h" for="ch" forName="iconRect" refType="w" refFor="ch" refForName="iconRect"/>
+          <dgm:constr type="ctrX" for="ch" forName="iconRect" refType="w" fact="0.5"/>
+          <dgm:constr type="t" for="ch" forName="iconRect"/>
+          <dgm:constr type="h" for="ch" forName="spaceRect" refType="h" fact="0.15"/>
+          <dgm:constr type="w" for="ch" forName="spaceRect" refType="w"/>
+          <dgm:constr type="l" for="ch" forName="spaceRect"/>
+          <dgm:constr type="t" for="ch" forName="spaceRect" refType="b" refFor="ch" refForName="iconRect"/>
+          <dgm:constr type="h" for="ch" forName="textRect" val="20"/>
+          <dgm:constr type="w" for="ch" forName="textRect" refType="w"/>
+          <dgm:constr type="l" for="ch" forName="textRect"/>
+          <dgm:constr type="t" for="ch" forName="textRect" refType="b" refFor="ch" refForName="spaceRect"/>
+        </dgm:constrLst>
+        <dgm:ruleLst>
+          <dgm:rule type="h" val="INF" fact="NaN" max="NaN"/>
+        </dgm:ruleLst>
+        <dgm:layoutNode name="iconRect" styleLbl="node1">
+          <dgm:alg type="sp"/>
+          <dgm:shape xmlns:r="http://schemas.openxmlformats.org/officeDocument/2006/relationships" type="rect" r:blip="" blipPhldr="1">
+            <dgm:adjLst/>
+          </dgm:shape>
+          <dgm:presOf/>
+          <dgm:constrLst/>
+          <dgm:ruleLst/>
+        </dgm:layoutNode>
+        <dgm:layoutNode name="spaceRect">
+          <dgm:alg type="sp"/>
+          <dgm:shape xmlns:r="http://schemas.openxmlformats.org/officeDocument/2006/relationships" r:blip="">
+            <dgm:adjLst/>
+          </dgm:shape>
+          <dgm:presOf/>
+          <dgm:constrLst/>
+          <dgm:ruleLst/>
+        </dgm:layoutNode>
+        <dgm:layoutNode name="textRect" styleLbl="revTx">
+          <dgm:varLst>
+            <dgm:chMax val="1"/>
+            <dgm:chPref val="1"/>
+          </dgm:varLst>
+          <dgm:alg type="tx">
+            <dgm:param type="txAnchorVert" val="t"/>
+          </dgm:alg>
+          <dgm:shape xmlns:r="http://schemas.openxmlformats.org/officeDocument/2006/relationships" type="rect" r:blip="">
+            <dgm:adjLst/>
+          </dgm:shape>
+          <dgm:presOf axis="self" ptType="node"/>
+          <dgm:constrLst>
+            <dgm:constr type="lMarg"/>
+            <dgm:constr type="rMarg"/>
+            <dgm:constr type="tMarg"/>
+            <dgm:constr type="bMarg"/>
+          </dgm:constrLst>
+          <dgm:ruleLst>
+            <dgm:rule type="primFontSz" val="11" fact="NaN" max="NaN"/>
+            <dgm:rule type="h" val="INF" fact="NaN" max="NaN"/>
+          </dgm:ruleLst>
+        </dgm:layoutNode>
+      </dgm:layoutNode>
+      <dgm:forEach name="Name8" axis="followSib" ptType="sibTrans" cnt="1">
+        <dgm:layoutNode name="sibTrans">
+          <dgm:alg type="sp"/>
+          <dgm:shape xmlns:r="http://schemas.openxmlformats.org/officeDocument/2006/relationships" r:blip="">
+            <dgm:adjLst/>
+          </dgm:shape>
+          <dgm:presOf axis="self"/>
+          <dgm:constrLst/>
+          <dgm:ruleLst/>
+        </dgm:layoutNode>
+      </dgm:forEach>
+    </dgm:forEach>
+  </dgm:layoutNode>
+  <dgm:extLst>
+    <a:ext uri="{68A01E43-0DF5-4B5B-8FA6-DAF915123BFB}">
+      <dgm1612:lstStyle xmlns:dgm1612="http://schemas.microsoft.com/office/drawing/2016/12/diagram">
+        <a:lvl1pPr>
+          <a:lnSpc>
+            <a:spcPct val="100000"/>
+          </a:lnSpc>
+        </a:lvl1pPr>
+      </dgm1612:lstStyle>
+    </a:ext>
+  </dgm:extLst>
+</dgm:layoutDef>
+</file>
+
+<file path=ppt/diagrams/layout6.xml><?xml version="1.0" encoding="utf-8"?>
+<dgm:layoutDef xmlns:dgm="http://schemas.openxmlformats.org/drawingml/2006/diagram" xmlns:a="http://schemas.openxmlformats.org/drawingml/2006/main" uniqueId="urn:microsoft.com/office/officeart/2018/2/layout/IconLabelList">
+  <dgm:title val="Icon Label List"/>
+  <dgm:desc val="Use to show non-sequential or grouped chunks of information accompanied by a related visuals. Works best with icons or small pictures with short text captions."/>
+  <dgm:catLst>
+    <dgm:cat type="icon" pri="500"/>
+  </dgm:catLst>
+  <dgm:sampData useDef="1">
+    <dgm:dataModel>
+      <dgm:ptLst/>
+      <dgm:bg/>
+      <dgm:whole/>
+    </dgm:dataModel>
+  </dgm:sampData>
+  <dgm:styleData useDef="1">
+    <dgm:dataModel>
+      <dgm:ptLst/>
+      <dgm:bg/>
+      <dgm:whole/>
+    </dgm:dataModel>
+  </dgm:styleData>
+  <dgm:clrData useDef="1">
+    <dgm:dataModel>
+      <dgm:ptLst/>
+      <dgm:bg/>
+      <dgm:whole/>
+    </dgm:dataModel>
+  </dgm:clrData>
+  <dgm:layoutNode name="root">
+    <dgm:varLst>
+      <dgm:dir/>
+      <dgm:resizeHandles val="exact"/>
+    </dgm:varLst>
+    <dgm:choose name="Name0">
+      <dgm:if name="Name1" axis="self" func="var" arg="dir" op="equ" val="norm">
+        <dgm:alg type="snake">
+          <dgm:param type="grDir" val="tL"/>
+          <dgm:param type="flowDir" val="row"/>
+          <dgm:param type="contDir" val="sameDir"/>
+          <dgm:param type="off" val="ctr"/>
+          <dgm:param type="vertAlign" val="mid"/>
+          <dgm:param type="horzAlign" val="ctr"/>
+        </dgm:alg>
+      </dgm:if>
+      <dgm:else name="Name2">
+        <dgm:alg type="snake">
+          <dgm:param type="grDir" val="tR"/>
+          <dgm:param type="flowDir" val="row"/>
+          <dgm:param type="contDir" val="sameDir"/>
+          <dgm:param type="off" val="ctr"/>
+          <dgm:param type="vertAlign" val="mid"/>
+          <dgm:param type="horzAlign" val="ctr"/>
+        </dgm:alg>
+      </dgm:else>
+    </dgm:choose>
+    <dgm:shape xmlns:r="http://schemas.openxmlformats.org/officeDocument/2006/relationships" r:blip="">
+      <dgm:adjLst/>
+    </dgm:shape>
+    <dgm:presOf/>
+    <dgm:choose name="Name3">
+      <dgm:if name="Name4" axis="ch" ptType="node" func="cnt" op="lte" val="2">
+        <dgm:constrLst>
+          <dgm:constr type="h" for="ch" forName="compNode" refType="h" fact="0.4"/>
+          <dgm:constr type="w" for="ch" forName="compNode" val="120"/>
+          <dgm:constr type="w" for="ch" forName="sibTrans" refType="w" refFor="ch" refForName="compNode" fact="0.175"/>
+          <dgm:constr type="sp" refType="w" refFor="ch" refForName="compNode" op="equ" fact="0.25"/>
+          <dgm:constr type="primFontSz" for="des" ptType="node" op="equ" val="50"/>
+          <dgm:constr type="h" for="des" forName="compNode" op="equ"/>
+          <dgm:constr type="h" for="des" forName="textRect" op="equ"/>
+        </dgm:constrLst>
+      </dgm:if>
+      <dgm:if name="Name5" axis="ch" ptType="node" func="cnt" op="lte" val="4">
+        <dgm:constrLst>
+          <dgm:constr type="h" for="ch" forName="compNode" refType="h" fact="0.4"/>
+          <dgm:constr type="w" for="ch" forName="compNode" refType="w"/>
+          <dgm:constr type="w" for="ch" forName="sibTrans" refType="w" refFor="ch" refForName="compNode" fact="0.175"/>
+          <dgm:constr type="sp" refType="w" refFor="ch" refForName="compNode" op="equ" fact="0.25"/>
+          <dgm:constr type="primFontSz" for="des" ptType="node" op="equ" val="36"/>
+          <dgm:constr type="h" for="des" forName="compNode" op="equ"/>
+          <dgm:constr type="h" for="des" forName="textRect" op="equ"/>
+        </dgm:constrLst>
+      </dgm:if>
+      <dgm:else name="Name6">
+        <dgm:constrLst>
+          <dgm:constr type="h" for="ch" forName="compNode" refType="h" fact="0.4"/>
+          <dgm:constr type="w" for="ch" forName="compNode" refType="w"/>
+          <dgm:constr type="w" for="ch" forName="sibTrans" refType="w" refFor="ch" refForName="compNode" fact="0.175"/>
+          <dgm:constr type="sp" refType="w" refFor="ch" refForName="compNode" op="equ" fact="0.25"/>
+          <dgm:constr type="primFontSz" for="des" ptType="node" op="equ" val="24"/>
+          <dgm:constr type="h" for="des" forName="compNode" op="equ"/>
+          <dgm:constr type="h" for="des" forName="textRect" op="equ"/>
+        </dgm:constrLst>
+      </dgm:else>
+    </dgm:choose>
+    <dgm:ruleLst>
+      <dgm:rule type="w" for="ch" forName="compNode" val="50" fact="NaN" max="NaN"/>
+    </dgm:ruleLst>
+    <dgm:forEach name="Name7" axis="ch" ptType="node">
+      <dgm:layoutNode name="compNode">
+        <dgm:alg type="composite"/>
+        <dgm:shape xmlns:r="http://schemas.openxmlformats.org/officeDocument/2006/relationships" r:blip="">
+          <dgm:adjLst/>
+        </dgm:shape>
+        <dgm:presOf axis="self"/>
+        <dgm:constrLst>
+          <dgm:constr type="w" for="ch" forName="iconRect" refType="w" fact="0.45"/>
+          <dgm:constr type="h" for="ch" forName="iconRect" refType="w" refFor="ch" refForName="iconRect"/>
+          <dgm:constr type="ctrX" for="ch" forName="iconRect" refType="w" fact="0.5"/>
+          <dgm:constr type="t" for="ch" forName="iconRect"/>
+          <dgm:constr type="h" for="ch" forName="spaceRect" refType="h" fact="0.15"/>
+          <dgm:constr type="w" for="ch" forName="spaceRect" refType="w"/>
+          <dgm:constr type="l" for="ch" forName="spaceRect"/>
+          <dgm:constr type="t" for="ch" forName="spaceRect" refType="b" refFor="ch" refForName="iconRect"/>
+          <dgm:constr type="h" for="ch" forName="textRect" val="20"/>
+          <dgm:constr type="w" for="ch" forName="textRect" refType="w"/>
+          <dgm:constr type="l" for="ch" forName="textRect"/>
+          <dgm:constr type="t" for="ch" forName="textRect" refType="b" refFor="ch" refForName="spaceRect"/>
+        </dgm:constrLst>
+        <dgm:ruleLst>
+          <dgm:rule type="h" val="INF" fact="NaN" max="NaN"/>
+        </dgm:ruleLst>
+        <dgm:layoutNode name="iconRect" styleLbl="node1">
+          <dgm:alg type="sp"/>
+          <dgm:shape xmlns:r="http://schemas.openxmlformats.org/officeDocument/2006/relationships" type="rect" r:blip="" blipPhldr="1">
+            <dgm:adjLst/>
+          </dgm:shape>
+          <dgm:presOf/>
+          <dgm:constrLst/>
+          <dgm:ruleLst/>
+        </dgm:layoutNode>
+        <dgm:layoutNode name="spaceRect">
+          <dgm:alg type="sp"/>
+          <dgm:shape xmlns:r="http://schemas.openxmlformats.org/officeDocument/2006/relationships" r:blip="">
+            <dgm:adjLst/>
+          </dgm:shape>
+          <dgm:presOf/>
+          <dgm:constrLst/>
+          <dgm:ruleLst/>
+        </dgm:layoutNode>
+        <dgm:layoutNode name="textRect" styleLbl="revTx">
+          <dgm:varLst>
+            <dgm:chMax val="1"/>
+            <dgm:chPref val="1"/>
+          </dgm:varLst>
+          <dgm:alg type="tx">
+            <dgm:param type="txAnchorVert" val="t"/>
+          </dgm:alg>
+          <dgm:shape xmlns:r="http://schemas.openxmlformats.org/officeDocument/2006/relationships" type="rect" r:blip="">
+            <dgm:adjLst/>
+          </dgm:shape>
+          <dgm:presOf axis="self" ptType="node"/>
+          <dgm:constrLst>
+            <dgm:constr type="lMarg"/>
+            <dgm:constr type="rMarg"/>
+            <dgm:constr type="tMarg"/>
+            <dgm:constr type="bMarg"/>
+          </dgm:constrLst>
+          <dgm:ruleLst>
+            <dgm:rule type="primFontSz" val="11" fact="NaN" max="NaN"/>
+            <dgm:rule type="h" val="INF" fact="NaN" max="NaN"/>
+          </dgm:ruleLst>
+        </dgm:layoutNode>
+      </dgm:layoutNode>
+      <dgm:forEach name="Name8" axis="followSib" ptType="sibTrans" cnt="1">
+        <dgm:layoutNode name="sibTrans">
+          <dgm:alg type="sp"/>
+          <dgm:shape xmlns:r="http://schemas.openxmlformats.org/officeDocument/2006/relationships" r:blip="">
+            <dgm:adjLst/>
+          </dgm:shape>
+          <dgm:presOf axis="self"/>
+          <dgm:constrLst/>
+          <dgm:ruleLst/>
+        </dgm:layoutNode>
+      </dgm:forEach>
+    </dgm:forEach>
+  </dgm:layoutNode>
+  <dgm:extLst>
+    <a:ext uri="{68A01E43-0DF5-4B5B-8FA6-DAF915123BFB}">
+      <dgm1612:lstStyle xmlns:dgm1612="http://schemas.microsoft.com/office/drawing/2016/12/diagram">
+        <a:lvl1pPr>
+          <a:lnSpc>
+            <a:spcPct val="100000"/>
+          </a:lnSpc>
+        </a:lvl1pPr>
+      </dgm1612:lstStyle>
+    </a:ext>
+  </dgm:extLst>
+</dgm:layoutDef>
+</file>
+
+<file path=ppt/diagrams/layout7.xml><?xml version="1.0" encoding="utf-8"?>
 <dgm:layoutDef xmlns:dgm="http://schemas.openxmlformats.org/drawingml/2006/diagram" xmlns:a="http://schemas.openxmlformats.org/drawingml/2006/main" uniqueId="urn:microsoft.com/office/officeart/2005/8/layout/hierarchy3">
   <dgm:title val=""/>
   <dgm:desc val=""/>
@@ -11749,6 +14764,2074 @@
 </file>
 
 <file path=ppt/diagrams/quickStyle5.xml><?xml version="1.0" encoding="utf-8"?>
+<dgm:styleDef xmlns:dgm="http://schemas.openxmlformats.org/drawingml/2006/diagram" xmlns:a="http://schemas.openxmlformats.org/drawingml/2006/main" uniqueId="urn:microsoft.com/office/officeart/2005/8/quickstyle/simple1">
+  <dgm:title val=""/>
+  <dgm:desc val=""/>
+  <dgm:catLst>
+    <dgm:cat type="simple" pri="10100"/>
+  </dgm:catLst>
+  <dgm:scene3d>
+    <a:camera prst="orthographicFront"/>
+    <a:lightRig rig="threePt" dir="t"/>
+  </dgm:scene3d>
+  <dgm:styleLbl name="node0">
+    <dgm:scene3d>
+      <a:camera prst="orthographicFront"/>
+      <a:lightRig rig="threePt" dir="t"/>
+    </dgm:scene3d>
+    <dgm:sp3d/>
+    <dgm:txPr/>
+    <dgm:style>
+      <a:lnRef idx="2">
+        <a:scrgbClr r="0" g="0" b="0"/>
+      </a:lnRef>
+      <a:fillRef idx="1">
+        <a:scrgbClr r="0" g="0" b="0"/>
+      </a:fillRef>
+      <a:effectRef idx="0">
+        <a:scrgbClr r="0" g="0" b="0"/>
+      </a:effectRef>
+      <a:fontRef idx="minor">
+        <a:schemeClr val="lt1"/>
+      </a:fontRef>
+    </dgm:style>
+  </dgm:styleLbl>
+  <dgm:styleLbl name="lnNode1">
+    <dgm:scene3d>
+      <a:camera prst="orthographicFront"/>
+      <a:lightRig rig="threePt" dir="t"/>
+    </dgm:scene3d>
+    <dgm:sp3d/>
+    <dgm:txPr/>
+    <dgm:style>
+      <a:lnRef idx="2">
+        <a:scrgbClr r="0" g="0" b="0"/>
+      </a:lnRef>
+      <a:fillRef idx="1">
+        <a:scrgbClr r="0" g="0" b="0"/>
+      </a:fillRef>
+      <a:effectRef idx="0">
+        <a:scrgbClr r="0" g="0" b="0"/>
+      </a:effectRef>
+      <a:fontRef idx="minor">
+        <a:schemeClr val="lt1"/>
+      </a:fontRef>
+    </dgm:style>
+  </dgm:styleLbl>
+  <dgm:styleLbl name="vennNode1">
+    <dgm:scene3d>
+      <a:camera prst="orthographicFront"/>
+      <a:lightRig rig="threePt" dir="t"/>
+    </dgm:scene3d>
+    <dgm:sp3d/>
+    <dgm:txPr/>
+    <dgm:style>
+      <a:lnRef idx="2">
+        <a:scrgbClr r="0" g="0" b="0"/>
+      </a:lnRef>
+      <a:fillRef idx="1">
+        <a:scrgbClr r="0" g="0" b="0"/>
+      </a:fillRef>
+      <a:effectRef idx="0">
+        <a:scrgbClr r="0" g="0" b="0"/>
+      </a:effectRef>
+      <a:fontRef idx="minor">
+        <a:schemeClr val="tx1"/>
+      </a:fontRef>
+    </dgm:style>
+  </dgm:styleLbl>
+  <dgm:styleLbl name="alignNode1">
+    <dgm:scene3d>
+      <a:camera prst="orthographicFront"/>
+      <a:lightRig rig="threePt" dir="t"/>
+    </dgm:scene3d>
+    <dgm:sp3d/>
+    <dgm:txPr/>
+    <dgm:style>
+      <a:lnRef idx="2">
+        <a:scrgbClr r="0" g="0" b="0"/>
+      </a:lnRef>
+      <a:fillRef idx="1">
+        <a:scrgbClr r="0" g="0" b="0"/>
+      </a:fillRef>
+      <a:effectRef idx="0">
+        <a:scrgbClr r="0" g="0" b="0"/>
+      </a:effectRef>
+      <a:fontRef idx="minor">
+        <a:schemeClr val="lt1"/>
+      </a:fontRef>
+    </dgm:style>
+  </dgm:styleLbl>
+  <dgm:styleLbl name="node1">
+    <dgm:scene3d>
+      <a:camera prst="orthographicFront"/>
+      <a:lightRig rig="threePt" dir="t"/>
+    </dgm:scene3d>
+    <dgm:sp3d/>
+    <dgm:txPr/>
+    <dgm:style>
+      <a:lnRef idx="2">
+        <a:scrgbClr r="0" g="0" b="0"/>
+      </a:lnRef>
+      <a:fillRef idx="1">
+        <a:scrgbClr r="0" g="0" b="0"/>
+      </a:fillRef>
+      <a:effectRef idx="0">
+        <a:scrgbClr r="0" g="0" b="0"/>
+      </a:effectRef>
+      <a:fontRef idx="minor">
+        <a:schemeClr val="lt1"/>
+      </a:fontRef>
+    </dgm:style>
+  </dgm:styleLbl>
+  <dgm:styleLbl name="node2">
+    <dgm:scene3d>
+      <a:camera prst="orthographicFront"/>
+      <a:lightRig rig="threePt" dir="t"/>
+    </dgm:scene3d>
+    <dgm:sp3d/>
+    <dgm:txPr/>
+    <dgm:style>
+      <a:lnRef idx="2">
+        <a:scrgbClr r="0" g="0" b="0"/>
+      </a:lnRef>
+      <a:fillRef idx="1">
+        <a:scrgbClr r="0" g="0" b="0"/>
+      </a:fillRef>
+      <a:effectRef idx="0">
+        <a:scrgbClr r="0" g="0" b="0"/>
+      </a:effectRef>
+      <a:fontRef idx="minor">
+        <a:schemeClr val="lt1"/>
+      </a:fontRef>
+    </dgm:style>
+  </dgm:styleLbl>
+  <dgm:styleLbl name="node3">
+    <dgm:scene3d>
+      <a:camera prst="orthographicFront"/>
+      <a:lightRig rig="threePt" dir="t"/>
+    </dgm:scene3d>
+    <dgm:sp3d/>
+    <dgm:txPr/>
+    <dgm:style>
+      <a:lnRef idx="2">
+        <a:scrgbClr r="0" g="0" b="0"/>
+      </a:lnRef>
+      <a:fillRef idx="1">
+        <a:scrgbClr r="0" g="0" b="0"/>
+      </a:fillRef>
+      <a:effectRef idx="0">
+        <a:scrgbClr r="0" g="0" b="0"/>
+      </a:effectRef>
+      <a:fontRef idx="minor">
+        <a:schemeClr val="lt1"/>
+      </a:fontRef>
+    </dgm:style>
+  </dgm:styleLbl>
+  <dgm:styleLbl name="node4">
+    <dgm:scene3d>
+      <a:camera prst="orthographicFront"/>
+      <a:lightRig rig="threePt" dir="t"/>
+    </dgm:scene3d>
+    <dgm:sp3d/>
+    <dgm:txPr/>
+    <dgm:style>
+      <a:lnRef idx="2">
+        <a:scrgbClr r="0" g="0" b="0"/>
+      </a:lnRef>
+      <a:fillRef idx="1">
+        <a:scrgbClr r="0" g="0" b="0"/>
+      </a:fillRef>
+      <a:effectRef idx="0">
+        <a:scrgbClr r="0" g="0" b="0"/>
+      </a:effectRef>
+      <a:fontRef idx="minor">
+        <a:schemeClr val="lt1"/>
+      </a:fontRef>
+    </dgm:style>
+  </dgm:styleLbl>
+  <dgm:styleLbl name="fgImgPlace1">
+    <dgm:scene3d>
+      <a:camera prst="orthographicFront"/>
+      <a:lightRig rig="threePt" dir="t"/>
+    </dgm:scene3d>
+    <dgm:sp3d/>
+    <dgm:txPr/>
+    <dgm:style>
+      <a:lnRef idx="2">
+        <a:scrgbClr r="0" g="0" b="0"/>
+      </a:lnRef>
+      <a:fillRef idx="1">
+        <a:scrgbClr r="0" g="0" b="0"/>
+      </a:fillRef>
+      <a:effectRef idx="0">
+        <a:scrgbClr r="0" g="0" b="0"/>
+      </a:effectRef>
+      <a:fontRef idx="minor"/>
+    </dgm:style>
+  </dgm:styleLbl>
+  <dgm:styleLbl name="alignImgPlace1">
+    <dgm:scene3d>
+      <a:camera prst="orthographicFront"/>
+      <a:lightRig rig="threePt" dir="t"/>
+    </dgm:scene3d>
+    <dgm:sp3d/>
+    <dgm:txPr/>
+    <dgm:style>
+      <a:lnRef idx="2">
+        <a:scrgbClr r="0" g="0" b="0"/>
+      </a:lnRef>
+      <a:fillRef idx="1">
+        <a:scrgbClr r="0" g="0" b="0"/>
+      </a:fillRef>
+      <a:effectRef idx="0">
+        <a:scrgbClr r="0" g="0" b="0"/>
+      </a:effectRef>
+      <a:fontRef idx="minor"/>
+    </dgm:style>
+  </dgm:styleLbl>
+  <dgm:styleLbl name="bgImgPlace1">
+    <dgm:scene3d>
+      <a:camera prst="orthographicFront"/>
+      <a:lightRig rig="threePt" dir="t"/>
+    </dgm:scene3d>
+    <dgm:sp3d/>
+    <dgm:txPr/>
+    <dgm:style>
+      <a:lnRef idx="2">
+        <a:scrgbClr r="0" g="0" b="0"/>
+      </a:lnRef>
+      <a:fillRef idx="1">
+        <a:scrgbClr r="0" g="0" b="0"/>
+      </a:fillRef>
+      <a:effectRef idx="0">
+        <a:scrgbClr r="0" g="0" b="0"/>
+      </a:effectRef>
+      <a:fontRef idx="minor"/>
+    </dgm:style>
+  </dgm:styleLbl>
+  <dgm:styleLbl name="sibTrans2D1">
+    <dgm:scene3d>
+      <a:camera prst="orthographicFront"/>
+      <a:lightRig rig="threePt" dir="t"/>
+    </dgm:scene3d>
+    <dgm:sp3d/>
+    <dgm:txPr/>
+    <dgm:style>
+      <a:lnRef idx="0">
+        <a:scrgbClr r="0" g="0" b="0"/>
+      </a:lnRef>
+      <a:fillRef idx="1">
+        <a:scrgbClr r="0" g="0" b="0"/>
+      </a:fillRef>
+      <a:effectRef idx="0">
+        <a:scrgbClr r="0" g="0" b="0"/>
+      </a:effectRef>
+      <a:fontRef idx="minor">
+        <a:schemeClr val="lt1"/>
+      </a:fontRef>
+    </dgm:style>
+  </dgm:styleLbl>
+  <dgm:styleLbl name="fgSibTrans2D1">
+    <dgm:scene3d>
+      <a:camera prst="orthographicFront"/>
+      <a:lightRig rig="threePt" dir="t"/>
+    </dgm:scene3d>
+    <dgm:sp3d/>
+    <dgm:txPr/>
+    <dgm:style>
+      <a:lnRef idx="0">
+        <a:scrgbClr r="0" g="0" b="0"/>
+      </a:lnRef>
+      <a:fillRef idx="1">
+        <a:scrgbClr r="0" g="0" b="0"/>
+      </a:fillRef>
+      <a:effectRef idx="0">
+        <a:scrgbClr r="0" g="0" b="0"/>
+      </a:effectRef>
+      <a:fontRef idx="minor">
+        <a:schemeClr val="lt1"/>
+      </a:fontRef>
+    </dgm:style>
+  </dgm:styleLbl>
+  <dgm:styleLbl name="bgSibTrans2D1">
+    <dgm:scene3d>
+      <a:camera prst="orthographicFront"/>
+      <a:lightRig rig="threePt" dir="t"/>
+    </dgm:scene3d>
+    <dgm:sp3d/>
+    <dgm:txPr/>
+    <dgm:style>
+      <a:lnRef idx="0">
+        <a:scrgbClr r="0" g="0" b="0"/>
+      </a:lnRef>
+      <a:fillRef idx="1">
+        <a:scrgbClr r="0" g="0" b="0"/>
+      </a:fillRef>
+      <a:effectRef idx="0">
+        <a:scrgbClr r="0" g="0" b="0"/>
+      </a:effectRef>
+      <a:fontRef idx="minor">
+        <a:schemeClr val="lt1"/>
+      </a:fontRef>
+    </dgm:style>
+  </dgm:styleLbl>
+  <dgm:styleLbl name="sibTrans1D1">
+    <dgm:scene3d>
+      <a:camera prst="orthographicFront"/>
+      <a:lightRig rig="threePt" dir="t"/>
+    </dgm:scene3d>
+    <dgm:sp3d/>
+    <dgm:txPr/>
+    <dgm:style>
+      <a:lnRef idx="1">
+        <a:scrgbClr r="0" g="0" b="0"/>
+      </a:lnRef>
+      <a:fillRef idx="0">
+        <a:scrgbClr r="0" g="0" b="0"/>
+      </a:fillRef>
+      <a:effectRef idx="0">
+        <a:scrgbClr r="0" g="0" b="0"/>
+      </a:effectRef>
+      <a:fontRef idx="minor"/>
+    </dgm:style>
+  </dgm:styleLbl>
+  <dgm:styleLbl name="callout">
+    <dgm:scene3d>
+      <a:camera prst="orthographicFront"/>
+      <a:lightRig rig="threePt" dir="t"/>
+    </dgm:scene3d>
+    <dgm:sp3d/>
+    <dgm:txPr/>
+    <dgm:style>
+      <a:lnRef idx="2">
+        <a:scrgbClr r="0" g="0" b="0"/>
+      </a:lnRef>
+      <a:fillRef idx="1">
+        <a:scrgbClr r="0" g="0" b="0"/>
+      </a:fillRef>
+      <a:effectRef idx="0">
+        <a:scrgbClr r="0" g="0" b="0"/>
+      </a:effectRef>
+      <a:fontRef idx="minor"/>
+    </dgm:style>
+  </dgm:styleLbl>
+  <dgm:styleLbl name="asst0">
+    <dgm:scene3d>
+      <a:camera prst="orthographicFront"/>
+      <a:lightRig rig="threePt" dir="t"/>
+    </dgm:scene3d>
+    <dgm:sp3d/>
+    <dgm:txPr/>
+    <dgm:style>
+      <a:lnRef idx="2">
+        <a:scrgbClr r="0" g="0" b="0"/>
+      </a:lnRef>
+      <a:fillRef idx="1">
+        <a:scrgbClr r="0" g="0" b="0"/>
+      </a:fillRef>
+      <a:effectRef idx="0">
+        <a:scrgbClr r="0" g="0" b="0"/>
+      </a:effectRef>
+      <a:fontRef idx="minor">
+        <a:schemeClr val="lt1"/>
+      </a:fontRef>
+    </dgm:style>
+  </dgm:styleLbl>
+  <dgm:styleLbl name="asst1">
+    <dgm:scene3d>
+      <a:camera prst="orthographicFront"/>
+      <a:lightRig rig="threePt" dir="t"/>
+    </dgm:scene3d>
+    <dgm:sp3d/>
+    <dgm:txPr/>
+    <dgm:style>
+      <a:lnRef idx="2">
+        <a:scrgbClr r="0" g="0" b="0"/>
+      </a:lnRef>
+      <a:fillRef idx="1">
+        <a:scrgbClr r="0" g="0" b="0"/>
+      </a:fillRef>
+      <a:effectRef idx="0">
+        <a:scrgbClr r="0" g="0" b="0"/>
+      </a:effectRef>
+      <a:fontRef idx="minor">
+        <a:schemeClr val="lt1"/>
+      </a:fontRef>
+    </dgm:style>
+  </dgm:styleLbl>
+  <dgm:styleLbl name="asst2">
+    <dgm:scene3d>
+      <a:camera prst="orthographicFront"/>
+      <a:lightRig rig="threePt" dir="t"/>
+    </dgm:scene3d>
+    <dgm:sp3d/>
+    <dgm:txPr/>
+    <dgm:style>
+      <a:lnRef idx="2">
+        <a:scrgbClr r="0" g="0" b="0"/>
+      </a:lnRef>
+      <a:fillRef idx="1">
+        <a:scrgbClr r="0" g="0" b="0"/>
+      </a:fillRef>
+      <a:effectRef idx="0">
+        <a:scrgbClr r="0" g="0" b="0"/>
+      </a:effectRef>
+      <a:fontRef idx="minor">
+        <a:schemeClr val="lt1"/>
+      </a:fontRef>
+    </dgm:style>
+  </dgm:styleLbl>
+  <dgm:styleLbl name="asst3">
+    <dgm:scene3d>
+      <a:camera prst="orthographicFront"/>
+      <a:lightRig rig="threePt" dir="t"/>
+    </dgm:scene3d>
+    <dgm:sp3d/>
+    <dgm:txPr/>
+    <dgm:style>
+      <a:lnRef idx="2">
+        <a:scrgbClr r="0" g="0" b="0"/>
+      </a:lnRef>
+      <a:fillRef idx="1">
+        <a:scrgbClr r="0" g="0" b="0"/>
+      </a:fillRef>
+      <a:effectRef idx="0">
+        <a:scrgbClr r="0" g="0" b="0"/>
+      </a:effectRef>
+      <a:fontRef idx="minor">
+        <a:schemeClr val="lt1"/>
+      </a:fontRef>
+    </dgm:style>
+  </dgm:styleLbl>
+  <dgm:styleLbl name="asst4">
+    <dgm:scene3d>
+      <a:camera prst="orthographicFront"/>
+      <a:lightRig rig="threePt" dir="t"/>
+    </dgm:scene3d>
+    <dgm:sp3d/>
+    <dgm:txPr/>
+    <dgm:style>
+      <a:lnRef idx="2">
+        <a:scrgbClr r="0" g="0" b="0"/>
+      </a:lnRef>
+      <a:fillRef idx="1">
+        <a:scrgbClr r="0" g="0" b="0"/>
+      </a:fillRef>
+      <a:effectRef idx="0">
+        <a:scrgbClr r="0" g="0" b="0"/>
+      </a:effectRef>
+      <a:fontRef idx="minor">
+        <a:schemeClr val="lt1"/>
+      </a:fontRef>
+    </dgm:style>
+  </dgm:styleLbl>
+  <dgm:styleLbl name="parChTrans2D1">
+    <dgm:scene3d>
+      <a:camera prst="orthographicFront"/>
+      <a:lightRig rig="threePt" dir="t"/>
+    </dgm:scene3d>
+    <dgm:sp3d/>
+    <dgm:txPr/>
+    <dgm:style>
+      <a:lnRef idx="2">
+        <a:scrgbClr r="0" g="0" b="0"/>
+      </a:lnRef>
+      <a:fillRef idx="1">
+        <a:scrgbClr r="0" g="0" b="0"/>
+      </a:fillRef>
+      <a:effectRef idx="0">
+        <a:scrgbClr r="0" g="0" b="0"/>
+      </a:effectRef>
+      <a:fontRef idx="minor">
+        <a:schemeClr val="lt1"/>
+      </a:fontRef>
+    </dgm:style>
+  </dgm:styleLbl>
+  <dgm:styleLbl name="parChTrans2D2">
+    <dgm:scene3d>
+      <a:camera prst="orthographicFront"/>
+      <a:lightRig rig="threePt" dir="t"/>
+    </dgm:scene3d>
+    <dgm:sp3d/>
+    <dgm:txPr/>
+    <dgm:style>
+      <a:lnRef idx="2">
+        <a:scrgbClr r="0" g="0" b="0"/>
+      </a:lnRef>
+      <a:fillRef idx="1">
+        <a:scrgbClr r="0" g="0" b="0"/>
+      </a:fillRef>
+      <a:effectRef idx="0">
+        <a:scrgbClr r="0" g="0" b="0"/>
+      </a:effectRef>
+      <a:fontRef idx="minor">
+        <a:schemeClr val="lt1"/>
+      </a:fontRef>
+    </dgm:style>
+  </dgm:styleLbl>
+  <dgm:styleLbl name="parChTrans2D3">
+    <dgm:scene3d>
+      <a:camera prst="orthographicFront"/>
+      <a:lightRig rig="threePt" dir="t"/>
+    </dgm:scene3d>
+    <dgm:sp3d/>
+    <dgm:txPr/>
+    <dgm:style>
+      <a:lnRef idx="2">
+        <a:scrgbClr r="0" g="0" b="0"/>
+      </a:lnRef>
+      <a:fillRef idx="1">
+        <a:scrgbClr r="0" g="0" b="0"/>
+      </a:fillRef>
+      <a:effectRef idx="0">
+        <a:scrgbClr r="0" g="0" b="0"/>
+      </a:effectRef>
+      <a:fontRef idx="minor">
+        <a:schemeClr val="lt1"/>
+      </a:fontRef>
+    </dgm:style>
+  </dgm:styleLbl>
+  <dgm:styleLbl name="parChTrans2D4">
+    <dgm:scene3d>
+      <a:camera prst="orthographicFront"/>
+      <a:lightRig rig="threePt" dir="t"/>
+    </dgm:scene3d>
+    <dgm:sp3d/>
+    <dgm:txPr/>
+    <dgm:style>
+      <a:lnRef idx="2">
+        <a:scrgbClr r="0" g="0" b="0"/>
+      </a:lnRef>
+      <a:fillRef idx="1">
+        <a:scrgbClr r="0" g="0" b="0"/>
+      </a:fillRef>
+      <a:effectRef idx="0">
+        <a:scrgbClr r="0" g="0" b="0"/>
+      </a:effectRef>
+      <a:fontRef idx="minor">
+        <a:schemeClr val="lt1"/>
+      </a:fontRef>
+    </dgm:style>
+  </dgm:styleLbl>
+  <dgm:styleLbl name="parChTrans1D1">
+    <dgm:scene3d>
+      <a:camera prst="orthographicFront"/>
+      <a:lightRig rig="threePt" dir="t"/>
+    </dgm:scene3d>
+    <dgm:sp3d/>
+    <dgm:txPr/>
+    <dgm:style>
+      <a:lnRef idx="2">
+        <a:scrgbClr r="0" g="0" b="0"/>
+      </a:lnRef>
+      <a:fillRef idx="0">
+        <a:scrgbClr r="0" g="0" b="0"/>
+      </a:fillRef>
+      <a:effectRef idx="0">
+        <a:scrgbClr r="0" g="0" b="0"/>
+      </a:effectRef>
+      <a:fontRef idx="minor"/>
+    </dgm:style>
+  </dgm:styleLbl>
+  <dgm:styleLbl name="parChTrans1D2">
+    <dgm:scene3d>
+      <a:camera prst="orthographicFront"/>
+      <a:lightRig rig="threePt" dir="t"/>
+    </dgm:scene3d>
+    <dgm:sp3d/>
+    <dgm:txPr/>
+    <dgm:style>
+      <a:lnRef idx="2">
+        <a:scrgbClr r="0" g="0" b="0"/>
+      </a:lnRef>
+      <a:fillRef idx="0">
+        <a:scrgbClr r="0" g="0" b="0"/>
+      </a:fillRef>
+      <a:effectRef idx="0">
+        <a:scrgbClr r="0" g="0" b="0"/>
+      </a:effectRef>
+      <a:fontRef idx="minor"/>
+    </dgm:style>
+  </dgm:styleLbl>
+  <dgm:styleLbl name="parChTrans1D3">
+    <dgm:scene3d>
+      <a:camera prst="orthographicFront"/>
+      <a:lightRig rig="threePt" dir="t"/>
+    </dgm:scene3d>
+    <dgm:sp3d/>
+    <dgm:txPr/>
+    <dgm:style>
+      <a:lnRef idx="2">
+        <a:scrgbClr r="0" g="0" b="0"/>
+      </a:lnRef>
+      <a:fillRef idx="0">
+        <a:scrgbClr r="0" g="0" b="0"/>
+      </a:fillRef>
+      <a:effectRef idx="0">
+        <a:scrgbClr r="0" g="0" b="0"/>
+      </a:effectRef>
+      <a:fontRef idx="minor"/>
+    </dgm:style>
+  </dgm:styleLbl>
+  <dgm:styleLbl name="parChTrans1D4">
+    <dgm:scene3d>
+      <a:camera prst="orthographicFront"/>
+      <a:lightRig rig="threePt" dir="t"/>
+    </dgm:scene3d>
+    <dgm:sp3d/>
+    <dgm:txPr/>
+    <dgm:style>
+      <a:lnRef idx="2">
+        <a:scrgbClr r="0" g="0" b="0"/>
+      </a:lnRef>
+      <a:fillRef idx="0">
+        <a:scrgbClr r="0" g="0" b="0"/>
+      </a:fillRef>
+      <a:effectRef idx="0">
+        <a:scrgbClr r="0" g="0" b="0"/>
+      </a:effectRef>
+      <a:fontRef idx="minor"/>
+    </dgm:style>
+  </dgm:styleLbl>
+  <dgm:styleLbl name="fgAcc1">
+    <dgm:scene3d>
+      <a:camera prst="orthographicFront"/>
+      <a:lightRig rig="threePt" dir="t"/>
+    </dgm:scene3d>
+    <dgm:sp3d/>
+    <dgm:txPr/>
+    <dgm:style>
+      <a:lnRef idx="2">
+        <a:scrgbClr r="0" g="0" b="0"/>
+      </a:lnRef>
+      <a:fillRef idx="1">
+        <a:scrgbClr r="0" g="0" b="0"/>
+      </a:fillRef>
+      <a:effectRef idx="0">
+        <a:scrgbClr r="0" g="0" b="0"/>
+      </a:effectRef>
+      <a:fontRef idx="minor"/>
+    </dgm:style>
+  </dgm:styleLbl>
+  <dgm:styleLbl name="conFgAcc1">
+    <dgm:scene3d>
+      <a:camera prst="orthographicFront"/>
+      <a:lightRig rig="threePt" dir="t"/>
+    </dgm:scene3d>
+    <dgm:sp3d/>
+    <dgm:txPr/>
+    <dgm:style>
+      <a:lnRef idx="2">
+        <a:scrgbClr r="0" g="0" b="0"/>
+      </a:lnRef>
+      <a:fillRef idx="1">
+        <a:scrgbClr r="0" g="0" b="0"/>
+      </a:fillRef>
+      <a:effectRef idx="0">
+        <a:scrgbClr r="0" g="0" b="0"/>
+      </a:effectRef>
+      <a:fontRef idx="minor"/>
+    </dgm:style>
+  </dgm:styleLbl>
+  <dgm:styleLbl name="alignAcc1">
+    <dgm:scene3d>
+      <a:camera prst="orthographicFront"/>
+      <a:lightRig rig="threePt" dir="t"/>
+    </dgm:scene3d>
+    <dgm:sp3d/>
+    <dgm:txPr/>
+    <dgm:style>
+      <a:lnRef idx="2">
+        <a:scrgbClr r="0" g="0" b="0"/>
+      </a:lnRef>
+      <a:fillRef idx="1">
+        <a:scrgbClr r="0" g="0" b="0"/>
+      </a:fillRef>
+      <a:effectRef idx="0">
+        <a:scrgbClr r="0" g="0" b="0"/>
+      </a:effectRef>
+      <a:fontRef idx="minor"/>
+    </dgm:style>
+  </dgm:styleLbl>
+  <dgm:styleLbl name="trAlignAcc1">
+    <dgm:scene3d>
+      <a:camera prst="orthographicFront"/>
+      <a:lightRig rig="threePt" dir="t"/>
+    </dgm:scene3d>
+    <dgm:sp3d/>
+    <dgm:txPr/>
+    <dgm:style>
+      <a:lnRef idx="1">
+        <a:scrgbClr r="0" g="0" b="0"/>
+      </a:lnRef>
+      <a:fillRef idx="1">
+        <a:scrgbClr r="0" g="0" b="0"/>
+      </a:fillRef>
+      <a:effectRef idx="0">
+        <a:scrgbClr r="0" g="0" b="0"/>
+      </a:effectRef>
+      <a:fontRef idx="minor"/>
+    </dgm:style>
+  </dgm:styleLbl>
+  <dgm:styleLbl name="bgAcc1">
+    <dgm:scene3d>
+      <a:camera prst="orthographicFront"/>
+      <a:lightRig rig="threePt" dir="t"/>
+    </dgm:scene3d>
+    <dgm:sp3d/>
+    <dgm:txPr/>
+    <dgm:style>
+      <a:lnRef idx="2">
+        <a:scrgbClr r="0" g="0" b="0"/>
+      </a:lnRef>
+      <a:fillRef idx="1">
+        <a:scrgbClr r="0" g="0" b="0"/>
+      </a:fillRef>
+      <a:effectRef idx="0">
+        <a:scrgbClr r="0" g="0" b="0"/>
+      </a:effectRef>
+      <a:fontRef idx="minor"/>
+    </dgm:style>
+  </dgm:styleLbl>
+  <dgm:styleLbl name="solidFgAcc1">
+    <dgm:scene3d>
+      <a:camera prst="orthographicFront"/>
+      <a:lightRig rig="threePt" dir="t"/>
+    </dgm:scene3d>
+    <dgm:sp3d/>
+    <dgm:txPr/>
+    <dgm:style>
+      <a:lnRef idx="2">
+        <a:scrgbClr r="0" g="0" b="0"/>
+      </a:lnRef>
+      <a:fillRef idx="1">
+        <a:scrgbClr r="0" g="0" b="0"/>
+      </a:fillRef>
+      <a:effectRef idx="0">
+        <a:scrgbClr r="0" g="0" b="0"/>
+      </a:effectRef>
+      <a:fontRef idx="minor"/>
+    </dgm:style>
+  </dgm:styleLbl>
+  <dgm:styleLbl name="solidAlignAcc1">
+    <dgm:scene3d>
+      <a:camera prst="orthographicFront"/>
+      <a:lightRig rig="threePt" dir="t"/>
+    </dgm:scene3d>
+    <dgm:sp3d/>
+    <dgm:txPr/>
+    <dgm:style>
+      <a:lnRef idx="2">
+        <a:scrgbClr r="0" g="0" b="0"/>
+      </a:lnRef>
+      <a:fillRef idx="1">
+        <a:scrgbClr r="0" g="0" b="0"/>
+      </a:fillRef>
+      <a:effectRef idx="0">
+        <a:scrgbClr r="0" g="0" b="0"/>
+      </a:effectRef>
+      <a:fontRef idx="minor"/>
+    </dgm:style>
+  </dgm:styleLbl>
+  <dgm:styleLbl name="solidBgAcc1">
+    <dgm:scene3d>
+      <a:camera prst="orthographicFront"/>
+      <a:lightRig rig="threePt" dir="t"/>
+    </dgm:scene3d>
+    <dgm:sp3d/>
+    <dgm:txPr/>
+    <dgm:style>
+      <a:lnRef idx="2">
+        <a:scrgbClr r="0" g="0" b="0"/>
+      </a:lnRef>
+      <a:fillRef idx="1">
+        <a:scrgbClr r="0" g="0" b="0"/>
+      </a:fillRef>
+      <a:effectRef idx="0">
+        <a:scrgbClr r="0" g="0" b="0"/>
+      </a:effectRef>
+      <a:fontRef idx="minor"/>
+    </dgm:style>
+  </dgm:styleLbl>
+  <dgm:styleLbl name="fgAccFollowNode1">
+    <dgm:scene3d>
+      <a:camera prst="orthographicFront"/>
+      <a:lightRig rig="threePt" dir="t"/>
+    </dgm:scene3d>
+    <dgm:sp3d/>
+    <dgm:txPr/>
+    <dgm:style>
+      <a:lnRef idx="2">
+        <a:scrgbClr r="0" g="0" b="0"/>
+      </a:lnRef>
+      <a:fillRef idx="1">
+        <a:scrgbClr r="0" g="0" b="0"/>
+      </a:fillRef>
+      <a:effectRef idx="0">
+        <a:scrgbClr r="0" g="0" b="0"/>
+      </a:effectRef>
+      <a:fontRef idx="minor"/>
+    </dgm:style>
+  </dgm:styleLbl>
+  <dgm:styleLbl name="alignAccFollowNode1">
+    <dgm:scene3d>
+      <a:camera prst="orthographicFront"/>
+      <a:lightRig rig="threePt" dir="t"/>
+    </dgm:scene3d>
+    <dgm:sp3d/>
+    <dgm:txPr/>
+    <dgm:style>
+      <a:lnRef idx="2">
+        <a:scrgbClr r="0" g="0" b="0"/>
+      </a:lnRef>
+      <a:fillRef idx="1">
+        <a:scrgbClr r="0" g="0" b="0"/>
+      </a:fillRef>
+      <a:effectRef idx="0">
+        <a:scrgbClr r="0" g="0" b="0"/>
+      </a:effectRef>
+      <a:fontRef idx="minor"/>
+    </dgm:style>
+  </dgm:styleLbl>
+  <dgm:styleLbl name="bgAccFollowNode1">
+    <dgm:scene3d>
+      <a:camera prst="orthographicFront"/>
+      <a:lightRig rig="threePt" dir="t"/>
+    </dgm:scene3d>
+    <dgm:sp3d/>
+    <dgm:txPr/>
+    <dgm:style>
+      <a:lnRef idx="2">
+        <a:scrgbClr r="0" g="0" b="0"/>
+      </a:lnRef>
+      <a:fillRef idx="1">
+        <a:scrgbClr r="0" g="0" b="0"/>
+      </a:fillRef>
+      <a:effectRef idx="0">
+        <a:scrgbClr r="0" g="0" b="0"/>
+      </a:effectRef>
+      <a:fontRef idx="minor"/>
+    </dgm:style>
+  </dgm:styleLbl>
+  <dgm:styleLbl name="fgAcc0">
+    <dgm:scene3d>
+      <a:camera prst="orthographicFront"/>
+      <a:lightRig rig="threePt" dir="t"/>
+    </dgm:scene3d>
+    <dgm:sp3d/>
+    <dgm:txPr/>
+    <dgm:style>
+      <a:lnRef idx="2">
+        <a:scrgbClr r="0" g="0" b="0"/>
+      </a:lnRef>
+      <a:fillRef idx="1">
+        <a:scrgbClr r="0" g="0" b="0"/>
+      </a:fillRef>
+      <a:effectRef idx="0">
+        <a:scrgbClr r="0" g="0" b="0"/>
+      </a:effectRef>
+      <a:fontRef idx="minor"/>
+    </dgm:style>
+  </dgm:styleLbl>
+  <dgm:styleLbl name="fgAcc2">
+    <dgm:scene3d>
+      <a:camera prst="orthographicFront"/>
+      <a:lightRig rig="threePt" dir="t"/>
+    </dgm:scene3d>
+    <dgm:sp3d/>
+    <dgm:txPr/>
+    <dgm:style>
+      <a:lnRef idx="2">
+        <a:scrgbClr r="0" g="0" b="0"/>
+      </a:lnRef>
+      <a:fillRef idx="1">
+        <a:scrgbClr r="0" g="0" b="0"/>
+      </a:fillRef>
+      <a:effectRef idx="0">
+        <a:scrgbClr r="0" g="0" b="0"/>
+      </a:effectRef>
+      <a:fontRef idx="minor"/>
+    </dgm:style>
+  </dgm:styleLbl>
+  <dgm:styleLbl name="fgAcc3">
+    <dgm:scene3d>
+      <a:camera prst="orthographicFront"/>
+      <a:lightRig rig="threePt" dir="t"/>
+    </dgm:scene3d>
+    <dgm:sp3d/>
+    <dgm:txPr/>
+    <dgm:style>
+      <a:lnRef idx="2">
+        <a:scrgbClr r="0" g="0" b="0"/>
+      </a:lnRef>
+      <a:fillRef idx="1">
+        <a:scrgbClr r="0" g="0" b="0"/>
+      </a:fillRef>
+      <a:effectRef idx="0">
+        <a:scrgbClr r="0" g="0" b="0"/>
+      </a:effectRef>
+      <a:fontRef idx="minor"/>
+    </dgm:style>
+  </dgm:styleLbl>
+  <dgm:styleLbl name="fgAcc4">
+    <dgm:scene3d>
+      <a:camera prst="orthographicFront"/>
+      <a:lightRig rig="threePt" dir="t"/>
+    </dgm:scene3d>
+    <dgm:sp3d/>
+    <dgm:txPr/>
+    <dgm:style>
+      <a:lnRef idx="2">
+        <a:scrgbClr r="0" g="0" b="0"/>
+      </a:lnRef>
+      <a:fillRef idx="1">
+        <a:scrgbClr r="0" g="0" b="0"/>
+      </a:fillRef>
+      <a:effectRef idx="0">
+        <a:scrgbClr r="0" g="0" b="0"/>
+      </a:effectRef>
+      <a:fontRef idx="minor"/>
+    </dgm:style>
+  </dgm:styleLbl>
+  <dgm:styleLbl name="bgShp">
+    <dgm:scene3d>
+      <a:camera prst="orthographicFront"/>
+      <a:lightRig rig="threePt" dir="t"/>
+    </dgm:scene3d>
+    <dgm:sp3d/>
+    <dgm:txPr/>
+    <dgm:style>
+      <a:lnRef idx="0">
+        <a:scrgbClr r="0" g="0" b="0"/>
+      </a:lnRef>
+      <a:fillRef idx="1">
+        <a:scrgbClr r="0" g="0" b="0"/>
+      </a:fillRef>
+      <a:effectRef idx="0">
+        <a:scrgbClr r="0" g="0" b="0"/>
+      </a:effectRef>
+      <a:fontRef idx="minor"/>
+    </dgm:style>
+  </dgm:styleLbl>
+  <dgm:styleLbl name="dkBgShp">
+    <dgm:scene3d>
+      <a:camera prst="orthographicFront"/>
+      <a:lightRig rig="threePt" dir="t"/>
+    </dgm:scene3d>
+    <dgm:sp3d/>
+    <dgm:txPr/>
+    <dgm:style>
+      <a:lnRef idx="0">
+        <a:scrgbClr r="0" g="0" b="0"/>
+      </a:lnRef>
+      <a:fillRef idx="1">
+        <a:scrgbClr r="0" g="0" b="0"/>
+      </a:fillRef>
+      <a:effectRef idx="0">
+        <a:scrgbClr r="0" g="0" b="0"/>
+      </a:effectRef>
+      <a:fontRef idx="minor"/>
+    </dgm:style>
+  </dgm:styleLbl>
+  <dgm:styleLbl name="trBgShp">
+    <dgm:scene3d>
+      <a:camera prst="orthographicFront"/>
+      <a:lightRig rig="threePt" dir="t"/>
+    </dgm:scene3d>
+    <dgm:sp3d/>
+    <dgm:txPr/>
+    <dgm:style>
+      <a:lnRef idx="0">
+        <a:scrgbClr r="0" g="0" b="0"/>
+      </a:lnRef>
+      <a:fillRef idx="1">
+        <a:scrgbClr r="0" g="0" b="0"/>
+      </a:fillRef>
+      <a:effectRef idx="0">
+        <a:scrgbClr r="0" g="0" b="0"/>
+      </a:effectRef>
+      <a:fontRef idx="minor"/>
+    </dgm:style>
+  </dgm:styleLbl>
+  <dgm:styleLbl name="fgShp">
+    <dgm:scene3d>
+      <a:camera prst="orthographicFront"/>
+      <a:lightRig rig="threePt" dir="t"/>
+    </dgm:scene3d>
+    <dgm:sp3d/>
+    <dgm:txPr/>
+    <dgm:style>
+      <a:lnRef idx="2">
+        <a:scrgbClr r="0" g="0" b="0"/>
+      </a:lnRef>
+      <a:fillRef idx="1">
+        <a:scrgbClr r="0" g="0" b="0"/>
+      </a:fillRef>
+      <a:effectRef idx="0">
+        <a:scrgbClr r="0" g="0" b="0"/>
+      </a:effectRef>
+      <a:fontRef idx="minor"/>
+    </dgm:style>
+  </dgm:styleLbl>
+  <dgm:styleLbl name="revTx">
+    <dgm:scene3d>
+      <a:camera prst="orthographicFront"/>
+      <a:lightRig rig="threePt" dir="t"/>
+    </dgm:scene3d>
+    <dgm:sp3d/>
+    <dgm:txPr/>
+    <dgm:style>
+      <a:lnRef idx="0">
+        <a:scrgbClr r="0" g="0" b="0"/>
+      </a:lnRef>
+      <a:fillRef idx="0">
+        <a:scrgbClr r="0" g="0" b="0"/>
+      </a:fillRef>
+      <a:effectRef idx="0">
+        <a:scrgbClr r="0" g="0" b="0"/>
+      </a:effectRef>
+      <a:fontRef idx="minor"/>
+    </dgm:style>
+  </dgm:styleLbl>
+</dgm:styleDef>
+</file>
+
+<file path=ppt/diagrams/quickStyle6.xml><?xml version="1.0" encoding="utf-8"?>
+<dgm:styleDef xmlns:dgm="http://schemas.openxmlformats.org/drawingml/2006/diagram" xmlns:a="http://schemas.openxmlformats.org/drawingml/2006/main" uniqueId="urn:microsoft.com/office/officeart/2005/8/quickstyle/simple1">
+  <dgm:title val=""/>
+  <dgm:desc val=""/>
+  <dgm:catLst>
+    <dgm:cat type="simple" pri="10100"/>
+  </dgm:catLst>
+  <dgm:scene3d>
+    <a:camera prst="orthographicFront"/>
+    <a:lightRig rig="threePt" dir="t"/>
+  </dgm:scene3d>
+  <dgm:styleLbl name="node0">
+    <dgm:scene3d>
+      <a:camera prst="orthographicFront"/>
+      <a:lightRig rig="threePt" dir="t"/>
+    </dgm:scene3d>
+    <dgm:sp3d/>
+    <dgm:txPr/>
+    <dgm:style>
+      <a:lnRef idx="2">
+        <a:scrgbClr r="0" g="0" b="0"/>
+      </a:lnRef>
+      <a:fillRef idx="1">
+        <a:scrgbClr r="0" g="0" b="0"/>
+      </a:fillRef>
+      <a:effectRef idx="0">
+        <a:scrgbClr r="0" g="0" b="0"/>
+      </a:effectRef>
+      <a:fontRef idx="minor">
+        <a:schemeClr val="lt1"/>
+      </a:fontRef>
+    </dgm:style>
+  </dgm:styleLbl>
+  <dgm:styleLbl name="lnNode1">
+    <dgm:scene3d>
+      <a:camera prst="orthographicFront"/>
+      <a:lightRig rig="threePt" dir="t"/>
+    </dgm:scene3d>
+    <dgm:sp3d/>
+    <dgm:txPr/>
+    <dgm:style>
+      <a:lnRef idx="2">
+        <a:scrgbClr r="0" g="0" b="0"/>
+      </a:lnRef>
+      <a:fillRef idx="1">
+        <a:scrgbClr r="0" g="0" b="0"/>
+      </a:fillRef>
+      <a:effectRef idx="0">
+        <a:scrgbClr r="0" g="0" b="0"/>
+      </a:effectRef>
+      <a:fontRef idx="minor">
+        <a:schemeClr val="lt1"/>
+      </a:fontRef>
+    </dgm:style>
+  </dgm:styleLbl>
+  <dgm:styleLbl name="vennNode1">
+    <dgm:scene3d>
+      <a:camera prst="orthographicFront"/>
+      <a:lightRig rig="threePt" dir="t"/>
+    </dgm:scene3d>
+    <dgm:sp3d/>
+    <dgm:txPr/>
+    <dgm:style>
+      <a:lnRef idx="2">
+        <a:scrgbClr r="0" g="0" b="0"/>
+      </a:lnRef>
+      <a:fillRef idx="1">
+        <a:scrgbClr r="0" g="0" b="0"/>
+      </a:fillRef>
+      <a:effectRef idx="0">
+        <a:scrgbClr r="0" g="0" b="0"/>
+      </a:effectRef>
+      <a:fontRef idx="minor">
+        <a:schemeClr val="tx1"/>
+      </a:fontRef>
+    </dgm:style>
+  </dgm:styleLbl>
+  <dgm:styleLbl name="alignNode1">
+    <dgm:scene3d>
+      <a:camera prst="orthographicFront"/>
+      <a:lightRig rig="threePt" dir="t"/>
+    </dgm:scene3d>
+    <dgm:sp3d/>
+    <dgm:txPr/>
+    <dgm:style>
+      <a:lnRef idx="2">
+        <a:scrgbClr r="0" g="0" b="0"/>
+      </a:lnRef>
+      <a:fillRef idx="1">
+        <a:scrgbClr r="0" g="0" b="0"/>
+      </a:fillRef>
+      <a:effectRef idx="0">
+        <a:scrgbClr r="0" g="0" b="0"/>
+      </a:effectRef>
+      <a:fontRef idx="minor">
+        <a:schemeClr val="lt1"/>
+      </a:fontRef>
+    </dgm:style>
+  </dgm:styleLbl>
+  <dgm:styleLbl name="node1">
+    <dgm:scene3d>
+      <a:camera prst="orthographicFront"/>
+      <a:lightRig rig="threePt" dir="t"/>
+    </dgm:scene3d>
+    <dgm:sp3d/>
+    <dgm:txPr/>
+    <dgm:style>
+      <a:lnRef idx="2">
+        <a:scrgbClr r="0" g="0" b="0"/>
+      </a:lnRef>
+      <a:fillRef idx="1">
+        <a:scrgbClr r="0" g="0" b="0"/>
+      </a:fillRef>
+      <a:effectRef idx="0">
+        <a:scrgbClr r="0" g="0" b="0"/>
+      </a:effectRef>
+      <a:fontRef idx="minor">
+        <a:schemeClr val="lt1"/>
+      </a:fontRef>
+    </dgm:style>
+  </dgm:styleLbl>
+  <dgm:styleLbl name="node2">
+    <dgm:scene3d>
+      <a:camera prst="orthographicFront"/>
+      <a:lightRig rig="threePt" dir="t"/>
+    </dgm:scene3d>
+    <dgm:sp3d/>
+    <dgm:txPr/>
+    <dgm:style>
+      <a:lnRef idx="2">
+        <a:scrgbClr r="0" g="0" b="0"/>
+      </a:lnRef>
+      <a:fillRef idx="1">
+        <a:scrgbClr r="0" g="0" b="0"/>
+      </a:fillRef>
+      <a:effectRef idx="0">
+        <a:scrgbClr r="0" g="0" b="0"/>
+      </a:effectRef>
+      <a:fontRef idx="minor">
+        <a:schemeClr val="lt1"/>
+      </a:fontRef>
+    </dgm:style>
+  </dgm:styleLbl>
+  <dgm:styleLbl name="node3">
+    <dgm:scene3d>
+      <a:camera prst="orthographicFront"/>
+      <a:lightRig rig="threePt" dir="t"/>
+    </dgm:scene3d>
+    <dgm:sp3d/>
+    <dgm:txPr/>
+    <dgm:style>
+      <a:lnRef idx="2">
+        <a:scrgbClr r="0" g="0" b="0"/>
+      </a:lnRef>
+      <a:fillRef idx="1">
+        <a:scrgbClr r="0" g="0" b="0"/>
+      </a:fillRef>
+      <a:effectRef idx="0">
+        <a:scrgbClr r="0" g="0" b="0"/>
+      </a:effectRef>
+      <a:fontRef idx="minor">
+        <a:schemeClr val="lt1"/>
+      </a:fontRef>
+    </dgm:style>
+  </dgm:styleLbl>
+  <dgm:styleLbl name="node4">
+    <dgm:scene3d>
+      <a:camera prst="orthographicFront"/>
+      <a:lightRig rig="threePt" dir="t"/>
+    </dgm:scene3d>
+    <dgm:sp3d/>
+    <dgm:txPr/>
+    <dgm:style>
+      <a:lnRef idx="2">
+        <a:scrgbClr r="0" g="0" b="0"/>
+      </a:lnRef>
+      <a:fillRef idx="1">
+        <a:scrgbClr r="0" g="0" b="0"/>
+      </a:fillRef>
+      <a:effectRef idx="0">
+        <a:scrgbClr r="0" g="0" b="0"/>
+      </a:effectRef>
+      <a:fontRef idx="minor">
+        <a:schemeClr val="lt1"/>
+      </a:fontRef>
+    </dgm:style>
+  </dgm:styleLbl>
+  <dgm:styleLbl name="fgImgPlace1">
+    <dgm:scene3d>
+      <a:camera prst="orthographicFront"/>
+      <a:lightRig rig="threePt" dir="t"/>
+    </dgm:scene3d>
+    <dgm:sp3d/>
+    <dgm:txPr/>
+    <dgm:style>
+      <a:lnRef idx="2">
+        <a:scrgbClr r="0" g="0" b="0"/>
+      </a:lnRef>
+      <a:fillRef idx="1">
+        <a:scrgbClr r="0" g="0" b="0"/>
+      </a:fillRef>
+      <a:effectRef idx="0">
+        <a:scrgbClr r="0" g="0" b="0"/>
+      </a:effectRef>
+      <a:fontRef idx="minor"/>
+    </dgm:style>
+  </dgm:styleLbl>
+  <dgm:styleLbl name="alignImgPlace1">
+    <dgm:scene3d>
+      <a:camera prst="orthographicFront"/>
+      <a:lightRig rig="threePt" dir="t"/>
+    </dgm:scene3d>
+    <dgm:sp3d/>
+    <dgm:txPr/>
+    <dgm:style>
+      <a:lnRef idx="2">
+        <a:scrgbClr r="0" g="0" b="0"/>
+      </a:lnRef>
+      <a:fillRef idx="1">
+        <a:scrgbClr r="0" g="0" b="0"/>
+      </a:fillRef>
+      <a:effectRef idx="0">
+        <a:scrgbClr r="0" g="0" b="0"/>
+      </a:effectRef>
+      <a:fontRef idx="minor"/>
+    </dgm:style>
+  </dgm:styleLbl>
+  <dgm:styleLbl name="bgImgPlace1">
+    <dgm:scene3d>
+      <a:camera prst="orthographicFront"/>
+      <a:lightRig rig="threePt" dir="t"/>
+    </dgm:scene3d>
+    <dgm:sp3d/>
+    <dgm:txPr/>
+    <dgm:style>
+      <a:lnRef idx="2">
+        <a:scrgbClr r="0" g="0" b="0"/>
+      </a:lnRef>
+      <a:fillRef idx="1">
+        <a:scrgbClr r="0" g="0" b="0"/>
+      </a:fillRef>
+      <a:effectRef idx="0">
+        <a:scrgbClr r="0" g="0" b="0"/>
+      </a:effectRef>
+      <a:fontRef idx="minor"/>
+    </dgm:style>
+  </dgm:styleLbl>
+  <dgm:styleLbl name="sibTrans2D1">
+    <dgm:scene3d>
+      <a:camera prst="orthographicFront"/>
+      <a:lightRig rig="threePt" dir="t"/>
+    </dgm:scene3d>
+    <dgm:sp3d/>
+    <dgm:txPr/>
+    <dgm:style>
+      <a:lnRef idx="0">
+        <a:scrgbClr r="0" g="0" b="0"/>
+      </a:lnRef>
+      <a:fillRef idx="1">
+        <a:scrgbClr r="0" g="0" b="0"/>
+      </a:fillRef>
+      <a:effectRef idx="0">
+        <a:scrgbClr r="0" g="0" b="0"/>
+      </a:effectRef>
+      <a:fontRef idx="minor">
+        <a:schemeClr val="lt1"/>
+      </a:fontRef>
+    </dgm:style>
+  </dgm:styleLbl>
+  <dgm:styleLbl name="fgSibTrans2D1">
+    <dgm:scene3d>
+      <a:camera prst="orthographicFront"/>
+      <a:lightRig rig="threePt" dir="t"/>
+    </dgm:scene3d>
+    <dgm:sp3d/>
+    <dgm:txPr/>
+    <dgm:style>
+      <a:lnRef idx="0">
+        <a:scrgbClr r="0" g="0" b="0"/>
+      </a:lnRef>
+      <a:fillRef idx="1">
+        <a:scrgbClr r="0" g="0" b="0"/>
+      </a:fillRef>
+      <a:effectRef idx="0">
+        <a:scrgbClr r="0" g="0" b="0"/>
+      </a:effectRef>
+      <a:fontRef idx="minor">
+        <a:schemeClr val="lt1"/>
+      </a:fontRef>
+    </dgm:style>
+  </dgm:styleLbl>
+  <dgm:styleLbl name="bgSibTrans2D1">
+    <dgm:scene3d>
+      <a:camera prst="orthographicFront"/>
+      <a:lightRig rig="threePt" dir="t"/>
+    </dgm:scene3d>
+    <dgm:sp3d/>
+    <dgm:txPr/>
+    <dgm:style>
+      <a:lnRef idx="0">
+        <a:scrgbClr r="0" g="0" b="0"/>
+      </a:lnRef>
+      <a:fillRef idx="1">
+        <a:scrgbClr r="0" g="0" b="0"/>
+      </a:fillRef>
+      <a:effectRef idx="0">
+        <a:scrgbClr r="0" g="0" b="0"/>
+      </a:effectRef>
+      <a:fontRef idx="minor">
+        <a:schemeClr val="lt1"/>
+      </a:fontRef>
+    </dgm:style>
+  </dgm:styleLbl>
+  <dgm:styleLbl name="sibTrans1D1">
+    <dgm:scene3d>
+      <a:camera prst="orthographicFront"/>
+      <a:lightRig rig="threePt" dir="t"/>
+    </dgm:scene3d>
+    <dgm:sp3d/>
+    <dgm:txPr/>
+    <dgm:style>
+      <a:lnRef idx="1">
+        <a:scrgbClr r="0" g="0" b="0"/>
+      </a:lnRef>
+      <a:fillRef idx="0">
+        <a:scrgbClr r="0" g="0" b="0"/>
+      </a:fillRef>
+      <a:effectRef idx="0">
+        <a:scrgbClr r="0" g="0" b="0"/>
+      </a:effectRef>
+      <a:fontRef idx="minor"/>
+    </dgm:style>
+  </dgm:styleLbl>
+  <dgm:styleLbl name="callout">
+    <dgm:scene3d>
+      <a:camera prst="orthographicFront"/>
+      <a:lightRig rig="threePt" dir="t"/>
+    </dgm:scene3d>
+    <dgm:sp3d/>
+    <dgm:txPr/>
+    <dgm:style>
+      <a:lnRef idx="2">
+        <a:scrgbClr r="0" g="0" b="0"/>
+      </a:lnRef>
+      <a:fillRef idx="1">
+        <a:scrgbClr r="0" g="0" b="0"/>
+      </a:fillRef>
+      <a:effectRef idx="0">
+        <a:scrgbClr r="0" g="0" b="0"/>
+      </a:effectRef>
+      <a:fontRef idx="minor"/>
+    </dgm:style>
+  </dgm:styleLbl>
+  <dgm:styleLbl name="asst0">
+    <dgm:scene3d>
+      <a:camera prst="orthographicFront"/>
+      <a:lightRig rig="threePt" dir="t"/>
+    </dgm:scene3d>
+    <dgm:sp3d/>
+    <dgm:txPr/>
+    <dgm:style>
+      <a:lnRef idx="2">
+        <a:scrgbClr r="0" g="0" b="0"/>
+      </a:lnRef>
+      <a:fillRef idx="1">
+        <a:scrgbClr r="0" g="0" b="0"/>
+      </a:fillRef>
+      <a:effectRef idx="0">
+        <a:scrgbClr r="0" g="0" b="0"/>
+      </a:effectRef>
+      <a:fontRef idx="minor">
+        <a:schemeClr val="lt1"/>
+      </a:fontRef>
+    </dgm:style>
+  </dgm:styleLbl>
+  <dgm:styleLbl name="asst1">
+    <dgm:scene3d>
+      <a:camera prst="orthographicFront"/>
+      <a:lightRig rig="threePt" dir="t"/>
+    </dgm:scene3d>
+    <dgm:sp3d/>
+    <dgm:txPr/>
+    <dgm:style>
+      <a:lnRef idx="2">
+        <a:scrgbClr r="0" g="0" b="0"/>
+      </a:lnRef>
+      <a:fillRef idx="1">
+        <a:scrgbClr r="0" g="0" b="0"/>
+      </a:fillRef>
+      <a:effectRef idx="0">
+        <a:scrgbClr r="0" g="0" b="0"/>
+      </a:effectRef>
+      <a:fontRef idx="minor">
+        <a:schemeClr val="lt1"/>
+      </a:fontRef>
+    </dgm:style>
+  </dgm:styleLbl>
+  <dgm:styleLbl name="asst2">
+    <dgm:scene3d>
+      <a:camera prst="orthographicFront"/>
+      <a:lightRig rig="threePt" dir="t"/>
+    </dgm:scene3d>
+    <dgm:sp3d/>
+    <dgm:txPr/>
+    <dgm:style>
+      <a:lnRef idx="2">
+        <a:scrgbClr r="0" g="0" b="0"/>
+      </a:lnRef>
+      <a:fillRef idx="1">
+        <a:scrgbClr r="0" g="0" b="0"/>
+      </a:fillRef>
+      <a:effectRef idx="0">
+        <a:scrgbClr r="0" g="0" b="0"/>
+      </a:effectRef>
+      <a:fontRef idx="minor">
+        <a:schemeClr val="lt1"/>
+      </a:fontRef>
+    </dgm:style>
+  </dgm:styleLbl>
+  <dgm:styleLbl name="asst3">
+    <dgm:scene3d>
+      <a:camera prst="orthographicFront"/>
+      <a:lightRig rig="threePt" dir="t"/>
+    </dgm:scene3d>
+    <dgm:sp3d/>
+    <dgm:txPr/>
+    <dgm:style>
+      <a:lnRef idx="2">
+        <a:scrgbClr r="0" g="0" b="0"/>
+      </a:lnRef>
+      <a:fillRef idx="1">
+        <a:scrgbClr r="0" g="0" b="0"/>
+      </a:fillRef>
+      <a:effectRef idx="0">
+        <a:scrgbClr r="0" g="0" b="0"/>
+      </a:effectRef>
+      <a:fontRef idx="minor">
+        <a:schemeClr val="lt1"/>
+      </a:fontRef>
+    </dgm:style>
+  </dgm:styleLbl>
+  <dgm:styleLbl name="asst4">
+    <dgm:scene3d>
+      <a:camera prst="orthographicFront"/>
+      <a:lightRig rig="threePt" dir="t"/>
+    </dgm:scene3d>
+    <dgm:sp3d/>
+    <dgm:txPr/>
+    <dgm:style>
+      <a:lnRef idx="2">
+        <a:scrgbClr r="0" g="0" b="0"/>
+      </a:lnRef>
+      <a:fillRef idx="1">
+        <a:scrgbClr r="0" g="0" b="0"/>
+      </a:fillRef>
+      <a:effectRef idx="0">
+        <a:scrgbClr r="0" g="0" b="0"/>
+      </a:effectRef>
+      <a:fontRef idx="minor">
+        <a:schemeClr val="lt1"/>
+      </a:fontRef>
+    </dgm:style>
+  </dgm:styleLbl>
+  <dgm:styleLbl name="parChTrans2D1">
+    <dgm:scene3d>
+      <a:camera prst="orthographicFront"/>
+      <a:lightRig rig="threePt" dir="t"/>
+    </dgm:scene3d>
+    <dgm:sp3d/>
+    <dgm:txPr/>
+    <dgm:style>
+      <a:lnRef idx="2">
+        <a:scrgbClr r="0" g="0" b="0"/>
+      </a:lnRef>
+      <a:fillRef idx="1">
+        <a:scrgbClr r="0" g="0" b="0"/>
+      </a:fillRef>
+      <a:effectRef idx="0">
+        <a:scrgbClr r="0" g="0" b="0"/>
+      </a:effectRef>
+      <a:fontRef idx="minor">
+        <a:schemeClr val="lt1"/>
+      </a:fontRef>
+    </dgm:style>
+  </dgm:styleLbl>
+  <dgm:styleLbl name="parChTrans2D2">
+    <dgm:scene3d>
+      <a:camera prst="orthographicFront"/>
+      <a:lightRig rig="threePt" dir="t"/>
+    </dgm:scene3d>
+    <dgm:sp3d/>
+    <dgm:txPr/>
+    <dgm:style>
+      <a:lnRef idx="2">
+        <a:scrgbClr r="0" g="0" b="0"/>
+      </a:lnRef>
+      <a:fillRef idx="1">
+        <a:scrgbClr r="0" g="0" b="0"/>
+      </a:fillRef>
+      <a:effectRef idx="0">
+        <a:scrgbClr r="0" g="0" b="0"/>
+      </a:effectRef>
+      <a:fontRef idx="minor">
+        <a:schemeClr val="lt1"/>
+      </a:fontRef>
+    </dgm:style>
+  </dgm:styleLbl>
+  <dgm:styleLbl name="parChTrans2D3">
+    <dgm:scene3d>
+      <a:camera prst="orthographicFront"/>
+      <a:lightRig rig="threePt" dir="t"/>
+    </dgm:scene3d>
+    <dgm:sp3d/>
+    <dgm:txPr/>
+    <dgm:style>
+      <a:lnRef idx="2">
+        <a:scrgbClr r="0" g="0" b="0"/>
+      </a:lnRef>
+      <a:fillRef idx="1">
+        <a:scrgbClr r="0" g="0" b="0"/>
+      </a:fillRef>
+      <a:effectRef idx="0">
+        <a:scrgbClr r="0" g="0" b="0"/>
+      </a:effectRef>
+      <a:fontRef idx="minor">
+        <a:schemeClr val="lt1"/>
+      </a:fontRef>
+    </dgm:style>
+  </dgm:styleLbl>
+  <dgm:styleLbl name="parChTrans2D4">
+    <dgm:scene3d>
+      <a:camera prst="orthographicFront"/>
+      <a:lightRig rig="threePt" dir="t"/>
+    </dgm:scene3d>
+    <dgm:sp3d/>
+    <dgm:txPr/>
+    <dgm:style>
+      <a:lnRef idx="2">
+        <a:scrgbClr r="0" g="0" b="0"/>
+      </a:lnRef>
+      <a:fillRef idx="1">
+        <a:scrgbClr r="0" g="0" b="0"/>
+      </a:fillRef>
+      <a:effectRef idx="0">
+        <a:scrgbClr r="0" g="0" b="0"/>
+      </a:effectRef>
+      <a:fontRef idx="minor">
+        <a:schemeClr val="lt1"/>
+      </a:fontRef>
+    </dgm:style>
+  </dgm:styleLbl>
+  <dgm:styleLbl name="parChTrans1D1">
+    <dgm:scene3d>
+      <a:camera prst="orthographicFront"/>
+      <a:lightRig rig="threePt" dir="t"/>
+    </dgm:scene3d>
+    <dgm:sp3d/>
+    <dgm:txPr/>
+    <dgm:style>
+      <a:lnRef idx="2">
+        <a:scrgbClr r="0" g="0" b="0"/>
+      </a:lnRef>
+      <a:fillRef idx="0">
+        <a:scrgbClr r="0" g="0" b="0"/>
+      </a:fillRef>
+      <a:effectRef idx="0">
+        <a:scrgbClr r="0" g="0" b="0"/>
+      </a:effectRef>
+      <a:fontRef idx="minor"/>
+    </dgm:style>
+  </dgm:styleLbl>
+  <dgm:styleLbl name="parChTrans1D2">
+    <dgm:scene3d>
+      <a:camera prst="orthographicFront"/>
+      <a:lightRig rig="threePt" dir="t"/>
+    </dgm:scene3d>
+    <dgm:sp3d/>
+    <dgm:txPr/>
+    <dgm:style>
+      <a:lnRef idx="2">
+        <a:scrgbClr r="0" g="0" b="0"/>
+      </a:lnRef>
+      <a:fillRef idx="0">
+        <a:scrgbClr r="0" g="0" b="0"/>
+      </a:fillRef>
+      <a:effectRef idx="0">
+        <a:scrgbClr r="0" g="0" b="0"/>
+      </a:effectRef>
+      <a:fontRef idx="minor"/>
+    </dgm:style>
+  </dgm:styleLbl>
+  <dgm:styleLbl name="parChTrans1D3">
+    <dgm:scene3d>
+      <a:camera prst="orthographicFront"/>
+      <a:lightRig rig="threePt" dir="t"/>
+    </dgm:scene3d>
+    <dgm:sp3d/>
+    <dgm:txPr/>
+    <dgm:style>
+      <a:lnRef idx="2">
+        <a:scrgbClr r="0" g="0" b="0"/>
+      </a:lnRef>
+      <a:fillRef idx="0">
+        <a:scrgbClr r="0" g="0" b="0"/>
+      </a:fillRef>
+      <a:effectRef idx="0">
+        <a:scrgbClr r="0" g="0" b="0"/>
+      </a:effectRef>
+      <a:fontRef idx="minor"/>
+    </dgm:style>
+  </dgm:styleLbl>
+  <dgm:styleLbl name="parChTrans1D4">
+    <dgm:scene3d>
+      <a:camera prst="orthographicFront"/>
+      <a:lightRig rig="threePt" dir="t"/>
+    </dgm:scene3d>
+    <dgm:sp3d/>
+    <dgm:txPr/>
+    <dgm:style>
+      <a:lnRef idx="2">
+        <a:scrgbClr r="0" g="0" b="0"/>
+      </a:lnRef>
+      <a:fillRef idx="0">
+        <a:scrgbClr r="0" g="0" b="0"/>
+      </a:fillRef>
+      <a:effectRef idx="0">
+        <a:scrgbClr r="0" g="0" b="0"/>
+      </a:effectRef>
+      <a:fontRef idx="minor"/>
+    </dgm:style>
+  </dgm:styleLbl>
+  <dgm:styleLbl name="fgAcc1">
+    <dgm:scene3d>
+      <a:camera prst="orthographicFront"/>
+      <a:lightRig rig="threePt" dir="t"/>
+    </dgm:scene3d>
+    <dgm:sp3d/>
+    <dgm:txPr/>
+    <dgm:style>
+      <a:lnRef idx="2">
+        <a:scrgbClr r="0" g="0" b="0"/>
+      </a:lnRef>
+      <a:fillRef idx="1">
+        <a:scrgbClr r="0" g="0" b="0"/>
+      </a:fillRef>
+      <a:effectRef idx="0">
+        <a:scrgbClr r="0" g="0" b="0"/>
+      </a:effectRef>
+      <a:fontRef idx="minor"/>
+    </dgm:style>
+  </dgm:styleLbl>
+  <dgm:styleLbl name="conFgAcc1">
+    <dgm:scene3d>
+      <a:camera prst="orthographicFront"/>
+      <a:lightRig rig="threePt" dir="t"/>
+    </dgm:scene3d>
+    <dgm:sp3d/>
+    <dgm:txPr/>
+    <dgm:style>
+      <a:lnRef idx="2">
+        <a:scrgbClr r="0" g="0" b="0"/>
+      </a:lnRef>
+      <a:fillRef idx="1">
+        <a:scrgbClr r="0" g="0" b="0"/>
+      </a:fillRef>
+      <a:effectRef idx="0">
+        <a:scrgbClr r="0" g="0" b="0"/>
+      </a:effectRef>
+      <a:fontRef idx="minor"/>
+    </dgm:style>
+  </dgm:styleLbl>
+  <dgm:styleLbl name="alignAcc1">
+    <dgm:scene3d>
+      <a:camera prst="orthographicFront"/>
+      <a:lightRig rig="threePt" dir="t"/>
+    </dgm:scene3d>
+    <dgm:sp3d/>
+    <dgm:txPr/>
+    <dgm:style>
+      <a:lnRef idx="2">
+        <a:scrgbClr r="0" g="0" b="0"/>
+      </a:lnRef>
+      <a:fillRef idx="1">
+        <a:scrgbClr r="0" g="0" b="0"/>
+      </a:fillRef>
+      <a:effectRef idx="0">
+        <a:scrgbClr r="0" g="0" b="0"/>
+      </a:effectRef>
+      <a:fontRef idx="minor"/>
+    </dgm:style>
+  </dgm:styleLbl>
+  <dgm:styleLbl name="trAlignAcc1">
+    <dgm:scene3d>
+      <a:camera prst="orthographicFront"/>
+      <a:lightRig rig="threePt" dir="t"/>
+    </dgm:scene3d>
+    <dgm:sp3d/>
+    <dgm:txPr/>
+    <dgm:style>
+      <a:lnRef idx="1">
+        <a:scrgbClr r="0" g="0" b="0"/>
+      </a:lnRef>
+      <a:fillRef idx="1">
+        <a:scrgbClr r="0" g="0" b="0"/>
+      </a:fillRef>
+      <a:effectRef idx="0">
+        <a:scrgbClr r="0" g="0" b="0"/>
+      </a:effectRef>
+      <a:fontRef idx="minor"/>
+    </dgm:style>
+  </dgm:styleLbl>
+  <dgm:styleLbl name="bgAcc1">
+    <dgm:scene3d>
+      <a:camera prst="orthographicFront"/>
+      <a:lightRig rig="threePt" dir="t"/>
+    </dgm:scene3d>
+    <dgm:sp3d/>
+    <dgm:txPr/>
+    <dgm:style>
+      <a:lnRef idx="2">
+        <a:scrgbClr r="0" g="0" b="0"/>
+      </a:lnRef>
+      <a:fillRef idx="1">
+        <a:scrgbClr r="0" g="0" b="0"/>
+      </a:fillRef>
+      <a:effectRef idx="0">
+        <a:scrgbClr r="0" g="0" b="0"/>
+      </a:effectRef>
+      <a:fontRef idx="minor"/>
+    </dgm:style>
+  </dgm:styleLbl>
+  <dgm:styleLbl name="solidFgAcc1">
+    <dgm:scene3d>
+      <a:camera prst="orthographicFront"/>
+      <a:lightRig rig="threePt" dir="t"/>
+    </dgm:scene3d>
+    <dgm:sp3d/>
+    <dgm:txPr/>
+    <dgm:style>
+      <a:lnRef idx="2">
+        <a:scrgbClr r="0" g="0" b="0"/>
+      </a:lnRef>
+      <a:fillRef idx="1">
+        <a:scrgbClr r="0" g="0" b="0"/>
+      </a:fillRef>
+      <a:effectRef idx="0">
+        <a:scrgbClr r="0" g="0" b="0"/>
+      </a:effectRef>
+      <a:fontRef idx="minor"/>
+    </dgm:style>
+  </dgm:styleLbl>
+  <dgm:styleLbl name="solidAlignAcc1">
+    <dgm:scene3d>
+      <a:camera prst="orthographicFront"/>
+      <a:lightRig rig="threePt" dir="t"/>
+    </dgm:scene3d>
+    <dgm:sp3d/>
+    <dgm:txPr/>
+    <dgm:style>
+      <a:lnRef idx="2">
+        <a:scrgbClr r="0" g="0" b="0"/>
+      </a:lnRef>
+      <a:fillRef idx="1">
+        <a:scrgbClr r="0" g="0" b="0"/>
+      </a:fillRef>
+      <a:effectRef idx="0">
+        <a:scrgbClr r="0" g="0" b="0"/>
+      </a:effectRef>
+      <a:fontRef idx="minor"/>
+    </dgm:style>
+  </dgm:styleLbl>
+  <dgm:styleLbl name="solidBgAcc1">
+    <dgm:scene3d>
+      <a:camera prst="orthographicFront"/>
+      <a:lightRig rig="threePt" dir="t"/>
+    </dgm:scene3d>
+    <dgm:sp3d/>
+    <dgm:txPr/>
+    <dgm:style>
+      <a:lnRef idx="2">
+        <a:scrgbClr r="0" g="0" b="0"/>
+      </a:lnRef>
+      <a:fillRef idx="1">
+        <a:scrgbClr r="0" g="0" b="0"/>
+      </a:fillRef>
+      <a:effectRef idx="0">
+        <a:scrgbClr r="0" g="0" b="0"/>
+      </a:effectRef>
+      <a:fontRef idx="minor"/>
+    </dgm:style>
+  </dgm:styleLbl>
+  <dgm:styleLbl name="fgAccFollowNode1">
+    <dgm:scene3d>
+      <a:camera prst="orthographicFront"/>
+      <a:lightRig rig="threePt" dir="t"/>
+    </dgm:scene3d>
+    <dgm:sp3d/>
+    <dgm:txPr/>
+    <dgm:style>
+      <a:lnRef idx="2">
+        <a:scrgbClr r="0" g="0" b="0"/>
+      </a:lnRef>
+      <a:fillRef idx="1">
+        <a:scrgbClr r="0" g="0" b="0"/>
+      </a:fillRef>
+      <a:effectRef idx="0">
+        <a:scrgbClr r="0" g="0" b="0"/>
+      </a:effectRef>
+      <a:fontRef idx="minor"/>
+    </dgm:style>
+  </dgm:styleLbl>
+  <dgm:styleLbl name="alignAccFollowNode1">
+    <dgm:scene3d>
+      <a:camera prst="orthographicFront"/>
+      <a:lightRig rig="threePt" dir="t"/>
+    </dgm:scene3d>
+    <dgm:sp3d/>
+    <dgm:txPr/>
+    <dgm:style>
+      <a:lnRef idx="2">
+        <a:scrgbClr r="0" g="0" b="0"/>
+      </a:lnRef>
+      <a:fillRef idx="1">
+        <a:scrgbClr r="0" g="0" b="0"/>
+      </a:fillRef>
+      <a:effectRef idx="0">
+        <a:scrgbClr r="0" g="0" b="0"/>
+      </a:effectRef>
+      <a:fontRef idx="minor"/>
+    </dgm:style>
+  </dgm:styleLbl>
+  <dgm:styleLbl name="bgAccFollowNode1">
+    <dgm:scene3d>
+      <a:camera prst="orthographicFront"/>
+      <a:lightRig rig="threePt" dir="t"/>
+    </dgm:scene3d>
+    <dgm:sp3d/>
+    <dgm:txPr/>
+    <dgm:style>
+      <a:lnRef idx="2">
+        <a:scrgbClr r="0" g="0" b="0"/>
+      </a:lnRef>
+      <a:fillRef idx="1">
+        <a:scrgbClr r="0" g="0" b="0"/>
+      </a:fillRef>
+      <a:effectRef idx="0">
+        <a:scrgbClr r="0" g="0" b="0"/>
+      </a:effectRef>
+      <a:fontRef idx="minor"/>
+    </dgm:style>
+  </dgm:styleLbl>
+  <dgm:styleLbl name="fgAcc0">
+    <dgm:scene3d>
+      <a:camera prst="orthographicFront"/>
+      <a:lightRig rig="threePt" dir="t"/>
+    </dgm:scene3d>
+    <dgm:sp3d/>
+    <dgm:txPr/>
+    <dgm:style>
+      <a:lnRef idx="2">
+        <a:scrgbClr r="0" g="0" b="0"/>
+      </a:lnRef>
+      <a:fillRef idx="1">
+        <a:scrgbClr r="0" g="0" b="0"/>
+      </a:fillRef>
+      <a:effectRef idx="0">
+        <a:scrgbClr r="0" g="0" b="0"/>
+      </a:effectRef>
+      <a:fontRef idx="minor"/>
+    </dgm:style>
+  </dgm:styleLbl>
+  <dgm:styleLbl name="fgAcc2">
+    <dgm:scene3d>
+      <a:camera prst="orthographicFront"/>
+      <a:lightRig rig="threePt" dir="t"/>
+    </dgm:scene3d>
+    <dgm:sp3d/>
+    <dgm:txPr/>
+    <dgm:style>
+      <a:lnRef idx="2">
+        <a:scrgbClr r="0" g="0" b="0"/>
+      </a:lnRef>
+      <a:fillRef idx="1">
+        <a:scrgbClr r="0" g="0" b="0"/>
+      </a:fillRef>
+      <a:effectRef idx="0">
+        <a:scrgbClr r="0" g="0" b="0"/>
+      </a:effectRef>
+      <a:fontRef idx="minor"/>
+    </dgm:style>
+  </dgm:styleLbl>
+  <dgm:styleLbl name="fgAcc3">
+    <dgm:scene3d>
+      <a:camera prst="orthographicFront"/>
+      <a:lightRig rig="threePt" dir="t"/>
+    </dgm:scene3d>
+    <dgm:sp3d/>
+    <dgm:txPr/>
+    <dgm:style>
+      <a:lnRef idx="2">
+        <a:scrgbClr r="0" g="0" b="0"/>
+      </a:lnRef>
+      <a:fillRef idx="1">
+        <a:scrgbClr r="0" g="0" b="0"/>
+      </a:fillRef>
+      <a:effectRef idx="0">
+        <a:scrgbClr r="0" g="0" b="0"/>
+      </a:effectRef>
+      <a:fontRef idx="minor"/>
+    </dgm:style>
+  </dgm:styleLbl>
+  <dgm:styleLbl name="fgAcc4">
+    <dgm:scene3d>
+      <a:camera prst="orthographicFront"/>
+      <a:lightRig rig="threePt" dir="t"/>
+    </dgm:scene3d>
+    <dgm:sp3d/>
+    <dgm:txPr/>
+    <dgm:style>
+      <a:lnRef idx="2">
+        <a:scrgbClr r="0" g="0" b="0"/>
+      </a:lnRef>
+      <a:fillRef idx="1">
+        <a:scrgbClr r="0" g="0" b="0"/>
+      </a:fillRef>
+      <a:effectRef idx="0">
+        <a:scrgbClr r="0" g="0" b="0"/>
+      </a:effectRef>
+      <a:fontRef idx="minor"/>
+    </dgm:style>
+  </dgm:styleLbl>
+  <dgm:styleLbl name="bgShp">
+    <dgm:scene3d>
+      <a:camera prst="orthographicFront"/>
+      <a:lightRig rig="threePt" dir="t"/>
+    </dgm:scene3d>
+    <dgm:sp3d/>
+    <dgm:txPr/>
+    <dgm:style>
+      <a:lnRef idx="0">
+        <a:scrgbClr r="0" g="0" b="0"/>
+      </a:lnRef>
+      <a:fillRef idx="1">
+        <a:scrgbClr r="0" g="0" b="0"/>
+      </a:fillRef>
+      <a:effectRef idx="0">
+        <a:scrgbClr r="0" g="0" b="0"/>
+      </a:effectRef>
+      <a:fontRef idx="minor"/>
+    </dgm:style>
+  </dgm:styleLbl>
+  <dgm:styleLbl name="dkBgShp">
+    <dgm:scene3d>
+      <a:camera prst="orthographicFront"/>
+      <a:lightRig rig="threePt" dir="t"/>
+    </dgm:scene3d>
+    <dgm:sp3d/>
+    <dgm:txPr/>
+    <dgm:style>
+      <a:lnRef idx="0">
+        <a:scrgbClr r="0" g="0" b="0"/>
+      </a:lnRef>
+      <a:fillRef idx="1">
+        <a:scrgbClr r="0" g="0" b="0"/>
+      </a:fillRef>
+      <a:effectRef idx="0">
+        <a:scrgbClr r="0" g="0" b="0"/>
+      </a:effectRef>
+      <a:fontRef idx="minor"/>
+    </dgm:style>
+  </dgm:styleLbl>
+  <dgm:styleLbl name="trBgShp">
+    <dgm:scene3d>
+      <a:camera prst="orthographicFront"/>
+      <a:lightRig rig="threePt" dir="t"/>
+    </dgm:scene3d>
+    <dgm:sp3d/>
+    <dgm:txPr/>
+    <dgm:style>
+      <a:lnRef idx="0">
+        <a:scrgbClr r="0" g="0" b="0"/>
+      </a:lnRef>
+      <a:fillRef idx="1">
+        <a:scrgbClr r="0" g="0" b="0"/>
+      </a:fillRef>
+      <a:effectRef idx="0">
+        <a:scrgbClr r="0" g="0" b="0"/>
+      </a:effectRef>
+      <a:fontRef idx="minor"/>
+    </dgm:style>
+  </dgm:styleLbl>
+  <dgm:styleLbl name="fgShp">
+    <dgm:scene3d>
+      <a:camera prst="orthographicFront"/>
+      <a:lightRig rig="threePt" dir="t"/>
+    </dgm:scene3d>
+    <dgm:sp3d/>
+    <dgm:txPr/>
+    <dgm:style>
+      <a:lnRef idx="2">
+        <a:scrgbClr r="0" g="0" b="0"/>
+      </a:lnRef>
+      <a:fillRef idx="1">
+        <a:scrgbClr r="0" g="0" b="0"/>
+      </a:fillRef>
+      <a:effectRef idx="0">
+        <a:scrgbClr r="0" g="0" b="0"/>
+      </a:effectRef>
+      <a:fontRef idx="minor"/>
+    </dgm:style>
+  </dgm:styleLbl>
+  <dgm:styleLbl name="revTx">
+    <dgm:scene3d>
+      <a:camera prst="orthographicFront"/>
+      <a:lightRig rig="threePt" dir="t"/>
+    </dgm:scene3d>
+    <dgm:sp3d/>
+    <dgm:txPr/>
+    <dgm:style>
+      <a:lnRef idx="0">
+        <a:scrgbClr r="0" g="0" b="0"/>
+      </a:lnRef>
+      <a:fillRef idx="0">
+        <a:scrgbClr r="0" g="0" b="0"/>
+      </a:fillRef>
+      <a:effectRef idx="0">
+        <a:scrgbClr r="0" g="0" b="0"/>
+      </a:effectRef>
+      <a:fontRef idx="minor"/>
+    </dgm:style>
+  </dgm:styleLbl>
+</dgm:styleDef>
+</file>
+
+<file path=ppt/diagrams/quickStyle7.xml><?xml version="1.0" encoding="utf-8"?>
 <dgm:styleDef xmlns:dgm="http://schemas.openxmlformats.org/drawingml/2006/diagram" xmlns:a="http://schemas.openxmlformats.org/drawingml/2006/main" uniqueId="urn:microsoft.com/office/officeart/2005/8/quickstyle/simple1">
   <dgm:title val=""/>
   <dgm:desc val=""/>
@@ -13197,7 +18280,7 @@
           <a:p>
             <a:fld id="{D729D91A-EF27-4BD2-A38A-E0818BE5E80D}" type="slidenum">
               <a:rPr lang="es-CO" smtClean="0"/>
-              <a:t>11</a:t>
+              <a:t>13</a:t>
             </a:fld>
             <a:endParaRPr lang="es-CO"/>
           </a:p>
@@ -17205,6 +22288,830 @@
 <file path=ppt/slides/slide10.xml><?xml version="1.0" encoding="utf-8"?>
 <p:sld xmlns:a="http://schemas.openxmlformats.org/drawingml/2006/main" xmlns:r="http://schemas.openxmlformats.org/officeDocument/2006/relationships" xmlns:p="http://schemas.openxmlformats.org/presentationml/2006/main">
   <p:cSld>
+    <p:spTree>
+      <p:nvGrpSpPr>
+        <p:cNvPr id="1" name=""/>
+        <p:cNvGrpSpPr/>
+        <p:nvPr/>
+      </p:nvGrpSpPr>
+      <p:grpSpPr>
+        <a:xfrm>
+          <a:off x="0" y="0"/>
+          <a:ext cx="0" cy="0"/>
+          <a:chOff x="0" y="0"/>
+          <a:chExt cx="0" cy="0"/>
+        </a:xfrm>
+      </p:grpSpPr>
+      <p:sp>
+        <p:nvSpPr>
+          <p:cNvPr id="2" name="Título 1">
+            <a:extLst>
+              <a:ext uri="{FF2B5EF4-FFF2-40B4-BE49-F238E27FC236}">
+                <a16:creationId xmlns:a16="http://schemas.microsoft.com/office/drawing/2014/main" id="{DBA034C8-5124-580F-76C7-19523DAF5B57}"/>
+              </a:ext>
+            </a:extLst>
+          </p:cNvPr>
+          <p:cNvSpPr>
+            <a:spLocks noGrp="1"/>
+          </p:cNvSpPr>
+          <p:nvPr>
+            <p:ph type="title"/>
+          </p:nvPr>
+        </p:nvSpPr>
+        <p:spPr/>
+        <p:txBody>
+          <a:bodyPr/>
+          <a:lstStyle/>
+          <a:p>
+            <a:r>
+              <a:rPr lang="es-CO" dirty="0"/>
+              <a:t>Patrón de Diseño (</a:t>
+            </a:r>
+            <a:r>
+              <a:rPr lang="es-CO" dirty="0" err="1"/>
+              <a:t>Strategy</a:t>
+            </a:r>
+            <a:r>
+              <a:rPr lang="es-CO" dirty="0"/>
+              <a:t>):</a:t>
+            </a:r>
+            <a:endParaRPr lang="es-ES" dirty="0"/>
+          </a:p>
+        </p:txBody>
+      </p:sp>
+      <p:sp>
+        <p:nvSpPr>
+          <p:cNvPr id="3" name="Marcador de contenido 2">
+            <a:extLst>
+              <a:ext uri="{FF2B5EF4-FFF2-40B4-BE49-F238E27FC236}">
+                <a16:creationId xmlns:a16="http://schemas.microsoft.com/office/drawing/2014/main" id="{D60EFCCB-B474-4218-DEF3-90C2D1385C8E}"/>
+              </a:ext>
+            </a:extLst>
+          </p:cNvPr>
+          <p:cNvSpPr>
+            <a:spLocks noGrp="1"/>
+          </p:cNvSpPr>
+          <p:nvPr>
+            <p:ph idx="1"/>
+          </p:nvPr>
+        </p:nvSpPr>
+        <p:spPr>
+          <a:xfrm>
+            <a:off x="838200" y="1825625"/>
+            <a:ext cx="10515600" cy="1222375"/>
+          </a:xfrm>
+        </p:spPr>
+        <p:txBody>
+          <a:bodyPr>
+            <a:normAutofit lnSpcReduction="10000"/>
+          </a:bodyPr>
+          <a:lstStyle/>
+          <a:p>
+            <a:r>
+              <a:rPr lang="es-MX" dirty="0"/>
+              <a:t>El patrón de diseño </a:t>
+            </a:r>
+            <a:r>
+              <a:rPr lang="es-MX" dirty="0" err="1"/>
+              <a:t>Strategy</a:t>
+            </a:r>
+            <a:r>
+              <a:rPr lang="es-MX" dirty="0"/>
+              <a:t> es un patrón de comportamiento que permite definir una familia de algoritmos, encapsular cada uno de ellos y hacerlos intercambiables.</a:t>
+            </a:r>
+            <a:endParaRPr lang="es-ES" dirty="0"/>
+          </a:p>
+        </p:txBody>
+      </p:sp>
+      <p:sp>
+        <p:nvSpPr>
+          <p:cNvPr id="4" name="Título 1">
+            <a:extLst>
+              <a:ext uri="{FF2B5EF4-FFF2-40B4-BE49-F238E27FC236}">
+                <a16:creationId xmlns:a16="http://schemas.microsoft.com/office/drawing/2014/main" id="{1589F89B-8383-7548-32AB-F2B740EF8EEF}"/>
+              </a:ext>
+            </a:extLst>
+          </p:cNvPr>
+          <p:cNvSpPr txBox="1">
+            <a:spLocks/>
+          </p:cNvSpPr>
+          <p:nvPr/>
+        </p:nvSpPr>
+        <p:spPr>
+          <a:xfrm>
+            <a:off x="838200" y="3048000"/>
+            <a:ext cx="10515600" cy="1325563"/>
+          </a:xfrm>
+          <a:prstGeom prst="rect">
+            <a:avLst/>
+          </a:prstGeom>
+        </p:spPr>
+        <p:txBody>
+          <a:bodyPr vert="horz" lIns="91440" tIns="45720" rIns="91440" bIns="45720" rtlCol="0" anchor="ctr">
+            <a:normAutofit/>
+          </a:bodyPr>
+          <a:lstStyle>
+            <a:lvl1pPr algn="l" defTabSz="914400" rtl="0" eaLnBrk="1" latinLnBrk="0" hangingPunct="1">
+              <a:lnSpc>
+                <a:spcPct val="90000"/>
+              </a:lnSpc>
+              <a:spcBef>
+                <a:spcPct val="0"/>
+              </a:spcBef>
+              <a:buNone/>
+              <a:defRPr sz="4400" kern="1200">
+                <a:solidFill>
+                  <a:schemeClr val="tx1"/>
+                </a:solidFill>
+                <a:latin typeface="+mj-lt"/>
+                <a:ea typeface="+mj-ea"/>
+                <a:cs typeface="+mj-cs"/>
+              </a:defRPr>
+            </a:lvl1pPr>
+          </a:lstStyle>
+          <a:p>
+            <a:r>
+              <a:rPr lang="es-CO" dirty="0"/>
+              <a:t>Principio de Responsabilidad Única (SRP):</a:t>
+            </a:r>
+            <a:endParaRPr lang="es-ES" dirty="0"/>
+          </a:p>
+        </p:txBody>
+      </p:sp>
+      <p:sp>
+        <p:nvSpPr>
+          <p:cNvPr id="5" name="Marcador de contenido 2">
+            <a:extLst>
+              <a:ext uri="{FF2B5EF4-FFF2-40B4-BE49-F238E27FC236}">
+                <a16:creationId xmlns:a16="http://schemas.microsoft.com/office/drawing/2014/main" id="{244C968B-D255-486E-741E-16D86927B054}"/>
+              </a:ext>
+            </a:extLst>
+          </p:cNvPr>
+          <p:cNvSpPr txBox="1">
+            <a:spLocks/>
+          </p:cNvSpPr>
+          <p:nvPr/>
+        </p:nvSpPr>
+        <p:spPr>
+          <a:xfrm>
+            <a:off x="838200" y="4508500"/>
+            <a:ext cx="10515600" cy="1222375"/>
+          </a:xfrm>
+          <a:prstGeom prst="rect">
+            <a:avLst/>
+          </a:prstGeom>
+        </p:spPr>
+        <p:txBody>
+          <a:bodyPr vert="horz" lIns="91440" tIns="45720" rIns="91440" bIns="45720" rtlCol="0">
+            <a:normAutofit/>
+          </a:bodyPr>
+          <a:lstStyle>
+            <a:lvl1pPr marL="228600" indent="-228600" algn="l" defTabSz="914400" rtl="0" eaLnBrk="1" latinLnBrk="0" hangingPunct="1">
+              <a:lnSpc>
+                <a:spcPct val="90000"/>
+              </a:lnSpc>
+              <a:spcBef>
+                <a:spcPts val="1000"/>
+              </a:spcBef>
+              <a:buFont typeface="Arial" panose="020B0604020202020204" pitchFamily="34" charset="0"/>
+              <a:buChar char="•"/>
+              <a:defRPr sz="2800" kern="1200">
+                <a:solidFill>
+                  <a:schemeClr val="tx1"/>
+                </a:solidFill>
+                <a:latin typeface="+mn-lt"/>
+                <a:ea typeface="+mn-ea"/>
+                <a:cs typeface="+mn-cs"/>
+              </a:defRPr>
+            </a:lvl1pPr>
+            <a:lvl2pPr marL="685800" indent="-228600" algn="l" defTabSz="914400" rtl="0" eaLnBrk="1" latinLnBrk="0" hangingPunct="1">
+              <a:lnSpc>
+                <a:spcPct val="90000"/>
+              </a:lnSpc>
+              <a:spcBef>
+                <a:spcPts val="500"/>
+              </a:spcBef>
+              <a:buFont typeface="Arial" panose="020B0604020202020204" pitchFamily="34" charset="0"/>
+              <a:buChar char="•"/>
+              <a:defRPr sz="2400" kern="1200">
+                <a:solidFill>
+                  <a:schemeClr val="tx1"/>
+                </a:solidFill>
+                <a:latin typeface="+mn-lt"/>
+                <a:ea typeface="+mn-ea"/>
+                <a:cs typeface="+mn-cs"/>
+              </a:defRPr>
+            </a:lvl2pPr>
+            <a:lvl3pPr marL="1143000" indent="-228600" algn="l" defTabSz="914400" rtl="0" eaLnBrk="1" latinLnBrk="0" hangingPunct="1">
+              <a:lnSpc>
+                <a:spcPct val="90000"/>
+              </a:lnSpc>
+              <a:spcBef>
+                <a:spcPts val="500"/>
+              </a:spcBef>
+              <a:buFont typeface="Arial" panose="020B0604020202020204" pitchFamily="34" charset="0"/>
+              <a:buChar char="•"/>
+              <a:defRPr sz="2000" kern="1200">
+                <a:solidFill>
+                  <a:schemeClr val="tx1"/>
+                </a:solidFill>
+                <a:latin typeface="+mn-lt"/>
+                <a:ea typeface="+mn-ea"/>
+                <a:cs typeface="+mn-cs"/>
+              </a:defRPr>
+            </a:lvl3pPr>
+            <a:lvl4pPr marL="1600200" indent="-228600" algn="l" defTabSz="914400" rtl="0" eaLnBrk="1" latinLnBrk="0" hangingPunct="1">
+              <a:lnSpc>
+                <a:spcPct val="90000"/>
+              </a:lnSpc>
+              <a:spcBef>
+                <a:spcPts val="500"/>
+              </a:spcBef>
+              <a:buFont typeface="Arial" panose="020B0604020202020204" pitchFamily="34" charset="0"/>
+              <a:buChar char="•"/>
+              <a:defRPr sz="1800" kern="1200">
+                <a:solidFill>
+                  <a:schemeClr val="tx1"/>
+                </a:solidFill>
+                <a:latin typeface="+mn-lt"/>
+                <a:ea typeface="+mn-ea"/>
+                <a:cs typeface="+mn-cs"/>
+              </a:defRPr>
+            </a:lvl4pPr>
+            <a:lvl5pPr marL="2057400" indent="-228600" algn="l" defTabSz="914400" rtl="0" eaLnBrk="1" latinLnBrk="0" hangingPunct="1">
+              <a:lnSpc>
+                <a:spcPct val="90000"/>
+              </a:lnSpc>
+              <a:spcBef>
+                <a:spcPts val="500"/>
+              </a:spcBef>
+              <a:buFont typeface="Arial" panose="020B0604020202020204" pitchFamily="34" charset="0"/>
+              <a:buChar char="•"/>
+              <a:defRPr sz="1800" kern="1200">
+                <a:solidFill>
+                  <a:schemeClr val="tx1"/>
+                </a:solidFill>
+                <a:latin typeface="+mn-lt"/>
+                <a:ea typeface="+mn-ea"/>
+                <a:cs typeface="+mn-cs"/>
+              </a:defRPr>
+            </a:lvl5pPr>
+            <a:lvl6pPr marL="2514600" indent="-228600" algn="l" defTabSz="914400" rtl="0" eaLnBrk="1" latinLnBrk="0" hangingPunct="1">
+              <a:lnSpc>
+                <a:spcPct val="90000"/>
+              </a:lnSpc>
+              <a:spcBef>
+                <a:spcPts val="500"/>
+              </a:spcBef>
+              <a:buFont typeface="Arial" panose="020B0604020202020204" pitchFamily="34" charset="0"/>
+              <a:buChar char="•"/>
+              <a:defRPr sz="1800" kern="1200">
+                <a:solidFill>
+                  <a:schemeClr val="tx1"/>
+                </a:solidFill>
+                <a:latin typeface="+mn-lt"/>
+                <a:ea typeface="+mn-ea"/>
+                <a:cs typeface="+mn-cs"/>
+              </a:defRPr>
+            </a:lvl6pPr>
+            <a:lvl7pPr marL="2971800" indent="-228600" algn="l" defTabSz="914400" rtl="0" eaLnBrk="1" latinLnBrk="0" hangingPunct="1">
+              <a:lnSpc>
+                <a:spcPct val="90000"/>
+              </a:lnSpc>
+              <a:spcBef>
+                <a:spcPts val="500"/>
+              </a:spcBef>
+              <a:buFont typeface="Arial" panose="020B0604020202020204" pitchFamily="34" charset="0"/>
+              <a:buChar char="•"/>
+              <a:defRPr sz="1800" kern="1200">
+                <a:solidFill>
+                  <a:schemeClr val="tx1"/>
+                </a:solidFill>
+                <a:latin typeface="+mn-lt"/>
+                <a:ea typeface="+mn-ea"/>
+                <a:cs typeface="+mn-cs"/>
+              </a:defRPr>
+            </a:lvl7pPr>
+            <a:lvl8pPr marL="3429000" indent="-228600" algn="l" defTabSz="914400" rtl="0" eaLnBrk="1" latinLnBrk="0" hangingPunct="1">
+              <a:lnSpc>
+                <a:spcPct val="90000"/>
+              </a:lnSpc>
+              <a:spcBef>
+                <a:spcPts val="500"/>
+              </a:spcBef>
+              <a:buFont typeface="Arial" panose="020B0604020202020204" pitchFamily="34" charset="0"/>
+              <a:buChar char="•"/>
+              <a:defRPr sz="1800" kern="1200">
+                <a:solidFill>
+                  <a:schemeClr val="tx1"/>
+                </a:solidFill>
+                <a:latin typeface="+mn-lt"/>
+                <a:ea typeface="+mn-ea"/>
+                <a:cs typeface="+mn-cs"/>
+              </a:defRPr>
+            </a:lvl8pPr>
+            <a:lvl9pPr marL="3886200" indent="-228600" algn="l" defTabSz="914400" rtl="0" eaLnBrk="1" latinLnBrk="0" hangingPunct="1">
+              <a:lnSpc>
+                <a:spcPct val="90000"/>
+              </a:lnSpc>
+              <a:spcBef>
+                <a:spcPts val="500"/>
+              </a:spcBef>
+              <a:buFont typeface="Arial" panose="020B0604020202020204" pitchFamily="34" charset="0"/>
+              <a:buChar char="•"/>
+              <a:defRPr sz="1800" kern="1200">
+                <a:solidFill>
+                  <a:schemeClr val="tx1"/>
+                </a:solidFill>
+                <a:latin typeface="+mn-lt"/>
+                <a:ea typeface="+mn-ea"/>
+                <a:cs typeface="+mn-cs"/>
+              </a:defRPr>
+            </a:lvl9pPr>
+          </a:lstStyle>
+          <a:p>
+            <a:r>
+              <a:rPr lang="es-MX" dirty="0"/>
+              <a:t>El principio de responsabilidad única establece que una clase debe tener solo una razón para cambia.</a:t>
+            </a:r>
+          </a:p>
+          <a:p>
+            <a:pPr marL="0" indent="0">
+              <a:buNone/>
+            </a:pPr>
+            <a:endParaRPr lang="es-ES" dirty="0"/>
+          </a:p>
+        </p:txBody>
+      </p:sp>
+    </p:spTree>
+    <p:extLst>
+      <p:ext uri="{BB962C8B-B14F-4D97-AF65-F5344CB8AC3E}">
+        <p14:creationId xmlns:p14="http://schemas.microsoft.com/office/powerpoint/2010/main" val="1289437389"/>
+      </p:ext>
+    </p:extLst>
+  </p:cSld>
+  <p:clrMapOvr>
+    <a:masterClrMapping/>
+  </p:clrMapOvr>
+  <mc:AlternateContent xmlns:mc="http://schemas.openxmlformats.org/markup-compatibility/2006" xmlns:p14="http://schemas.microsoft.com/office/powerpoint/2010/main">
+    <mc:Choice Requires="p14">
+      <p:transition spd="slow" p14:dur="2500">
+        <p:checker/>
+      </p:transition>
+    </mc:Choice>
+    <mc:Fallback xmlns="">
+      <p:transition spd="slow">
+        <p:checker/>
+      </p:transition>
+    </mc:Fallback>
+  </mc:AlternateContent>
+</p:sld>
+</file>
+
+<file path=ppt/slides/slide11.xml><?xml version="1.0" encoding="utf-8"?>
+<p:sld xmlns:a="http://schemas.openxmlformats.org/drawingml/2006/main" xmlns:r="http://schemas.openxmlformats.org/officeDocument/2006/relationships" xmlns:p="http://schemas.openxmlformats.org/presentationml/2006/main">
+  <p:cSld>
+    <p:bg>
+      <p:bgPr>
+        <a:solidFill>
+          <a:schemeClr val="bg1"/>
+        </a:solidFill>
+        <a:effectLst/>
+      </p:bgPr>
+    </p:bg>
+    <p:spTree>
+      <p:nvGrpSpPr>
+        <p:cNvPr id="1" name=""/>
+        <p:cNvGrpSpPr/>
+        <p:nvPr/>
+      </p:nvGrpSpPr>
+      <p:grpSpPr>
+        <a:xfrm>
+          <a:off x="0" y="0"/>
+          <a:ext cx="0" cy="0"/>
+          <a:chOff x="0" y="0"/>
+          <a:chExt cx="0" cy="0"/>
+        </a:xfrm>
+      </p:grpSpPr>
+      <p:sp useBgFill="1">
+        <p:nvSpPr>
+          <p:cNvPr id="2055" name="Rectangle 2054">
+            <a:extLst>
+              <a:ext uri="{FF2B5EF4-FFF2-40B4-BE49-F238E27FC236}">
+                <a16:creationId xmlns:a16="http://schemas.microsoft.com/office/drawing/2014/main" id="{A8384FB5-9ADC-4DDC-881B-597D56F5B15D}"/>
+              </a:ext>
+              <a:ext uri="{C183D7F6-B498-43B3-948B-1728B52AA6E4}">
+                <adec:decorative xmlns:adec="http://schemas.microsoft.com/office/drawing/2017/decorative" val="1"/>
+              </a:ext>
+            </a:extLst>
+          </p:cNvPr>
+          <p:cNvSpPr>
+            <a:spLocks noGrp="1" noRot="1" noChangeAspect="1" noMove="1" noResize="1" noEditPoints="1" noAdjustHandles="1" noChangeArrowheads="1" noChangeShapeType="1" noTextEdit="1"/>
+          </p:cNvSpPr>
+          <p:nvPr>
+            <p:extLst>
+              <p:ext uri="{386F3935-93C4-4BCD-93E2-E3B085C9AB24}">
+                <p16:designElem xmlns:p16="http://schemas.microsoft.com/office/powerpoint/2015/main" val="1"/>
+              </p:ext>
+            </p:extLst>
+          </p:nvPr>
+        </p:nvSpPr>
+        <p:spPr>
+          <a:xfrm>
+            <a:off x="0" y="0"/>
+            <a:ext cx="12192000" cy="6858000"/>
+          </a:xfrm>
+          <a:prstGeom prst="rect">
+            <a:avLst/>
+          </a:prstGeom>
+          <a:ln w="12700" cap="flat" cmpd="sng" algn="ctr">
+            <a:noFill/>
+            <a:prstDash val="solid"/>
+            <a:miter lim="800000"/>
+          </a:ln>
+          <a:effectLst/>
+          <a:extLst>
+            <a:ext uri="{91240B29-F687-4F45-9708-019B960494DF}">
+              <a14:hiddenLine xmlns:a14="http://schemas.microsoft.com/office/drawing/2010/main" w="12700" cap="flat" cmpd="sng" algn="ctr">
+                <a:solidFill>
+                  <a:schemeClr val="accent1">
+                    <a:shade val="50000"/>
+                  </a:schemeClr>
+                </a:solidFill>
+                <a:prstDash val="solid"/>
+                <a:miter lim="800000"/>
+              </a14:hiddenLine>
+            </a:ext>
+          </a:extLst>
+        </p:spPr>
+        <p:style>
+          <a:lnRef idx="2">
+            <a:schemeClr val="accent1">
+              <a:shade val="50000"/>
+            </a:schemeClr>
+          </a:lnRef>
+          <a:fillRef idx="1">
+            <a:schemeClr val="accent1"/>
+          </a:fillRef>
+          <a:effectRef idx="0">
+            <a:schemeClr val="accent1"/>
+          </a:effectRef>
+          <a:fontRef idx="minor">
+            <a:schemeClr val="lt1"/>
+          </a:fontRef>
+        </p:style>
+        <p:txBody>
+          <a:bodyPr rtlCol="0" anchor="ctr"/>
+          <a:lstStyle/>
+          <a:p>
+            <a:pPr algn="ctr"/>
+            <a:endParaRPr lang="en-US"/>
+          </a:p>
+        </p:txBody>
+      </p:sp>
+      <p:sp>
+        <p:nvSpPr>
+          <p:cNvPr id="2057" name="Rectangle 2056">
+            <a:extLst>
+              <a:ext uri="{FF2B5EF4-FFF2-40B4-BE49-F238E27FC236}">
+                <a16:creationId xmlns:a16="http://schemas.microsoft.com/office/drawing/2014/main" id="{1199E1B1-A8C0-4FE8-A5A8-1CB41D69F857}"/>
+              </a:ext>
+              <a:ext uri="{C183D7F6-B498-43B3-948B-1728B52AA6E4}">
+                <adec:decorative xmlns:adec="http://schemas.microsoft.com/office/drawing/2017/decorative" val="1"/>
+              </a:ext>
+            </a:extLst>
+          </p:cNvPr>
+          <p:cNvSpPr>
+            <a:spLocks noGrp="1" noRot="1" noChangeAspect="1" noMove="1" noResize="1" noEditPoints="1" noAdjustHandles="1" noChangeArrowheads="1" noChangeShapeType="1" noTextEdit="1"/>
+          </p:cNvSpPr>
+          <p:nvPr>
+            <p:extLst>
+              <p:ext uri="{386F3935-93C4-4BCD-93E2-E3B085C9AB24}">
+                <p16:designElem xmlns:p16="http://schemas.microsoft.com/office/powerpoint/2015/main" val="1"/>
+              </p:ext>
+            </p:extLst>
+          </p:nvPr>
+        </p:nvSpPr>
+        <p:spPr>
+          <a:xfrm rot="10800000" flipH="1">
+            <a:off x="2" y="0"/>
+            <a:ext cx="12191998" cy="1575955"/>
+          </a:xfrm>
+          <a:prstGeom prst="rect">
+            <a:avLst/>
+          </a:prstGeom>
+          <a:gradFill>
+            <a:gsLst>
+              <a:gs pos="0">
+                <a:srgbClr val="000000">
+                  <a:alpha val="96000"/>
+                </a:srgbClr>
+              </a:gs>
+              <a:gs pos="100000">
+                <a:schemeClr val="accent1">
+                  <a:lumMod val="75000"/>
+                </a:schemeClr>
+              </a:gs>
+            </a:gsLst>
+            <a:lin ang="6000000" scaled="0"/>
+          </a:gradFill>
+          <a:ln>
+            <a:noFill/>
+          </a:ln>
+        </p:spPr>
+        <p:style>
+          <a:lnRef idx="2">
+            <a:schemeClr val="accent1">
+              <a:shade val="50000"/>
+            </a:schemeClr>
+          </a:lnRef>
+          <a:fillRef idx="1">
+            <a:schemeClr val="accent1"/>
+          </a:fillRef>
+          <a:effectRef idx="0">
+            <a:schemeClr val="accent1"/>
+          </a:effectRef>
+          <a:fontRef idx="minor">
+            <a:schemeClr val="lt1"/>
+          </a:fontRef>
+        </p:style>
+        <p:txBody>
+          <a:bodyPr rtlCol="0" anchor="ctr"/>
+          <a:lstStyle/>
+          <a:p>
+            <a:pPr algn="ctr"/>
+            <a:endParaRPr lang="en-US"/>
+          </a:p>
+        </p:txBody>
+      </p:sp>
+      <p:sp>
+        <p:nvSpPr>
+          <p:cNvPr id="2059" name="Rectangle 2058">
+            <a:extLst>
+              <a:ext uri="{FF2B5EF4-FFF2-40B4-BE49-F238E27FC236}">
+                <a16:creationId xmlns:a16="http://schemas.microsoft.com/office/drawing/2014/main" id="{84A8DE83-DE75-4B41-9DB4-A7EC0B0DEC0B}"/>
+              </a:ext>
+              <a:ext uri="{C183D7F6-B498-43B3-948B-1728B52AA6E4}">
+                <adec:decorative xmlns:adec="http://schemas.microsoft.com/office/drawing/2017/decorative" val="1"/>
+              </a:ext>
+            </a:extLst>
+          </p:cNvPr>
+          <p:cNvSpPr>
+            <a:spLocks noGrp="1" noRot="1" noChangeAspect="1" noMove="1" noResize="1" noEditPoints="1" noAdjustHandles="1" noChangeArrowheads="1" noChangeShapeType="1" noTextEdit="1"/>
+          </p:cNvSpPr>
+          <p:nvPr>
+            <p:extLst>
+              <p:ext uri="{386F3935-93C4-4BCD-93E2-E3B085C9AB24}">
+                <p16:designElem xmlns:p16="http://schemas.microsoft.com/office/powerpoint/2015/main" val="1"/>
+              </p:ext>
+            </p:extLst>
+          </p:nvPr>
+        </p:nvSpPr>
+        <p:spPr>
+          <a:xfrm>
+            <a:off x="0" y="0"/>
+            <a:ext cx="8128856" cy="1575461"/>
+          </a:xfrm>
+          <a:prstGeom prst="rect">
+            <a:avLst/>
+          </a:prstGeom>
+          <a:gradFill>
+            <a:gsLst>
+              <a:gs pos="0">
+                <a:schemeClr val="accent1">
+                  <a:alpha val="41000"/>
+                </a:schemeClr>
+              </a:gs>
+              <a:gs pos="74000">
+                <a:schemeClr val="accent1">
+                  <a:lumMod val="60000"/>
+                  <a:lumOff val="40000"/>
+                  <a:alpha val="0"/>
+                </a:schemeClr>
+              </a:gs>
+            </a:gsLst>
+            <a:lin ang="8400000" scaled="0"/>
+          </a:gradFill>
+          <a:ln>
+            <a:noFill/>
+          </a:ln>
+        </p:spPr>
+        <p:style>
+          <a:lnRef idx="2">
+            <a:schemeClr val="accent1">
+              <a:shade val="50000"/>
+            </a:schemeClr>
+          </a:lnRef>
+          <a:fillRef idx="1">
+            <a:schemeClr val="accent1"/>
+          </a:fillRef>
+          <a:effectRef idx="0">
+            <a:schemeClr val="accent1"/>
+          </a:effectRef>
+          <a:fontRef idx="minor">
+            <a:schemeClr val="lt1"/>
+          </a:fontRef>
+        </p:style>
+        <p:txBody>
+          <a:bodyPr rtlCol="0" anchor="ctr"/>
+          <a:lstStyle/>
+          <a:p>
+            <a:pPr algn="ctr"/>
+            <a:endParaRPr lang="en-US"/>
+          </a:p>
+        </p:txBody>
+      </p:sp>
+      <p:sp>
+        <p:nvSpPr>
+          <p:cNvPr id="2061" name="Rectangle 2060">
+            <a:extLst>
+              <a:ext uri="{FF2B5EF4-FFF2-40B4-BE49-F238E27FC236}">
+                <a16:creationId xmlns:a16="http://schemas.microsoft.com/office/drawing/2014/main" id="{A7009A0A-BEF5-4EAC-AF15-E4F9F002E239}"/>
+              </a:ext>
+              <a:ext uri="{C183D7F6-B498-43B3-948B-1728B52AA6E4}">
+                <adec:decorative xmlns:adec="http://schemas.microsoft.com/office/drawing/2017/decorative" val="1"/>
+              </a:ext>
+            </a:extLst>
+          </p:cNvPr>
+          <p:cNvSpPr>
+            <a:spLocks noGrp="1" noRot="1" noChangeAspect="1" noMove="1" noResize="1" noEditPoints="1" noAdjustHandles="1" noChangeArrowheads="1" noChangeShapeType="1" noTextEdit="1"/>
+          </p:cNvSpPr>
+          <p:nvPr>
+            <p:extLst>
+              <p:ext uri="{386F3935-93C4-4BCD-93E2-E3B085C9AB24}">
+                <p16:designElem xmlns:p16="http://schemas.microsoft.com/office/powerpoint/2015/main" val="1"/>
+              </p:ext>
+            </p:extLst>
+          </p:nvPr>
+        </p:nvSpPr>
+        <p:spPr>
+          <a:xfrm flipH="1">
+            <a:off x="-3" y="-1"/>
+            <a:ext cx="12192002" cy="1574311"/>
+          </a:xfrm>
+          <a:prstGeom prst="rect">
+            <a:avLst/>
+          </a:prstGeom>
+          <a:gradFill>
+            <a:gsLst>
+              <a:gs pos="0">
+                <a:srgbClr val="000000">
+                  <a:alpha val="63000"/>
+                </a:srgbClr>
+              </a:gs>
+              <a:gs pos="78000">
+                <a:schemeClr val="accent1">
+                  <a:alpha val="15000"/>
+                </a:schemeClr>
+              </a:gs>
+            </a:gsLst>
+            <a:lin ang="15600000" scaled="0"/>
+          </a:gradFill>
+          <a:ln>
+            <a:noFill/>
+          </a:ln>
+        </p:spPr>
+        <p:style>
+          <a:lnRef idx="2">
+            <a:schemeClr val="accent1">
+              <a:shade val="50000"/>
+            </a:schemeClr>
+          </a:lnRef>
+          <a:fillRef idx="1">
+            <a:schemeClr val="accent1"/>
+          </a:fillRef>
+          <a:effectRef idx="0">
+            <a:schemeClr val="accent1"/>
+          </a:effectRef>
+          <a:fontRef idx="minor">
+            <a:schemeClr val="lt1"/>
+          </a:fontRef>
+        </p:style>
+        <p:txBody>
+          <a:bodyPr rtlCol="0" anchor="ctr"/>
+          <a:lstStyle/>
+          <a:p>
+            <a:pPr algn="ctr"/>
+            <a:endParaRPr lang="en-US"/>
+          </a:p>
+        </p:txBody>
+      </p:sp>
+      <p:sp>
+        <p:nvSpPr>
+          <p:cNvPr id="2" name="Título 1">
+            <a:extLst>
+              <a:ext uri="{FF2B5EF4-FFF2-40B4-BE49-F238E27FC236}">
+                <a16:creationId xmlns:a16="http://schemas.microsoft.com/office/drawing/2014/main" id="{9B2594E6-7212-20CD-338A-1C52F7F868FE}"/>
+              </a:ext>
+            </a:extLst>
+          </p:cNvPr>
+          <p:cNvSpPr>
+            <a:spLocks noGrp="1"/>
+          </p:cNvSpPr>
+          <p:nvPr>
+            <p:ph type="title"/>
+          </p:nvPr>
+        </p:nvSpPr>
+        <p:spPr>
+          <a:xfrm>
+            <a:off x="699713" y="248038"/>
+            <a:ext cx="7063721" cy="1159200"/>
+          </a:xfrm>
+        </p:spPr>
+        <p:txBody>
+          <a:bodyPr vert="horz" lIns="91440" tIns="45720" rIns="91440" bIns="45720" rtlCol="0" anchor="ctr">
+            <a:normAutofit/>
+          </a:bodyPr>
+          <a:lstStyle/>
+          <a:p>
+            <a:r>
+              <a:rPr lang="en-US" sz="4000" kern="1200">
+                <a:solidFill>
+                  <a:srgbClr val="FFFFFF"/>
+                </a:solidFill>
+                <a:latin typeface="+mj-lt"/>
+                <a:ea typeface="+mj-ea"/>
+                <a:cs typeface="+mj-cs"/>
+              </a:rPr>
+              <a:t>Diagrama de Clases</a:t>
+            </a:r>
+          </a:p>
+        </p:txBody>
+      </p:sp>
+      <p:pic>
+        <p:nvPicPr>
+          <p:cNvPr id="2050" name="Picture 2">
+            <a:extLst>
+              <a:ext uri="{FF2B5EF4-FFF2-40B4-BE49-F238E27FC236}">
+                <a16:creationId xmlns:a16="http://schemas.microsoft.com/office/drawing/2014/main" id="{19035E85-61AD-9780-43F3-011B1010337A}"/>
+              </a:ext>
+            </a:extLst>
+          </p:cNvPr>
+          <p:cNvPicPr>
+            <a:picLocks noChangeAspect="1" noChangeArrowheads="1"/>
+          </p:cNvPicPr>
+          <p:nvPr/>
+        </p:nvPicPr>
+        <p:blipFill>
+          <a:blip r:embed="rId2">
+            <a:extLst>
+              <a:ext uri="{28A0092B-C50C-407E-A947-70E740481C1C}">
+                <a14:useLocalDpi xmlns:a14="http://schemas.microsoft.com/office/drawing/2010/main" val="0"/>
+              </a:ext>
+            </a:extLst>
+          </a:blip>
+          <a:stretch>
+            <a:fillRect/>
+          </a:stretch>
+        </p:blipFill>
+        <p:spPr bwMode="auto">
+          <a:xfrm>
+            <a:off x="1334330" y="1966293"/>
+            <a:ext cx="9523339" cy="4452160"/>
+          </a:xfrm>
+          <a:prstGeom prst="rect">
+            <a:avLst/>
+          </a:prstGeom>
+          <a:noFill/>
+          <a:extLst>
+            <a:ext uri="{909E8E84-426E-40DD-AFC4-6F175D3DCCD1}">
+              <a14:hiddenFill xmlns:a14="http://schemas.microsoft.com/office/drawing/2010/main">
+                <a:solidFill>
+                  <a:srgbClr val="FFFFFF"/>
+                </a:solidFill>
+              </a14:hiddenFill>
+            </a:ext>
+          </a:extLst>
+        </p:spPr>
+      </p:pic>
+    </p:spTree>
+    <p:extLst>
+      <p:ext uri="{BB962C8B-B14F-4D97-AF65-F5344CB8AC3E}">
+        <p14:creationId xmlns:p14="http://schemas.microsoft.com/office/powerpoint/2010/main" val="1003276068"/>
+      </p:ext>
+    </p:extLst>
+  </p:cSld>
+  <p:clrMapOvr>
+    <a:masterClrMapping/>
+  </p:clrMapOvr>
+  <mc:AlternateContent xmlns:mc="http://schemas.openxmlformats.org/markup-compatibility/2006" xmlns:p15="http://schemas.microsoft.com/office/powerpoint/2012/main">
+    <mc:Choice Requires="p15">
+      <p:transition xmlns:p14="http://schemas.microsoft.com/office/powerpoint/2010/main" spd="slow" p14:dur="2000">
+        <p15:prstTrans prst="prestige"/>
+      </p:transition>
+    </mc:Choice>
+    <mc:Fallback xmlns="">
+      <p:transition spd="slow">
+        <p:fade/>
+      </p:transition>
+    </mc:Fallback>
+  </mc:AlternateContent>
+</p:sld>
+</file>
+
+<file path=ppt/slides/slide12.xml><?xml version="1.0" encoding="utf-8"?>
+<p:sld xmlns:a="http://schemas.openxmlformats.org/drawingml/2006/main" xmlns:r="http://schemas.openxmlformats.org/officeDocument/2006/relationships" xmlns:p="http://schemas.openxmlformats.org/presentationml/2006/main">
+  <p:cSld>
     <p:bg>
       <p:bgPr>
         <a:solidFill>
@@ -17562,7 +23469,7 @@
 </p:sld>
 </file>
 
-<file path=ppt/slides/slide11.xml><?xml version="1.0" encoding="utf-8"?>
+<file path=ppt/slides/slide13.xml><?xml version="1.0" encoding="utf-8"?>
 <p:sld xmlns:a="http://schemas.openxmlformats.org/drawingml/2006/main" xmlns:r="http://schemas.openxmlformats.org/officeDocument/2006/relationships" xmlns:p="http://schemas.openxmlformats.org/presentationml/2006/main">
   <p:cSld>
     <p:bg>
@@ -19147,6 +25054,486 @@
           <a:lstStyle/>
           <a:p>
             <a:r>
+              <a:rPr lang="es-CO" sz="4000" dirty="0">
+                <a:solidFill>
+                  <a:srgbClr val="FFFFFF"/>
+                </a:solidFill>
+              </a:rPr>
+              <a:t>Funciones delegado</a:t>
+            </a:r>
+            <a:endParaRPr lang="es-ES" sz="4000" dirty="0">
+              <a:solidFill>
+                <a:srgbClr val="FFFFFF"/>
+              </a:solidFill>
+            </a:endParaRPr>
+          </a:p>
+        </p:txBody>
+      </p:sp>
+      <p:graphicFrame>
+        <p:nvGraphicFramePr>
+          <p:cNvPr id="5" name="Marcador de contenido 2">
+            <a:extLst>
+              <a:ext uri="{FF2B5EF4-FFF2-40B4-BE49-F238E27FC236}">
+                <a16:creationId xmlns:a16="http://schemas.microsoft.com/office/drawing/2014/main" id="{591E0968-941C-7960-DC49-FA397F19DC74}"/>
+              </a:ext>
+            </a:extLst>
+          </p:cNvPr>
+          <p:cNvGraphicFramePr>
+            <a:graphicFrameLocks noGrp="1"/>
+          </p:cNvGraphicFramePr>
+          <p:nvPr>
+            <p:ph idx="1"/>
+          </p:nvPr>
+        </p:nvGraphicFramePr>
+        <p:xfrm>
+          <a:off x="-1241100" y="-1874220"/>
+          <a:ext cx="4067427" cy="1084311"/>
+        </p:xfrm>
+        <a:graphic>
+          <a:graphicData uri="http://schemas.openxmlformats.org/drawingml/2006/diagram">
+            <dgm:relIds xmlns:dgm="http://schemas.openxmlformats.org/drawingml/2006/diagram" xmlns:r="http://schemas.openxmlformats.org/officeDocument/2006/relationships" r:dm="rId2" r:lo="rId3" r:qs="rId4" r:cs="rId5"/>
+          </a:graphicData>
+        </a:graphic>
+      </p:graphicFrame>
+      <p:pic>
+        <p:nvPicPr>
+          <p:cNvPr id="4" name="Imagen 3">
+            <a:extLst>
+              <a:ext uri="{FF2B5EF4-FFF2-40B4-BE49-F238E27FC236}">
+                <a16:creationId xmlns:a16="http://schemas.microsoft.com/office/drawing/2014/main" id="{52E74B04-0327-4A01-A1B0-1B80EA50530C}"/>
+              </a:ext>
+            </a:extLst>
+          </p:cNvPr>
+          <p:cNvPicPr>
+            <a:picLocks noChangeAspect="1"/>
+          </p:cNvPicPr>
+          <p:nvPr/>
+        </p:nvPicPr>
+        <p:blipFill rotWithShape="1">
+          <a:blip r:embed="rId7"/>
+          <a:srcRect r="30247"/>
+          <a:stretch/>
+        </p:blipFill>
+        <p:spPr>
+          <a:xfrm>
+            <a:off x="216898" y="2276415"/>
+            <a:ext cx="5328700" cy="3406630"/>
+          </a:xfrm>
+          <a:prstGeom prst="rect">
+            <a:avLst/>
+          </a:prstGeom>
+        </p:spPr>
+      </p:pic>
+      <p:pic>
+        <p:nvPicPr>
+          <p:cNvPr id="7" name="Imagen 6">
+            <a:extLst>
+              <a:ext uri="{FF2B5EF4-FFF2-40B4-BE49-F238E27FC236}">
+                <a16:creationId xmlns:a16="http://schemas.microsoft.com/office/drawing/2014/main" id="{F3C3211B-5159-4DB2-A1FA-026E688673EF}"/>
+              </a:ext>
+            </a:extLst>
+          </p:cNvPr>
+          <p:cNvPicPr>
+            <a:picLocks noChangeAspect="1"/>
+          </p:cNvPicPr>
+          <p:nvPr/>
+        </p:nvPicPr>
+        <p:blipFill rotWithShape="1">
+          <a:blip r:embed="rId8"/>
+          <a:srcRect r="9604"/>
+          <a:stretch/>
+        </p:blipFill>
+        <p:spPr>
+          <a:xfrm>
+            <a:off x="5830526" y="2512390"/>
+            <a:ext cx="6220995" cy="2531558"/>
+          </a:xfrm>
+          <a:prstGeom prst="rect">
+            <a:avLst/>
+          </a:prstGeom>
+        </p:spPr>
+      </p:pic>
+    </p:spTree>
+    <p:extLst>
+      <p:ext uri="{BB962C8B-B14F-4D97-AF65-F5344CB8AC3E}">
+        <p14:creationId xmlns:p14="http://schemas.microsoft.com/office/powerpoint/2010/main" val="1156457085"/>
+      </p:ext>
+    </p:extLst>
+  </p:cSld>
+  <p:clrMapOvr>
+    <a:masterClrMapping/>
+  </p:clrMapOvr>
+  <mc:AlternateContent xmlns:mc="http://schemas.openxmlformats.org/markup-compatibility/2006">
+    <mc:Choice xmlns:p15="http://schemas.microsoft.com/office/powerpoint/2012/main" Requires="p15">
+      <p:transition xmlns:p14="http://schemas.microsoft.com/office/powerpoint/2010/main" spd="slow" p14:dur="2000">
+        <p15:prstTrans prst="drape"/>
+      </p:transition>
+    </mc:Choice>
+    <mc:Fallback>
+      <p:transition spd="slow">
+        <p:fade/>
+      </p:transition>
+    </mc:Fallback>
+  </mc:AlternateContent>
+</p:sld>
+</file>
+
+<file path=ppt/slides/slide4.xml><?xml version="1.0" encoding="utf-8"?>
+<p:sld xmlns:a="http://schemas.openxmlformats.org/drawingml/2006/main" xmlns:r="http://schemas.openxmlformats.org/officeDocument/2006/relationships" xmlns:p="http://schemas.openxmlformats.org/presentationml/2006/main">
+  <p:cSld>
+    <p:bg>
+      <p:bgPr>
+        <a:solidFill>
+          <a:schemeClr val="bg1"/>
+        </a:solidFill>
+        <a:effectLst/>
+      </p:bgPr>
+    </p:bg>
+    <p:spTree>
+      <p:nvGrpSpPr>
+        <p:cNvPr id="1" name=""/>
+        <p:cNvGrpSpPr/>
+        <p:nvPr/>
+      </p:nvGrpSpPr>
+      <p:grpSpPr>
+        <a:xfrm>
+          <a:off x="0" y="0"/>
+          <a:ext cx="0" cy="0"/>
+          <a:chOff x="0" y="0"/>
+          <a:chExt cx="0" cy="0"/>
+        </a:xfrm>
+      </p:grpSpPr>
+      <p:sp useBgFill="1">
+        <p:nvSpPr>
+          <p:cNvPr id="9" name="Rectangle 8">
+            <a:extLst>
+              <a:ext uri="{FF2B5EF4-FFF2-40B4-BE49-F238E27FC236}">
+                <a16:creationId xmlns:a16="http://schemas.microsoft.com/office/drawing/2014/main" id="{BACC6370-2D7E-4714-9D71-7542949D7D5D}"/>
+              </a:ext>
+              <a:ext uri="{C183D7F6-B498-43B3-948B-1728B52AA6E4}">
+                <adec:decorative xmlns:adec="http://schemas.microsoft.com/office/drawing/2017/decorative" val="1"/>
+              </a:ext>
+            </a:extLst>
+          </p:cNvPr>
+          <p:cNvSpPr>
+            <a:spLocks noGrp="1" noRot="1" noChangeAspect="1" noMove="1" noResize="1" noEditPoints="1" noAdjustHandles="1" noChangeArrowheads="1" noChangeShapeType="1" noTextEdit="1"/>
+          </p:cNvSpPr>
+          <p:nvPr>
+            <p:extLst>
+              <p:ext uri="{386F3935-93C4-4BCD-93E2-E3B085C9AB24}">
+                <p16:designElem xmlns:p16="http://schemas.microsoft.com/office/powerpoint/2015/main" val="1"/>
+              </p:ext>
+            </p:extLst>
+          </p:nvPr>
+        </p:nvSpPr>
+        <p:spPr>
+          <a:xfrm>
+            <a:off x="0" y="0"/>
+            <a:ext cx="12192000" cy="6858000"/>
+          </a:xfrm>
+          <a:prstGeom prst="rect">
+            <a:avLst/>
+          </a:prstGeom>
+          <a:ln w="12700" cap="flat" cmpd="sng" algn="ctr">
+            <a:noFill/>
+            <a:prstDash val="solid"/>
+            <a:miter lim="800000"/>
+          </a:ln>
+          <a:effectLst/>
+          <a:extLst>
+            <a:ext uri="{91240B29-F687-4F45-9708-019B960494DF}">
+              <a14:hiddenLine xmlns:a14="http://schemas.microsoft.com/office/drawing/2010/main" w="12700" cap="flat" cmpd="sng" algn="ctr">
+                <a:solidFill>
+                  <a:schemeClr val="accent1">
+                    <a:shade val="50000"/>
+                  </a:schemeClr>
+                </a:solidFill>
+                <a:prstDash val="solid"/>
+                <a:miter lim="800000"/>
+              </a14:hiddenLine>
+            </a:ext>
+          </a:extLst>
+        </p:spPr>
+        <p:style>
+          <a:lnRef idx="2">
+            <a:schemeClr val="accent1">
+              <a:shade val="50000"/>
+            </a:schemeClr>
+          </a:lnRef>
+          <a:fillRef idx="1">
+            <a:schemeClr val="accent1"/>
+          </a:fillRef>
+          <a:effectRef idx="0">
+            <a:schemeClr val="accent1"/>
+          </a:effectRef>
+          <a:fontRef idx="minor">
+            <a:schemeClr val="lt1"/>
+          </a:fontRef>
+        </p:style>
+        <p:txBody>
+          <a:bodyPr rtlCol="0" anchor="ctr"/>
+          <a:lstStyle/>
+          <a:p>
+            <a:pPr algn="ctr"/>
+            <a:endParaRPr lang="en-US"/>
+          </a:p>
+        </p:txBody>
+      </p:sp>
+      <p:sp>
+        <p:nvSpPr>
+          <p:cNvPr id="11" name="Rectangle 10">
+            <a:extLst>
+              <a:ext uri="{FF2B5EF4-FFF2-40B4-BE49-F238E27FC236}">
+                <a16:creationId xmlns:a16="http://schemas.microsoft.com/office/drawing/2014/main" id="{F68B3F68-107C-434F-AA38-110D5EA91B85}"/>
+              </a:ext>
+              <a:ext uri="{C183D7F6-B498-43B3-948B-1728B52AA6E4}">
+                <adec:decorative xmlns:adec="http://schemas.microsoft.com/office/drawing/2017/decorative" val="1"/>
+              </a:ext>
+            </a:extLst>
+          </p:cNvPr>
+          <p:cNvSpPr>
+            <a:spLocks noGrp="1" noRot="1" noChangeAspect="1" noMove="1" noResize="1" noEditPoints="1" noAdjustHandles="1" noChangeArrowheads="1" noChangeShapeType="1" noTextEdit="1"/>
+          </p:cNvSpPr>
+          <p:nvPr>
+            <p:extLst>
+              <p:ext uri="{386F3935-93C4-4BCD-93E2-E3B085C9AB24}">
+                <p16:designElem xmlns:p16="http://schemas.microsoft.com/office/powerpoint/2015/main" val="1"/>
+              </p:ext>
+            </p:extLst>
+          </p:nvPr>
+        </p:nvSpPr>
+        <p:spPr>
+          <a:xfrm flipH="1">
+            <a:off x="2" y="0"/>
+            <a:ext cx="12191998" cy="1575955"/>
+          </a:xfrm>
+          <a:prstGeom prst="rect">
+            <a:avLst/>
+          </a:prstGeom>
+          <a:gradFill>
+            <a:gsLst>
+              <a:gs pos="0">
+                <a:srgbClr val="000000">
+                  <a:alpha val="96000"/>
+                </a:srgbClr>
+              </a:gs>
+              <a:gs pos="100000">
+                <a:schemeClr val="accent1">
+                  <a:lumMod val="75000"/>
+                </a:schemeClr>
+              </a:gs>
+            </a:gsLst>
+            <a:lin ang="8400000" scaled="0"/>
+          </a:gradFill>
+          <a:ln>
+            <a:noFill/>
+          </a:ln>
+        </p:spPr>
+        <p:style>
+          <a:lnRef idx="2">
+            <a:schemeClr val="accent1">
+              <a:shade val="50000"/>
+            </a:schemeClr>
+          </a:lnRef>
+          <a:fillRef idx="1">
+            <a:schemeClr val="accent1"/>
+          </a:fillRef>
+          <a:effectRef idx="0">
+            <a:schemeClr val="accent1"/>
+          </a:effectRef>
+          <a:fontRef idx="minor">
+            <a:schemeClr val="lt1"/>
+          </a:fontRef>
+        </p:style>
+        <p:txBody>
+          <a:bodyPr rtlCol="0" anchor="ctr"/>
+          <a:lstStyle/>
+          <a:p>
+            <a:pPr algn="ctr"/>
+            <a:endParaRPr lang="en-US"/>
+          </a:p>
+        </p:txBody>
+      </p:sp>
+      <p:sp>
+        <p:nvSpPr>
+          <p:cNvPr id="13" name="Rectangle 12">
+            <a:extLst>
+              <a:ext uri="{FF2B5EF4-FFF2-40B4-BE49-F238E27FC236}">
+                <a16:creationId xmlns:a16="http://schemas.microsoft.com/office/drawing/2014/main" id="{AAD0DBB9-1A4B-4391-81D4-CB19F9AB918A}"/>
+              </a:ext>
+              <a:ext uri="{C183D7F6-B498-43B3-948B-1728B52AA6E4}">
+                <adec:decorative xmlns:adec="http://schemas.microsoft.com/office/drawing/2017/decorative" val="1"/>
+              </a:ext>
+            </a:extLst>
+          </p:cNvPr>
+          <p:cNvSpPr>
+            <a:spLocks noGrp="1" noRot="1" noChangeAspect="1" noMove="1" noResize="1" noEditPoints="1" noAdjustHandles="1" noChangeArrowheads="1" noChangeShapeType="1" noTextEdit="1"/>
+          </p:cNvSpPr>
+          <p:nvPr>
+            <p:extLst>
+              <p:ext uri="{386F3935-93C4-4BCD-93E2-E3B085C9AB24}">
+                <p16:designElem xmlns:p16="http://schemas.microsoft.com/office/powerpoint/2015/main" val="1"/>
+              </p:ext>
+            </p:extLst>
+          </p:nvPr>
+        </p:nvSpPr>
+        <p:spPr>
+          <a:xfrm rot="10800000" flipH="1">
+            <a:off x="8128857" y="0"/>
+            <a:ext cx="4063143" cy="1576412"/>
+          </a:xfrm>
+          <a:prstGeom prst="rect">
+            <a:avLst/>
+          </a:prstGeom>
+          <a:gradFill>
+            <a:gsLst>
+              <a:gs pos="19000">
+                <a:schemeClr val="accent1">
+                  <a:lumMod val="50000"/>
+                  <a:alpha val="68000"/>
+                </a:schemeClr>
+              </a:gs>
+              <a:gs pos="100000">
+                <a:schemeClr val="accent1">
+                  <a:alpha val="79000"/>
+                </a:schemeClr>
+              </a:gs>
+            </a:gsLst>
+            <a:lin ang="19200000" scaled="0"/>
+          </a:gradFill>
+          <a:ln>
+            <a:noFill/>
+          </a:ln>
+        </p:spPr>
+        <p:style>
+          <a:lnRef idx="2">
+            <a:schemeClr val="accent1">
+              <a:shade val="50000"/>
+            </a:schemeClr>
+          </a:lnRef>
+          <a:fillRef idx="1">
+            <a:schemeClr val="accent1"/>
+          </a:fillRef>
+          <a:effectRef idx="0">
+            <a:schemeClr val="accent1"/>
+          </a:effectRef>
+          <a:fontRef idx="minor">
+            <a:schemeClr val="lt1"/>
+          </a:fontRef>
+        </p:style>
+        <p:txBody>
+          <a:bodyPr rtlCol="0" anchor="ctr"/>
+          <a:lstStyle/>
+          <a:p>
+            <a:pPr algn="ctr"/>
+            <a:endParaRPr lang="en-US"/>
+          </a:p>
+        </p:txBody>
+      </p:sp>
+      <p:sp>
+        <p:nvSpPr>
+          <p:cNvPr id="15" name="Rectangle 14">
+            <a:extLst>
+              <a:ext uri="{FF2B5EF4-FFF2-40B4-BE49-F238E27FC236}">
+                <a16:creationId xmlns:a16="http://schemas.microsoft.com/office/drawing/2014/main" id="{063BBA22-50EA-4C4D-BE05-F1CE4E63AA56}"/>
+              </a:ext>
+              <a:ext uri="{C183D7F6-B498-43B3-948B-1728B52AA6E4}">
+                <adec:decorative xmlns:adec="http://schemas.microsoft.com/office/drawing/2017/decorative" val="1"/>
+              </a:ext>
+            </a:extLst>
+          </p:cNvPr>
+          <p:cNvSpPr>
+            <a:spLocks noGrp="1" noRot="1" noChangeAspect="1" noMove="1" noResize="1" noEditPoints="1" noAdjustHandles="1" noChangeArrowheads="1" noChangeShapeType="1" noTextEdit="1"/>
+          </p:cNvSpPr>
+          <p:nvPr>
+            <p:extLst>
+              <p:ext uri="{386F3935-93C4-4BCD-93E2-E3B085C9AB24}">
+                <p16:designElem xmlns:p16="http://schemas.microsoft.com/office/powerpoint/2015/main" val="1"/>
+              </p:ext>
+            </p:extLst>
+          </p:nvPr>
+        </p:nvSpPr>
+        <p:spPr>
+          <a:xfrm rot="5400000">
+            <a:off x="5307777" y="-5307778"/>
+            <a:ext cx="1576446" cy="12192002"/>
+          </a:xfrm>
+          <a:prstGeom prst="rect">
+            <a:avLst/>
+          </a:prstGeom>
+          <a:gradFill>
+            <a:gsLst>
+              <a:gs pos="23000">
+                <a:schemeClr val="accent1">
+                  <a:alpha val="0"/>
+                </a:schemeClr>
+              </a:gs>
+              <a:gs pos="99000">
+                <a:srgbClr val="000000">
+                  <a:alpha val="74000"/>
+                </a:srgbClr>
+              </a:gs>
+            </a:gsLst>
+            <a:lin ang="20400000" scaled="0"/>
+          </a:gradFill>
+          <a:ln>
+            <a:noFill/>
+          </a:ln>
+        </p:spPr>
+        <p:style>
+          <a:lnRef idx="2">
+            <a:schemeClr val="accent1">
+              <a:shade val="50000"/>
+            </a:schemeClr>
+          </a:lnRef>
+          <a:fillRef idx="1">
+            <a:schemeClr val="accent1"/>
+          </a:fillRef>
+          <a:effectRef idx="0">
+            <a:schemeClr val="accent1"/>
+          </a:effectRef>
+          <a:fontRef idx="minor">
+            <a:schemeClr val="lt1"/>
+          </a:fontRef>
+        </p:style>
+        <p:txBody>
+          <a:bodyPr rtlCol="0" anchor="ctr"/>
+          <a:lstStyle/>
+          <a:p>
+            <a:pPr algn="ctr"/>
+            <a:endParaRPr lang="en-US" dirty="0"/>
+          </a:p>
+        </p:txBody>
+      </p:sp>
+      <p:sp>
+        <p:nvSpPr>
+          <p:cNvPr id="2" name="Título 1">
+            <a:extLst>
+              <a:ext uri="{FF2B5EF4-FFF2-40B4-BE49-F238E27FC236}">
+                <a16:creationId xmlns:a16="http://schemas.microsoft.com/office/drawing/2014/main" id="{2ACBD37B-9421-944A-BC2F-5F0DE4CE19B2}"/>
+              </a:ext>
+            </a:extLst>
+          </p:cNvPr>
+          <p:cNvSpPr>
+            <a:spLocks noGrp="1"/>
+          </p:cNvSpPr>
+          <p:nvPr>
+            <p:ph type="title"/>
+          </p:nvPr>
+        </p:nvSpPr>
+        <p:spPr>
+          <a:xfrm>
+            <a:off x="1371597" y="348865"/>
+            <a:ext cx="10044023" cy="877729"/>
+          </a:xfrm>
+        </p:spPr>
+        <p:txBody>
+          <a:bodyPr anchor="ctr">
+            <a:normAutofit/>
+          </a:bodyPr>
+          <a:lstStyle/>
+          <a:p>
+            <a:r>
               <a:rPr lang="es-CO" sz="4000" dirty="0" err="1">
                 <a:solidFill>
                   <a:srgbClr val="FFFFFF"/>
@@ -19322,7 +25709,467 @@
 </p:sld>
 </file>
 
-<file path=ppt/slides/slide4.xml><?xml version="1.0" encoding="utf-8"?>
+<file path=ppt/slides/slide5.xml><?xml version="1.0" encoding="utf-8"?>
+<p:sld xmlns:a="http://schemas.openxmlformats.org/drawingml/2006/main" xmlns:r="http://schemas.openxmlformats.org/officeDocument/2006/relationships" xmlns:p="http://schemas.openxmlformats.org/presentationml/2006/main">
+  <p:cSld>
+    <p:bg>
+      <p:bgPr>
+        <a:solidFill>
+          <a:schemeClr val="bg1"/>
+        </a:solidFill>
+        <a:effectLst/>
+      </p:bgPr>
+    </p:bg>
+    <p:spTree>
+      <p:nvGrpSpPr>
+        <p:cNvPr id="1" name=""/>
+        <p:cNvGrpSpPr/>
+        <p:nvPr/>
+      </p:nvGrpSpPr>
+      <p:grpSpPr>
+        <a:xfrm>
+          <a:off x="0" y="0"/>
+          <a:ext cx="0" cy="0"/>
+          <a:chOff x="0" y="0"/>
+          <a:chExt cx="0" cy="0"/>
+        </a:xfrm>
+      </p:grpSpPr>
+      <p:sp useBgFill="1">
+        <p:nvSpPr>
+          <p:cNvPr id="9" name="Rectangle 8">
+            <a:extLst>
+              <a:ext uri="{FF2B5EF4-FFF2-40B4-BE49-F238E27FC236}">
+                <a16:creationId xmlns:a16="http://schemas.microsoft.com/office/drawing/2014/main" id="{BACC6370-2D7E-4714-9D71-7542949D7D5D}"/>
+              </a:ext>
+              <a:ext uri="{C183D7F6-B498-43B3-948B-1728B52AA6E4}">
+                <adec:decorative xmlns:adec="http://schemas.microsoft.com/office/drawing/2017/decorative" val="1"/>
+              </a:ext>
+            </a:extLst>
+          </p:cNvPr>
+          <p:cNvSpPr>
+            <a:spLocks noGrp="1" noRot="1" noChangeAspect="1" noMove="1" noResize="1" noEditPoints="1" noAdjustHandles="1" noChangeArrowheads="1" noChangeShapeType="1" noTextEdit="1"/>
+          </p:cNvSpPr>
+          <p:nvPr>
+            <p:extLst>
+              <p:ext uri="{386F3935-93C4-4BCD-93E2-E3B085C9AB24}">
+                <p16:designElem xmlns:p16="http://schemas.microsoft.com/office/powerpoint/2015/main" val="1"/>
+              </p:ext>
+            </p:extLst>
+          </p:nvPr>
+        </p:nvSpPr>
+        <p:spPr>
+          <a:xfrm>
+            <a:off x="0" y="0"/>
+            <a:ext cx="12192000" cy="6858000"/>
+          </a:xfrm>
+          <a:prstGeom prst="rect">
+            <a:avLst/>
+          </a:prstGeom>
+          <a:ln w="12700" cap="flat" cmpd="sng" algn="ctr">
+            <a:noFill/>
+            <a:prstDash val="solid"/>
+            <a:miter lim="800000"/>
+          </a:ln>
+          <a:effectLst/>
+          <a:extLst>
+            <a:ext uri="{91240B29-F687-4F45-9708-019B960494DF}">
+              <a14:hiddenLine xmlns:a14="http://schemas.microsoft.com/office/drawing/2010/main" w="12700" cap="flat" cmpd="sng" algn="ctr">
+                <a:solidFill>
+                  <a:schemeClr val="accent1">
+                    <a:shade val="50000"/>
+                  </a:schemeClr>
+                </a:solidFill>
+                <a:prstDash val="solid"/>
+                <a:miter lim="800000"/>
+              </a14:hiddenLine>
+            </a:ext>
+          </a:extLst>
+        </p:spPr>
+        <p:style>
+          <a:lnRef idx="2">
+            <a:schemeClr val="accent1">
+              <a:shade val="50000"/>
+            </a:schemeClr>
+          </a:lnRef>
+          <a:fillRef idx="1">
+            <a:schemeClr val="accent1"/>
+          </a:fillRef>
+          <a:effectRef idx="0">
+            <a:schemeClr val="accent1"/>
+          </a:effectRef>
+          <a:fontRef idx="minor">
+            <a:schemeClr val="lt1"/>
+          </a:fontRef>
+        </p:style>
+        <p:txBody>
+          <a:bodyPr rtlCol="0" anchor="ctr"/>
+          <a:lstStyle/>
+          <a:p>
+            <a:pPr algn="ctr"/>
+            <a:endParaRPr lang="en-US"/>
+          </a:p>
+        </p:txBody>
+      </p:sp>
+      <p:sp>
+        <p:nvSpPr>
+          <p:cNvPr id="11" name="Rectangle 10">
+            <a:extLst>
+              <a:ext uri="{FF2B5EF4-FFF2-40B4-BE49-F238E27FC236}">
+                <a16:creationId xmlns:a16="http://schemas.microsoft.com/office/drawing/2014/main" id="{F68B3F68-107C-434F-AA38-110D5EA91B85}"/>
+              </a:ext>
+              <a:ext uri="{C183D7F6-B498-43B3-948B-1728B52AA6E4}">
+                <adec:decorative xmlns:adec="http://schemas.microsoft.com/office/drawing/2017/decorative" val="1"/>
+              </a:ext>
+            </a:extLst>
+          </p:cNvPr>
+          <p:cNvSpPr>
+            <a:spLocks noGrp="1" noRot="1" noChangeAspect="1" noMove="1" noResize="1" noEditPoints="1" noAdjustHandles="1" noChangeArrowheads="1" noChangeShapeType="1" noTextEdit="1"/>
+          </p:cNvSpPr>
+          <p:nvPr>
+            <p:extLst>
+              <p:ext uri="{386F3935-93C4-4BCD-93E2-E3B085C9AB24}">
+                <p16:designElem xmlns:p16="http://schemas.microsoft.com/office/powerpoint/2015/main" val="1"/>
+              </p:ext>
+            </p:extLst>
+          </p:nvPr>
+        </p:nvSpPr>
+        <p:spPr>
+          <a:xfrm flipH="1">
+            <a:off x="2" y="0"/>
+            <a:ext cx="12191998" cy="1575955"/>
+          </a:xfrm>
+          <a:prstGeom prst="rect">
+            <a:avLst/>
+          </a:prstGeom>
+          <a:gradFill>
+            <a:gsLst>
+              <a:gs pos="0">
+                <a:srgbClr val="000000">
+                  <a:alpha val="96000"/>
+                </a:srgbClr>
+              </a:gs>
+              <a:gs pos="100000">
+                <a:schemeClr val="accent1">
+                  <a:lumMod val="75000"/>
+                </a:schemeClr>
+              </a:gs>
+            </a:gsLst>
+            <a:lin ang="8400000" scaled="0"/>
+          </a:gradFill>
+          <a:ln>
+            <a:noFill/>
+          </a:ln>
+        </p:spPr>
+        <p:style>
+          <a:lnRef idx="2">
+            <a:schemeClr val="accent1">
+              <a:shade val="50000"/>
+            </a:schemeClr>
+          </a:lnRef>
+          <a:fillRef idx="1">
+            <a:schemeClr val="accent1"/>
+          </a:fillRef>
+          <a:effectRef idx="0">
+            <a:schemeClr val="accent1"/>
+          </a:effectRef>
+          <a:fontRef idx="minor">
+            <a:schemeClr val="lt1"/>
+          </a:fontRef>
+        </p:style>
+        <p:txBody>
+          <a:bodyPr rtlCol="0" anchor="ctr"/>
+          <a:lstStyle/>
+          <a:p>
+            <a:pPr algn="ctr"/>
+            <a:endParaRPr lang="en-US"/>
+          </a:p>
+        </p:txBody>
+      </p:sp>
+      <p:sp>
+        <p:nvSpPr>
+          <p:cNvPr id="13" name="Rectangle 12">
+            <a:extLst>
+              <a:ext uri="{FF2B5EF4-FFF2-40B4-BE49-F238E27FC236}">
+                <a16:creationId xmlns:a16="http://schemas.microsoft.com/office/drawing/2014/main" id="{AAD0DBB9-1A4B-4391-81D4-CB19F9AB918A}"/>
+              </a:ext>
+              <a:ext uri="{C183D7F6-B498-43B3-948B-1728B52AA6E4}">
+                <adec:decorative xmlns:adec="http://schemas.microsoft.com/office/drawing/2017/decorative" val="1"/>
+              </a:ext>
+            </a:extLst>
+          </p:cNvPr>
+          <p:cNvSpPr>
+            <a:spLocks noGrp="1" noRot="1" noChangeAspect="1" noMove="1" noResize="1" noEditPoints="1" noAdjustHandles="1" noChangeArrowheads="1" noChangeShapeType="1" noTextEdit="1"/>
+          </p:cNvSpPr>
+          <p:nvPr>
+            <p:extLst>
+              <p:ext uri="{386F3935-93C4-4BCD-93E2-E3B085C9AB24}">
+                <p16:designElem xmlns:p16="http://schemas.microsoft.com/office/powerpoint/2015/main" val="1"/>
+              </p:ext>
+            </p:extLst>
+          </p:nvPr>
+        </p:nvSpPr>
+        <p:spPr>
+          <a:xfrm rot="10800000" flipH="1">
+            <a:off x="8128857" y="0"/>
+            <a:ext cx="4063143" cy="1576412"/>
+          </a:xfrm>
+          <a:prstGeom prst="rect">
+            <a:avLst/>
+          </a:prstGeom>
+          <a:gradFill>
+            <a:gsLst>
+              <a:gs pos="19000">
+                <a:schemeClr val="accent1">
+                  <a:lumMod val="50000"/>
+                  <a:alpha val="68000"/>
+                </a:schemeClr>
+              </a:gs>
+              <a:gs pos="100000">
+                <a:schemeClr val="accent1">
+                  <a:alpha val="79000"/>
+                </a:schemeClr>
+              </a:gs>
+            </a:gsLst>
+            <a:lin ang="19200000" scaled="0"/>
+          </a:gradFill>
+          <a:ln>
+            <a:noFill/>
+          </a:ln>
+        </p:spPr>
+        <p:style>
+          <a:lnRef idx="2">
+            <a:schemeClr val="accent1">
+              <a:shade val="50000"/>
+            </a:schemeClr>
+          </a:lnRef>
+          <a:fillRef idx="1">
+            <a:schemeClr val="accent1"/>
+          </a:fillRef>
+          <a:effectRef idx="0">
+            <a:schemeClr val="accent1"/>
+          </a:effectRef>
+          <a:fontRef idx="minor">
+            <a:schemeClr val="lt1"/>
+          </a:fontRef>
+        </p:style>
+        <p:txBody>
+          <a:bodyPr rtlCol="0" anchor="ctr"/>
+          <a:lstStyle/>
+          <a:p>
+            <a:pPr algn="ctr"/>
+            <a:endParaRPr lang="en-US"/>
+          </a:p>
+        </p:txBody>
+      </p:sp>
+      <p:sp>
+        <p:nvSpPr>
+          <p:cNvPr id="15" name="Rectangle 14">
+            <a:extLst>
+              <a:ext uri="{FF2B5EF4-FFF2-40B4-BE49-F238E27FC236}">
+                <a16:creationId xmlns:a16="http://schemas.microsoft.com/office/drawing/2014/main" id="{063BBA22-50EA-4C4D-BE05-F1CE4E63AA56}"/>
+              </a:ext>
+              <a:ext uri="{C183D7F6-B498-43B3-948B-1728B52AA6E4}">
+                <adec:decorative xmlns:adec="http://schemas.microsoft.com/office/drawing/2017/decorative" val="1"/>
+              </a:ext>
+            </a:extLst>
+          </p:cNvPr>
+          <p:cNvSpPr>
+            <a:spLocks noGrp="1" noRot="1" noChangeAspect="1" noMove="1" noResize="1" noEditPoints="1" noAdjustHandles="1" noChangeArrowheads="1" noChangeShapeType="1" noTextEdit="1"/>
+          </p:cNvSpPr>
+          <p:nvPr>
+            <p:extLst>
+              <p:ext uri="{386F3935-93C4-4BCD-93E2-E3B085C9AB24}">
+                <p16:designElem xmlns:p16="http://schemas.microsoft.com/office/powerpoint/2015/main" val="1"/>
+              </p:ext>
+            </p:extLst>
+          </p:nvPr>
+        </p:nvSpPr>
+        <p:spPr>
+          <a:xfrm rot="5400000">
+            <a:off x="5307777" y="-5307778"/>
+            <a:ext cx="1576446" cy="12192002"/>
+          </a:xfrm>
+          <a:prstGeom prst="rect">
+            <a:avLst/>
+          </a:prstGeom>
+          <a:gradFill>
+            <a:gsLst>
+              <a:gs pos="23000">
+                <a:schemeClr val="accent1">
+                  <a:alpha val="0"/>
+                </a:schemeClr>
+              </a:gs>
+              <a:gs pos="99000">
+                <a:srgbClr val="000000">
+                  <a:alpha val="74000"/>
+                </a:srgbClr>
+              </a:gs>
+            </a:gsLst>
+            <a:lin ang="20400000" scaled="0"/>
+          </a:gradFill>
+          <a:ln>
+            <a:noFill/>
+          </a:ln>
+        </p:spPr>
+        <p:style>
+          <a:lnRef idx="2">
+            <a:schemeClr val="accent1">
+              <a:shade val="50000"/>
+            </a:schemeClr>
+          </a:lnRef>
+          <a:fillRef idx="1">
+            <a:schemeClr val="accent1"/>
+          </a:fillRef>
+          <a:effectRef idx="0">
+            <a:schemeClr val="accent1"/>
+          </a:effectRef>
+          <a:fontRef idx="minor">
+            <a:schemeClr val="lt1"/>
+          </a:fontRef>
+        </p:style>
+        <p:txBody>
+          <a:bodyPr rtlCol="0" anchor="ctr"/>
+          <a:lstStyle/>
+          <a:p>
+            <a:pPr algn="ctr"/>
+            <a:endParaRPr lang="en-US" dirty="0"/>
+          </a:p>
+        </p:txBody>
+      </p:sp>
+      <p:sp>
+        <p:nvSpPr>
+          <p:cNvPr id="2" name="Título 1">
+            <a:extLst>
+              <a:ext uri="{FF2B5EF4-FFF2-40B4-BE49-F238E27FC236}">
+                <a16:creationId xmlns:a16="http://schemas.microsoft.com/office/drawing/2014/main" id="{2ACBD37B-9421-944A-BC2F-5F0DE4CE19B2}"/>
+              </a:ext>
+            </a:extLst>
+          </p:cNvPr>
+          <p:cNvSpPr>
+            <a:spLocks noGrp="1"/>
+          </p:cNvSpPr>
+          <p:nvPr>
+            <p:ph type="title"/>
+          </p:nvPr>
+        </p:nvSpPr>
+        <p:spPr>
+          <a:xfrm>
+            <a:off x="1371597" y="348865"/>
+            <a:ext cx="10044023" cy="877729"/>
+          </a:xfrm>
+        </p:spPr>
+        <p:txBody>
+          <a:bodyPr anchor="ctr">
+            <a:normAutofit/>
+          </a:bodyPr>
+          <a:lstStyle/>
+          <a:p>
+            <a:r>
+              <a:rPr lang="es-CO" sz="4000" dirty="0" err="1">
+                <a:solidFill>
+                  <a:srgbClr val="FFFFFF"/>
+                </a:solidFill>
+              </a:rPr>
+              <a:t>Event</a:t>
+            </a:r>
+            <a:r>
+              <a:rPr lang="es-CO" sz="4000" dirty="0">
+                <a:solidFill>
+                  <a:srgbClr val="FFFFFF"/>
+                </a:solidFill>
+              </a:rPr>
+              <a:t> C#</a:t>
+            </a:r>
+            <a:endParaRPr lang="es-ES" sz="4000" dirty="0">
+              <a:solidFill>
+                <a:srgbClr val="FFFFFF"/>
+              </a:solidFill>
+            </a:endParaRPr>
+          </a:p>
+        </p:txBody>
+      </p:sp>
+      <p:graphicFrame>
+        <p:nvGraphicFramePr>
+          <p:cNvPr id="5" name="Marcador de contenido 2">
+            <a:extLst>
+              <a:ext uri="{FF2B5EF4-FFF2-40B4-BE49-F238E27FC236}">
+                <a16:creationId xmlns:a16="http://schemas.microsoft.com/office/drawing/2014/main" id="{591E0968-941C-7960-DC49-FA397F19DC74}"/>
+              </a:ext>
+            </a:extLst>
+          </p:cNvPr>
+          <p:cNvGraphicFramePr>
+            <a:graphicFrameLocks noGrp="1"/>
+          </p:cNvGraphicFramePr>
+          <p:nvPr>
+            <p:ph idx="1"/>
+          </p:nvPr>
+        </p:nvGraphicFramePr>
+        <p:xfrm>
+          <a:off x="12647808" y="2846200"/>
+          <a:ext cx="2137243" cy="802071"/>
+        </p:xfrm>
+        <a:graphic>
+          <a:graphicData uri="http://schemas.openxmlformats.org/drawingml/2006/diagram">
+            <dgm:relIds xmlns:dgm="http://schemas.openxmlformats.org/drawingml/2006/diagram" xmlns:r="http://schemas.openxmlformats.org/officeDocument/2006/relationships" r:dm="rId2" r:lo="rId3" r:qs="rId4" r:cs="rId5"/>
+          </a:graphicData>
+        </a:graphic>
+      </p:graphicFrame>
+      <p:pic>
+        <p:nvPicPr>
+          <p:cNvPr id="10" name="Imagen 9">
+            <a:extLst>
+              <a:ext uri="{FF2B5EF4-FFF2-40B4-BE49-F238E27FC236}">
+                <a16:creationId xmlns:a16="http://schemas.microsoft.com/office/drawing/2014/main" id="{75C65E3C-3CDA-46B3-818F-10C8294B2EFB}"/>
+              </a:ext>
+            </a:extLst>
+          </p:cNvPr>
+          <p:cNvPicPr>
+            <a:picLocks noChangeAspect="1"/>
+          </p:cNvPicPr>
+          <p:nvPr/>
+        </p:nvPicPr>
+        <p:blipFill>
+          <a:blip r:embed="rId7"/>
+          <a:stretch>
+            <a:fillRect/>
+          </a:stretch>
+        </p:blipFill>
+        <p:spPr>
+          <a:xfrm>
+            <a:off x="2822150" y="1703410"/>
+            <a:ext cx="5967887" cy="5026643"/>
+          </a:xfrm>
+          <a:prstGeom prst="rect">
+            <a:avLst/>
+          </a:prstGeom>
+        </p:spPr>
+      </p:pic>
+    </p:spTree>
+    <p:extLst>
+      <p:ext uri="{BB962C8B-B14F-4D97-AF65-F5344CB8AC3E}">
+        <p14:creationId xmlns:p14="http://schemas.microsoft.com/office/powerpoint/2010/main" val="1068619785"/>
+      </p:ext>
+    </p:extLst>
+  </p:cSld>
+  <p:clrMapOvr>
+    <a:masterClrMapping/>
+  </p:clrMapOvr>
+  <mc:AlternateContent xmlns:mc="http://schemas.openxmlformats.org/markup-compatibility/2006">
+    <mc:Choice xmlns:p15="http://schemas.microsoft.com/office/powerpoint/2012/main" Requires="p15">
+      <p:transition xmlns:p14="http://schemas.microsoft.com/office/powerpoint/2010/main" spd="slow" p14:dur="2000">
+        <p15:prstTrans prst="drape"/>
+      </p:transition>
+    </mc:Choice>
+    <mc:Fallback>
+      <p:transition spd="slow">
+        <p:fade/>
+      </p:transition>
+    </mc:Fallback>
+  </mc:AlternateContent>
+</p:sld>
+</file>
+
+<file path=ppt/slides/slide6.xml><?xml version="1.0" encoding="utf-8"?>
 <p:sld xmlns:a="http://schemas.openxmlformats.org/drawingml/2006/main" xmlns:r="http://schemas.openxmlformats.org/officeDocument/2006/relationships" xmlns:p="http://schemas.openxmlformats.org/presentationml/2006/main">
   <p:cSld>
     <p:bg>
@@ -19880,7 +26727,7 @@
 </p:sld>
 </file>
 
-<file path=ppt/slides/slide5.xml><?xml version="1.0" encoding="utf-8"?>
+<file path=ppt/slides/slide7.xml><?xml version="1.0" encoding="utf-8"?>
 <p:sld xmlns:a="http://schemas.openxmlformats.org/drawingml/2006/main" xmlns:r="http://schemas.openxmlformats.org/officeDocument/2006/relationships" xmlns:p="http://schemas.openxmlformats.org/presentationml/2006/main">
   <p:cSld>
     <p:bg>
@@ -20302,7 +27149,7 @@
 </p:sld>
 </file>
 
-<file path=ppt/slides/slide6.xml><?xml version="1.0" encoding="utf-8"?>
+<file path=ppt/slides/slide8.xml><?xml version="1.0" encoding="utf-8"?>
 <p:sld xmlns:a="http://schemas.openxmlformats.org/drawingml/2006/main" xmlns:r="http://schemas.openxmlformats.org/officeDocument/2006/relationships" xmlns:p="http://schemas.openxmlformats.org/presentationml/2006/main">
   <p:cSld>
     <p:bg>
@@ -20912,7 +27759,7 @@
 </p:sld>
 </file>
 
-<file path=ppt/slides/slide7.xml><?xml version="1.0" encoding="utf-8"?>
+<file path=ppt/slides/slide9.xml><?xml version="1.0" encoding="utf-8"?>
 <p:sld xmlns:a="http://schemas.openxmlformats.org/drawingml/2006/main" xmlns:r="http://schemas.openxmlformats.org/officeDocument/2006/relationships" xmlns:p="http://schemas.openxmlformats.org/presentationml/2006/main">
   <p:cSld>
     <p:bg>
@@ -21328,830 +28175,6 @@
     <mc:Choice Requires="p15">
       <p:transition xmlns:p14="http://schemas.microsoft.com/office/powerpoint/2010/main" spd="slow" p14:dur="3250">
         <p15:prstTrans prst="origami"/>
-      </p:transition>
-    </mc:Choice>
-    <mc:Fallback xmlns="">
-      <p:transition spd="slow">
-        <p:fade/>
-      </p:transition>
-    </mc:Fallback>
-  </mc:AlternateContent>
-</p:sld>
-</file>
-
-<file path=ppt/slides/slide8.xml><?xml version="1.0" encoding="utf-8"?>
-<p:sld xmlns:a="http://schemas.openxmlformats.org/drawingml/2006/main" xmlns:r="http://schemas.openxmlformats.org/officeDocument/2006/relationships" xmlns:p="http://schemas.openxmlformats.org/presentationml/2006/main">
-  <p:cSld>
-    <p:spTree>
-      <p:nvGrpSpPr>
-        <p:cNvPr id="1" name=""/>
-        <p:cNvGrpSpPr/>
-        <p:nvPr/>
-      </p:nvGrpSpPr>
-      <p:grpSpPr>
-        <a:xfrm>
-          <a:off x="0" y="0"/>
-          <a:ext cx="0" cy="0"/>
-          <a:chOff x="0" y="0"/>
-          <a:chExt cx="0" cy="0"/>
-        </a:xfrm>
-      </p:grpSpPr>
-      <p:sp>
-        <p:nvSpPr>
-          <p:cNvPr id="2" name="Título 1">
-            <a:extLst>
-              <a:ext uri="{FF2B5EF4-FFF2-40B4-BE49-F238E27FC236}">
-                <a16:creationId xmlns:a16="http://schemas.microsoft.com/office/drawing/2014/main" id="{DBA034C8-5124-580F-76C7-19523DAF5B57}"/>
-              </a:ext>
-            </a:extLst>
-          </p:cNvPr>
-          <p:cNvSpPr>
-            <a:spLocks noGrp="1"/>
-          </p:cNvSpPr>
-          <p:nvPr>
-            <p:ph type="title"/>
-          </p:nvPr>
-        </p:nvSpPr>
-        <p:spPr/>
-        <p:txBody>
-          <a:bodyPr/>
-          <a:lstStyle/>
-          <a:p>
-            <a:r>
-              <a:rPr lang="es-CO" dirty="0"/>
-              <a:t>Patrón de Diseño (</a:t>
-            </a:r>
-            <a:r>
-              <a:rPr lang="es-CO" dirty="0" err="1"/>
-              <a:t>Strategy</a:t>
-            </a:r>
-            <a:r>
-              <a:rPr lang="es-CO" dirty="0"/>
-              <a:t>):</a:t>
-            </a:r>
-            <a:endParaRPr lang="es-ES" dirty="0"/>
-          </a:p>
-        </p:txBody>
-      </p:sp>
-      <p:sp>
-        <p:nvSpPr>
-          <p:cNvPr id="3" name="Marcador de contenido 2">
-            <a:extLst>
-              <a:ext uri="{FF2B5EF4-FFF2-40B4-BE49-F238E27FC236}">
-                <a16:creationId xmlns:a16="http://schemas.microsoft.com/office/drawing/2014/main" id="{D60EFCCB-B474-4218-DEF3-90C2D1385C8E}"/>
-              </a:ext>
-            </a:extLst>
-          </p:cNvPr>
-          <p:cNvSpPr>
-            <a:spLocks noGrp="1"/>
-          </p:cNvSpPr>
-          <p:nvPr>
-            <p:ph idx="1"/>
-          </p:nvPr>
-        </p:nvSpPr>
-        <p:spPr>
-          <a:xfrm>
-            <a:off x="838200" y="1825625"/>
-            <a:ext cx="10515600" cy="1222375"/>
-          </a:xfrm>
-        </p:spPr>
-        <p:txBody>
-          <a:bodyPr>
-            <a:normAutofit lnSpcReduction="10000"/>
-          </a:bodyPr>
-          <a:lstStyle/>
-          <a:p>
-            <a:r>
-              <a:rPr lang="es-MX" dirty="0"/>
-              <a:t>El patrón de diseño </a:t>
-            </a:r>
-            <a:r>
-              <a:rPr lang="es-MX" dirty="0" err="1"/>
-              <a:t>Strategy</a:t>
-            </a:r>
-            <a:r>
-              <a:rPr lang="es-MX" dirty="0"/>
-              <a:t> es un patrón de comportamiento que permite definir una familia de algoritmos, encapsular cada uno de ellos y hacerlos intercambiables.</a:t>
-            </a:r>
-            <a:endParaRPr lang="es-ES" dirty="0"/>
-          </a:p>
-        </p:txBody>
-      </p:sp>
-      <p:sp>
-        <p:nvSpPr>
-          <p:cNvPr id="4" name="Título 1">
-            <a:extLst>
-              <a:ext uri="{FF2B5EF4-FFF2-40B4-BE49-F238E27FC236}">
-                <a16:creationId xmlns:a16="http://schemas.microsoft.com/office/drawing/2014/main" id="{1589F89B-8383-7548-32AB-F2B740EF8EEF}"/>
-              </a:ext>
-            </a:extLst>
-          </p:cNvPr>
-          <p:cNvSpPr txBox="1">
-            <a:spLocks/>
-          </p:cNvSpPr>
-          <p:nvPr/>
-        </p:nvSpPr>
-        <p:spPr>
-          <a:xfrm>
-            <a:off x="838200" y="3048000"/>
-            <a:ext cx="10515600" cy="1325563"/>
-          </a:xfrm>
-          <a:prstGeom prst="rect">
-            <a:avLst/>
-          </a:prstGeom>
-        </p:spPr>
-        <p:txBody>
-          <a:bodyPr vert="horz" lIns="91440" tIns="45720" rIns="91440" bIns="45720" rtlCol="0" anchor="ctr">
-            <a:normAutofit/>
-          </a:bodyPr>
-          <a:lstStyle>
-            <a:lvl1pPr algn="l" defTabSz="914400" rtl="0" eaLnBrk="1" latinLnBrk="0" hangingPunct="1">
-              <a:lnSpc>
-                <a:spcPct val="90000"/>
-              </a:lnSpc>
-              <a:spcBef>
-                <a:spcPct val="0"/>
-              </a:spcBef>
-              <a:buNone/>
-              <a:defRPr sz="4400" kern="1200">
-                <a:solidFill>
-                  <a:schemeClr val="tx1"/>
-                </a:solidFill>
-                <a:latin typeface="+mj-lt"/>
-                <a:ea typeface="+mj-ea"/>
-                <a:cs typeface="+mj-cs"/>
-              </a:defRPr>
-            </a:lvl1pPr>
-          </a:lstStyle>
-          <a:p>
-            <a:r>
-              <a:rPr lang="es-CO" dirty="0"/>
-              <a:t>Principio de Responsabilidad Única (SRP):</a:t>
-            </a:r>
-            <a:endParaRPr lang="es-ES" dirty="0"/>
-          </a:p>
-        </p:txBody>
-      </p:sp>
-      <p:sp>
-        <p:nvSpPr>
-          <p:cNvPr id="5" name="Marcador de contenido 2">
-            <a:extLst>
-              <a:ext uri="{FF2B5EF4-FFF2-40B4-BE49-F238E27FC236}">
-                <a16:creationId xmlns:a16="http://schemas.microsoft.com/office/drawing/2014/main" id="{244C968B-D255-486E-741E-16D86927B054}"/>
-              </a:ext>
-            </a:extLst>
-          </p:cNvPr>
-          <p:cNvSpPr txBox="1">
-            <a:spLocks/>
-          </p:cNvSpPr>
-          <p:nvPr/>
-        </p:nvSpPr>
-        <p:spPr>
-          <a:xfrm>
-            <a:off x="838200" y="4508500"/>
-            <a:ext cx="10515600" cy="1222375"/>
-          </a:xfrm>
-          <a:prstGeom prst="rect">
-            <a:avLst/>
-          </a:prstGeom>
-        </p:spPr>
-        <p:txBody>
-          <a:bodyPr vert="horz" lIns="91440" tIns="45720" rIns="91440" bIns="45720" rtlCol="0">
-            <a:normAutofit/>
-          </a:bodyPr>
-          <a:lstStyle>
-            <a:lvl1pPr marL="228600" indent="-228600" algn="l" defTabSz="914400" rtl="0" eaLnBrk="1" latinLnBrk="0" hangingPunct="1">
-              <a:lnSpc>
-                <a:spcPct val="90000"/>
-              </a:lnSpc>
-              <a:spcBef>
-                <a:spcPts val="1000"/>
-              </a:spcBef>
-              <a:buFont typeface="Arial" panose="020B0604020202020204" pitchFamily="34" charset="0"/>
-              <a:buChar char="•"/>
-              <a:defRPr sz="2800" kern="1200">
-                <a:solidFill>
-                  <a:schemeClr val="tx1"/>
-                </a:solidFill>
-                <a:latin typeface="+mn-lt"/>
-                <a:ea typeface="+mn-ea"/>
-                <a:cs typeface="+mn-cs"/>
-              </a:defRPr>
-            </a:lvl1pPr>
-            <a:lvl2pPr marL="685800" indent="-228600" algn="l" defTabSz="914400" rtl="0" eaLnBrk="1" latinLnBrk="0" hangingPunct="1">
-              <a:lnSpc>
-                <a:spcPct val="90000"/>
-              </a:lnSpc>
-              <a:spcBef>
-                <a:spcPts val="500"/>
-              </a:spcBef>
-              <a:buFont typeface="Arial" panose="020B0604020202020204" pitchFamily="34" charset="0"/>
-              <a:buChar char="•"/>
-              <a:defRPr sz="2400" kern="1200">
-                <a:solidFill>
-                  <a:schemeClr val="tx1"/>
-                </a:solidFill>
-                <a:latin typeface="+mn-lt"/>
-                <a:ea typeface="+mn-ea"/>
-                <a:cs typeface="+mn-cs"/>
-              </a:defRPr>
-            </a:lvl2pPr>
-            <a:lvl3pPr marL="1143000" indent="-228600" algn="l" defTabSz="914400" rtl="0" eaLnBrk="1" latinLnBrk="0" hangingPunct="1">
-              <a:lnSpc>
-                <a:spcPct val="90000"/>
-              </a:lnSpc>
-              <a:spcBef>
-                <a:spcPts val="500"/>
-              </a:spcBef>
-              <a:buFont typeface="Arial" panose="020B0604020202020204" pitchFamily="34" charset="0"/>
-              <a:buChar char="•"/>
-              <a:defRPr sz="2000" kern="1200">
-                <a:solidFill>
-                  <a:schemeClr val="tx1"/>
-                </a:solidFill>
-                <a:latin typeface="+mn-lt"/>
-                <a:ea typeface="+mn-ea"/>
-                <a:cs typeface="+mn-cs"/>
-              </a:defRPr>
-            </a:lvl3pPr>
-            <a:lvl4pPr marL="1600200" indent="-228600" algn="l" defTabSz="914400" rtl="0" eaLnBrk="1" latinLnBrk="0" hangingPunct="1">
-              <a:lnSpc>
-                <a:spcPct val="90000"/>
-              </a:lnSpc>
-              <a:spcBef>
-                <a:spcPts val="500"/>
-              </a:spcBef>
-              <a:buFont typeface="Arial" panose="020B0604020202020204" pitchFamily="34" charset="0"/>
-              <a:buChar char="•"/>
-              <a:defRPr sz="1800" kern="1200">
-                <a:solidFill>
-                  <a:schemeClr val="tx1"/>
-                </a:solidFill>
-                <a:latin typeface="+mn-lt"/>
-                <a:ea typeface="+mn-ea"/>
-                <a:cs typeface="+mn-cs"/>
-              </a:defRPr>
-            </a:lvl4pPr>
-            <a:lvl5pPr marL="2057400" indent="-228600" algn="l" defTabSz="914400" rtl="0" eaLnBrk="1" latinLnBrk="0" hangingPunct="1">
-              <a:lnSpc>
-                <a:spcPct val="90000"/>
-              </a:lnSpc>
-              <a:spcBef>
-                <a:spcPts val="500"/>
-              </a:spcBef>
-              <a:buFont typeface="Arial" panose="020B0604020202020204" pitchFamily="34" charset="0"/>
-              <a:buChar char="•"/>
-              <a:defRPr sz="1800" kern="1200">
-                <a:solidFill>
-                  <a:schemeClr val="tx1"/>
-                </a:solidFill>
-                <a:latin typeface="+mn-lt"/>
-                <a:ea typeface="+mn-ea"/>
-                <a:cs typeface="+mn-cs"/>
-              </a:defRPr>
-            </a:lvl5pPr>
-            <a:lvl6pPr marL="2514600" indent="-228600" algn="l" defTabSz="914400" rtl="0" eaLnBrk="1" latinLnBrk="0" hangingPunct="1">
-              <a:lnSpc>
-                <a:spcPct val="90000"/>
-              </a:lnSpc>
-              <a:spcBef>
-                <a:spcPts val="500"/>
-              </a:spcBef>
-              <a:buFont typeface="Arial" panose="020B0604020202020204" pitchFamily="34" charset="0"/>
-              <a:buChar char="•"/>
-              <a:defRPr sz="1800" kern="1200">
-                <a:solidFill>
-                  <a:schemeClr val="tx1"/>
-                </a:solidFill>
-                <a:latin typeface="+mn-lt"/>
-                <a:ea typeface="+mn-ea"/>
-                <a:cs typeface="+mn-cs"/>
-              </a:defRPr>
-            </a:lvl6pPr>
-            <a:lvl7pPr marL="2971800" indent="-228600" algn="l" defTabSz="914400" rtl="0" eaLnBrk="1" latinLnBrk="0" hangingPunct="1">
-              <a:lnSpc>
-                <a:spcPct val="90000"/>
-              </a:lnSpc>
-              <a:spcBef>
-                <a:spcPts val="500"/>
-              </a:spcBef>
-              <a:buFont typeface="Arial" panose="020B0604020202020204" pitchFamily="34" charset="0"/>
-              <a:buChar char="•"/>
-              <a:defRPr sz="1800" kern="1200">
-                <a:solidFill>
-                  <a:schemeClr val="tx1"/>
-                </a:solidFill>
-                <a:latin typeface="+mn-lt"/>
-                <a:ea typeface="+mn-ea"/>
-                <a:cs typeface="+mn-cs"/>
-              </a:defRPr>
-            </a:lvl7pPr>
-            <a:lvl8pPr marL="3429000" indent="-228600" algn="l" defTabSz="914400" rtl="0" eaLnBrk="1" latinLnBrk="0" hangingPunct="1">
-              <a:lnSpc>
-                <a:spcPct val="90000"/>
-              </a:lnSpc>
-              <a:spcBef>
-                <a:spcPts val="500"/>
-              </a:spcBef>
-              <a:buFont typeface="Arial" panose="020B0604020202020204" pitchFamily="34" charset="0"/>
-              <a:buChar char="•"/>
-              <a:defRPr sz="1800" kern="1200">
-                <a:solidFill>
-                  <a:schemeClr val="tx1"/>
-                </a:solidFill>
-                <a:latin typeface="+mn-lt"/>
-                <a:ea typeface="+mn-ea"/>
-                <a:cs typeface="+mn-cs"/>
-              </a:defRPr>
-            </a:lvl8pPr>
-            <a:lvl9pPr marL="3886200" indent="-228600" algn="l" defTabSz="914400" rtl="0" eaLnBrk="1" latinLnBrk="0" hangingPunct="1">
-              <a:lnSpc>
-                <a:spcPct val="90000"/>
-              </a:lnSpc>
-              <a:spcBef>
-                <a:spcPts val="500"/>
-              </a:spcBef>
-              <a:buFont typeface="Arial" panose="020B0604020202020204" pitchFamily="34" charset="0"/>
-              <a:buChar char="•"/>
-              <a:defRPr sz="1800" kern="1200">
-                <a:solidFill>
-                  <a:schemeClr val="tx1"/>
-                </a:solidFill>
-                <a:latin typeface="+mn-lt"/>
-                <a:ea typeface="+mn-ea"/>
-                <a:cs typeface="+mn-cs"/>
-              </a:defRPr>
-            </a:lvl9pPr>
-          </a:lstStyle>
-          <a:p>
-            <a:r>
-              <a:rPr lang="es-MX" dirty="0"/>
-              <a:t>El principio de responsabilidad única establece que una clase debe tener solo una razón para cambia.</a:t>
-            </a:r>
-          </a:p>
-          <a:p>
-            <a:pPr marL="0" indent="0">
-              <a:buNone/>
-            </a:pPr>
-            <a:endParaRPr lang="es-ES" dirty="0"/>
-          </a:p>
-        </p:txBody>
-      </p:sp>
-    </p:spTree>
-    <p:extLst>
-      <p:ext uri="{BB962C8B-B14F-4D97-AF65-F5344CB8AC3E}">
-        <p14:creationId xmlns:p14="http://schemas.microsoft.com/office/powerpoint/2010/main" val="1289437389"/>
-      </p:ext>
-    </p:extLst>
-  </p:cSld>
-  <p:clrMapOvr>
-    <a:masterClrMapping/>
-  </p:clrMapOvr>
-  <mc:AlternateContent xmlns:mc="http://schemas.openxmlformats.org/markup-compatibility/2006" xmlns:p14="http://schemas.microsoft.com/office/powerpoint/2010/main">
-    <mc:Choice Requires="p14">
-      <p:transition spd="slow" p14:dur="2500">
-        <p:checker/>
-      </p:transition>
-    </mc:Choice>
-    <mc:Fallback xmlns="">
-      <p:transition spd="slow">
-        <p:checker/>
-      </p:transition>
-    </mc:Fallback>
-  </mc:AlternateContent>
-</p:sld>
-</file>
-
-<file path=ppt/slides/slide9.xml><?xml version="1.0" encoding="utf-8"?>
-<p:sld xmlns:a="http://schemas.openxmlformats.org/drawingml/2006/main" xmlns:r="http://schemas.openxmlformats.org/officeDocument/2006/relationships" xmlns:p="http://schemas.openxmlformats.org/presentationml/2006/main">
-  <p:cSld>
-    <p:bg>
-      <p:bgPr>
-        <a:solidFill>
-          <a:schemeClr val="bg1"/>
-        </a:solidFill>
-        <a:effectLst/>
-      </p:bgPr>
-    </p:bg>
-    <p:spTree>
-      <p:nvGrpSpPr>
-        <p:cNvPr id="1" name=""/>
-        <p:cNvGrpSpPr/>
-        <p:nvPr/>
-      </p:nvGrpSpPr>
-      <p:grpSpPr>
-        <a:xfrm>
-          <a:off x="0" y="0"/>
-          <a:ext cx="0" cy="0"/>
-          <a:chOff x="0" y="0"/>
-          <a:chExt cx="0" cy="0"/>
-        </a:xfrm>
-      </p:grpSpPr>
-      <p:sp useBgFill="1">
-        <p:nvSpPr>
-          <p:cNvPr id="2055" name="Rectangle 2054">
-            <a:extLst>
-              <a:ext uri="{FF2B5EF4-FFF2-40B4-BE49-F238E27FC236}">
-                <a16:creationId xmlns:a16="http://schemas.microsoft.com/office/drawing/2014/main" id="{A8384FB5-9ADC-4DDC-881B-597D56F5B15D}"/>
-              </a:ext>
-              <a:ext uri="{C183D7F6-B498-43B3-948B-1728B52AA6E4}">
-                <adec:decorative xmlns:adec="http://schemas.microsoft.com/office/drawing/2017/decorative" val="1"/>
-              </a:ext>
-            </a:extLst>
-          </p:cNvPr>
-          <p:cNvSpPr>
-            <a:spLocks noGrp="1" noRot="1" noChangeAspect="1" noMove="1" noResize="1" noEditPoints="1" noAdjustHandles="1" noChangeArrowheads="1" noChangeShapeType="1" noTextEdit="1"/>
-          </p:cNvSpPr>
-          <p:nvPr>
-            <p:extLst>
-              <p:ext uri="{386F3935-93C4-4BCD-93E2-E3B085C9AB24}">
-                <p16:designElem xmlns:p16="http://schemas.microsoft.com/office/powerpoint/2015/main" val="1"/>
-              </p:ext>
-            </p:extLst>
-          </p:nvPr>
-        </p:nvSpPr>
-        <p:spPr>
-          <a:xfrm>
-            <a:off x="0" y="0"/>
-            <a:ext cx="12192000" cy="6858000"/>
-          </a:xfrm>
-          <a:prstGeom prst="rect">
-            <a:avLst/>
-          </a:prstGeom>
-          <a:ln w="12700" cap="flat" cmpd="sng" algn="ctr">
-            <a:noFill/>
-            <a:prstDash val="solid"/>
-            <a:miter lim="800000"/>
-          </a:ln>
-          <a:effectLst/>
-          <a:extLst>
-            <a:ext uri="{91240B29-F687-4F45-9708-019B960494DF}">
-              <a14:hiddenLine xmlns:a14="http://schemas.microsoft.com/office/drawing/2010/main" w="12700" cap="flat" cmpd="sng" algn="ctr">
-                <a:solidFill>
-                  <a:schemeClr val="accent1">
-                    <a:shade val="50000"/>
-                  </a:schemeClr>
-                </a:solidFill>
-                <a:prstDash val="solid"/>
-                <a:miter lim="800000"/>
-              </a14:hiddenLine>
-            </a:ext>
-          </a:extLst>
-        </p:spPr>
-        <p:style>
-          <a:lnRef idx="2">
-            <a:schemeClr val="accent1">
-              <a:shade val="50000"/>
-            </a:schemeClr>
-          </a:lnRef>
-          <a:fillRef idx="1">
-            <a:schemeClr val="accent1"/>
-          </a:fillRef>
-          <a:effectRef idx="0">
-            <a:schemeClr val="accent1"/>
-          </a:effectRef>
-          <a:fontRef idx="minor">
-            <a:schemeClr val="lt1"/>
-          </a:fontRef>
-        </p:style>
-        <p:txBody>
-          <a:bodyPr rtlCol="0" anchor="ctr"/>
-          <a:lstStyle/>
-          <a:p>
-            <a:pPr algn="ctr"/>
-            <a:endParaRPr lang="en-US"/>
-          </a:p>
-        </p:txBody>
-      </p:sp>
-      <p:sp>
-        <p:nvSpPr>
-          <p:cNvPr id="2057" name="Rectangle 2056">
-            <a:extLst>
-              <a:ext uri="{FF2B5EF4-FFF2-40B4-BE49-F238E27FC236}">
-                <a16:creationId xmlns:a16="http://schemas.microsoft.com/office/drawing/2014/main" id="{1199E1B1-A8C0-4FE8-A5A8-1CB41D69F857}"/>
-              </a:ext>
-              <a:ext uri="{C183D7F6-B498-43B3-948B-1728B52AA6E4}">
-                <adec:decorative xmlns:adec="http://schemas.microsoft.com/office/drawing/2017/decorative" val="1"/>
-              </a:ext>
-            </a:extLst>
-          </p:cNvPr>
-          <p:cNvSpPr>
-            <a:spLocks noGrp="1" noRot="1" noChangeAspect="1" noMove="1" noResize="1" noEditPoints="1" noAdjustHandles="1" noChangeArrowheads="1" noChangeShapeType="1" noTextEdit="1"/>
-          </p:cNvSpPr>
-          <p:nvPr>
-            <p:extLst>
-              <p:ext uri="{386F3935-93C4-4BCD-93E2-E3B085C9AB24}">
-                <p16:designElem xmlns:p16="http://schemas.microsoft.com/office/powerpoint/2015/main" val="1"/>
-              </p:ext>
-            </p:extLst>
-          </p:nvPr>
-        </p:nvSpPr>
-        <p:spPr>
-          <a:xfrm rot="10800000" flipH="1">
-            <a:off x="2" y="0"/>
-            <a:ext cx="12191998" cy="1575955"/>
-          </a:xfrm>
-          <a:prstGeom prst="rect">
-            <a:avLst/>
-          </a:prstGeom>
-          <a:gradFill>
-            <a:gsLst>
-              <a:gs pos="0">
-                <a:srgbClr val="000000">
-                  <a:alpha val="96000"/>
-                </a:srgbClr>
-              </a:gs>
-              <a:gs pos="100000">
-                <a:schemeClr val="accent1">
-                  <a:lumMod val="75000"/>
-                </a:schemeClr>
-              </a:gs>
-            </a:gsLst>
-            <a:lin ang="6000000" scaled="0"/>
-          </a:gradFill>
-          <a:ln>
-            <a:noFill/>
-          </a:ln>
-        </p:spPr>
-        <p:style>
-          <a:lnRef idx="2">
-            <a:schemeClr val="accent1">
-              <a:shade val="50000"/>
-            </a:schemeClr>
-          </a:lnRef>
-          <a:fillRef idx="1">
-            <a:schemeClr val="accent1"/>
-          </a:fillRef>
-          <a:effectRef idx="0">
-            <a:schemeClr val="accent1"/>
-          </a:effectRef>
-          <a:fontRef idx="minor">
-            <a:schemeClr val="lt1"/>
-          </a:fontRef>
-        </p:style>
-        <p:txBody>
-          <a:bodyPr rtlCol="0" anchor="ctr"/>
-          <a:lstStyle/>
-          <a:p>
-            <a:pPr algn="ctr"/>
-            <a:endParaRPr lang="en-US"/>
-          </a:p>
-        </p:txBody>
-      </p:sp>
-      <p:sp>
-        <p:nvSpPr>
-          <p:cNvPr id="2059" name="Rectangle 2058">
-            <a:extLst>
-              <a:ext uri="{FF2B5EF4-FFF2-40B4-BE49-F238E27FC236}">
-                <a16:creationId xmlns:a16="http://schemas.microsoft.com/office/drawing/2014/main" id="{84A8DE83-DE75-4B41-9DB4-A7EC0B0DEC0B}"/>
-              </a:ext>
-              <a:ext uri="{C183D7F6-B498-43B3-948B-1728B52AA6E4}">
-                <adec:decorative xmlns:adec="http://schemas.microsoft.com/office/drawing/2017/decorative" val="1"/>
-              </a:ext>
-            </a:extLst>
-          </p:cNvPr>
-          <p:cNvSpPr>
-            <a:spLocks noGrp="1" noRot="1" noChangeAspect="1" noMove="1" noResize="1" noEditPoints="1" noAdjustHandles="1" noChangeArrowheads="1" noChangeShapeType="1" noTextEdit="1"/>
-          </p:cNvSpPr>
-          <p:nvPr>
-            <p:extLst>
-              <p:ext uri="{386F3935-93C4-4BCD-93E2-E3B085C9AB24}">
-                <p16:designElem xmlns:p16="http://schemas.microsoft.com/office/powerpoint/2015/main" val="1"/>
-              </p:ext>
-            </p:extLst>
-          </p:nvPr>
-        </p:nvSpPr>
-        <p:spPr>
-          <a:xfrm>
-            <a:off x="0" y="0"/>
-            <a:ext cx="8128856" cy="1575461"/>
-          </a:xfrm>
-          <a:prstGeom prst="rect">
-            <a:avLst/>
-          </a:prstGeom>
-          <a:gradFill>
-            <a:gsLst>
-              <a:gs pos="0">
-                <a:schemeClr val="accent1">
-                  <a:alpha val="41000"/>
-                </a:schemeClr>
-              </a:gs>
-              <a:gs pos="74000">
-                <a:schemeClr val="accent1">
-                  <a:lumMod val="60000"/>
-                  <a:lumOff val="40000"/>
-                  <a:alpha val="0"/>
-                </a:schemeClr>
-              </a:gs>
-            </a:gsLst>
-            <a:lin ang="8400000" scaled="0"/>
-          </a:gradFill>
-          <a:ln>
-            <a:noFill/>
-          </a:ln>
-        </p:spPr>
-        <p:style>
-          <a:lnRef idx="2">
-            <a:schemeClr val="accent1">
-              <a:shade val="50000"/>
-            </a:schemeClr>
-          </a:lnRef>
-          <a:fillRef idx="1">
-            <a:schemeClr val="accent1"/>
-          </a:fillRef>
-          <a:effectRef idx="0">
-            <a:schemeClr val="accent1"/>
-          </a:effectRef>
-          <a:fontRef idx="minor">
-            <a:schemeClr val="lt1"/>
-          </a:fontRef>
-        </p:style>
-        <p:txBody>
-          <a:bodyPr rtlCol="0" anchor="ctr"/>
-          <a:lstStyle/>
-          <a:p>
-            <a:pPr algn="ctr"/>
-            <a:endParaRPr lang="en-US"/>
-          </a:p>
-        </p:txBody>
-      </p:sp>
-      <p:sp>
-        <p:nvSpPr>
-          <p:cNvPr id="2061" name="Rectangle 2060">
-            <a:extLst>
-              <a:ext uri="{FF2B5EF4-FFF2-40B4-BE49-F238E27FC236}">
-                <a16:creationId xmlns:a16="http://schemas.microsoft.com/office/drawing/2014/main" id="{A7009A0A-BEF5-4EAC-AF15-E4F9F002E239}"/>
-              </a:ext>
-              <a:ext uri="{C183D7F6-B498-43B3-948B-1728B52AA6E4}">
-                <adec:decorative xmlns:adec="http://schemas.microsoft.com/office/drawing/2017/decorative" val="1"/>
-              </a:ext>
-            </a:extLst>
-          </p:cNvPr>
-          <p:cNvSpPr>
-            <a:spLocks noGrp="1" noRot="1" noChangeAspect="1" noMove="1" noResize="1" noEditPoints="1" noAdjustHandles="1" noChangeArrowheads="1" noChangeShapeType="1" noTextEdit="1"/>
-          </p:cNvSpPr>
-          <p:nvPr>
-            <p:extLst>
-              <p:ext uri="{386F3935-93C4-4BCD-93E2-E3B085C9AB24}">
-                <p16:designElem xmlns:p16="http://schemas.microsoft.com/office/powerpoint/2015/main" val="1"/>
-              </p:ext>
-            </p:extLst>
-          </p:nvPr>
-        </p:nvSpPr>
-        <p:spPr>
-          <a:xfrm flipH="1">
-            <a:off x="-3" y="-1"/>
-            <a:ext cx="12192002" cy="1574311"/>
-          </a:xfrm>
-          <a:prstGeom prst="rect">
-            <a:avLst/>
-          </a:prstGeom>
-          <a:gradFill>
-            <a:gsLst>
-              <a:gs pos="0">
-                <a:srgbClr val="000000">
-                  <a:alpha val="63000"/>
-                </a:srgbClr>
-              </a:gs>
-              <a:gs pos="78000">
-                <a:schemeClr val="accent1">
-                  <a:alpha val="15000"/>
-                </a:schemeClr>
-              </a:gs>
-            </a:gsLst>
-            <a:lin ang="15600000" scaled="0"/>
-          </a:gradFill>
-          <a:ln>
-            <a:noFill/>
-          </a:ln>
-        </p:spPr>
-        <p:style>
-          <a:lnRef idx="2">
-            <a:schemeClr val="accent1">
-              <a:shade val="50000"/>
-            </a:schemeClr>
-          </a:lnRef>
-          <a:fillRef idx="1">
-            <a:schemeClr val="accent1"/>
-          </a:fillRef>
-          <a:effectRef idx="0">
-            <a:schemeClr val="accent1"/>
-          </a:effectRef>
-          <a:fontRef idx="minor">
-            <a:schemeClr val="lt1"/>
-          </a:fontRef>
-        </p:style>
-        <p:txBody>
-          <a:bodyPr rtlCol="0" anchor="ctr"/>
-          <a:lstStyle/>
-          <a:p>
-            <a:pPr algn="ctr"/>
-            <a:endParaRPr lang="en-US"/>
-          </a:p>
-        </p:txBody>
-      </p:sp>
-      <p:sp>
-        <p:nvSpPr>
-          <p:cNvPr id="2" name="Título 1">
-            <a:extLst>
-              <a:ext uri="{FF2B5EF4-FFF2-40B4-BE49-F238E27FC236}">
-                <a16:creationId xmlns:a16="http://schemas.microsoft.com/office/drawing/2014/main" id="{9B2594E6-7212-20CD-338A-1C52F7F868FE}"/>
-              </a:ext>
-            </a:extLst>
-          </p:cNvPr>
-          <p:cNvSpPr>
-            <a:spLocks noGrp="1"/>
-          </p:cNvSpPr>
-          <p:nvPr>
-            <p:ph type="title"/>
-          </p:nvPr>
-        </p:nvSpPr>
-        <p:spPr>
-          <a:xfrm>
-            <a:off x="699713" y="248038"/>
-            <a:ext cx="7063721" cy="1159200"/>
-          </a:xfrm>
-        </p:spPr>
-        <p:txBody>
-          <a:bodyPr vert="horz" lIns="91440" tIns="45720" rIns="91440" bIns="45720" rtlCol="0" anchor="ctr">
-            <a:normAutofit/>
-          </a:bodyPr>
-          <a:lstStyle/>
-          <a:p>
-            <a:r>
-              <a:rPr lang="en-US" sz="4000" kern="1200">
-                <a:solidFill>
-                  <a:srgbClr val="FFFFFF"/>
-                </a:solidFill>
-                <a:latin typeface="+mj-lt"/>
-                <a:ea typeface="+mj-ea"/>
-                <a:cs typeface="+mj-cs"/>
-              </a:rPr>
-              <a:t>Diagrama de Clases</a:t>
-            </a:r>
-          </a:p>
-        </p:txBody>
-      </p:sp>
-      <p:pic>
-        <p:nvPicPr>
-          <p:cNvPr id="2050" name="Picture 2">
-            <a:extLst>
-              <a:ext uri="{FF2B5EF4-FFF2-40B4-BE49-F238E27FC236}">
-                <a16:creationId xmlns:a16="http://schemas.microsoft.com/office/drawing/2014/main" id="{19035E85-61AD-9780-43F3-011B1010337A}"/>
-              </a:ext>
-            </a:extLst>
-          </p:cNvPr>
-          <p:cNvPicPr>
-            <a:picLocks noChangeAspect="1" noChangeArrowheads="1"/>
-          </p:cNvPicPr>
-          <p:nvPr/>
-        </p:nvPicPr>
-        <p:blipFill>
-          <a:blip r:embed="rId2">
-            <a:extLst>
-              <a:ext uri="{28A0092B-C50C-407E-A947-70E740481C1C}">
-                <a14:useLocalDpi xmlns:a14="http://schemas.microsoft.com/office/drawing/2010/main" val="0"/>
-              </a:ext>
-            </a:extLst>
-          </a:blip>
-          <a:stretch>
-            <a:fillRect/>
-          </a:stretch>
-        </p:blipFill>
-        <p:spPr bwMode="auto">
-          <a:xfrm>
-            <a:off x="1334330" y="1966293"/>
-            <a:ext cx="9523339" cy="4452160"/>
-          </a:xfrm>
-          <a:prstGeom prst="rect">
-            <a:avLst/>
-          </a:prstGeom>
-          <a:noFill/>
-          <a:extLst>
-            <a:ext uri="{909E8E84-426E-40DD-AFC4-6F175D3DCCD1}">
-              <a14:hiddenFill xmlns:a14="http://schemas.microsoft.com/office/drawing/2010/main">
-                <a:solidFill>
-                  <a:srgbClr val="FFFFFF"/>
-                </a:solidFill>
-              </a14:hiddenFill>
-            </a:ext>
-          </a:extLst>
-        </p:spPr>
-      </p:pic>
-    </p:spTree>
-    <p:extLst>
-      <p:ext uri="{BB962C8B-B14F-4D97-AF65-F5344CB8AC3E}">
-        <p14:creationId xmlns:p14="http://schemas.microsoft.com/office/powerpoint/2010/main" val="1003276068"/>
-      </p:ext>
-    </p:extLst>
-  </p:cSld>
-  <p:clrMapOvr>
-    <a:masterClrMapping/>
-  </p:clrMapOvr>
-  <mc:AlternateContent xmlns:mc="http://schemas.openxmlformats.org/markup-compatibility/2006" xmlns:p15="http://schemas.microsoft.com/office/powerpoint/2012/main">
-    <mc:Choice Requires="p15">
-      <p:transition xmlns:p14="http://schemas.microsoft.com/office/powerpoint/2010/main" spd="slow" p14:dur="2000">
-        <p15:prstTrans prst="prestige"/>
       </p:transition>
     </mc:Choice>
     <mc:Fallback xmlns="">

--- a/Taller Nicolas Hoyos  y Mariana Gomez.pptx
+++ b/Taller Nicolas Hoyos  y Mariana Gomez.pptx
@@ -25163,13 +25163,13 @@
   <p:clrMapOvr>
     <a:masterClrMapping/>
   </p:clrMapOvr>
-  <mc:AlternateContent xmlns:mc="http://schemas.openxmlformats.org/markup-compatibility/2006">
-    <mc:Choice xmlns:p15="http://schemas.microsoft.com/office/powerpoint/2012/main" Requires="p15">
+  <mc:AlternateContent xmlns:mc="http://schemas.openxmlformats.org/markup-compatibility/2006" xmlns:p15="http://schemas.microsoft.com/office/powerpoint/2012/main">
+    <mc:Choice Requires="p15">
       <p:transition xmlns:p14="http://schemas.microsoft.com/office/powerpoint/2010/main" spd="slow" p14:dur="2000">
         <p15:prstTrans prst="drape"/>
       </p:transition>
     </mc:Choice>
-    <mc:Fallback>
+    <mc:Fallback xmlns="">
       <p:transition spd="slow">
         <p:fade/>
       </p:transition>
@@ -26154,13 +26154,13 @@
   <p:clrMapOvr>
     <a:masterClrMapping/>
   </p:clrMapOvr>
-  <mc:AlternateContent xmlns:mc="http://schemas.openxmlformats.org/markup-compatibility/2006">
-    <mc:Choice xmlns:p15="http://schemas.microsoft.com/office/powerpoint/2012/main" Requires="p15">
+  <mc:AlternateContent xmlns:mc="http://schemas.openxmlformats.org/markup-compatibility/2006" xmlns:p15="http://schemas.microsoft.com/office/powerpoint/2012/main">
+    <mc:Choice Requires="p15">
       <p:transition xmlns:p14="http://schemas.microsoft.com/office/powerpoint/2010/main" spd="slow" p14:dur="2000">
         <p15:prstTrans prst="drape"/>
       </p:transition>
     </mc:Choice>
-    <mc:Fallback>
+    <mc:Fallback xmlns="">
       <p:transition spd="slow">
         <p:fade/>
       </p:transition>
@@ -26684,7 +26684,7 @@
         </p:blipFill>
         <p:spPr bwMode="auto">
           <a:xfrm>
-            <a:off x="427065" y="3740715"/>
+            <a:off x="764753" y="3779828"/>
             <a:ext cx="2394794" cy="2394794"/>
           </a:xfrm>
           <a:prstGeom prst="rect">
@@ -26700,6 +26700,100 @@
               </a14:hiddenFill>
             </a:ext>
           </a:extLst>
+        </p:spPr>
+      </p:pic>
+      <p:sp>
+        <p:nvSpPr>
+          <p:cNvPr id="14" name="CuadroTexto 13">
+            <a:extLst>
+              <a:ext uri="{FF2B5EF4-FFF2-40B4-BE49-F238E27FC236}">
+                <a16:creationId xmlns:a16="http://schemas.microsoft.com/office/drawing/2014/main" id="{60DDF31F-060F-4868-971A-293B2902D4CC}"/>
+              </a:ext>
+            </a:extLst>
+          </p:cNvPr>
+          <p:cNvSpPr txBox="1"/>
+          <p:nvPr/>
+        </p:nvSpPr>
+        <p:spPr>
+          <a:xfrm>
+            <a:off x="1962150" y="3244334"/>
+            <a:ext cx="6819900" cy="369332"/>
+          </a:xfrm>
+          <a:prstGeom prst="rect">
+            <a:avLst/>
+          </a:prstGeom>
+          <a:noFill/>
+        </p:spPr>
+        <p:txBody>
+          <a:bodyPr wrap="square">
+            <a:spAutoFit/>
+          </a:bodyPr>
+          <a:lstStyle/>
+          <a:p>
+            <a:endParaRPr lang="es-CO" dirty="0"/>
+          </a:p>
+        </p:txBody>
+      </p:sp>
+      <p:sp>
+        <p:nvSpPr>
+          <p:cNvPr id="16" name="CuadroTexto 15">
+            <a:extLst>
+              <a:ext uri="{FF2B5EF4-FFF2-40B4-BE49-F238E27FC236}">
+                <a16:creationId xmlns:a16="http://schemas.microsoft.com/office/drawing/2014/main" id="{4AF0BF4A-3823-4F29-A191-7F897DC1BE23}"/>
+              </a:ext>
+            </a:extLst>
+          </p:cNvPr>
+          <p:cNvSpPr txBox="1"/>
+          <p:nvPr/>
+        </p:nvSpPr>
+        <p:spPr>
+          <a:xfrm>
+            <a:off x="1962150" y="3244334"/>
+            <a:ext cx="6819900" cy="369332"/>
+          </a:xfrm>
+          <a:prstGeom prst="rect">
+            <a:avLst/>
+          </a:prstGeom>
+          <a:noFill/>
+        </p:spPr>
+        <p:txBody>
+          <a:bodyPr wrap="square">
+            <a:spAutoFit/>
+          </a:bodyPr>
+          <a:lstStyle/>
+          <a:p>
+            <a:endParaRPr lang="es-CO" dirty="0"/>
+          </a:p>
+        </p:txBody>
+      </p:sp>
+      <p:pic>
+        <p:nvPicPr>
+          <p:cNvPr id="7" name="Imagen 6">
+            <a:extLst>
+              <a:ext uri="{FF2B5EF4-FFF2-40B4-BE49-F238E27FC236}">
+                <a16:creationId xmlns:a16="http://schemas.microsoft.com/office/drawing/2014/main" id="{F0F5CB88-2954-4C43-9129-7C5C593156F6}"/>
+              </a:ext>
+            </a:extLst>
+          </p:cNvPr>
+          <p:cNvPicPr>
+            <a:picLocks noChangeAspect="1"/>
+          </p:cNvPicPr>
+          <p:nvPr/>
+        </p:nvPicPr>
+        <p:blipFill>
+          <a:blip r:embed="rId8"/>
+          <a:stretch>
+            <a:fillRect/>
+          </a:stretch>
+        </p:blipFill>
+        <p:spPr>
+          <a:xfrm>
+            <a:off x="4764335" y="3863263"/>
+            <a:ext cx="6729043" cy="1760373"/>
+          </a:xfrm>
+          <a:prstGeom prst="rect">
+            <a:avLst/>
+          </a:prstGeom>
         </p:spPr>
       </p:pic>
     </p:spTree>

--- a/Taller Nicolas Hoyos  y Mariana Gomez.pptx
+++ b/Taller Nicolas Hoyos  y Mariana Gomez.pptx
@@ -5,7 +5,7 @@
     <p:sldMasterId id="2147483648" r:id="rId1"/>
   </p:sldMasterIdLst>
   <p:notesMasterIdLst>
-    <p:notesMasterId r:id="rId15"/>
+    <p:notesMasterId r:id="rId20"/>
   </p:notesMasterIdLst>
   <p:sldIdLst>
     <p:sldId id="256" r:id="rId2"/>
@@ -21,6 +21,11 @@
     <p:sldId id="261" r:id="rId12"/>
     <p:sldId id="262" r:id="rId13"/>
     <p:sldId id="263" r:id="rId14"/>
+    <p:sldId id="269" r:id="rId15"/>
+    <p:sldId id="271" r:id="rId16"/>
+    <p:sldId id="270" r:id="rId17"/>
+    <p:sldId id="273" r:id="rId18"/>
+    <p:sldId id="272" r:id="rId19"/>
   </p:sldIdLst>
   <p:sldSz cx="12192000" cy="6858000"/>
   <p:notesSz cx="6858000" cy="9144000"/>
@@ -125,6 +130,18 @@
     </p:ext>
   </p:extLst>
 </p:presentation>
+</file>
+
+<file path=ppt/commentAuthors.xml><?xml version="1.0" encoding="utf-8"?>
+<p:cmAuthorLst xmlns:a="http://schemas.openxmlformats.org/drawingml/2006/main" xmlns:r="http://schemas.openxmlformats.org/officeDocument/2006/relationships" xmlns:p="http://schemas.openxmlformats.org/presentationml/2006/main">
+  <p:cmAuthor id="1" name="Julián Gómez" initials="JG" lastIdx="1" clrIdx="0">
+    <p:extLst>
+      <p:ext uri="{19B8F6BF-5375-455C-9EA6-DF929625EA0E}">
+        <p15:presenceInfo xmlns:p15="http://schemas.microsoft.com/office/powerpoint/2012/main" userId="094f093288a156ba" providerId="Windows Live"/>
+      </p:ext>
+    </p:extLst>
+  </p:cmAuthor>
+</p:cmAuthorLst>
 </file>
 
 <file path=ppt/diagrams/colors1.xml><?xml version="1.0" encoding="utf-8"?>
@@ -24178,6 +24195,2373 @@
 </p:sld>
 </file>
 
+<file path=ppt/slides/slide14.xml><?xml version="1.0" encoding="utf-8"?>
+<p:sld xmlns:a="http://schemas.openxmlformats.org/drawingml/2006/main" xmlns:r="http://schemas.openxmlformats.org/officeDocument/2006/relationships" xmlns:p="http://schemas.openxmlformats.org/presentationml/2006/main">
+  <p:cSld>
+    <p:bg>
+      <p:bgPr>
+        <a:solidFill>
+          <a:schemeClr val="bg1"/>
+        </a:solidFill>
+        <a:effectLst/>
+      </p:bgPr>
+    </p:bg>
+    <p:spTree>
+      <p:nvGrpSpPr>
+        <p:cNvPr id="1" name=""/>
+        <p:cNvGrpSpPr/>
+        <p:nvPr/>
+      </p:nvGrpSpPr>
+      <p:grpSpPr>
+        <a:xfrm>
+          <a:off x="0" y="0"/>
+          <a:ext cx="0" cy="0"/>
+          <a:chOff x="0" y="0"/>
+          <a:chExt cx="0" cy="0"/>
+        </a:xfrm>
+      </p:grpSpPr>
+      <p:sp useBgFill="1">
+        <p:nvSpPr>
+          <p:cNvPr id="2055" name="Rectangle 2054">
+            <a:extLst>
+              <a:ext uri="{FF2B5EF4-FFF2-40B4-BE49-F238E27FC236}">
+                <a16:creationId xmlns:a16="http://schemas.microsoft.com/office/drawing/2014/main" id="{A8384FB5-9ADC-4DDC-881B-597D56F5B15D}"/>
+              </a:ext>
+              <a:ext uri="{C183D7F6-B498-43B3-948B-1728B52AA6E4}">
+                <adec:decorative xmlns:adec="http://schemas.microsoft.com/office/drawing/2017/decorative" val="1"/>
+              </a:ext>
+            </a:extLst>
+          </p:cNvPr>
+          <p:cNvSpPr>
+            <a:spLocks noGrp="1" noRot="1" noChangeAspect="1" noMove="1" noResize="1" noEditPoints="1" noAdjustHandles="1" noChangeArrowheads="1" noChangeShapeType="1" noTextEdit="1"/>
+          </p:cNvSpPr>
+          <p:nvPr>
+            <p:extLst>
+              <p:ext uri="{386F3935-93C4-4BCD-93E2-E3B085C9AB24}">
+                <p16:designElem xmlns:p16="http://schemas.microsoft.com/office/powerpoint/2015/main" val="1"/>
+              </p:ext>
+            </p:extLst>
+          </p:nvPr>
+        </p:nvSpPr>
+        <p:spPr>
+          <a:xfrm>
+            <a:off x="0" y="0"/>
+            <a:ext cx="12192000" cy="6858000"/>
+          </a:xfrm>
+          <a:prstGeom prst="rect">
+            <a:avLst/>
+          </a:prstGeom>
+          <a:ln w="12700" cap="flat" cmpd="sng" algn="ctr">
+            <a:noFill/>
+            <a:prstDash val="solid"/>
+            <a:miter lim="800000"/>
+          </a:ln>
+          <a:effectLst/>
+          <a:extLst>
+            <a:ext uri="{91240B29-F687-4F45-9708-019B960494DF}">
+              <a14:hiddenLine xmlns:a14="http://schemas.microsoft.com/office/drawing/2010/main" w="12700" cap="flat" cmpd="sng" algn="ctr">
+                <a:solidFill>
+                  <a:schemeClr val="accent1">
+                    <a:shade val="50000"/>
+                  </a:schemeClr>
+                </a:solidFill>
+                <a:prstDash val="solid"/>
+                <a:miter lim="800000"/>
+              </a14:hiddenLine>
+            </a:ext>
+          </a:extLst>
+        </p:spPr>
+        <p:style>
+          <a:lnRef idx="2">
+            <a:schemeClr val="accent1">
+              <a:shade val="50000"/>
+            </a:schemeClr>
+          </a:lnRef>
+          <a:fillRef idx="1">
+            <a:schemeClr val="accent1"/>
+          </a:fillRef>
+          <a:effectRef idx="0">
+            <a:schemeClr val="accent1"/>
+          </a:effectRef>
+          <a:fontRef idx="minor">
+            <a:schemeClr val="lt1"/>
+          </a:fontRef>
+        </p:style>
+        <p:txBody>
+          <a:bodyPr rtlCol="0" anchor="ctr"/>
+          <a:lstStyle/>
+          <a:p>
+            <a:pPr algn="ctr"/>
+            <a:endParaRPr lang="en-US"/>
+          </a:p>
+        </p:txBody>
+      </p:sp>
+      <p:sp>
+        <p:nvSpPr>
+          <p:cNvPr id="2057" name="Rectangle 2056">
+            <a:extLst>
+              <a:ext uri="{FF2B5EF4-FFF2-40B4-BE49-F238E27FC236}">
+                <a16:creationId xmlns:a16="http://schemas.microsoft.com/office/drawing/2014/main" id="{1199E1B1-A8C0-4FE8-A5A8-1CB41D69F857}"/>
+              </a:ext>
+              <a:ext uri="{C183D7F6-B498-43B3-948B-1728B52AA6E4}">
+                <adec:decorative xmlns:adec="http://schemas.microsoft.com/office/drawing/2017/decorative" val="1"/>
+              </a:ext>
+            </a:extLst>
+          </p:cNvPr>
+          <p:cNvSpPr>
+            <a:spLocks noGrp="1" noRot="1" noChangeAspect="1" noMove="1" noResize="1" noEditPoints="1" noAdjustHandles="1" noChangeArrowheads="1" noChangeShapeType="1" noTextEdit="1"/>
+          </p:cNvSpPr>
+          <p:nvPr>
+            <p:extLst>
+              <p:ext uri="{386F3935-93C4-4BCD-93E2-E3B085C9AB24}">
+                <p16:designElem xmlns:p16="http://schemas.microsoft.com/office/powerpoint/2015/main" val="1"/>
+              </p:ext>
+            </p:extLst>
+          </p:nvPr>
+        </p:nvSpPr>
+        <p:spPr>
+          <a:xfrm rot="10800000" flipH="1">
+            <a:off x="2" y="0"/>
+            <a:ext cx="12191998" cy="1575955"/>
+          </a:xfrm>
+          <a:prstGeom prst="rect">
+            <a:avLst/>
+          </a:prstGeom>
+          <a:gradFill>
+            <a:gsLst>
+              <a:gs pos="0">
+                <a:srgbClr val="000000">
+                  <a:alpha val="96000"/>
+                </a:srgbClr>
+              </a:gs>
+              <a:gs pos="100000">
+                <a:schemeClr val="accent1">
+                  <a:lumMod val="75000"/>
+                </a:schemeClr>
+              </a:gs>
+            </a:gsLst>
+            <a:lin ang="6000000" scaled="0"/>
+          </a:gradFill>
+          <a:ln>
+            <a:noFill/>
+          </a:ln>
+        </p:spPr>
+        <p:style>
+          <a:lnRef idx="2">
+            <a:schemeClr val="accent1">
+              <a:shade val="50000"/>
+            </a:schemeClr>
+          </a:lnRef>
+          <a:fillRef idx="1">
+            <a:schemeClr val="accent1"/>
+          </a:fillRef>
+          <a:effectRef idx="0">
+            <a:schemeClr val="accent1"/>
+          </a:effectRef>
+          <a:fontRef idx="minor">
+            <a:schemeClr val="lt1"/>
+          </a:fontRef>
+        </p:style>
+        <p:txBody>
+          <a:bodyPr rtlCol="0" anchor="ctr"/>
+          <a:lstStyle/>
+          <a:p>
+            <a:pPr algn="ctr"/>
+            <a:endParaRPr lang="en-US"/>
+          </a:p>
+        </p:txBody>
+      </p:sp>
+      <p:sp>
+        <p:nvSpPr>
+          <p:cNvPr id="2059" name="Rectangle 2058">
+            <a:extLst>
+              <a:ext uri="{FF2B5EF4-FFF2-40B4-BE49-F238E27FC236}">
+                <a16:creationId xmlns:a16="http://schemas.microsoft.com/office/drawing/2014/main" id="{84A8DE83-DE75-4B41-9DB4-A7EC0B0DEC0B}"/>
+              </a:ext>
+              <a:ext uri="{C183D7F6-B498-43B3-948B-1728B52AA6E4}">
+                <adec:decorative xmlns:adec="http://schemas.microsoft.com/office/drawing/2017/decorative" val="1"/>
+              </a:ext>
+            </a:extLst>
+          </p:cNvPr>
+          <p:cNvSpPr>
+            <a:spLocks noGrp="1" noRot="1" noChangeAspect="1" noMove="1" noResize="1" noEditPoints="1" noAdjustHandles="1" noChangeArrowheads="1" noChangeShapeType="1" noTextEdit="1"/>
+          </p:cNvSpPr>
+          <p:nvPr>
+            <p:extLst>
+              <p:ext uri="{386F3935-93C4-4BCD-93E2-E3B085C9AB24}">
+                <p16:designElem xmlns:p16="http://schemas.microsoft.com/office/powerpoint/2015/main" val="1"/>
+              </p:ext>
+            </p:extLst>
+          </p:nvPr>
+        </p:nvSpPr>
+        <p:spPr>
+          <a:xfrm>
+            <a:off x="0" y="0"/>
+            <a:ext cx="8128856" cy="1575461"/>
+          </a:xfrm>
+          <a:prstGeom prst="rect">
+            <a:avLst/>
+          </a:prstGeom>
+          <a:gradFill>
+            <a:gsLst>
+              <a:gs pos="0">
+                <a:schemeClr val="accent1">
+                  <a:alpha val="41000"/>
+                </a:schemeClr>
+              </a:gs>
+              <a:gs pos="74000">
+                <a:schemeClr val="accent1">
+                  <a:lumMod val="60000"/>
+                  <a:lumOff val="40000"/>
+                  <a:alpha val="0"/>
+                </a:schemeClr>
+              </a:gs>
+            </a:gsLst>
+            <a:lin ang="8400000" scaled="0"/>
+          </a:gradFill>
+          <a:ln>
+            <a:noFill/>
+          </a:ln>
+        </p:spPr>
+        <p:style>
+          <a:lnRef idx="2">
+            <a:schemeClr val="accent1">
+              <a:shade val="50000"/>
+            </a:schemeClr>
+          </a:lnRef>
+          <a:fillRef idx="1">
+            <a:schemeClr val="accent1"/>
+          </a:fillRef>
+          <a:effectRef idx="0">
+            <a:schemeClr val="accent1"/>
+          </a:effectRef>
+          <a:fontRef idx="minor">
+            <a:schemeClr val="lt1"/>
+          </a:fontRef>
+        </p:style>
+        <p:txBody>
+          <a:bodyPr rtlCol="0" anchor="ctr"/>
+          <a:lstStyle/>
+          <a:p>
+            <a:pPr algn="ctr"/>
+            <a:endParaRPr lang="en-US"/>
+          </a:p>
+        </p:txBody>
+      </p:sp>
+      <p:sp>
+        <p:nvSpPr>
+          <p:cNvPr id="2061" name="Rectangle 2060">
+            <a:extLst>
+              <a:ext uri="{FF2B5EF4-FFF2-40B4-BE49-F238E27FC236}">
+                <a16:creationId xmlns:a16="http://schemas.microsoft.com/office/drawing/2014/main" id="{A7009A0A-BEF5-4EAC-AF15-E4F9F002E239}"/>
+              </a:ext>
+              <a:ext uri="{C183D7F6-B498-43B3-948B-1728B52AA6E4}">
+                <adec:decorative xmlns:adec="http://schemas.microsoft.com/office/drawing/2017/decorative" val="1"/>
+              </a:ext>
+            </a:extLst>
+          </p:cNvPr>
+          <p:cNvSpPr>
+            <a:spLocks noGrp="1" noRot="1" noChangeAspect="1" noMove="1" noResize="1" noEditPoints="1" noAdjustHandles="1" noChangeArrowheads="1" noChangeShapeType="1" noTextEdit="1"/>
+          </p:cNvSpPr>
+          <p:nvPr>
+            <p:extLst>
+              <p:ext uri="{386F3935-93C4-4BCD-93E2-E3B085C9AB24}">
+                <p16:designElem xmlns:p16="http://schemas.microsoft.com/office/powerpoint/2015/main" val="1"/>
+              </p:ext>
+            </p:extLst>
+          </p:nvPr>
+        </p:nvSpPr>
+        <p:spPr>
+          <a:xfrm flipH="1">
+            <a:off x="-3" y="-1"/>
+            <a:ext cx="12192002" cy="1574311"/>
+          </a:xfrm>
+          <a:prstGeom prst="rect">
+            <a:avLst/>
+          </a:prstGeom>
+          <a:gradFill>
+            <a:gsLst>
+              <a:gs pos="0">
+                <a:srgbClr val="000000">
+                  <a:alpha val="63000"/>
+                </a:srgbClr>
+              </a:gs>
+              <a:gs pos="78000">
+                <a:schemeClr val="accent1">
+                  <a:alpha val="15000"/>
+                </a:schemeClr>
+              </a:gs>
+            </a:gsLst>
+            <a:lin ang="15600000" scaled="0"/>
+          </a:gradFill>
+          <a:ln>
+            <a:noFill/>
+          </a:ln>
+        </p:spPr>
+        <p:style>
+          <a:lnRef idx="2">
+            <a:schemeClr val="accent1">
+              <a:shade val="50000"/>
+            </a:schemeClr>
+          </a:lnRef>
+          <a:fillRef idx="1">
+            <a:schemeClr val="accent1"/>
+          </a:fillRef>
+          <a:effectRef idx="0">
+            <a:schemeClr val="accent1"/>
+          </a:effectRef>
+          <a:fontRef idx="minor">
+            <a:schemeClr val="lt1"/>
+          </a:fontRef>
+        </p:style>
+        <p:txBody>
+          <a:bodyPr rtlCol="0" anchor="ctr"/>
+          <a:lstStyle/>
+          <a:p>
+            <a:pPr algn="ctr"/>
+            <a:endParaRPr lang="en-US"/>
+          </a:p>
+        </p:txBody>
+      </p:sp>
+      <p:sp>
+        <p:nvSpPr>
+          <p:cNvPr id="2" name="Título 1">
+            <a:extLst>
+              <a:ext uri="{FF2B5EF4-FFF2-40B4-BE49-F238E27FC236}">
+                <a16:creationId xmlns:a16="http://schemas.microsoft.com/office/drawing/2014/main" id="{9B2594E6-7212-20CD-338A-1C52F7F868FE}"/>
+              </a:ext>
+            </a:extLst>
+          </p:cNvPr>
+          <p:cNvSpPr>
+            <a:spLocks noGrp="1"/>
+          </p:cNvSpPr>
+          <p:nvPr>
+            <p:ph type="title"/>
+          </p:nvPr>
+        </p:nvSpPr>
+        <p:spPr>
+          <a:xfrm>
+            <a:off x="699713" y="248038"/>
+            <a:ext cx="7063721" cy="1159200"/>
+          </a:xfrm>
+        </p:spPr>
+        <p:txBody>
+          <a:bodyPr vert="horz" lIns="91440" tIns="45720" rIns="91440" bIns="45720" rtlCol="0" anchor="ctr">
+            <a:normAutofit/>
+          </a:bodyPr>
+          <a:lstStyle/>
+          <a:p>
+            <a:r>
+              <a:rPr lang="en-US" sz="4000" kern="1200" dirty="0">
+                <a:solidFill>
+                  <a:srgbClr val="FFFFFF"/>
+                </a:solidFill>
+                <a:latin typeface="+mj-lt"/>
+                <a:ea typeface="+mj-ea"/>
+                <a:cs typeface="+mj-cs"/>
+              </a:rPr>
+              <a:t>30 </a:t>
+            </a:r>
+            <a:r>
+              <a:rPr lang="en-US" sz="4000" kern="1200" dirty="0" err="1">
+                <a:solidFill>
+                  <a:srgbClr val="FFFFFF"/>
+                </a:solidFill>
+                <a:latin typeface="+mj-lt"/>
+                <a:ea typeface="+mj-ea"/>
+                <a:cs typeface="+mj-cs"/>
+              </a:rPr>
+              <a:t>Funciones</a:t>
+            </a:r>
+            <a:endParaRPr lang="en-US" sz="4000" kern="1200" dirty="0">
+              <a:solidFill>
+                <a:srgbClr val="FFFFFF"/>
+              </a:solidFill>
+              <a:latin typeface="+mj-lt"/>
+              <a:ea typeface="+mj-ea"/>
+              <a:cs typeface="+mj-cs"/>
+            </a:endParaRPr>
+          </a:p>
+        </p:txBody>
+      </p:sp>
+      <p:pic>
+        <p:nvPicPr>
+          <p:cNvPr id="6" name="Imagen 5">
+            <a:extLst>
+              <a:ext uri="{FF2B5EF4-FFF2-40B4-BE49-F238E27FC236}">
+                <a16:creationId xmlns:a16="http://schemas.microsoft.com/office/drawing/2014/main" id="{04AC664B-AE5B-4DCD-A6E1-B7AB5360D8E7}"/>
+              </a:ext>
+            </a:extLst>
+          </p:cNvPr>
+          <p:cNvPicPr>
+            <a:picLocks noChangeAspect="1"/>
+          </p:cNvPicPr>
+          <p:nvPr/>
+        </p:nvPicPr>
+        <p:blipFill>
+          <a:blip r:embed="rId2"/>
+          <a:stretch>
+            <a:fillRect/>
+          </a:stretch>
+        </p:blipFill>
+        <p:spPr>
+          <a:xfrm>
+            <a:off x="1439997" y="1655276"/>
+            <a:ext cx="3951153" cy="4960415"/>
+          </a:xfrm>
+          <a:prstGeom prst="rect">
+            <a:avLst/>
+          </a:prstGeom>
+        </p:spPr>
+      </p:pic>
+      <p:pic>
+        <p:nvPicPr>
+          <p:cNvPr id="8" name="Imagen 7">
+            <a:extLst>
+              <a:ext uri="{FF2B5EF4-FFF2-40B4-BE49-F238E27FC236}">
+                <a16:creationId xmlns:a16="http://schemas.microsoft.com/office/drawing/2014/main" id="{ABBF4DF0-A35D-4ABC-9127-23EE095854E1}"/>
+              </a:ext>
+            </a:extLst>
+          </p:cNvPr>
+          <p:cNvPicPr>
+            <a:picLocks noChangeAspect="1"/>
+          </p:cNvPicPr>
+          <p:nvPr/>
+        </p:nvPicPr>
+        <p:blipFill>
+          <a:blip r:embed="rId3"/>
+          <a:stretch>
+            <a:fillRect/>
+          </a:stretch>
+        </p:blipFill>
+        <p:spPr>
+          <a:xfrm>
+            <a:off x="7282655" y="1649548"/>
+            <a:ext cx="3164228" cy="4954686"/>
+          </a:xfrm>
+          <a:prstGeom prst="rect">
+            <a:avLst/>
+          </a:prstGeom>
+        </p:spPr>
+      </p:pic>
+    </p:spTree>
+    <p:extLst>
+      <p:ext uri="{BB962C8B-B14F-4D97-AF65-F5344CB8AC3E}">
+        <p14:creationId xmlns:p14="http://schemas.microsoft.com/office/powerpoint/2010/main" val="568518960"/>
+      </p:ext>
+    </p:extLst>
+  </p:cSld>
+  <p:clrMapOvr>
+    <a:masterClrMapping/>
+  </p:clrMapOvr>
+  <mc:AlternateContent xmlns:mc="http://schemas.openxmlformats.org/markup-compatibility/2006">
+    <mc:Choice xmlns:p15="http://schemas.microsoft.com/office/powerpoint/2012/main" Requires="p15">
+      <p:transition xmlns:p14="http://schemas.microsoft.com/office/powerpoint/2010/main" spd="slow" p14:dur="2000">
+        <p15:prstTrans prst="prestige"/>
+      </p:transition>
+    </mc:Choice>
+    <mc:Fallback>
+      <p:transition spd="slow">
+        <p:fade/>
+      </p:transition>
+    </mc:Fallback>
+  </mc:AlternateContent>
+</p:sld>
+</file>
+
+<file path=ppt/slides/slide15.xml><?xml version="1.0" encoding="utf-8"?>
+<p:sld xmlns:a="http://schemas.openxmlformats.org/drawingml/2006/main" xmlns:r="http://schemas.openxmlformats.org/officeDocument/2006/relationships" xmlns:p="http://schemas.openxmlformats.org/presentationml/2006/main">
+  <p:cSld>
+    <p:bg>
+      <p:bgPr>
+        <a:solidFill>
+          <a:schemeClr val="bg1"/>
+        </a:solidFill>
+        <a:effectLst/>
+      </p:bgPr>
+    </p:bg>
+    <p:spTree>
+      <p:nvGrpSpPr>
+        <p:cNvPr id="1" name=""/>
+        <p:cNvGrpSpPr/>
+        <p:nvPr/>
+      </p:nvGrpSpPr>
+      <p:grpSpPr>
+        <a:xfrm>
+          <a:off x="0" y="0"/>
+          <a:ext cx="0" cy="0"/>
+          <a:chOff x="0" y="0"/>
+          <a:chExt cx="0" cy="0"/>
+        </a:xfrm>
+      </p:grpSpPr>
+      <p:sp useBgFill="1">
+        <p:nvSpPr>
+          <p:cNvPr id="2055" name="Rectangle 2054">
+            <a:extLst>
+              <a:ext uri="{FF2B5EF4-FFF2-40B4-BE49-F238E27FC236}">
+                <a16:creationId xmlns:a16="http://schemas.microsoft.com/office/drawing/2014/main" id="{A8384FB5-9ADC-4DDC-881B-597D56F5B15D}"/>
+              </a:ext>
+              <a:ext uri="{C183D7F6-B498-43B3-948B-1728B52AA6E4}">
+                <adec:decorative xmlns:adec="http://schemas.microsoft.com/office/drawing/2017/decorative" val="1"/>
+              </a:ext>
+            </a:extLst>
+          </p:cNvPr>
+          <p:cNvSpPr>
+            <a:spLocks noGrp="1" noRot="1" noChangeAspect="1" noMove="1" noResize="1" noEditPoints="1" noAdjustHandles="1" noChangeArrowheads="1" noChangeShapeType="1" noTextEdit="1"/>
+          </p:cNvSpPr>
+          <p:nvPr>
+            <p:extLst>
+              <p:ext uri="{386F3935-93C4-4BCD-93E2-E3B085C9AB24}">
+                <p16:designElem xmlns:p16="http://schemas.microsoft.com/office/powerpoint/2015/main" val="1"/>
+              </p:ext>
+            </p:extLst>
+          </p:nvPr>
+        </p:nvSpPr>
+        <p:spPr>
+          <a:xfrm>
+            <a:off x="0" y="0"/>
+            <a:ext cx="12192000" cy="6858000"/>
+          </a:xfrm>
+          <a:prstGeom prst="rect">
+            <a:avLst/>
+          </a:prstGeom>
+          <a:ln w="12700" cap="flat" cmpd="sng" algn="ctr">
+            <a:noFill/>
+            <a:prstDash val="solid"/>
+            <a:miter lim="800000"/>
+          </a:ln>
+          <a:effectLst/>
+          <a:extLst>
+            <a:ext uri="{91240B29-F687-4F45-9708-019B960494DF}">
+              <a14:hiddenLine xmlns:a14="http://schemas.microsoft.com/office/drawing/2010/main" w="12700" cap="flat" cmpd="sng" algn="ctr">
+                <a:solidFill>
+                  <a:schemeClr val="accent1">
+                    <a:shade val="50000"/>
+                  </a:schemeClr>
+                </a:solidFill>
+                <a:prstDash val="solid"/>
+                <a:miter lim="800000"/>
+              </a14:hiddenLine>
+            </a:ext>
+          </a:extLst>
+        </p:spPr>
+        <p:style>
+          <a:lnRef idx="2">
+            <a:schemeClr val="accent1">
+              <a:shade val="50000"/>
+            </a:schemeClr>
+          </a:lnRef>
+          <a:fillRef idx="1">
+            <a:schemeClr val="accent1"/>
+          </a:fillRef>
+          <a:effectRef idx="0">
+            <a:schemeClr val="accent1"/>
+          </a:effectRef>
+          <a:fontRef idx="minor">
+            <a:schemeClr val="lt1"/>
+          </a:fontRef>
+        </p:style>
+        <p:txBody>
+          <a:bodyPr rtlCol="0" anchor="ctr"/>
+          <a:lstStyle/>
+          <a:p>
+            <a:pPr algn="ctr"/>
+            <a:endParaRPr lang="en-US"/>
+          </a:p>
+        </p:txBody>
+      </p:sp>
+      <p:sp>
+        <p:nvSpPr>
+          <p:cNvPr id="2057" name="Rectangle 2056">
+            <a:extLst>
+              <a:ext uri="{FF2B5EF4-FFF2-40B4-BE49-F238E27FC236}">
+                <a16:creationId xmlns:a16="http://schemas.microsoft.com/office/drawing/2014/main" id="{1199E1B1-A8C0-4FE8-A5A8-1CB41D69F857}"/>
+              </a:ext>
+              <a:ext uri="{C183D7F6-B498-43B3-948B-1728B52AA6E4}">
+                <adec:decorative xmlns:adec="http://schemas.microsoft.com/office/drawing/2017/decorative" val="1"/>
+              </a:ext>
+            </a:extLst>
+          </p:cNvPr>
+          <p:cNvSpPr>
+            <a:spLocks noGrp="1" noRot="1" noChangeAspect="1" noMove="1" noResize="1" noEditPoints="1" noAdjustHandles="1" noChangeArrowheads="1" noChangeShapeType="1" noTextEdit="1"/>
+          </p:cNvSpPr>
+          <p:nvPr>
+            <p:extLst>
+              <p:ext uri="{386F3935-93C4-4BCD-93E2-E3B085C9AB24}">
+                <p16:designElem xmlns:p16="http://schemas.microsoft.com/office/powerpoint/2015/main" val="1"/>
+              </p:ext>
+            </p:extLst>
+          </p:nvPr>
+        </p:nvSpPr>
+        <p:spPr>
+          <a:xfrm rot="10800000" flipH="1">
+            <a:off x="2" y="0"/>
+            <a:ext cx="12191998" cy="1575955"/>
+          </a:xfrm>
+          <a:prstGeom prst="rect">
+            <a:avLst/>
+          </a:prstGeom>
+          <a:gradFill>
+            <a:gsLst>
+              <a:gs pos="0">
+                <a:srgbClr val="000000">
+                  <a:alpha val="96000"/>
+                </a:srgbClr>
+              </a:gs>
+              <a:gs pos="100000">
+                <a:schemeClr val="accent1">
+                  <a:lumMod val="75000"/>
+                </a:schemeClr>
+              </a:gs>
+            </a:gsLst>
+            <a:lin ang="6000000" scaled="0"/>
+          </a:gradFill>
+          <a:ln>
+            <a:noFill/>
+          </a:ln>
+        </p:spPr>
+        <p:style>
+          <a:lnRef idx="2">
+            <a:schemeClr val="accent1">
+              <a:shade val="50000"/>
+            </a:schemeClr>
+          </a:lnRef>
+          <a:fillRef idx="1">
+            <a:schemeClr val="accent1"/>
+          </a:fillRef>
+          <a:effectRef idx="0">
+            <a:schemeClr val="accent1"/>
+          </a:effectRef>
+          <a:fontRef idx="minor">
+            <a:schemeClr val="lt1"/>
+          </a:fontRef>
+        </p:style>
+        <p:txBody>
+          <a:bodyPr rtlCol="0" anchor="ctr"/>
+          <a:lstStyle/>
+          <a:p>
+            <a:pPr algn="ctr"/>
+            <a:endParaRPr lang="en-US"/>
+          </a:p>
+        </p:txBody>
+      </p:sp>
+      <p:sp>
+        <p:nvSpPr>
+          <p:cNvPr id="2059" name="Rectangle 2058">
+            <a:extLst>
+              <a:ext uri="{FF2B5EF4-FFF2-40B4-BE49-F238E27FC236}">
+                <a16:creationId xmlns:a16="http://schemas.microsoft.com/office/drawing/2014/main" id="{84A8DE83-DE75-4B41-9DB4-A7EC0B0DEC0B}"/>
+              </a:ext>
+              <a:ext uri="{C183D7F6-B498-43B3-948B-1728B52AA6E4}">
+                <adec:decorative xmlns:adec="http://schemas.microsoft.com/office/drawing/2017/decorative" val="1"/>
+              </a:ext>
+            </a:extLst>
+          </p:cNvPr>
+          <p:cNvSpPr>
+            <a:spLocks noGrp="1" noRot="1" noChangeAspect="1" noMove="1" noResize="1" noEditPoints="1" noAdjustHandles="1" noChangeArrowheads="1" noChangeShapeType="1" noTextEdit="1"/>
+          </p:cNvSpPr>
+          <p:nvPr>
+            <p:extLst>
+              <p:ext uri="{386F3935-93C4-4BCD-93E2-E3B085C9AB24}">
+                <p16:designElem xmlns:p16="http://schemas.microsoft.com/office/powerpoint/2015/main" val="1"/>
+              </p:ext>
+            </p:extLst>
+          </p:nvPr>
+        </p:nvSpPr>
+        <p:spPr>
+          <a:xfrm>
+            <a:off x="0" y="0"/>
+            <a:ext cx="8128856" cy="1575461"/>
+          </a:xfrm>
+          <a:prstGeom prst="rect">
+            <a:avLst/>
+          </a:prstGeom>
+          <a:gradFill>
+            <a:gsLst>
+              <a:gs pos="0">
+                <a:schemeClr val="accent1">
+                  <a:alpha val="41000"/>
+                </a:schemeClr>
+              </a:gs>
+              <a:gs pos="74000">
+                <a:schemeClr val="accent1">
+                  <a:lumMod val="60000"/>
+                  <a:lumOff val="40000"/>
+                  <a:alpha val="0"/>
+                </a:schemeClr>
+              </a:gs>
+            </a:gsLst>
+            <a:lin ang="8400000" scaled="0"/>
+          </a:gradFill>
+          <a:ln>
+            <a:noFill/>
+          </a:ln>
+        </p:spPr>
+        <p:style>
+          <a:lnRef idx="2">
+            <a:schemeClr val="accent1">
+              <a:shade val="50000"/>
+            </a:schemeClr>
+          </a:lnRef>
+          <a:fillRef idx="1">
+            <a:schemeClr val="accent1"/>
+          </a:fillRef>
+          <a:effectRef idx="0">
+            <a:schemeClr val="accent1"/>
+          </a:effectRef>
+          <a:fontRef idx="minor">
+            <a:schemeClr val="lt1"/>
+          </a:fontRef>
+        </p:style>
+        <p:txBody>
+          <a:bodyPr rtlCol="0" anchor="ctr"/>
+          <a:lstStyle/>
+          <a:p>
+            <a:pPr algn="ctr"/>
+            <a:endParaRPr lang="en-US"/>
+          </a:p>
+        </p:txBody>
+      </p:sp>
+      <p:sp>
+        <p:nvSpPr>
+          <p:cNvPr id="2061" name="Rectangle 2060">
+            <a:extLst>
+              <a:ext uri="{FF2B5EF4-FFF2-40B4-BE49-F238E27FC236}">
+                <a16:creationId xmlns:a16="http://schemas.microsoft.com/office/drawing/2014/main" id="{A7009A0A-BEF5-4EAC-AF15-E4F9F002E239}"/>
+              </a:ext>
+              <a:ext uri="{C183D7F6-B498-43B3-948B-1728B52AA6E4}">
+                <adec:decorative xmlns:adec="http://schemas.microsoft.com/office/drawing/2017/decorative" val="1"/>
+              </a:ext>
+            </a:extLst>
+          </p:cNvPr>
+          <p:cNvSpPr>
+            <a:spLocks noGrp="1" noRot="1" noChangeAspect="1" noMove="1" noResize="1" noEditPoints="1" noAdjustHandles="1" noChangeArrowheads="1" noChangeShapeType="1" noTextEdit="1"/>
+          </p:cNvSpPr>
+          <p:nvPr>
+            <p:extLst>
+              <p:ext uri="{386F3935-93C4-4BCD-93E2-E3B085C9AB24}">
+                <p16:designElem xmlns:p16="http://schemas.microsoft.com/office/powerpoint/2015/main" val="1"/>
+              </p:ext>
+            </p:extLst>
+          </p:nvPr>
+        </p:nvSpPr>
+        <p:spPr>
+          <a:xfrm flipH="1">
+            <a:off x="-3" y="-1"/>
+            <a:ext cx="12192002" cy="1574311"/>
+          </a:xfrm>
+          <a:prstGeom prst="rect">
+            <a:avLst/>
+          </a:prstGeom>
+          <a:gradFill>
+            <a:gsLst>
+              <a:gs pos="0">
+                <a:srgbClr val="000000">
+                  <a:alpha val="63000"/>
+                </a:srgbClr>
+              </a:gs>
+              <a:gs pos="78000">
+                <a:schemeClr val="accent1">
+                  <a:alpha val="15000"/>
+                </a:schemeClr>
+              </a:gs>
+            </a:gsLst>
+            <a:lin ang="15600000" scaled="0"/>
+          </a:gradFill>
+          <a:ln>
+            <a:noFill/>
+          </a:ln>
+        </p:spPr>
+        <p:style>
+          <a:lnRef idx="2">
+            <a:schemeClr val="accent1">
+              <a:shade val="50000"/>
+            </a:schemeClr>
+          </a:lnRef>
+          <a:fillRef idx="1">
+            <a:schemeClr val="accent1"/>
+          </a:fillRef>
+          <a:effectRef idx="0">
+            <a:schemeClr val="accent1"/>
+          </a:effectRef>
+          <a:fontRef idx="minor">
+            <a:schemeClr val="lt1"/>
+          </a:fontRef>
+        </p:style>
+        <p:txBody>
+          <a:bodyPr rtlCol="0" anchor="ctr"/>
+          <a:lstStyle/>
+          <a:p>
+            <a:pPr algn="ctr"/>
+            <a:endParaRPr lang="en-US"/>
+          </a:p>
+        </p:txBody>
+      </p:sp>
+      <p:sp>
+        <p:nvSpPr>
+          <p:cNvPr id="2" name="Título 1">
+            <a:extLst>
+              <a:ext uri="{FF2B5EF4-FFF2-40B4-BE49-F238E27FC236}">
+                <a16:creationId xmlns:a16="http://schemas.microsoft.com/office/drawing/2014/main" id="{9B2594E6-7212-20CD-338A-1C52F7F868FE}"/>
+              </a:ext>
+            </a:extLst>
+          </p:cNvPr>
+          <p:cNvSpPr>
+            <a:spLocks noGrp="1"/>
+          </p:cNvSpPr>
+          <p:nvPr>
+            <p:ph type="title"/>
+          </p:nvPr>
+        </p:nvSpPr>
+        <p:spPr>
+          <a:xfrm>
+            <a:off x="699713" y="248038"/>
+            <a:ext cx="7063721" cy="1159200"/>
+          </a:xfrm>
+        </p:spPr>
+        <p:txBody>
+          <a:bodyPr vert="horz" lIns="91440" tIns="45720" rIns="91440" bIns="45720" rtlCol="0" anchor="ctr">
+            <a:normAutofit/>
+          </a:bodyPr>
+          <a:lstStyle/>
+          <a:p>
+            <a:r>
+              <a:rPr lang="en-US" sz="4000" kern="1200" dirty="0">
+                <a:solidFill>
+                  <a:srgbClr val="FFFFFF"/>
+                </a:solidFill>
+                <a:latin typeface="+mj-lt"/>
+                <a:ea typeface="+mj-ea"/>
+                <a:cs typeface="+mj-cs"/>
+              </a:rPr>
+              <a:t>30 </a:t>
+            </a:r>
+            <a:r>
+              <a:rPr lang="en-US" sz="4000" kern="1200" dirty="0" err="1">
+                <a:solidFill>
+                  <a:srgbClr val="FFFFFF"/>
+                </a:solidFill>
+                <a:latin typeface="+mj-lt"/>
+                <a:ea typeface="+mj-ea"/>
+                <a:cs typeface="+mj-cs"/>
+              </a:rPr>
+              <a:t>Funciones</a:t>
+            </a:r>
+            <a:endParaRPr lang="en-US" sz="4000" kern="1200" dirty="0">
+              <a:solidFill>
+                <a:srgbClr val="FFFFFF"/>
+              </a:solidFill>
+              <a:latin typeface="+mj-lt"/>
+              <a:ea typeface="+mj-ea"/>
+              <a:cs typeface="+mj-cs"/>
+            </a:endParaRPr>
+          </a:p>
+        </p:txBody>
+      </p:sp>
+      <p:pic>
+        <p:nvPicPr>
+          <p:cNvPr id="4" name="Imagen 3">
+            <a:extLst>
+              <a:ext uri="{FF2B5EF4-FFF2-40B4-BE49-F238E27FC236}">
+                <a16:creationId xmlns:a16="http://schemas.microsoft.com/office/drawing/2014/main" id="{7938CF51-4CAA-417F-B673-7A9CAB0334D2}"/>
+              </a:ext>
+            </a:extLst>
+          </p:cNvPr>
+          <p:cNvPicPr>
+            <a:picLocks noChangeAspect="1"/>
+          </p:cNvPicPr>
+          <p:nvPr/>
+        </p:nvPicPr>
+        <p:blipFill>
+          <a:blip r:embed="rId2"/>
+          <a:stretch>
+            <a:fillRect/>
+          </a:stretch>
+        </p:blipFill>
+        <p:spPr>
+          <a:xfrm>
+            <a:off x="536819" y="2102951"/>
+            <a:ext cx="6100687" cy="3802624"/>
+          </a:xfrm>
+          <a:prstGeom prst="rect">
+            <a:avLst/>
+          </a:prstGeom>
+        </p:spPr>
+      </p:pic>
+      <p:pic>
+        <p:nvPicPr>
+          <p:cNvPr id="6" name="Imagen 5">
+            <a:extLst>
+              <a:ext uri="{FF2B5EF4-FFF2-40B4-BE49-F238E27FC236}">
+                <a16:creationId xmlns:a16="http://schemas.microsoft.com/office/drawing/2014/main" id="{186119C2-038F-4410-B27B-309D9CE03CBF}"/>
+              </a:ext>
+            </a:extLst>
+          </p:cNvPr>
+          <p:cNvPicPr>
+            <a:picLocks noChangeAspect="1"/>
+          </p:cNvPicPr>
+          <p:nvPr/>
+        </p:nvPicPr>
+        <p:blipFill>
+          <a:blip r:embed="rId3"/>
+          <a:stretch>
+            <a:fillRect/>
+          </a:stretch>
+        </p:blipFill>
+        <p:spPr>
+          <a:xfrm>
+            <a:off x="7409741" y="1655276"/>
+            <a:ext cx="3833752" cy="4854248"/>
+          </a:xfrm>
+          <a:prstGeom prst="rect">
+            <a:avLst/>
+          </a:prstGeom>
+        </p:spPr>
+      </p:pic>
+    </p:spTree>
+    <p:extLst>
+      <p:ext uri="{BB962C8B-B14F-4D97-AF65-F5344CB8AC3E}">
+        <p14:creationId xmlns:p14="http://schemas.microsoft.com/office/powerpoint/2010/main" val="1551564737"/>
+      </p:ext>
+    </p:extLst>
+  </p:cSld>
+  <p:clrMapOvr>
+    <a:masterClrMapping/>
+  </p:clrMapOvr>
+  <mc:AlternateContent xmlns:mc="http://schemas.openxmlformats.org/markup-compatibility/2006">
+    <mc:Choice xmlns:p15="http://schemas.microsoft.com/office/powerpoint/2012/main" Requires="p15">
+      <p:transition xmlns:p14="http://schemas.microsoft.com/office/powerpoint/2010/main" spd="slow" p14:dur="2000">
+        <p15:prstTrans prst="prestige"/>
+      </p:transition>
+    </mc:Choice>
+    <mc:Fallback>
+      <p:transition spd="slow">
+        <p:fade/>
+      </p:transition>
+    </mc:Fallback>
+  </mc:AlternateContent>
+</p:sld>
+</file>
+
+<file path=ppt/slides/slide16.xml><?xml version="1.0" encoding="utf-8"?>
+<p:sld xmlns:a="http://schemas.openxmlformats.org/drawingml/2006/main" xmlns:r="http://schemas.openxmlformats.org/officeDocument/2006/relationships" xmlns:p="http://schemas.openxmlformats.org/presentationml/2006/main">
+  <p:cSld>
+    <p:bg>
+      <p:bgPr>
+        <a:solidFill>
+          <a:schemeClr val="bg1"/>
+        </a:solidFill>
+        <a:effectLst/>
+      </p:bgPr>
+    </p:bg>
+    <p:spTree>
+      <p:nvGrpSpPr>
+        <p:cNvPr id="1" name=""/>
+        <p:cNvGrpSpPr/>
+        <p:nvPr/>
+      </p:nvGrpSpPr>
+      <p:grpSpPr>
+        <a:xfrm>
+          <a:off x="0" y="0"/>
+          <a:ext cx="0" cy="0"/>
+          <a:chOff x="0" y="0"/>
+          <a:chExt cx="0" cy="0"/>
+        </a:xfrm>
+      </p:grpSpPr>
+      <p:sp useBgFill="1">
+        <p:nvSpPr>
+          <p:cNvPr id="2055" name="Rectangle 2054">
+            <a:extLst>
+              <a:ext uri="{FF2B5EF4-FFF2-40B4-BE49-F238E27FC236}">
+                <a16:creationId xmlns:a16="http://schemas.microsoft.com/office/drawing/2014/main" id="{A8384FB5-9ADC-4DDC-881B-597D56F5B15D}"/>
+              </a:ext>
+              <a:ext uri="{C183D7F6-B498-43B3-948B-1728B52AA6E4}">
+                <adec:decorative xmlns:adec="http://schemas.microsoft.com/office/drawing/2017/decorative" val="1"/>
+              </a:ext>
+            </a:extLst>
+          </p:cNvPr>
+          <p:cNvSpPr>
+            <a:spLocks noGrp="1" noRot="1" noChangeAspect="1" noMove="1" noResize="1" noEditPoints="1" noAdjustHandles="1" noChangeArrowheads="1" noChangeShapeType="1" noTextEdit="1"/>
+          </p:cNvSpPr>
+          <p:nvPr>
+            <p:extLst>
+              <p:ext uri="{386F3935-93C4-4BCD-93E2-E3B085C9AB24}">
+                <p16:designElem xmlns:p16="http://schemas.microsoft.com/office/powerpoint/2015/main" val="1"/>
+              </p:ext>
+            </p:extLst>
+          </p:nvPr>
+        </p:nvSpPr>
+        <p:spPr>
+          <a:xfrm>
+            <a:off x="0" y="0"/>
+            <a:ext cx="12192000" cy="6858000"/>
+          </a:xfrm>
+          <a:prstGeom prst="rect">
+            <a:avLst/>
+          </a:prstGeom>
+          <a:ln w="12700" cap="flat" cmpd="sng" algn="ctr">
+            <a:noFill/>
+            <a:prstDash val="solid"/>
+            <a:miter lim="800000"/>
+          </a:ln>
+          <a:effectLst/>
+          <a:extLst>
+            <a:ext uri="{91240B29-F687-4F45-9708-019B960494DF}">
+              <a14:hiddenLine xmlns:a14="http://schemas.microsoft.com/office/drawing/2010/main" w="12700" cap="flat" cmpd="sng" algn="ctr">
+                <a:solidFill>
+                  <a:schemeClr val="accent1">
+                    <a:shade val="50000"/>
+                  </a:schemeClr>
+                </a:solidFill>
+                <a:prstDash val="solid"/>
+                <a:miter lim="800000"/>
+              </a14:hiddenLine>
+            </a:ext>
+          </a:extLst>
+        </p:spPr>
+        <p:style>
+          <a:lnRef idx="2">
+            <a:schemeClr val="accent1">
+              <a:shade val="50000"/>
+            </a:schemeClr>
+          </a:lnRef>
+          <a:fillRef idx="1">
+            <a:schemeClr val="accent1"/>
+          </a:fillRef>
+          <a:effectRef idx="0">
+            <a:schemeClr val="accent1"/>
+          </a:effectRef>
+          <a:fontRef idx="minor">
+            <a:schemeClr val="lt1"/>
+          </a:fontRef>
+        </p:style>
+        <p:txBody>
+          <a:bodyPr rtlCol="0" anchor="ctr"/>
+          <a:lstStyle/>
+          <a:p>
+            <a:pPr algn="ctr"/>
+            <a:endParaRPr lang="en-US"/>
+          </a:p>
+        </p:txBody>
+      </p:sp>
+      <p:sp>
+        <p:nvSpPr>
+          <p:cNvPr id="2057" name="Rectangle 2056">
+            <a:extLst>
+              <a:ext uri="{FF2B5EF4-FFF2-40B4-BE49-F238E27FC236}">
+                <a16:creationId xmlns:a16="http://schemas.microsoft.com/office/drawing/2014/main" id="{1199E1B1-A8C0-4FE8-A5A8-1CB41D69F857}"/>
+              </a:ext>
+              <a:ext uri="{C183D7F6-B498-43B3-948B-1728B52AA6E4}">
+                <adec:decorative xmlns:adec="http://schemas.microsoft.com/office/drawing/2017/decorative" val="1"/>
+              </a:ext>
+            </a:extLst>
+          </p:cNvPr>
+          <p:cNvSpPr>
+            <a:spLocks noGrp="1" noRot="1" noChangeAspect="1" noMove="1" noResize="1" noEditPoints="1" noAdjustHandles="1" noChangeArrowheads="1" noChangeShapeType="1" noTextEdit="1"/>
+          </p:cNvSpPr>
+          <p:nvPr>
+            <p:extLst>
+              <p:ext uri="{386F3935-93C4-4BCD-93E2-E3B085C9AB24}">
+                <p16:designElem xmlns:p16="http://schemas.microsoft.com/office/powerpoint/2015/main" val="1"/>
+              </p:ext>
+            </p:extLst>
+          </p:nvPr>
+        </p:nvSpPr>
+        <p:spPr>
+          <a:xfrm rot="10800000" flipH="1">
+            <a:off x="2" y="0"/>
+            <a:ext cx="12191998" cy="1575955"/>
+          </a:xfrm>
+          <a:prstGeom prst="rect">
+            <a:avLst/>
+          </a:prstGeom>
+          <a:gradFill>
+            <a:gsLst>
+              <a:gs pos="0">
+                <a:srgbClr val="000000">
+                  <a:alpha val="96000"/>
+                </a:srgbClr>
+              </a:gs>
+              <a:gs pos="100000">
+                <a:schemeClr val="accent1">
+                  <a:lumMod val="75000"/>
+                </a:schemeClr>
+              </a:gs>
+            </a:gsLst>
+            <a:lin ang="6000000" scaled="0"/>
+          </a:gradFill>
+          <a:ln>
+            <a:noFill/>
+          </a:ln>
+        </p:spPr>
+        <p:style>
+          <a:lnRef idx="2">
+            <a:schemeClr val="accent1">
+              <a:shade val="50000"/>
+            </a:schemeClr>
+          </a:lnRef>
+          <a:fillRef idx="1">
+            <a:schemeClr val="accent1"/>
+          </a:fillRef>
+          <a:effectRef idx="0">
+            <a:schemeClr val="accent1"/>
+          </a:effectRef>
+          <a:fontRef idx="minor">
+            <a:schemeClr val="lt1"/>
+          </a:fontRef>
+        </p:style>
+        <p:txBody>
+          <a:bodyPr rtlCol="0" anchor="ctr"/>
+          <a:lstStyle/>
+          <a:p>
+            <a:pPr algn="ctr"/>
+            <a:endParaRPr lang="en-US"/>
+          </a:p>
+        </p:txBody>
+      </p:sp>
+      <p:sp>
+        <p:nvSpPr>
+          <p:cNvPr id="2059" name="Rectangle 2058">
+            <a:extLst>
+              <a:ext uri="{FF2B5EF4-FFF2-40B4-BE49-F238E27FC236}">
+                <a16:creationId xmlns:a16="http://schemas.microsoft.com/office/drawing/2014/main" id="{84A8DE83-DE75-4B41-9DB4-A7EC0B0DEC0B}"/>
+              </a:ext>
+              <a:ext uri="{C183D7F6-B498-43B3-948B-1728B52AA6E4}">
+                <adec:decorative xmlns:adec="http://schemas.microsoft.com/office/drawing/2017/decorative" val="1"/>
+              </a:ext>
+            </a:extLst>
+          </p:cNvPr>
+          <p:cNvSpPr>
+            <a:spLocks noGrp="1" noRot="1" noChangeAspect="1" noMove="1" noResize="1" noEditPoints="1" noAdjustHandles="1" noChangeArrowheads="1" noChangeShapeType="1" noTextEdit="1"/>
+          </p:cNvSpPr>
+          <p:nvPr>
+            <p:extLst>
+              <p:ext uri="{386F3935-93C4-4BCD-93E2-E3B085C9AB24}">
+                <p16:designElem xmlns:p16="http://schemas.microsoft.com/office/powerpoint/2015/main" val="1"/>
+              </p:ext>
+            </p:extLst>
+          </p:nvPr>
+        </p:nvSpPr>
+        <p:spPr>
+          <a:xfrm>
+            <a:off x="0" y="0"/>
+            <a:ext cx="8128856" cy="1575461"/>
+          </a:xfrm>
+          <a:prstGeom prst="rect">
+            <a:avLst/>
+          </a:prstGeom>
+          <a:gradFill>
+            <a:gsLst>
+              <a:gs pos="0">
+                <a:schemeClr val="accent1">
+                  <a:alpha val="41000"/>
+                </a:schemeClr>
+              </a:gs>
+              <a:gs pos="74000">
+                <a:schemeClr val="accent1">
+                  <a:lumMod val="60000"/>
+                  <a:lumOff val="40000"/>
+                  <a:alpha val="0"/>
+                </a:schemeClr>
+              </a:gs>
+            </a:gsLst>
+            <a:lin ang="8400000" scaled="0"/>
+          </a:gradFill>
+          <a:ln>
+            <a:noFill/>
+          </a:ln>
+        </p:spPr>
+        <p:style>
+          <a:lnRef idx="2">
+            <a:schemeClr val="accent1">
+              <a:shade val="50000"/>
+            </a:schemeClr>
+          </a:lnRef>
+          <a:fillRef idx="1">
+            <a:schemeClr val="accent1"/>
+          </a:fillRef>
+          <a:effectRef idx="0">
+            <a:schemeClr val="accent1"/>
+          </a:effectRef>
+          <a:fontRef idx="minor">
+            <a:schemeClr val="lt1"/>
+          </a:fontRef>
+        </p:style>
+        <p:txBody>
+          <a:bodyPr rtlCol="0" anchor="ctr"/>
+          <a:lstStyle/>
+          <a:p>
+            <a:pPr algn="ctr"/>
+            <a:endParaRPr lang="en-US"/>
+          </a:p>
+        </p:txBody>
+      </p:sp>
+      <p:sp>
+        <p:nvSpPr>
+          <p:cNvPr id="2061" name="Rectangle 2060">
+            <a:extLst>
+              <a:ext uri="{FF2B5EF4-FFF2-40B4-BE49-F238E27FC236}">
+                <a16:creationId xmlns:a16="http://schemas.microsoft.com/office/drawing/2014/main" id="{A7009A0A-BEF5-4EAC-AF15-E4F9F002E239}"/>
+              </a:ext>
+              <a:ext uri="{C183D7F6-B498-43B3-948B-1728B52AA6E4}">
+                <adec:decorative xmlns:adec="http://schemas.microsoft.com/office/drawing/2017/decorative" val="1"/>
+              </a:ext>
+            </a:extLst>
+          </p:cNvPr>
+          <p:cNvSpPr>
+            <a:spLocks noGrp="1" noRot="1" noChangeAspect="1" noMove="1" noResize="1" noEditPoints="1" noAdjustHandles="1" noChangeArrowheads="1" noChangeShapeType="1" noTextEdit="1"/>
+          </p:cNvSpPr>
+          <p:nvPr>
+            <p:extLst>
+              <p:ext uri="{386F3935-93C4-4BCD-93E2-E3B085C9AB24}">
+                <p16:designElem xmlns:p16="http://schemas.microsoft.com/office/powerpoint/2015/main" val="1"/>
+              </p:ext>
+            </p:extLst>
+          </p:nvPr>
+        </p:nvSpPr>
+        <p:spPr>
+          <a:xfrm flipH="1">
+            <a:off x="-3" y="-1"/>
+            <a:ext cx="12192002" cy="1574311"/>
+          </a:xfrm>
+          <a:prstGeom prst="rect">
+            <a:avLst/>
+          </a:prstGeom>
+          <a:gradFill>
+            <a:gsLst>
+              <a:gs pos="0">
+                <a:srgbClr val="000000">
+                  <a:alpha val="63000"/>
+                </a:srgbClr>
+              </a:gs>
+              <a:gs pos="78000">
+                <a:schemeClr val="accent1">
+                  <a:alpha val="15000"/>
+                </a:schemeClr>
+              </a:gs>
+            </a:gsLst>
+            <a:lin ang="15600000" scaled="0"/>
+          </a:gradFill>
+          <a:ln>
+            <a:noFill/>
+          </a:ln>
+        </p:spPr>
+        <p:style>
+          <a:lnRef idx="2">
+            <a:schemeClr val="accent1">
+              <a:shade val="50000"/>
+            </a:schemeClr>
+          </a:lnRef>
+          <a:fillRef idx="1">
+            <a:schemeClr val="accent1"/>
+          </a:fillRef>
+          <a:effectRef idx="0">
+            <a:schemeClr val="accent1"/>
+          </a:effectRef>
+          <a:fontRef idx="minor">
+            <a:schemeClr val="lt1"/>
+          </a:fontRef>
+        </p:style>
+        <p:txBody>
+          <a:bodyPr rtlCol="0" anchor="ctr"/>
+          <a:lstStyle/>
+          <a:p>
+            <a:pPr algn="ctr"/>
+            <a:endParaRPr lang="en-US"/>
+          </a:p>
+        </p:txBody>
+      </p:sp>
+      <p:sp>
+        <p:nvSpPr>
+          <p:cNvPr id="2" name="Título 1">
+            <a:extLst>
+              <a:ext uri="{FF2B5EF4-FFF2-40B4-BE49-F238E27FC236}">
+                <a16:creationId xmlns:a16="http://schemas.microsoft.com/office/drawing/2014/main" id="{9B2594E6-7212-20CD-338A-1C52F7F868FE}"/>
+              </a:ext>
+            </a:extLst>
+          </p:cNvPr>
+          <p:cNvSpPr>
+            <a:spLocks noGrp="1"/>
+          </p:cNvSpPr>
+          <p:nvPr>
+            <p:ph type="title"/>
+          </p:nvPr>
+        </p:nvSpPr>
+        <p:spPr>
+          <a:xfrm>
+            <a:off x="699713" y="248038"/>
+            <a:ext cx="7063721" cy="1159200"/>
+          </a:xfrm>
+        </p:spPr>
+        <p:txBody>
+          <a:bodyPr vert="horz" lIns="91440" tIns="45720" rIns="91440" bIns="45720" rtlCol="0" anchor="ctr">
+            <a:normAutofit/>
+          </a:bodyPr>
+          <a:lstStyle/>
+          <a:p>
+            <a:r>
+              <a:rPr lang="en-US" sz="4000" kern="1200" dirty="0">
+                <a:solidFill>
+                  <a:srgbClr val="FFFFFF"/>
+                </a:solidFill>
+                <a:latin typeface="+mj-lt"/>
+                <a:ea typeface="+mj-ea"/>
+                <a:cs typeface="+mj-cs"/>
+              </a:rPr>
+              <a:t>30 </a:t>
+            </a:r>
+            <a:r>
+              <a:rPr lang="en-US" sz="4000" kern="1200" dirty="0" err="1">
+                <a:solidFill>
+                  <a:srgbClr val="FFFFFF"/>
+                </a:solidFill>
+                <a:latin typeface="+mj-lt"/>
+                <a:ea typeface="+mj-ea"/>
+                <a:cs typeface="+mj-cs"/>
+              </a:rPr>
+              <a:t>Funciones</a:t>
+            </a:r>
+            <a:endParaRPr lang="en-US" sz="4000" kern="1200" dirty="0">
+              <a:solidFill>
+                <a:srgbClr val="FFFFFF"/>
+              </a:solidFill>
+              <a:latin typeface="+mj-lt"/>
+              <a:ea typeface="+mj-ea"/>
+              <a:cs typeface="+mj-cs"/>
+            </a:endParaRPr>
+          </a:p>
+        </p:txBody>
+      </p:sp>
+      <p:pic>
+        <p:nvPicPr>
+          <p:cNvPr id="4" name="Imagen 3">
+            <a:extLst>
+              <a:ext uri="{FF2B5EF4-FFF2-40B4-BE49-F238E27FC236}">
+                <a16:creationId xmlns:a16="http://schemas.microsoft.com/office/drawing/2014/main" id="{1625EE67-1F39-407A-BA27-3EC8CB5C65F9}"/>
+              </a:ext>
+            </a:extLst>
+          </p:cNvPr>
+          <p:cNvPicPr>
+            <a:picLocks noChangeAspect="1"/>
+          </p:cNvPicPr>
+          <p:nvPr/>
+        </p:nvPicPr>
+        <p:blipFill>
+          <a:blip r:embed="rId2"/>
+          <a:stretch>
+            <a:fillRect/>
+          </a:stretch>
+        </p:blipFill>
+        <p:spPr>
+          <a:xfrm>
+            <a:off x="1903655" y="1822348"/>
+            <a:ext cx="4092295" cy="4884843"/>
+          </a:xfrm>
+          <a:prstGeom prst="rect">
+            <a:avLst/>
+          </a:prstGeom>
+        </p:spPr>
+      </p:pic>
+      <p:pic>
+        <p:nvPicPr>
+          <p:cNvPr id="6" name="Imagen 5">
+            <a:extLst>
+              <a:ext uri="{FF2B5EF4-FFF2-40B4-BE49-F238E27FC236}">
+                <a16:creationId xmlns:a16="http://schemas.microsoft.com/office/drawing/2014/main" id="{3F0D0245-30F5-46D4-8AE9-A28D20EFAF60}"/>
+              </a:ext>
+            </a:extLst>
+          </p:cNvPr>
+          <p:cNvPicPr>
+            <a:picLocks noChangeAspect="1"/>
+          </p:cNvPicPr>
+          <p:nvPr/>
+        </p:nvPicPr>
+        <p:blipFill>
+          <a:blip r:embed="rId3"/>
+          <a:stretch>
+            <a:fillRect/>
+          </a:stretch>
+        </p:blipFill>
+        <p:spPr>
+          <a:xfrm>
+            <a:off x="7763434" y="1822347"/>
+            <a:ext cx="3220775" cy="4884843"/>
+          </a:xfrm>
+          <a:prstGeom prst="rect">
+            <a:avLst/>
+          </a:prstGeom>
+        </p:spPr>
+      </p:pic>
+    </p:spTree>
+    <p:extLst>
+      <p:ext uri="{BB962C8B-B14F-4D97-AF65-F5344CB8AC3E}">
+        <p14:creationId xmlns:p14="http://schemas.microsoft.com/office/powerpoint/2010/main" val="2962351529"/>
+      </p:ext>
+    </p:extLst>
+  </p:cSld>
+  <p:clrMapOvr>
+    <a:masterClrMapping/>
+  </p:clrMapOvr>
+  <mc:AlternateContent xmlns:mc="http://schemas.openxmlformats.org/markup-compatibility/2006">
+    <mc:Choice xmlns:p15="http://schemas.microsoft.com/office/powerpoint/2012/main" Requires="p15">
+      <p:transition xmlns:p14="http://schemas.microsoft.com/office/powerpoint/2010/main" spd="slow" p14:dur="2000">
+        <p15:prstTrans prst="prestige"/>
+      </p:transition>
+    </mc:Choice>
+    <mc:Fallback>
+      <p:transition spd="slow">
+        <p:fade/>
+      </p:transition>
+    </mc:Fallback>
+  </mc:AlternateContent>
+</p:sld>
+</file>
+
+<file path=ppt/slides/slide17.xml><?xml version="1.0" encoding="utf-8"?>
+<p:sld xmlns:a="http://schemas.openxmlformats.org/drawingml/2006/main" xmlns:r="http://schemas.openxmlformats.org/officeDocument/2006/relationships" xmlns:p="http://schemas.openxmlformats.org/presentationml/2006/main">
+  <p:cSld>
+    <p:bg>
+      <p:bgPr>
+        <a:solidFill>
+          <a:schemeClr val="bg1"/>
+        </a:solidFill>
+        <a:effectLst/>
+      </p:bgPr>
+    </p:bg>
+    <p:spTree>
+      <p:nvGrpSpPr>
+        <p:cNvPr id="1" name=""/>
+        <p:cNvGrpSpPr/>
+        <p:nvPr/>
+      </p:nvGrpSpPr>
+      <p:grpSpPr>
+        <a:xfrm>
+          <a:off x="0" y="0"/>
+          <a:ext cx="0" cy="0"/>
+          <a:chOff x="0" y="0"/>
+          <a:chExt cx="0" cy="0"/>
+        </a:xfrm>
+      </p:grpSpPr>
+      <p:sp useBgFill="1">
+        <p:nvSpPr>
+          <p:cNvPr id="2055" name="Rectangle 2054">
+            <a:extLst>
+              <a:ext uri="{FF2B5EF4-FFF2-40B4-BE49-F238E27FC236}">
+                <a16:creationId xmlns:a16="http://schemas.microsoft.com/office/drawing/2014/main" id="{A8384FB5-9ADC-4DDC-881B-597D56F5B15D}"/>
+              </a:ext>
+              <a:ext uri="{C183D7F6-B498-43B3-948B-1728B52AA6E4}">
+                <adec:decorative xmlns:adec="http://schemas.microsoft.com/office/drawing/2017/decorative" val="1"/>
+              </a:ext>
+            </a:extLst>
+          </p:cNvPr>
+          <p:cNvSpPr>
+            <a:spLocks noGrp="1" noRot="1" noChangeAspect="1" noMove="1" noResize="1" noEditPoints="1" noAdjustHandles="1" noChangeArrowheads="1" noChangeShapeType="1" noTextEdit="1"/>
+          </p:cNvSpPr>
+          <p:nvPr>
+            <p:extLst>
+              <p:ext uri="{386F3935-93C4-4BCD-93E2-E3B085C9AB24}">
+                <p16:designElem xmlns:p16="http://schemas.microsoft.com/office/powerpoint/2015/main" val="1"/>
+              </p:ext>
+            </p:extLst>
+          </p:nvPr>
+        </p:nvSpPr>
+        <p:spPr>
+          <a:xfrm>
+            <a:off x="0" y="0"/>
+            <a:ext cx="12192000" cy="6858000"/>
+          </a:xfrm>
+          <a:prstGeom prst="rect">
+            <a:avLst/>
+          </a:prstGeom>
+          <a:ln w="12700" cap="flat" cmpd="sng" algn="ctr">
+            <a:noFill/>
+            <a:prstDash val="solid"/>
+            <a:miter lim="800000"/>
+          </a:ln>
+          <a:effectLst/>
+          <a:extLst>
+            <a:ext uri="{91240B29-F687-4F45-9708-019B960494DF}">
+              <a14:hiddenLine xmlns:a14="http://schemas.microsoft.com/office/drawing/2010/main" w="12700" cap="flat" cmpd="sng" algn="ctr">
+                <a:solidFill>
+                  <a:schemeClr val="accent1">
+                    <a:shade val="50000"/>
+                  </a:schemeClr>
+                </a:solidFill>
+                <a:prstDash val="solid"/>
+                <a:miter lim="800000"/>
+              </a14:hiddenLine>
+            </a:ext>
+          </a:extLst>
+        </p:spPr>
+        <p:style>
+          <a:lnRef idx="2">
+            <a:schemeClr val="accent1">
+              <a:shade val="50000"/>
+            </a:schemeClr>
+          </a:lnRef>
+          <a:fillRef idx="1">
+            <a:schemeClr val="accent1"/>
+          </a:fillRef>
+          <a:effectRef idx="0">
+            <a:schemeClr val="accent1"/>
+          </a:effectRef>
+          <a:fontRef idx="minor">
+            <a:schemeClr val="lt1"/>
+          </a:fontRef>
+        </p:style>
+        <p:txBody>
+          <a:bodyPr rtlCol="0" anchor="ctr"/>
+          <a:lstStyle/>
+          <a:p>
+            <a:pPr algn="ctr"/>
+            <a:endParaRPr lang="en-US"/>
+          </a:p>
+        </p:txBody>
+      </p:sp>
+      <p:sp>
+        <p:nvSpPr>
+          <p:cNvPr id="2057" name="Rectangle 2056">
+            <a:extLst>
+              <a:ext uri="{FF2B5EF4-FFF2-40B4-BE49-F238E27FC236}">
+                <a16:creationId xmlns:a16="http://schemas.microsoft.com/office/drawing/2014/main" id="{1199E1B1-A8C0-4FE8-A5A8-1CB41D69F857}"/>
+              </a:ext>
+              <a:ext uri="{C183D7F6-B498-43B3-948B-1728B52AA6E4}">
+                <adec:decorative xmlns:adec="http://schemas.microsoft.com/office/drawing/2017/decorative" val="1"/>
+              </a:ext>
+            </a:extLst>
+          </p:cNvPr>
+          <p:cNvSpPr>
+            <a:spLocks noGrp="1" noRot="1" noChangeAspect="1" noMove="1" noResize="1" noEditPoints="1" noAdjustHandles="1" noChangeArrowheads="1" noChangeShapeType="1" noTextEdit="1"/>
+          </p:cNvSpPr>
+          <p:nvPr>
+            <p:extLst>
+              <p:ext uri="{386F3935-93C4-4BCD-93E2-E3B085C9AB24}">
+                <p16:designElem xmlns:p16="http://schemas.microsoft.com/office/powerpoint/2015/main" val="1"/>
+              </p:ext>
+            </p:extLst>
+          </p:nvPr>
+        </p:nvSpPr>
+        <p:spPr>
+          <a:xfrm rot="10800000" flipH="1">
+            <a:off x="2" y="0"/>
+            <a:ext cx="12191998" cy="1575955"/>
+          </a:xfrm>
+          <a:prstGeom prst="rect">
+            <a:avLst/>
+          </a:prstGeom>
+          <a:gradFill>
+            <a:gsLst>
+              <a:gs pos="0">
+                <a:srgbClr val="000000">
+                  <a:alpha val="96000"/>
+                </a:srgbClr>
+              </a:gs>
+              <a:gs pos="100000">
+                <a:schemeClr val="accent1">
+                  <a:lumMod val="75000"/>
+                </a:schemeClr>
+              </a:gs>
+            </a:gsLst>
+            <a:lin ang="6000000" scaled="0"/>
+          </a:gradFill>
+          <a:ln>
+            <a:noFill/>
+          </a:ln>
+        </p:spPr>
+        <p:style>
+          <a:lnRef idx="2">
+            <a:schemeClr val="accent1">
+              <a:shade val="50000"/>
+            </a:schemeClr>
+          </a:lnRef>
+          <a:fillRef idx="1">
+            <a:schemeClr val="accent1"/>
+          </a:fillRef>
+          <a:effectRef idx="0">
+            <a:schemeClr val="accent1"/>
+          </a:effectRef>
+          <a:fontRef idx="minor">
+            <a:schemeClr val="lt1"/>
+          </a:fontRef>
+        </p:style>
+        <p:txBody>
+          <a:bodyPr rtlCol="0" anchor="ctr"/>
+          <a:lstStyle/>
+          <a:p>
+            <a:pPr algn="ctr"/>
+            <a:endParaRPr lang="en-US"/>
+          </a:p>
+        </p:txBody>
+      </p:sp>
+      <p:sp>
+        <p:nvSpPr>
+          <p:cNvPr id="2059" name="Rectangle 2058">
+            <a:extLst>
+              <a:ext uri="{FF2B5EF4-FFF2-40B4-BE49-F238E27FC236}">
+                <a16:creationId xmlns:a16="http://schemas.microsoft.com/office/drawing/2014/main" id="{84A8DE83-DE75-4B41-9DB4-A7EC0B0DEC0B}"/>
+              </a:ext>
+              <a:ext uri="{C183D7F6-B498-43B3-948B-1728B52AA6E4}">
+                <adec:decorative xmlns:adec="http://schemas.microsoft.com/office/drawing/2017/decorative" val="1"/>
+              </a:ext>
+            </a:extLst>
+          </p:cNvPr>
+          <p:cNvSpPr>
+            <a:spLocks noGrp="1" noRot="1" noChangeAspect="1" noMove="1" noResize="1" noEditPoints="1" noAdjustHandles="1" noChangeArrowheads="1" noChangeShapeType="1" noTextEdit="1"/>
+          </p:cNvSpPr>
+          <p:nvPr>
+            <p:extLst>
+              <p:ext uri="{386F3935-93C4-4BCD-93E2-E3B085C9AB24}">
+                <p16:designElem xmlns:p16="http://schemas.microsoft.com/office/powerpoint/2015/main" val="1"/>
+              </p:ext>
+            </p:extLst>
+          </p:nvPr>
+        </p:nvSpPr>
+        <p:spPr>
+          <a:xfrm>
+            <a:off x="0" y="0"/>
+            <a:ext cx="8128856" cy="1575461"/>
+          </a:xfrm>
+          <a:prstGeom prst="rect">
+            <a:avLst/>
+          </a:prstGeom>
+          <a:gradFill>
+            <a:gsLst>
+              <a:gs pos="0">
+                <a:schemeClr val="accent1">
+                  <a:alpha val="41000"/>
+                </a:schemeClr>
+              </a:gs>
+              <a:gs pos="74000">
+                <a:schemeClr val="accent1">
+                  <a:lumMod val="60000"/>
+                  <a:lumOff val="40000"/>
+                  <a:alpha val="0"/>
+                </a:schemeClr>
+              </a:gs>
+            </a:gsLst>
+            <a:lin ang="8400000" scaled="0"/>
+          </a:gradFill>
+          <a:ln>
+            <a:noFill/>
+          </a:ln>
+        </p:spPr>
+        <p:style>
+          <a:lnRef idx="2">
+            <a:schemeClr val="accent1">
+              <a:shade val="50000"/>
+            </a:schemeClr>
+          </a:lnRef>
+          <a:fillRef idx="1">
+            <a:schemeClr val="accent1"/>
+          </a:fillRef>
+          <a:effectRef idx="0">
+            <a:schemeClr val="accent1"/>
+          </a:effectRef>
+          <a:fontRef idx="minor">
+            <a:schemeClr val="lt1"/>
+          </a:fontRef>
+        </p:style>
+        <p:txBody>
+          <a:bodyPr rtlCol="0" anchor="ctr"/>
+          <a:lstStyle/>
+          <a:p>
+            <a:pPr algn="ctr"/>
+            <a:endParaRPr lang="en-US"/>
+          </a:p>
+        </p:txBody>
+      </p:sp>
+      <p:sp>
+        <p:nvSpPr>
+          <p:cNvPr id="2061" name="Rectangle 2060">
+            <a:extLst>
+              <a:ext uri="{FF2B5EF4-FFF2-40B4-BE49-F238E27FC236}">
+                <a16:creationId xmlns:a16="http://schemas.microsoft.com/office/drawing/2014/main" id="{A7009A0A-BEF5-4EAC-AF15-E4F9F002E239}"/>
+              </a:ext>
+              <a:ext uri="{C183D7F6-B498-43B3-948B-1728B52AA6E4}">
+                <adec:decorative xmlns:adec="http://schemas.microsoft.com/office/drawing/2017/decorative" val="1"/>
+              </a:ext>
+            </a:extLst>
+          </p:cNvPr>
+          <p:cNvSpPr>
+            <a:spLocks noGrp="1" noRot="1" noChangeAspect="1" noMove="1" noResize="1" noEditPoints="1" noAdjustHandles="1" noChangeArrowheads="1" noChangeShapeType="1" noTextEdit="1"/>
+          </p:cNvSpPr>
+          <p:nvPr>
+            <p:extLst>
+              <p:ext uri="{386F3935-93C4-4BCD-93E2-E3B085C9AB24}">
+                <p16:designElem xmlns:p16="http://schemas.microsoft.com/office/powerpoint/2015/main" val="1"/>
+              </p:ext>
+            </p:extLst>
+          </p:nvPr>
+        </p:nvSpPr>
+        <p:spPr>
+          <a:xfrm flipH="1">
+            <a:off x="-3" y="-1"/>
+            <a:ext cx="12192002" cy="1574311"/>
+          </a:xfrm>
+          <a:prstGeom prst="rect">
+            <a:avLst/>
+          </a:prstGeom>
+          <a:gradFill>
+            <a:gsLst>
+              <a:gs pos="0">
+                <a:srgbClr val="000000">
+                  <a:alpha val="63000"/>
+                </a:srgbClr>
+              </a:gs>
+              <a:gs pos="78000">
+                <a:schemeClr val="accent1">
+                  <a:alpha val="15000"/>
+                </a:schemeClr>
+              </a:gs>
+            </a:gsLst>
+            <a:lin ang="15600000" scaled="0"/>
+          </a:gradFill>
+          <a:ln>
+            <a:noFill/>
+          </a:ln>
+        </p:spPr>
+        <p:style>
+          <a:lnRef idx="2">
+            <a:schemeClr val="accent1">
+              <a:shade val="50000"/>
+            </a:schemeClr>
+          </a:lnRef>
+          <a:fillRef idx="1">
+            <a:schemeClr val="accent1"/>
+          </a:fillRef>
+          <a:effectRef idx="0">
+            <a:schemeClr val="accent1"/>
+          </a:effectRef>
+          <a:fontRef idx="minor">
+            <a:schemeClr val="lt1"/>
+          </a:fontRef>
+        </p:style>
+        <p:txBody>
+          <a:bodyPr rtlCol="0" anchor="ctr"/>
+          <a:lstStyle/>
+          <a:p>
+            <a:pPr algn="ctr"/>
+            <a:endParaRPr lang="en-US"/>
+          </a:p>
+        </p:txBody>
+      </p:sp>
+      <p:sp>
+        <p:nvSpPr>
+          <p:cNvPr id="2" name="Título 1">
+            <a:extLst>
+              <a:ext uri="{FF2B5EF4-FFF2-40B4-BE49-F238E27FC236}">
+                <a16:creationId xmlns:a16="http://schemas.microsoft.com/office/drawing/2014/main" id="{9B2594E6-7212-20CD-338A-1C52F7F868FE}"/>
+              </a:ext>
+            </a:extLst>
+          </p:cNvPr>
+          <p:cNvSpPr>
+            <a:spLocks noGrp="1"/>
+          </p:cNvSpPr>
+          <p:nvPr>
+            <p:ph type="title"/>
+          </p:nvPr>
+        </p:nvSpPr>
+        <p:spPr>
+          <a:xfrm>
+            <a:off x="699713" y="248038"/>
+            <a:ext cx="7063721" cy="1159200"/>
+          </a:xfrm>
+        </p:spPr>
+        <p:txBody>
+          <a:bodyPr vert="horz" lIns="91440" tIns="45720" rIns="91440" bIns="45720" rtlCol="0" anchor="ctr">
+            <a:normAutofit/>
+          </a:bodyPr>
+          <a:lstStyle/>
+          <a:p>
+            <a:r>
+              <a:rPr lang="en-US" sz="4000" kern="1200" dirty="0">
+                <a:solidFill>
+                  <a:srgbClr val="FFFFFF"/>
+                </a:solidFill>
+                <a:latin typeface="+mj-lt"/>
+                <a:ea typeface="+mj-ea"/>
+                <a:cs typeface="+mj-cs"/>
+              </a:rPr>
+              <a:t>30 </a:t>
+            </a:r>
+            <a:r>
+              <a:rPr lang="en-US" sz="4000" kern="1200" dirty="0" err="1">
+                <a:solidFill>
+                  <a:srgbClr val="FFFFFF"/>
+                </a:solidFill>
+                <a:latin typeface="+mj-lt"/>
+                <a:ea typeface="+mj-ea"/>
+                <a:cs typeface="+mj-cs"/>
+              </a:rPr>
+              <a:t>Funciones</a:t>
+            </a:r>
+            <a:endParaRPr lang="en-US" sz="4000" kern="1200" dirty="0">
+              <a:solidFill>
+                <a:srgbClr val="FFFFFF"/>
+              </a:solidFill>
+              <a:latin typeface="+mj-lt"/>
+              <a:ea typeface="+mj-ea"/>
+              <a:cs typeface="+mj-cs"/>
+            </a:endParaRPr>
+          </a:p>
+        </p:txBody>
+      </p:sp>
+      <p:pic>
+        <p:nvPicPr>
+          <p:cNvPr id="4" name="Imagen 3">
+            <a:extLst>
+              <a:ext uri="{FF2B5EF4-FFF2-40B4-BE49-F238E27FC236}">
+                <a16:creationId xmlns:a16="http://schemas.microsoft.com/office/drawing/2014/main" id="{3895399A-99E8-4232-8CC2-6BEC7D725807}"/>
+              </a:ext>
+            </a:extLst>
+          </p:cNvPr>
+          <p:cNvPicPr>
+            <a:picLocks noChangeAspect="1"/>
+          </p:cNvPicPr>
+          <p:nvPr/>
+        </p:nvPicPr>
+        <p:blipFill>
+          <a:blip r:embed="rId2"/>
+          <a:stretch>
+            <a:fillRect/>
+          </a:stretch>
+        </p:blipFill>
+        <p:spPr>
+          <a:xfrm>
+            <a:off x="1958241" y="1851807"/>
+            <a:ext cx="3148387" cy="4758155"/>
+          </a:xfrm>
+          <a:prstGeom prst="rect">
+            <a:avLst/>
+          </a:prstGeom>
+        </p:spPr>
+      </p:pic>
+      <p:pic>
+        <p:nvPicPr>
+          <p:cNvPr id="8" name="Imagen 7">
+            <a:extLst>
+              <a:ext uri="{FF2B5EF4-FFF2-40B4-BE49-F238E27FC236}">
+                <a16:creationId xmlns:a16="http://schemas.microsoft.com/office/drawing/2014/main" id="{F12550F6-6128-44D5-9517-CF5CB78B9C0B}"/>
+              </a:ext>
+            </a:extLst>
+          </p:cNvPr>
+          <p:cNvPicPr>
+            <a:picLocks noChangeAspect="1"/>
+          </p:cNvPicPr>
+          <p:nvPr/>
+        </p:nvPicPr>
+        <p:blipFill rotWithShape="1">
+          <a:blip r:embed="rId3"/>
+          <a:srcRect b="29000"/>
+          <a:stretch/>
+        </p:blipFill>
+        <p:spPr>
+          <a:xfrm>
+            <a:off x="7763434" y="1712483"/>
+            <a:ext cx="3291983" cy="5006193"/>
+          </a:xfrm>
+          <a:prstGeom prst="rect">
+            <a:avLst/>
+          </a:prstGeom>
+        </p:spPr>
+      </p:pic>
+    </p:spTree>
+    <p:extLst>
+      <p:ext uri="{BB962C8B-B14F-4D97-AF65-F5344CB8AC3E}">
+        <p14:creationId xmlns:p14="http://schemas.microsoft.com/office/powerpoint/2010/main" val="4131603183"/>
+      </p:ext>
+    </p:extLst>
+  </p:cSld>
+  <p:clrMapOvr>
+    <a:masterClrMapping/>
+  </p:clrMapOvr>
+  <mc:AlternateContent xmlns:mc="http://schemas.openxmlformats.org/markup-compatibility/2006">
+    <mc:Choice xmlns:p15="http://schemas.microsoft.com/office/powerpoint/2012/main" Requires="p15">
+      <p:transition xmlns:p14="http://schemas.microsoft.com/office/powerpoint/2010/main" spd="slow" p14:dur="2000">
+        <p15:prstTrans prst="prestige"/>
+      </p:transition>
+    </mc:Choice>
+    <mc:Fallback>
+      <p:transition spd="slow">
+        <p:fade/>
+      </p:transition>
+    </mc:Fallback>
+  </mc:AlternateContent>
+</p:sld>
+</file>
+
+<file path=ppt/slides/slide18.xml><?xml version="1.0" encoding="utf-8"?>
+<p:sld xmlns:a="http://schemas.openxmlformats.org/drawingml/2006/main" xmlns:r="http://schemas.openxmlformats.org/officeDocument/2006/relationships" xmlns:p="http://schemas.openxmlformats.org/presentationml/2006/main">
+  <p:cSld>
+    <p:bg>
+      <p:bgPr>
+        <a:solidFill>
+          <a:schemeClr val="bg1"/>
+        </a:solidFill>
+        <a:effectLst/>
+      </p:bgPr>
+    </p:bg>
+    <p:spTree>
+      <p:nvGrpSpPr>
+        <p:cNvPr id="1" name=""/>
+        <p:cNvGrpSpPr/>
+        <p:nvPr/>
+      </p:nvGrpSpPr>
+      <p:grpSpPr>
+        <a:xfrm>
+          <a:off x="0" y="0"/>
+          <a:ext cx="0" cy="0"/>
+          <a:chOff x="0" y="0"/>
+          <a:chExt cx="0" cy="0"/>
+        </a:xfrm>
+      </p:grpSpPr>
+      <p:sp useBgFill="1">
+        <p:nvSpPr>
+          <p:cNvPr id="2055" name="Rectangle 2054">
+            <a:extLst>
+              <a:ext uri="{FF2B5EF4-FFF2-40B4-BE49-F238E27FC236}">
+                <a16:creationId xmlns:a16="http://schemas.microsoft.com/office/drawing/2014/main" id="{A8384FB5-9ADC-4DDC-881B-597D56F5B15D}"/>
+              </a:ext>
+              <a:ext uri="{C183D7F6-B498-43B3-948B-1728B52AA6E4}">
+                <adec:decorative xmlns:adec="http://schemas.microsoft.com/office/drawing/2017/decorative" val="1"/>
+              </a:ext>
+            </a:extLst>
+          </p:cNvPr>
+          <p:cNvSpPr>
+            <a:spLocks noGrp="1" noRot="1" noChangeAspect="1" noMove="1" noResize="1" noEditPoints="1" noAdjustHandles="1" noChangeArrowheads="1" noChangeShapeType="1" noTextEdit="1"/>
+          </p:cNvSpPr>
+          <p:nvPr>
+            <p:extLst>
+              <p:ext uri="{386F3935-93C4-4BCD-93E2-E3B085C9AB24}">
+                <p16:designElem xmlns:p16="http://schemas.microsoft.com/office/powerpoint/2015/main" val="1"/>
+              </p:ext>
+            </p:extLst>
+          </p:nvPr>
+        </p:nvSpPr>
+        <p:spPr>
+          <a:xfrm>
+            <a:off x="0" y="0"/>
+            <a:ext cx="12192000" cy="6858000"/>
+          </a:xfrm>
+          <a:prstGeom prst="rect">
+            <a:avLst/>
+          </a:prstGeom>
+          <a:ln w="12700" cap="flat" cmpd="sng" algn="ctr">
+            <a:noFill/>
+            <a:prstDash val="solid"/>
+            <a:miter lim="800000"/>
+          </a:ln>
+          <a:effectLst/>
+          <a:extLst>
+            <a:ext uri="{91240B29-F687-4F45-9708-019B960494DF}">
+              <a14:hiddenLine xmlns:a14="http://schemas.microsoft.com/office/drawing/2010/main" w="12700" cap="flat" cmpd="sng" algn="ctr">
+                <a:solidFill>
+                  <a:schemeClr val="accent1">
+                    <a:shade val="50000"/>
+                  </a:schemeClr>
+                </a:solidFill>
+                <a:prstDash val="solid"/>
+                <a:miter lim="800000"/>
+              </a14:hiddenLine>
+            </a:ext>
+          </a:extLst>
+        </p:spPr>
+        <p:style>
+          <a:lnRef idx="2">
+            <a:schemeClr val="accent1">
+              <a:shade val="50000"/>
+            </a:schemeClr>
+          </a:lnRef>
+          <a:fillRef idx="1">
+            <a:schemeClr val="accent1"/>
+          </a:fillRef>
+          <a:effectRef idx="0">
+            <a:schemeClr val="accent1"/>
+          </a:effectRef>
+          <a:fontRef idx="minor">
+            <a:schemeClr val="lt1"/>
+          </a:fontRef>
+        </p:style>
+        <p:txBody>
+          <a:bodyPr rtlCol="0" anchor="ctr"/>
+          <a:lstStyle/>
+          <a:p>
+            <a:pPr algn="ctr"/>
+            <a:endParaRPr lang="en-US"/>
+          </a:p>
+        </p:txBody>
+      </p:sp>
+      <p:sp>
+        <p:nvSpPr>
+          <p:cNvPr id="2057" name="Rectangle 2056">
+            <a:extLst>
+              <a:ext uri="{FF2B5EF4-FFF2-40B4-BE49-F238E27FC236}">
+                <a16:creationId xmlns:a16="http://schemas.microsoft.com/office/drawing/2014/main" id="{1199E1B1-A8C0-4FE8-A5A8-1CB41D69F857}"/>
+              </a:ext>
+              <a:ext uri="{C183D7F6-B498-43B3-948B-1728B52AA6E4}">
+                <adec:decorative xmlns:adec="http://schemas.microsoft.com/office/drawing/2017/decorative" val="1"/>
+              </a:ext>
+            </a:extLst>
+          </p:cNvPr>
+          <p:cNvSpPr>
+            <a:spLocks noGrp="1" noRot="1" noChangeAspect="1" noMove="1" noResize="1" noEditPoints="1" noAdjustHandles="1" noChangeArrowheads="1" noChangeShapeType="1" noTextEdit="1"/>
+          </p:cNvSpPr>
+          <p:nvPr>
+            <p:extLst>
+              <p:ext uri="{386F3935-93C4-4BCD-93E2-E3B085C9AB24}">
+                <p16:designElem xmlns:p16="http://schemas.microsoft.com/office/powerpoint/2015/main" val="1"/>
+              </p:ext>
+            </p:extLst>
+          </p:nvPr>
+        </p:nvSpPr>
+        <p:spPr>
+          <a:xfrm rot="10800000" flipH="1">
+            <a:off x="2" y="0"/>
+            <a:ext cx="12191998" cy="1575955"/>
+          </a:xfrm>
+          <a:prstGeom prst="rect">
+            <a:avLst/>
+          </a:prstGeom>
+          <a:gradFill>
+            <a:gsLst>
+              <a:gs pos="0">
+                <a:srgbClr val="000000">
+                  <a:alpha val="96000"/>
+                </a:srgbClr>
+              </a:gs>
+              <a:gs pos="100000">
+                <a:schemeClr val="accent1">
+                  <a:lumMod val="75000"/>
+                </a:schemeClr>
+              </a:gs>
+            </a:gsLst>
+            <a:lin ang="6000000" scaled="0"/>
+          </a:gradFill>
+          <a:ln>
+            <a:noFill/>
+          </a:ln>
+        </p:spPr>
+        <p:style>
+          <a:lnRef idx="2">
+            <a:schemeClr val="accent1">
+              <a:shade val="50000"/>
+            </a:schemeClr>
+          </a:lnRef>
+          <a:fillRef idx="1">
+            <a:schemeClr val="accent1"/>
+          </a:fillRef>
+          <a:effectRef idx="0">
+            <a:schemeClr val="accent1"/>
+          </a:effectRef>
+          <a:fontRef idx="minor">
+            <a:schemeClr val="lt1"/>
+          </a:fontRef>
+        </p:style>
+        <p:txBody>
+          <a:bodyPr rtlCol="0" anchor="ctr"/>
+          <a:lstStyle/>
+          <a:p>
+            <a:pPr algn="ctr"/>
+            <a:endParaRPr lang="en-US"/>
+          </a:p>
+        </p:txBody>
+      </p:sp>
+      <p:sp>
+        <p:nvSpPr>
+          <p:cNvPr id="2059" name="Rectangle 2058">
+            <a:extLst>
+              <a:ext uri="{FF2B5EF4-FFF2-40B4-BE49-F238E27FC236}">
+                <a16:creationId xmlns:a16="http://schemas.microsoft.com/office/drawing/2014/main" id="{84A8DE83-DE75-4B41-9DB4-A7EC0B0DEC0B}"/>
+              </a:ext>
+              <a:ext uri="{C183D7F6-B498-43B3-948B-1728B52AA6E4}">
+                <adec:decorative xmlns:adec="http://schemas.microsoft.com/office/drawing/2017/decorative" val="1"/>
+              </a:ext>
+            </a:extLst>
+          </p:cNvPr>
+          <p:cNvSpPr>
+            <a:spLocks noGrp="1" noRot="1" noChangeAspect="1" noMove="1" noResize="1" noEditPoints="1" noAdjustHandles="1" noChangeArrowheads="1" noChangeShapeType="1" noTextEdit="1"/>
+          </p:cNvSpPr>
+          <p:nvPr>
+            <p:extLst>
+              <p:ext uri="{386F3935-93C4-4BCD-93E2-E3B085C9AB24}">
+                <p16:designElem xmlns:p16="http://schemas.microsoft.com/office/powerpoint/2015/main" val="1"/>
+              </p:ext>
+            </p:extLst>
+          </p:nvPr>
+        </p:nvSpPr>
+        <p:spPr>
+          <a:xfrm>
+            <a:off x="0" y="0"/>
+            <a:ext cx="8128856" cy="1575461"/>
+          </a:xfrm>
+          <a:prstGeom prst="rect">
+            <a:avLst/>
+          </a:prstGeom>
+          <a:gradFill>
+            <a:gsLst>
+              <a:gs pos="0">
+                <a:schemeClr val="accent1">
+                  <a:alpha val="41000"/>
+                </a:schemeClr>
+              </a:gs>
+              <a:gs pos="74000">
+                <a:schemeClr val="accent1">
+                  <a:lumMod val="60000"/>
+                  <a:lumOff val="40000"/>
+                  <a:alpha val="0"/>
+                </a:schemeClr>
+              </a:gs>
+            </a:gsLst>
+            <a:lin ang="8400000" scaled="0"/>
+          </a:gradFill>
+          <a:ln>
+            <a:noFill/>
+          </a:ln>
+        </p:spPr>
+        <p:style>
+          <a:lnRef idx="2">
+            <a:schemeClr val="accent1">
+              <a:shade val="50000"/>
+            </a:schemeClr>
+          </a:lnRef>
+          <a:fillRef idx="1">
+            <a:schemeClr val="accent1"/>
+          </a:fillRef>
+          <a:effectRef idx="0">
+            <a:schemeClr val="accent1"/>
+          </a:effectRef>
+          <a:fontRef idx="minor">
+            <a:schemeClr val="lt1"/>
+          </a:fontRef>
+        </p:style>
+        <p:txBody>
+          <a:bodyPr rtlCol="0" anchor="ctr"/>
+          <a:lstStyle/>
+          <a:p>
+            <a:pPr algn="ctr"/>
+            <a:endParaRPr lang="en-US"/>
+          </a:p>
+        </p:txBody>
+      </p:sp>
+      <p:sp>
+        <p:nvSpPr>
+          <p:cNvPr id="2061" name="Rectangle 2060">
+            <a:extLst>
+              <a:ext uri="{FF2B5EF4-FFF2-40B4-BE49-F238E27FC236}">
+                <a16:creationId xmlns:a16="http://schemas.microsoft.com/office/drawing/2014/main" id="{A7009A0A-BEF5-4EAC-AF15-E4F9F002E239}"/>
+              </a:ext>
+              <a:ext uri="{C183D7F6-B498-43B3-948B-1728B52AA6E4}">
+                <adec:decorative xmlns:adec="http://schemas.microsoft.com/office/drawing/2017/decorative" val="1"/>
+              </a:ext>
+            </a:extLst>
+          </p:cNvPr>
+          <p:cNvSpPr>
+            <a:spLocks noGrp="1" noRot="1" noChangeAspect="1" noMove="1" noResize="1" noEditPoints="1" noAdjustHandles="1" noChangeArrowheads="1" noChangeShapeType="1" noTextEdit="1"/>
+          </p:cNvSpPr>
+          <p:nvPr>
+            <p:extLst>
+              <p:ext uri="{386F3935-93C4-4BCD-93E2-E3B085C9AB24}">
+                <p16:designElem xmlns:p16="http://schemas.microsoft.com/office/powerpoint/2015/main" val="1"/>
+              </p:ext>
+            </p:extLst>
+          </p:nvPr>
+        </p:nvSpPr>
+        <p:spPr>
+          <a:xfrm flipH="1">
+            <a:off x="-3" y="-1"/>
+            <a:ext cx="12192002" cy="1574311"/>
+          </a:xfrm>
+          <a:prstGeom prst="rect">
+            <a:avLst/>
+          </a:prstGeom>
+          <a:gradFill>
+            <a:gsLst>
+              <a:gs pos="0">
+                <a:srgbClr val="000000">
+                  <a:alpha val="63000"/>
+                </a:srgbClr>
+              </a:gs>
+              <a:gs pos="78000">
+                <a:schemeClr val="accent1">
+                  <a:alpha val="15000"/>
+                </a:schemeClr>
+              </a:gs>
+            </a:gsLst>
+            <a:lin ang="15600000" scaled="0"/>
+          </a:gradFill>
+          <a:ln>
+            <a:noFill/>
+          </a:ln>
+        </p:spPr>
+        <p:style>
+          <a:lnRef idx="2">
+            <a:schemeClr val="accent1">
+              <a:shade val="50000"/>
+            </a:schemeClr>
+          </a:lnRef>
+          <a:fillRef idx="1">
+            <a:schemeClr val="accent1"/>
+          </a:fillRef>
+          <a:effectRef idx="0">
+            <a:schemeClr val="accent1"/>
+          </a:effectRef>
+          <a:fontRef idx="minor">
+            <a:schemeClr val="lt1"/>
+          </a:fontRef>
+        </p:style>
+        <p:txBody>
+          <a:bodyPr rtlCol="0" anchor="ctr"/>
+          <a:lstStyle/>
+          <a:p>
+            <a:pPr algn="ctr"/>
+            <a:endParaRPr lang="en-US"/>
+          </a:p>
+        </p:txBody>
+      </p:sp>
+      <p:sp>
+        <p:nvSpPr>
+          <p:cNvPr id="2" name="Título 1">
+            <a:extLst>
+              <a:ext uri="{FF2B5EF4-FFF2-40B4-BE49-F238E27FC236}">
+                <a16:creationId xmlns:a16="http://schemas.microsoft.com/office/drawing/2014/main" id="{9B2594E6-7212-20CD-338A-1C52F7F868FE}"/>
+              </a:ext>
+            </a:extLst>
+          </p:cNvPr>
+          <p:cNvSpPr>
+            <a:spLocks noGrp="1"/>
+          </p:cNvSpPr>
+          <p:nvPr>
+            <p:ph type="title"/>
+          </p:nvPr>
+        </p:nvSpPr>
+        <p:spPr>
+          <a:xfrm>
+            <a:off x="699713" y="248038"/>
+            <a:ext cx="7063721" cy="1159200"/>
+          </a:xfrm>
+        </p:spPr>
+        <p:txBody>
+          <a:bodyPr vert="horz" lIns="91440" tIns="45720" rIns="91440" bIns="45720" rtlCol="0" anchor="ctr">
+            <a:normAutofit/>
+          </a:bodyPr>
+          <a:lstStyle/>
+          <a:p>
+            <a:r>
+              <a:rPr lang="en-US" sz="4000" kern="1200" dirty="0">
+                <a:solidFill>
+                  <a:srgbClr val="FFFFFF"/>
+                </a:solidFill>
+                <a:latin typeface="+mj-lt"/>
+                <a:ea typeface="+mj-ea"/>
+                <a:cs typeface="+mj-cs"/>
+              </a:rPr>
+              <a:t>30 </a:t>
+            </a:r>
+            <a:r>
+              <a:rPr lang="en-US" sz="4000" kern="1200" dirty="0" err="1">
+                <a:solidFill>
+                  <a:srgbClr val="FFFFFF"/>
+                </a:solidFill>
+                <a:latin typeface="+mj-lt"/>
+                <a:ea typeface="+mj-ea"/>
+                <a:cs typeface="+mj-cs"/>
+              </a:rPr>
+              <a:t>Funciones</a:t>
+            </a:r>
+            <a:endParaRPr lang="en-US" sz="4000" kern="1200" dirty="0">
+              <a:solidFill>
+                <a:srgbClr val="FFFFFF"/>
+              </a:solidFill>
+              <a:latin typeface="+mj-lt"/>
+              <a:ea typeface="+mj-ea"/>
+              <a:cs typeface="+mj-cs"/>
+            </a:endParaRPr>
+          </a:p>
+        </p:txBody>
+      </p:sp>
+      <p:pic>
+        <p:nvPicPr>
+          <p:cNvPr id="4" name="Imagen 3">
+            <a:extLst>
+              <a:ext uri="{FF2B5EF4-FFF2-40B4-BE49-F238E27FC236}">
+                <a16:creationId xmlns:a16="http://schemas.microsoft.com/office/drawing/2014/main" id="{0C66F312-7927-4BD1-9055-F9883D36BD95}"/>
+              </a:ext>
+            </a:extLst>
+          </p:cNvPr>
+          <p:cNvPicPr>
+            <a:picLocks noChangeAspect="1"/>
+          </p:cNvPicPr>
+          <p:nvPr/>
+        </p:nvPicPr>
+        <p:blipFill rotWithShape="1">
+          <a:blip r:embed="rId2"/>
+          <a:srcRect b="58519"/>
+          <a:stretch/>
+        </p:blipFill>
+        <p:spPr>
+          <a:xfrm>
+            <a:off x="465248" y="2030113"/>
+            <a:ext cx="5848251" cy="3888906"/>
+          </a:xfrm>
+          <a:prstGeom prst="rect">
+            <a:avLst/>
+          </a:prstGeom>
+        </p:spPr>
+      </p:pic>
+      <p:pic>
+        <p:nvPicPr>
+          <p:cNvPr id="6" name="Imagen 5">
+            <a:extLst>
+              <a:ext uri="{FF2B5EF4-FFF2-40B4-BE49-F238E27FC236}">
+                <a16:creationId xmlns:a16="http://schemas.microsoft.com/office/drawing/2014/main" id="{FAB4AFE7-842B-4AC7-8552-277CB09C43A8}"/>
+              </a:ext>
+            </a:extLst>
+          </p:cNvPr>
+          <p:cNvPicPr>
+            <a:picLocks noChangeAspect="1"/>
+          </p:cNvPicPr>
+          <p:nvPr/>
+        </p:nvPicPr>
+        <p:blipFill rotWithShape="1">
+          <a:blip r:embed="rId2"/>
+          <a:srcRect t="40714"/>
+          <a:stretch/>
+        </p:blipFill>
+        <p:spPr>
+          <a:xfrm>
+            <a:off x="6778747" y="1822348"/>
+            <a:ext cx="5039627" cy="4789569"/>
+          </a:xfrm>
+          <a:prstGeom prst="rect">
+            <a:avLst/>
+          </a:prstGeom>
+        </p:spPr>
+      </p:pic>
+    </p:spTree>
+    <p:extLst>
+      <p:ext uri="{BB962C8B-B14F-4D97-AF65-F5344CB8AC3E}">
+        <p14:creationId xmlns:p14="http://schemas.microsoft.com/office/powerpoint/2010/main" val="1460868720"/>
+      </p:ext>
+    </p:extLst>
+  </p:cSld>
+  <p:clrMapOvr>
+    <a:masterClrMapping/>
+  </p:clrMapOvr>
+  <mc:AlternateContent xmlns:mc="http://schemas.openxmlformats.org/markup-compatibility/2006">
+    <mc:Choice xmlns:p15="http://schemas.microsoft.com/office/powerpoint/2012/main" Requires="p15">
+      <p:transition xmlns:p14="http://schemas.microsoft.com/office/powerpoint/2010/main" spd="slow" p14:dur="2000">
+        <p15:prstTrans prst="prestige"/>
+      </p:transition>
+    </mc:Choice>
+    <mc:Fallback>
+      <p:transition spd="slow">
+        <p:fade/>
+      </p:transition>
+    </mc:Fallback>
+  </mc:AlternateContent>
+</p:sld>
+</file>
+
 <file path=ppt/slides/slide2.xml><?xml version="1.0" encoding="utf-8"?>
 <p:sld xmlns:a="http://schemas.openxmlformats.org/drawingml/2006/main" xmlns:r="http://schemas.openxmlformats.org/officeDocument/2006/relationships" xmlns:p="http://schemas.openxmlformats.org/presentationml/2006/main">
   <p:cSld>

--- a/Taller Nicolas Hoyos  y Mariana Gomez.pptx
+++ b/Taller Nicolas Hoyos  y Mariana Gomez.pptx
@@ -24654,13 +24654,13 @@
   <p:clrMapOvr>
     <a:masterClrMapping/>
   </p:clrMapOvr>
-  <mc:AlternateContent xmlns:mc="http://schemas.openxmlformats.org/markup-compatibility/2006">
-    <mc:Choice xmlns:p15="http://schemas.microsoft.com/office/powerpoint/2012/main" Requires="p15">
+  <mc:AlternateContent xmlns:mc="http://schemas.openxmlformats.org/markup-compatibility/2006" xmlns:p15="http://schemas.microsoft.com/office/powerpoint/2012/main">
+    <mc:Choice Requires="p15">
       <p:transition xmlns:p14="http://schemas.microsoft.com/office/powerpoint/2010/main" spd="slow" p14:dur="2000">
         <p15:prstTrans prst="prestige"/>
       </p:transition>
     </mc:Choice>
-    <mc:Fallback>
+    <mc:Fallback xmlns="">
       <p:transition spd="slow">
         <p:fade/>
       </p:transition>
@@ -25128,13 +25128,13 @@
   <p:clrMapOvr>
     <a:masterClrMapping/>
   </p:clrMapOvr>
-  <mc:AlternateContent xmlns:mc="http://schemas.openxmlformats.org/markup-compatibility/2006">
-    <mc:Choice xmlns:p15="http://schemas.microsoft.com/office/powerpoint/2012/main" Requires="p15">
+  <mc:AlternateContent xmlns:mc="http://schemas.openxmlformats.org/markup-compatibility/2006" xmlns:p15="http://schemas.microsoft.com/office/powerpoint/2012/main">
+    <mc:Choice Requires="p15">
       <p:transition xmlns:p14="http://schemas.microsoft.com/office/powerpoint/2010/main" spd="slow" p14:dur="2000">
         <p15:prstTrans prst="prestige"/>
       </p:transition>
     </mc:Choice>
-    <mc:Fallback>
+    <mc:Fallback xmlns="">
       <p:transition spd="slow">
         <p:fade/>
       </p:transition>
@@ -25602,13 +25602,13 @@
   <p:clrMapOvr>
     <a:masterClrMapping/>
   </p:clrMapOvr>
-  <mc:AlternateContent xmlns:mc="http://schemas.openxmlformats.org/markup-compatibility/2006">
-    <mc:Choice xmlns:p15="http://schemas.microsoft.com/office/powerpoint/2012/main" Requires="p15">
+  <mc:AlternateContent xmlns:mc="http://schemas.openxmlformats.org/markup-compatibility/2006" xmlns:p15="http://schemas.microsoft.com/office/powerpoint/2012/main">
+    <mc:Choice Requires="p15">
       <p:transition xmlns:p14="http://schemas.microsoft.com/office/powerpoint/2010/main" spd="slow" p14:dur="2000">
         <p15:prstTrans prst="prestige"/>
       </p:transition>
     </mc:Choice>
-    <mc:Fallback>
+    <mc:Fallback xmlns="">
       <p:transition spd="slow">
         <p:fade/>
       </p:transition>
@@ -26075,13 +26075,13 @@
   <p:clrMapOvr>
     <a:masterClrMapping/>
   </p:clrMapOvr>
-  <mc:AlternateContent xmlns:mc="http://schemas.openxmlformats.org/markup-compatibility/2006">
-    <mc:Choice xmlns:p15="http://schemas.microsoft.com/office/powerpoint/2012/main" Requires="p15">
+  <mc:AlternateContent xmlns:mc="http://schemas.openxmlformats.org/markup-compatibility/2006" xmlns:p15="http://schemas.microsoft.com/office/powerpoint/2012/main">
+    <mc:Choice Requires="p15">
       <p:transition xmlns:p14="http://schemas.microsoft.com/office/powerpoint/2010/main" spd="slow" p14:dur="2000">
         <p15:prstTrans prst="prestige"/>
       </p:transition>
     </mc:Choice>
-    <mc:Fallback>
+    <mc:Fallback xmlns="">
       <p:transition spd="slow">
         <p:fade/>
       </p:transition>
@@ -26547,13 +26547,13 @@
   <p:clrMapOvr>
     <a:masterClrMapping/>
   </p:clrMapOvr>
-  <mc:AlternateContent xmlns:mc="http://schemas.openxmlformats.org/markup-compatibility/2006">
-    <mc:Choice xmlns:p15="http://schemas.microsoft.com/office/powerpoint/2012/main" Requires="p15">
+  <mc:AlternateContent xmlns:mc="http://schemas.openxmlformats.org/markup-compatibility/2006" xmlns:p15="http://schemas.microsoft.com/office/powerpoint/2012/main">
+    <mc:Choice Requires="p15">
       <p:transition xmlns:p14="http://schemas.microsoft.com/office/powerpoint/2010/main" spd="slow" p14:dur="2000">
         <p15:prstTrans prst="prestige"/>
       </p:transition>
     </mc:Choice>
-    <mc:Fallback>
+    <mc:Fallback xmlns="">
       <p:transition spd="slow">
         <p:fade/>
       </p:transition>
@@ -28438,7 +28438,7 @@
         </p:nvSpPr>
         <p:spPr>
           <a:xfrm>
-            <a:off x="1371597" y="348865"/>
+            <a:off x="1371597" y="378362"/>
             <a:ext cx="10044023" cy="877729"/>
           </a:xfrm>
         </p:spPr>
@@ -29561,14 +29561,30 @@
           <a:lstStyle/>
           <a:p>
             <a:r>
-              <a:rPr lang="es-CO" sz="4000">
+              <a:rPr lang="es-CO" sz="4000" dirty="0">
                 <a:solidFill>
                   <a:srgbClr val="FFFFFF"/>
                 </a:solidFill>
               </a:rPr>
-              <a:t>¿Qué es un singleton?</a:t>
+              <a:t>3. ¿Qué es un </a:t>
             </a:r>
-            <a:endParaRPr lang="es-ES" sz="4000">
+            <a:r>
+              <a:rPr lang="es-CO" sz="4000" dirty="0" err="1">
+                <a:solidFill>
+                  <a:srgbClr val="FFFFFF"/>
+                </a:solidFill>
+              </a:rPr>
+              <a:t>singleton</a:t>
+            </a:r>
+            <a:r>
+              <a:rPr lang="es-CO" sz="4000" dirty="0">
+                <a:solidFill>
+                  <a:srgbClr val="FFFFFF"/>
+                </a:solidFill>
+              </a:rPr>
+              <a:t>?</a:t>
+            </a:r>
+            <a:endParaRPr lang="es-ES" sz="4000" dirty="0">
               <a:solidFill>
                 <a:srgbClr val="FFFFFF"/>
               </a:solidFill>
@@ -30593,14 +30609,14 @@
           <a:lstStyle/>
           <a:p>
             <a:r>
-              <a:rPr lang="es-CO" sz="4000">
+              <a:rPr lang="es-CO" sz="4000" dirty="0">
                 <a:solidFill>
                   <a:srgbClr val="FFFFFF"/>
                 </a:solidFill>
               </a:rPr>
-              <a:t>Implementación en C# y Unity</a:t>
+              <a:t> Implementación en C# y Unity</a:t>
             </a:r>
-            <a:endParaRPr lang="es-ES" sz="4000">
+            <a:endParaRPr lang="es-ES" sz="4000" dirty="0">
               <a:solidFill>
                 <a:srgbClr val="FFFFFF"/>
               </a:solidFill>
